--- a/lectures3/Pythonlearn-07-Files.pptx
+++ b/lectures3/Pythonlearn-07-Files.pptx
@@ -585,8 +585,8 @@
         </p:nvSpPr>
         <p:spPr>
           <a:xfrm>
-            <a:off x="1143225" y="685800"/>
-            <a:ext cx="4572225" cy="3429000"/>
+            <a:off x="381000" y="685800"/>
+            <a:ext cx="6096000" cy="3429000"/>
           </a:xfrm>
           <a:custGeom>
             <a:avLst/>
@@ -695,8 +695,8 @@
         </p:nvSpPr>
         <p:spPr>
           <a:xfrm>
-            <a:off x="1143225" y="685800"/>
-            <a:ext cx="4572225" cy="3429000"/>
+            <a:off x="381000" y="685800"/>
+            <a:ext cx="6096000" cy="3429000"/>
           </a:xfrm>
           <a:custGeom>
             <a:avLst/>
@@ -805,8 +805,8 @@
         </p:nvSpPr>
         <p:spPr>
           <a:xfrm>
-            <a:off x="1143225" y="685800"/>
-            <a:ext cx="4572225" cy="3429000"/>
+            <a:off x="381000" y="685800"/>
+            <a:ext cx="6096000" cy="3429000"/>
           </a:xfrm>
           <a:custGeom>
             <a:avLst/>
@@ -915,8 +915,8 @@
         </p:nvSpPr>
         <p:spPr>
           <a:xfrm>
-            <a:off x="1143225" y="685800"/>
-            <a:ext cx="4572225" cy="3429000"/>
+            <a:off x="381000" y="685800"/>
+            <a:ext cx="6096000" cy="3429000"/>
           </a:xfrm>
           <a:custGeom>
             <a:avLst/>
@@ -1025,8 +1025,8 @@
         </p:nvSpPr>
         <p:spPr>
           <a:xfrm>
-            <a:off x="1143225" y="685800"/>
-            <a:ext cx="4572225" cy="3429000"/>
+            <a:off x="381000" y="685800"/>
+            <a:ext cx="6096000" cy="3429000"/>
           </a:xfrm>
           <a:custGeom>
             <a:avLst/>
@@ -1135,8 +1135,8 @@
         </p:nvSpPr>
         <p:spPr>
           <a:xfrm>
-            <a:off x="1143225" y="685800"/>
-            <a:ext cx="4572225" cy="3429000"/>
+            <a:off x="381000" y="685800"/>
+            <a:ext cx="6096000" cy="3429000"/>
           </a:xfrm>
           <a:custGeom>
             <a:avLst/>
@@ -1245,8 +1245,8 @@
         </p:nvSpPr>
         <p:spPr>
           <a:xfrm>
-            <a:off x="1143225" y="685800"/>
-            <a:ext cx="4572225" cy="3429000"/>
+            <a:off x="381000" y="685800"/>
+            <a:ext cx="6096000" cy="3429000"/>
           </a:xfrm>
           <a:custGeom>
             <a:avLst/>
@@ -1355,8 +1355,8 @@
         </p:nvSpPr>
         <p:spPr>
           <a:xfrm>
-            <a:off x="1143225" y="685800"/>
-            <a:ext cx="4572225" cy="3429000"/>
+            <a:off x="381000" y="685800"/>
+            <a:ext cx="6096000" cy="3429000"/>
           </a:xfrm>
           <a:custGeom>
             <a:avLst/>
@@ -1465,8 +1465,8 @@
         </p:nvSpPr>
         <p:spPr>
           <a:xfrm>
-            <a:off x="1143225" y="685800"/>
-            <a:ext cx="4572225" cy="3429000"/>
+            <a:off x="381000" y="685800"/>
+            <a:ext cx="6096000" cy="3429000"/>
           </a:xfrm>
           <a:custGeom>
             <a:avLst/>
@@ -1575,8 +1575,8 @@
         </p:nvSpPr>
         <p:spPr>
           <a:xfrm>
-            <a:off x="1143225" y="685800"/>
-            <a:ext cx="4572225" cy="3429000"/>
+            <a:off x="381000" y="685800"/>
+            <a:ext cx="6096000" cy="3429000"/>
           </a:xfrm>
           <a:custGeom>
             <a:avLst/>
@@ -1685,8 +1685,8 @@
         </p:nvSpPr>
         <p:spPr>
           <a:xfrm>
-            <a:off x="1143225" y="685800"/>
-            <a:ext cx="4572225" cy="3429000"/>
+            <a:off x="381000" y="685800"/>
+            <a:ext cx="6096000" cy="3429000"/>
           </a:xfrm>
           <a:custGeom>
             <a:avLst/>
@@ -1795,8 +1795,8 @@
         </p:nvSpPr>
         <p:spPr>
           <a:xfrm>
-            <a:off x="1143225" y="685800"/>
-            <a:ext cx="4572225" cy="3429000"/>
+            <a:off x="381000" y="685800"/>
+            <a:ext cx="6096000" cy="3429000"/>
           </a:xfrm>
           <a:custGeom>
             <a:avLst/>
@@ -1905,8 +1905,8 @@
         </p:nvSpPr>
         <p:spPr>
           <a:xfrm>
-            <a:off x="1143225" y="685800"/>
-            <a:ext cx="4572225" cy="3429000"/>
+            <a:off x="381000" y="685800"/>
+            <a:ext cx="6096000" cy="3429000"/>
           </a:xfrm>
           <a:custGeom>
             <a:avLst/>
@@ -2015,8 +2015,8 @@
         </p:nvSpPr>
         <p:spPr>
           <a:xfrm>
-            <a:off x="1143225" y="685800"/>
-            <a:ext cx="4572225" cy="3429000"/>
+            <a:off x="381000" y="685800"/>
+            <a:ext cx="6096000" cy="3429000"/>
           </a:xfrm>
           <a:custGeom>
             <a:avLst/>
@@ -2125,8 +2125,8 @@
         </p:nvSpPr>
         <p:spPr>
           <a:xfrm>
-            <a:off x="1143225" y="685800"/>
-            <a:ext cx="4572225" cy="3429000"/>
+            <a:off x="381000" y="685800"/>
+            <a:ext cx="6096000" cy="3429000"/>
           </a:xfrm>
           <a:custGeom>
             <a:avLst/>
@@ -2345,8 +2345,8 @@
         </p:nvSpPr>
         <p:spPr>
           <a:xfrm>
-            <a:off x="1143225" y="685800"/>
-            <a:ext cx="4572225" cy="3429000"/>
+            <a:off x="381000" y="685800"/>
+            <a:ext cx="6096000" cy="3429000"/>
           </a:xfrm>
           <a:custGeom>
             <a:avLst/>
@@ -2455,8 +2455,8 @@
         </p:nvSpPr>
         <p:spPr>
           <a:xfrm>
-            <a:off x="1143225" y="685800"/>
-            <a:ext cx="4572225" cy="3429000"/>
+            <a:off x="381000" y="685800"/>
+            <a:ext cx="6096000" cy="3429000"/>
           </a:xfrm>
           <a:custGeom>
             <a:avLst/>
@@ -2565,8 +2565,8 @@
         </p:nvSpPr>
         <p:spPr>
           <a:xfrm>
-            <a:off x="1143225" y="685800"/>
-            <a:ext cx="4572225" cy="3429000"/>
+            <a:off x="381000" y="685800"/>
+            <a:ext cx="6096000" cy="3429000"/>
           </a:xfrm>
           <a:custGeom>
             <a:avLst/>
@@ -2675,8 +2675,8 @@
         </p:nvSpPr>
         <p:spPr>
           <a:xfrm>
-            <a:off x="1143225" y="685800"/>
-            <a:ext cx="4572225" cy="3429000"/>
+            <a:off x="381000" y="685800"/>
+            <a:ext cx="6096000" cy="3429000"/>
           </a:xfrm>
           <a:custGeom>
             <a:avLst/>
@@ -2785,8 +2785,8 @@
         </p:nvSpPr>
         <p:spPr>
           <a:xfrm>
-            <a:off x="1143225" y="685800"/>
-            <a:ext cx="4572225" cy="3429000"/>
+            <a:off x="381000" y="685800"/>
+            <a:ext cx="6096000" cy="3429000"/>
           </a:xfrm>
           <a:custGeom>
             <a:avLst/>
@@ -2895,8 +2895,8 @@
         </p:nvSpPr>
         <p:spPr>
           <a:xfrm>
-            <a:off x="1143225" y="685800"/>
-            <a:ext cx="4572225" cy="3429000"/>
+            <a:off x="381000" y="685800"/>
+            <a:ext cx="6096000" cy="3429000"/>
           </a:xfrm>
           <a:custGeom>
             <a:avLst/>
@@ -3005,8 +3005,8 @@
         </p:nvSpPr>
         <p:spPr>
           <a:xfrm>
-            <a:off x="1143225" y="685800"/>
-            <a:ext cx="4572225" cy="3429000"/>
+            <a:off x="381000" y="685800"/>
+            <a:ext cx="6096000" cy="3429000"/>
           </a:xfrm>
           <a:custGeom>
             <a:avLst/>
@@ -20933,13 +20933,13 @@
               <a:buNone/>
             </a:pPr>
             <a:r>
-              <a:rPr lang="en-US" sz="7600" b="0" i="0" u="none" strike="noStrike" cap="none">
+              <a:rPr lang="en-US" sz="7600" u="none" strike="noStrike" cap="none">
                 <a:solidFill>
                   <a:srgbClr val="FFFF00"/>
                 </a:solidFill>
-                <a:latin typeface="Cabin"/>
-                <a:ea typeface="Cabin"/>
-                <a:cs typeface="Cabin"/>
+                <a:latin typeface="Arial" charset="0"/>
+                <a:ea typeface="Arial" charset="0"/>
+                <a:cs typeface="Arial" charset="0"/>
                 <a:sym typeface="Cabin"/>
               </a:rPr>
               <a:t>Reading Files</a:t>
@@ -20994,13 +20994,13 @@
               <a:buNone/>
             </a:pPr>
             <a:r>
-              <a:rPr lang="en-US" sz="4800" b="0" i="0" u="none" strike="noStrike" cap="none">
+              <a:rPr lang="en-US" sz="4800" u="none" strike="noStrike" cap="none">
                 <a:solidFill>
                   <a:schemeClr val="lt1"/>
                 </a:solidFill>
-                <a:latin typeface="Cabin"/>
-                <a:ea typeface="Cabin"/>
-                <a:cs typeface="Cabin"/>
+                <a:latin typeface="Arial" charset="0"/>
+                <a:ea typeface="Arial" charset="0"/>
+                <a:cs typeface="Arial" charset="0"/>
                 <a:sym typeface="Cabin"/>
               </a:rPr>
               <a:t>Chapter 7</a:t>
@@ -21051,13 +21051,13 @@
               <a:buNone/>
             </a:pPr>
             <a:r>
-              <a:rPr lang="en-US" sz="3200" b="0" i="0" u="none" strike="noStrike" cap="none">
+              <a:rPr lang="en-US" sz="3200" u="none" strike="noStrike" cap="none">
                 <a:solidFill>
                   <a:srgbClr val="FFFF00"/>
                 </a:solidFill>
-                <a:latin typeface="Cabin"/>
-                <a:ea typeface="Cabin"/>
-                <a:cs typeface="Cabin"/>
+                <a:latin typeface="Arial" charset="0"/>
+                <a:ea typeface="Arial" charset="0"/>
+                <a:cs typeface="Arial" charset="0"/>
                 <a:sym typeface="Cabin"/>
               </a:rPr>
               <a:t>Python for Informatics: Exploring Information</a:t>
@@ -21082,13 +21082,13 @@
               <a:buNone/>
             </a:pPr>
             <a:r>
-              <a:rPr lang="en-US" sz="3200" b="0" i="0" u="sng" strike="noStrike" cap="none">
+              <a:rPr lang="en-US" sz="3200" u="sng" strike="noStrike" cap="none">
                 <a:solidFill>
                   <a:srgbClr val="FFFF00"/>
                 </a:solidFill>
-                <a:latin typeface="Cabin"/>
-                <a:ea typeface="Cabin"/>
-                <a:cs typeface="Cabin"/>
+                <a:latin typeface="Arial" charset="0"/>
+                <a:ea typeface="Arial" charset="0"/>
+                <a:cs typeface="Arial" charset="0"/>
                 <a:sym typeface="Cabin"/>
                 <a:hlinkClick r:id="rId3"/>
               </a:rPr>
@@ -21223,13 +21223,13 @@
               <a:buNone/>
             </a:pPr>
             <a:r>
-              <a:rPr lang="en-US" sz="7600" b="0" i="0" u="none" strike="noStrike" cap="none">
+              <a:rPr lang="en-US" sz="7600" u="none" strike="noStrike" cap="none">
                 <a:solidFill>
                   <a:srgbClr val="FFFF00"/>
                 </a:solidFill>
-                <a:latin typeface="Cabin"/>
-                <a:ea typeface="Cabin"/>
-                <a:cs typeface="Cabin"/>
+                <a:latin typeface="Arial" charset="0"/>
+                <a:ea typeface="Arial" charset="0"/>
+                <a:cs typeface="Arial" charset="0"/>
                 <a:sym typeface="Cabin"/>
               </a:rPr>
               <a:t>File Processing</a:t>
@@ -21284,37 +21284,37 @@
               <a:buChar char="•"/>
             </a:pPr>
             <a:r>
-              <a:rPr lang="en-US" sz="3600" b="0" i="0" u="none" strike="noStrike" cap="none">
+              <a:rPr lang="en-US" sz="3600" u="none" strike="noStrike" cap="none">
                 <a:solidFill>
                   <a:schemeClr val="lt1"/>
                 </a:solidFill>
-                <a:latin typeface="Cabin"/>
-                <a:ea typeface="Cabin"/>
-                <a:cs typeface="Cabin"/>
+                <a:latin typeface="Arial" charset="0"/>
+                <a:ea typeface="Arial" charset="0"/>
+                <a:cs typeface="Arial" charset="0"/>
                 <a:sym typeface="Cabin"/>
               </a:rPr>
               <a:t>A text file has </a:t>
             </a:r>
             <a:r>
-              <a:rPr lang="en-US" sz="3600" b="0" i="0" u="none" strike="noStrike" cap="none">
+              <a:rPr lang="en-US" sz="3600" u="none" strike="noStrike" cap="none">
                 <a:solidFill>
                   <a:srgbClr val="00FFFF"/>
                 </a:solidFill>
-                <a:latin typeface="Cabin"/>
-                <a:ea typeface="Cabin"/>
-                <a:cs typeface="Cabin"/>
+                <a:latin typeface="Arial" charset="0"/>
+                <a:ea typeface="Arial" charset="0"/>
+                <a:cs typeface="Arial" charset="0"/>
                 <a:sym typeface="Cabin"/>
               </a:rPr>
               <a:t>newlines</a:t>
             </a:r>
             <a:r>
-              <a:rPr lang="en-US" sz="3600" b="0" i="0" u="none" strike="noStrike" cap="none">
+              <a:rPr lang="en-US" sz="3600" u="none" strike="noStrike" cap="none">
                 <a:solidFill>
                   <a:schemeClr val="lt1"/>
                 </a:solidFill>
-                <a:latin typeface="Cabin"/>
-                <a:ea typeface="Cabin"/>
-                <a:cs typeface="Cabin"/>
+                <a:latin typeface="Arial" charset="0"/>
+                <a:ea typeface="Arial" charset="0"/>
+                <a:cs typeface="Arial" charset="0"/>
                 <a:sym typeface="Cabin"/>
               </a:rPr>
               <a:t> at the end of each line</a:t>
@@ -21800,13 +21800,13 @@
               <a:buNone/>
             </a:pPr>
             <a:r>
-              <a:rPr lang="en-US" sz="7600" b="0" i="0" u="none" strike="noStrike" cap="none">
+              <a:rPr lang="en-US" sz="7600" u="none" strike="noStrike" cap="none">
                 <a:solidFill>
                   <a:srgbClr val="FFFF00"/>
                 </a:solidFill>
-                <a:latin typeface="Cabin"/>
-                <a:ea typeface="Cabin"/>
-                <a:cs typeface="Cabin"/>
+                <a:latin typeface="Arial" charset="0"/>
+                <a:ea typeface="Arial" charset="0"/>
+                <a:cs typeface="Arial" charset="0"/>
                 <a:sym typeface="Cabin"/>
               </a:rPr>
               <a:t>File Handle as a Sequence</a:t>
@@ -21861,61 +21861,61 @@
               <a:buChar char="•"/>
             </a:pPr>
             <a:r>
-              <a:rPr lang="en-US" sz="3400" b="0" i="0" u="none" strike="noStrike" cap="none">
+              <a:rPr lang="en-US" sz="3400" u="none" strike="noStrike" cap="none">
                 <a:solidFill>
                   <a:schemeClr val="lt1"/>
                 </a:solidFill>
-                <a:latin typeface="Cabin"/>
-                <a:ea typeface="Cabin"/>
-                <a:cs typeface="Cabin"/>
+                <a:latin typeface="Arial" charset="0"/>
+                <a:ea typeface="Arial" charset="0"/>
+                <a:cs typeface="Arial" charset="0"/>
                 <a:sym typeface="Cabin"/>
               </a:rPr>
               <a:t>A </a:t>
             </a:r>
             <a:r>
-              <a:rPr lang="en-US" sz="3400" b="0" i="0" u="none" strike="noStrike" cap="none">
+              <a:rPr lang="en-US" sz="3400" u="none" strike="noStrike" cap="none">
                 <a:solidFill>
                   <a:srgbClr val="FF7F00"/>
                 </a:solidFill>
-                <a:latin typeface="Cabin"/>
-                <a:ea typeface="Cabin"/>
-                <a:cs typeface="Cabin"/>
+                <a:latin typeface="Arial" charset="0"/>
+                <a:ea typeface="Arial" charset="0"/>
+                <a:cs typeface="Arial" charset="0"/>
                 <a:sym typeface="Cabin"/>
               </a:rPr>
               <a:t>file handle</a:t>
             </a:r>
             <a:r>
-              <a:rPr lang="en-US" sz="3400" b="0" i="0" u="none" strike="noStrike" cap="none">
+              <a:rPr lang="en-US" sz="3400" u="none" strike="noStrike" cap="none">
                 <a:solidFill>
                   <a:schemeClr val="lt1"/>
                 </a:solidFill>
-                <a:latin typeface="Cabin"/>
-                <a:ea typeface="Cabin"/>
-                <a:cs typeface="Cabin"/>
+                <a:latin typeface="Arial" charset="0"/>
+                <a:ea typeface="Arial" charset="0"/>
+                <a:cs typeface="Arial" charset="0"/>
                 <a:sym typeface="Cabin"/>
               </a:rPr>
               <a:t> open for read can be treated as a </a:t>
             </a:r>
             <a:r>
-              <a:rPr lang="en-US" sz="3400" b="0" i="0" u="none" strike="noStrike" cap="none">
+              <a:rPr lang="en-US" sz="3400" u="none" strike="noStrike" cap="none">
                 <a:solidFill>
                   <a:srgbClr val="00FFFF"/>
                 </a:solidFill>
-                <a:latin typeface="Cabin"/>
-                <a:ea typeface="Cabin"/>
-                <a:cs typeface="Cabin"/>
+                <a:latin typeface="Arial" charset="0"/>
+                <a:ea typeface="Arial" charset="0"/>
+                <a:cs typeface="Arial" charset="0"/>
                 <a:sym typeface="Cabin"/>
               </a:rPr>
               <a:t>sequence</a:t>
             </a:r>
             <a:r>
-              <a:rPr lang="en-US" sz="3400" b="0" i="0" u="none" strike="noStrike" cap="none">
+              <a:rPr lang="en-US" sz="3400" u="none" strike="noStrike" cap="none">
                 <a:solidFill>
                   <a:schemeClr val="lt1"/>
                 </a:solidFill>
-                <a:latin typeface="Cabin"/>
-                <a:ea typeface="Cabin"/>
-                <a:cs typeface="Cabin"/>
+                <a:latin typeface="Arial" charset="0"/>
+                <a:ea typeface="Arial" charset="0"/>
+                <a:cs typeface="Arial" charset="0"/>
                 <a:sym typeface="Cabin"/>
               </a:rPr>
               <a:t> of strings where each line in the file is a string in the sequence</a:t>
@@ -21940,61 +21940,61 @@
               <a:buChar char="•"/>
             </a:pPr>
             <a:r>
-              <a:rPr lang="en-US" sz="3400" b="0" i="0" u="none" strike="noStrike" cap="none">
+              <a:rPr lang="en-US" sz="3400" u="none" strike="noStrike" cap="none">
                 <a:solidFill>
                   <a:schemeClr val="lt1"/>
                 </a:solidFill>
-                <a:latin typeface="Cabin"/>
-                <a:ea typeface="Cabin"/>
-                <a:cs typeface="Cabin"/>
+                <a:latin typeface="Arial" charset="0"/>
+                <a:ea typeface="Arial" charset="0"/>
+                <a:cs typeface="Arial" charset="0"/>
                 <a:sym typeface="Cabin"/>
               </a:rPr>
               <a:t>We can use the </a:t>
             </a:r>
             <a:r>
-              <a:rPr lang="en-US" sz="3400" b="0" i="0" u="none" strike="noStrike" cap="none">
+              <a:rPr lang="en-US" sz="3400" u="none" strike="noStrike" cap="none">
                 <a:solidFill>
                   <a:srgbClr val="FFFF00"/>
                 </a:solidFill>
-                <a:latin typeface="Cabin"/>
-                <a:ea typeface="Cabin"/>
-                <a:cs typeface="Cabin"/>
+                <a:latin typeface="Arial" charset="0"/>
+                <a:ea typeface="Arial" charset="0"/>
+                <a:cs typeface="Arial" charset="0"/>
                 <a:sym typeface="Cabin"/>
               </a:rPr>
               <a:t>for</a:t>
             </a:r>
             <a:r>
-              <a:rPr lang="en-US" sz="3400" b="0" i="0" u="none" strike="noStrike" cap="none">
+              <a:rPr lang="en-US" sz="3400" u="none" strike="noStrike" cap="none">
                 <a:solidFill>
                   <a:srgbClr val="00FF00"/>
                 </a:solidFill>
-                <a:latin typeface="Cabin"/>
-                <a:ea typeface="Cabin"/>
-                <a:cs typeface="Cabin"/>
+                <a:latin typeface="Arial" charset="0"/>
+                <a:ea typeface="Arial" charset="0"/>
+                <a:cs typeface="Arial" charset="0"/>
                 <a:sym typeface="Cabin"/>
               </a:rPr>
               <a:t> </a:t>
             </a:r>
             <a:r>
-              <a:rPr lang="en-US" sz="3400" b="0" i="0" u="none" strike="noStrike" cap="none">
+              <a:rPr lang="en-US" sz="3400" u="none" strike="noStrike" cap="none">
                 <a:solidFill>
                   <a:schemeClr val="lt1"/>
                 </a:solidFill>
-                <a:latin typeface="Cabin"/>
-                <a:ea typeface="Cabin"/>
-                <a:cs typeface="Cabin"/>
+                <a:latin typeface="Arial" charset="0"/>
+                <a:ea typeface="Arial" charset="0"/>
+                <a:cs typeface="Arial" charset="0"/>
                 <a:sym typeface="Cabin"/>
               </a:rPr>
               <a:t>statement to iterate through a </a:t>
             </a:r>
             <a:r>
-              <a:rPr lang="en-US" sz="3400" b="0" i="0" u="none" strike="noStrike" cap="none">
+              <a:rPr lang="en-US" sz="3400" u="none" strike="noStrike" cap="none">
                 <a:solidFill>
                   <a:srgbClr val="00FFFF"/>
                 </a:solidFill>
-                <a:latin typeface="Cabin"/>
-                <a:ea typeface="Cabin"/>
-                <a:cs typeface="Cabin"/>
+                <a:latin typeface="Arial" charset="0"/>
+                <a:ea typeface="Arial" charset="0"/>
+                <a:cs typeface="Arial" charset="0"/>
                 <a:sym typeface="Cabin"/>
               </a:rPr>
               <a:t>sequence</a:t>
@@ -22019,37 +22019,37 @@
               <a:buChar char="•"/>
             </a:pPr>
             <a:r>
-              <a:rPr lang="en-US" sz="3400" b="0" i="0" u="none" strike="noStrike" cap="none">
+              <a:rPr lang="en-US" sz="3400" u="none" strike="noStrike" cap="none">
                 <a:solidFill>
                   <a:schemeClr val="lt1"/>
                 </a:solidFill>
-                <a:latin typeface="Cabin"/>
-                <a:ea typeface="Cabin"/>
-                <a:cs typeface="Cabin"/>
+                <a:latin typeface="Arial" charset="0"/>
+                <a:ea typeface="Arial" charset="0"/>
+                <a:cs typeface="Arial" charset="0"/>
                 <a:sym typeface="Cabin"/>
               </a:rPr>
               <a:t>Remember - a </a:t>
             </a:r>
             <a:r>
-              <a:rPr lang="en-US" sz="3400" b="0" i="0" u="none" strike="noStrike" cap="none">
+              <a:rPr lang="en-US" sz="3400" u="none" strike="noStrike" cap="none">
                 <a:solidFill>
                   <a:srgbClr val="00FFFF"/>
                 </a:solidFill>
-                <a:latin typeface="Cabin"/>
-                <a:ea typeface="Cabin"/>
-                <a:cs typeface="Cabin"/>
+                <a:latin typeface="Arial" charset="0"/>
+                <a:ea typeface="Arial" charset="0"/>
+                <a:cs typeface="Arial" charset="0"/>
                 <a:sym typeface="Cabin"/>
               </a:rPr>
               <a:t>sequence</a:t>
             </a:r>
             <a:r>
-              <a:rPr lang="en-US" sz="3400" b="0" i="0" u="none" strike="noStrike" cap="none">
+              <a:rPr lang="en-US" sz="3400" u="none" strike="noStrike" cap="none">
                 <a:solidFill>
                   <a:schemeClr val="lt1"/>
                 </a:solidFill>
-                <a:latin typeface="Cabin"/>
-                <a:ea typeface="Cabin"/>
-                <a:cs typeface="Cabin"/>
+                <a:latin typeface="Arial" charset="0"/>
+                <a:ea typeface="Arial" charset="0"/>
+                <a:cs typeface="Arial" charset="0"/>
                 <a:sym typeface="Cabin"/>
               </a:rPr>
               <a:t> is an ordered set</a:t>
@@ -22392,13 +22392,13 @@
               <a:buNone/>
             </a:pPr>
             <a:r>
-              <a:rPr lang="en-US" sz="7600" b="0" i="0" u="none" strike="noStrike" cap="none">
+              <a:rPr lang="en-US" sz="7600" u="none" strike="noStrike" cap="none">
                 <a:solidFill>
                   <a:srgbClr val="FFFF00"/>
                 </a:solidFill>
-                <a:latin typeface="Cabin"/>
-                <a:ea typeface="Cabin"/>
-                <a:cs typeface="Cabin"/>
+                <a:latin typeface="Arial" charset="0"/>
+                <a:ea typeface="Arial" charset="0"/>
+                <a:cs typeface="Arial" charset="0"/>
                 <a:sym typeface="Cabin"/>
               </a:rPr>
               <a:t>Counting Lines in a File</a:t>
@@ -22453,37 +22453,37 @@
               <a:buChar char="•"/>
             </a:pPr>
             <a:r>
-              <a:rPr lang="en-US" sz="3400" b="0" i="0" u="none" strike="noStrike" cap="none">
+              <a:rPr lang="en-US" sz="3400" u="none" strike="noStrike" cap="none">
                 <a:solidFill>
                   <a:schemeClr val="lt1"/>
                 </a:solidFill>
-                <a:latin typeface="Cabin"/>
-                <a:ea typeface="Cabin"/>
-                <a:cs typeface="Cabin"/>
+                <a:latin typeface="Arial" charset="0"/>
+                <a:ea typeface="Arial" charset="0"/>
+                <a:cs typeface="Arial" charset="0"/>
                 <a:sym typeface="Cabin"/>
               </a:rPr>
               <a:t>Open a </a:t>
             </a:r>
             <a:r>
-              <a:rPr lang="en-US" sz="3400" b="0" i="0" u="none" strike="noStrike" cap="none">
+              <a:rPr lang="en-US" sz="3400" u="none" strike="noStrike" cap="none">
                 <a:solidFill>
                   <a:srgbClr val="00FF00"/>
                 </a:solidFill>
-                <a:latin typeface="Cabin"/>
-                <a:ea typeface="Cabin"/>
-                <a:cs typeface="Cabin"/>
+                <a:latin typeface="Arial" charset="0"/>
+                <a:ea typeface="Arial" charset="0"/>
+                <a:cs typeface="Arial" charset="0"/>
                 <a:sym typeface="Cabin"/>
               </a:rPr>
               <a:t>file</a:t>
             </a:r>
             <a:r>
-              <a:rPr lang="en-US" sz="3400" b="0" i="0" u="none" strike="noStrike" cap="none">
+              <a:rPr lang="en-US" sz="3400" u="none" strike="noStrike" cap="none">
                 <a:solidFill>
                   <a:schemeClr val="lt1"/>
                 </a:solidFill>
-                <a:latin typeface="Cabin"/>
-                <a:ea typeface="Cabin"/>
-                <a:cs typeface="Cabin"/>
+                <a:latin typeface="Arial" charset="0"/>
+                <a:ea typeface="Arial" charset="0"/>
+                <a:cs typeface="Arial" charset="0"/>
                 <a:sym typeface="Cabin"/>
               </a:rPr>
               <a:t> read-only</a:t>
@@ -22508,37 +22508,37 @@
               <a:buChar char="•"/>
             </a:pPr>
             <a:r>
-              <a:rPr lang="en-US" sz="3400" b="0" i="0" u="none" strike="noStrike" cap="none">
+              <a:rPr lang="en-US" sz="3400" u="none" strike="noStrike" cap="none">
                 <a:solidFill>
                   <a:schemeClr val="lt1"/>
                 </a:solidFill>
-                <a:latin typeface="Cabin"/>
-                <a:ea typeface="Cabin"/>
-                <a:cs typeface="Cabin"/>
+                <a:latin typeface="Arial" charset="0"/>
+                <a:ea typeface="Arial" charset="0"/>
+                <a:cs typeface="Arial" charset="0"/>
                 <a:sym typeface="Cabin"/>
               </a:rPr>
               <a:t>Use a </a:t>
             </a:r>
             <a:r>
-              <a:rPr lang="en-US" sz="3400" b="0" i="0" u="none" strike="noStrike" cap="none">
+              <a:rPr lang="en-US" sz="3400" u="none" strike="noStrike" cap="none">
                 <a:solidFill>
                   <a:srgbClr val="FFFF00"/>
                 </a:solidFill>
-                <a:latin typeface="Cabin"/>
-                <a:ea typeface="Cabin"/>
-                <a:cs typeface="Cabin"/>
+                <a:latin typeface="Arial" charset="0"/>
+                <a:ea typeface="Arial" charset="0"/>
+                <a:cs typeface="Arial" charset="0"/>
                 <a:sym typeface="Cabin"/>
               </a:rPr>
               <a:t>for</a:t>
             </a:r>
             <a:r>
-              <a:rPr lang="en-US" sz="3400" b="0" i="0" u="none" strike="noStrike" cap="none">
+              <a:rPr lang="en-US" sz="3400" u="none" strike="noStrike" cap="none">
                 <a:solidFill>
                   <a:schemeClr val="lt1"/>
                 </a:solidFill>
-                <a:latin typeface="Cabin"/>
-                <a:ea typeface="Cabin"/>
-                <a:cs typeface="Cabin"/>
+                <a:latin typeface="Arial" charset="0"/>
+                <a:ea typeface="Arial" charset="0"/>
+                <a:cs typeface="Arial" charset="0"/>
                 <a:sym typeface="Cabin"/>
               </a:rPr>
               <a:t> loop to read each line</a:t>
@@ -22563,25 +22563,25 @@
               <a:buChar char="•"/>
             </a:pPr>
             <a:r>
-              <a:rPr lang="en-US" sz="3400" b="0" i="0" u="none" strike="noStrike" cap="none">
+              <a:rPr lang="en-US" sz="3400" u="none" strike="noStrike" cap="none">
                 <a:solidFill>
                   <a:srgbClr val="FF7F00"/>
                 </a:solidFill>
-                <a:latin typeface="Cabin"/>
-                <a:ea typeface="Cabin"/>
-                <a:cs typeface="Cabin"/>
+                <a:latin typeface="Arial" charset="0"/>
+                <a:ea typeface="Arial" charset="0"/>
+                <a:cs typeface="Arial" charset="0"/>
                 <a:sym typeface="Cabin"/>
               </a:rPr>
               <a:t>Count</a:t>
             </a:r>
             <a:r>
-              <a:rPr lang="en-US" sz="3400" b="0" i="0" u="none" strike="noStrike" cap="none">
+              <a:rPr lang="en-US" sz="3400" u="none" strike="noStrike" cap="none">
                 <a:solidFill>
                   <a:schemeClr val="lt1"/>
                 </a:solidFill>
-                <a:latin typeface="Cabin"/>
-                <a:ea typeface="Cabin"/>
-                <a:cs typeface="Cabin"/>
+                <a:latin typeface="Arial" charset="0"/>
+                <a:ea typeface="Arial" charset="0"/>
+                <a:cs typeface="Arial" charset="0"/>
                 <a:sym typeface="Cabin"/>
               </a:rPr>
               <a:t> the lines and print out the number of lines</a:t>
@@ -23166,13 +23166,13 @@
               <a:buNone/>
             </a:pPr>
             <a:r>
-              <a:rPr lang="en-US" sz="7600" b="0" i="0" u="none" strike="noStrike" cap="none">
+              <a:rPr lang="en-US" sz="7600" u="none" strike="noStrike" cap="none">
                 <a:solidFill>
                   <a:srgbClr val="FFFF00"/>
                 </a:solidFill>
-                <a:latin typeface="Cabin"/>
-                <a:ea typeface="Cabin"/>
-                <a:cs typeface="Cabin"/>
+                <a:latin typeface="Arial" charset="0"/>
+                <a:ea typeface="Arial" charset="0"/>
+                <a:cs typeface="Arial" charset="0"/>
                 <a:sym typeface="Cabin"/>
               </a:rPr>
               <a:t>Reading the *Whole* File</a:t>
@@ -23227,49 +23227,49 @@
               <a:buChar char="•"/>
             </a:pPr>
             <a:r>
-              <a:rPr lang="en-US" sz="3400" b="0" i="0" u="none" strike="noStrike" cap="none">
+              <a:rPr lang="en-US" sz="3400" u="none" strike="noStrike" cap="none">
                 <a:solidFill>
                   <a:schemeClr val="lt1"/>
                 </a:solidFill>
-                <a:latin typeface="Cabin"/>
-                <a:ea typeface="Cabin"/>
-                <a:cs typeface="Cabin"/>
+                <a:latin typeface="Arial" charset="0"/>
+                <a:ea typeface="Arial" charset="0"/>
+                <a:cs typeface="Arial" charset="0"/>
                 <a:sym typeface="Cabin"/>
               </a:rPr>
               <a:t>We can </a:t>
             </a:r>
             <a:r>
-              <a:rPr lang="en-US" sz="3400" b="0" i="0" u="none" strike="noStrike" cap="none">
+              <a:rPr lang="en-US" sz="3400" u="none" strike="noStrike" cap="none">
                 <a:solidFill>
                   <a:srgbClr val="FF7F00"/>
                 </a:solidFill>
-                <a:latin typeface="Cabin"/>
-                <a:ea typeface="Cabin"/>
-                <a:cs typeface="Cabin"/>
+                <a:latin typeface="Arial" charset="0"/>
+                <a:ea typeface="Arial" charset="0"/>
+                <a:cs typeface="Arial" charset="0"/>
                 <a:sym typeface="Cabin"/>
               </a:rPr>
               <a:t>read</a:t>
             </a:r>
             <a:r>
-              <a:rPr lang="en-US" sz="3400" b="0" i="0" u="none" strike="noStrike" cap="none">
+              <a:rPr lang="en-US" sz="3400" u="none" strike="noStrike" cap="none">
                 <a:solidFill>
                   <a:schemeClr val="lt1"/>
                 </a:solidFill>
-                <a:latin typeface="Cabin"/>
-                <a:ea typeface="Cabin"/>
-                <a:cs typeface="Cabin"/>
+                <a:latin typeface="Arial" charset="0"/>
+                <a:ea typeface="Arial" charset="0"/>
+                <a:cs typeface="Arial" charset="0"/>
                 <a:sym typeface="Cabin"/>
               </a:rPr>
               <a:t> the whole file (newlines and all) into a </a:t>
             </a:r>
             <a:r>
-              <a:rPr lang="en-US" sz="3400" b="0" i="0" u="none" strike="noStrike" cap="none">
+              <a:rPr lang="en-US" sz="3400" u="none" strike="noStrike" cap="none">
                 <a:solidFill>
                   <a:srgbClr val="00FFFF"/>
                 </a:solidFill>
-                <a:latin typeface="Cabin"/>
-                <a:ea typeface="Cabin"/>
-                <a:cs typeface="Cabin"/>
+                <a:latin typeface="Arial" charset="0"/>
+                <a:ea typeface="Arial" charset="0"/>
+                <a:cs typeface="Arial" charset="0"/>
                 <a:sym typeface="Cabin"/>
               </a:rPr>
               <a:t>single string</a:t>
@@ -23789,13 +23789,13 @@
               <a:buNone/>
             </a:pPr>
             <a:r>
-              <a:rPr lang="en-US" sz="7600" b="0" i="0" u="none" strike="noStrike" cap="none">
+              <a:rPr lang="en-US" sz="7600" u="none" strike="noStrike" cap="none">
                 <a:solidFill>
                   <a:srgbClr val="FFFF00"/>
                 </a:solidFill>
-                <a:latin typeface="Cabin"/>
-                <a:ea typeface="Cabin"/>
-                <a:cs typeface="Cabin"/>
+                <a:latin typeface="Arial" charset="0"/>
+                <a:ea typeface="Arial" charset="0"/>
+                <a:cs typeface="Arial" charset="0"/>
                 <a:sym typeface="Cabin"/>
               </a:rPr>
               <a:t>Searching Through a File</a:t>
@@ -23850,61 +23850,61 @@
               <a:buChar char="•"/>
             </a:pPr>
             <a:r>
-              <a:rPr lang="en-US" sz="3400" b="0" i="0" u="none" strike="noStrike" cap="none">
+              <a:rPr lang="en-US" sz="3400" u="none" strike="noStrike" cap="none">
                 <a:solidFill>
                   <a:schemeClr val="lt1"/>
                 </a:solidFill>
-                <a:latin typeface="Cabin"/>
-                <a:ea typeface="Cabin"/>
-                <a:cs typeface="Cabin"/>
+                <a:latin typeface="Arial" charset="0"/>
+                <a:ea typeface="Arial" charset="0"/>
+                <a:cs typeface="Arial" charset="0"/>
                 <a:sym typeface="Cabin"/>
               </a:rPr>
               <a:t>We can put an </a:t>
             </a:r>
             <a:r>
-              <a:rPr lang="en-US" sz="3400" b="0" i="0" u="none" strike="noStrike" cap="none">
+              <a:rPr lang="en-US" sz="3400" u="none" strike="noStrike" cap="none">
                 <a:solidFill>
                   <a:srgbClr val="FFFF00"/>
                 </a:solidFill>
-                <a:latin typeface="Cabin"/>
-                <a:ea typeface="Cabin"/>
-                <a:cs typeface="Cabin"/>
+                <a:latin typeface="Arial" charset="0"/>
+                <a:ea typeface="Arial" charset="0"/>
+                <a:cs typeface="Arial" charset="0"/>
                 <a:sym typeface="Cabin"/>
               </a:rPr>
               <a:t>if </a:t>
             </a:r>
             <a:r>
-              <a:rPr lang="en-US" sz="3400" b="0" i="0" u="none" strike="noStrike" cap="none">
+              <a:rPr lang="en-US" sz="3400" u="none" strike="noStrike" cap="none">
                 <a:solidFill>
                   <a:schemeClr val="lt1"/>
                 </a:solidFill>
-                <a:latin typeface="Cabin"/>
-                <a:ea typeface="Cabin"/>
-                <a:cs typeface="Cabin"/>
+                <a:latin typeface="Arial" charset="0"/>
+                <a:ea typeface="Arial" charset="0"/>
+                <a:cs typeface="Arial" charset="0"/>
                 <a:sym typeface="Cabin"/>
               </a:rPr>
               <a:t>statement in our </a:t>
             </a:r>
             <a:r>
-              <a:rPr lang="en-US" sz="3400" b="0" i="0" u="none" strike="noStrike" cap="none">
+              <a:rPr lang="en-US" sz="3400" u="none" strike="noStrike" cap="none">
                 <a:solidFill>
                   <a:srgbClr val="FFFF00"/>
                 </a:solidFill>
-                <a:latin typeface="Cabin"/>
-                <a:ea typeface="Cabin"/>
-                <a:cs typeface="Cabin"/>
+                <a:latin typeface="Arial" charset="0"/>
+                <a:ea typeface="Arial" charset="0"/>
+                <a:cs typeface="Arial" charset="0"/>
                 <a:sym typeface="Cabin"/>
               </a:rPr>
               <a:t>for</a:t>
             </a:r>
             <a:r>
-              <a:rPr lang="en-US" sz="3400" b="0" i="0" u="none" strike="noStrike" cap="none">
+              <a:rPr lang="en-US" sz="3400" u="none" strike="noStrike" cap="none">
                 <a:solidFill>
                   <a:schemeClr val="lt1"/>
                 </a:solidFill>
-                <a:latin typeface="Cabin"/>
-                <a:ea typeface="Cabin"/>
-                <a:cs typeface="Cabin"/>
+                <a:latin typeface="Arial" charset="0"/>
+                <a:ea typeface="Arial" charset="0"/>
+                <a:cs typeface="Arial" charset="0"/>
                 <a:sym typeface="Cabin"/>
               </a:rPr>
               <a:t> loop to only print lines that meet some criteria</a:t>
@@ -24362,13 +24362,13 @@
               <a:buNone/>
             </a:pPr>
             <a:r>
-              <a:rPr lang="en-US" sz="7600" b="0" i="0" u="none" strike="noStrike" cap="none">
+              <a:rPr lang="en-US" sz="7600" u="none" strike="noStrike" cap="none">
                 <a:solidFill>
                   <a:srgbClr val="FFFF00"/>
                 </a:solidFill>
-                <a:latin typeface="Cabin"/>
-                <a:ea typeface="Cabin"/>
-                <a:cs typeface="Cabin"/>
+                <a:latin typeface="Arial" charset="0"/>
+                <a:ea typeface="Arial" charset="0"/>
+                <a:cs typeface="Arial" charset="0"/>
                 <a:sym typeface="Cabin"/>
               </a:rPr>
               <a:t>OOPS!</a:t>
@@ -24419,13 +24419,13 @@
               <a:buNone/>
             </a:pPr>
             <a:r>
-              <a:rPr lang="en-US" sz="3600" b="0" i="0" u="none" strike="noStrike" cap="none">
+              <a:rPr lang="en-US" sz="3600" u="none" strike="noStrike" cap="none">
                 <a:solidFill>
                   <a:schemeClr val="lt1"/>
                 </a:solidFill>
-                <a:latin typeface="Cabin"/>
-                <a:ea typeface="Cabin"/>
-                <a:cs typeface="Cabin"/>
+                <a:latin typeface="Arial" charset="0"/>
+                <a:ea typeface="Arial" charset="0"/>
+                <a:cs typeface="Arial" charset="0"/>
                 <a:sym typeface="Cabin"/>
               </a:rPr>
               <a:t>What are all these blank lines doing here?</a:t>
@@ -24755,13 +24755,13 @@
               <a:buNone/>
             </a:pPr>
             <a:r>
-              <a:rPr lang="en-US" sz="7600" b="0" i="0" u="none" strike="noStrike" cap="none">
+              <a:rPr lang="en-US" sz="7600" u="none" strike="noStrike" cap="none">
                 <a:solidFill>
                   <a:srgbClr val="FFFF00"/>
                 </a:solidFill>
-                <a:latin typeface="Cabin"/>
-                <a:ea typeface="Cabin"/>
-                <a:cs typeface="Cabin"/>
+                <a:latin typeface="Arial" charset="0"/>
+                <a:ea typeface="Arial" charset="0"/>
+                <a:cs typeface="Arial" charset="0"/>
                 <a:sym typeface="Cabin"/>
               </a:rPr>
               <a:t>OOPS!</a:t>
@@ -24807,13 +24807,13 @@
               <a:buNone/>
             </a:pPr>
             <a:r>
-              <a:rPr lang="en-US" sz="3600" b="0" i="0" u="none" strike="noStrike" cap="none">
+              <a:rPr lang="en-US" sz="3600" u="none" strike="noStrike" cap="none">
                 <a:solidFill>
                   <a:schemeClr val="lt1"/>
                 </a:solidFill>
-                <a:latin typeface="Cabin"/>
-                <a:ea typeface="Cabin"/>
-                <a:cs typeface="Cabin"/>
+                <a:latin typeface="Arial" charset="0"/>
+                <a:ea typeface="Arial" charset="0"/>
+                <a:cs typeface="Arial" charset="0"/>
                 <a:sym typeface="Cabin"/>
               </a:rPr>
               <a:t>What are all these blank lines doing here?</a:t>
@@ -25221,9 +25221,9 @@
                 <a:solidFill>
                   <a:schemeClr val="lt1"/>
                 </a:solidFill>
-                <a:latin typeface="Cabin"/>
-                <a:ea typeface="Cabin"/>
-                <a:cs typeface="Cabin"/>
+                <a:latin typeface="Arial" charset="0"/>
+                <a:ea typeface="Arial" charset="0"/>
+                <a:cs typeface="Arial" charset="0"/>
                 <a:sym typeface="Cabin"/>
               </a:rPr>
               <a:t>Each </a:t>
@@ -25233,9 +25233,9 @@
                 <a:solidFill>
                   <a:srgbClr val="00FF00"/>
                 </a:solidFill>
-                <a:latin typeface="Cabin"/>
-                <a:ea typeface="Cabin"/>
-                <a:cs typeface="Cabin"/>
+                <a:latin typeface="Arial" charset="0"/>
+                <a:ea typeface="Arial" charset="0"/>
+                <a:cs typeface="Arial" charset="0"/>
                 <a:sym typeface="Cabin"/>
               </a:rPr>
               <a:t>line</a:t>
@@ -25245,9 +25245,9 @@
                 <a:solidFill>
                   <a:schemeClr val="lt1"/>
                 </a:solidFill>
-                <a:latin typeface="Cabin"/>
-                <a:ea typeface="Cabin"/>
-                <a:cs typeface="Cabin"/>
+                <a:latin typeface="Arial" charset="0"/>
+                <a:ea typeface="Arial" charset="0"/>
+                <a:cs typeface="Arial" charset="0"/>
                 <a:sym typeface="Cabin"/>
               </a:rPr>
               <a:t> from the file has a </a:t>
@@ -25257,9 +25257,9 @@
                 <a:solidFill>
                   <a:srgbClr val="00FF00"/>
                 </a:solidFill>
-                <a:latin typeface="Cabin"/>
-                <a:ea typeface="Cabin"/>
-                <a:cs typeface="Cabin"/>
+                <a:latin typeface="Arial" charset="0"/>
+                <a:ea typeface="Arial" charset="0"/>
+                <a:cs typeface="Arial" charset="0"/>
                 <a:sym typeface="Cabin"/>
               </a:rPr>
               <a:t>newline</a:t>
@@ -25269,9 +25269,9 @@
                 <a:solidFill>
                   <a:schemeClr val="lt1"/>
                 </a:solidFill>
-                <a:latin typeface="Cabin"/>
-                <a:ea typeface="Cabin"/>
-                <a:cs typeface="Cabin"/>
+                <a:latin typeface="Arial" charset="0"/>
+                <a:ea typeface="Arial" charset="0"/>
+                <a:cs typeface="Arial" charset="0"/>
                 <a:sym typeface="Cabin"/>
               </a:rPr>
               <a:t> at the end</a:t>
@@ -25296,9 +25296,9 @@
                 <a:solidFill>
                   <a:schemeClr val="lt1"/>
                 </a:solidFill>
-                <a:latin typeface="Cabin"/>
-                <a:ea typeface="Cabin"/>
-                <a:cs typeface="Cabin"/>
+                <a:latin typeface="Arial" charset="0"/>
+                <a:ea typeface="Arial" charset="0"/>
+                <a:cs typeface="Arial" charset="0"/>
                 <a:sym typeface="Cabin"/>
               </a:rPr>
               <a:t>The </a:t>
@@ -25308,9 +25308,9 @@
                 <a:solidFill>
                   <a:srgbClr val="FFFF00"/>
                 </a:solidFill>
-                <a:latin typeface="Cabin"/>
-                <a:ea typeface="Cabin"/>
-                <a:cs typeface="Cabin"/>
+                <a:latin typeface="Arial" charset="0"/>
+                <a:ea typeface="Arial" charset="0"/>
+                <a:cs typeface="Arial" charset="0"/>
                 <a:sym typeface="Cabin"/>
               </a:rPr>
               <a:t>print</a:t>
@@ -25320,9 +25320,9 @@
                 <a:solidFill>
                   <a:schemeClr val="lt1"/>
                 </a:solidFill>
-                <a:latin typeface="Cabin"/>
-                <a:ea typeface="Cabin"/>
-                <a:cs typeface="Cabin"/>
+                <a:latin typeface="Arial" charset="0"/>
+                <a:ea typeface="Arial" charset="0"/>
+                <a:cs typeface="Arial" charset="0"/>
                 <a:sym typeface="Cabin"/>
               </a:rPr>
               <a:t> statement adds a </a:t>
@@ -25332,9 +25332,9 @@
                 <a:solidFill>
                   <a:srgbClr val="FFFF00"/>
                 </a:solidFill>
-                <a:latin typeface="Cabin"/>
-                <a:ea typeface="Cabin"/>
-                <a:cs typeface="Cabin"/>
+                <a:latin typeface="Arial" charset="0"/>
+                <a:ea typeface="Arial" charset="0"/>
+                <a:cs typeface="Arial" charset="0"/>
                 <a:sym typeface="Cabin"/>
               </a:rPr>
               <a:t>newline</a:t>
@@ -25344,9 +25344,9 @@
                 <a:solidFill>
                   <a:schemeClr val="lt1"/>
                 </a:solidFill>
-                <a:latin typeface="Cabin"/>
-                <a:ea typeface="Cabin"/>
-                <a:cs typeface="Cabin"/>
+                <a:latin typeface="Arial" charset="0"/>
+                <a:ea typeface="Arial" charset="0"/>
+                <a:cs typeface="Arial" charset="0"/>
                 <a:sym typeface="Cabin"/>
               </a:rPr>
               <a:t> to each line</a:t>
@@ -25426,13 +25426,13 @@
               <a:buNone/>
             </a:pPr>
             <a:r>
-              <a:rPr lang="en-US" sz="7600" b="0" i="0" u="none" strike="noStrike" cap="none">
+              <a:rPr lang="en-US" sz="7600" u="none" strike="noStrike" cap="none">
                 <a:solidFill>
                   <a:srgbClr val="FFFF00"/>
                 </a:solidFill>
-                <a:latin typeface="Cabin"/>
-                <a:ea typeface="Cabin"/>
-                <a:cs typeface="Cabin"/>
+                <a:latin typeface="Arial" charset="0"/>
+                <a:ea typeface="Arial" charset="0"/>
+                <a:cs typeface="Arial" charset="0"/>
                 <a:sym typeface="Cabin"/>
               </a:rPr>
               <a:t>Searching Through a File (fixed)</a:t>
@@ -25483,13 +25483,13 @@
               <a:buFont typeface="Cabin"/>
             </a:pPr>
             <a:r>
-              <a:rPr lang="en-US" sz="3400" b="0" i="0" u="none" strike="noStrike" cap="none">
+              <a:rPr lang="en-US" sz="3400" u="none" strike="noStrike" cap="none">
                 <a:solidFill>
                   <a:schemeClr val="lt1"/>
                 </a:solidFill>
-                <a:latin typeface="Cabin"/>
-                <a:ea typeface="Cabin"/>
-                <a:cs typeface="Cabin"/>
+                <a:latin typeface="Arial" charset="0"/>
+                <a:ea typeface="Arial" charset="0"/>
+                <a:cs typeface="Arial" charset="0"/>
                 <a:sym typeface="Cabin"/>
               </a:rPr>
               <a:t>We can strip the whitespace from the right</a:t>
@@ -25499,45 +25499,45 @@
                 <a:solidFill>
                   <a:schemeClr val="lt1"/>
                 </a:solidFill>
-                <a:latin typeface="Cabin"/>
-                <a:ea typeface="Cabin"/>
-                <a:cs typeface="Cabin"/>
+                <a:latin typeface="Arial" charset="0"/>
+                <a:ea typeface="Arial" charset="0"/>
+                <a:cs typeface="Arial" charset="0"/>
                 <a:sym typeface="Cabin"/>
               </a:rPr>
               <a:t>-</a:t>
             </a:r>
             <a:r>
-              <a:rPr lang="en-US" sz="3400" b="0" i="0" u="none" strike="noStrike" cap="none">
+              <a:rPr lang="en-US" sz="3400" u="none" strike="noStrike" cap="none">
                 <a:solidFill>
                   <a:schemeClr val="lt1"/>
                 </a:solidFill>
-                <a:latin typeface="Cabin"/>
-                <a:ea typeface="Cabin"/>
-                <a:cs typeface="Cabin"/>
+                <a:latin typeface="Arial" charset="0"/>
+                <a:ea typeface="Arial" charset="0"/>
+                <a:cs typeface="Arial" charset="0"/>
                 <a:sym typeface="Cabin"/>
               </a:rPr>
               <a:t>hand side of the string using </a:t>
             </a:r>
             <a:r>
-              <a:rPr lang="en-US" sz="3400" b="0" i="0" u="none" strike="noStrike" cap="none">
+              <a:rPr lang="en-US" sz="3400" u="none" strike="noStrike" cap="none">
                 <a:solidFill>
                   <a:srgbClr val="FF7F00"/>
                 </a:solidFill>
-                <a:latin typeface="Cabin"/>
-                <a:ea typeface="Cabin"/>
-                <a:cs typeface="Cabin"/>
+                <a:latin typeface="Arial" charset="0"/>
+                <a:ea typeface="Arial" charset="0"/>
+                <a:cs typeface="Arial" charset="0"/>
                 <a:sym typeface="Cabin"/>
               </a:rPr>
               <a:t>rstrip</a:t>
             </a:r>
             <a:r>
-              <a:rPr lang="en-US" sz="3400" b="0" i="0" u="none" strike="noStrike" cap="none">
+              <a:rPr lang="en-US" sz="3400" u="none" strike="noStrike" cap="none">
                 <a:solidFill>
                   <a:schemeClr val="lt1"/>
                 </a:solidFill>
-                <a:latin typeface="Cabin"/>
-                <a:ea typeface="Cabin"/>
-                <a:cs typeface="Cabin"/>
+                <a:latin typeface="Arial" charset="0"/>
+                <a:ea typeface="Arial" charset="0"/>
+                <a:cs typeface="Arial" charset="0"/>
                 <a:sym typeface="Cabin"/>
               </a:rPr>
               <a:t>() from the string library</a:t>
@@ -25558,13 +25558,13 @@
               <a:buFont typeface="Cabin"/>
             </a:pPr>
             <a:r>
-              <a:rPr lang="en-US" sz="3400" b="0" i="0" u="none" strike="noStrike" cap="none">
+              <a:rPr lang="en-US" sz="3400" u="none" strike="noStrike" cap="none">
                 <a:solidFill>
                   <a:schemeClr val="lt1"/>
                 </a:solidFill>
-                <a:latin typeface="Cabin"/>
-                <a:ea typeface="Cabin"/>
-                <a:cs typeface="Cabin"/>
+                <a:latin typeface="Arial" charset="0"/>
+                <a:ea typeface="Arial" charset="0"/>
+                <a:cs typeface="Arial" charset="0"/>
                 <a:sym typeface="Cabin"/>
               </a:rPr>
               <a:t>The newline is considered </a:t>
@@ -25574,21 +25574,21 @@
                 <a:solidFill>
                   <a:schemeClr val="lt1"/>
                 </a:solidFill>
-                <a:latin typeface="Cabin"/>
-                <a:ea typeface="Cabin"/>
-                <a:cs typeface="Cabin"/>
+                <a:latin typeface="Arial" charset="0"/>
+                <a:ea typeface="Arial" charset="0"/>
+                <a:cs typeface="Arial" charset="0"/>
                 <a:sym typeface="Cabin"/>
               </a:rPr>
               <a:t>“</a:t>
             </a:r>
             <a:r>
-              <a:rPr lang="en-US" sz="3400" b="0" i="0" u="none" strike="noStrike" cap="none">
+              <a:rPr lang="en-US" sz="3400" u="none" strike="noStrike" cap="none">
                 <a:solidFill>
                   <a:schemeClr val="lt1"/>
                 </a:solidFill>
-                <a:latin typeface="Cabin"/>
-                <a:ea typeface="Cabin"/>
-                <a:cs typeface="Cabin"/>
+                <a:latin typeface="Arial" charset="0"/>
+                <a:ea typeface="Arial" charset="0"/>
+                <a:cs typeface="Arial" charset="0"/>
                 <a:sym typeface="Cabin"/>
               </a:rPr>
               <a:t>white space</a:t>
@@ -25598,33 +25598,33 @@
                 <a:solidFill>
                   <a:schemeClr val="lt1"/>
                 </a:solidFill>
-                <a:latin typeface="Cabin"/>
-                <a:ea typeface="Cabin"/>
-                <a:cs typeface="Cabin"/>
+                <a:latin typeface="Arial" charset="0"/>
+                <a:ea typeface="Arial" charset="0"/>
+                <a:cs typeface="Arial" charset="0"/>
                 <a:sym typeface="Cabin"/>
               </a:rPr>
               <a:t>”</a:t>
             </a:r>
             <a:r>
-              <a:rPr lang="en-US" sz="3400" b="0" i="0" u="none" strike="noStrike" cap="none">
+              <a:rPr lang="en-US" sz="3400" u="none" strike="noStrike" cap="none">
                 <a:solidFill>
                   <a:schemeClr val="lt1"/>
                 </a:solidFill>
-                <a:latin typeface="Cabin"/>
-                <a:ea typeface="Cabin"/>
-                <a:cs typeface="Cabin"/>
+                <a:latin typeface="Arial" charset="0"/>
+                <a:ea typeface="Arial" charset="0"/>
+                <a:cs typeface="Arial" charset="0"/>
                 <a:sym typeface="Cabin"/>
               </a:rPr>
               <a:t> and is </a:t>
             </a:r>
             <a:r>
-              <a:rPr lang="en-US" sz="3400" b="0" i="0" u="none" strike="noStrike" cap="none">
+              <a:rPr lang="en-US" sz="3400" u="none" strike="noStrike" cap="none">
                 <a:solidFill>
                   <a:srgbClr val="FF7F00"/>
                 </a:solidFill>
-                <a:latin typeface="Cabin"/>
-                <a:ea typeface="Cabin"/>
-                <a:cs typeface="Cabin"/>
+                <a:latin typeface="Arial" charset="0"/>
+                <a:ea typeface="Arial" charset="0"/>
+                <a:cs typeface="Arial" charset="0"/>
                 <a:sym typeface="Cabin"/>
               </a:rPr>
               <a:t>stripped</a:t>
@@ -26144,13 +26144,13 @@
               <a:buNone/>
             </a:pPr>
             <a:r>
-              <a:rPr lang="en-US" sz="3200" b="0" i="0" u="none" strike="noStrike" cap="none">
+              <a:rPr lang="en-US" sz="3200" u="none" strike="noStrike" cap="none">
                 <a:solidFill>
                   <a:srgbClr val="FF00FF"/>
                 </a:solidFill>
-                <a:latin typeface="Cabin"/>
-                <a:ea typeface="Cabin"/>
-                <a:cs typeface="Cabin"/>
+                <a:latin typeface="Arial" charset="0"/>
+                <a:ea typeface="Arial" charset="0"/>
+                <a:cs typeface="Arial" charset="0"/>
                 <a:sym typeface="Cabin"/>
               </a:rPr>
               <a:t>From: stephen.marquard@uct.ac.za</a:t>
@@ -26175,13 +26175,13 @@
               <a:buNone/>
             </a:pPr>
             <a:r>
-              <a:rPr lang="en-US" sz="3200" b="0" i="0" u="none" strike="noStrike" cap="none">
+              <a:rPr lang="en-US" sz="3200" u="none" strike="noStrike" cap="none">
                 <a:solidFill>
                   <a:srgbClr val="FF00FF"/>
                 </a:solidFill>
-                <a:latin typeface="Cabin"/>
-                <a:ea typeface="Cabin"/>
-                <a:cs typeface="Cabin"/>
+                <a:latin typeface="Arial" charset="0"/>
+                <a:ea typeface="Arial" charset="0"/>
+                <a:cs typeface="Arial" charset="0"/>
                 <a:sym typeface="Cabin"/>
               </a:rPr>
               <a:t>From: louis@media.berkeley.edu</a:t>
@@ -26206,13 +26206,13 @@
               <a:buNone/>
             </a:pPr>
             <a:r>
-              <a:rPr lang="en-US" sz="3200" b="0" i="0" u="none" strike="noStrike" cap="none">
+              <a:rPr lang="en-US" sz="3200" u="none" strike="noStrike" cap="none">
                 <a:solidFill>
                   <a:srgbClr val="FF00FF"/>
                 </a:solidFill>
-                <a:latin typeface="Cabin"/>
-                <a:ea typeface="Cabin"/>
-                <a:cs typeface="Cabin"/>
+                <a:latin typeface="Arial" charset="0"/>
+                <a:ea typeface="Arial" charset="0"/>
+                <a:cs typeface="Arial" charset="0"/>
                 <a:sym typeface="Cabin"/>
               </a:rPr>
               <a:t>From: zqian@umich.edu</a:t>
@@ -26237,13 +26237,13 @@
               <a:buNone/>
             </a:pPr>
             <a:r>
-              <a:rPr lang="en-US" sz="3200" b="0" i="0" u="none" strike="noStrike" cap="none">
+              <a:rPr lang="en-US" sz="3200" u="none" strike="noStrike" cap="none">
                 <a:solidFill>
                   <a:srgbClr val="FF00FF"/>
                 </a:solidFill>
-                <a:latin typeface="Cabin"/>
-                <a:ea typeface="Cabin"/>
-                <a:cs typeface="Cabin"/>
+                <a:latin typeface="Arial" charset="0"/>
+                <a:ea typeface="Arial" charset="0"/>
+                <a:cs typeface="Arial" charset="0"/>
                 <a:sym typeface="Cabin"/>
               </a:rPr>
               <a:t>From: rjlowe@iupui.edu</a:t>
@@ -26268,13 +26268,13 @@
               <a:buNone/>
             </a:pPr>
             <a:r>
-              <a:rPr lang="en-US" sz="3200" b="0" i="0" u="none" strike="noStrike" cap="none">
+              <a:rPr lang="en-US" sz="3200" u="none" strike="noStrike" cap="none">
                 <a:solidFill>
                   <a:srgbClr val="FF00FF"/>
                 </a:solidFill>
-                <a:latin typeface="Cabin"/>
-                <a:ea typeface="Cabin"/>
-                <a:cs typeface="Cabin"/>
+                <a:latin typeface="Arial" charset="0"/>
+                <a:ea typeface="Arial" charset="0"/>
+                <a:cs typeface="Arial" charset="0"/>
                 <a:sym typeface="Cabin"/>
               </a:rPr>
               <a:t>....</a:t>
@@ -26354,13 +26354,13 @@
               <a:buNone/>
             </a:pPr>
             <a:r>
-              <a:rPr lang="en-US" sz="7600" b="0" i="0" u="none" strike="noStrike" cap="none">
+              <a:rPr lang="en-US" sz="7600" u="none" strike="noStrike" cap="none">
                 <a:solidFill>
                   <a:srgbClr val="FFFF00"/>
                 </a:solidFill>
-                <a:latin typeface="Cabin"/>
-                <a:ea typeface="Cabin"/>
-                <a:cs typeface="Cabin"/>
+                <a:latin typeface="Arial" charset="0"/>
+                <a:ea typeface="Arial" charset="0"/>
+                <a:cs typeface="Arial" charset="0"/>
                 <a:sym typeface="Cabin"/>
               </a:rPr>
               <a:t>Skipping with continue</a:t>
@@ -26411,13 +26411,13 @@
               <a:buFont typeface="Cabin"/>
             </a:pPr>
             <a:r>
-              <a:rPr lang="en-US" sz="3600" b="0" i="0" u="none" strike="noStrike" cap="none">
+              <a:rPr lang="en-US" sz="3600" u="none" strike="noStrike" cap="none">
                 <a:solidFill>
                   <a:schemeClr val="lt1"/>
                 </a:solidFill>
-                <a:latin typeface="Cabin"/>
-                <a:ea typeface="Cabin"/>
-                <a:cs typeface="Cabin"/>
+                <a:latin typeface="Arial" charset="0"/>
+                <a:ea typeface="Arial" charset="0"/>
+                <a:cs typeface="Arial" charset="0"/>
                 <a:sym typeface="Cabin"/>
               </a:rPr>
               <a:t>We can </a:t>
@@ -26427,45 +26427,45 @@
                 <a:solidFill>
                   <a:schemeClr val="lt1"/>
                 </a:solidFill>
-                <a:latin typeface="Cabin"/>
-                <a:ea typeface="Cabin"/>
-                <a:cs typeface="Cabin"/>
+                <a:latin typeface="Arial" charset="0"/>
+                <a:ea typeface="Arial" charset="0"/>
+                <a:cs typeface="Arial" charset="0"/>
                 <a:sym typeface="Cabin"/>
               </a:rPr>
               <a:t>convenient</a:t>
             </a:r>
             <a:r>
-              <a:rPr lang="en-US" sz="3600" b="0" i="0" u="none" strike="noStrike" cap="none">
+              <a:rPr lang="en-US" sz="3600" u="none" strike="noStrike" cap="none">
                 <a:solidFill>
                   <a:schemeClr val="lt1"/>
                 </a:solidFill>
-                <a:latin typeface="Cabin"/>
-                <a:ea typeface="Cabin"/>
-                <a:cs typeface="Cabin"/>
+                <a:latin typeface="Arial" charset="0"/>
+                <a:ea typeface="Arial" charset="0"/>
+                <a:cs typeface="Arial" charset="0"/>
                 <a:sym typeface="Cabin"/>
               </a:rPr>
               <a:t>ly skip a line by using the </a:t>
             </a:r>
             <a:r>
-              <a:rPr lang="en-US" sz="3600" b="0" i="0" u="none" strike="noStrike" cap="none">
+              <a:rPr lang="en-US" sz="3600" u="none" strike="noStrike" cap="none">
                 <a:solidFill>
                   <a:srgbClr val="FFFF00"/>
                 </a:solidFill>
-                <a:latin typeface="Cabin"/>
-                <a:ea typeface="Cabin"/>
-                <a:cs typeface="Cabin"/>
+                <a:latin typeface="Arial" charset="0"/>
+                <a:ea typeface="Arial" charset="0"/>
+                <a:cs typeface="Arial" charset="0"/>
                 <a:sym typeface="Cabin"/>
               </a:rPr>
               <a:t>continue</a:t>
             </a:r>
             <a:r>
-              <a:rPr lang="en-US" sz="3600" b="0" i="0" u="none" strike="noStrike" cap="none">
+              <a:rPr lang="en-US" sz="3600" u="none" strike="noStrike" cap="none">
                 <a:solidFill>
                   <a:schemeClr val="lt1"/>
                 </a:solidFill>
-                <a:latin typeface="Cabin"/>
-                <a:ea typeface="Cabin"/>
-                <a:cs typeface="Cabin"/>
+                <a:latin typeface="Arial" charset="0"/>
+                <a:ea typeface="Arial" charset="0"/>
+                <a:cs typeface="Arial" charset="0"/>
                 <a:sym typeface="Cabin"/>
               </a:rPr>
               <a:t> statement</a:t>
@@ -27107,49 +27107,49 @@
               <a:buNone/>
             </a:pPr>
             <a:r>
-              <a:rPr lang="en-US" sz="7600" b="0" i="0" u="none" strike="noStrike" cap="none">
+              <a:rPr lang="en-US" sz="7600" u="none" strike="noStrike" cap="none">
                 <a:solidFill>
                   <a:schemeClr val="lt1"/>
                 </a:solidFill>
-                <a:latin typeface="Cabin"/>
-                <a:ea typeface="Cabin"/>
-                <a:cs typeface="Cabin"/>
+                <a:latin typeface="Arial" charset="0"/>
+                <a:ea typeface="Arial" charset="0"/>
+                <a:cs typeface="Arial" charset="0"/>
                 <a:sym typeface="Cabin"/>
               </a:rPr>
               <a:t>Using </a:t>
             </a:r>
             <a:r>
-              <a:rPr lang="en-US" sz="7600" b="0" i="0" u="none" strike="noStrike" cap="none">
+              <a:rPr lang="en-US" sz="7600" u="none" strike="noStrike" cap="none">
                 <a:solidFill>
                   <a:srgbClr val="FFFF00"/>
                 </a:solidFill>
-                <a:latin typeface="Cabin"/>
-                <a:ea typeface="Cabin"/>
-                <a:cs typeface="Cabin"/>
+                <a:latin typeface="Arial" charset="0"/>
+                <a:ea typeface="Arial" charset="0"/>
+                <a:cs typeface="Arial" charset="0"/>
                 <a:sym typeface="Cabin"/>
               </a:rPr>
               <a:t>in</a:t>
             </a:r>
             <a:r>
-              <a:rPr lang="en-US" sz="7600" b="0" i="0" u="none" strike="noStrike" cap="none">
+              <a:rPr lang="en-US" sz="7600" u="none" strike="noStrike" cap="none">
                 <a:solidFill>
                   <a:schemeClr val="lt1"/>
                 </a:solidFill>
-                <a:latin typeface="Cabin"/>
-                <a:ea typeface="Cabin"/>
-                <a:cs typeface="Cabin"/>
+                <a:latin typeface="Arial" charset="0"/>
+                <a:ea typeface="Arial" charset="0"/>
+                <a:cs typeface="Arial" charset="0"/>
                 <a:sym typeface="Cabin"/>
               </a:rPr>
               <a:t> to select </a:t>
             </a:r>
             <a:r>
-              <a:rPr lang="en-US" sz="7600" b="0" i="0" u="none" strike="noStrike" cap="none">
+              <a:rPr lang="en-US" sz="7600" u="none" strike="noStrike" cap="none">
                 <a:solidFill>
                   <a:srgbClr val="00FF00"/>
                 </a:solidFill>
-                <a:latin typeface="Cabin"/>
-                <a:ea typeface="Cabin"/>
-                <a:cs typeface="Cabin"/>
+                <a:latin typeface="Arial" charset="0"/>
+                <a:ea typeface="Arial" charset="0"/>
+                <a:cs typeface="Arial" charset="0"/>
                 <a:sym typeface="Cabin"/>
               </a:rPr>
               <a:t>lines</a:t>
@@ -27204,61 +27204,61 @@
               <a:buChar char="•"/>
             </a:pPr>
             <a:r>
-              <a:rPr lang="en-US" sz="3600" b="0" i="0" u="none" strike="noStrike" cap="none">
+              <a:rPr lang="en-US" sz="3600" u="none" strike="noStrike" cap="none">
                 <a:solidFill>
                   <a:schemeClr val="lt1"/>
                 </a:solidFill>
-                <a:latin typeface="Cabin"/>
-                <a:ea typeface="Cabin"/>
-                <a:cs typeface="Cabin"/>
+                <a:latin typeface="Arial" charset="0"/>
+                <a:ea typeface="Arial" charset="0"/>
+                <a:cs typeface="Arial" charset="0"/>
                 <a:sym typeface="Cabin"/>
               </a:rPr>
               <a:t>We can look for a string anywhere </a:t>
             </a:r>
             <a:r>
-              <a:rPr lang="en-US" sz="3600" b="0" i="0" u="none" strike="noStrike" cap="none">
+              <a:rPr lang="en-US" sz="3600" u="none" strike="noStrike" cap="none">
                 <a:solidFill>
                   <a:srgbClr val="FFFF00"/>
                 </a:solidFill>
-                <a:latin typeface="Cabin"/>
-                <a:ea typeface="Cabin"/>
-                <a:cs typeface="Cabin"/>
+                <a:latin typeface="Arial" charset="0"/>
+                <a:ea typeface="Arial" charset="0"/>
+                <a:cs typeface="Arial" charset="0"/>
                 <a:sym typeface="Cabin"/>
               </a:rPr>
               <a:t>in</a:t>
             </a:r>
             <a:r>
-              <a:rPr lang="en-US" sz="3600" b="0" i="0" u="none" strike="noStrike" cap="none">
+              <a:rPr lang="en-US" sz="3600" u="none" strike="noStrike" cap="none">
                 <a:solidFill>
                   <a:schemeClr val="lt1"/>
                 </a:solidFill>
-                <a:latin typeface="Cabin"/>
-                <a:ea typeface="Cabin"/>
-                <a:cs typeface="Cabin"/>
+                <a:latin typeface="Arial" charset="0"/>
+                <a:ea typeface="Arial" charset="0"/>
+                <a:cs typeface="Arial" charset="0"/>
                 <a:sym typeface="Cabin"/>
               </a:rPr>
               <a:t> a </a:t>
             </a:r>
             <a:r>
-              <a:rPr lang="en-US" sz="3600" b="0" i="0" u="none" strike="noStrike" cap="none">
+              <a:rPr lang="en-US" sz="3600" u="none" strike="noStrike" cap="none">
                 <a:solidFill>
                   <a:srgbClr val="00FF00"/>
                 </a:solidFill>
-                <a:latin typeface="Cabin"/>
-                <a:ea typeface="Cabin"/>
-                <a:cs typeface="Cabin"/>
+                <a:latin typeface="Arial" charset="0"/>
+                <a:ea typeface="Arial" charset="0"/>
+                <a:cs typeface="Arial" charset="0"/>
                 <a:sym typeface="Cabin"/>
               </a:rPr>
               <a:t>line</a:t>
             </a:r>
             <a:r>
-              <a:rPr lang="en-US" sz="3600" b="0" i="0" u="none" strike="noStrike" cap="none">
+              <a:rPr lang="en-US" sz="3600" u="none" strike="noStrike" cap="none">
                 <a:solidFill>
                   <a:schemeClr val="lt1"/>
                 </a:solidFill>
-                <a:latin typeface="Cabin"/>
-                <a:ea typeface="Cabin"/>
-                <a:cs typeface="Cabin"/>
+                <a:latin typeface="Arial" charset="0"/>
+                <a:ea typeface="Arial" charset="0"/>
+                <a:cs typeface="Arial" charset="0"/>
                 <a:sym typeface="Cabin"/>
               </a:rPr>
               <a:t> as our selection criteria</a:t>
@@ -28260,13 +28260,13 @@
               <a:buNone/>
             </a:pPr>
             <a:r>
-              <a:rPr lang="en-US" sz="3200" b="0" i="0" u="none" strike="noStrike" cap="none">
+              <a:rPr lang="en-US" sz="3200" u="none" strike="noStrike" cap="none">
                 <a:solidFill>
                   <a:srgbClr val="FF00FF"/>
                 </a:solidFill>
-                <a:latin typeface="Cabin"/>
-                <a:ea typeface="Cabin"/>
-                <a:cs typeface="Cabin"/>
+                <a:latin typeface="Arial" charset="0"/>
+                <a:ea typeface="Arial" charset="0"/>
+                <a:cs typeface="Arial" charset="0"/>
                 <a:sym typeface="Cabin"/>
               </a:rPr>
               <a:t>  Software</a:t>
@@ -28323,13 +28323,13 @@
               <a:buNone/>
             </a:pPr>
             <a:r>
-              <a:rPr lang="en-US" sz="3200" b="0" i="0" u="none" strike="noStrike" cap="none">
+              <a:rPr lang="en-US" sz="3200" u="none" strike="noStrike" cap="none">
                 <a:solidFill>
                   <a:schemeClr val="lt1"/>
                 </a:solidFill>
-                <a:latin typeface="Cabin"/>
-                <a:ea typeface="Cabin"/>
-                <a:cs typeface="Cabin"/>
+                <a:latin typeface="Arial" charset="0"/>
+                <a:ea typeface="Arial" charset="0"/>
+                <a:cs typeface="Arial" charset="0"/>
                 <a:sym typeface="Cabin"/>
               </a:rPr>
               <a:t>Input</a:t>
@@ -28354,13 +28354,13 @@
               <a:buNone/>
             </a:pPr>
             <a:r>
-              <a:rPr lang="en-US" sz="3200" b="0" i="0" u="none" strike="noStrike" cap="none">
+              <a:rPr lang="en-US" sz="3200" u="none" strike="noStrike" cap="none">
                 <a:solidFill>
                   <a:schemeClr val="lt1"/>
                 </a:solidFill>
-                <a:latin typeface="Cabin"/>
-                <a:ea typeface="Cabin"/>
-                <a:cs typeface="Cabin"/>
+                <a:latin typeface="Arial" charset="0"/>
+                <a:ea typeface="Arial" charset="0"/>
+                <a:cs typeface="Arial" charset="0"/>
                 <a:sym typeface="Cabin"/>
               </a:rPr>
               <a:t>and Output</a:t>
@@ -28385,13 +28385,13 @@
               <a:buNone/>
             </a:pPr>
             <a:r>
-              <a:rPr lang="en-US" sz="3200" b="0" i="0" u="none" strike="noStrike" cap="none">
+              <a:rPr lang="en-US" sz="3200" u="none" strike="noStrike" cap="none">
                 <a:solidFill>
                   <a:schemeClr val="lt1"/>
                 </a:solidFill>
-                <a:latin typeface="Cabin"/>
-                <a:ea typeface="Cabin"/>
-                <a:cs typeface="Cabin"/>
+                <a:latin typeface="Arial" charset="0"/>
+                <a:ea typeface="Arial" charset="0"/>
+                <a:cs typeface="Arial" charset="0"/>
                 <a:sym typeface="Cabin"/>
               </a:rPr>
               <a:t>Devices</a:t>
@@ -28448,13 +28448,13 @@
               <a:buNone/>
             </a:pPr>
             <a:r>
-              <a:rPr lang="en-US" sz="3200" b="0" i="0" u="none" strike="noStrike" cap="none">
+              <a:rPr lang="en-US" sz="3200" u="none" strike="noStrike" cap="none">
                 <a:solidFill>
                   <a:schemeClr val="lt1"/>
                 </a:solidFill>
-                <a:latin typeface="Cabin"/>
-                <a:ea typeface="Cabin"/>
-                <a:cs typeface="Cabin"/>
+                <a:latin typeface="Arial" charset="0"/>
+                <a:ea typeface="Arial" charset="0"/>
+                <a:cs typeface="Arial" charset="0"/>
                 <a:sym typeface="Cabin"/>
               </a:rPr>
               <a:t>Central</a:t>
@@ -28479,13 +28479,13 @@
               <a:buNone/>
             </a:pPr>
             <a:r>
-              <a:rPr lang="en-US" sz="3200" b="0" i="0" u="none" strike="noStrike" cap="none">
+              <a:rPr lang="en-US" sz="3200" u="none" strike="noStrike" cap="none">
                 <a:solidFill>
                   <a:schemeClr val="lt1"/>
                 </a:solidFill>
-                <a:latin typeface="Cabin"/>
-                <a:ea typeface="Cabin"/>
-                <a:cs typeface="Cabin"/>
+                <a:latin typeface="Arial" charset="0"/>
+                <a:ea typeface="Arial" charset="0"/>
+                <a:cs typeface="Arial" charset="0"/>
                 <a:sym typeface="Cabin"/>
               </a:rPr>
               <a:t>Processing</a:t>
@@ -28510,13 +28510,13 @@
               <a:buNone/>
             </a:pPr>
             <a:r>
-              <a:rPr lang="en-US" sz="3200" b="0" i="0" u="none" strike="noStrike" cap="none">
+              <a:rPr lang="en-US" sz="3200" u="none" strike="noStrike" cap="none">
                 <a:solidFill>
                   <a:schemeClr val="lt1"/>
                 </a:solidFill>
-                <a:latin typeface="Cabin"/>
-                <a:ea typeface="Cabin"/>
-                <a:cs typeface="Cabin"/>
+                <a:latin typeface="Arial" charset="0"/>
+                <a:ea typeface="Arial" charset="0"/>
+                <a:cs typeface="Arial" charset="0"/>
                 <a:sym typeface="Cabin"/>
               </a:rPr>
               <a:t>Unit</a:t>
@@ -28573,13 +28573,13 @@
               <a:buNone/>
             </a:pPr>
             <a:r>
-              <a:rPr lang="en-US" sz="3200" b="0" i="0" u="none" strike="noStrike" cap="none">
+              <a:rPr lang="en-US" sz="3200" u="none" strike="noStrike" cap="none">
                 <a:solidFill>
                   <a:schemeClr val="lt1"/>
                 </a:solidFill>
-                <a:latin typeface="Cabin"/>
-                <a:ea typeface="Cabin"/>
-                <a:cs typeface="Cabin"/>
+                <a:latin typeface="Arial" charset="0"/>
+                <a:ea typeface="Arial" charset="0"/>
+                <a:cs typeface="Arial" charset="0"/>
                 <a:sym typeface="Cabin"/>
               </a:rPr>
               <a:t>Main</a:t>
@@ -28604,13 +28604,13 @@
               <a:buNone/>
             </a:pPr>
             <a:r>
-              <a:rPr lang="en-US" sz="3200" b="0" i="0" u="none" strike="noStrike" cap="none">
+              <a:rPr lang="en-US" sz="3200" u="none" strike="noStrike" cap="none">
                 <a:solidFill>
                   <a:schemeClr val="lt1"/>
                 </a:solidFill>
-                <a:latin typeface="Cabin"/>
-                <a:ea typeface="Cabin"/>
-                <a:cs typeface="Cabin"/>
+                <a:latin typeface="Arial" charset="0"/>
+                <a:ea typeface="Arial" charset="0"/>
+                <a:cs typeface="Arial" charset="0"/>
                 <a:sym typeface="Cabin"/>
               </a:rPr>
               <a:t>Memory</a:t>
@@ -28667,13 +28667,13 @@
               <a:buNone/>
             </a:pPr>
             <a:r>
-              <a:rPr lang="en-US" sz="3200" b="0" i="0" u="none" strike="noStrike" cap="none">
+              <a:rPr lang="en-US" sz="3200" u="none" strike="noStrike" cap="none">
                 <a:solidFill>
                   <a:schemeClr val="lt1"/>
                 </a:solidFill>
-                <a:latin typeface="Cabin"/>
-                <a:ea typeface="Cabin"/>
-                <a:cs typeface="Cabin"/>
+                <a:latin typeface="Arial" charset="0"/>
+                <a:ea typeface="Arial" charset="0"/>
+                <a:cs typeface="Arial" charset="0"/>
                 <a:sym typeface="Cabin"/>
               </a:rPr>
               <a:t>Secondary</a:t>
@@ -28698,13 +28698,13 @@
               <a:buNone/>
             </a:pPr>
             <a:r>
-              <a:rPr lang="en-US" sz="3200" b="0" i="0" u="none" strike="noStrike" cap="none">
+              <a:rPr lang="en-US" sz="3200" u="none" strike="noStrike" cap="none">
                 <a:solidFill>
                   <a:schemeClr val="lt1"/>
                 </a:solidFill>
-                <a:latin typeface="Cabin"/>
-                <a:ea typeface="Cabin"/>
-                <a:cs typeface="Cabin"/>
+                <a:latin typeface="Arial" charset="0"/>
+                <a:ea typeface="Arial" charset="0"/>
+                <a:cs typeface="Arial" charset="0"/>
                 <a:sym typeface="Cabin"/>
               </a:rPr>
               <a:t>Memory</a:t>
@@ -28885,13 +28885,13 @@
               <a:buNone/>
             </a:pPr>
             <a:r>
-              <a:rPr lang="en-US" sz="3600" b="0" i="0" u="none" strike="noStrike" cap="none">
+              <a:rPr lang="en-US" sz="3600" u="none" strike="noStrike" cap="none">
                 <a:solidFill>
                   <a:schemeClr val="lt1"/>
                 </a:solidFill>
-                <a:latin typeface="Cabin"/>
-                <a:ea typeface="Cabin"/>
-                <a:cs typeface="Cabin"/>
+                <a:latin typeface="Arial" charset="0"/>
+                <a:ea typeface="Arial" charset="0"/>
+                <a:cs typeface="Arial" charset="0"/>
                 <a:sym typeface="Cabin"/>
               </a:rPr>
               <a:t>It is time to go find some Data to mess with!</a:t>
@@ -28950,13 +28950,13 @@
               <a:buNone/>
             </a:pPr>
             <a:r>
-              <a:rPr lang="en-US" sz="2600" b="0" i="0" u="none" strike="noStrike" cap="none">
+              <a:rPr lang="en-US" sz="2600" u="none" strike="noStrike" cap="none">
                 <a:solidFill>
                   <a:srgbClr val="000000"/>
                 </a:solidFill>
-                <a:latin typeface="Cabin"/>
-                <a:ea typeface="Cabin"/>
-                <a:cs typeface="Cabin"/>
+                <a:latin typeface="Arial" charset="0"/>
+                <a:ea typeface="Arial" charset="0"/>
+                <a:cs typeface="Arial" charset="0"/>
                 <a:sym typeface="Cabin"/>
               </a:rPr>
               <a:t>What</a:t>
@@ -28981,13 +28981,13 @@
               <a:buNone/>
             </a:pPr>
             <a:r>
-              <a:rPr lang="en-US" sz="2600" b="0" i="0" u="none" strike="noStrike" cap="none">
+              <a:rPr lang="en-US" sz="2600" u="none" strike="noStrike" cap="none">
                 <a:solidFill>
                   <a:srgbClr val="000000"/>
                 </a:solidFill>
-                <a:latin typeface="Cabin"/>
-                <a:ea typeface="Cabin"/>
-                <a:cs typeface="Cabin"/>
+                <a:latin typeface="Arial" charset="0"/>
+                <a:ea typeface="Arial" charset="0"/>
+                <a:cs typeface="Arial" charset="0"/>
                 <a:sym typeface="Cabin"/>
               </a:rPr>
               <a:t>Next?</a:t>
@@ -29076,13 +29076,13 @@
               <a:buNone/>
             </a:pPr>
             <a:r>
-              <a:rPr lang="en-US" sz="2600" b="0" i="0" u="none" strike="noStrike" cap="none">
+              <a:rPr lang="en-US" sz="2600" u="none" strike="noStrike" cap="none">
                 <a:solidFill>
                   <a:srgbClr val="00FF00"/>
                 </a:solidFill>
-                <a:latin typeface="Cabin"/>
-                <a:ea typeface="Cabin"/>
-                <a:cs typeface="Cabin"/>
+                <a:latin typeface="Arial" charset="0"/>
+                <a:ea typeface="Arial" charset="0"/>
+                <a:cs typeface="Arial" charset="0"/>
                 <a:sym typeface="Cabin"/>
               </a:rPr>
               <a:t>if x &lt; 3: print</a:t>
@@ -29139,13 +29139,13 @@
               <a:buNone/>
             </a:pPr>
             <a:r>
-              <a:rPr lang="en-US" sz="1300" b="0" i="0" u="none" strike="noStrike" cap="none">
+              <a:rPr lang="en-US" sz="1300" u="none" strike="noStrike" cap="none">
                 <a:solidFill>
                   <a:srgbClr val="FF00FF"/>
                 </a:solidFill>
-                <a:latin typeface="Cabin"/>
-                <a:ea typeface="Cabin"/>
-                <a:cs typeface="Cabin"/>
+                <a:latin typeface="Arial" charset="0"/>
+                <a:ea typeface="Arial" charset="0"/>
+                <a:cs typeface="Arial" charset="0"/>
                 <a:sym typeface="Cabin"/>
               </a:rPr>
               <a:t>From stephen.marquard@uct.ac.za Sat Jan  5 09:14:16 2008</a:t>
@@ -29170,13 +29170,13 @@
               <a:buNone/>
             </a:pPr>
             <a:r>
-              <a:rPr lang="en-US" sz="1300" b="0" i="0" u="none" strike="noStrike" cap="none">
+              <a:rPr lang="en-US" sz="1300" u="none" strike="noStrike" cap="none">
                 <a:solidFill>
                   <a:srgbClr val="FF00FF"/>
                 </a:solidFill>
-                <a:latin typeface="Cabin"/>
-                <a:ea typeface="Cabin"/>
-                <a:cs typeface="Cabin"/>
+                <a:latin typeface="Arial" charset="0"/>
+                <a:ea typeface="Arial" charset="0"/>
+                <a:cs typeface="Arial" charset="0"/>
                 <a:sym typeface="Cabin"/>
               </a:rPr>
               <a:t>Return-Path: &lt;postmaster@collab.sakaiproject.org&gt;</a:t>
@@ -29201,13 +29201,13 @@
               <a:buNone/>
             </a:pPr>
             <a:r>
-              <a:rPr lang="en-US" sz="1300" b="0" i="0" u="none" strike="noStrike" cap="none">
+              <a:rPr lang="en-US" sz="1300" u="none" strike="noStrike" cap="none">
                 <a:solidFill>
                   <a:srgbClr val="FF00FF"/>
                 </a:solidFill>
-                <a:latin typeface="Cabin"/>
-                <a:ea typeface="Cabin"/>
-                <a:cs typeface="Cabin"/>
+                <a:latin typeface="Arial" charset="0"/>
+                <a:ea typeface="Arial" charset="0"/>
+                <a:cs typeface="Arial" charset="0"/>
                 <a:sym typeface="Cabin"/>
               </a:rPr>
               <a:t>Date: Sat, 5 Jan 2008 09:12:18 -0500To: source@collab.sakaiproject.orgFrom: stephen.marquard@uct.ac.zaSubject: [sakai] svn commit: r39772 - content/branches/Details: http://source.sakaiproject.org/viewsvn/?view=rev&amp;rev=39772</a:t>
@@ -29232,13 +29232,13 @@
               <a:buNone/>
             </a:pPr>
             <a:r>
-              <a:rPr lang="en-US" sz="1300" b="0" i="0" u="none" strike="noStrike" cap="none">
+              <a:rPr lang="en-US" sz="1300" u="none" strike="noStrike" cap="none">
                 <a:solidFill>
                   <a:srgbClr val="FF00FF"/>
                 </a:solidFill>
-                <a:latin typeface="Cabin"/>
-                <a:ea typeface="Cabin"/>
-                <a:cs typeface="Cabin"/>
+                <a:latin typeface="Arial" charset="0"/>
+                <a:ea typeface="Arial" charset="0"/>
+                <a:cs typeface="Arial" charset="0"/>
                 <a:sym typeface="Cabin"/>
               </a:rPr>
               <a:t>...</a:t>
@@ -29297,13 +29297,13 @@
               <a:buNone/>
             </a:pPr>
             <a:r>
-              <a:rPr lang="en-US" sz="2600" b="0" i="0" u="none" strike="noStrike" cap="none">
+              <a:rPr lang="en-US" sz="2600" u="none" strike="noStrike" cap="none">
                 <a:solidFill>
                   <a:srgbClr val="000000"/>
                 </a:solidFill>
-                <a:latin typeface="Cabin"/>
-                <a:ea typeface="Cabin"/>
-                <a:cs typeface="Cabin"/>
+                <a:latin typeface="Arial" charset="0"/>
+                <a:ea typeface="Arial" charset="0"/>
+                <a:cs typeface="Arial" charset="0"/>
                 <a:sym typeface="Cabin"/>
               </a:rPr>
               <a:t>Files R Us</a:t>
@@ -29383,13 +29383,13 @@
               <a:buNone/>
             </a:pPr>
             <a:r>
-              <a:rPr lang="en-US" sz="7600" b="0" i="0" u="none" strike="noStrike" cap="none">
+              <a:rPr lang="en-US" sz="7600" u="none" strike="noStrike" cap="none">
                 <a:solidFill>
                   <a:srgbClr val="FFFF00"/>
                 </a:solidFill>
-                <a:latin typeface="Cabin"/>
-                <a:ea typeface="Cabin"/>
-                <a:cs typeface="Cabin"/>
+                <a:latin typeface="Arial" charset="0"/>
+                <a:ea typeface="Arial" charset="0"/>
+                <a:cs typeface="Arial" charset="0"/>
                 <a:sym typeface="Cabin"/>
               </a:rPr>
               <a:t>Prompt for File Name</a:t>
@@ -30019,25 +30019,25 @@
               <a:buNone/>
             </a:pPr>
             <a:r>
-              <a:rPr lang="en-US" sz="3600" b="0" i="0" u="none" strike="noStrike" cap="none">
+              <a:rPr lang="en-US" sz="3600" u="none" strike="noStrike" cap="none">
                 <a:solidFill>
                   <a:srgbClr val="FF00FF"/>
                 </a:solidFill>
-                <a:latin typeface="Cabin"/>
-                <a:ea typeface="Cabin"/>
-                <a:cs typeface="Cabin"/>
+                <a:latin typeface="Arial" charset="0"/>
+                <a:ea typeface="Arial" charset="0"/>
+                <a:cs typeface="Arial" charset="0"/>
                 <a:sym typeface="Cabin"/>
               </a:rPr>
               <a:t>Enter the file name:  </a:t>
             </a:r>
             <a:r>
-              <a:rPr lang="en-US" sz="3600" b="0" i="0" u="none" strike="noStrike" cap="none">
+              <a:rPr lang="en-US" sz="3600" u="none" strike="noStrike" cap="none">
                 <a:solidFill>
                   <a:srgbClr val="FFFF00"/>
                 </a:solidFill>
-                <a:latin typeface="Cabin"/>
-                <a:ea typeface="Cabin"/>
-                <a:cs typeface="Cabin"/>
+                <a:latin typeface="Arial" charset="0"/>
+                <a:ea typeface="Arial" charset="0"/>
+                <a:cs typeface="Arial" charset="0"/>
                 <a:sym typeface="Cabin"/>
               </a:rPr>
               <a:t>mbox.txt</a:t>
@@ -30062,13 +30062,13 @@
               <a:buNone/>
             </a:pPr>
             <a:r>
-              <a:rPr lang="en-US" sz="3600" b="0" i="0" u="none" strike="noStrike" cap="none">
+              <a:rPr lang="en-US" sz="3600" u="none" strike="noStrike" cap="none">
                 <a:solidFill>
                   <a:srgbClr val="FF00FF"/>
                 </a:solidFill>
-                <a:latin typeface="Cabin"/>
-                <a:ea typeface="Cabin"/>
-                <a:cs typeface="Cabin"/>
+                <a:latin typeface="Arial" charset="0"/>
+                <a:ea typeface="Arial" charset="0"/>
+                <a:cs typeface="Arial" charset="0"/>
                 <a:sym typeface="Cabin"/>
               </a:rPr>
               <a:t>There were 1797 subject lines in mbox.txt</a:t>
@@ -30087,13 +30087,13 @@
               </a:spcAft>
               <a:buNone/>
             </a:pPr>
-            <a:endParaRPr sz="3600" b="0" i="0" u="none" strike="noStrike" cap="none">
+            <a:endParaRPr sz="3600" u="none" strike="noStrike" cap="none">
               <a:solidFill>
                 <a:srgbClr val="FF00FF"/>
               </a:solidFill>
-              <a:latin typeface="Cabin"/>
-              <a:ea typeface="Cabin"/>
-              <a:cs typeface="Cabin"/>
+              <a:latin typeface="Arial" charset="0"/>
+              <a:ea typeface="Arial" charset="0"/>
+              <a:cs typeface="Arial" charset="0"/>
               <a:sym typeface="Cabin"/>
             </a:endParaRPr>
           </a:p>
@@ -30116,25 +30116,25 @@
               <a:buNone/>
             </a:pPr>
             <a:r>
-              <a:rPr lang="en-US" sz="3600" b="0" i="0" u="none" strike="noStrike" cap="none">
+              <a:rPr lang="en-US" sz="3600" u="none" strike="noStrike" cap="none">
                 <a:solidFill>
                   <a:srgbClr val="FF00FF"/>
                 </a:solidFill>
-                <a:latin typeface="Cabin"/>
-                <a:ea typeface="Cabin"/>
-                <a:cs typeface="Cabin"/>
+                <a:latin typeface="Arial" charset="0"/>
+                <a:ea typeface="Arial" charset="0"/>
+                <a:cs typeface="Arial" charset="0"/>
                 <a:sym typeface="Cabin"/>
               </a:rPr>
               <a:t>Enter the file name: </a:t>
             </a:r>
             <a:r>
-              <a:rPr lang="en-US" sz="3600" b="0" i="0" u="none" strike="noStrike" cap="none">
+              <a:rPr lang="en-US" sz="3600" u="none" strike="noStrike" cap="none">
                 <a:solidFill>
                   <a:srgbClr val="FFFF00"/>
                 </a:solidFill>
-                <a:latin typeface="Cabin"/>
-                <a:ea typeface="Cabin"/>
-                <a:cs typeface="Cabin"/>
+                <a:latin typeface="Arial" charset="0"/>
+                <a:ea typeface="Arial" charset="0"/>
+                <a:cs typeface="Arial" charset="0"/>
                 <a:sym typeface="Cabin"/>
               </a:rPr>
               <a:t>mbox-short.txt</a:t>
@@ -30159,13 +30159,13 @@
               <a:buNone/>
             </a:pPr>
             <a:r>
-              <a:rPr lang="en-US" sz="3600" b="0" i="0" u="none" strike="noStrike" cap="none">
+              <a:rPr lang="en-US" sz="3600" u="none" strike="noStrike" cap="none">
                 <a:solidFill>
                   <a:srgbClr val="FF00FF"/>
                 </a:solidFill>
-                <a:latin typeface="Cabin"/>
-                <a:ea typeface="Cabin"/>
-                <a:cs typeface="Cabin"/>
+                <a:latin typeface="Arial" charset="0"/>
+                <a:ea typeface="Arial" charset="0"/>
+                <a:cs typeface="Arial" charset="0"/>
                 <a:sym typeface="Cabin"/>
               </a:rPr>
               <a:t>There were 27 subject lines in mbox-short.txt</a:t>
@@ -30297,13 +30297,13 @@
               <a:buNone/>
             </a:pPr>
             <a:r>
-              <a:rPr lang="en-US" sz="7600" b="0" i="0" u="none" strike="noStrike" cap="none">
+              <a:rPr lang="en-US" sz="7600" u="none" strike="noStrike" cap="none">
                 <a:solidFill>
                   <a:srgbClr val="FFFF00"/>
                 </a:solidFill>
-                <a:latin typeface="Cabin"/>
-                <a:ea typeface="Cabin"/>
-                <a:cs typeface="Cabin"/>
+                <a:latin typeface="Arial" charset="0"/>
+                <a:ea typeface="Arial" charset="0"/>
+                <a:cs typeface="Arial" charset="0"/>
                 <a:sym typeface="Cabin"/>
               </a:rPr>
               <a:t>Bad File Names</a:t>
@@ -31258,25 +31258,25 @@
               <a:buNone/>
             </a:pPr>
             <a:r>
-              <a:rPr lang="en-US" sz="3400" b="0" i="0" u="none" strike="noStrike" cap="none">
+              <a:rPr lang="en-US" sz="3400" u="none" strike="noStrike" cap="none">
                 <a:solidFill>
                   <a:srgbClr val="FF00FF"/>
                 </a:solidFill>
-                <a:latin typeface="Cabin"/>
-                <a:ea typeface="Cabin"/>
-                <a:cs typeface="Cabin"/>
+                <a:latin typeface="Arial" charset="0"/>
+                <a:ea typeface="Arial" charset="0"/>
+                <a:cs typeface="Arial" charset="0"/>
                 <a:sym typeface="Cabin"/>
               </a:rPr>
               <a:t>Enter the file name: </a:t>
             </a:r>
             <a:r>
-              <a:rPr lang="en-US" sz="3400" b="0" i="0" u="none" strike="noStrike" cap="none">
+              <a:rPr lang="en-US" sz="3400" u="none" strike="noStrike" cap="none">
                 <a:solidFill>
                   <a:srgbClr val="FFFF00"/>
                 </a:solidFill>
-                <a:latin typeface="Cabin"/>
-                <a:ea typeface="Cabin"/>
-                <a:cs typeface="Cabin"/>
+                <a:latin typeface="Arial" charset="0"/>
+                <a:ea typeface="Arial" charset="0"/>
+                <a:cs typeface="Arial" charset="0"/>
                 <a:sym typeface="Cabin"/>
               </a:rPr>
               <a:t>mbox.txt</a:t>
@@ -31301,13 +31301,13 @@
               <a:buNone/>
             </a:pPr>
             <a:r>
-              <a:rPr lang="en-US" sz="3400" b="0" i="0" u="none" strike="noStrike" cap="none">
+              <a:rPr lang="en-US" sz="3400" u="none" strike="noStrike" cap="none">
                 <a:solidFill>
                   <a:srgbClr val="FF00FF"/>
                 </a:solidFill>
-                <a:latin typeface="Cabin"/>
-                <a:ea typeface="Cabin"/>
-                <a:cs typeface="Cabin"/>
+                <a:latin typeface="Arial" charset="0"/>
+                <a:ea typeface="Arial" charset="0"/>
+                <a:cs typeface="Arial" charset="0"/>
                 <a:sym typeface="Cabin"/>
               </a:rPr>
               <a:t>There were 1797 subject lines in mbox.txt</a:t>
@@ -31326,13 +31326,13 @@
               </a:spcAft>
               <a:buNone/>
             </a:pPr>
-            <a:endParaRPr sz="3400" b="0" i="0" u="none" strike="noStrike" cap="none">
+            <a:endParaRPr sz="3400" u="none" strike="noStrike" cap="none">
               <a:solidFill>
                 <a:srgbClr val="FF00FF"/>
               </a:solidFill>
-              <a:latin typeface="Cabin"/>
-              <a:ea typeface="Cabin"/>
-              <a:cs typeface="Cabin"/>
+              <a:latin typeface="Arial" charset="0"/>
+              <a:ea typeface="Arial" charset="0"/>
+              <a:cs typeface="Arial" charset="0"/>
               <a:sym typeface="Cabin"/>
             </a:endParaRPr>
           </a:p>
@@ -31355,25 +31355,25 @@
               <a:buNone/>
             </a:pPr>
             <a:r>
-              <a:rPr lang="en-US" sz="3400" b="0" i="0" u="none" strike="noStrike" cap="none">
+              <a:rPr lang="en-US" sz="3400" u="none" strike="noStrike" cap="none">
                 <a:solidFill>
                   <a:srgbClr val="FF00FF"/>
                 </a:solidFill>
-                <a:latin typeface="Cabin"/>
-                <a:ea typeface="Cabin"/>
-                <a:cs typeface="Cabin"/>
+                <a:latin typeface="Arial" charset="0"/>
+                <a:ea typeface="Arial" charset="0"/>
+                <a:cs typeface="Arial" charset="0"/>
                 <a:sym typeface="Cabin"/>
               </a:rPr>
               <a:t>Enter the file name: </a:t>
             </a:r>
             <a:r>
-              <a:rPr lang="en-US" sz="3400" b="0" i="0" u="none" strike="noStrike" cap="none">
+              <a:rPr lang="en-US" sz="3400" u="none" strike="noStrike" cap="none">
                 <a:solidFill>
                   <a:srgbClr val="FFFF00"/>
                 </a:solidFill>
-                <a:latin typeface="Cabin"/>
-                <a:ea typeface="Cabin"/>
-                <a:cs typeface="Cabin"/>
+                <a:latin typeface="Arial" charset="0"/>
+                <a:ea typeface="Arial" charset="0"/>
+                <a:cs typeface="Arial" charset="0"/>
                 <a:sym typeface="Cabin"/>
               </a:rPr>
               <a:t>na na boo boo</a:t>
@@ -31398,13 +31398,13 @@
               <a:buNone/>
             </a:pPr>
             <a:r>
-              <a:rPr lang="en-US" sz="3400" b="0" i="0" u="none" strike="noStrike" cap="none">
+              <a:rPr lang="en-US" sz="3400" u="none" strike="noStrike" cap="none">
                 <a:solidFill>
                   <a:srgbClr val="FF00FF"/>
                 </a:solidFill>
-                <a:latin typeface="Cabin"/>
-                <a:ea typeface="Cabin"/>
-                <a:cs typeface="Cabin"/>
+                <a:latin typeface="Arial" charset="0"/>
+                <a:ea typeface="Arial" charset="0"/>
+                <a:cs typeface="Arial" charset="0"/>
                 <a:sym typeface="Cabin"/>
               </a:rPr>
               <a:t>File cannot be opened: na na boo boo</a:t>
@@ -31484,13 +31484,13 @@
               <a:buNone/>
             </a:pPr>
             <a:r>
-              <a:rPr lang="en-US" sz="7600" b="0" i="0" u="none" strike="noStrike" cap="none">
+              <a:rPr lang="en-US" sz="7600" u="none" strike="noStrike" cap="none">
                 <a:solidFill>
                   <a:srgbClr val="FFFF00"/>
                 </a:solidFill>
-                <a:latin typeface="Cabin"/>
-                <a:ea typeface="Cabin"/>
-                <a:cs typeface="Cabin"/>
+                <a:latin typeface="Arial" charset="0"/>
+                <a:ea typeface="Arial" charset="0"/>
+                <a:cs typeface="Arial" charset="0"/>
                 <a:sym typeface="Cabin"/>
               </a:rPr>
               <a:t>Summary</a:t>
@@ -31545,13 +31545,13 @@
               <a:buChar char="•"/>
             </a:pPr>
             <a:r>
-              <a:rPr lang="en-US" sz="3600" b="0" i="0" u="none" strike="noStrike" cap="none">
+              <a:rPr lang="en-US" sz="3600" u="none" strike="noStrike" cap="none">
                 <a:solidFill>
                   <a:schemeClr val="lt1"/>
                 </a:solidFill>
-                <a:latin typeface="Cabin"/>
-                <a:ea typeface="Cabin"/>
-                <a:cs typeface="Cabin"/>
+                <a:latin typeface="Arial" charset="0"/>
+                <a:ea typeface="Arial" charset="0"/>
+                <a:cs typeface="Arial" charset="0"/>
                 <a:sym typeface="Cabin"/>
               </a:rPr>
               <a:t>Secondary storage</a:t>
@@ -31576,13 +31576,13 @@
               <a:buChar char="•"/>
             </a:pPr>
             <a:r>
-              <a:rPr lang="en-US" sz="3600" b="0" i="0" u="none" strike="noStrike" cap="none">
+              <a:rPr lang="en-US" sz="3600" u="none" strike="noStrike" cap="none">
                 <a:solidFill>
                   <a:schemeClr val="lt1"/>
                 </a:solidFill>
-                <a:latin typeface="Cabin"/>
-                <a:ea typeface="Cabin"/>
-                <a:cs typeface="Cabin"/>
+                <a:latin typeface="Arial" charset="0"/>
+                <a:ea typeface="Arial" charset="0"/>
+                <a:cs typeface="Arial" charset="0"/>
                 <a:sym typeface="Cabin"/>
               </a:rPr>
               <a:t>Opening a file - file handle</a:t>
@@ -31607,13 +31607,13 @@
               <a:buChar char="•"/>
             </a:pPr>
             <a:r>
-              <a:rPr lang="en-US" sz="3600" b="0" i="0" u="none" strike="noStrike" cap="none">
+              <a:rPr lang="en-US" sz="3600" u="none" strike="noStrike" cap="none">
                 <a:solidFill>
                   <a:schemeClr val="lt1"/>
                 </a:solidFill>
-                <a:latin typeface="Cabin"/>
-                <a:ea typeface="Cabin"/>
-                <a:cs typeface="Cabin"/>
+                <a:latin typeface="Arial" charset="0"/>
+                <a:ea typeface="Arial" charset="0"/>
+                <a:cs typeface="Arial" charset="0"/>
                 <a:sym typeface="Cabin"/>
               </a:rPr>
               <a:t>File structure - newline character</a:t>
@@ -31638,13 +31638,13 @@
               <a:buChar char="•"/>
             </a:pPr>
             <a:r>
-              <a:rPr lang="en-US" sz="3600" b="0" i="0" u="none" strike="noStrike" cap="none">
+              <a:rPr lang="en-US" sz="3600" u="none" strike="noStrike" cap="none">
                 <a:solidFill>
                   <a:schemeClr val="lt1"/>
                 </a:solidFill>
-                <a:latin typeface="Cabin"/>
-                <a:ea typeface="Cabin"/>
-                <a:cs typeface="Cabin"/>
+                <a:latin typeface="Arial" charset="0"/>
+                <a:ea typeface="Arial" charset="0"/>
+                <a:cs typeface="Arial" charset="0"/>
                 <a:sym typeface="Cabin"/>
               </a:rPr>
               <a:t>Reading a file line</a:t>
@@ -31654,21 +31654,21 @@
                 <a:solidFill>
                   <a:schemeClr val="lt1"/>
                 </a:solidFill>
-                <a:latin typeface="Cabin"/>
-                <a:ea typeface="Cabin"/>
-                <a:cs typeface="Cabin"/>
+                <a:latin typeface="Arial" charset="0"/>
+                <a:ea typeface="Arial" charset="0"/>
+                <a:cs typeface="Arial" charset="0"/>
                 <a:sym typeface="Cabin"/>
               </a:rPr>
               <a:t> </a:t>
             </a:r>
             <a:r>
-              <a:rPr lang="en-US" sz="3600" b="0" i="0" u="none" strike="noStrike" cap="none">
+              <a:rPr lang="en-US" sz="3600" u="none" strike="noStrike" cap="none">
                 <a:solidFill>
                   <a:schemeClr val="lt1"/>
                 </a:solidFill>
-                <a:latin typeface="Cabin"/>
-                <a:ea typeface="Cabin"/>
-                <a:cs typeface="Cabin"/>
+                <a:latin typeface="Arial" charset="0"/>
+                <a:ea typeface="Arial" charset="0"/>
+                <a:cs typeface="Arial" charset="0"/>
                 <a:sym typeface="Cabin"/>
               </a:rPr>
               <a:t>by</a:t>
@@ -31678,44 +31678,44 @@
                 <a:solidFill>
                   <a:schemeClr val="lt1"/>
                 </a:solidFill>
-                <a:latin typeface="Cabin"/>
-                <a:ea typeface="Cabin"/>
-                <a:cs typeface="Cabin"/>
+                <a:latin typeface="Arial" charset="0"/>
+                <a:ea typeface="Arial" charset="0"/>
+                <a:cs typeface="Arial" charset="0"/>
                 <a:sym typeface="Cabin"/>
               </a:rPr>
               <a:t> </a:t>
             </a:r>
             <a:r>
-              <a:rPr lang="en-US" sz="3600" b="0" i="0" u="none" strike="noStrike" cap="none">
+              <a:rPr lang="en-US" sz="3600" u="none" strike="noStrike" cap="none">
                 <a:solidFill>
                   <a:schemeClr val="lt1"/>
                 </a:solidFill>
-                <a:latin typeface="Cabin"/>
-                <a:ea typeface="Cabin"/>
-                <a:cs typeface="Cabin"/>
+                <a:latin typeface="Arial" charset="0"/>
+                <a:ea typeface="Arial" charset="0"/>
+                <a:cs typeface="Arial" charset="0"/>
                 <a:sym typeface="Cabin"/>
               </a:rPr>
               <a:t>line with a </a:t>
             </a:r>
             <a:br>
-              <a:rPr lang="en-US" sz="3600" b="0" i="0" u="none" strike="noStrike" cap="none">
+              <a:rPr lang="en-US" sz="3600" u="none" strike="noStrike" cap="none">
                 <a:solidFill>
                   <a:schemeClr val="lt1"/>
                 </a:solidFill>
-                <a:latin typeface="Cabin"/>
-                <a:ea typeface="Cabin"/>
-                <a:cs typeface="Cabin"/>
+                <a:latin typeface="Arial" charset="0"/>
+                <a:ea typeface="Arial" charset="0"/>
+                <a:cs typeface="Arial" charset="0"/>
                 <a:sym typeface="Cabin"/>
               </a:rPr>
             </a:br>
             <a:r>
-              <a:rPr lang="en-US" sz="3600" b="0" i="0" u="none" strike="noStrike" cap="none">
+              <a:rPr lang="en-US" sz="3600" u="none" strike="noStrike" cap="none">
                 <a:solidFill>
                   <a:schemeClr val="lt1"/>
                 </a:solidFill>
-                <a:latin typeface="Cabin"/>
-                <a:ea typeface="Cabin"/>
-                <a:cs typeface="Cabin"/>
+                <a:latin typeface="Arial" charset="0"/>
+                <a:ea typeface="Arial" charset="0"/>
+                <a:cs typeface="Arial" charset="0"/>
                 <a:sym typeface="Cabin"/>
               </a:rPr>
               <a:t>for loop</a:t>
@@ -31770,13 +31770,13 @@
               <a:buChar char="•"/>
             </a:pPr>
             <a:r>
-              <a:rPr lang="en-US" sz="3600" b="0" i="0" u="none" strike="noStrike" cap="none">
+              <a:rPr lang="en-US" sz="3600" u="none" strike="noStrike" cap="none">
                 <a:solidFill>
                   <a:schemeClr val="lt1"/>
                 </a:solidFill>
-                <a:latin typeface="Cabin"/>
-                <a:ea typeface="Cabin"/>
-                <a:cs typeface="Cabin"/>
+                <a:latin typeface="Arial" charset="0"/>
+                <a:ea typeface="Arial" charset="0"/>
+                <a:cs typeface="Arial" charset="0"/>
                 <a:sym typeface="Cabin"/>
               </a:rPr>
               <a:t>Searching for lines</a:t>
@@ -31801,13 +31801,13 @@
               <a:buChar char="•"/>
             </a:pPr>
             <a:r>
-              <a:rPr lang="en-US" sz="3600" b="0" i="0" u="none" strike="noStrike" cap="none">
+              <a:rPr lang="en-US" sz="3600" u="none" strike="noStrike" cap="none">
                 <a:solidFill>
                   <a:schemeClr val="lt1"/>
                 </a:solidFill>
-                <a:latin typeface="Cabin"/>
-                <a:ea typeface="Cabin"/>
-                <a:cs typeface="Cabin"/>
+                <a:latin typeface="Arial" charset="0"/>
+                <a:ea typeface="Arial" charset="0"/>
+                <a:cs typeface="Arial" charset="0"/>
                 <a:sym typeface="Cabin"/>
               </a:rPr>
               <a:t>Reading file names</a:t>
@@ -31832,13 +31832,13 @@
               <a:buChar char="•"/>
             </a:pPr>
             <a:r>
-              <a:rPr lang="en-US" sz="3600" b="0" i="0" u="none" strike="noStrike" cap="none">
+              <a:rPr lang="en-US" sz="3600" u="none" strike="noStrike" cap="none">
                 <a:solidFill>
                   <a:schemeClr val="lt1"/>
                 </a:solidFill>
-                <a:latin typeface="Cabin"/>
-                <a:ea typeface="Cabin"/>
-                <a:cs typeface="Cabin"/>
+                <a:latin typeface="Arial" charset="0"/>
+                <a:ea typeface="Arial" charset="0"/>
+                <a:cs typeface="Arial" charset="0"/>
                 <a:sym typeface="Cabin"/>
               </a:rPr>
               <a:t>Dealing with bad files</a:t>
@@ -32215,13 +32215,13 @@
               <a:buNone/>
             </a:pPr>
             <a:r>
-              <a:rPr lang="en-US" sz="7600" b="0" i="0" u="none" strike="noStrike" cap="none">
+              <a:rPr lang="en-US" sz="7600" u="none" strike="noStrike" cap="none">
                 <a:solidFill>
                   <a:srgbClr val="FFFF00"/>
                 </a:solidFill>
-                <a:latin typeface="Cabin"/>
-                <a:ea typeface="Cabin"/>
-                <a:cs typeface="Cabin"/>
+                <a:latin typeface="Arial" charset="0"/>
+                <a:ea typeface="Arial" charset="0"/>
+                <a:cs typeface="Arial" charset="0"/>
                 <a:sym typeface="Cabin"/>
               </a:rPr>
               <a:t>File Processing</a:t>
@@ -32272,13 +32272,13 @@
               <a:buFont typeface="Cabin"/>
             </a:pPr>
             <a:r>
-              <a:rPr lang="en-US" sz="3600" b="0" i="0" u="none" strike="noStrike" cap="none">
+              <a:rPr lang="en-US" sz="3600" u="none" strike="noStrike" cap="none">
                 <a:solidFill>
                   <a:schemeClr val="lt1"/>
                 </a:solidFill>
-                <a:latin typeface="Cabin"/>
-                <a:ea typeface="Cabin"/>
-                <a:cs typeface="Cabin"/>
+                <a:latin typeface="Arial" charset="0"/>
+                <a:ea typeface="Arial" charset="0"/>
+                <a:cs typeface="Arial" charset="0"/>
                 <a:sym typeface="Cabin"/>
               </a:rPr>
               <a:t>A text file can be thought of as a sequence of lines</a:t>
@@ -32623,13 +32623,13 @@
               <a:buNone/>
             </a:pPr>
             <a:r>
-              <a:rPr lang="en-US" sz="3000" b="0" i="0" u="sng" strike="noStrike" cap="none">
+              <a:rPr lang="en-US" sz="3000" u="sng" strike="noStrike" cap="none">
                 <a:solidFill>
                   <a:srgbClr val="FFFF00"/>
                 </a:solidFill>
-                <a:latin typeface="Cabin"/>
-                <a:ea typeface="Cabin"/>
-                <a:cs typeface="Cabin"/>
+                <a:latin typeface="Arial" charset="0"/>
+                <a:ea typeface="Arial" charset="0"/>
+                <a:cs typeface="Arial" charset="0"/>
                 <a:sym typeface="Cabin"/>
                 <a:hlinkClick r:id="rId3"/>
               </a:rPr>
@@ -32710,13 +32710,13 @@
               <a:buNone/>
             </a:pPr>
             <a:r>
-              <a:rPr lang="en-US" sz="7600" b="0" i="0" u="none" strike="noStrike" cap="none">
+              <a:rPr lang="en-US" sz="7600" u="none" strike="noStrike" cap="none">
                 <a:solidFill>
                   <a:srgbClr val="FFFF00"/>
                 </a:solidFill>
-                <a:latin typeface="Cabin"/>
-                <a:ea typeface="Cabin"/>
-                <a:cs typeface="Cabin"/>
+                <a:latin typeface="Arial" charset="0"/>
+                <a:ea typeface="Arial" charset="0"/>
+                <a:cs typeface="Arial" charset="0"/>
                 <a:sym typeface="Cabin"/>
               </a:rPr>
               <a:t>Opening a File</a:t>
@@ -32771,13 +32771,13 @@
               <a:buChar char="•"/>
             </a:pPr>
             <a:r>
-              <a:rPr lang="en-US" sz="3600" b="0" i="0" u="none" strike="noStrike" cap="none">
+              <a:rPr lang="en-US" sz="3600" u="none" strike="noStrike" cap="none">
                 <a:solidFill>
                   <a:schemeClr val="lt1"/>
                 </a:solidFill>
-                <a:latin typeface="Cabin"/>
-                <a:ea typeface="Cabin"/>
-                <a:cs typeface="Cabin"/>
+                <a:latin typeface="Arial" charset="0"/>
+                <a:ea typeface="Arial" charset="0"/>
+                <a:cs typeface="Arial" charset="0"/>
                 <a:sym typeface="Cabin"/>
               </a:rPr>
               <a:t>Before we can read the contents of the file, we must tell Python which file we are going to work with and what we will be doing with the file</a:t>
@@ -32802,37 +32802,37 @@
               <a:buChar char="•"/>
             </a:pPr>
             <a:r>
-              <a:rPr lang="en-US" sz="3600" b="0" i="0" u="none" strike="noStrike" cap="none">
+              <a:rPr lang="en-US" sz="3600" u="none" strike="noStrike" cap="none">
                 <a:solidFill>
                   <a:schemeClr val="lt1"/>
                 </a:solidFill>
-                <a:latin typeface="Cabin"/>
-                <a:ea typeface="Cabin"/>
-                <a:cs typeface="Cabin"/>
+                <a:latin typeface="Arial" charset="0"/>
+                <a:ea typeface="Arial" charset="0"/>
+                <a:cs typeface="Arial" charset="0"/>
                 <a:sym typeface="Cabin"/>
               </a:rPr>
               <a:t>This is done with the </a:t>
             </a:r>
             <a:r>
-              <a:rPr lang="en-US" sz="3600" b="0" i="0" u="none" strike="noStrike" cap="none">
+              <a:rPr lang="en-US" sz="3600" u="none" strike="noStrike" cap="none">
                 <a:solidFill>
                   <a:srgbClr val="FF00FF"/>
                 </a:solidFill>
-                <a:latin typeface="Cabin"/>
-                <a:ea typeface="Cabin"/>
-                <a:cs typeface="Cabin"/>
+                <a:latin typeface="Arial" charset="0"/>
+                <a:ea typeface="Arial" charset="0"/>
+                <a:cs typeface="Arial" charset="0"/>
                 <a:sym typeface="Cabin"/>
               </a:rPr>
               <a:t>open</a:t>
             </a:r>
             <a:r>
-              <a:rPr lang="en-US" sz="3600" b="0" i="0" u="none" strike="noStrike" cap="none">
+              <a:rPr lang="en-US" sz="3600" u="none" strike="noStrike" cap="none">
                 <a:solidFill>
                   <a:schemeClr val="lt1"/>
                 </a:solidFill>
-                <a:latin typeface="Cabin"/>
-                <a:ea typeface="Cabin"/>
-                <a:cs typeface="Cabin"/>
+                <a:latin typeface="Arial" charset="0"/>
+                <a:ea typeface="Arial" charset="0"/>
+                <a:cs typeface="Arial" charset="0"/>
                 <a:sym typeface="Cabin"/>
               </a:rPr>
               <a:t>() function</a:t>
@@ -32857,25 +32857,25 @@
               <a:buChar char="•"/>
             </a:pPr>
             <a:r>
-              <a:rPr lang="en-US" sz="3600" b="0" i="0" u="none" strike="noStrike" cap="none">
+              <a:rPr lang="en-US" sz="3600" u="none" strike="noStrike" cap="none">
                 <a:solidFill>
                   <a:srgbClr val="FF00FF"/>
                 </a:solidFill>
-                <a:latin typeface="Cabin"/>
-                <a:ea typeface="Cabin"/>
-                <a:cs typeface="Cabin"/>
+                <a:latin typeface="Arial" charset="0"/>
+                <a:ea typeface="Arial" charset="0"/>
+                <a:cs typeface="Arial" charset="0"/>
                 <a:sym typeface="Cabin"/>
               </a:rPr>
               <a:t>open</a:t>
             </a:r>
             <a:r>
-              <a:rPr lang="en-US" sz="3600" b="0" i="0" u="none" strike="noStrike" cap="none">
+              <a:rPr lang="en-US" sz="3600" u="none" strike="noStrike" cap="none">
                 <a:solidFill>
                   <a:schemeClr val="lt1"/>
                 </a:solidFill>
-                <a:latin typeface="Cabin"/>
-                <a:ea typeface="Cabin"/>
-                <a:cs typeface="Cabin"/>
+                <a:latin typeface="Arial" charset="0"/>
+                <a:ea typeface="Arial" charset="0"/>
+                <a:cs typeface="Arial" charset="0"/>
                 <a:sym typeface="Cabin"/>
               </a:rPr>
               <a:t>() returns a </a:t>
@@ -32893,13 +32893,13 @@
               <a:t>“</a:t>
             </a:r>
             <a:r>
-              <a:rPr lang="en-US" sz="3600" b="0" i="0" u="none" strike="noStrike" cap="none">
+              <a:rPr lang="en-US" sz="3600" u="none" strike="noStrike" cap="none">
                 <a:solidFill>
                   <a:srgbClr val="FF7F00"/>
                 </a:solidFill>
-                <a:latin typeface="Cabin"/>
-                <a:ea typeface="Cabin"/>
-                <a:cs typeface="Cabin"/>
+                <a:latin typeface="Arial" charset="0"/>
+                <a:ea typeface="Arial" charset="0"/>
+                <a:cs typeface="Arial" charset="0"/>
                 <a:sym typeface="Cabin"/>
               </a:rPr>
               <a:t>file handle</a:t>
@@ -32917,13 +32917,13 @@
               <a:t>”</a:t>
             </a:r>
             <a:r>
-              <a:rPr lang="en-US" sz="3600" b="0" i="0" u="none" strike="noStrike" cap="none">
+              <a:rPr lang="en-US" sz="3600" u="none" strike="noStrike" cap="none">
                 <a:solidFill>
                   <a:schemeClr val="lt1"/>
                 </a:solidFill>
-                <a:latin typeface="Cabin"/>
-                <a:ea typeface="Cabin"/>
-                <a:cs typeface="Cabin"/>
+                <a:latin typeface="Arial" charset="0"/>
+                <a:ea typeface="Arial" charset="0"/>
+                <a:cs typeface="Arial" charset="0"/>
                 <a:sym typeface="Cabin"/>
               </a:rPr>
               <a:t> - a variable used to perform operations on the file</a:t>
@@ -32952,21 +32952,21 @@
                 <a:solidFill>
                   <a:schemeClr val="lt1"/>
                 </a:solidFill>
-                <a:latin typeface="Cabin"/>
-                <a:ea typeface="Cabin"/>
-                <a:cs typeface="Cabin"/>
+                <a:latin typeface="Arial" charset="0"/>
+                <a:ea typeface="Arial" charset="0"/>
+                <a:cs typeface="Arial" charset="0"/>
                 <a:sym typeface="Cabin"/>
               </a:rPr>
               <a:t>Similar to</a:t>
             </a:r>
             <a:r>
-              <a:rPr lang="en-US" sz="3600" b="0" i="0" u="none" strike="noStrike" cap="none">
+              <a:rPr lang="en-US" sz="3600" u="none" strike="noStrike" cap="none">
                 <a:solidFill>
                   <a:schemeClr val="lt1"/>
                 </a:solidFill>
-                <a:latin typeface="Cabin"/>
-                <a:ea typeface="Cabin"/>
-                <a:cs typeface="Cabin"/>
+                <a:latin typeface="Arial" charset="0"/>
+                <a:ea typeface="Arial" charset="0"/>
+                <a:cs typeface="Arial" charset="0"/>
                 <a:sym typeface="Cabin"/>
               </a:rPr>
               <a:t> </a:t>
@@ -32984,13 +32984,13 @@
               <a:t>“</a:t>
             </a:r>
             <a:r>
-              <a:rPr lang="en-US" sz="3600" b="0" i="0" u="none" strike="noStrike" cap="none">
+              <a:rPr lang="en-US" sz="3600" u="none" strike="noStrike" cap="none">
                 <a:solidFill>
                   <a:schemeClr val="lt1"/>
                 </a:solidFill>
-                <a:latin typeface="Cabin"/>
-                <a:ea typeface="Cabin"/>
-                <a:cs typeface="Cabin"/>
+                <a:latin typeface="Arial" charset="0"/>
+                <a:ea typeface="Arial" charset="0"/>
+                <a:cs typeface="Arial" charset="0"/>
                 <a:sym typeface="Cabin"/>
               </a:rPr>
               <a:t>File -&gt; Open</a:t>
@@ -33008,13 +33008,13 @@
               <a:t>”</a:t>
             </a:r>
             <a:r>
-              <a:rPr lang="en-US" sz="3600" b="0" i="0" u="none" strike="noStrike" cap="none">
+              <a:rPr lang="en-US" sz="3600" u="none" strike="noStrike" cap="none">
                 <a:solidFill>
                   <a:schemeClr val="lt1"/>
                 </a:solidFill>
-                <a:latin typeface="Cabin"/>
-                <a:ea typeface="Cabin"/>
-                <a:cs typeface="Cabin"/>
+                <a:latin typeface="Arial" charset="0"/>
+                <a:ea typeface="Arial" charset="0"/>
+                <a:cs typeface="Arial" charset="0"/>
                 <a:sym typeface="Cabin"/>
               </a:rPr>
               <a:t> in a Word Processor</a:t>
@@ -33094,13 +33094,13 @@
               <a:buNone/>
             </a:pPr>
             <a:r>
-              <a:rPr lang="en-US" sz="7600" b="0" i="0" u="none" strike="noStrike" cap="none">
+              <a:rPr lang="en-US" sz="7600" u="none" strike="noStrike" cap="none">
                 <a:solidFill>
                   <a:srgbClr val="FFFF00"/>
                 </a:solidFill>
-                <a:latin typeface="Cabin"/>
-                <a:ea typeface="Cabin"/>
-                <a:cs typeface="Cabin"/>
+                <a:latin typeface="Arial" charset="0"/>
+                <a:ea typeface="Arial" charset="0"/>
+                <a:cs typeface="Arial" charset="0"/>
                 <a:sym typeface="Cabin"/>
               </a:rPr>
               <a:t>Using open()</a:t>
@@ -33155,97 +33155,97 @@
               <a:buChar char="•"/>
             </a:pPr>
             <a:r>
-              <a:rPr lang="en-US" sz="3600" b="0" i="0" u="none" strike="noStrike" cap="none">
+              <a:rPr lang="en-US" sz="3600" u="none" strike="noStrike" cap="none">
                 <a:solidFill>
                   <a:srgbClr val="FF7F00"/>
                 </a:solidFill>
-                <a:latin typeface="Cabin"/>
-                <a:ea typeface="Cabin"/>
-                <a:cs typeface="Cabin"/>
+                <a:latin typeface="Arial" charset="0"/>
+                <a:ea typeface="Arial" charset="0"/>
+                <a:cs typeface="Arial" charset="0"/>
                 <a:sym typeface="Cabin"/>
               </a:rPr>
               <a:t>handle</a:t>
             </a:r>
             <a:r>
-              <a:rPr lang="en-US" sz="3600" b="0" i="0" u="none" strike="noStrike" cap="none">
+              <a:rPr lang="en-US" sz="3600" u="none" strike="noStrike" cap="none">
                 <a:solidFill>
                   <a:schemeClr val="lt1"/>
                 </a:solidFill>
-                <a:latin typeface="Cabin"/>
-                <a:ea typeface="Cabin"/>
-                <a:cs typeface="Cabin"/>
+                <a:latin typeface="Arial" charset="0"/>
+                <a:ea typeface="Arial" charset="0"/>
+                <a:cs typeface="Arial" charset="0"/>
                 <a:sym typeface="Cabin"/>
               </a:rPr>
               <a:t> = </a:t>
             </a:r>
             <a:r>
-              <a:rPr lang="en-US" sz="3600" b="0" i="0" u="none" strike="noStrike" cap="none">
+              <a:rPr lang="en-US" sz="3600" u="none" strike="noStrike" cap="none">
                 <a:solidFill>
                   <a:srgbClr val="FF00FF"/>
                 </a:solidFill>
-                <a:latin typeface="Cabin"/>
-                <a:ea typeface="Cabin"/>
-                <a:cs typeface="Cabin"/>
+                <a:latin typeface="Arial" charset="0"/>
+                <a:ea typeface="Arial" charset="0"/>
+                <a:cs typeface="Arial" charset="0"/>
                 <a:sym typeface="Cabin"/>
               </a:rPr>
               <a:t>open</a:t>
             </a:r>
             <a:r>
-              <a:rPr lang="en-US" sz="3600" b="0" i="0" u="none" strike="noStrike" cap="none">
+              <a:rPr lang="en-US" sz="3600" u="none" strike="noStrike" cap="none">
                 <a:solidFill>
                   <a:schemeClr val="lt1"/>
                 </a:solidFill>
-                <a:latin typeface="Cabin"/>
-                <a:ea typeface="Cabin"/>
-                <a:cs typeface="Cabin"/>
+                <a:latin typeface="Arial" charset="0"/>
+                <a:ea typeface="Arial" charset="0"/>
+                <a:cs typeface="Arial" charset="0"/>
                 <a:sym typeface="Cabin"/>
               </a:rPr>
               <a:t>(</a:t>
             </a:r>
             <a:r>
-              <a:rPr lang="en-US" sz="3600" b="0" i="0" u="none" strike="noStrike" cap="none">
+              <a:rPr lang="en-US" sz="3600" u="none" strike="noStrike" cap="none">
                 <a:solidFill>
                   <a:srgbClr val="00FFFF"/>
                 </a:solidFill>
-                <a:latin typeface="Cabin"/>
-                <a:ea typeface="Cabin"/>
-                <a:cs typeface="Cabin"/>
+                <a:latin typeface="Arial" charset="0"/>
+                <a:ea typeface="Arial" charset="0"/>
+                <a:cs typeface="Arial" charset="0"/>
                 <a:sym typeface="Cabin"/>
               </a:rPr>
               <a:t>filename</a:t>
             </a:r>
             <a:r>
-              <a:rPr lang="en-US" sz="3600" b="0" i="0" u="none" strike="noStrike" cap="none">
+              <a:rPr lang="en-US" sz="3600" u="none" strike="noStrike" cap="none">
                 <a:solidFill>
                   <a:schemeClr val="lt1"/>
                 </a:solidFill>
-                <a:latin typeface="Cabin"/>
-                <a:ea typeface="Cabin"/>
-                <a:cs typeface="Cabin"/>
+                <a:latin typeface="Arial" charset="0"/>
+                <a:ea typeface="Arial" charset="0"/>
+                <a:cs typeface="Arial" charset="0"/>
                 <a:sym typeface="Cabin"/>
               </a:rPr>
               <a:t>, </a:t>
             </a:r>
             <a:r>
-              <a:rPr lang="en-US" sz="3600" b="0" i="0" u="none" strike="noStrike" cap="none">
+              <a:rPr lang="en-US" sz="3600" u="none" strike="noStrike" cap="none">
                 <a:solidFill>
                   <a:srgbClr val="FFFF00"/>
                 </a:solidFill>
-                <a:latin typeface="Cabin"/>
-                <a:ea typeface="Cabin"/>
-                <a:cs typeface="Cabin"/>
+                <a:latin typeface="Arial" charset="0"/>
+                <a:ea typeface="Arial" charset="0"/>
+                <a:cs typeface="Arial" charset="0"/>
                 <a:sym typeface="Cabin"/>
               </a:rPr>
               <a:t>mode</a:t>
             </a:r>
             <a:r>
-              <a:rPr lang="en-US" sz="3600" b="0" i="0" u="none" strike="noStrike" cap="none">
+              <a:rPr lang="en-US" sz="3600" u="none" strike="noStrike" cap="none">
                 <a:solidFill>
                   <a:schemeClr val="lt1"/>
                 </a:solidFill>
-                <a:latin typeface="Cabin"/>
-                <a:ea typeface="Cabin"/>
-                <a:cs typeface="Cabin"/>
+                <a:latin typeface="Arial" charset="0"/>
+                <a:ea typeface="Arial" charset="0"/>
+                <a:cs typeface="Arial" charset="0"/>
                 <a:sym typeface="Cabin"/>
               </a:rPr>
               <a:t>)</a:t>
@@ -33269,13 +33269,13 @@
               <a:buFont typeface="Cabin"/>
             </a:pPr>
             <a:r>
-              <a:rPr lang="en-US" sz="3600" b="0" i="0" u="none" strike="noStrike" cap="none">
+              <a:rPr lang="en-US" sz="3600" u="none" strike="noStrike" cap="none">
                 <a:solidFill>
                   <a:srgbClr val="FF7F00"/>
                 </a:solidFill>
-                <a:latin typeface="Cabin"/>
-                <a:ea typeface="Cabin"/>
-                <a:cs typeface="Cabin"/>
+                <a:latin typeface="Arial" charset="0"/>
+                <a:ea typeface="Arial" charset="0"/>
+                <a:cs typeface="Arial" charset="0"/>
                 <a:sym typeface="Cabin"/>
               </a:rPr>
               <a:t>returns a handle use to manipulate the file</a:t>
@@ -33299,13 +33299,13 @@
               <a:buFont typeface="Cabin"/>
             </a:pPr>
             <a:r>
-              <a:rPr lang="en-US" sz="3600" b="0" i="0" u="none" strike="noStrike" cap="none">
+              <a:rPr lang="en-US" sz="3600" u="none" strike="noStrike" cap="none">
                 <a:solidFill>
                   <a:srgbClr val="00FFFF"/>
                 </a:solidFill>
-                <a:latin typeface="Cabin"/>
-                <a:ea typeface="Cabin"/>
-                <a:cs typeface="Cabin"/>
+                <a:latin typeface="Arial" charset="0"/>
+                <a:ea typeface="Arial" charset="0"/>
+                <a:cs typeface="Arial" charset="0"/>
                 <a:sym typeface="Cabin"/>
               </a:rPr>
               <a:t>filename is a string</a:t>
@@ -33329,13 +33329,13 @@
               <a:buFont typeface="Cabin"/>
             </a:pPr>
             <a:r>
-              <a:rPr lang="en-US" sz="3600" b="0" i="0" u="none" strike="noStrike" cap="none">
+              <a:rPr lang="en-US" sz="3600" u="none" strike="noStrike" cap="none">
                 <a:solidFill>
                   <a:srgbClr val="FFFF00"/>
                 </a:solidFill>
-                <a:latin typeface="Cabin"/>
-                <a:ea typeface="Cabin"/>
-                <a:cs typeface="Cabin"/>
+                <a:latin typeface="Arial" charset="0"/>
+                <a:ea typeface="Arial" charset="0"/>
+                <a:cs typeface="Arial" charset="0"/>
                 <a:sym typeface="Cabin"/>
               </a:rPr>
               <a:t>mode is optional and should be 'r' if we are planning to read the file and 'w' if we are going to write to the file</a:t>
@@ -33386,97 +33386,97 @@
               <a:buNone/>
             </a:pPr>
             <a:r>
-              <a:rPr lang="en-US" sz="3600" b="0" i="0" u="none" strike="noStrike" cap="none">
+              <a:rPr lang="en-US" sz="3600" u="none" strike="noStrike" cap="none">
                 <a:solidFill>
                   <a:srgbClr val="FF7F00"/>
                 </a:solidFill>
-                <a:latin typeface="Cabin"/>
-                <a:ea typeface="Cabin"/>
-                <a:cs typeface="Cabin"/>
+                <a:latin typeface="Arial" charset="0"/>
+                <a:ea typeface="Arial" charset="0"/>
+                <a:cs typeface="Arial" charset="0"/>
                 <a:sym typeface="Cabin"/>
               </a:rPr>
               <a:t>fhand</a:t>
             </a:r>
             <a:r>
-              <a:rPr lang="en-US" sz="3600" b="0" i="0" u="none" strike="noStrike" cap="none">
+              <a:rPr lang="en-US" sz="3600" u="none" strike="noStrike" cap="none">
                 <a:solidFill>
                   <a:schemeClr val="lt1"/>
                 </a:solidFill>
-                <a:latin typeface="Cabin"/>
-                <a:ea typeface="Cabin"/>
-                <a:cs typeface="Cabin"/>
+                <a:latin typeface="Arial" charset="0"/>
+                <a:ea typeface="Arial" charset="0"/>
+                <a:cs typeface="Arial" charset="0"/>
                 <a:sym typeface="Cabin"/>
               </a:rPr>
               <a:t> = </a:t>
             </a:r>
             <a:r>
-              <a:rPr lang="en-US" sz="3600" b="0" i="0" u="none" strike="noStrike" cap="none">
+              <a:rPr lang="en-US" sz="3600" u="none" strike="noStrike" cap="none">
                 <a:solidFill>
                   <a:srgbClr val="FF00FF"/>
                 </a:solidFill>
-                <a:latin typeface="Cabin"/>
-                <a:ea typeface="Cabin"/>
-                <a:cs typeface="Cabin"/>
+                <a:latin typeface="Arial" charset="0"/>
+                <a:ea typeface="Arial" charset="0"/>
+                <a:cs typeface="Arial" charset="0"/>
                 <a:sym typeface="Cabin"/>
               </a:rPr>
               <a:t>open</a:t>
             </a:r>
             <a:r>
-              <a:rPr lang="en-US" sz="3600" b="0" i="0" u="none" strike="noStrike" cap="none">
+              <a:rPr lang="en-US" sz="3600" u="none" strike="noStrike" cap="none">
                 <a:solidFill>
                   <a:schemeClr val="lt1"/>
                 </a:solidFill>
-                <a:latin typeface="Cabin"/>
-                <a:ea typeface="Cabin"/>
-                <a:cs typeface="Cabin"/>
+                <a:latin typeface="Arial" charset="0"/>
+                <a:ea typeface="Arial" charset="0"/>
+                <a:cs typeface="Arial" charset="0"/>
                 <a:sym typeface="Cabin"/>
               </a:rPr>
               <a:t>('</a:t>
             </a:r>
             <a:r>
-              <a:rPr lang="en-US" sz="3600" b="0" i="0" u="none" strike="noStrike" cap="none">
+              <a:rPr lang="en-US" sz="3600" u="none" strike="noStrike" cap="none">
                 <a:solidFill>
                   <a:srgbClr val="00FFFF"/>
                 </a:solidFill>
-                <a:latin typeface="Cabin"/>
-                <a:ea typeface="Cabin"/>
-                <a:cs typeface="Cabin"/>
+                <a:latin typeface="Arial" charset="0"/>
+                <a:ea typeface="Arial" charset="0"/>
+                <a:cs typeface="Arial" charset="0"/>
                 <a:sym typeface="Cabin"/>
               </a:rPr>
               <a:t>mbox.txt</a:t>
             </a:r>
             <a:r>
-              <a:rPr lang="en-US" sz="3600" b="0" i="0" u="none" strike="noStrike" cap="none">
+              <a:rPr lang="en-US" sz="3600" u="none" strike="noStrike" cap="none">
                 <a:solidFill>
                   <a:schemeClr val="lt1"/>
                 </a:solidFill>
-                <a:latin typeface="Cabin"/>
-                <a:ea typeface="Cabin"/>
-                <a:cs typeface="Cabin"/>
+                <a:latin typeface="Arial" charset="0"/>
+                <a:ea typeface="Arial" charset="0"/>
+                <a:cs typeface="Arial" charset="0"/>
                 <a:sym typeface="Cabin"/>
               </a:rPr>
               <a:t>', '</a:t>
             </a:r>
             <a:r>
-              <a:rPr lang="en-US" sz="3600" b="0" i="0" u="none" strike="noStrike" cap="none">
+              <a:rPr lang="en-US" sz="3600" u="none" strike="noStrike" cap="none">
                 <a:solidFill>
                   <a:srgbClr val="FFFF00"/>
                 </a:solidFill>
-                <a:latin typeface="Cabin"/>
-                <a:ea typeface="Cabin"/>
-                <a:cs typeface="Cabin"/>
+                <a:latin typeface="Arial" charset="0"/>
+                <a:ea typeface="Arial" charset="0"/>
+                <a:cs typeface="Arial" charset="0"/>
                 <a:sym typeface="Cabin"/>
               </a:rPr>
               <a:t>r</a:t>
             </a:r>
             <a:r>
-              <a:rPr lang="en-US" sz="3600" b="0" i="0" u="none" strike="noStrike" cap="none">
+              <a:rPr lang="en-US" sz="3600" u="none" strike="noStrike" cap="none">
                 <a:solidFill>
                   <a:schemeClr val="lt1"/>
                 </a:solidFill>
-                <a:latin typeface="Cabin"/>
-                <a:ea typeface="Cabin"/>
-                <a:cs typeface="Cabin"/>
+                <a:latin typeface="Arial" charset="0"/>
+                <a:ea typeface="Arial" charset="0"/>
+                <a:cs typeface="Arial" charset="0"/>
                 <a:sym typeface="Cabin"/>
               </a:rPr>
               <a:t>')</a:t>
@@ -33556,13 +33556,13 @@
               <a:buNone/>
             </a:pPr>
             <a:r>
-              <a:rPr lang="en-US" sz="7600" b="0" i="0" u="none" strike="noStrike" cap="none">
+              <a:rPr lang="en-US" sz="7600" u="none" strike="noStrike" cap="none">
                 <a:solidFill>
                   <a:srgbClr val="FFFF00"/>
                 </a:solidFill>
-                <a:latin typeface="Cabin"/>
-                <a:ea typeface="Cabin"/>
-                <a:cs typeface="Cabin"/>
+                <a:latin typeface="Arial" charset="0"/>
+                <a:ea typeface="Arial" charset="0"/>
+                <a:cs typeface="Arial" charset="0"/>
                 <a:sym typeface="Cabin"/>
               </a:rPr>
               <a:t>What is a Handle?</a:t>
@@ -33896,13 +33896,13 @@
               <a:buNone/>
             </a:pPr>
             <a:r>
-              <a:rPr lang="en-US" sz="7600" b="0" i="0" u="none" strike="noStrike" cap="none">
+              <a:rPr lang="en-US" sz="7600" u="none" strike="noStrike" cap="none">
                 <a:solidFill>
                   <a:srgbClr val="FFFF00"/>
                 </a:solidFill>
-                <a:latin typeface="Cabin"/>
-                <a:ea typeface="Cabin"/>
-                <a:cs typeface="Cabin"/>
+                <a:latin typeface="Arial" charset="0"/>
+                <a:ea typeface="Arial" charset="0"/>
+                <a:cs typeface="Arial" charset="0"/>
                 <a:sym typeface="Cabin"/>
               </a:rPr>
               <a:t>When Files are Missing</a:t>
@@ -34178,13 +34178,13 @@
               <a:buNone/>
             </a:pPr>
             <a:r>
-              <a:rPr lang="en-US" sz="7600" b="0" i="0" u="none" strike="noStrike" cap="none">
+              <a:rPr lang="en-US" sz="7600" u="none" strike="noStrike" cap="none">
                 <a:solidFill>
                   <a:srgbClr val="FFFF00"/>
                 </a:solidFill>
-                <a:latin typeface="Cabin"/>
-                <a:ea typeface="Cabin"/>
-                <a:cs typeface="Cabin"/>
+                <a:latin typeface="Arial" charset="0"/>
+                <a:ea typeface="Arial" charset="0"/>
+                <a:cs typeface="Arial" charset="0"/>
                 <a:sym typeface="Cabin"/>
               </a:rPr>
               <a:t>The newline</a:t>
@@ -34194,21 +34194,21 @@
                 <a:solidFill>
                   <a:srgbClr val="FFFF00"/>
                 </a:solidFill>
-                <a:latin typeface="Cabin"/>
-                <a:ea typeface="Cabin"/>
-                <a:cs typeface="Cabin"/>
+                <a:latin typeface="Arial" charset="0"/>
+                <a:ea typeface="Arial" charset="0"/>
+                <a:cs typeface="Arial" charset="0"/>
                 <a:sym typeface="Cabin"/>
               </a:rPr>
               <a:t> </a:t>
             </a:r>
             <a:r>
-              <a:rPr lang="en-US" sz="7600" b="0" i="0" u="none" strike="noStrike" cap="none">
+              <a:rPr lang="en-US" sz="7600" u="none" strike="noStrike" cap="none">
                 <a:solidFill>
                   <a:srgbClr val="FFFF00"/>
                 </a:solidFill>
-                <a:latin typeface="Cabin"/>
-                <a:ea typeface="Cabin"/>
-                <a:cs typeface="Cabin"/>
+                <a:latin typeface="Arial" charset="0"/>
+                <a:ea typeface="Arial" charset="0"/>
+                <a:cs typeface="Arial" charset="0"/>
                 <a:sym typeface="Cabin"/>
               </a:rPr>
               <a:t>Character</a:t>
@@ -34263,13 +34263,13 @@
               <a:buChar char="•"/>
             </a:pPr>
             <a:r>
-              <a:rPr lang="en-US" sz="3600" b="0" i="0" u="none" strike="noStrike" cap="none">
+              <a:rPr lang="en-US" sz="3600" u="none" strike="noStrike" cap="none">
                 <a:solidFill>
                   <a:schemeClr val="lt1"/>
                 </a:solidFill>
-                <a:latin typeface="Cabin"/>
-                <a:ea typeface="Cabin"/>
-                <a:cs typeface="Cabin"/>
+                <a:latin typeface="Arial" charset="0"/>
+                <a:ea typeface="Arial" charset="0"/>
+                <a:cs typeface="Arial" charset="0"/>
                 <a:sym typeface="Cabin"/>
               </a:rPr>
               <a:t>We use a special character </a:t>
@@ -34279,9 +34279,9 @@
                 <a:solidFill>
                   <a:schemeClr val="lt1"/>
                 </a:solidFill>
-                <a:latin typeface="Cabin"/>
-                <a:ea typeface="Cabin"/>
-                <a:cs typeface="Cabin"/>
+                <a:latin typeface="Arial" charset="0"/>
+                <a:ea typeface="Arial" charset="0"/>
+                <a:cs typeface="Arial" charset="0"/>
                 <a:sym typeface="Cabin"/>
               </a:rPr>
               <a:t>called the “</a:t>
@@ -34291,9 +34291,9 @@
                 <a:solidFill>
                   <a:srgbClr val="00FFFF"/>
                 </a:solidFill>
-                <a:latin typeface="Cabin"/>
-                <a:ea typeface="Cabin"/>
-                <a:cs typeface="Cabin"/>
+                <a:latin typeface="Arial" charset="0"/>
+                <a:ea typeface="Arial" charset="0"/>
+                <a:cs typeface="Arial" charset="0"/>
                 <a:sym typeface="Cabin"/>
               </a:rPr>
               <a:t>newline</a:t>
@@ -34303,21 +34303,21 @@
                 <a:solidFill>
                   <a:schemeClr val="lt1"/>
                 </a:solidFill>
-                <a:latin typeface="Cabin"/>
-                <a:ea typeface="Cabin"/>
-                <a:cs typeface="Cabin"/>
+                <a:latin typeface="Arial" charset="0"/>
+                <a:ea typeface="Arial" charset="0"/>
+                <a:cs typeface="Arial" charset="0"/>
                 <a:sym typeface="Cabin"/>
               </a:rPr>
               <a:t>” </a:t>
             </a:r>
             <a:r>
-              <a:rPr lang="en-US" sz="3600" b="0" i="0" u="none" strike="noStrike" cap="none">
+              <a:rPr lang="en-US" sz="3600" u="none" strike="noStrike" cap="none">
                 <a:solidFill>
                   <a:schemeClr val="lt1"/>
                 </a:solidFill>
-                <a:latin typeface="Cabin"/>
-                <a:ea typeface="Cabin"/>
-                <a:cs typeface="Cabin"/>
+                <a:latin typeface="Arial" charset="0"/>
+                <a:ea typeface="Arial" charset="0"/>
+                <a:cs typeface="Arial" charset="0"/>
                 <a:sym typeface="Cabin"/>
               </a:rPr>
               <a:t>to indicate when a line ends </a:t>
@@ -34342,37 +34342,37 @@
               <a:buChar char="•"/>
             </a:pPr>
             <a:r>
-              <a:rPr lang="en-US" sz="3600" b="0" i="0" u="none" strike="noStrike" cap="none">
+              <a:rPr lang="en-US" sz="3600" u="none" strike="noStrike" cap="none">
                 <a:solidFill>
                   <a:schemeClr val="lt1"/>
                 </a:solidFill>
-                <a:latin typeface="Cabin"/>
-                <a:ea typeface="Cabin"/>
-                <a:cs typeface="Cabin"/>
+                <a:latin typeface="Arial" charset="0"/>
+                <a:ea typeface="Arial" charset="0"/>
+                <a:cs typeface="Arial" charset="0"/>
                 <a:sym typeface="Cabin"/>
               </a:rPr>
               <a:t>We represent it as </a:t>
             </a:r>
             <a:r>
-              <a:rPr lang="en-US" sz="3600" b="0" i="0" u="none" strike="noStrike" cap="none">
+              <a:rPr lang="en-US" sz="3600" u="none" strike="noStrike" cap="none">
                 <a:solidFill>
                   <a:srgbClr val="00FFFF"/>
                 </a:solidFill>
-                <a:latin typeface="Cabin"/>
-                <a:ea typeface="Cabin"/>
-                <a:cs typeface="Cabin"/>
+                <a:latin typeface="Arial" charset="0"/>
+                <a:ea typeface="Arial" charset="0"/>
+                <a:cs typeface="Arial" charset="0"/>
                 <a:sym typeface="Cabin"/>
               </a:rPr>
               <a:t>\n</a:t>
             </a:r>
             <a:r>
-              <a:rPr lang="en-US" sz="3600" b="0" i="0" u="none" strike="noStrike" cap="none">
+              <a:rPr lang="en-US" sz="3600" u="none" strike="noStrike" cap="none">
                 <a:solidFill>
                   <a:schemeClr val="lt1"/>
                 </a:solidFill>
-                <a:latin typeface="Cabin"/>
-                <a:ea typeface="Cabin"/>
-                <a:cs typeface="Cabin"/>
+                <a:latin typeface="Arial" charset="0"/>
+                <a:ea typeface="Arial" charset="0"/>
+                <a:cs typeface="Arial" charset="0"/>
                 <a:sym typeface="Cabin"/>
               </a:rPr>
               <a:t> in strings </a:t>
@@ -34397,25 +34397,25 @@
               <a:buChar char="•"/>
             </a:pPr>
             <a:r>
-              <a:rPr lang="en-US" sz="3600" b="0" i="0" u="none" strike="noStrike" cap="none">
+              <a:rPr lang="en-US" sz="3600" u="none" strike="noStrike" cap="none">
                 <a:solidFill>
                   <a:srgbClr val="00FFFF"/>
                 </a:solidFill>
-                <a:latin typeface="Cabin"/>
-                <a:ea typeface="Cabin"/>
-                <a:cs typeface="Cabin"/>
+                <a:latin typeface="Arial" charset="0"/>
+                <a:ea typeface="Arial" charset="0"/>
+                <a:cs typeface="Arial" charset="0"/>
                 <a:sym typeface="Cabin"/>
               </a:rPr>
               <a:t>Newline</a:t>
             </a:r>
             <a:r>
-              <a:rPr lang="en-US" sz="3600" b="0" i="0" u="none" strike="noStrike" cap="none">
+              <a:rPr lang="en-US" sz="3600" u="none" strike="noStrike" cap="none">
                 <a:solidFill>
                   <a:schemeClr val="lt1"/>
                 </a:solidFill>
-                <a:latin typeface="Cabin"/>
-                <a:ea typeface="Cabin"/>
-                <a:cs typeface="Cabin"/>
+                <a:latin typeface="Arial" charset="0"/>
+                <a:ea typeface="Arial" charset="0"/>
+                <a:cs typeface="Arial" charset="0"/>
                 <a:sym typeface="Cabin"/>
               </a:rPr>
               <a:t> is still one character - not two</a:t>
@@ -35181,13 +35181,13 @@
               <a:buNone/>
             </a:pPr>
             <a:r>
-              <a:rPr lang="en-US" sz="7600" b="0" i="0" u="none" strike="noStrike" cap="none">
+              <a:rPr lang="en-US" sz="7600" u="none" strike="noStrike" cap="none">
                 <a:solidFill>
                   <a:srgbClr val="FFFF00"/>
                 </a:solidFill>
-                <a:latin typeface="Cabin"/>
-                <a:ea typeface="Cabin"/>
-                <a:cs typeface="Cabin"/>
+                <a:latin typeface="Arial" charset="0"/>
+                <a:ea typeface="Arial" charset="0"/>
+                <a:cs typeface="Arial" charset="0"/>
                 <a:sym typeface="Cabin"/>
               </a:rPr>
               <a:t>File Processing</a:t>
@@ -35242,13 +35242,13 @@
               <a:buChar char="•"/>
             </a:pPr>
             <a:r>
-              <a:rPr lang="en-US" sz="3600" b="0" i="0" u="none" strike="noStrike" cap="none">
+              <a:rPr lang="en-US" sz="3600" u="none" strike="noStrike" cap="none">
                 <a:solidFill>
                   <a:schemeClr val="lt1"/>
                 </a:solidFill>
-                <a:latin typeface="Cabin"/>
-                <a:ea typeface="Cabin"/>
-                <a:cs typeface="Cabin"/>
+                <a:latin typeface="Arial" charset="0"/>
+                <a:ea typeface="Arial" charset="0"/>
+                <a:cs typeface="Arial" charset="0"/>
                 <a:sym typeface="Cabin"/>
               </a:rPr>
               <a:t>A text file can be thought of as a sequence of lines</a:t>

--- a/lectures3/Pythonlearn-07-Files.pptx
+++ b/lectures3/Pythonlearn-07-Files.pptx
@@ -3296,7 +3296,7 @@
 
 <file path=ppt/slideLayouts/slideLayout2.xml><?xml version="1.0" encoding="utf-8"?>
 <p:sldLayout xmlns:a="http://schemas.openxmlformats.org/drawingml/2006/main" xmlns:r="http://schemas.openxmlformats.org/officeDocument/2006/relationships" xmlns:p="http://schemas.openxmlformats.org/presentationml/2006/main" type="obj">
-  <p:cSld name="1_Title and Content">
+  <p:cSld name="Title and Bullets">
     <p:spTree>
       <p:nvGrpSpPr>
         <p:cNvPr id="1" name="Shape 193"/>
@@ -3462,7 +3462,7 @@
               </a:buClr>
               <a:buFont typeface="Cabin"/>
               <a:buChar char="•"/>
-              <a:defRPr/>
+              <a:defRPr sz="3600"/>
             </a:lvl1pPr>
             <a:lvl2pPr marL="1003300" lvl="1" indent="-142494" algn="l" rtl="0">
               <a:spcBef>
@@ -3578,11 +3578,184 @@
             </a:lvl9pPr>
           </a:lstStyle>
           <a:p>
-            <a:endParaRPr/>
+            <a:endParaRPr dirty="0"/>
           </a:p>
         </p:txBody>
       </p:sp>
     </p:spTree>
+  </p:cSld>
+  <p:clrMapOvr>
+    <a:masterClrMapping/>
+  </p:clrMapOvr>
+</p:sldLayout>
+</file>
+
+<file path=ppt/slideLayouts/slideLayout3.xml><?xml version="1.0" encoding="utf-8"?>
+<p:sldLayout xmlns:a="http://schemas.openxmlformats.org/drawingml/2006/main" xmlns:r="http://schemas.openxmlformats.org/officeDocument/2006/relationships" xmlns:p="http://schemas.openxmlformats.org/presentationml/2006/main" preserve="1" userDrawn="1">
+  <p:cSld name="Title Only">
+    <p:spTree>
+      <p:nvGrpSpPr>
+        <p:cNvPr id="1" name="Shape 193"/>
+        <p:cNvGrpSpPr/>
+        <p:nvPr/>
+      </p:nvGrpSpPr>
+      <p:grpSpPr>
+        <a:xfrm>
+          <a:off x="0" y="0"/>
+          <a:ext cx="0" cy="0"/>
+          <a:chOff x="0" y="0"/>
+          <a:chExt cx="0" cy="0"/>
+        </a:xfrm>
+      </p:grpSpPr>
+      <p:sp>
+        <p:nvSpPr>
+          <p:cNvPr id="194" name="Shape 194"/>
+          <p:cNvSpPr txBox="1">
+            <a:spLocks noGrp="1"/>
+          </p:cNvSpPr>
+          <p:nvPr>
+            <p:ph type="title"/>
+          </p:nvPr>
+        </p:nvSpPr>
+        <p:spPr>
+          <a:xfrm>
+            <a:off x="1155700" y="789708"/>
+            <a:ext cx="13932000" cy="1750191"/>
+          </a:xfrm>
+          <a:prstGeom prst="rect">
+            <a:avLst/>
+          </a:prstGeom>
+          <a:noFill/>
+          <a:ln>
+            <a:noFill/>
+          </a:ln>
+        </p:spPr>
+        <p:txBody>
+          <a:bodyPr lIns="91425" tIns="91425" rIns="91425" bIns="91425" anchor="ctr" anchorCtr="0"/>
+          <a:lstStyle>
+            <a:lvl1pPr lvl="0" algn="ctr" rtl="0">
+              <a:spcBef>
+                <a:spcPts val="0"/>
+              </a:spcBef>
+              <a:spcAft>
+                <a:spcPts val="0"/>
+              </a:spcAft>
+              <a:defRPr/>
+            </a:lvl1pPr>
+            <a:lvl2pPr lvl="1" algn="ctr" rtl="0">
+              <a:spcBef>
+                <a:spcPts val="0"/>
+              </a:spcBef>
+              <a:spcAft>
+                <a:spcPts val="0"/>
+              </a:spcAft>
+              <a:defRPr/>
+            </a:lvl2pPr>
+            <a:lvl3pPr lvl="2" algn="ctr" rtl="0">
+              <a:spcBef>
+                <a:spcPts val="0"/>
+              </a:spcBef>
+              <a:spcAft>
+                <a:spcPts val="0"/>
+              </a:spcAft>
+              <a:defRPr/>
+            </a:lvl3pPr>
+            <a:lvl4pPr lvl="3" algn="ctr" rtl="0">
+              <a:spcBef>
+                <a:spcPts val="0"/>
+              </a:spcBef>
+              <a:spcAft>
+                <a:spcPts val="0"/>
+              </a:spcAft>
+              <a:defRPr/>
+            </a:lvl4pPr>
+            <a:lvl5pPr lvl="4" algn="ctr" rtl="0">
+              <a:spcBef>
+                <a:spcPts val="0"/>
+              </a:spcBef>
+              <a:spcAft>
+                <a:spcPts val="0"/>
+              </a:spcAft>
+              <a:defRPr/>
+            </a:lvl5pPr>
+            <a:lvl6pPr marL="457200" lvl="5" algn="ctr" rtl="0">
+              <a:spcBef>
+                <a:spcPts val="0"/>
+              </a:spcBef>
+              <a:spcAft>
+                <a:spcPts val="0"/>
+              </a:spcAft>
+              <a:defRPr/>
+            </a:lvl6pPr>
+            <a:lvl7pPr marL="914400" lvl="6" algn="ctr" rtl="0">
+              <a:spcBef>
+                <a:spcPts val="0"/>
+              </a:spcBef>
+              <a:spcAft>
+                <a:spcPts val="0"/>
+              </a:spcAft>
+              <a:defRPr/>
+            </a:lvl7pPr>
+            <a:lvl8pPr marL="1371600" lvl="7" algn="ctr" rtl="0">
+              <a:spcBef>
+                <a:spcPts val="0"/>
+              </a:spcBef>
+              <a:spcAft>
+                <a:spcPts val="0"/>
+              </a:spcAft>
+              <a:defRPr/>
+            </a:lvl8pPr>
+            <a:lvl9pPr marL="1828800" lvl="8" algn="ctr" rtl="0">
+              <a:spcBef>
+                <a:spcPts val="0"/>
+              </a:spcBef>
+              <a:spcAft>
+                <a:spcPts val="0"/>
+              </a:spcAft>
+              <a:defRPr/>
+            </a:lvl9pPr>
+          </a:lstStyle>
+          <a:p>
+            <a:endParaRPr/>
+          </a:p>
+        </p:txBody>
+      </p:sp>
+    </p:spTree>
+    <p:extLst>
+      <p:ext uri="{BB962C8B-B14F-4D97-AF65-F5344CB8AC3E}">
+        <p14:creationId xmlns:p14="http://schemas.microsoft.com/office/powerpoint/2010/main" val="2138243484"/>
+      </p:ext>
+    </p:extLst>
+  </p:cSld>
+  <p:clrMapOvr>
+    <a:masterClrMapping/>
+  </p:clrMapOvr>
+</p:sldLayout>
+</file>
+
+<file path=ppt/slideLayouts/slideLayout4.xml><?xml version="1.0" encoding="utf-8"?>
+<p:sldLayout xmlns:a="http://schemas.openxmlformats.org/drawingml/2006/main" xmlns:r="http://schemas.openxmlformats.org/officeDocument/2006/relationships" xmlns:p="http://schemas.openxmlformats.org/presentationml/2006/main" preserve="1" userDrawn="1">
+  <p:cSld name="Blank">
+    <p:spTree>
+      <p:nvGrpSpPr>
+        <p:cNvPr id="1" name="Shape 193"/>
+        <p:cNvGrpSpPr/>
+        <p:nvPr/>
+      </p:nvGrpSpPr>
+      <p:grpSpPr>
+        <a:xfrm>
+          <a:off x="0" y="0"/>
+          <a:ext cx="0" cy="0"/>
+          <a:chOff x="0" y="0"/>
+          <a:chExt cx="0" cy="0"/>
+        </a:xfrm>
+      </p:grpSpPr>
+    </p:spTree>
+    <p:extLst>
+      <p:ext uri="{BB962C8B-B14F-4D97-AF65-F5344CB8AC3E}">
+        <p14:creationId xmlns:p14="http://schemas.microsoft.com/office/powerpoint/2010/main" val="919082357"/>
+      </p:ext>
+    </p:extLst>
   </p:cSld>
   <p:clrMapOvr>
     <a:masterClrMapping/>
@@ -4151,6 +4324,8 @@
   <p:sldLayoutIdLst>
     <p:sldLayoutId id="2147483657" r:id="rId1"/>
     <p:sldLayoutId id="2147483701" r:id="rId2"/>
+    <p:sldLayoutId id="2147483704" r:id="rId3"/>
+    <p:sldLayoutId id="2147483705" r:id="rId4"/>
   </p:sldLayoutIdLst>
   <p:hf sldNum="0" hdr="0" ftr="0" dt="0"/>
   <p:txStyles>
@@ -4735,7 +4910,7 @@
         </p:nvSpPr>
         <p:spPr>
           <a:xfrm>
-            <a:off x="3824950" y="7759700"/>
+            <a:off x="3996400" y="7077663"/>
             <a:ext cx="7967099" cy="1016099"/>
           </a:xfrm>
           <a:prstGeom prst="rect">
@@ -4770,7 +4945,7 @@
               <a:buNone/>
             </a:pPr>
             <a:r>
-              <a:rPr lang="en-US" sz="3200" u="none" strike="noStrike" cap="none">
+              <a:rPr lang="en-US" sz="3200" u="none" strike="noStrike" cap="none" dirty="0" smtClean="0">
                 <a:solidFill>
                   <a:srgbClr val="FFFF00"/>
                 </a:solidFill>
@@ -4779,8 +4954,29 @@
                 <a:cs typeface="Arial" charset="0"/>
                 <a:sym typeface="Cabin"/>
               </a:rPr>
-              <a:t>Python for Informatics: Exploring Information</a:t>
-            </a:r>
+              <a:t>Pytho</a:t>
+            </a:r>
+            <a:r>
+              <a:rPr lang="en-US" sz="3200" dirty="0" smtClean="0">
+                <a:solidFill>
+                  <a:srgbClr val="FFFF00"/>
+                </a:solidFill>
+                <a:latin typeface="Arial" charset="0"/>
+                <a:ea typeface="Arial" charset="0"/>
+                <a:cs typeface="Arial" charset="0"/>
+                <a:sym typeface="Cabin"/>
+              </a:rPr>
+              <a:t>n for Everybody</a:t>
+            </a:r>
+            <a:endParaRPr lang="en-US" sz="3200" u="none" strike="noStrike" cap="none" dirty="0">
+              <a:solidFill>
+                <a:srgbClr val="FFFF00"/>
+              </a:solidFill>
+              <a:latin typeface="Arial" charset="0"/>
+              <a:ea typeface="Arial" charset="0"/>
+              <a:cs typeface="Arial" charset="0"/>
+              <a:sym typeface="Cabin"/>
+            </a:endParaRPr>
           </a:p>
           <a:p>
             <a:pPr marL="0" marR="0" lvl="0" indent="0" algn="ctr" rtl="0">
@@ -4801,7 +4997,7 @@
               <a:buNone/>
             </a:pPr>
             <a:r>
-              <a:rPr lang="en-US" sz="3200" u="sng" strike="noStrike" cap="none">
+              <a:rPr lang="en-US" sz="3200" u="sng" strike="noStrike" cap="none" dirty="0" smtClean="0">
                 <a:solidFill>
                   <a:srgbClr val="FFFF00"/>
                 </a:solidFill>
@@ -4811,8 +5007,18 @@
                 <a:sym typeface="Cabin"/>
                 <a:hlinkClick r:id="rId3"/>
               </a:rPr>
-              <a:t>www.pythonlearn.com</a:t>
-            </a:r>
+              <a:t>www.py4e.com</a:t>
+            </a:r>
+            <a:endParaRPr lang="en-US" sz="3200" u="sng" strike="noStrike" cap="none" dirty="0">
+              <a:solidFill>
+                <a:srgbClr val="FFFF00"/>
+              </a:solidFill>
+              <a:latin typeface="Arial" charset="0"/>
+              <a:ea typeface="Arial" charset="0"/>
+              <a:cs typeface="Arial" charset="0"/>
+              <a:sym typeface="Cabin"/>
+              <a:hlinkClick r:id="rId3"/>
+            </a:endParaRPr>
           </a:p>
         </p:txBody>
       </p:sp>
@@ -4831,7 +5037,7 @@
         </p:blipFill>
         <p:spPr>
           <a:xfrm>
-            <a:off x="13816012" y="8118475"/>
+            <a:off x="13744575" y="7327262"/>
             <a:ext cx="1968599" cy="668400"/>
           </a:xfrm>
           <a:prstGeom prst="rect">
@@ -4858,7 +5064,7 @@
         </p:blipFill>
         <p:spPr>
           <a:xfrm>
-            <a:off x="635250" y="7733400"/>
+            <a:off x="643300" y="7149062"/>
             <a:ext cx="1024800" cy="1024800"/>
           </a:xfrm>
           <a:prstGeom prst="rect">
@@ -4963,6 +5169,10 @@
           </p:nvPr>
         </p:nvSpPr>
         <p:spPr>
+          <a:xfrm>
+            <a:off x="1155700" y="2603501"/>
+            <a:ext cx="13932000" cy="1225550"/>
+          </a:xfrm>
           <a:prstGeom prst="rect">
             <a:avLst/>
           </a:prstGeom>
@@ -4995,7 +5205,7 @@
               <a:buChar char="•"/>
             </a:pPr>
             <a:r>
-              <a:rPr lang="en-US" sz="3600" u="none" strike="noStrike" cap="none">
+              <a:rPr lang="en-US" sz="3600" u="none" strike="noStrike" cap="none" dirty="0">
                 <a:solidFill>
                   <a:schemeClr val="lt1"/>
                 </a:solidFill>
@@ -5007,7 +5217,7 @@
               <a:t>A text file has </a:t>
             </a:r>
             <a:r>
-              <a:rPr lang="en-US" sz="3600" u="none" strike="noStrike" cap="none">
+              <a:rPr lang="en-US" sz="3600" u="none" strike="noStrike" cap="none" dirty="0">
                 <a:solidFill>
                   <a:srgbClr val="00FFFF"/>
                 </a:solidFill>
@@ -5019,7 +5229,7 @@
               <a:t>newlines</a:t>
             </a:r>
             <a:r>
-              <a:rPr lang="en-US" sz="3600" u="none" strike="noStrike" cap="none">
+              <a:rPr lang="en-US" sz="3600" u="none" strike="noStrike" cap="none" dirty="0">
                 <a:solidFill>
                   <a:schemeClr val="lt1"/>
                 </a:solidFill>
@@ -5532,6 +5742,10 @@
           </p:nvPr>
         </p:nvSpPr>
         <p:spPr>
+          <a:xfrm>
+            <a:off x="1155700" y="2603500"/>
+            <a:ext cx="6888163" cy="5702399"/>
+          </a:xfrm>
           <a:prstGeom prst="rect">
             <a:avLst/>
           </a:prstGeom>
@@ -5564,7 +5778,7 @@
               <a:buChar char="•"/>
             </a:pPr>
             <a:r>
-              <a:rPr lang="en-US" sz="3400" u="none" strike="noStrike" cap="none">
+              <a:rPr lang="en-US" sz="3400" u="none" strike="noStrike" cap="none" dirty="0">
                 <a:solidFill>
                   <a:schemeClr val="lt1"/>
                 </a:solidFill>
@@ -5576,7 +5790,7 @@
               <a:t>A </a:t>
             </a:r>
             <a:r>
-              <a:rPr lang="en-US" sz="3400" u="none" strike="noStrike" cap="none">
+              <a:rPr lang="en-US" sz="3400" u="none" strike="noStrike" cap="none" dirty="0">
                 <a:solidFill>
                   <a:srgbClr val="FF7F00"/>
                 </a:solidFill>
@@ -5588,7 +5802,7 @@
               <a:t>file handle</a:t>
             </a:r>
             <a:r>
-              <a:rPr lang="en-US" sz="3400" u="none" strike="noStrike" cap="none">
+              <a:rPr lang="en-US" sz="3400" u="none" strike="noStrike" cap="none" dirty="0">
                 <a:solidFill>
                   <a:schemeClr val="lt1"/>
                 </a:solidFill>
@@ -5600,7 +5814,7 @@
               <a:t> open for read can be treated as a </a:t>
             </a:r>
             <a:r>
-              <a:rPr lang="en-US" sz="3400" u="none" strike="noStrike" cap="none">
+              <a:rPr lang="en-US" sz="3400" u="none" strike="noStrike" cap="none" dirty="0">
                 <a:solidFill>
                   <a:srgbClr val="00FFFF"/>
                 </a:solidFill>
@@ -5612,7 +5826,7 @@
               <a:t>sequence</a:t>
             </a:r>
             <a:r>
-              <a:rPr lang="en-US" sz="3400" u="none" strike="noStrike" cap="none">
+              <a:rPr lang="en-US" sz="3400" u="none" strike="noStrike" cap="none" dirty="0">
                 <a:solidFill>
                   <a:schemeClr val="lt1"/>
                 </a:solidFill>
@@ -5643,7 +5857,7 @@
               <a:buChar char="•"/>
             </a:pPr>
             <a:r>
-              <a:rPr lang="en-US" sz="3400" u="none" strike="noStrike" cap="none">
+              <a:rPr lang="en-US" sz="3400" u="none" strike="noStrike" cap="none" dirty="0">
                 <a:solidFill>
                   <a:schemeClr val="lt1"/>
                 </a:solidFill>
@@ -5655,7 +5869,7 @@
               <a:t>We can use the </a:t>
             </a:r>
             <a:r>
-              <a:rPr lang="en-US" sz="3400" u="none" strike="noStrike" cap="none">
+              <a:rPr lang="en-US" sz="3400" u="none" strike="noStrike" cap="none" dirty="0">
                 <a:solidFill>
                   <a:srgbClr val="FFFF00"/>
                 </a:solidFill>
@@ -5667,7 +5881,7 @@
               <a:t>for</a:t>
             </a:r>
             <a:r>
-              <a:rPr lang="en-US" sz="3400" u="none" strike="noStrike" cap="none">
+              <a:rPr lang="en-US" sz="3400" u="none" strike="noStrike" cap="none" dirty="0">
                 <a:solidFill>
                   <a:srgbClr val="00FF00"/>
                 </a:solidFill>
@@ -5679,7 +5893,7 @@
               <a:t> </a:t>
             </a:r>
             <a:r>
-              <a:rPr lang="en-US" sz="3400" u="none" strike="noStrike" cap="none">
+              <a:rPr lang="en-US" sz="3400" u="none" strike="noStrike" cap="none" dirty="0">
                 <a:solidFill>
                   <a:schemeClr val="lt1"/>
                 </a:solidFill>
@@ -5691,7 +5905,7 @@
               <a:t>statement to iterate through a </a:t>
             </a:r>
             <a:r>
-              <a:rPr lang="en-US" sz="3400" u="none" strike="noStrike" cap="none">
+              <a:rPr lang="en-US" sz="3400" u="none" strike="noStrike" cap="none" dirty="0">
                 <a:solidFill>
                   <a:srgbClr val="00FFFF"/>
                 </a:solidFill>
@@ -5722,7 +5936,7 @@
               <a:buChar char="•"/>
             </a:pPr>
             <a:r>
-              <a:rPr lang="en-US" sz="3400" u="none" strike="noStrike" cap="none">
+              <a:rPr lang="en-US" sz="3400" u="none" strike="noStrike" cap="none" dirty="0">
                 <a:solidFill>
                   <a:schemeClr val="lt1"/>
                 </a:solidFill>
@@ -5734,7 +5948,7 @@
               <a:t>Remember - a </a:t>
             </a:r>
             <a:r>
-              <a:rPr lang="en-US" sz="3400" u="none" strike="noStrike" cap="none">
+              <a:rPr lang="en-US" sz="3400" u="none" strike="noStrike" cap="none" dirty="0">
                 <a:solidFill>
                   <a:srgbClr val="00FFFF"/>
                 </a:solidFill>
@@ -5746,7 +5960,7 @@
               <a:t>sequence</a:t>
             </a:r>
             <a:r>
-              <a:rPr lang="en-US" sz="3400" u="none" strike="noStrike" cap="none">
+              <a:rPr lang="en-US" sz="3400" u="none" strike="noStrike" cap="none" dirty="0">
                 <a:solidFill>
                   <a:schemeClr val="lt1"/>
                 </a:solidFill>
@@ -5768,8 +5982,8 @@
         </p:nvSpPr>
         <p:spPr>
           <a:xfrm>
-            <a:off x="8784175" y="3490925"/>
-            <a:ext cx="7037399" cy="2728500"/>
+            <a:off x="9286875" y="3490925"/>
+            <a:ext cx="6534699" cy="2728500"/>
           </a:xfrm>
           <a:prstGeom prst="rect">
             <a:avLst/>
@@ -5803,7 +6017,7 @@
               <a:buNone/>
             </a:pPr>
             <a:r>
-              <a:rPr lang="en-US" sz="3400" b="1" i="0" u="none" strike="noStrike" cap="none">
+              <a:rPr lang="en-US" sz="3400" b="1" i="0" u="none" strike="noStrike" cap="none" dirty="0" err="1">
                 <a:solidFill>
                   <a:srgbClr val="FF7F00"/>
                 </a:solidFill>
@@ -5815,7 +6029,7 @@
               <a:t>xfile</a:t>
             </a:r>
             <a:r>
-              <a:rPr lang="en-US" sz="3400" b="1" i="0" u="none" strike="noStrike" cap="none">
+              <a:rPr lang="en-US" sz="3400" b="1" i="0" u="none" strike="noStrike" cap="none" dirty="0">
                 <a:solidFill>
                   <a:schemeClr val="lt1"/>
                 </a:solidFill>
@@ -5827,7 +6041,7 @@
               <a:t> = </a:t>
             </a:r>
             <a:r>
-              <a:rPr lang="en-US" sz="3400" b="1" i="0" u="none" strike="noStrike" cap="none">
+              <a:rPr lang="en-US" sz="3400" b="1" i="0" u="none" strike="noStrike" cap="none" dirty="0">
                 <a:solidFill>
                   <a:srgbClr val="FF00FF"/>
                 </a:solidFill>
@@ -5839,16 +6053,40 @@
               <a:t>open</a:t>
             </a:r>
             <a:r>
-              <a:rPr lang="en-US" sz="3400" b="1" i="0" u="none" strike="noStrike" cap="none">
-                <a:solidFill>
-                  <a:schemeClr val="lt1"/>
-                </a:solidFill>
-                <a:latin typeface="Courier New"/>
-                <a:ea typeface="Courier New"/>
-                <a:cs typeface="Courier New"/>
-                <a:sym typeface="Courier New"/>
-              </a:rPr>
-              <a:t>('mbox.txt')</a:t>
+              <a:rPr lang="en-US" sz="3400" b="1" i="0" u="none" strike="noStrike" cap="none" dirty="0">
+                <a:solidFill>
+                  <a:schemeClr val="lt1"/>
+                </a:solidFill>
+                <a:latin typeface="Courier New"/>
+                <a:ea typeface="Courier New"/>
+                <a:cs typeface="Courier New"/>
+                <a:sym typeface="Courier New"/>
+              </a:rPr>
+              <a:t>('</a:t>
+            </a:r>
+            <a:r>
+              <a:rPr lang="en-US" sz="3400" b="1" i="0" u="none" strike="noStrike" cap="none" dirty="0" err="1">
+                <a:solidFill>
+                  <a:schemeClr val="lt1"/>
+                </a:solidFill>
+                <a:latin typeface="Courier New"/>
+                <a:ea typeface="Courier New"/>
+                <a:cs typeface="Courier New"/>
+                <a:sym typeface="Courier New"/>
+              </a:rPr>
+              <a:t>mbox.txt</a:t>
+            </a:r>
+            <a:r>
+              <a:rPr lang="en-US" sz="3400" b="1" i="0" u="none" strike="noStrike" cap="none" dirty="0">
+                <a:solidFill>
+                  <a:schemeClr val="lt1"/>
+                </a:solidFill>
+                <a:latin typeface="Courier New"/>
+                <a:ea typeface="Courier New"/>
+                <a:cs typeface="Courier New"/>
+                <a:sym typeface="Courier New"/>
+              </a:rPr>
+              <a:t>')</a:t>
             </a:r>
           </a:p>
           <a:p>
@@ -5870,7 +6108,7 @@
               <a:buNone/>
             </a:pPr>
             <a:r>
-              <a:rPr lang="en-US" sz="3400" b="1" i="0" u="none" strike="noStrike" cap="none">
+              <a:rPr lang="en-US" sz="3400" b="1" i="0" u="none" strike="noStrike" cap="none" dirty="0">
                 <a:solidFill>
                   <a:srgbClr val="FFFF00"/>
                 </a:solidFill>
@@ -5882,7 +6120,7 @@
               <a:t>for</a:t>
             </a:r>
             <a:r>
-              <a:rPr lang="en-US" sz="3400" b="1" i="0" u="none" strike="noStrike" cap="none">
+              <a:rPr lang="en-US" sz="3400" b="1" i="0" u="none" strike="noStrike" cap="none" dirty="0">
                 <a:solidFill>
                   <a:srgbClr val="00FF00"/>
                 </a:solidFill>
@@ -5894,7 +6132,7 @@
               <a:t> cheese</a:t>
             </a:r>
             <a:r>
-              <a:rPr lang="en-US" sz="3400" b="1" i="0" u="none" strike="noStrike" cap="none">
+              <a:rPr lang="en-US" sz="3400" b="1" i="0" u="none" strike="noStrike" cap="none" dirty="0">
                 <a:solidFill>
                   <a:schemeClr val="lt1"/>
                 </a:solidFill>
@@ -5906,7 +6144,7 @@
               <a:t> </a:t>
             </a:r>
             <a:r>
-              <a:rPr lang="en-US" sz="3400" b="1" i="0" u="none" strike="noStrike" cap="none">
+              <a:rPr lang="en-US" sz="3400" b="1" i="0" u="none" strike="noStrike" cap="none" dirty="0">
                 <a:solidFill>
                   <a:srgbClr val="FFFF00"/>
                 </a:solidFill>
@@ -5918,7 +6156,7 @@
               <a:t>in</a:t>
             </a:r>
             <a:r>
-              <a:rPr lang="en-US" sz="3400" b="1" i="0" u="none" strike="noStrike" cap="none">
+              <a:rPr lang="en-US" sz="3400" b="1" i="0" u="none" strike="noStrike" cap="none" dirty="0">
                 <a:solidFill>
                   <a:schemeClr val="lt1"/>
                 </a:solidFill>
@@ -5930,7 +6168,7 @@
               <a:t> </a:t>
             </a:r>
             <a:r>
-              <a:rPr lang="en-US" sz="3400" b="1" i="0" u="none" strike="noStrike" cap="none">
+              <a:rPr lang="en-US" sz="3400" b="1" i="0" u="none" strike="noStrike" cap="none" dirty="0" err="1">
                 <a:solidFill>
                   <a:srgbClr val="FF7F00"/>
                 </a:solidFill>
@@ -5942,7 +6180,7 @@
               <a:t>xfile</a:t>
             </a:r>
             <a:r>
-              <a:rPr lang="en-US" sz="3400" b="1" i="0" u="none" strike="noStrike" cap="none">
+              <a:rPr lang="en-US" sz="3400" b="1" i="0" u="none" strike="noStrike" cap="none" dirty="0">
                 <a:solidFill>
                   <a:schemeClr val="lt1"/>
                 </a:solidFill>
@@ -5973,7 +6211,7 @@
               <a:buNone/>
             </a:pPr>
             <a:r>
-              <a:rPr lang="en-US" sz="3400" b="1">
+              <a:rPr lang="en-US" sz="3400" b="1" dirty="0">
                 <a:solidFill>
                   <a:schemeClr val="lt1"/>
                 </a:solidFill>
@@ -5985,7 +6223,7 @@
               <a:t>    </a:t>
             </a:r>
             <a:r>
-              <a:rPr lang="en-US" sz="3400" b="1" i="0" u="none" strike="noStrike" cap="none">
+              <a:rPr lang="en-US" sz="3400" b="1" i="0" u="none" strike="noStrike" cap="none" dirty="0" smtClean="0">
                 <a:solidFill>
                   <a:srgbClr val="FFFF00"/>
                 </a:solidFill>
@@ -5997,19 +6235,19 @@
               <a:t>print</a:t>
             </a:r>
             <a:r>
-              <a:rPr lang="en-US" sz="3400" b="1" i="0" u="none" strike="noStrike" cap="none">
-                <a:solidFill>
-                  <a:schemeClr val="lt1"/>
-                </a:solidFill>
-                <a:latin typeface="Courier New"/>
-                <a:ea typeface="Courier New"/>
-                <a:cs typeface="Courier New"/>
-                <a:sym typeface="Courier New"/>
-              </a:rPr>
-              <a:t> </a:t>
-            </a:r>
-            <a:r>
-              <a:rPr lang="en-US" sz="3400" b="1" i="0" u="none" strike="noStrike" cap="none">
+              <a:rPr lang="en-US" sz="3400" b="1" dirty="0" smtClean="0">
+                <a:solidFill>
+                  <a:schemeClr val="lt1"/>
+                </a:solidFill>
+                <a:latin typeface="Courier New"/>
+                <a:ea typeface="Courier New"/>
+                <a:cs typeface="Courier New"/>
+                <a:sym typeface="Courier New"/>
+              </a:rPr>
+              <a:t>(</a:t>
+            </a:r>
+            <a:r>
+              <a:rPr lang="en-US" sz="3400" b="1" i="0" u="none" strike="noStrike" cap="none" dirty="0" smtClean="0">
                 <a:solidFill>
                   <a:srgbClr val="00FF00"/>
                 </a:solidFill>
@@ -6020,6 +6258,27 @@
               </a:rPr>
               <a:t>cheese</a:t>
             </a:r>
+            <a:r>
+              <a:rPr lang="en-US" sz="3400" b="1" i="0" u="none" strike="noStrike" cap="none" dirty="0" smtClean="0">
+                <a:solidFill>
+                  <a:schemeClr val="bg1"/>
+                </a:solidFill>
+                <a:latin typeface="Courier New"/>
+                <a:ea typeface="Courier New"/>
+                <a:cs typeface="Courier New"/>
+                <a:sym typeface="Courier New"/>
+              </a:rPr>
+              <a:t>)</a:t>
+            </a:r>
+            <a:endParaRPr lang="en-US" sz="3400" b="1" i="0" u="none" strike="noStrike" cap="none" dirty="0">
+              <a:solidFill>
+                <a:schemeClr val="bg1"/>
+              </a:solidFill>
+              <a:latin typeface="Courier New"/>
+              <a:ea typeface="Courier New"/>
+              <a:cs typeface="Courier New"/>
+              <a:sym typeface="Courier New"/>
+            </a:endParaRPr>
           </a:p>
         </p:txBody>
       </p:sp>
@@ -6116,6 +6375,10 @@
           </p:nvPr>
         </p:nvSpPr>
         <p:spPr>
+          <a:xfrm>
+            <a:off x="1155700" y="2603500"/>
+            <a:ext cx="6873875" cy="5702399"/>
+          </a:xfrm>
           <a:prstGeom prst="rect">
             <a:avLst/>
           </a:prstGeom>
@@ -6203,7 +6466,7 @@
               <a:buChar char="•"/>
             </a:pPr>
             <a:r>
-              <a:rPr lang="en-US" sz="3400" u="none" strike="noStrike" cap="none">
+              <a:rPr lang="en-US" sz="3400" u="none" strike="noStrike" cap="none" dirty="0">
                 <a:solidFill>
                   <a:schemeClr val="lt1"/>
                 </a:solidFill>
@@ -6215,7 +6478,7 @@
               <a:t>Use a </a:t>
             </a:r>
             <a:r>
-              <a:rPr lang="en-US" sz="3400" u="none" strike="noStrike" cap="none">
+              <a:rPr lang="en-US" sz="3400" u="none" strike="noStrike" cap="none" dirty="0">
                 <a:solidFill>
                   <a:srgbClr val="FFFF00"/>
                 </a:solidFill>
@@ -6227,7 +6490,7 @@
               <a:t>for</a:t>
             </a:r>
             <a:r>
-              <a:rPr lang="en-US" sz="3400" u="none" strike="noStrike" cap="none">
+              <a:rPr lang="en-US" sz="3400" u="none" strike="noStrike" cap="none" dirty="0">
                 <a:solidFill>
                   <a:schemeClr val="lt1"/>
                 </a:solidFill>
@@ -6258,7 +6521,7 @@
               <a:buChar char="•"/>
             </a:pPr>
             <a:r>
-              <a:rPr lang="en-US" sz="3400" u="none" strike="noStrike" cap="none">
+              <a:rPr lang="en-US" sz="3400" u="none" strike="noStrike" cap="none" dirty="0">
                 <a:solidFill>
                   <a:srgbClr val="FF7F00"/>
                 </a:solidFill>
@@ -6270,7 +6533,7 @@
               <a:t>Count</a:t>
             </a:r>
             <a:r>
-              <a:rPr lang="en-US" sz="3400" u="none" strike="noStrike" cap="none">
+              <a:rPr lang="en-US" sz="3400" u="none" strike="noStrike" cap="none" dirty="0">
                 <a:solidFill>
                   <a:schemeClr val="lt1"/>
                 </a:solidFill>
@@ -6327,7 +6590,7 @@
               <a:buNone/>
             </a:pPr>
             <a:r>
-              <a:rPr lang="en-US" sz="3000" b="1" i="0" u="none" strike="noStrike" cap="none">
+              <a:rPr lang="en-US" sz="3000" b="1" i="0" u="none" strike="noStrike" cap="none" dirty="0" err="1">
                 <a:solidFill>
                   <a:srgbClr val="00FF00"/>
                 </a:solidFill>
@@ -6339,7 +6602,7 @@
               <a:t>fhand</a:t>
             </a:r>
             <a:r>
-              <a:rPr lang="en-US" sz="3000" b="1" i="0" u="none" strike="noStrike" cap="none">
+              <a:rPr lang="en-US" sz="3000" b="1" i="0" u="none" strike="noStrike" cap="none" dirty="0">
                 <a:solidFill>
                   <a:schemeClr val="lt1"/>
                 </a:solidFill>
@@ -6351,7 +6614,7 @@
               <a:t> = </a:t>
             </a:r>
             <a:r>
-              <a:rPr lang="en-US" sz="3000" b="1" i="0" u="none" strike="noStrike" cap="none">
+              <a:rPr lang="en-US" sz="3000" b="1" i="0" u="none" strike="noStrike" cap="none" dirty="0">
                 <a:solidFill>
                   <a:srgbClr val="FF00FF"/>
                 </a:solidFill>
@@ -6363,16 +6626,40 @@
               <a:t>open</a:t>
             </a:r>
             <a:r>
-              <a:rPr lang="en-US" sz="3000" b="1" i="0" u="none" strike="noStrike" cap="none">
-                <a:solidFill>
-                  <a:schemeClr val="lt1"/>
-                </a:solidFill>
-                <a:latin typeface="Courier New"/>
-                <a:ea typeface="Courier New"/>
-                <a:cs typeface="Courier New"/>
-                <a:sym typeface="Courier New"/>
-              </a:rPr>
-              <a:t>('mbox.txt')</a:t>
+              <a:rPr lang="en-US" sz="3000" b="1" i="0" u="none" strike="noStrike" cap="none" dirty="0">
+                <a:solidFill>
+                  <a:schemeClr val="lt1"/>
+                </a:solidFill>
+                <a:latin typeface="Courier New"/>
+                <a:ea typeface="Courier New"/>
+                <a:cs typeface="Courier New"/>
+                <a:sym typeface="Courier New"/>
+              </a:rPr>
+              <a:t>('</a:t>
+            </a:r>
+            <a:r>
+              <a:rPr lang="en-US" sz="3000" b="1" i="0" u="none" strike="noStrike" cap="none" dirty="0" err="1">
+                <a:solidFill>
+                  <a:schemeClr val="lt1"/>
+                </a:solidFill>
+                <a:latin typeface="Courier New"/>
+                <a:ea typeface="Courier New"/>
+                <a:cs typeface="Courier New"/>
+                <a:sym typeface="Courier New"/>
+              </a:rPr>
+              <a:t>mbox.txt</a:t>
+            </a:r>
+            <a:r>
+              <a:rPr lang="en-US" sz="3000" b="1" i="0" u="none" strike="noStrike" cap="none" dirty="0">
+                <a:solidFill>
+                  <a:schemeClr val="lt1"/>
+                </a:solidFill>
+                <a:latin typeface="Courier New"/>
+                <a:ea typeface="Courier New"/>
+                <a:cs typeface="Courier New"/>
+                <a:sym typeface="Courier New"/>
+              </a:rPr>
+              <a:t>')</a:t>
             </a:r>
           </a:p>
           <a:p>
@@ -6394,7 +6681,7 @@
               <a:buNone/>
             </a:pPr>
             <a:r>
-              <a:rPr lang="en-US" sz="3000" b="1" i="0" u="none" strike="noStrike" cap="none">
+              <a:rPr lang="en-US" sz="3000" b="1" i="0" u="none" strike="noStrike" cap="none" dirty="0">
                 <a:solidFill>
                   <a:srgbClr val="FF7F00"/>
                 </a:solidFill>
@@ -6406,7 +6693,7 @@
               <a:t>count</a:t>
             </a:r>
             <a:r>
-              <a:rPr lang="en-US" sz="3000" b="1" i="0" u="none" strike="noStrike" cap="none">
+              <a:rPr lang="en-US" sz="3000" b="1" i="0" u="none" strike="noStrike" cap="none" dirty="0">
                 <a:solidFill>
                   <a:schemeClr val="lt1"/>
                 </a:solidFill>
@@ -6437,7 +6724,7 @@
               <a:buNone/>
             </a:pPr>
             <a:r>
-              <a:rPr lang="en-US" sz="3000" b="1" i="0" u="none" strike="noStrike" cap="none">
+              <a:rPr lang="en-US" sz="3000" b="1" i="0" u="none" strike="noStrike" cap="none" dirty="0">
                 <a:solidFill>
                   <a:srgbClr val="FFFF00"/>
                 </a:solidFill>
@@ -6449,7 +6736,7 @@
               <a:t>for</a:t>
             </a:r>
             <a:r>
-              <a:rPr lang="en-US" sz="3000" b="1" i="0" u="none" strike="noStrike" cap="none">
+              <a:rPr lang="en-US" sz="3000" b="1" i="0" u="none" strike="noStrike" cap="none" dirty="0">
                 <a:solidFill>
                   <a:schemeClr val="lt1"/>
                 </a:solidFill>
@@ -6461,7 +6748,7 @@
               <a:t> </a:t>
             </a:r>
             <a:r>
-              <a:rPr lang="en-US" sz="3000" b="1" i="0" u="none" strike="noStrike" cap="none">
+              <a:rPr lang="en-US" sz="3000" b="1" i="0" u="none" strike="noStrike" cap="none" dirty="0">
                 <a:solidFill>
                   <a:srgbClr val="00FF00"/>
                 </a:solidFill>
@@ -6473,7 +6760,7 @@
               <a:t>line</a:t>
             </a:r>
             <a:r>
-              <a:rPr lang="en-US" sz="3000" b="1" i="0" u="none" strike="noStrike" cap="none">
+              <a:rPr lang="en-US" sz="3000" b="1" i="0" u="none" strike="noStrike" cap="none" dirty="0">
                 <a:solidFill>
                   <a:schemeClr val="lt1"/>
                 </a:solidFill>
@@ -6485,7 +6772,7 @@
               <a:t> </a:t>
             </a:r>
             <a:r>
-              <a:rPr lang="en-US" sz="3000" b="1" i="0" u="none" strike="noStrike" cap="none">
+              <a:rPr lang="en-US" sz="3000" b="1" i="0" u="none" strike="noStrike" cap="none" dirty="0">
                 <a:solidFill>
                   <a:srgbClr val="FFFF00"/>
                 </a:solidFill>
@@ -6497,7 +6784,7 @@
               <a:t>in</a:t>
             </a:r>
             <a:r>
-              <a:rPr lang="en-US" sz="3000" b="1" i="0" u="none" strike="noStrike" cap="none">
+              <a:rPr lang="en-US" sz="3000" b="1" i="0" u="none" strike="noStrike" cap="none" dirty="0">
                 <a:solidFill>
                   <a:schemeClr val="lt1"/>
                 </a:solidFill>
@@ -6509,7 +6796,7 @@
               <a:t> </a:t>
             </a:r>
             <a:r>
-              <a:rPr lang="en-US" sz="3000" b="1" i="0" u="none" strike="noStrike" cap="none">
+              <a:rPr lang="en-US" sz="3000" b="1" i="0" u="none" strike="noStrike" cap="none" dirty="0" err="1">
                 <a:solidFill>
                   <a:srgbClr val="00FF00"/>
                 </a:solidFill>
@@ -6521,7 +6808,7 @@
               <a:t>fhand</a:t>
             </a:r>
             <a:r>
-              <a:rPr lang="en-US" sz="3000" b="1" i="0" u="none" strike="noStrike" cap="none">
+              <a:rPr lang="en-US" sz="3000" b="1" i="0" u="none" strike="noStrike" cap="none" dirty="0">
                 <a:solidFill>
                   <a:schemeClr val="lt1"/>
                 </a:solidFill>
@@ -6552,7 +6839,7 @@
               <a:buNone/>
             </a:pPr>
             <a:r>
-              <a:rPr lang="en-US" sz="3000" b="1">
+              <a:rPr lang="en-US" sz="3000" b="1" dirty="0">
                 <a:solidFill>
                   <a:schemeClr val="lt1"/>
                 </a:solidFill>
@@ -6564,7 +6851,7 @@
               <a:t>    </a:t>
             </a:r>
             <a:r>
-              <a:rPr lang="en-US" sz="3000" b="1" i="0" u="none" strike="noStrike" cap="none">
+              <a:rPr lang="en-US" sz="3000" b="1" i="0" u="none" strike="noStrike" cap="none" dirty="0">
                 <a:solidFill>
                   <a:srgbClr val="FF7F00"/>
                 </a:solidFill>
@@ -6576,7 +6863,7 @@
               <a:t>count</a:t>
             </a:r>
             <a:r>
-              <a:rPr lang="en-US" sz="3000" b="1" i="0" u="none" strike="noStrike" cap="none">
+              <a:rPr lang="en-US" sz="3000" b="1" i="0" u="none" strike="noStrike" cap="none" dirty="0">
                 <a:solidFill>
                   <a:schemeClr val="lt1"/>
                 </a:solidFill>
@@ -6588,7 +6875,7 @@
               <a:t> = </a:t>
             </a:r>
             <a:r>
-              <a:rPr lang="en-US" sz="3000" b="1" i="0" u="none" strike="noStrike" cap="none">
+              <a:rPr lang="en-US" sz="3000" b="1" i="0" u="none" strike="noStrike" cap="none" dirty="0">
                 <a:solidFill>
                   <a:srgbClr val="FF7F00"/>
                 </a:solidFill>
@@ -6600,7 +6887,7 @@
               <a:t>count</a:t>
             </a:r>
             <a:r>
-              <a:rPr lang="en-US" sz="3000" b="1" i="0" u="none" strike="noStrike" cap="none">
+              <a:rPr lang="en-US" sz="3000" b="1" i="0" u="none" strike="noStrike" cap="none" dirty="0">
                 <a:solidFill>
                   <a:schemeClr val="lt1"/>
                 </a:solidFill>
@@ -6631,7 +6918,7 @@
               <a:buNone/>
             </a:pPr>
             <a:r>
-              <a:rPr lang="en-US" sz="3000" b="1" i="0" u="none" strike="noStrike" cap="none">
+              <a:rPr lang="en-US" sz="3000" b="1" i="0" u="none" strike="noStrike" cap="none" dirty="0" smtClean="0">
                 <a:solidFill>
                   <a:srgbClr val="FFFF00"/>
                 </a:solidFill>
@@ -6643,19 +6930,43 @@
               <a:t>print</a:t>
             </a:r>
             <a:r>
-              <a:rPr lang="en-US" sz="3000" b="1" i="0" u="none" strike="noStrike" cap="none">
-                <a:solidFill>
-                  <a:schemeClr val="lt1"/>
-                </a:solidFill>
-                <a:latin typeface="Courier New"/>
-                <a:ea typeface="Courier New"/>
-                <a:cs typeface="Courier New"/>
-                <a:sym typeface="Courier New"/>
-              </a:rPr>
-              <a:t> 'Line Count:', </a:t>
-            </a:r>
-            <a:r>
-              <a:rPr lang="en-US" sz="3000" b="1" i="0" u="none" strike="noStrike" cap="none">
+              <a:rPr lang="en-US" sz="3000" b="1" dirty="0">
+                <a:solidFill>
+                  <a:schemeClr val="lt1"/>
+                </a:solidFill>
+                <a:latin typeface="Courier New"/>
+                <a:ea typeface="Courier New"/>
+                <a:cs typeface="Courier New"/>
+                <a:sym typeface="Courier New"/>
+              </a:rPr>
+              <a:t>(</a:t>
+            </a:r>
+            <a:r>
+              <a:rPr lang="en-US" sz="3000" b="1" i="0" u="none" strike="noStrike" cap="none" dirty="0" smtClean="0">
+                <a:solidFill>
+                  <a:schemeClr val="lt1"/>
+                </a:solidFill>
+                <a:latin typeface="Courier New"/>
+                <a:ea typeface="Courier New"/>
+                <a:cs typeface="Courier New"/>
+                <a:sym typeface="Courier New"/>
+              </a:rPr>
+              <a:t>'Line </a:t>
+            </a:r>
+            <a:r>
+              <a:rPr lang="en-US" sz="3000" b="1" i="0" u="none" strike="noStrike" cap="none" dirty="0">
+                <a:solidFill>
+                  <a:schemeClr val="lt1"/>
+                </a:solidFill>
+                <a:latin typeface="Courier New"/>
+                <a:ea typeface="Courier New"/>
+                <a:cs typeface="Courier New"/>
+                <a:sym typeface="Courier New"/>
+              </a:rPr>
+              <a:t>Count:', </a:t>
+            </a:r>
+            <a:r>
+              <a:rPr lang="en-US" sz="3000" b="1" i="0" u="none" strike="noStrike" cap="none" dirty="0" smtClean="0">
                 <a:solidFill>
                   <a:srgbClr val="FF7F00"/>
                 </a:solidFill>
@@ -6666,6 +6977,27 @@
               </a:rPr>
               <a:t>count</a:t>
             </a:r>
+            <a:r>
+              <a:rPr lang="en-US" sz="3000" b="1" i="0" u="none" strike="noStrike" cap="none" dirty="0" smtClean="0">
+                <a:solidFill>
+                  <a:schemeClr val="bg1"/>
+                </a:solidFill>
+                <a:latin typeface="Courier New"/>
+                <a:ea typeface="Courier New"/>
+                <a:cs typeface="Courier New"/>
+                <a:sym typeface="Courier New"/>
+              </a:rPr>
+              <a:t>)</a:t>
+            </a:r>
+            <a:endParaRPr lang="en-US" sz="3000" b="1" i="0" u="none" strike="noStrike" cap="none" dirty="0">
+              <a:solidFill>
+                <a:schemeClr val="bg1"/>
+              </a:solidFill>
+              <a:latin typeface="Courier New"/>
+              <a:ea typeface="Courier New"/>
+              <a:cs typeface="Courier New"/>
+              <a:sym typeface="Courier New"/>
+            </a:endParaRPr>
           </a:p>
           <a:p>
             <a:pPr marL="0" marR="0" lvl="0" indent="0" algn="ctr" rtl="0">
@@ -6680,7 +7012,7 @@
               </a:spcAft>
               <a:buNone/>
             </a:pPr>
-            <a:endParaRPr sz="3000" b="1" i="0" u="none" strike="noStrike" cap="none">
+            <a:endParaRPr sz="3000" b="1" i="0" u="none" strike="noStrike" cap="none" dirty="0">
               <a:solidFill>
                 <a:srgbClr val="FF7F00"/>
               </a:solidFill>
@@ -6703,7 +7035,7 @@
               </a:spcAft>
               <a:buNone/>
             </a:pPr>
-            <a:endParaRPr sz="3000" b="1" i="0" u="none" strike="noStrike" cap="none">
+            <a:endParaRPr sz="3000" b="1" i="0" u="none" strike="noStrike" cap="none" dirty="0">
               <a:solidFill>
                 <a:srgbClr val="FF7F00"/>
               </a:solidFill>
@@ -6732,7 +7064,7 @@
               <a:buNone/>
             </a:pPr>
             <a:r>
-              <a:rPr lang="en-US" sz="3000" b="1" i="0" u="none" strike="noStrike" cap="none">
+              <a:rPr lang="en-US" sz="3000" b="1" i="0" u="none" strike="noStrike" cap="none" dirty="0">
                 <a:solidFill>
                   <a:schemeClr val="lt1"/>
                 </a:solidFill>
@@ -6744,7 +7076,7 @@
               <a:t>$</a:t>
             </a:r>
             <a:r>
-              <a:rPr lang="en-US" sz="3000" b="1" i="0" u="none" strike="noStrike" cap="none">
+              <a:rPr lang="en-US" sz="3000" b="1" i="0" u="none" strike="noStrike" cap="none" dirty="0">
                 <a:solidFill>
                   <a:srgbClr val="00FF00"/>
                 </a:solidFill>
@@ -6753,8 +7085,29 @@
                 <a:cs typeface="Courier New"/>
                 <a:sym typeface="Courier New"/>
               </a:rPr>
-              <a:t> python open.py</a:t>
-            </a:r>
+              <a:t> python </a:t>
+            </a:r>
+            <a:r>
+              <a:rPr lang="en-US" sz="3000" b="1" i="0" u="none" strike="noStrike" cap="none" dirty="0" err="1">
+                <a:solidFill>
+                  <a:srgbClr val="00FF00"/>
+                </a:solidFill>
+                <a:latin typeface="Courier New"/>
+                <a:ea typeface="Courier New"/>
+                <a:cs typeface="Courier New"/>
+                <a:sym typeface="Courier New"/>
+              </a:rPr>
+              <a:t>open.py</a:t>
+            </a:r>
+            <a:endParaRPr lang="en-US" sz="3000" b="1" i="0" u="none" strike="noStrike" cap="none" dirty="0">
+              <a:solidFill>
+                <a:srgbClr val="00FF00"/>
+              </a:solidFill>
+              <a:latin typeface="Courier New"/>
+              <a:ea typeface="Courier New"/>
+              <a:cs typeface="Courier New"/>
+              <a:sym typeface="Courier New"/>
+            </a:endParaRPr>
           </a:p>
           <a:p>
             <a:pPr marL="0" marR="0" lvl="0" indent="0" algn="l" rtl="0">
@@ -6775,7 +7128,7 @@
               <a:buNone/>
             </a:pPr>
             <a:r>
-              <a:rPr lang="en-US" sz="3000" b="1" i="0" u="none" strike="noStrike" cap="none">
+              <a:rPr lang="en-US" sz="3000" b="1" i="0" u="none" strike="noStrike" cap="none" dirty="0">
                 <a:solidFill>
                   <a:schemeClr val="lt1"/>
                 </a:solidFill>
@@ -6882,6 +7235,10 @@
           </p:nvPr>
         </p:nvSpPr>
         <p:spPr>
+          <a:xfrm>
+            <a:off x="1155700" y="2603500"/>
+            <a:ext cx="5145088" cy="5702399"/>
+          </a:xfrm>
           <a:prstGeom prst="rect">
             <a:avLst/>
           </a:prstGeom>
@@ -7007,7 +7364,7 @@
               <a:buNone/>
             </a:pPr>
             <a:r>
-              <a:rPr lang="en-US" sz="3000" b="1" i="0" u="none" strike="noStrike" cap="none">
+              <a:rPr lang="en-US" sz="3000" b="1" i="0" u="none" strike="noStrike" cap="none" dirty="0">
                 <a:solidFill>
                   <a:schemeClr val="lt1"/>
                 </a:solidFill>
@@ -7019,7 +7376,7 @@
               <a:t>&gt;&gt;&gt; </a:t>
             </a:r>
             <a:r>
-              <a:rPr lang="en-US" sz="3000" b="1" i="0" u="none" strike="noStrike" cap="none">
+              <a:rPr lang="en-US" sz="3000" b="1" i="0" u="none" strike="noStrike" cap="none" dirty="0" err="1">
                 <a:solidFill>
                   <a:srgbClr val="00FF00"/>
                 </a:solidFill>
@@ -7031,7 +7388,7 @@
               <a:t>fhand</a:t>
             </a:r>
             <a:r>
-              <a:rPr lang="en-US" sz="3000" b="1" i="0" u="none" strike="noStrike" cap="none">
+              <a:rPr lang="en-US" sz="3000" b="1" i="0" u="none" strike="noStrike" cap="none" dirty="0">
                 <a:solidFill>
                   <a:schemeClr val="lt1"/>
                 </a:solidFill>
@@ -7043,7 +7400,7 @@
               <a:t> = </a:t>
             </a:r>
             <a:r>
-              <a:rPr lang="en-US" sz="3000" b="1" i="0" u="none" strike="noStrike" cap="none">
+              <a:rPr lang="en-US" sz="3000" b="1" i="0" u="none" strike="noStrike" cap="none" dirty="0">
                 <a:solidFill>
                   <a:srgbClr val="FF00FF"/>
                 </a:solidFill>
@@ -7055,16 +7412,40 @@
               <a:t>open</a:t>
             </a:r>
             <a:r>
-              <a:rPr lang="en-US" sz="3000" b="1" i="0" u="none" strike="noStrike" cap="none">
-                <a:solidFill>
-                  <a:schemeClr val="lt1"/>
-                </a:solidFill>
-                <a:latin typeface="Courier New"/>
-                <a:ea typeface="Courier New"/>
-                <a:cs typeface="Courier New"/>
-                <a:sym typeface="Courier New"/>
-              </a:rPr>
-              <a:t>('mbox-short.txt')</a:t>
+              <a:rPr lang="en-US" sz="3000" b="1" i="0" u="none" strike="noStrike" cap="none" dirty="0">
+                <a:solidFill>
+                  <a:schemeClr val="lt1"/>
+                </a:solidFill>
+                <a:latin typeface="Courier New"/>
+                <a:ea typeface="Courier New"/>
+                <a:cs typeface="Courier New"/>
+                <a:sym typeface="Courier New"/>
+              </a:rPr>
+              <a:t>('</a:t>
+            </a:r>
+            <a:r>
+              <a:rPr lang="en-US" sz="3000" b="1" i="0" u="none" strike="noStrike" cap="none" dirty="0" err="1">
+                <a:solidFill>
+                  <a:schemeClr val="lt1"/>
+                </a:solidFill>
+                <a:latin typeface="Courier New"/>
+                <a:ea typeface="Courier New"/>
+                <a:cs typeface="Courier New"/>
+                <a:sym typeface="Courier New"/>
+              </a:rPr>
+              <a:t>mbox-short.txt</a:t>
+            </a:r>
+            <a:r>
+              <a:rPr lang="en-US" sz="3000" b="1" i="0" u="none" strike="noStrike" cap="none" dirty="0">
+                <a:solidFill>
+                  <a:schemeClr val="lt1"/>
+                </a:solidFill>
+                <a:latin typeface="Courier New"/>
+                <a:ea typeface="Courier New"/>
+                <a:cs typeface="Courier New"/>
+                <a:sym typeface="Courier New"/>
+              </a:rPr>
+              <a:t>')</a:t>
             </a:r>
           </a:p>
           <a:p>
@@ -7086,7 +7467,7 @@
               <a:buNone/>
             </a:pPr>
             <a:r>
-              <a:rPr lang="en-US" sz="3000" b="1" i="0" u="none" strike="noStrike" cap="none">
+              <a:rPr lang="en-US" sz="3000" b="1" i="0" u="none" strike="noStrike" cap="none" dirty="0">
                 <a:solidFill>
                   <a:schemeClr val="lt1"/>
                 </a:solidFill>
@@ -7098,7 +7479,7 @@
               <a:t>&gt;&gt;&gt; </a:t>
             </a:r>
             <a:r>
-              <a:rPr lang="en-US" sz="3000" b="1" i="0" u="none" strike="noStrike" cap="none">
+              <a:rPr lang="en-US" sz="3000" b="1" i="0" u="none" strike="noStrike" cap="none" dirty="0" err="1">
                 <a:solidFill>
                   <a:srgbClr val="00FFFF"/>
                 </a:solidFill>
@@ -7110,7 +7491,7 @@
               <a:t>inp</a:t>
             </a:r>
             <a:r>
-              <a:rPr lang="en-US" sz="3000" b="1" i="0" u="none" strike="noStrike" cap="none">
+              <a:rPr lang="en-US" sz="3000" b="1" i="0" u="none" strike="noStrike" cap="none" dirty="0">
                 <a:solidFill>
                   <a:schemeClr val="lt1"/>
                 </a:solidFill>
@@ -7122,7 +7503,7 @@
               <a:t> = </a:t>
             </a:r>
             <a:r>
-              <a:rPr lang="en-US" sz="3000" b="1" i="0" u="none" strike="noStrike" cap="none">
+              <a:rPr lang="en-US" sz="3000" b="1" i="0" u="none" strike="noStrike" cap="none" dirty="0" err="1">
                 <a:solidFill>
                   <a:srgbClr val="00FF00"/>
                 </a:solidFill>
@@ -7134,7 +7515,7 @@
               <a:t>fhand</a:t>
             </a:r>
             <a:r>
-              <a:rPr lang="en-US" sz="3000" b="1" i="0" u="none" strike="noStrike" cap="none">
+              <a:rPr lang="en-US" sz="3000" b="1" i="0" u="none" strike="noStrike" cap="none" dirty="0" err="1">
                 <a:solidFill>
                   <a:srgbClr val="FF7F00"/>
                 </a:solidFill>
@@ -7146,7 +7527,7 @@
               <a:t>.read</a:t>
             </a:r>
             <a:r>
-              <a:rPr lang="en-US" sz="3000" b="1" i="0" u="none" strike="noStrike" cap="none">
+              <a:rPr lang="en-US" sz="3000" b="1" i="0" u="none" strike="noStrike" cap="none" dirty="0">
                 <a:solidFill>
                   <a:schemeClr val="lt1"/>
                 </a:solidFill>
@@ -7177,7 +7558,7 @@
               <a:buNone/>
             </a:pPr>
             <a:r>
-              <a:rPr lang="en-US" sz="3000" b="1" i="0" u="none" strike="noStrike" cap="none">
+              <a:rPr lang="en-US" sz="3000" b="1" i="0" u="none" strike="noStrike" cap="none" dirty="0">
                 <a:solidFill>
                   <a:schemeClr val="lt1"/>
                 </a:solidFill>
@@ -7189,7 +7570,7 @@
               <a:t>&gt;&gt;&gt; </a:t>
             </a:r>
             <a:r>
-              <a:rPr lang="en-US" sz="3000" b="1" i="0" u="none" strike="noStrike" cap="none">
+              <a:rPr lang="en-US" sz="3000" b="1" i="0" u="none" strike="noStrike" cap="none" dirty="0" smtClean="0">
                 <a:solidFill>
                   <a:srgbClr val="FFFF00"/>
                 </a:solidFill>
@@ -7201,19 +7582,19 @@
               <a:t>print</a:t>
             </a:r>
             <a:r>
-              <a:rPr lang="en-US" sz="3000" b="1" i="0" u="none" strike="noStrike" cap="none">
-                <a:solidFill>
-                  <a:schemeClr val="lt1"/>
-                </a:solidFill>
-                <a:latin typeface="Courier New"/>
-                <a:ea typeface="Courier New"/>
-                <a:cs typeface="Courier New"/>
-                <a:sym typeface="Courier New"/>
-              </a:rPr>
-              <a:t> </a:t>
-            </a:r>
-            <a:r>
-              <a:rPr lang="en-US" sz="3000" b="1" i="0" u="none" strike="noStrike" cap="none">
+              <a:rPr lang="en-US" sz="3000" b="1" dirty="0">
+                <a:solidFill>
+                  <a:schemeClr val="lt1"/>
+                </a:solidFill>
+                <a:latin typeface="Courier New"/>
+                <a:ea typeface="Courier New"/>
+                <a:cs typeface="Courier New"/>
+                <a:sym typeface="Courier New"/>
+              </a:rPr>
+              <a:t>(</a:t>
+            </a:r>
+            <a:r>
+              <a:rPr lang="en-US" sz="3000" b="1" i="0" u="none" strike="noStrike" cap="none" dirty="0" err="1" smtClean="0">
                 <a:solidFill>
                   <a:srgbClr val="FF00FF"/>
                 </a:solidFill>
@@ -7225,7 +7606,7 @@
               <a:t>len</a:t>
             </a:r>
             <a:r>
-              <a:rPr lang="en-US" sz="3000" b="1" i="0" u="none" strike="noStrike" cap="none">
+              <a:rPr lang="en-US" sz="3000" b="1" i="0" u="none" strike="noStrike" cap="none" dirty="0" smtClean="0">
                 <a:solidFill>
                   <a:schemeClr val="lt1"/>
                 </a:solidFill>
@@ -7237,7 +7618,7 @@
               <a:t>(</a:t>
             </a:r>
             <a:r>
-              <a:rPr lang="en-US" sz="3000" b="1" i="0" u="none" strike="noStrike" cap="none">
+              <a:rPr lang="en-US" sz="3000" b="1" i="0" u="none" strike="noStrike" cap="none" dirty="0" err="1" smtClean="0">
                 <a:solidFill>
                   <a:srgbClr val="00FFFF"/>
                 </a:solidFill>
@@ -7249,17 +7630,26 @@
               <a:t>inp</a:t>
             </a:r>
             <a:r>
-              <a:rPr lang="en-US" sz="3000" b="1" i="0" u="none" strike="noStrike" cap="none">
-                <a:solidFill>
-                  <a:schemeClr val="lt1"/>
-                </a:solidFill>
-                <a:latin typeface="Courier New"/>
-                <a:ea typeface="Courier New"/>
-                <a:cs typeface="Courier New"/>
-                <a:sym typeface="Courier New"/>
-              </a:rPr>
-              <a:t>)</a:t>
-            </a:r>
+              <a:rPr lang="en-US" sz="3000" b="1" i="0" u="none" strike="noStrike" cap="none" dirty="0" smtClean="0">
+                <a:solidFill>
+                  <a:schemeClr val="lt1"/>
+                </a:solidFill>
+                <a:latin typeface="Courier New"/>
+                <a:ea typeface="Courier New"/>
+                <a:cs typeface="Courier New"/>
+                <a:sym typeface="Courier New"/>
+              </a:rPr>
+              <a:t>))</a:t>
+            </a:r>
+            <a:endParaRPr lang="en-US" sz="3000" b="1" i="0" u="none" strike="noStrike" cap="none" dirty="0">
+              <a:solidFill>
+                <a:schemeClr val="lt1"/>
+              </a:solidFill>
+              <a:latin typeface="Courier New"/>
+              <a:ea typeface="Courier New"/>
+              <a:cs typeface="Courier New"/>
+              <a:sym typeface="Courier New"/>
+            </a:endParaRPr>
           </a:p>
           <a:p>
             <a:pPr marL="0" marR="0" lvl="0" indent="0" algn="l" rtl="0">
@@ -7280,7 +7670,7 @@
               <a:buNone/>
             </a:pPr>
             <a:r>
-              <a:rPr lang="en-US" sz="3000" b="1" i="0" u="none" strike="noStrike" cap="none">
+              <a:rPr lang="en-US" sz="3000" b="1" i="0" u="none" strike="noStrike" cap="none" dirty="0">
                 <a:solidFill>
                   <a:schemeClr val="lt1"/>
                 </a:solidFill>
@@ -7311,7 +7701,7 @@
               <a:buNone/>
             </a:pPr>
             <a:r>
-              <a:rPr lang="en-US" sz="3000" b="1" i="0" u="none" strike="noStrike" cap="none">
+              <a:rPr lang="en-US" sz="3000" b="1" i="0" u="none" strike="noStrike" cap="none" dirty="0">
                 <a:solidFill>
                   <a:schemeClr val="lt1"/>
                 </a:solidFill>
@@ -7323,7 +7713,7 @@
               <a:t>&gt;&gt;&gt; </a:t>
             </a:r>
             <a:r>
-              <a:rPr lang="en-US" sz="3000" b="1" i="0" u="none" strike="noStrike" cap="none">
+              <a:rPr lang="en-US" sz="3000" b="1" i="0" u="none" strike="noStrike" cap="none" dirty="0" smtClean="0">
                 <a:solidFill>
                   <a:srgbClr val="FFFF00"/>
                 </a:solidFill>
@@ -7335,19 +7725,19 @@
               <a:t>print</a:t>
             </a:r>
             <a:r>
-              <a:rPr lang="en-US" sz="3000" b="1" i="0" u="none" strike="noStrike" cap="none">
-                <a:solidFill>
-                  <a:schemeClr val="lt1"/>
-                </a:solidFill>
-                <a:latin typeface="Courier New"/>
-                <a:ea typeface="Courier New"/>
-                <a:cs typeface="Courier New"/>
-                <a:sym typeface="Courier New"/>
-              </a:rPr>
-              <a:t> </a:t>
-            </a:r>
-            <a:r>
-              <a:rPr lang="en-US" sz="3000" b="1" i="0" u="none" strike="noStrike" cap="none">
+              <a:rPr lang="en-US" sz="3000" b="1" dirty="0">
+                <a:solidFill>
+                  <a:schemeClr val="lt1"/>
+                </a:solidFill>
+                <a:latin typeface="Courier New"/>
+                <a:ea typeface="Courier New"/>
+                <a:cs typeface="Courier New"/>
+                <a:sym typeface="Courier New"/>
+              </a:rPr>
+              <a:t>(</a:t>
+            </a:r>
+            <a:r>
+              <a:rPr lang="en-US" sz="3000" b="1" i="0" u="none" strike="noStrike" cap="none" dirty="0" err="1" smtClean="0">
                 <a:solidFill>
                   <a:srgbClr val="00FFFF"/>
                 </a:solidFill>
@@ -7359,17 +7749,38 @@
               <a:t>inp</a:t>
             </a:r>
             <a:r>
-              <a:rPr lang="en-US" sz="3000" b="1" i="0" u="none" strike="noStrike" cap="none">
-                <a:solidFill>
-                  <a:schemeClr val="lt1"/>
-                </a:solidFill>
-                <a:latin typeface="Courier New"/>
-                <a:ea typeface="Courier New"/>
-                <a:cs typeface="Courier New"/>
-                <a:sym typeface="Courier New"/>
-              </a:rPr>
-              <a:t>[:20]</a:t>
-            </a:r>
+              <a:rPr lang="en-US" sz="3000" b="1" i="0" u="none" strike="noStrike" cap="none" dirty="0">
+                <a:solidFill>
+                  <a:schemeClr val="lt1"/>
+                </a:solidFill>
+                <a:latin typeface="Courier New"/>
+                <a:ea typeface="Courier New"/>
+                <a:cs typeface="Courier New"/>
+                <a:sym typeface="Courier New"/>
+              </a:rPr>
+              <a:t>[:20</a:t>
+            </a:r>
+            <a:r>
+              <a:rPr lang="en-US" sz="3000" b="1" i="0" u="none" strike="noStrike" cap="none" dirty="0" smtClean="0">
+                <a:solidFill>
+                  <a:schemeClr val="lt1"/>
+                </a:solidFill>
+                <a:latin typeface="Courier New"/>
+                <a:ea typeface="Courier New"/>
+                <a:cs typeface="Courier New"/>
+                <a:sym typeface="Courier New"/>
+              </a:rPr>
+              <a:t>])</a:t>
+            </a:r>
+            <a:endParaRPr lang="en-US" sz="3000" b="1" i="0" u="none" strike="noStrike" cap="none" dirty="0">
+              <a:solidFill>
+                <a:schemeClr val="lt1"/>
+              </a:solidFill>
+              <a:latin typeface="Courier New"/>
+              <a:ea typeface="Courier New"/>
+              <a:cs typeface="Courier New"/>
+              <a:sym typeface="Courier New"/>
+            </a:endParaRPr>
           </a:p>
           <a:p>
             <a:pPr marL="0" marR="0" lvl="0" indent="0" algn="l" rtl="0">
@@ -7390,17 +7801,38 @@
               <a:buNone/>
             </a:pPr>
             <a:r>
-              <a:rPr lang="en-US" sz="3000" b="1" i="0" u="none" strike="noStrike" cap="none">
-                <a:solidFill>
-                  <a:schemeClr val="lt1"/>
-                </a:solidFill>
-                <a:latin typeface="Courier New"/>
-                <a:ea typeface="Courier New"/>
-                <a:cs typeface="Courier New"/>
-                <a:sym typeface="Courier New"/>
-              </a:rPr>
-              <a:t>From stephen.marquar</a:t>
-            </a:r>
+              <a:rPr lang="en-US" sz="3000" b="1" i="0" u="none" strike="noStrike" cap="none" dirty="0">
+                <a:solidFill>
+                  <a:schemeClr val="lt1"/>
+                </a:solidFill>
+                <a:latin typeface="Courier New"/>
+                <a:ea typeface="Courier New"/>
+                <a:cs typeface="Courier New"/>
+                <a:sym typeface="Courier New"/>
+              </a:rPr>
+              <a:t>From </a:t>
+            </a:r>
+            <a:r>
+              <a:rPr lang="en-US" sz="3000" b="1" i="0" u="none" strike="noStrike" cap="none" dirty="0" err="1">
+                <a:solidFill>
+                  <a:schemeClr val="lt1"/>
+                </a:solidFill>
+                <a:latin typeface="Courier New"/>
+                <a:ea typeface="Courier New"/>
+                <a:cs typeface="Courier New"/>
+                <a:sym typeface="Courier New"/>
+              </a:rPr>
+              <a:t>stephen.marquar</a:t>
+            </a:r>
+            <a:endParaRPr lang="en-US" sz="3000" b="1" i="0" u="none" strike="noStrike" cap="none" dirty="0">
+              <a:solidFill>
+                <a:schemeClr val="lt1"/>
+              </a:solidFill>
+              <a:latin typeface="Courier New"/>
+              <a:ea typeface="Courier New"/>
+              <a:cs typeface="Courier New"/>
+              <a:sym typeface="Courier New"/>
+            </a:endParaRPr>
           </a:p>
         </p:txBody>
       </p:sp>
@@ -7497,6 +7929,10 @@
           </p:nvPr>
         </p:nvSpPr>
         <p:spPr>
+          <a:xfrm>
+            <a:off x="1155700" y="2603500"/>
+            <a:ext cx="6116638" cy="5702399"/>
+          </a:xfrm>
           <a:prstGeom prst="rect">
             <a:avLst/>
           </a:prstGeom>
@@ -7634,7 +8070,7 @@
               <a:buNone/>
             </a:pPr>
             <a:r>
-              <a:rPr lang="en-US" sz="2600" b="1" i="0" u="none" strike="noStrike" cap="none">
+              <a:rPr lang="en-US" sz="2600" b="1" i="0" u="none" strike="noStrike" cap="none" dirty="0" err="1">
                 <a:solidFill>
                   <a:srgbClr val="00FF00"/>
                 </a:solidFill>
@@ -7646,7 +8082,7 @@
               <a:t>fhand</a:t>
             </a:r>
             <a:r>
-              <a:rPr lang="en-US" sz="2600" b="1" i="0" u="none" strike="noStrike" cap="none">
+              <a:rPr lang="en-US" sz="2600" b="1" i="0" u="none" strike="noStrike" cap="none" dirty="0">
                 <a:solidFill>
                   <a:schemeClr val="lt1"/>
                 </a:solidFill>
@@ -7658,7 +8094,7 @@
               <a:t> = </a:t>
             </a:r>
             <a:r>
-              <a:rPr lang="en-US" sz="2600" b="1" i="0" u="none" strike="noStrike" cap="none">
+              <a:rPr lang="en-US" sz="2600" b="1" i="0" u="none" strike="noStrike" cap="none" dirty="0">
                 <a:solidFill>
                   <a:srgbClr val="FF00FF"/>
                 </a:solidFill>
@@ -7670,16 +8106,40 @@
               <a:t>open</a:t>
             </a:r>
             <a:r>
-              <a:rPr lang="en-US" sz="2600" b="1" i="0" u="none" strike="noStrike" cap="none">
-                <a:solidFill>
-                  <a:schemeClr val="lt1"/>
-                </a:solidFill>
-                <a:latin typeface="Courier New"/>
-                <a:ea typeface="Courier New"/>
-                <a:cs typeface="Courier New"/>
-                <a:sym typeface="Courier New"/>
-              </a:rPr>
-              <a:t>('mbox-short.txt')</a:t>
+              <a:rPr lang="en-US" sz="2600" b="1" i="0" u="none" strike="noStrike" cap="none" dirty="0">
+                <a:solidFill>
+                  <a:schemeClr val="lt1"/>
+                </a:solidFill>
+                <a:latin typeface="Courier New"/>
+                <a:ea typeface="Courier New"/>
+                <a:cs typeface="Courier New"/>
+                <a:sym typeface="Courier New"/>
+              </a:rPr>
+              <a:t>('</a:t>
+            </a:r>
+            <a:r>
+              <a:rPr lang="en-US" sz="2600" b="1" i="0" u="none" strike="noStrike" cap="none" dirty="0" err="1">
+                <a:solidFill>
+                  <a:schemeClr val="lt1"/>
+                </a:solidFill>
+                <a:latin typeface="Courier New"/>
+                <a:ea typeface="Courier New"/>
+                <a:cs typeface="Courier New"/>
+                <a:sym typeface="Courier New"/>
+              </a:rPr>
+              <a:t>mbox-short.txt</a:t>
+            </a:r>
+            <a:r>
+              <a:rPr lang="en-US" sz="2600" b="1" i="0" u="none" strike="noStrike" cap="none" dirty="0">
+                <a:solidFill>
+                  <a:schemeClr val="lt1"/>
+                </a:solidFill>
+                <a:latin typeface="Courier New"/>
+                <a:ea typeface="Courier New"/>
+                <a:cs typeface="Courier New"/>
+                <a:sym typeface="Courier New"/>
+              </a:rPr>
+              <a:t>')</a:t>
             </a:r>
           </a:p>
           <a:p>
@@ -7701,7 +8161,7 @@
               <a:buNone/>
             </a:pPr>
             <a:r>
-              <a:rPr lang="en-US" sz="2600" b="1" i="0" u="none" strike="noStrike" cap="none">
+              <a:rPr lang="en-US" sz="2600" b="1" i="0" u="none" strike="noStrike" cap="none" dirty="0">
                 <a:solidFill>
                   <a:srgbClr val="FFFF00"/>
                 </a:solidFill>
@@ -7713,7 +8173,7 @@
               <a:t>for</a:t>
             </a:r>
             <a:r>
-              <a:rPr lang="en-US" sz="2600" b="1" i="0" u="none" strike="noStrike" cap="none">
+              <a:rPr lang="en-US" sz="2600" b="1" i="0" u="none" strike="noStrike" cap="none" dirty="0">
                 <a:solidFill>
                   <a:schemeClr val="lt1"/>
                 </a:solidFill>
@@ -7725,7 +8185,7 @@
               <a:t> </a:t>
             </a:r>
             <a:r>
-              <a:rPr lang="en-US" sz="2600" b="1" i="0" u="none" strike="noStrike" cap="none">
+              <a:rPr lang="en-US" sz="2600" b="1" i="0" u="none" strike="noStrike" cap="none" dirty="0">
                 <a:solidFill>
                   <a:srgbClr val="00FF00"/>
                 </a:solidFill>
@@ -7737,7 +8197,7 @@
               <a:t>line</a:t>
             </a:r>
             <a:r>
-              <a:rPr lang="en-US" sz="2600" b="1" i="0" u="none" strike="noStrike" cap="none">
+              <a:rPr lang="en-US" sz="2600" b="1" i="0" u="none" strike="noStrike" cap="none" dirty="0">
                 <a:solidFill>
                   <a:schemeClr val="lt1"/>
                 </a:solidFill>
@@ -7749,7 +8209,7 @@
               <a:t> </a:t>
             </a:r>
             <a:r>
-              <a:rPr lang="en-US" sz="2600" b="1" i="0" u="none" strike="noStrike" cap="none">
+              <a:rPr lang="en-US" sz="2600" b="1" i="0" u="none" strike="noStrike" cap="none" dirty="0">
                 <a:solidFill>
                   <a:srgbClr val="FFFF00"/>
                 </a:solidFill>
@@ -7761,7 +8221,7 @@
               <a:t>in</a:t>
             </a:r>
             <a:r>
-              <a:rPr lang="en-US" sz="2600" b="1" i="0" u="none" strike="noStrike" cap="none">
+              <a:rPr lang="en-US" sz="2600" b="1" i="0" u="none" strike="noStrike" cap="none" dirty="0">
                 <a:solidFill>
                   <a:schemeClr val="lt1"/>
                 </a:solidFill>
@@ -7773,7 +8233,7 @@
               <a:t> </a:t>
             </a:r>
             <a:r>
-              <a:rPr lang="en-US" sz="2600" b="1" i="0" u="none" strike="noStrike" cap="none">
+              <a:rPr lang="en-US" sz="2600" b="1" i="0" u="none" strike="noStrike" cap="none" dirty="0" err="1">
                 <a:solidFill>
                   <a:srgbClr val="00FF00"/>
                 </a:solidFill>
@@ -7785,7 +8245,7 @@
               <a:t>fhand</a:t>
             </a:r>
             <a:r>
-              <a:rPr lang="en-US" sz="2600" b="1" i="0" u="none" strike="noStrike" cap="none">
+              <a:rPr lang="en-US" sz="2600" b="1" i="0" u="none" strike="noStrike" cap="none" dirty="0">
                 <a:solidFill>
                   <a:schemeClr val="lt1"/>
                 </a:solidFill>
@@ -7816,7 +8276,7 @@
               <a:buNone/>
             </a:pPr>
             <a:r>
-              <a:rPr lang="en-US" sz="2600" b="1">
+              <a:rPr lang="en-US" sz="2600" b="1" dirty="0">
                 <a:solidFill>
                   <a:schemeClr val="lt1"/>
                 </a:solidFill>
@@ -7828,7 +8288,7 @@
               <a:t>    </a:t>
             </a:r>
             <a:r>
-              <a:rPr lang="en-US" sz="2600" b="1" i="0" u="none" strike="noStrike" cap="none">
+              <a:rPr lang="en-US" sz="2600" b="1" i="0" u="none" strike="noStrike" cap="none" dirty="0">
                 <a:solidFill>
                   <a:srgbClr val="FFFF00"/>
                 </a:solidFill>
@@ -7840,7 +8300,7 @@
               <a:t>if</a:t>
             </a:r>
             <a:r>
-              <a:rPr lang="en-US" sz="2600" b="1" i="0" u="none" strike="noStrike" cap="none">
+              <a:rPr lang="en-US" sz="2600" b="1" i="0" u="none" strike="noStrike" cap="none" dirty="0">
                 <a:solidFill>
                   <a:schemeClr val="lt1"/>
                 </a:solidFill>
@@ -7852,7 +8312,7 @@
               <a:t> </a:t>
             </a:r>
             <a:r>
-              <a:rPr lang="en-US" sz="2600" b="1" i="0" u="none" strike="noStrike" cap="none">
+              <a:rPr lang="en-US" sz="2600" b="1" i="0" u="none" strike="noStrike" cap="none" dirty="0" err="1">
                 <a:solidFill>
                   <a:srgbClr val="00FF00"/>
                 </a:solidFill>
@@ -7864,7 +8324,7 @@
               <a:t>line</a:t>
             </a:r>
             <a:r>
-              <a:rPr lang="en-US" sz="2600" b="1" i="0" u="none" strike="noStrike" cap="none">
+              <a:rPr lang="en-US" sz="2600" b="1" i="0" u="none" strike="noStrike" cap="none" dirty="0" err="1">
                 <a:solidFill>
                   <a:srgbClr val="FF00FF"/>
                 </a:solidFill>
@@ -7876,7 +8336,7 @@
               <a:t>.startswith</a:t>
             </a:r>
             <a:r>
-              <a:rPr lang="en-US" sz="2600" b="1" i="0" u="none" strike="noStrike" cap="none">
+              <a:rPr lang="en-US" sz="2600" b="1" i="0" u="none" strike="noStrike" cap="none" dirty="0">
                 <a:solidFill>
                   <a:schemeClr val="lt1"/>
                 </a:solidFill>
@@ -7907,7 +8367,7 @@
               <a:buNone/>
             </a:pPr>
             <a:r>
-              <a:rPr lang="en-US" sz="2600" b="1" i="0" u="none" strike="noStrike" cap="none">
+              <a:rPr lang="en-US" sz="2600" b="1" i="0" u="none" strike="noStrike" cap="none" dirty="0">
                 <a:solidFill>
                   <a:schemeClr val="lt1"/>
                 </a:solidFill>
@@ -7919,7 +8379,7 @@
               <a:t>    </a:t>
             </a:r>
             <a:r>
-              <a:rPr lang="en-US" sz="2600" b="1">
+              <a:rPr lang="en-US" sz="2600" b="1" dirty="0">
                 <a:solidFill>
                   <a:schemeClr val="lt1"/>
                 </a:solidFill>
@@ -7931,7 +8391,7 @@
               <a:t>    </a:t>
             </a:r>
             <a:r>
-              <a:rPr lang="en-US" sz="2600" b="1" i="0" u="none" strike="noStrike" cap="none">
+              <a:rPr lang="en-US" sz="2600" b="1" i="0" u="none" strike="noStrike" cap="none" dirty="0" smtClean="0">
                 <a:solidFill>
                   <a:srgbClr val="FFFF00"/>
                 </a:solidFill>
@@ -7943,19 +8403,19 @@
               <a:t>print</a:t>
             </a:r>
             <a:r>
-              <a:rPr lang="en-US" sz="2600" b="1" i="0" u="none" strike="noStrike" cap="none">
-                <a:solidFill>
-                  <a:schemeClr val="lt1"/>
-                </a:solidFill>
-                <a:latin typeface="Courier New"/>
-                <a:ea typeface="Courier New"/>
-                <a:cs typeface="Courier New"/>
-                <a:sym typeface="Courier New"/>
-              </a:rPr>
-              <a:t> </a:t>
-            </a:r>
-            <a:r>
-              <a:rPr lang="en-US" sz="2600" b="1" i="0" u="none" strike="noStrike" cap="none">
+              <a:rPr lang="en-US" sz="2600" b="1" dirty="0" smtClean="0">
+                <a:solidFill>
+                  <a:schemeClr val="lt1"/>
+                </a:solidFill>
+                <a:latin typeface="Courier New"/>
+                <a:ea typeface="Courier New"/>
+                <a:cs typeface="Courier New"/>
+                <a:sym typeface="Courier New"/>
+              </a:rPr>
+              <a:t>(</a:t>
+            </a:r>
+            <a:r>
+              <a:rPr lang="en-US" sz="2600" b="1" i="0" u="none" strike="noStrike" cap="none" dirty="0" smtClean="0">
                 <a:solidFill>
                   <a:srgbClr val="00FF00"/>
                 </a:solidFill>
@@ -7966,6 +8426,27 @@
               </a:rPr>
               <a:t>line</a:t>
             </a:r>
+            <a:r>
+              <a:rPr lang="en-US" sz="2600" b="1" i="0" u="none" strike="noStrike" cap="none" dirty="0" smtClean="0">
+                <a:solidFill>
+                  <a:schemeClr val="bg1"/>
+                </a:solidFill>
+                <a:latin typeface="Courier New"/>
+                <a:ea typeface="Courier New"/>
+                <a:cs typeface="Courier New"/>
+                <a:sym typeface="Courier New"/>
+              </a:rPr>
+              <a:t>)</a:t>
+            </a:r>
+            <a:endParaRPr lang="en-US" sz="2600" b="1" i="0" u="none" strike="noStrike" cap="none" dirty="0">
+              <a:solidFill>
+                <a:schemeClr val="bg1"/>
+              </a:solidFill>
+              <a:latin typeface="Courier New"/>
+              <a:ea typeface="Courier New"/>
+              <a:cs typeface="Courier New"/>
+              <a:sym typeface="Courier New"/>
+            </a:endParaRPr>
           </a:p>
         </p:txBody>
       </p:sp>
@@ -8470,6 +8951,10 @@
           </p:nvPr>
         </p:nvSpPr>
         <p:spPr>
+          <a:xfrm>
+            <a:off x="1155700" y="2603500"/>
+            <a:ext cx="5407024" cy="5702399"/>
+          </a:xfrm>
           <a:prstGeom prst="rect">
             <a:avLst/>
           </a:prstGeom>
@@ -8498,7 +8983,7 @@
               <a:buFont typeface="Cabin"/>
             </a:pPr>
             <a:r>
-              <a:rPr lang="en-US" sz="3400">
+              <a:rPr lang="en-US" sz="3400" dirty="0">
                 <a:solidFill>
                   <a:schemeClr val="lt1"/>
                 </a:solidFill>
@@ -8510,7 +8995,7 @@
               <a:t>Each </a:t>
             </a:r>
             <a:r>
-              <a:rPr lang="en-US" sz="3400">
+              <a:rPr lang="en-US" sz="3400" dirty="0">
                 <a:solidFill>
                   <a:srgbClr val="00FF00"/>
                 </a:solidFill>
@@ -8522,7 +9007,7 @@
               <a:t>line</a:t>
             </a:r>
             <a:r>
-              <a:rPr lang="en-US" sz="3400">
+              <a:rPr lang="en-US" sz="3400" dirty="0">
                 <a:solidFill>
                   <a:schemeClr val="lt1"/>
                 </a:solidFill>
@@ -8534,7 +9019,7 @@
               <a:t> from the file has a </a:t>
             </a:r>
             <a:r>
-              <a:rPr lang="en-US" sz="3400">
+              <a:rPr lang="en-US" sz="3400" dirty="0">
                 <a:solidFill>
                   <a:srgbClr val="00FF00"/>
                 </a:solidFill>
@@ -8546,7 +9031,7 @@
               <a:t>newline</a:t>
             </a:r>
             <a:r>
-              <a:rPr lang="en-US" sz="3400">
+              <a:rPr lang="en-US" sz="3400" dirty="0">
                 <a:solidFill>
                   <a:schemeClr val="lt1"/>
                 </a:solidFill>
@@ -8573,7 +9058,7 @@
               <a:buFont typeface="Cabin"/>
             </a:pPr>
             <a:r>
-              <a:rPr lang="en-US" sz="3400">
+              <a:rPr lang="en-US" sz="3400" dirty="0">
                 <a:solidFill>
                   <a:schemeClr val="lt1"/>
                 </a:solidFill>
@@ -8585,7 +9070,7 @@
               <a:t>The </a:t>
             </a:r>
             <a:r>
-              <a:rPr lang="en-US" sz="3400">
+              <a:rPr lang="en-US" sz="3400" dirty="0">
                 <a:solidFill>
                   <a:srgbClr val="FFFF00"/>
                 </a:solidFill>
@@ -8597,7 +9082,7 @@
               <a:t>print</a:t>
             </a:r>
             <a:r>
-              <a:rPr lang="en-US" sz="3400">
+              <a:rPr lang="en-US" sz="3400" dirty="0">
                 <a:solidFill>
                   <a:schemeClr val="lt1"/>
                 </a:solidFill>
@@ -8609,7 +9094,7 @@
               <a:t> statement adds a </a:t>
             </a:r>
             <a:r>
-              <a:rPr lang="en-US" sz="3400">
+              <a:rPr lang="en-US" sz="3400" dirty="0">
                 <a:solidFill>
                   <a:srgbClr val="FFFF00"/>
                 </a:solidFill>
@@ -8621,7 +9106,7 @@
               <a:t>newline</a:t>
             </a:r>
             <a:r>
-              <a:rPr lang="en-US" sz="3400">
+              <a:rPr lang="en-US" sz="3400" dirty="0">
                 <a:solidFill>
                   <a:schemeClr val="lt1"/>
                 </a:solidFill>
@@ -9133,6 +9618,10 @@
           </p:nvPr>
         </p:nvSpPr>
         <p:spPr>
+          <a:xfrm>
+            <a:off x="1155700" y="2603500"/>
+            <a:ext cx="5973763" cy="5702399"/>
+          </a:xfrm>
           <a:prstGeom prst="rect">
             <a:avLst/>
           </a:prstGeom>
@@ -9161,7 +9650,7 @@
               <a:buFont typeface="Cabin"/>
             </a:pPr>
             <a:r>
-              <a:rPr lang="en-US" sz="3400" u="none" strike="noStrike" cap="none">
+              <a:rPr lang="en-US" sz="3400" u="none" strike="noStrike" cap="none" dirty="0">
                 <a:solidFill>
                   <a:schemeClr val="lt1"/>
                 </a:solidFill>
@@ -9173,7 +9662,7 @@
               <a:t>We can strip the whitespace from the right</a:t>
             </a:r>
             <a:r>
-              <a:rPr lang="en-US" sz="3400">
+              <a:rPr lang="en-US" sz="3400" dirty="0">
                 <a:solidFill>
                   <a:schemeClr val="lt1"/>
                 </a:solidFill>
@@ -9185,7 +9674,7 @@
               <a:t>-</a:t>
             </a:r>
             <a:r>
-              <a:rPr lang="en-US" sz="3400" u="none" strike="noStrike" cap="none">
+              <a:rPr lang="en-US" sz="3400" u="none" strike="noStrike" cap="none" dirty="0">
                 <a:solidFill>
                   <a:schemeClr val="lt1"/>
                 </a:solidFill>
@@ -9197,7 +9686,7 @@
               <a:t>hand side of the string using </a:t>
             </a:r>
             <a:r>
-              <a:rPr lang="en-US" sz="3400" u="none" strike="noStrike" cap="none">
+              <a:rPr lang="en-US" sz="3400" u="none" strike="noStrike" cap="none" dirty="0" err="1">
                 <a:solidFill>
                   <a:srgbClr val="FF7F00"/>
                 </a:solidFill>
@@ -9209,7 +9698,7 @@
               <a:t>rstrip</a:t>
             </a:r>
             <a:r>
-              <a:rPr lang="en-US" sz="3400" u="none" strike="noStrike" cap="none">
+              <a:rPr lang="en-US" sz="3400" u="none" strike="noStrike" cap="none" dirty="0">
                 <a:solidFill>
                   <a:schemeClr val="lt1"/>
                 </a:solidFill>
@@ -9236,7 +9725,7 @@
               <a:buFont typeface="Cabin"/>
             </a:pPr>
             <a:r>
-              <a:rPr lang="en-US" sz="3400" u="none" strike="noStrike" cap="none">
+              <a:rPr lang="en-US" sz="3400" u="none" strike="noStrike" cap="none" dirty="0">
                 <a:solidFill>
                   <a:schemeClr val="lt1"/>
                 </a:solidFill>
@@ -9248,7 +9737,7 @@
               <a:t>The newline is considered </a:t>
             </a:r>
             <a:r>
-              <a:rPr lang="en-US" sz="3400">
+              <a:rPr lang="en-US" sz="3400" dirty="0">
                 <a:solidFill>
                   <a:schemeClr val="lt1"/>
                 </a:solidFill>
@@ -9260,7 +9749,7 @@
               <a:t>“</a:t>
             </a:r>
             <a:r>
-              <a:rPr lang="en-US" sz="3400" u="none" strike="noStrike" cap="none">
+              <a:rPr lang="en-US" sz="3400" u="none" strike="noStrike" cap="none" dirty="0">
                 <a:solidFill>
                   <a:schemeClr val="lt1"/>
                 </a:solidFill>
@@ -9272,7 +9761,7 @@
               <a:t>white space</a:t>
             </a:r>
             <a:r>
-              <a:rPr lang="en-US" sz="3400">
+              <a:rPr lang="en-US" sz="3400" dirty="0">
                 <a:solidFill>
                   <a:schemeClr val="lt1"/>
                 </a:solidFill>
@@ -9284,7 +9773,7 @@
               <a:t>”</a:t>
             </a:r>
             <a:r>
-              <a:rPr lang="en-US" sz="3400" u="none" strike="noStrike" cap="none">
+              <a:rPr lang="en-US" sz="3400" u="none" strike="noStrike" cap="none" dirty="0">
                 <a:solidFill>
                   <a:schemeClr val="lt1"/>
                 </a:solidFill>
@@ -9296,7 +9785,7 @@
               <a:t> and is </a:t>
             </a:r>
             <a:r>
-              <a:rPr lang="en-US" sz="3400" u="none" strike="noStrike" cap="none">
+              <a:rPr lang="en-US" sz="3400" u="none" strike="noStrike" cap="none" dirty="0">
                 <a:solidFill>
                   <a:srgbClr val="FF7F00"/>
                 </a:solidFill>
@@ -9353,7 +9842,7 @@
               <a:buNone/>
             </a:pPr>
             <a:r>
-              <a:rPr lang="en-US" sz="2400" b="1" i="0" u="none" strike="noStrike" cap="none">
+              <a:rPr lang="en-US" sz="2400" b="1" i="0" u="none" strike="noStrike" cap="none" dirty="0" err="1">
                 <a:solidFill>
                   <a:srgbClr val="00FF00"/>
                 </a:solidFill>
@@ -9365,7 +9854,7 @@
               <a:t>fhand</a:t>
             </a:r>
             <a:r>
-              <a:rPr lang="en-US" sz="2400" b="1" i="0" u="none" strike="noStrike" cap="none">
+              <a:rPr lang="en-US" sz="2400" b="1" i="0" u="none" strike="noStrike" cap="none" dirty="0">
                 <a:solidFill>
                   <a:schemeClr val="lt1"/>
                 </a:solidFill>
@@ -9377,7 +9866,7 @@
               <a:t> = </a:t>
             </a:r>
             <a:r>
-              <a:rPr lang="en-US" sz="2400" b="1" i="0" u="none" strike="noStrike" cap="none">
+              <a:rPr lang="en-US" sz="2400" b="1" i="0" u="none" strike="noStrike" cap="none" dirty="0">
                 <a:solidFill>
                   <a:srgbClr val="FF00FF"/>
                 </a:solidFill>
@@ -9389,16 +9878,40 @@
               <a:t>open</a:t>
             </a:r>
             <a:r>
-              <a:rPr lang="en-US" sz="2400" b="1" i="0" u="none" strike="noStrike" cap="none">
-                <a:solidFill>
-                  <a:schemeClr val="lt1"/>
-                </a:solidFill>
-                <a:latin typeface="Courier New"/>
-                <a:ea typeface="Courier New"/>
-                <a:cs typeface="Courier New"/>
-                <a:sym typeface="Courier New"/>
-              </a:rPr>
-              <a:t>('mbox-short.txt')</a:t>
+              <a:rPr lang="en-US" sz="2400" b="1" i="0" u="none" strike="noStrike" cap="none" dirty="0">
+                <a:solidFill>
+                  <a:schemeClr val="lt1"/>
+                </a:solidFill>
+                <a:latin typeface="Courier New"/>
+                <a:ea typeface="Courier New"/>
+                <a:cs typeface="Courier New"/>
+                <a:sym typeface="Courier New"/>
+              </a:rPr>
+              <a:t>('</a:t>
+            </a:r>
+            <a:r>
+              <a:rPr lang="en-US" sz="2400" b="1" i="0" u="none" strike="noStrike" cap="none" dirty="0" err="1">
+                <a:solidFill>
+                  <a:schemeClr val="lt1"/>
+                </a:solidFill>
+                <a:latin typeface="Courier New"/>
+                <a:ea typeface="Courier New"/>
+                <a:cs typeface="Courier New"/>
+                <a:sym typeface="Courier New"/>
+              </a:rPr>
+              <a:t>mbox-short.txt</a:t>
+            </a:r>
+            <a:r>
+              <a:rPr lang="en-US" sz="2400" b="1" i="0" u="none" strike="noStrike" cap="none" dirty="0">
+                <a:solidFill>
+                  <a:schemeClr val="lt1"/>
+                </a:solidFill>
+                <a:latin typeface="Courier New"/>
+                <a:ea typeface="Courier New"/>
+                <a:cs typeface="Courier New"/>
+                <a:sym typeface="Courier New"/>
+              </a:rPr>
+              <a:t>')</a:t>
             </a:r>
           </a:p>
           <a:p>
@@ -9420,7 +9933,7 @@
               <a:buNone/>
             </a:pPr>
             <a:r>
-              <a:rPr lang="en-US" sz="2400" b="1" i="0" u="none" strike="noStrike" cap="none">
+              <a:rPr lang="en-US" sz="2400" b="1" i="0" u="none" strike="noStrike" cap="none" dirty="0">
                 <a:solidFill>
                   <a:srgbClr val="FFFF00"/>
                 </a:solidFill>
@@ -9432,7 +9945,7 @@
               <a:t>for</a:t>
             </a:r>
             <a:r>
-              <a:rPr lang="en-US" sz="2400" b="1" i="0" u="none" strike="noStrike" cap="none">
+              <a:rPr lang="en-US" sz="2400" b="1" i="0" u="none" strike="noStrike" cap="none" dirty="0">
                 <a:solidFill>
                   <a:schemeClr val="lt1"/>
                 </a:solidFill>
@@ -9444,7 +9957,7 @@
               <a:t> </a:t>
             </a:r>
             <a:r>
-              <a:rPr lang="en-US" sz="2400" b="1" i="0" u="none" strike="noStrike" cap="none">
+              <a:rPr lang="en-US" sz="2400" b="1" i="0" u="none" strike="noStrike" cap="none" dirty="0">
                 <a:solidFill>
                   <a:srgbClr val="00FF00"/>
                 </a:solidFill>
@@ -9456,7 +9969,7 @@
               <a:t>line</a:t>
             </a:r>
             <a:r>
-              <a:rPr lang="en-US" sz="2400" b="1" i="0" u="none" strike="noStrike" cap="none">
+              <a:rPr lang="en-US" sz="2400" b="1" i="0" u="none" strike="noStrike" cap="none" dirty="0">
                 <a:solidFill>
                   <a:schemeClr val="lt1"/>
                 </a:solidFill>
@@ -9468,7 +9981,7 @@
               <a:t> </a:t>
             </a:r>
             <a:r>
-              <a:rPr lang="en-US" sz="2400" b="1" i="0" u="none" strike="noStrike" cap="none">
+              <a:rPr lang="en-US" sz="2400" b="1" i="0" u="none" strike="noStrike" cap="none" dirty="0">
                 <a:solidFill>
                   <a:srgbClr val="FFFF00"/>
                 </a:solidFill>
@@ -9480,7 +9993,7 @@
               <a:t>in</a:t>
             </a:r>
             <a:r>
-              <a:rPr lang="en-US" sz="2400" b="1" i="0" u="none" strike="noStrike" cap="none">
+              <a:rPr lang="en-US" sz="2400" b="1" i="0" u="none" strike="noStrike" cap="none" dirty="0">
                 <a:solidFill>
                   <a:schemeClr val="lt1"/>
                 </a:solidFill>
@@ -9492,7 +10005,7 @@
               <a:t> </a:t>
             </a:r>
             <a:r>
-              <a:rPr lang="en-US" sz="2400" b="1" i="0" u="none" strike="noStrike" cap="none">
+              <a:rPr lang="en-US" sz="2400" b="1" i="0" u="none" strike="noStrike" cap="none" dirty="0" err="1">
                 <a:solidFill>
                   <a:srgbClr val="00FF00"/>
                 </a:solidFill>
@@ -9504,7 +10017,7 @@
               <a:t>fhand</a:t>
             </a:r>
             <a:r>
-              <a:rPr lang="en-US" sz="2400" b="1" i="0" u="none" strike="noStrike" cap="none">
+              <a:rPr lang="en-US" sz="2400" b="1" i="0" u="none" strike="noStrike" cap="none" dirty="0">
                 <a:solidFill>
                   <a:schemeClr val="lt1"/>
                 </a:solidFill>
@@ -9535,7 +10048,7 @@
               <a:buNone/>
             </a:pPr>
             <a:r>
-              <a:rPr lang="en-US" sz="2400" b="1">
+              <a:rPr lang="en-US" sz="2400" b="1" dirty="0">
                 <a:solidFill>
                   <a:schemeClr val="lt1"/>
                 </a:solidFill>
@@ -9547,7 +10060,7 @@
               <a:t>    </a:t>
             </a:r>
             <a:r>
-              <a:rPr lang="en-US" sz="2400" b="1" i="0" u="none" strike="noStrike" cap="none">
+              <a:rPr lang="en-US" sz="2400" b="1" i="0" u="none" strike="noStrike" cap="none" dirty="0">
                 <a:solidFill>
                   <a:srgbClr val="00FF00"/>
                 </a:solidFill>
@@ -9559,7 +10072,7 @@
               <a:t>line</a:t>
             </a:r>
             <a:r>
-              <a:rPr lang="en-US" sz="2400" b="1" i="0" u="none" strike="noStrike" cap="none">
+              <a:rPr lang="en-US" sz="2400" b="1" i="0" u="none" strike="noStrike" cap="none" dirty="0">
                 <a:solidFill>
                   <a:schemeClr val="lt1"/>
                 </a:solidFill>
@@ -9571,7 +10084,7 @@
               <a:t> = </a:t>
             </a:r>
             <a:r>
-              <a:rPr lang="en-US" sz="2400" b="1" i="0" u="none" strike="noStrike" cap="none">
+              <a:rPr lang="en-US" sz="2400" b="1" i="0" u="none" strike="noStrike" cap="none" dirty="0" err="1">
                 <a:solidFill>
                   <a:srgbClr val="00FF00"/>
                 </a:solidFill>
@@ -9583,7 +10096,7 @@
               <a:t>line</a:t>
             </a:r>
             <a:r>
-              <a:rPr lang="en-US" sz="2400" b="1" i="0" u="none" strike="noStrike" cap="none">
+              <a:rPr lang="en-US" sz="2400" b="1" i="0" u="none" strike="noStrike" cap="none" dirty="0" err="1">
                 <a:solidFill>
                   <a:srgbClr val="FF7F00"/>
                 </a:solidFill>
@@ -9595,7 +10108,7 @@
               <a:t>.rstrip</a:t>
             </a:r>
             <a:r>
-              <a:rPr lang="en-US" sz="2400" b="1" i="0" u="none" strike="noStrike" cap="none">
+              <a:rPr lang="en-US" sz="2400" b="1" i="0" u="none" strike="noStrike" cap="none" dirty="0">
                 <a:solidFill>
                   <a:schemeClr val="lt1"/>
                 </a:solidFill>
@@ -9626,7 +10139,7 @@
               <a:buNone/>
             </a:pPr>
             <a:r>
-              <a:rPr lang="en-US" sz="2400" b="1" i="0" u="none" strike="noStrike" cap="none">
+              <a:rPr lang="en-US" sz="2400" b="1" i="0" u="none" strike="noStrike" cap="none" dirty="0">
                 <a:solidFill>
                   <a:schemeClr val="lt1"/>
                 </a:solidFill>
@@ -9638,7 +10151,7 @@
               <a:t>    </a:t>
             </a:r>
             <a:r>
-              <a:rPr lang="en-US" sz="2400" b="1" i="0" u="none" strike="noStrike" cap="none">
+              <a:rPr lang="en-US" sz="2400" b="1" i="0" u="none" strike="noStrike" cap="none" dirty="0">
                 <a:solidFill>
                   <a:srgbClr val="FFFF00"/>
                 </a:solidFill>
@@ -9650,7 +10163,7 @@
               <a:t>if</a:t>
             </a:r>
             <a:r>
-              <a:rPr lang="en-US" sz="2400" b="1" i="0" u="none" strike="noStrike" cap="none">
+              <a:rPr lang="en-US" sz="2400" b="1" i="0" u="none" strike="noStrike" cap="none" dirty="0">
                 <a:solidFill>
                   <a:schemeClr val="lt1"/>
                 </a:solidFill>
@@ -9662,7 +10175,7 @@
               <a:t> </a:t>
             </a:r>
             <a:r>
-              <a:rPr lang="en-US" sz="2400" b="1" i="0" u="none" strike="noStrike" cap="none">
+              <a:rPr lang="en-US" sz="2400" b="1" i="0" u="none" strike="noStrike" cap="none" dirty="0" err="1">
                 <a:solidFill>
                   <a:srgbClr val="00FF00"/>
                 </a:solidFill>
@@ -9674,7 +10187,7 @@
               <a:t>line</a:t>
             </a:r>
             <a:r>
-              <a:rPr lang="en-US" sz="2400" b="1" i="0" u="none" strike="noStrike" cap="none">
+              <a:rPr lang="en-US" sz="2400" b="1" i="0" u="none" strike="noStrike" cap="none" dirty="0" err="1">
                 <a:solidFill>
                   <a:srgbClr val="FF00FF"/>
                 </a:solidFill>
@@ -9686,7 +10199,7 @@
               <a:t>.startswith</a:t>
             </a:r>
             <a:r>
-              <a:rPr lang="en-US" sz="2400" b="1" i="0" u="none" strike="noStrike" cap="none">
+              <a:rPr lang="en-US" sz="2400" b="1" i="0" u="none" strike="noStrike" cap="none" dirty="0">
                 <a:solidFill>
                   <a:schemeClr val="lt1"/>
                 </a:solidFill>
@@ -9717,7 +10230,7 @@
               <a:buNone/>
             </a:pPr>
             <a:r>
-              <a:rPr lang="en-US" sz="2400" b="1" i="0" u="none" strike="noStrike" cap="none">
+              <a:rPr lang="en-US" sz="2400" b="1" i="0" u="none" strike="noStrike" cap="none" dirty="0">
                 <a:solidFill>
                   <a:schemeClr val="lt1"/>
                 </a:solidFill>
@@ -9729,7 +10242,7 @@
               <a:t>    </a:t>
             </a:r>
             <a:r>
-              <a:rPr lang="en-US" sz="2400" b="1">
+              <a:rPr lang="en-US" sz="2400" b="1" dirty="0">
                 <a:solidFill>
                   <a:schemeClr val="lt1"/>
                 </a:solidFill>
@@ -9741,7 +10254,7 @@
               <a:t>    </a:t>
             </a:r>
             <a:r>
-              <a:rPr lang="en-US" sz="2400" b="1" i="0" u="none" strike="noStrike" cap="none">
+              <a:rPr lang="en-US" sz="2400" b="1" i="0" u="none" strike="noStrike" cap="none" dirty="0" smtClean="0">
                 <a:solidFill>
                   <a:srgbClr val="FFFF00"/>
                 </a:solidFill>
@@ -9753,19 +10266,19 @@
               <a:t>print</a:t>
             </a:r>
             <a:r>
-              <a:rPr lang="en-US" sz="2400" b="1" i="0" u="none" strike="noStrike" cap="none">
-                <a:solidFill>
-                  <a:schemeClr val="lt1"/>
-                </a:solidFill>
-                <a:latin typeface="Courier New"/>
-                <a:ea typeface="Courier New"/>
-                <a:cs typeface="Courier New"/>
-                <a:sym typeface="Courier New"/>
-              </a:rPr>
-              <a:t> </a:t>
-            </a:r>
-            <a:r>
-              <a:rPr lang="en-US" sz="2400" b="1" i="0" u="none" strike="noStrike" cap="none">
+              <a:rPr lang="en-US" sz="2400" b="1" dirty="0" smtClean="0">
+                <a:solidFill>
+                  <a:schemeClr val="lt1"/>
+                </a:solidFill>
+                <a:latin typeface="Courier New"/>
+                <a:ea typeface="Courier New"/>
+                <a:cs typeface="Courier New"/>
+                <a:sym typeface="Courier New"/>
+              </a:rPr>
+              <a:t>(</a:t>
+            </a:r>
+            <a:r>
+              <a:rPr lang="en-US" sz="2400" b="1" i="0" u="none" strike="noStrike" cap="none" dirty="0" smtClean="0">
                 <a:solidFill>
                   <a:srgbClr val="00FF00"/>
                 </a:solidFill>
@@ -9776,6 +10289,27 @@
               </a:rPr>
               <a:t>line</a:t>
             </a:r>
+            <a:r>
+              <a:rPr lang="en-US" sz="2400" b="1" i="0" u="none" strike="noStrike" cap="none" dirty="0" smtClean="0">
+                <a:solidFill>
+                  <a:schemeClr val="bg1"/>
+                </a:solidFill>
+                <a:latin typeface="Courier New"/>
+                <a:ea typeface="Courier New"/>
+                <a:cs typeface="Courier New"/>
+                <a:sym typeface="Courier New"/>
+              </a:rPr>
+              <a:t>)</a:t>
+            </a:r>
+            <a:endParaRPr lang="en-US" sz="2400" b="1" i="0" u="none" strike="noStrike" cap="none" dirty="0">
+              <a:solidFill>
+                <a:schemeClr val="bg1"/>
+              </a:solidFill>
+              <a:latin typeface="Courier New"/>
+              <a:ea typeface="Courier New"/>
+              <a:cs typeface="Courier New"/>
+              <a:sym typeface="Courier New"/>
+            </a:endParaRPr>
           </a:p>
         </p:txBody>
       </p:sp>
@@ -10053,6 +10587,10 @@
           </p:nvPr>
         </p:nvSpPr>
         <p:spPr>
+          <a:xfrm>
+            <a:off x="1155700" y="2603500"/>
+            <a:ext cx="5245100" cy="5702399"/>
+          </a:xfrm>
           <a:prstGeom prst="rect">
             <a:avLst/>
           </a:prstGeom>
@@ -10151,7 +10689,7 @@
         </p:nvSpPr>
         <p:spPr>
           <a:xfrm>
-            <a:off x="6534225" y="2540000"/>
+            <a:off x="6948562" y="2539899"/>
             <a:ext cx="8860199" cy="3324300"/>
           </a:xfrm>
           <a:prstGeom prst="rect">
@@ -10186,7 +10724,7 @@
               <a:buNone/>
             </a:pPr>
             <a:r>
-              <a:rPr lang="en-US" sz="3000" b="1" i="0" u="none" strike="noStrike" cap="none">
+              <a:rPr lang="en-US" sz="3000" b="1" i="0" u="none" strike="noStrike" cap="none" dirty="0" err="1">
                 <a:solidFill>
                   <a:srgbClr val="00FF00"/>
                 </a:solidFill>
@@ -10198,7 +10736,7 @@
               <a:t>fhand</a:t>
             </a:r>
             <a:r>
-              <a:rPr lang="en-US" sz="3000" b="1" i="0" u="none" strike="noStrike" cap="none">
+              <a:rPr lang="en-US" sz="3000" b="1" i="0" u="none" strike="noStrike" cap="none" dirty="0">
                 <a:solidFill>
                   <a:schemeClr val="lt1"/>
                 </a:solidFill>
@@ -10210,7 +10748,7 @@
               <a:t> = </a:t>
             </a:r>
             <a:r>
-              <a:rPr lang="en-US" sz="3000" b="1" i="0" u="none" strike="noStrike" cap="none">
+              <a:rPr lang="en-US" sz="3000" b="1" i="0" u="none" strike="noStrike" cap="none" dirty="0">
                 <a:solidFill>
                   <a:srgbClr val="00FF00"/>
                 </a:solidFill>
@@ -10222,16 +10760,40 @@
               <a:t>open</a:t>
             </a:r>
             <a:r>
-              <a:rPr lang="en-US" sz="3000" b="1" i="0" u="none" strike="noStrike" cap="none">
-                <a:solidFill>
-                  <a:schemeClr val="lt1"/>
-                </a:solidFill>
-                <a:latin typeface="Courier New"/>
-                <a:ea typeface="Courier New"/>
-                <a:cs typeface="Courier New"/>
-                <a:sym typeface="Courier New"/>
-              </a:rPr>
-              <a:t>('mbox-short.txt')</a:t>
+              <a:rPr lang="en-US" sz="3000" b="1" i="0" u="none" strike="noStrike" cap="none" dirty="0">
+                <a:solidFill>
+                  <a:schemeClr val="lt1"/>
+                </a:solidFill>
+                <a:latin typeface="Courier New"/>
+                <a:ea typeface="Courier New"/>
+                <a:cs typeface="Courier New"/>
+                <a:sym typeface="Courier New"/>
+              </a:rPr>
+              <a:t>('</a:t>
+            </a:r>
+            <a:r>
+              <a:rPr lang="en-US" sz="3000" b="1" i="0" u="none" strike="noStrike" cap="none" dirty="0" err="1">
+                <a:solidFill>
+                  <a:schemeClr val="lt1"/>
+                </a:solidFill>
+                <a:latin typeface="Courier New"/>
+                <a:ea typeface="Courier New"/>
+                <a:cs typeface="Courier New"/>
+                <a:sym typeface="Courier New"/>
+              </a:rPr>
+              <a:t>mbox-short.txt</a:t>
+            </a:r>
+            <a:r>
+              <a:rPr lang="en-US" sz="3000" b="1" i="0" u="none" strike="noStrike" cap="none" dirty="0">
+                <a:solidFill>
+                  <a:schemeClr val="lt1"/>
+                </a:solidFill>
+                <a:latin typeface="Courier New"/>
+                <a:ea typeface="Courier New"/>
+                <a:cs typeface="Courier New"/>
+                <a:sym typeface="Courier New"/>
+              </a:rPr>
+              <a:t>')</a:t>
             </a:r>
           </a:p>
           <a:p>
@@ -10253,7 +10815,7 @@
               <a:buNone/>
             </a:pPr>
             <a:r>
-              <a:rPr lang="en-US" sz="3000" b="1" i="0" u="none" strike="noStrike" cap="none">
+              <a:rPr lang="en-US" sz="3000" b="1" i="0" u="none" strike="noStrike" cap="none" dirty="0">
                 <a:solidFill>
                   <a:srgbClr val="FFFF00"/>
                 </a:solidFill>
@@ -10265,7 +10827,7 @@
               <a:t>for</a:t>
             </a:r>
             <a:r>
-              <a:rPr lang="en-US" sz="3000" b="1" i="0" u="none" strike="noStrike" cap="none">
+              <a:rPr lang="en-US" sz="3000" b="1" i="0" u="none" strike="noStrike" cap="none" dirty="0">
                 <a:solidFill>
                   <a:schemeClr val="lt1"/>
                 </a:solidFill>
@@ -10277,7 +10839,7 @@
               <a:t> </a:t>
             </a:r>
             <a:r>
-              <a:rPr lang="en-US" sz="3000" b="1" i="0" u="none" strike="noStrike" cap="none">
+              <a:rPr lang="en-US" sz="3000" b="1" i="0" u="none" strike="noStrike" cap="none" dirty="0">
                 <a:solidFill>
                   <a:srgbClr val="00FF00"/>
                 </a:solidFill>
@@ -10289,7 +10851,7 @@
               <a:t>line</a:t>
             </a:r>
             <a:r>
-              <a:rPr lang="en-US" sz="3000" b="1" i="0" u="none" strike="noStrike" cap="none">
+              <a:rPr lang="en-US" sz="3000" b="1" i="0" u="none" strike="noStrike" cap="none" dirty="0">
                 <a:solidFill>
                   <a:schemeClr val="lt1"/>
                 </a:solidFill>
@@ -10301,7 +10863,7 @@
               <a:t> </a:t>
             </a:r>
             <a:r>
-              <a:rPr lang="en-US" sz="3000" b="1" i="0" u="none" strike="noStrike" cap="none">
+              <a:rPr lang="en-US" sz="3000" b="1" i="0" u="none" strike="noStrike" cap="none" dirty="0">
                 <a:solidFill>
                   <a:srgbClr val="FFFF00"/>
                 </a:solidFill>
@@ -10313,7 +10875,7 @@
               <a:t>in</a:t>
             </a:r>
             <a:r>
-              <a:rPr lang="en-US" sz="3000" b="1" i="0" u="none" strike="noStrike" cap="none">
+              <a:rPr lang="en-US" sz="3000" b="1" i="0" u="none" strike="noStrike" cap="none" dirty="0">
                 <a:solidFill>
                   <a:schemeClr val="lt1"/>
                 </a:solidFill>
@@ -10325,7 +10887,7 @@
               <a:t> </a:t>
             </a:r>
             <a:r>
-              <a:rPr lang="en-US" sz="3000" b="1" i="0" u="none" strike="noStrike" cap="none">
+              <a:rPr lang="en-US" sz="3000" b="1" i="0" u="none" strike="noStrike" cap="none" dirty="0" err="1">
                 <a:solidFill>
                   <a:srgbClr val="00FF00"/>
                 </a:solidFill>
@@ -10337,7 +10899,7 @@
               <a:t>fhand</a:t>
             </a:r>
             <a:r>
-              <a:rPr lang="en-US" sz="3000" b="1" i="0" u="none" strike="noStrike" cap="none">
+              <a:rPr lang="en-US" sz="3000" b="1" i="0" u="none" strike="noStrike" cap="none" dirty="0">
                 <a:solidFill>
                   <a:schemeClr val="lt1"/>
                 </a:solidFill>
@@ -10368,7 +10930,7 @@
               <a:buNone/>
             </a:pPr>
             <a:r>
-              <a:rPr lang="en-US" sz="3000" b="1" i="0" u="none" strike="noStrike" cap="none">
+              <a:rPr lang="en-US" sz="3000" b="1" i="0" u="none" strike="noStrike" cap="none" dirty="0">
                 <a:solidFill>
                   <a:schemeClr val="lt1"/>
                 </a:solidFill>
@@ -10380,7 +10942,7 @@
               <a:t>    </a:t>
             </a:r>
             <a:r>
-              <a:rPr lang="en-US" sz="3000" b="1" i="0" u="none" strike="noStrike" cap="none">
+              <a:rPr lang="en-US" sz="3000" b="1" i="0" u="none" strike="noStrike" cap="none" dirty="0">
                 <a:solidFill>
                   <a:srgbClr val="00FF00"/>
                 </a:solidFill>
@@ -10392,7 +10954,7 @@
               <a:t>line</a:t>
             </a:r>
             <a:r>
-              <a:rPr lang="en-US" sz="3000" b="1" i="0" u="none" strike="noStrike" cap="none">
+              <a:rPr lang="en-US" sz="3000" b="1" i="0" u="none" strike="noStrike" cap="none" dirty="0">
                 <a:solidFill>
                   <a:schemeClr val="lt1"/>
                 </a:solidFill>
@@ -10404,7 +10966,7 @@
               <a:t> = </a:t>
             </a:r>
             <a:r>
-              <a:rPr lang="en-US" sz="3000" b="1" i="0" u="none" strike="noStrike" cap="none">
+              <a:rPr lang="en-US" sz="3000" b="1" i="0" u="none" strike="noStrike" cap="none" dirty="0" err="1">
                 <a:solidFill>
                   <a:srgbClr val="00FF00"/>
                 </a:solidFill>
@@ -10416,7 +10978,7 @@
               <a:t>line</a:t>
             </a:r>
             <a:r>
-              <a:rPr lang="en-US" sz="3000" b="1" i="0" u="none" strike="noStrike" cap="none">
+              <a:rPr lang="en-US" sz="3000" b="1" i="0" u="none" strike="noStrike" cap="none" dirty="0" err="1">
                 <a:solidFill>
                   <a:srgbClr val="FF00FF"/>
                 </a:solidFill>
@@ -10428,7 +10990,7 @@
               <a:t>.rstrip</a:t>
             </a:r>
             <a:r>
-              <a:rPr lang="en-US" sz="3000" b="1" i="0" u="none" strike="noStrike" cap="none">
+              <a:rPr lang="en-US" sz="3000" b="1" i="0" u="none" strike="noStrike" cap="none" dirty="0">
                 <a:solidFill>
                   <a:schemeClr val="lt1"/>
                 </a:solidFill>
@@ -10459,7 +11021,7 @@
               <a:buNone/>
             </a:pPr>
             <a:r>
-              <a:rPr lang="en-US" sz="3000" b="1" i="0" u="none" strike="noStrike" cap="none">
+              <a:rPr lang="en-US" sz="3000" b="1" i="0" u="none" strike="noStrike" cap="none" dirty="0">
                 <a:solidFill>
                   <a:schemeClr val="lt1"/>
                 </a:solidFill>
@@ -10471,7 +11033,7 @@
               <a:t>    </a:t>
             </a:r>
             <a:r>
-              <a:rPr lang="en-US" sz="3000" b="1" i="0" u="none" strike="noStrike" cap="none">
+              <a:rPr lang="en-US" sz="3000" b="1" i="0" u="none" strike="noStrike" cap="none" dirty="0">
                 <a:solidFill>
                   <a:srgbClr val="FFFF00"/>
                 </a:solidFill>
@@ -10483,7 +11045,7 @@
               <a:t>if</a:t>
             </a:r>
             <a:r>
-              <a:rPr lang="en-US" sz="3000" b="1" i="0" u="none" strike="noStrike" cap="none">
+              <a:rPr lang="en-US" sz="3000" b="1" i="0" u="none" strike="noStrike" cap="none" dirty="0">
                 <a:solidFill>
                   <a:schemeClr val="lt1"/>
                 </a:solidFill>
@@ -10495,7 +11057,7 @@
               <a:t> </a:t>
             </a:r>
             <a:r>
-              <a:rPr lang="en-US" sz="3000" b="1" i="0" u="none" strike="noStrike" cap="none">
+              <a:rPr lang="en-US" sz="3000" b="1" i="0" u="none" strike="noStrike" cap="none" dirty="0">
                 <a:solidFill>
                   <a:srgbClr val="FFFF00"/>
                 </a:solidFill>
@@ -10507,7 +11069,7 @@
               <a:t>not</a:t>
             </a:r>
             <a:r>
-              <a:rPr lang="en-US" sz="3000" b="1" i="0" u="none" strike="noStrike" cap="none">
+              <a:rPr lang="en-US" sz="3000" b="1" i="0" u="none" strike="noStrike" cap="none" dirty="0">
                 <a:solidFill>
                   <a:schemeClr val="lt1"/>
                 </a:solidFill>
@@ -10519,7 +11081,7 @@
               <a:t> </a:t>
             </a:r>
             <a:r>
-              <a:rPr lang="en-US" sz="3000" b="1" i="0" u="none" strike="noStrike" cap="none">
+              <a:rPr lang="en-US" sz="3000" b="1" i="0" u="none" strike="noStrike" cap="none" dirty="0" err="1">
                 <a:solidFill>
                   <a:srgbClr val="00FF00"/>
                 </a:solidFill>
@@ -10531,7 +11093,7 @@
               <a:t>line</a:t>
             </a:r>
             <a:r>
-              <a:rPr lang="en-US" sz="3000" b="1" i="0" u="none" strike="noStrike" cap="none">
+              <a:rPr lang="en-US" sz="3000" b="1" i="0" u="none" strike="noStrike" cap="none" dirty="0" err="1">
                 <a:solidFill>
                   <a:srgbClr val="FF00FF"/>
                 </a:solidFill>
@@ -10543,7 +11105,7 @@
               <a:t>.startswith</a:t>
             </a:r>
             <a:r>
-              <a:rPr lang="en-US" sz="3000" b="1" i="0" u="none" strike="noStrike" cap="none">
+              <a:rPr lang="en-US" sz="3000" b="1" i="0" u="none" strike="noStrike" cap="none" dirty="0">
                 <a:solidFill>
                   <a:schemeClr val="lt1"/>
                 </a:solidFill>
@@ -10574,7 +11136,7 @@
               <a:buNone/>
             </a:pPr>
             <a:r>
-              <a:rPr lang="en-US" sz="3000" b="1" i="0" u="none" strike="noStrike" cap="none">
+              <a:rPr lang="en-US" sz="3000" b="1" i="0" u="none" strike="noStrike" cap="none" dirty="0">
                 <a:solidFill>
                   <a:schemeClr val="lt1"/>
                 </a:solidFill>
@@ -10586,7 +11148,7 @@
               <a:t>    </a:t>
             </a:r>
             <a:r>
-              <a:rPr lang="en-US" sz="3000" b="1">
+              <a:rPr lang="en-US" sz="3000" b="1" dirty="0">
                 <a:solidFill>
                   <a:schemeClr val="lt1"/>
                 </a:solidFill>
@@ -10598,7 +11160,7 @@
               <a:t>    </a:t>
             </a:r>
             <a:r>
-              <a:rPr lang="en-US" sz="3000" b="1" i="0" u="none" strike="noStrike" cap="none">
+              <a:rPr lang="en-US" sz="3000" b="1" i="0" u="none" strike="noStrike" cap="none" dirty="0">
                 <a:solidFill>
                   <a:srgbClr val="FFFF00"/>
                 </a:solidFill>
@@ -10611,25 +11173,14 @@
             </a:r>
           </a:p>
           <a:p>
-            <a:pPr marL="0" marR="0" lvl="0" indent="0" algn="l" rtl="0">
-              <a:lnSpc>
-                <a:spcPct val="100000"/>
-              </a:lnSpc>
-              <a:spcBef>
-                <a:spcPts val="0"/>
-              </a:spcBef>
-              <a:spcAft>
-                <a:spcPts val="0"/>
-              </a:spcAft>
+            <a:pPr>
               <a:buClr>
                 <a:schemeClr val="lt1"/>
               </a:buClr>
               <a:buSzPct val="25000"/>
-              <a:buFont typeface="Cabin"/>
-              <a:buNone/>
-            </a:pPr>
-            <a:r>
-              <a:rPr lang="en-US" sz="3000" b="1" i="0" u="none" strike="noStrike" cap="none">
+            </a:pPr>
+            <a:r>
+              <a:rPr lang="en-US" sz="3000" b="1" i="0" u="none" strike="noStrike" cap="none" dirty="0">
                 <a:solidFill>
                   <a:schemeClr val="lt1"/>
                 </a:solidFill>
@@ -10641,7 +11192,7 @@
               <a:t>    </a:t>
             </a:r>
             <a:r>
-              <a:rPr lang="en-US" sz="3000" b="1" i="0" u="none" strike="noStrike" cap="none">
+              <a:rPr lang="en-US" sz="3000" b="1" i="0" u="none" strike="noStrike" cap="none" dirty="0" smtClean="0">
                 <a:solidFill>
                   <a:srgbClr val="FFFF00"/>
                 </a:solidFill>
@@ -10653,19 +11204,19 @@
               <a:t>print</a:t>
             </a:r>
             <a:r>
-              <a:rPr lang="en-US" sz="3000" b="1" i="0" u="none" strike="noStrike" cap="none">
-                <a:solidFill>
-                  <a:schemeClr val="lt1"/>
-                </a:solidFill>
-                <a:latin typeface="Courier New"/>
-                <a:ea typeface="Courier New"/>
-                <a:cs typeface="Courier New"/>
-                <a:sym typeface="Courier New"/>
-              </a:rPr>
-              <a:t> </a:t>
-            </a:r>
-            <a:r>
-              <a:rPr lang="en-US" sz="3000" b="1" i="0" u="none" strike="noStrike" cap="none">
+              <a:rPr lang="en-US" sz="3000" b="1" dirty="0" smtClean="0">
+                <a:solidFill>
+                  <a:schemeClr val="lt1"/>
+                </a:solidFill>
+                <a:latin typeface="Courier New"/>
+                <a:ea typeface="Courier New"/>
+                <a:cs typeface="Courier New"/>
+                <a:sym typeface="Courier New"/>
+              </a:rPr>
+              <a:t>(</a:t>
+            </a:r>
+            <a:r>
+              <a:rPr lang="en-US" sz="3000" b="1" i="0" u="none" strike="noStrike" cap="none" dirty="0" smtClean="0">
                 <a:solidFill>
                   <a:srgbClr val="00FF00"/>
                 </a:solidFill>
@@ -10676,6 +11227,27 @@
               </a:rPr>
               <a:t>line</a:t>
             </a:r>
+            <a:r>
+              <a:rPr lang="en-US" sz="3000" b="1" dirty="0" smtClean="0">
+                <a:solidFill>
+                  <a:schemeClr val="lt1"/>
+                </a:solidFill>
+                <a:latin typeface="Courier New"/>
+                <a:ea typeface="Courier New"/>
+                <a:cs typeface="Courier New"/>
+                <a:sym typeface="Courier New"/>
+              </a:rPr>
+              <a:t>)</a:t>
+            </a:r>
+            <a:endParaRPr lang="en-US" sz="3000" b="1" dirty="0">
+              <a:solidFill>
+                <a:schemeClr val="lt1"/>
+              </a:solidFill>
+              <a:latin typeface="Courier New"/>
+              <a:ea typeface="Courier New"/>
+              <a:cs typeface="Courier New"/>
+              <a:sym typeface="Courier New"/>
+            </a:endParaRPr>
           </a:p>
         </p:txBody>
       </p:sp>
@@ -10687,7 +11259,7 @@
         </p:nvCxnSpPr>
         <p:spPr>
           <a:xfrm>
-            <a:off x="10733375" y="4944575"/>
+            <a:off x="10967786" y="4916000"/>
             <a:ext cx="896999" cy="0"/>
           </a:xfrm>
           <a:prstGeom prst="straightConnector1">
@@ -10834,6 +11406,10 @@
           </p:nvPr>
         </p:nvSpPr>
         <p:spPr>
+          <a:xfrm>
+            <a:off x="1155700" y="2603500"/>
+            <a:ext cx="6488113" cy="1839913"/>
+          </a:xfrm>
           <a:prstGeom prst="rect">
             <a:avLst/>
           </a:prstGeom>
@@ -10971,7 +11547,7 @@
               <a:buNone/>
             </a:pPr>
             <a:r>
-              <a:rPr lang="en-US" sz="2400" b="1" i="0" u="none" strike="noStrike" cap="none">
+              <a:rPr lang="en-US" sz="2400" b="1" i="0" u="none" strike="noStrike" cap="none" dirty="0" err="1">
                 <a:solidFill>
                   <a:srgbClr val="00FF00"/>
                 </a:solidFill>
@@ -10983,7 +11559,7 @@
               <a:t>fhand</a:t>
             </a:r>
             <a:r>
-              <a:rPr lang="en-US" sz="2400" b="1" i="0" u="none" strike="noStrike" cap="none">
+              <a:rPr lang="en-US" sz="2400" b="1" i="0" u="none" strike="noStrike" cap="none" dirty="0">
                 <a:solidFill>
                   <a:schemeClr val="lt1"/>
                 </a:solidFill>
@@ -10995,7 +11571,7 @@
               <a:t> = </a:t>
             </a:r>
             <a:r>
-              <a:rPr lang="en-US" sz="2400" b="1" i="0" u="none" strike="noStrike" cap="none">
+              <a:rPr lang="en-US" sz="2400" b="1" i="0" u="none" strike="noStrike" cap="none" dirty="0">
                 <a:solidFill>
                   <a:srgbClr val="FF00FF"/>
                 </a:solidFill>
@@ -11007,16 +11583,40 @@
               <a:t>open</a:t>
             </a:r>
             <a:r>
-              <a:rPr lang="en-US" sz="2400" b="1" i="0" u="none" strike="noStrike" cap="none">
-                <a:solidFill>
-                  <a:schemeClr val="lt1"/>
-                </a:solidFill>
-                <a:latin typeface="Courier New"/>
-                <a:ea typeface="Courier New"/>
-                <a:cs typeface="Courier New"/>
-                <a:sym typeface="Courier New"/>
-              </a:rPr>
-              <a:t>('mbox-short.txt')</a:t>
+              <a:rPr lang="en-US" sz="2400" b="1" i="0" u="none" strike="noStrike" cap="none" dirty="0">
+                <a:solidFill>
+                  <a:schemeClr val="lt1"/>
+                </a:solidFill>
+                <a:latin typeface="Courier New"/>
+                <a:ea typeface="Courier New"/>
+                <a:cs typeface="Courier New"/>
+                <a:sym typeface="Courier New"/>
+              </a:rPr>
+              <a:t>('</a:t>
+            </a:r>
+            <a:r>
+              <a:rPr lang="en-US" sz="2400" b="1" i="0" u="none" strike="noStrike" cap="none" dirty="0" err="1">
+                <a:solidFill>
+                  <a:schemeClr val="lt1"/>
+                </a:solidFill>
+                <a:latin typeface="Courier New"/>
+                <a:ea typeface="Courier New"/>
+                <a:cs typeface="Courier New"/>
+                <a:sym typeface="Courier New"/>
+              </a:rPr>
+              <a:t>mbox-short.txt</a:t>
+            </a:r>
+            <a:r>
+              <a:rPr lang="en-US" sz="2400" b="1" i="0" u="none" strike="noStrike" cap="none" dirty="0">
+                <a:solidFill>
+                  <a:schemeClr val="lt1"/>
+                </a:solidFill>
+                <a:latin typeface="Courier New"/>
+                <a:ea typeface="Courier New"/>
+                <a:cs typeface="Courier New"/>
+                <a:sym typeface="Courier New"/>
+              </a:rPr>
+              <a:t>')</a:t>
             </a:r>
           </a:p>
           <a:p>
@@ -11038,7 +11638,7 @@
               <a:buNone/>
             </a:pPr>
             <a:r>
-              <a:rPr lang="en-US" sz="2400" b="1" i="0" u="none" strike="noStrike" cap="none">
+              <a:rPr lang="en-US" sz="2400" b="1" i="0" u="none" strike="noStrike" cap="none" dirty="0">
                 <a:solidFill>
                   <a:srgbClr val="FFFF00"/>
                 </a:solidFill>
@@ -11050,7 +11650,7 @@
               <a:t>for</a:t>
             </a:r>
             <a:r>
-              <a:rPr lang="en-US" sz="2400" b="1" i="0" u="none" strike="noStrike" cap="none">
+              <a:rPr lang="en-US" sz="2400" b="1" i="0" u="none" strike="noStrike" cap="none" dirty="0">
                 <a:solidFill>
                   <a:schemeClr val="lt1"/>
                 </a:solidFill>
@@ -11062,7 +11662,7 @@
               <a:t> </a:t>
             </a:r>
             <a:r>
-              <a:rPr lang="en-US" sz="2400" b="1" i="0" u="none" strike="noStrike" cap="none">
+              <a:rPr lang="en-US" sz="2400" b="1" i="0" u="none" strike="noStrike" cap="none" dirty="0">
                 <a:solidFill>
                   <a:srgbClr val="00FF00"/>
                 </a:solidFill>
@@ -11074,7 +11674,7 @@
               <a:t>line</a:t>
             </a:r>
             <a:r>
-              <a:rPr lang="en-US" sz="2400" b="1" i="0" u="none" strike="noStrike" cap="none">
+              <a:rPr lang="en-US" sz="2400" b="1" i="0" u="none" strike="noStrike" cap="none" dirty="0">
                 <a:solidFill>
                   <a:schemeClr val="lt1"/>
                 </a:solidFill>
@@ -11086,7 +11686,7 @@
               <a:t> </a:t>
             </a:r>
             <a:r>
-              <a:rPr lang="en-US" sz="2400" b="1" i="0" u="none" strike="noStrike" cap="none">
+              <a:rPr lang="en-US" sz="2400" b="1" i="0" u="none" strike="noStrike" cap="none" dirty="0">
                 <a:solidFill>
                   <a:srgbClr val="FFFF00"/>
                 </a:solidFill>
@@ -11098,7 +11698,7 @@
               <a:t>in</a:t>
             </a:r>
             <a:r>
-              <a:rPr lang="en-US" sz="2400" b="1" i="0" u="none" strike="noStrike" cap="none">
+              <a:rPr lang="en-US" sz="2400" b="1" i="0" u="none" strike="noStrike" cap="none" dirty="0">
                 <a:solidFill>
                   <a:schemeClr val="lt1"/>
                 </a:solidFill>
@@ -11110,7 +11710,7 @@
               <a:t> </a:t>
             </a:r>
             <a:r>
-              <a:rPr lang="en-US" sz="2400" b="1" i="0" u="none" strike="noStrike" cap="none">
+              <a:rPr lang="en-US" sz="2400" b="1" i="0" u="none" strike="noStrike" cap="none" dirty="0" err="1">
                 <a:solidFill>
                   <a:srgbClr val="00FF00"/>
                 </a:solidFill>
@@ -11122,7 +11722,7 @@
               <a:t>fhand</a:t>
             </a:r>
             <a:r>
-              <a:rPr lang="en-US" sz="2400" b="1" i="0" u="none" strike="noStrike" cap="none">
+              <a:rPr lang="en-US" sz="2400" b="1" i="0" u="none" strike="noStrike" cap="none" dirty="0">
                 <a:solidFill>
                   <a:schemeClr val="lt1"/>
                 </a:solidFill>
@@ -11153,7 +11753,7 @@
               <a:buNone/>
             </a:pPr>
             <a:r>
-              <a:rPr lang="en-US" sz="2400" b="1" i="0" u="none" strike="noStrike" cap="none">
+              <a:rPr lang="en-US" sz="2400" b="1" i="0" u="none" strike="noStrike" cap="none" dirty="0">
                 <a:solidFill>
                   <a:schemeClr val="lt1"/>
                 </a:solidFill>
@@ -11165,7 +11765,7 @@
               <a:t>    </a:t>
             </a:r>
             <a:r>
-              <a:rPr lang="en-US" sz="2400" b="1" i="0" u="none" strike="noStrike" cap="none">
+              <a:rPr lang="en-US" sz="2400" b="1" i="0" u="none" strike="noStrike" cap="none" dirty="0">
                 <a:solidFill>
                   <a:srgbClr val="00FF00"/>
                 </a:solidFill>
@@ -11177,7 +11777,7 @@
               <a:t>line</a:t>
             </a:r>
             <a:r>
-              <a:rPr lang="en-US" sz="2400" b="1" i="0" u="none" strike="noStrike" cap="none">
+              <a:rPr lang="en-US" sz="2400" b="1" i="0" u="none" strike="noStrike" cap="none" dirty="0">
                 <a:solidFill>
                   <a:schemeClr val="lt1"/>
                 </a:solidFill>
@@ -11189,7 +11789,7 @@
               <a:t> = </a:t>
             </a:r>
             <a:r>
-              <a:rPr lang="en-US" sz="2400" b="1" i="0" u="none" strike="noStrike" cap="none">
+              <a:rPr lang="en-US" sz="2400" b="1" i="0" u="none" strike="noStrike" cap="none" dirty="0" err="1">
                 <a:solidFill>
                   <a:srgbClr val="00FF00"/>
                 </a:solidFill>
@@ -11201,7 +11801,7 @@
               <a:t>line</a:t>
             </a:r>
             <a:r>
-              <a:rPr lang="en-US" sz="2400" b="1" i="0" u="none" strike="noStrike" cap="none">
+              <a:rPr lang="en-US" sz="2400" b="1" i="0" u="none" strike="noStrike" cap="none" dirty="0" err="1">
                 <a:solidFill>
                   <a:srgbClr val="FF00FF"/>
                 </a:solidFill>
@@ -11213,7 +11813,7 @@
               <a:t>.rstrip</a:t>
             </a:r>
             <a:r>
-              <a:rPr lang="en-US" sz="2400" b="1" i="0" u="none" strike="noStrike" cap="none">
+              <a:rPr lang="en-US" sz="2400" b="1" i="0" u="none" strike="noStrike" cap="none" dirty="0">
                 <a:solidFill>
                   <a:schemeClr val="lt1"/>
                 </a:solidFill>
@@ -11244,7 +11844,7 @@
               <a:buNone/>
             </a:pPr>
             <a:r>
-              <a:rPr lang="en-US" sz="2400" b="1" i="0" u="none" strike="noStrike" cap="none">
+              <a:rPr lang="en-US" sz="2400" b="1" i="0" u="none" strike="noStrike" cap="none" dirty="0">
                 <a:solidFill>
                   <a:schemeClr val="lt1"/>
                 </a:solidFill>
@@ -11256,7 +11856,7 @@
               <a:t>    </a:t>
             </a:r>
             <a:r>
-              <a:rPr lang="en-US" sz="2400" b="1" i="0" u="none" strike="noStrike" cap="none">
+              <a:rPr lang="en-US" sz="2400" b="1" i="0" u="none" strike="noStrike" cap="none" dirty="0">
                 <a:solidFill>
                   <a:srgbClr val="FFFF00"/>
                 </a:solidFill>
@@ -11268,7 +11868,7 @@
               <a:t>if</a:t>
             </a:r>
             <a:r>
-              <a:rPr lang="en-US" sz="2400" b="1" i="0" u="none" strike="noStrike" cap="none">
+              <a:rPr lang="en-US" sz="2400" b="1" i="0" u="none" strike="noStrike" cap="none" dirty="0">
                 <a:solidFill>
                   <a:schemeClr val="lt1"/>
                 </a:solidFill>
@@ -11280,7 +11880,7 @@
               <a:t> </a:t>
             </a:r>
             <a:r>
-              <a:rPr lang="en-US" sz="2400" b="1" i="0" u="none" strike="noStrike" cap="none">
+              <a:rPr lang="en-US" sz="2400" b="1" i="0" u="none" strike="noStrike" cap="none" dirty="0">
                 <a:solidFill>
                   <a:srgbClr val="FFFF00"/>
                 </a:solidFill>
@@ -11292,7 +11892,7 @@
               <a:t>not</a:t>
             </a:r>
             <a:r>
-              <a:rPr lang="en-US" sz="2400" b="1" i="0" u="none" strike="noStrike" cap="none">
+              <a:rPr lang="en-US" sz="2400" b="1" i="0" u="none" strike="noStrike" cap="none" dirty="0">
                 <a:solidFill>
                   <a:schemeClr val="lt1"/>
                 </a:solidFill>
@@ -11304,7 +11904,7 @@
               <a:t> '</a:t>
             </a:r>
             <a:r>
-              <a:rPr lang="en-US" sz="2400" b="1" i="0" u="none" strike="noStrike" cap="none">
+              <a:rPr lang="en-US" sz="2400" b="1" i="0" u="none" strike="noStrike" cap="none" dirty="0">
                 <a:solidFill>
                   <a:srgbClr val="00FFFF"/>
                 </a:solidFill>
@@ -11313,10 +11913,22 @@
                 <a:cs typeface="Courier New"/>
                 <a:sym typeface="Courier New"/>
               </a:rPr>
-              <a:t>@uct.ac.za</a:t>
-            </a:r>
-            <a:r>
-              <a:rPr lang="en-US" sz="2400" b="1" i="0" u="none" strike="noStrike" cap="none">
+              <a:t>@</a:t>
+            </a:r>
+            <a:r>
+              <a:rPr lang="en-US" sz="2400" b="1" i="0" u="none" strike="noStrike" cap="none" dirty="0" err="1">
+                <a:solidFill>
+                  <a:srgbClr val="00FFFF"/>
+                </a:solidFill>
+                <a:latin typeface="Courier New"/>
+                <a:ea typeface="Courier New"/>
+                <a:cs typeface="Courier New"/>
+                <a:sym typeface="Courier New"/>
+              </a:rPr>
+              <a:t>uct.ac.za</a:t>
+            </a:r>
+            <a:r>
+              <a:rPr lang="en-US" sz="2400" b="1" i="0" u="none" strike="noStrike" cap="none" dirty="0">
                 <a:solidFill>
                   <a:schemeClr val="lt1"/>
                 </a:solidFill>
@@ -11328,7 +11940,7 @@
               <a:t>' </a:t>
             </a:r>
             <a:r>
-              <a:rPr lang="en-US" sz="2400" b="1" i="0" u="none" strike="noStrike" cap="none">
+              <a:rPr lang="en-US" sz="2400" b="1" i="0" u="none" strike="noStrike" cap="none" dirty="0">
                 <a:solidFill>
                   <a:srgbClr val="FFFF00"/>
                 </a:solidFill>
@@ -11340,7 +11952,7 @@
               <a:t>in</a:t>
             </a:r>
             <a:r>
-              <a:rPr lang="en-US" sz="2400" b="1" i="0" u="none" strike="noStrike" cap="none">
+              <a:rPr lang="en-US" sz="2400" b="1" i="0" u="none" strike="noStrike" cap="none" dirty="0">
                 <a:solidFill>
                   <a:schemeClr val="lt1"/>
                 </a:solidFill>
@@ -11352,7 +11964,7 @@
               <a:t> </a:t>
             </a:r>
             <a:r>
-              <a:rPr lang="en-US" sz="2400" b="1" i="0" u="none" strike="noStrike" cap="none">
+              <a:rPr lang="en-US" sz="2400" b="1" i="0" u="none" strike="noStrike" cap="none" dirty="0">
                 <a:solidFill>
                   <a:srgbClr val="00FFFF"/>
                 </a:solidFill>
@@ -11364,7 +11976,7 @@
               <a:t>line</a:t>
             </a:r>
             <a:r>
-              <a:rPr lang="en-US" sz="2400" b="1" i="0" u="none" strike="noStrike" cap="none">
+              <a:rPr lang="en-US" sz="2400" b="1" i="0" u="none" strike="noStrike" cap="none" dirty="0">
                 <a:solidFill>
                   <a:schemeClr val="lt1"/>
                 </a:solidFill>
@@ -11395,7 +12007,7 @@
               <a:buNone/>
             </a:pPr>
             <a:r>
-              <a:rPr lang="en-US" sz="2400" b="1" i="0" u="none" strike="noStrike" cap="none">
+              <a:rPr lang="en-US" sz="2400" b="1" i="0" u="none" strike="noStrike" cap="none" dirty="0">
                 <a:solidFill>
                   <a:schemeClr val="lt1"/>
                 </a:solidFill>
@@ -11407,7 +12019,7 @@
               <a:t>        </a:t>
             </a:r>
             <a:r>
-              <a:rPr lang="en-US" sz="2400" b="1" i="0" u="none" strike="noStrike" cap="none">
+              <a:rPr lang="en-US" sz="2400" b="1" i="0" u="none" strike="noStrike" cap="none" dirty="0">
                 <a:solidFill>
                   <a:srgbClr val="FFFF00"/>
                 </a:solidFill>
@@ -11420,25 +12032,14 @@
             </a:r>
           </a:p>
           <a:p>
-            <a:pPr marL="0" marR="0" lvl="0" indent="0" algn="l" rtl="0">
-              <a:lnSpc>
-                <a:spcPct val="100000"/>
-              </a:lnSpc>
-              <a:spcBef>
-                <a:spcPts val="0"/>
-              </a:spcBef>
-              <a:spcAft>
-                <a:spcPts val="0"/>
-              </a:spcAft>
+            <a:pPr lvl="0">
               <a:buClr>
                 <a:schemeClr val="lt1"/>
               </a:buClr>
               <a:buSzPct val="25000"/>
-              <a:buFont typeface="Cabin"/>
-              <a:buNone/>
-            </a:pPr>
-            <a:r>
-              <a:rPr lang="en-US" sz="2400" b="1" i="0" u="none" strike="noStrike" cap="none">
+            </a:pPr>
+            <a:r>
+              <a:rPr lang="en-US" sz="2400" b="1" i="0" u="none" strike="noStrike" cap="none" dirty="0">
                 <a:solidFill>
                   <a:schemeClr val="lt1"/>
                 </a:solidFill>
@@ -11450,7 +12051,7 @@
               <a:t>    </a:t>
             </a:r>
             <a:r>
-              <a:rPr lang="en-US" sz="2400" b="1" i="0" u="none" strike="noStrike" cap="none">
+              <a:rPr lang="en-US" sz="2400" b="1" i="0" u="none" strike="noStrike" cap="none" dirty="0" smtClean="0">
                 <a:solidFill>
                   <a:srgbClr val="FFFF00"/>
                 </a:solidFill>
@@ -11462,19 +12063,19 @@
               <a:t>print</a:t>
             </a:r>
             <a:r>
-              <a:rPr lang="en-US" sz="2400" b="1" i="0" u="none" strike="noStrike" cap="none">
-                <a:solidFill>
-                  <a:schemeClr val="lt1"/>
-                </a:solidFill>
-                <a:latin typeface="Courier New"/>
-                <a:ea typeface="Courier New"/>
-                <a:cs typeface="Courier New"/>
-                <a:sym typeface="Courier New"/>
-              </a:rPr>
-              <a:t> </a:t>
-            </a:r>
-            <a:r>
-              <a:rPr lang="en-US" sz="2400" b="1" i="0" u="none" strike="noStrike" cap="none">
+              <a:rPr lang="en-US" sz="2400" b="1" dirty="0">
+                <a:solidFill>
+                  <a:schemeClr val="lt1"/>
+                </a:solidFill>
+                <a:latin typeface="Courier New"/>
+                <a:ea typeface="Courier New"/>
+                <a:cs typeface="Courier New"/>
+                <a:sym typeface="Courier New"/>
+              </a:rPr>
+              <a:t>(</a:t>
+            </a:r>
+            <a:r>
+              <a:rPr lang="en-US" sz="2400" b="1" i="0" u="none" strike="noStrike" cap="none" dirty="0" smtClean="0">
                 <a:solidFill>
                   <a:srgbClr val="00FF00"/>
                 </a:solidFill>
@@ -11485,6 +12086,27 @@
               </a:rPr>
               <a:t>line</a:t>
             </a:r>
+            <a:r>
+              <a:rPr lang="en-US" sz="2400" b="1" dirty="0">
+                <a:solidFill>
+                  <a:schemeClr val="lt1"/>
+                </a:solidFill>
+                <a:latin typeface="Courier New"/>
+                <a:ea typeface="Courier New"/>
+                <a:cs typeface="Courier New"/>
+                <a:sym typeface="Courier New"/>
+              </a:rPr>
+              <a:t>)</a:t>
+            </a:r>
+            <a:endParaRPr lang="en-US" sz="2400" b="1" i="0" u="none" strike="noStrike" cap="none" dirty="0">
+              <a:solidFill>
+                <a:srgbClr val="00FF00"/>
+              </a:solidFill>
+              <a:latin typeface="Courier New"/>
+              <a:ea typeface="Courier New"/>
+              <a:cs typeface="Courier New"/>
+              <a:sym typeface="Courier New"/>
+            </a:endParaRPr>
           </a:p>
         </p:txBody>
       </p:sp>
@@ -11496,8 +12118,8 @@
         </p:nvSpPr>
         <p:spPr>
           <a:xfrm>
-            <a:off x="1412675" y="5915175"/>
-            <a:ext cx="13932000" cy="2881199"/>
+            <a:off x="1412675" y="5915176"/>
+            <a:ext cx="13932000" cy="2414438"/>
           </a:xfrm>
           <a:prstGeom prst="rect">
             <a:avLst/>
@@ -11531,7 +12153,7 @@
               <a:buNone/>
             </a:pPr>
             <a:r>
-              <a:rPr lang="en-US" sz="2400" b="1" i="0" u="none" strike="noStrike" cap="none">
+              <a:rPr lang="en-US" sz="2400" b="1" i="0" u="none" strike="noStrike" cap="none" dirty="0">
                 <a:solidFill>
                   <a:srgbClr val="FF00FF"/>
                 </a:solidFill>
@@ -11540,10 +12162,22 @@
                 <a:cs typeface="Courier New"/>
                 <a:sym typeface="Courier New"/>
               </a:rPr>
-              <a:t>From stephen.marquard@</a:t>
-            </a:r>
-            <a:r>
-              <a:rPr lang="en-US" sz="2400" b="1" i="0" u="none" strike="noStrike" cap="none">
+              <a:t>From </a:t>
+            </a:r>
+            <a:r>
+              <a:rPr lang="en-US" sz="2400" b="1" i="0" u="none" strike="noStrike" cap="none" dirty="0" err="1">
+                <a:solidFill>
+                  <a:srgbClr val="FF00FF"/>
+                </a:solidFill>
+                <a:latin typeface="Courier New"/>
+                <a:ea typeface="Courier New"/>
+                <a:cs typeface="Courier New"/>
+                <a:sym typeface="Courier New"/>
+              </a:rPr>
+              <a:t>stephen.marquard@</a:t>
+            </a:r>
+            <a:r>
+              <a:rPr lang="en-US" sz="2400" b="1" i="0" u="none" strike="noStrike" cap="none" dirty="0" err="1">
                 <a:solidFill>
                   <a:srgbClr val="00FFFF"/>
                 </a:solidFill>
@@ -11555,7 +12189,7 @@
               <a:t>uct.ac.za</a:t>
             </a:r>
             <a:r>
-              <a:rPr lang="en-US" sz="2400" b="1" i="0" u="none" strike="noStrike" cap="none">
+              <a:rPr lang="en-US" sz="2400" b="1" i="0" u="none" strike="noStrike" cap="none" dirty="0">
                 <a:solidFill>
                   <a:srgbClr val="FF00FF"/>
                 </a:solidFill>
@@ -11586,7 +12220,7 @@
               <a:buNone/>
             </a:pPr>
             <a:r>
-              <a:rPr lang="en-US" sz="2400" b="1" i="0" u="none" strike="noStrike" cap="none">
+              <a:rPr lang="en-US" sz="2400" b="1" i="0" u="none" strike="noStrike" cap="none" dirty="0">
                 <a:solidFill>
                   <a:srgbClr val="FF00FF"/>
                 </a:solidFill>
@@ -11595,10 +12229,22 @@
                 <a:cs typeface="Courier New"/>
                 <a:sym typeface="Courier New"/>
               </a:rPr>
-              <a:t>X-Authentication-Warning: set sender to stephen.marquard@</a:t>
-            </a:r>
-            <a:r>
-              <a:rPr lang="en-US" sz="2400" b="1" i="0" u="none" strike="noStrike" cap="none">
+              <a:t>X-Authentication-Warning: set sender to </a:t>
+            </a:r>
+            <a:r>
+              <a:rPr lang="en-US" sz="2400" b="1" i="0" u="none" strike="noStrike" cap="none" dirty="0" err="1">
+                <a:solidFill>
+                  <a:srgbClr val="FF00FF"/>
+                </a:solidFill>
+                <a:latin typeface="Courier New"/>
+                <a:ea typeface="Courier New"/>
+                <a:cs typeface="Courier New"/>
+                <a:sym typeface="Courier New"/>
+              </a:rPr>
+              <a:t>stephen.marquard@</a:t>
+            </a:r>
+            <a:r>
+              <a:rPr lang="en-US" sz="2400" b="1" i="0" u="none" strike="noStrike" cap="none" dirty="0" err="1">
                 <a:solidFill>
                   <a:srgbClr val="00FFFF"/>
                 </a:solidFill>
@@ -11610,7 +12256,7 @@
               <a:t>uct.ac.za</a:t>
             </a:r>
             <a:r>
-              <a:rPr lang="en-US" sz="2400" b="1" i="0" u="none" strike="noStrike" cap="none">
+              <a:rPr lang="en-US" sz="2400" b="1" i="0" u="none" strike="noStrike" cap="none" dirty="0">
                 <a:solidFill>
                   <a:srgbClr val="FF00FF"/>
                 </a:solidFill>
@@ -11641,7 +12287,7 @@
               <a:buNone/>
             </a:pPr>
             <a:r>
-              <a:rPr lang="en-US" sz="2400" b="1" i="0" u="none" strike="noStrike" cap="none">
+              <a:rPr lang="en-US" sz="2400" b="1" i="0" u="none" strike="noStrike" cap="none" dirty="0">
                 <a:solidFill>
                   <a:srgbClr val="FF00FF"/>
                 </a:solidFill>
@@ -11653,7 +12299,7 @@
               <a:t>From: </a:t>
             </a:r>
             <a:r>
-              <a:rPr lang="en-US" sz="2400" b="1" i="0" u="sng" strike="noStrike" cap="none">
+              <a:rPr lang="en-US" sz="2400" b="1" i="0" u="sng" strike="noStrike" cap="none" dirty="0">
                 <a:solidFill>
                   <a:schemeClr val="hlink"/>
                 </a:solidFill>
@@ -11685,7 +12331,7 @@
               <a:buNone/>
             </a:pPr>
             <a:r>
-              <a:rPr lang="en-US" sz="2400" b="1" i="0" u="none" strike="noStrike" cap="none">
+              <a:rPr lang="en-US" sz="2400" b="1" i="0" u="none" strike="noStrike" cap="none" dirty="0">
                 <a:solidFill>
                   <a:srgbClr val="FF00FF"/>
                 </a:solidFill>
@@ -11697,7 +12343,7 @@
               <a:t>Author: </a:t>
             </a:r>
             <a:r>
-              <a:rPr lang="en-US" sz="2400" b="1" i="0" u="sng" strike="noStrike" cap="none">
+              <a:rPr lang="en-US" sz="2400" b="1" i="0" u="sng" strike="noStrike" cap="none" dirty="0">
                 <a:solidFill>
                   <a:schemeClr val="hlink"/>
                 </a:solidFill>
@@ -11729,7 +12375,7 @@
               <a:buNone/>
             </a:pPr>
             <a:r>
-              <a:rPr lang="en-US" sz="2400" b="1" i="0" u="none" strike="noStrike" cap="none">
+              <a:rPr lang="en-US" sz="2400" b="1" i="0" u="none" strike="noStrike" cap="none" dirty="0">
                 <a:solidFill>
                   <a:srgbClr val="FF00FF"/>
                 </a:solidFill>
@@ -11738,10 +12384,22 @@
                 <a:cs typeface="Courier New"/>
                 <a:sym typeface="Courier New"/>
               </a:rPr>
-              <a:t>From david.horwitz@</a:t>
-            </a:r>
-            <a:r>
-              <a:rPr lang="en-US" sz="2400" b="1" i="0" u="none" strike="noStrike" cap="none">
+              <a:t>From </a:t>
+            </a:r>
+            <a:r>
+              <a:rPr lang="en-US" sz="2400" b="1" i="0" u="none" strike="noStrike" cap="none" dirty="0" err="1">
+                <a:solidFill>
+                  <a:srgbClr val="FF00FF"/>
+                </a:solidFill>
+                <a:latin typeface="Courier New"/>
+                <a:ea typeface="Courier New"/>
+                <a:cs typeface="Courier New"/>
+                <a:sym typeface="Courier New"/>
+              </a:rPr>
+              <a:t>david.horwitz@</a:t>
+            </a:r>
+            <a:r>
+              <a:rPr lang="en-US" sz="2400" b="1" i="0" u="none" strike="noStrike" cap="none" dirty="0" err="1">
                 <a:solidFill>
                   <a:srgbClr val="00FFFF"/>
                 </a:solidFill>
@@ -11753,7 +12411,7 @@
               <a:t>uct.ac.za</a:t>
             </a:r>
             <a:r>
-              <a:rPr lang="en-US" sz="2400" b="1" i="0" u="none" strike="noStrike" cap="none">
+              <a:rPr lang="en-US" sz="2400" b="1" i="0" u="none" strike="noStrike" cap="none" dirty="0">
                 <a:solidFill>
                   <a:srgbClr val="FF00FF"/>
                 </a:solidFill>
@@ -11784,7 +12442,7 @@
               <a:buNone/>
             </a:pPr>
             <a:r>
-              <a:rPr lang="en-US" sz="2400" b="1" i="0" u="none" strike="noStrike" cap="none">
+              <a:rPr lang="en-US" sz="2400" b="1" i="0" u="none" strike="noStrike" cap="none" dirty="0">
                 <a:solidFill>
                   <a:srgbClr val="FF00FF"/>
                 </a:solidFill>
@@ -11793,10 +12451,22 @@
                 <a:cs typeface="Courier New"/>
                 <a:sym typeface="Courier New"/>
               </a:rPr>
-              <a:t>X-Authentication-Warning: set sender to david.horwitz@</a:t>
-            </a:r>
-            <a:r>
-              <a:rPr lang="en-US" sz="2400" b="1" i="0" u="none" strike="noStrike" cap="none">
+              <a:t>X-Authentication-Warning: set sender to </a:t>
+            </a:r>
+            <a:r>
+              <a:rPr lang="en-US" sz="2400" b="1" i="0" u="none" strike="noStrike" cap="none" dirty="0" err="1">
+                <a:solidFill>
+                  <a:srgbClr val="FF00FF"/>
+                </a:solidFill>
+                <a:latin typeface="Courier New"/>
+                <a:ea typeface="Courier New"/>
+                <a:cs typeface="Courier New"/>
+                <a:sym typeface="Courier New"/>
+              </a:rPr>
+              <a:t>david.horwitz@</a:t>
+            </a:r>
+            <a:r>
+              <a:rPr lang="en-US" sz="2400" b="1" i="0" u="none" strike="noStrike" cap="none" dirty="0" err="1">
                 <a:solidFill>
                   <a:srgbClr val="00FFFF"/>
                 </a:solidFill>
@@ -11808,7 +12478,7 @@
               <a:t>uct.ac.za</a:t>
             </a:r>
             <a:r>
-              <a:rPr lang="en-US" sz="2400" b="1" i="0" u="none" strike="noStrike" cap="none">
+              <a:rPr lang="en-US" sz="2400" b="1" i="0" u="none" strike="noStrike" cap="none" dirty="0">
                 <a:solidFill>
                   <a:srgbClr val="FF00FF"/>
                 </a:solidFill>
@@ -12702,7 +13372,9 @@
             </a:avLst>
           </a:prstGeom>
           <a:solidFill>
-            <a:schemeClr val="accent1"/>
+            <a:schemeClr val="accent3">
+              <a:lumMod val="75000"/>
+            </a:schemeClr>
           </a:solidFill>
           <a:ln w="50800" cap="rnd" cmpd="sng">
             <a:solidFill>
@@ -12970,44 +13642,6 @@
               </a:rPr>
               <a:t>Files R Us</a:t>
             </a:r>
-          </a:p>
-        </p:txBody>
-      </p:sp>
-      <p:sp>
-        <p:nvSpPr>
-          <p:cNvPr id="2" name="Title 1"/>
-          <p:cNvSpPr>
-            <a:spLocks noGrp="1"/>
-          </p:cNvSpPr>
-          <p:nvPr>
-            <p:ph type="title"/>
-          </p:nvPr>
-        </p:nvSpPr>
-        <p:spPr/>
-        <p:txBody>
-          <a:bodyPr/>
-          <a:lstStyle/>
-          <a:p>
-            <a:endParaRPr lang="en-US"/>
-          </a:p>
-        </p:txBody>
-      </p:sp>
-      <p:sp>
-        <p:nvSpPr>
-          <p:cNvPr id="3" name="Text Placeholder 2"/>
-          <p:cNvSpPr>
-            <a:spLocks noGrp="1"/>
-          </p:cNvSpPr>
-          <p:nvPr>
-            <p:ph type="body" idx="1"/>
-          </p:nvPr>
-        </p:nvSpPr>
-        <p:spPr/>
-        <p:txBody>
-          <a:bodyPr/>
-          <a:lstStyle/>
-          <a:p>
-            <a:endParaRPr lang="en-US"/>
           </a:p>
         </p:txBody>
       </p:sp>
@@ -13047,6 +13681,10 @@
           </p:nvPr>
         </p:nvSpPr>
         <p:spPr>
+          <a:xfrm>
+            <a:off x="10545756" y="1196478"/>
+            <a:ext cx="5100737" cy="1750191"/>
+          </a:xfrm>
           <a:prstGeom prst="rect">
             <a:avLst/>
           </a:prstGeom>
@@ -13095,33 +13733,14 @@
       </p:sp>
       <p:sp>
         <p:nvSpPr>
-          <p:cNvPr id="2" name="Text Placeholder 1"/>
-          <p:cNvSpPr>
-            <a:spLocks noGrp="1"/>
-          </p:cNvSpPr>
-          <p:nvPr>
-            <p:ph type="body" idx="1"/>
-          </p:nvPr>
-        </p:nvSpPr>
-        <p:spPr/>
-        <p:txBody>
-          <a:bodyPr/>
-          <a:lstStyle/>
-          <a:p>
-            <a:endParaRPr lang="en-US"/>
-          </a:p>
-        </p:txBody>
-      </p:sp>
-      <p:sp>
-        <p:nvSpPr>
           <p:cNvPr id="356" name="Shape 356"/>
           <p:cNvSpPr txBox="1"/>
           <p:nvPr/>
         </p:nvSpPr>
         <p:spPr>
           <a:xfrm>
-            <a:off x="800975" y="773100"/>
-            <a:ext cx="9517499" cy="3876599"/>
+            <a:off x="800975" y="773101"/>
+            <a:ext cx="10186113" cy="3398850"/>
           </a:xfrm>
           <a:prstGeom prst="rect">
             <a:avLst/>
@@ -13155,7 +13774,7 @@
               <a:buNone/>
             </a:pPr>
             <a:r>
-              <a:rPr lang="en-US" sz="2400" b="1" i="0" u="none" strike="noStrike" cap="none">
+              <a:rPr lang="en-US" sz="2400" b="1" i="0" u="none" strike="noStrike" cap="none" dirty="0" err="1">
                 <a:solidFill>
                   <a:srgbClr val="00FF00"/>
                 </a:solidFill>
@@ -13167,7 +13786,86 @@
               <a:t>fname</a:t>
             </a:r>
             <a:r>
-              <a:rPr lang="en-US" sz="2400" b="1" i="0" u="none" strike="noStrike" cap="none">
+              <a:rPr lang="en-US" sz="2400" b="1" i="0" u="none" strike="noStrike" cap="none" dirty="0">
+                <a:solidFill>
+                  <a:schemeClr val="lt1"/>
+                </a:solidFill>
+                <a:latin typeface="Courier New"/>
+                <a:ea typeface="Courier New"/>
+                <a:cs typeface="Courier New"/>
+                <a:sym typeface="Courier New"/>
+              </a:rPr>
+              <a:t> </a:t>
+            </a:r>
+            <a:r>
+              <a:rPr lang="en-US" sz="2400" b="1" i="0" u="none" strike="noStrike" cap="none" dirty="0" smtClean="0">
+                <a:solidFill>
+                  <a:schemeClr val="lt1"/>
+                </a:solidFill>
+                <a:latin typeface="Courier New"/>
+                <a:ea typeface="Courier New"/>
+                <a:cs typeface="Courier New"/>
+                <a:sym typeface="Courier New"/>
+              </a:rPr>
+              <a:t>= </a:t>
+            </a:r>
+            <a:r>
+              <a:rPr lang="en-US" sz="2400" b="1" i="0" u="none" strike="noStrike" cap="none" dirty="0" smtClean="0">
+                <a:solidFill>
+                  <a:srgbClr val="FF00FF"/>
+                </a:solidFill>
+                <a:latin typeface="Courier New"/>
+                <a:ea typeface="Courier New"/>
+                <a:cs typeface="Courier New"/>
+                <a:sym typeface="Courier New"/>
+              </a:rPr>
+              <a:t>input</a:t>
+            </a:r>
+            <a:r>
+              <a:rPr lang="en-US" sz="2400" b="1" i="0" u="none" strike="noStrike" cap="none" dirty="0">
+                <a:solidFill>
+                  <a:schemeClr val="lt1"/>
+                </a:solidFill>
+                <a:latin typeface="Courier New"/>
+                <a:ea typeface="Courier New"/>
+                <a:cs typeface="Courier New"/>
+                <a:sym typeface="Courier New"/>
+              </a:rPr>
+              <a:t>('Enter the file name:  ')</a:t>
+            </a:r>
+          </a:p>
+          <a:p>
+            <a:pPr marL="0" marR="0" lvl="0" indent="0" algn="l" rtl="0">
+              <a:lnSpc>
+                <a:spcPct val="100000"/>
+              </a:lnSpc>
+              <a:spcBef>
+                <a:spcPts val="0"/>
+              </a:spcBef>
+              <a:spcAft>
+                <a:spcPts val="0"/>
+              </a:spcAft>
+              <a:buClr>
+                <a:srgbClr val="00FF00"/>
+              </a:buClr>
+              <a:buSzPct val="25000"/>
+              <a:buFont typeface="Cabin"/>
+              <a:buNone/>
+            </a:pPr>
+            <a:r>
+              <a:rPr lang="en-US" sz="2400" b="1" i="0" u="none" strike="noStrike" cap="none" dirty="0" err="1">
+                <a:solidFill>
+                  <a:srgbClr val="00FF00"/>
+                </a:solidFill>
+                <a:latin typeface="Courier New"/>
+                <a:ea typeface="Courier New"/>
+                <a:cs typeface="Courier New"/>
+                <a:sym typeface="Courier New"/>
+              </a:rPr>
+              <a:t>fhand</a:t>
+            </a:r>
+            <a:r>
+              <a:rPr lang="en-US" sz="2400" b="1" i="0" u="none" strike="noStrike" cap="none" dirty="0">
                 <a:solidFill>
                   <a:schemeClr val="lt1"/>
                 </a:solidFill>
@@ -13179,7 +13877,7 @@
               <a:t> = </a:t>
             </a:r>
             <a:r>
-              <a:rPr lang="en-US" sz="2400" b="1" i="0" u="none" strike="noStrike" cap="none">
+              <a:rPr lang="en-US" sz="2400" b="1" i="0" u="none" strike="noStrike" cap="none" dirty="0">
                 <a:solidFill>
                   <a:srgbClr val="FF00FF"/>
                 </a:solidFill>
@@ -13188,19 +13886,43 @@
                 <a:cs typeface="Courier New"/>
                 <a:sym typeface="Courier New"/>
               </a:rPr>
-              <a:t>raw_input</a:t>
-            </a:r>
-            <a:r>
-              <a:rPr lang="en-US" sz="2400" b="1" i="0" u="none" strike="noStrike" cap="none">
-                <a:solidFill>
-                  <a:schemeClr val="lt1"/>
-                </a:solidFill>
-                <a:latin typeface="Courier New"/>
-                <a:ea typeface="Courier New"/>
-                <a:cs typeface="Courier New"/>
-                <a:sym typeface="Courier New"/>
-              </a:rPr>
-              <a:t>('Enter the file name:  ')</a:t>
+              <a:t>open</a:t>
+            </a:r>
+            <a:r>
+              <a:rPr lang="en-US" sz="2400" b="1" i="0" u="none" strike="noStrike" cap="none" dirty="0">
+                <a:solidFill>
+                  <a:schemeClr val="lt1"/>
+                </a:solidFill>
+                <a:latin typeface="Courier New"/>
+                <a:ea typeface="Courier New"/>
+                <a:cs typeface="Courier New"/>
+                <a:sym typeface="Courier New"/>
+              </a:rPr>
+              <a:t>(</a:t>
+            </a:r>
+            <a:r>
+              <a:rPr lang="en-US" sz="2400" b="1" i="0" u="none" strike="noStrike" cap="none" dirty="0" err="1">
+                <a:solidFill>
+                  <a:srgbClr val="00FF00"/>
+                </a:solidFill>
+                <a:latin typeface="Courier New"/>
+                <a:ea typeface="Courier New"/>
+                <a:cs typeface="Courier New"/>
+                <a:sym typeface="Courier New"/>
+              </a:rPr>
+              <a:t>fname</a:t>
+            </a:r>
+            <a:r>
+              <a:rPr lang="en-US" sz="2400" b="1" i="0" u="none" strike="noStrike" cap="none" dirty="0">
+                <a:solidFill>
+                  <a:schemeClr val="lt1"/>
+                </a:solidFill>
+                <a:latin typeface="Courier New"/>
+                <a:ea typeface="Courier New"/>
+                <a:cs typeface="Courier New"/>
+                <a:sym typeface="Courier New"/>
+              </a:rPr>
+              <a:t>)</a:t>
             </a:r>
           </a:p>
           <a:p>
@@ -13222,7 +13944,7 @@
               <a:buNone/>
             </a:pPr>
             <a:r>
-              <a:rPr lang="en-US" sz="2400" b="1" i="0" u="none" strike="noStrike" cap="none">
+              <a:rPr lang="en-US" sz="2400" b="1" i="0" u="none" strike="noStrike" cap="none" dirty="0">
                 <a:solidFill>
                   <a:srgbClr val="00FF00"/>
                 </a:solidFill>
@@ -13231,10 +13953,271 @@
                 <a:cs typeface="Courier New"/>
                 <a:sym typeface="Courier New"/>
               </a:rPr>
+              <a:t>count</a:t>
+            </a:r>
+            <a:r>
+              <a:rPr lang="en-US" sz="2400" b="1" i="0" u="none" strike="noStrike" cap="none" dirty="0">
+                <a:solidFill>
+                  <a:schemeClr val="lt1"/>
+                </a:solidFill>
+                <a:latin typeface="Courier New"/>
+                <a:ea typeface="Courier New"/>
+                <a:cs typeface="Courier New"/>
+                <a:sym typeface="Courier New"/>
+              </a:rPr>
+              <a:t> = 0</a:t>
+            </a:r>
+          </a:p>
+          <a:p>
+            <a:pPr marL="0" marR="0" lvl="0" indent="0" algn="l" rtl="0">
+              <a:lnSpc>
+                <a:spcPct val="100000"/>
+              </a:lnSpc>
+              <a:spcBef>
+                <a:spcPts val="0"/>
+              </a:spcBef>
+              <a:spcAft>
+                <a:spcPts val="0"/>
+              </a:spcAft>
+              <a:buClr>
+                <a:srgbClr val="FFFF00"/>
+              </a:buClr>
+              <a:buSzPct val="25000"/>
+              <a:buFont typeface="Cabin"/>
+              <a:buNone/>
+            </a:pPr>
+            <a:r>
+              <a:rPr lang="en-US" sz="2400" b="1" i="0" u="none" strike="noStrike" cap="none" dirty="0">
+                <a:solidFill>
+                  <a:srgbClr val="FFFF00"/>
+                </a:solidFill>
+                <a:latin typeface="Courier New"/>
+                <a:ea typeface="Courier New"/>
+                <a:cs typeface="Courier New"/>
+                <a:sym typeface="Courier New"/>
+              </a:rPr>
+              <a:t>for</a:t>
+            </a:r>
+            <a:r>
+              <a:rPr lang="en-US" sz="2400" b="1" i="0" u="none" strike="noStrike" cap="none" dirty="0">
+                <a:solidFill>
+                  <a:schemeClr val="lt1"/>
+                </a:solidFill>
+                <a:latin typeface="Courier New"/>
+                <a:ea typeface="Courier New"/>
+                <a:cs typeface="Courier New"/>
+                <a:sym typeface="Courier New"/>
+              </a:rPr>
+              <a:t> </a:t>
+            </a:r>
+            <a:r>
+              <a:rPr lang="en-US" sz="2400" b="1" i="0" u="none" strike="noStrike" cap="none" dirty="0">
+                <a:solidFill>
+                  <a:srgbClr val="00FF00"/>
+                </a:solidFill>
+                <a:latin typeface="Courier New"/>
+                <a:ea typeface="Courier New"/>
+                <a:cs typeface="Courier New"/>
+                <a:sym typeface="Courier New"/>
+              </a:rPr>
+              <a:t>line</a:t>
+            </a:r>
+            <a:r>
+              <a:rPr lang="en-US" sz="2400" b="1" i="0" u="none" strike="noStrike" cap="none" dirty="0">
+                <a:solidFill>
+                  <a:schemeClr val="lt1"/>
+                </a:solidFill>
+                <a:latin typeface="Courier New"/>
+                <a:ea typeface="Courier New"/>
+                <a:cs typeface="Courier New"/>
+                <a:sym typeface="Courier New"/>
+              </a:rPr>
+              <a:t> </a:t>
+            </a:r>
+            <a:r>
+              <a:rPr lang="en-US" sz="2400" b="1" i="0" u="none" strike="noStrike" cap="none" dirty="0">
+                <a:solidFill>
+                  <a:srgbClr val="FFFF00"/>
+                </a:solidFill>
+                <a:latin typeface="Courier New"/>
+                <a:ea typeface="Courier New"/>
+                <a:cs typeface="Courier New"/>
+                <a:sym typeface="Courier New"/>
+              </a:rPr>
+              <a:t>in</a:t>
+            </a:r>
+            <a:r>
+              <a:rPr lang="en-US" sz="2400" b="1" i="0" u="none" strike="noStrike" cap="none" dirty="0">
+                <a:solidFill>
+                  <a:schemeClr val="lt1"/>
+                </a:solidFill>
+                <a:latin typeface="Courier New"/>
+                <a:ea typeface="Courier New"/>
+                <a:cs typeface="Courier New"/>
+                <a:sym typeface="Courier New"/>
+              </a:rPr>
+              <a:t> </a:t>
+            </a:r>
+            <a:r>
+              <a:rPr lang="en-US" sz="2400" b="1" i="0" u="none" strike="noStrike" cap="none" dirty="0" err="1">
+                <a:solidFill>
+                  <a:srgbClr val="00FF00"/>
+                </a:solidFill>
+                <a:latin typeface="Courier New"/>
+                <a:ea typeface="Courier New"/>
+                <a:cs typeface="Courier New"/>
+                <a:sym typeface="Courier New"/>
+              </a:rPr>
               <a:t>fhand</a:t>
             </a:r>
             <a:r>
-              <a:rPr lang="en-US" sz="2400" b="1" i="0" u="none" strike="noStrike" cap="none">
+              <a:rPr lang="en-US" sz="2400" b="1" i="0" u="none" strike="noStrike" cap="none" dirty="0">
+                <a:solidFill>
+                  <a:schemeClr val="lt1"/>
+                </a:solidFill>
+                <a:latin typeface="Courier New"/>
+                <a:ea typeface="Courier New"/>
+                <a:cs typeface="Courier New"/>
+                <a:sym typeface="Courier New"/>
+              </a:rPr>
+              <a:t>:</a:t>
+            </a:r>
+          </a:p>
+          <a:p>
+            <a:pPr marL="0" marR="0" lvl="0" indent="0" algn="l" rtl="0">
+              <a:lnSpc>
+                <a:spcPct val="100000"/>
+              </a:lnSpc>
+              <a:spcBef>
+                <a:spcPts val="0"/>
+              </a:spcBef>
+              <a:spcAft>
+                <a:spcPts val="0"/>
+              </a:spcAft>
+              <a:buClr>
+                <a:schemeClr val="lt1"/>
+              </a:buClr>
+              <a:buSzPct val="25000"/>
+              <a:buFont typeface="Cabin"/>
+              <a:buNone/>
+            </a:pPr>
+            <a:r>
+              <a:rPr lang="en-US" sz="2400" b="1" i="0" u="none" strike="noStrike" cap="none" dirty="0">
+                <a:solidFill>
+                  <a:schemeClr val="lt1"/>
+                </a:solidFill>
+                <a:latin typeface="Courier New"/>
+                <a:ea typeface="Courier New"/>
+                <a:cs typeface="Courier New"/>
+                <a:sym typeface="Courier New"/>
+              </a:rPr>
+              <a:t>    </a:t>
+            </a:r>
+            <a:r>
+              <a:rPr lang="en-US" sz="2400" b="1" i="0" u="none" strike="noStrike" cap="none" dirty="0">
+                <a:solidFill>
+                  <a:srgbClr val="FFFF00"/>
+                </a:solidFill>
+                <a:latin typeface="Courier New"/>
+                <a:ea typeface="Courier New"/>
+                <a:cs typeface="Courier New"/>
+                <a:sym typeface="Courier New"/>
+              </a:rPr>
+              <a:t>if</a:t>
+            </a:r>
+            <a:r>
+              <a:rPr lang="en-US" sz="2400" b="1" i="0" u="none" strike="noStrike" cap="none" dirty="0">
+                <a:solidFill>
+                  <a:schemeClr val="lt1"/>
+                </a:solidFill>
+                <a:latin typeface="Courier New"/>
+                <a:ea typeface="Courier New"/>
+                <a:cs typeface="Courier New"/>
+                <a:sym typeface="Courier New"/>
+              </a:rPr>
+              <a:t> </a:t>
+            </a:r>
+            <a:r>
+              <a:rPr lang="en-US" sz="2400" b="1" i="0" u="none" strike="noStrike" cap="none" dirty="0" err="1">
+                <a:solidFill>
+                  <a:srgbClr val="00FF00"/>
+                </a:solidFill>
+                <a:latin typeface="Courier New"/>
+                <a:ea typeface="Courier New"/>
+                <a:cs typeface="Courier New"/>
+                <a:sym typeface="Courier New"/>
+              </a:rPr>
+              <a:t>line</a:t>
+            </a:r>
+            <a:r>
+              <a:rPr lang="en-US" sz="2400" b="1" i="0" u="none" strike="noStrike" cap="none" dirty="0" err="1">
+                <a:solidFill>
+                  <a:srgbClr val="FF00FF"/>
+                </a:solidFill>
+                <a:latin typeface="Courier New"/>
+                <a:ea typeface="Courier New"/>
+                <a:cs typeface="Courier New"/>
+                <a:sym typeface="Courier New"/>
+              </a:rPr>
+              <a:t>.startswith</a:t>
+            </a:r>
+            <a:r>
+              <a:rPr lang="en-US" sz="2400" b="1" i="0" u="none" strike="noStrike" cap="none" dirty="0">
+                <a:solidFill>
+                  <a:schemeClr val="lt1"/>
+                </a:solidFill>
+                <a:latin typeface="Courier New"/>
+                <a:ea typeface="Courier New"/>
+                <a:cs typeface="Courier New"/>
+                <a:sym typeface="Courier New"/>
+              </a:rPr>
+              <a:t>('Subject:') :</a:t>
+            </a:r>
+          </a:p>
+          <a:p>
+            <a:pPr marL="0" marR="0" lvl="0" indent="0" algn="l" rtl="0">
+              <a:lnSpc>
+                <a:spcPct val="100000"/>
+              </a:lnSpc>
+              <a:spcBef>
+                <a:spcPts val="0"/>
+              </a:spcBef>
+              <a:spcAft>
+                <a:spcPts val="0"/>
+              </a:spcAft>
+              <a:buClr>
+                <a:schemeClr val="lt1"/>
+              </a:buClr>
+              <a:buSzPct val="25000"/>
+              <a:buFont typeface="Cabin"/>
+              <a:buNone/>
+            </a:pPr>
+            <a:r>
+              <a:rPr lang="en-US" sz="2400" b="1" i="0" u="none" strike="noStrike" cap="none" dirty="0">
+                <a:solidFill>
+                  <a:schemeClr val="lt1"/>
+                </a:solidFill>
+                <a:latin typeface="Courier New"/>
+                <a:ea typeface="Courier New"/>
+                <a:cs typeface="Courier New"/>
+                <a:sym typeface="Courier New"/>
+              </a:rPr>
+              <a:t>        </a:t>
+            </a:r>
+            <a:r>
+              <a:rPr lang="en-US" sz="2400" b="1" i="0" u="none" strike="noStrike" cap="none" dirty="0">
+                <a:solidFill>
+                  <a:srgbClr val="00FF00"/>
+                </a:solidFill>
+                <a:latin typeface="Courier New"/>
+                <a:ea typeface="Courier New"/>
+                <a:cs typeface="Courier New"/>
+                <a:sym typeface="Courier New"/>
+              </a:rPr>
+              <a:t>count</a:t>
+            </a:r>
+            <a:r>
+              <a:rPr lang="en-US" sz="2400" b="1" i="0" u="none" strike="noStrike" cap="none" dirty="0">
                 <a:solidFill>
                   <a:schemeClr val="lt1"/>
                 </a:solidFill>
@@ -13246,19 +14229,62 @@
               <a:t> = </a:t>
             </a:r>
             <a:r>
-              <a:rPr lang="en-US" sz="2400" b="1" i="0" u="none" strike="noStrike" cap="none">
-                <a:solidFill>
-                  <a:srgbClr val="FF00FF"/>
-                </a:solidFill>
-                <a:latin typeface="Courier New"/>
-                <a:ea typeface="Courier New"/>
-                <a:cs typeface="Courier New"/>
-                <a:sym typeface="Courier New"/>
-              </a:rPr>
-              <a:t>open</a:t>
-            </a:r>
-            <a:r>
-              <a:rPr lang="en-US" sz="2400" b="1" i="0" u="none" strike="noStrike" cap="none">
+              <a:rPr lang="en-US" sz="2400" b="1" i="0" u="none" strike="noStrike" cap="none" dirty="0">
+                <a:solidFill>
+                  <a:srgbClr val="00FF00"/>
+                </a:solidFill>
+                <a:latin typeface="Courier New"/>
+                <a:ea typeface="Courier New"/>
+                <a:cs typeface="Courier New"/>
+                <a:sym typeface="Courier New"/>
+              </a:rPr>
+              <a:t>count</a:t>
+            </a:r>
+            <a:r>
+              <a:rPr lang="en-US" sz="2400" b="1" i="0" u="none" strike="noStrike" cap="none" dirty="0">
+                <a:solidFill>
+                  <a:schemeClr val="lt1"/>
+                </a:solidFill>
+                <a:latin typeface="Courier New"/>
+                <a:ea typeface="Courier New"/>
+                <a:cs typeface="Courier New"/>
+                <a:sym typeface="Courier New"/>
+              </a:rPr>
+              <a:t> + 1</a:t>
+            </a:r>
+          </a:p>
+          <a:p>
+            <a:pPr marL="0" marR="0" lvl="0" indent="0" algn="l" rtl="0">
+              <a:lnSpc>
+                <a:spcPct val="100000"/>
+              </a:lnSpc>
+              <a:spcBef>
+                <a:spcPts val="0"/>
+              </a:spcBef>
+              <a:spcAft>
+                <a:spcPts val="0"/>
+              </a:spcAft>
+              <a:buClr>
+                <a:srgbClr val="FFFF00"/>
+              </a:buClr>
+              <a:buSzPct val="25000"/>
+              <a:buFont typeface="Cabin"/>
+              <a:buNone/>
+            </a:pPr>
+            <a:r>
+              <a:rPr lang="en-US" sz="2400" b="1" i="0" u="none" strike="noStrike" cap="none" dirty="0" smtClean="0">
+                <a:solidFill>
+                  <a:srgbClr val="FFFF00"/>
+                </a:solidFill>
+                <a:latin typeface="Courier New"/>
+                <a:ea typeface="Courier New"/>
+                <a:cs typeface="Courier New"/>
+                <a:sym typeface="Courier New"/>
+              </a:rPr>
+              <a:t>print</a:t>
+            </a:r>
+            <a:r>
+              <a:rPr lang="en-US" sz="2400" b="1" dirty="0">
                 <a:solidFill>
                   <a:schemeClr val="lt1"/>
                 </a:solidFill>
@@ -13270,7 +14296,31 @@
               <a:t>(</a:t>
             </a:r>
             <a:r>
-              <a:rPr lang="en-US" sz="2400" b="1" i="0" u="none" strike="noStrike" cap="none">
+              <a:rPr lang="en-US" sz="2400" b="1" i="0" u="none" strike="noStrike" cap="none" dirty="0" smtClean="0">
+                <a:solidFill>
+                  <a:schemeClr val="lt1"/>
+                </a:solidFill>
+                <a:latin typeface="Courier New"/>
+                <a:ea typeface="Courier New"/>
+                <a:cs typeface="Courier New"/>
+                <a:sym typeface="Courier New"/>
+              </a:rPr>
+              <a:t>'There </a:t>
+            </a:r>
+            <a:r>
+              <a:rPr lang="en-US" sz="2400" b="1" i="0" u="none" strike="noStrike" cap="none" dirty="0">
+                <a:solidFill>
+                  <a:schemeClr val="lt1"/>
+                </a:solidFill>
+                <a:latin typeface="Courier New"/>
+                <a:ea typeface="Courier New"/>
+                <a:cs typeface="Courier New"/>
+                <a:sym typeface="Courier New"/>
+              </a:rPr>
+              <a:t>were', </a:t>
+            </a:r>
+            <a:r>
+              <a:rPr lang="en-US" sz="2400" b="1" i="0" u="none" strike="noStrike" cap="none" dirty="0">
                 <a:solidFill>
                   <a:srgbClr val="00FF00"/>
                 </a:solidFill>
@@ -13279,10 +14329,34 @@
                 <a:cs typeface="Courier New"/>
                 <a:sym typeface="Courier New"/>
               </a:rPr>
+              <a:t>count</a:t>
+            </a:r>
+            <a:r>
+              <a:rPr lang="en-US" sz="2400" b="1" i="0" u="none" strike="noStrike" cap="none" dirty="0">
+                <a:solidFill>
+                  <a:schemeClr val="lt1"/>
+                </a:solidFill>
+                <a:latin typeface="Courier New"/>
+                <a:ea typeface="Courier New"/>
+                <a:cs typeface="Courier New"/>
+                <a:sym typeface="Courier New"/>
+              </a:rPr>
+              <a:t>, 'subject lines in', </a:t>
+            </a:r>
+            <a:r>
+              <a:rPr lang="en-US" sz="2400" b="1" i="0" u="none" strike="noStrike" cap="none" dirty="0" err="1" smtClean="0">
+                <a:solidFill>
+                  <a:schemeClr val="lt1"/>
+                </a:solidFill>
+                <a:latin typeface="Courier New"/>
+                <a:ea typeface="Courier New"/>
+                <a:cs typeface="Courier New"/>
+                <a:sym typeface="Courier New"/>
+              </a:rPr>
               <a:t>fname</a:t>
             </a:r>
             <a:r>
-              <a:rPr lang="en-US" sz="2400" b="1" i="0" u="none" strike="noStrike" cap="none">
+              <a:rPr lang="en-US" sz="2400" b="1" i="0" u="none" strike="noStrike" cap="none" dirty="0" smtClean="0">
                 <a:solidFill>
                   <a:schemeClr val="lt1"/>
                 </a:solidFill>
@@ -13293,401 +14367,15 @@
               </a:rPr>
               <a:t>)</a:t>
             </a:r>
-          </a:p>
-          <a:p>
-            <a:pPr marL="0" marR="0" lvl="0" indent="0" algn="l" rtl="0">
-              <a:lnSpc>
-                <a:spcPct val="100000"/>
-              </a:lnSpc>
-              <a:spcBef>
-                <a:spcPts val="0"/>
-              </a:spcBef>
-              <a:spcAft>
-                <a:spcPts val="0"/>
-              </a:spcAft>
-              <a:buClr>
-                <a:srgbClr val="00FF00"/>
-              </a:buClr>
-              <a:buSzPct val="25000"/>
-              <a:buFont typeface="Cabin"/>
-              <a:buNone/>
-            </a:pPr>
-            <a:r>
-              <a:rPr lang="en-US" sz="2400" b="1" i="0" u="none" strike="noStrike" cap="none">
-                <a:solidFill>
-                  <a:srgbClr val="00FF00"/>
-                </a:solidFill>
-                <a:latin typeface="Courier New"/>
-                <a:ea typeface="Courier New"/>
-                <a:cs typeface="Courier New"/>
-                <a:sym typeface="Courier New"/>
-              </a:rPr>
-              <a:t>count</a:t>
-            </a:r>
-            <a:r>
-              <a:rPr lang="en-US" sz="2400" b="1" i="0" u="none" strike="noStrike" cap="none">
-                <a:solidFill>
-                  <a:schemeClr val="lt1"/>
-                </a:solidFill>
-                <a:latin typeface="Courier New"/>
-                <a:ea typeface="Courier New"/>
-                <a:cs typeface="Courier New"/>
-                <a:sym typeface="Courier New"/>
-              </a:rPr>
-              <a:t> = 0</a:t>
-            </a:r>
-          </a:p>
-          <a:p>
-            <a:pPr marL="0" marR="0" lvl="0" indent="0" algn="l" rtl="0">
-              <a:lnSpc>
-                <a:spcPct val="100000"/>
-              </a:lnSpc>
-              <a:spcBef>
-                <a:spcPts val="0"/>
-              </a:spcBef>
-              <a:spcAft>
-                <a:spcPts val="0"/>
-              </a:spcAft>
-              <a:buClr>
-                <a:srgbClr val="FFFF00"/>
-              </a:buClr>
-              <a:buSzPct val="25000"/>
-              <a:buFont typeface="Cabin"/>
-              <a:buNone/>
-            </a:pPr>
-            <a:r>
-              <a:rPr lang="en-US" sz="2400" b="1" i="0" u="none" strike="noStrike" cap="none">
-                <a:solidFill>
-                  <a:srgbClr val="FFFF00"/>
-                </a:solidFill>
-                <a:latin typeface="Courier New"/>
-                <a:ea typeface="Courier New"/>
-                <a:cs typeface="Courier New"/>
-                <a:sym typeface="Courier New"/>
-              </a:rPr>
-              <a:t>for</a:t>
-            </a:r>
-            <a:r>
-              <a:rPr lang="en-US" sz="2400" b="1" i="0" u="none" strike="noStrike" cap="none">
-                <a:solidFill>
-                  <a:schemeClr val="lt1"/>
-                </a:solidFill>
-                <a:latin typeface="Courier New"/>
-                <a:ea typeface="Courier New"/>
-                <a:cs typeface="Courier New"/>
-                <a:sym typeface="Courier New"/>
-              </a:rPr>
-              <a:t> </a:t>
-            </a:r>
-            <a:r>
-              <a:rPr lang="en-US" sz="2400" b="1" i="0" u="none" strike="noStrike" cap="none">
-                <a:solidFill>
-                  <a:srgbClr val="00FF00"/>
-                </a:solidFill>
-                <a:latin typeface="Courier New"/>
-                <a:ea typeface="Courier New"/>
-                <a:cs typeface="Courier New"/>
-                <a:sym typeface="Courier New"/>
-              </a:rPr>
-              <a:t>line</a:t>
-            </a:r>
-            <a:r>
-              <a:rPr lang="en-US" sz="2400" b="1" i="0" u="none" strike="noStrike" cap="none">
-                <a:solidFill>
-                  <a:schemeClr val="lt1"/>
-                </a:solidFill>
-                <a:latin typeface="Courier New"/>
-                <a:ea typeface="Courier New"/>
-                <a:cs typeface="Courier New"/>
-                <a:sym typeface="Courier New"/>
-              </a:rPr>
-              <a:t> </a:t>
-            </a:r>
-            <a:r>
-              <a:rPr lang="en-US" sz="2400" b="1" i="0" u="none" strike="noStrike" cap="none">
-                <a:solidFill>
-                  <a:srgbClr val="FFFF00"/>
-                </a:solidFill>
-                <a:latin typeface="Courier New"/>
-                <a:ea typeface="Courier New"/>
-                <a:cs typeface="Courier New"/>
-                <a:sym typeface="Courier New"/>
-              </a:rPr>
-              <a:t>in</a:t>
-            </a:r>
-            <a:r>
-              <a:rPr lang="en-US" sz="2400" b="1" i="0" u="none" strike="noStrike" cap="none">
-                <a:solidFill>
-                  <a:schemeClr val="lt1"/>
-                </a:solidFill>
-                <a:latin typeface="Courier New"/>
-                <a:ea typeface="Courier New"/>
-                <a:cs typeface="Courier New"/>
-                <a:sym typeface="Courier New"/>
-              </a:rPr>
-              <a:t> </a:t>
-            </a:r>
-            <a:r>
-              <a:rPr lang="en-US" sz="2400" b="1" i="0" u="none" strike="noStrike" cap="none">
-                <a:solidFill>
-                  <a:srgbClr val="00FF00"/>
-                </a:solidFill>
-                <a:latin typeface="Courier New"/>
-                <a:ea typeface="Courier New"/>
-                <a:cs typeface="Courier New"/>
-                <a:sym typeface="Courier New"/>
-              </a:rPr>
-              <a:t>fhand</a:t>
-            </a:r>
-            <a:r>
-              <a:rPr lang="en-US" sz="2400" b="1" i="0" u="none" strike="noStrike" cap="none">
-                <a:solidFill>
-                  <a:schemeClr val="lt1"/>
-                </a:solidFill>
-                <a:latin typeface="Courier New"/>
-                <a:ea typeface="Courier New"/>
-                <a:cs typeface="Courier New"/>
-                <a:sym typeface="Courier New"/>
-              </a:rPr>
-              <a:t>:</a:t>
-            </a:r>
-          </a:p>
-          <a:p>
-            <a:pPr marL="0" marR="0" lvl="0" indent="0" algn="l" rtl="0">
-              <a:lnSpc>
-                <a:spcPct val="100000"/>
-              </a:lnSpc>
-              <a:spcBef>
-                <a:spcPts val="0"/>
-              </a:spcBef>
-              <a:spcAft>
-                <a:spcPts val="0"/>
-              </a:spcAft>
-              <a:buClr>
+            <a:endParaRPr lang="en-US" sz="2400" b="1" i="0" u="none" strike="noStrike" cap="none" dirty="0">
+              <a:solidFill>
                 <a:schemeClr val="lt1"/>
-              </a:buClr>
-              <a:buSzPct val="25000"/>
-              <a:buFont typeface="Cabin"/>
-              <a:buNone/>
-            </a:pPr>
-            <a:r>
-              <a:rPr lang="en-US" sz="2400" b="1" i="0" u="none" strike="noStrike" cap="none">
-                <a:solidFill>
-                  <a:schemeClr val="lt1"/>
-                </a:solidFill>
-                <a:latin typeface="Courier New"/>
-                <a:ea typeface="Courier New"/>
-                <a:cs typeface="Courier New"/>
-                <a:sym typeface="Courier New"/>
-              </a:rPr>
-              <a:t>    </a:t>
-            </a:r>
-            <a:r>
-              <a:rPr lang="en-US" sz="2400" b="1" i="0" u="none" strike="noStrike" cap="none">
-                <a:solidFill>
-                  <a:srgbClr val="FFFF00"/>
-                </a:solidFill>
-                <a:latin typeface="Courier New"/>
-                <a:ea typeface="Courier New"/>
-                <a:cs typeface="Courier New"/>
-                <a:sym typeface="Courier New"/>
-              </a:rPr>
-              <a:t>if</a:t>
-            </a:r>
-            <a:r>
-              <a:rPr lang="en-US" sz="2400" b="1" i="0" u="none" strike="noStrike" cap="none">
-                <a:solidFill>
-                  <a:schemeClr val="lt1"/>
-                </a:solidFill>
-                <a:latin typeface="Courier New"/>
-                <a:ea typeface="Courier New"/>
-                <a:cs typeface="Courier New"/>
-                <a:sym typeface="Courier New"/>
-              </a:rPr>
-              <a:t> </a:t>
-            </a:r>
-            <a:r>
-              <a:rPr lang="en-US" sz="2400" b="1" i="0" u="none" strike="noStrike" cap="none">
-                <a:solidFill>
-                  <a:srgbClr val="00FF00"/>
-                </a:solidFill>
-                <a:latin typeface="Courier New"/>
-                <a:ea typeface="Courier New"/>
-                <a:cs typeface="Courier New"/>
-                <a:sym typeface="Courier New"/>
-              </a:rPr>
-              <a:t>line</a:t>
-            </a:r>
-            <a:r>
-              <a:rPr lang="en-US" sz="2400" b="1" i="0" u="none" strike="noStrike" cap="none">
-                <a:solidFill>
-                  <a:srgbClr val="FF00FF"/>
-                </a:solidFill>
-                <a:latin typeface="Courier New"/>
-                <a:ea typeface="Courier New"/>
-                <a:cs typeface="Courier New"/>
-                <a:sym typeface="Courier New"/>
-              </a:rPr>
-              <a:t>.startswith</a:t>
-            </a:r>
-            <a:r>
-              <a:rPr lang="en-US" sz="2400" b="1" i="0" u="none" strike="noStrike" cap="none">
-                <a:solidFill>
-                  <a:schemeClr val="lt1"/>
-                </a:solidFill>
-                <a:latin typeface="Courier New"/>
-                <a:ea typeface="Courier New"/>
-                <a:cs typeface="Courier New"/>
-                <a:sym typeface="Courier New"/>
-              </a:rPr>
-              <a:t>('Subject:') :</a:t>
-            </a:r>
-          </a:p>
-          <a:p>
-            <a:pPr marL="0" marR="0" lvl="0" indent="0" algn="l" rtl="0">
-              <a:lnSpc>
-                <a:spcPct val="100000"/>
-              </a:lnSpc>
-              <a:spcBef>
-                <a:spcPts val="0"/>
-              </a:spcBef>
-              <a:spcAft>
-                <a:spcPts val="0"/>
-              </a:spcAft>
-              <a:buClr>
-                <a:schemeClr val="lt1"/>
-              </a:buClr>
-              <a:buSzPct val="25000"/>
-              <a:buFont typeface="Cabin"/>
-              <a:buNone/>
-            </a:pPr>
-            <a:r>
-              <a:rPr lang="en-US" sz="2400" b="1" i="0" u="none" strike="noStrike" cap="none">
-                <a:solidFill>
-                  <a:schemeClr val="lt1"/>
-                </a:solidFill>
-                <a:latin typeface="Courier New"/>
-                <a:ea typeface="Courier New"/>
-                <a:cs typeface="Courier New"/>
-                <a:sym typeface="Courier New"/>
-              </a:rPr>
-              <a:t>        </a:t>
-            </a:r>
-            <a:r>
-              <a:rPr lang="en-US" sz="2400" b="1" i="0" u="none" strike="noStrike" cap="none">
-                <a:solidFill>
-                  <a:srgbClr val="00FF00"/>
-                </a:solidFill>
-                <a:latin typeface="Courier New"/>
-                <a:ea typeface="Courier New"/>
-                <a:cs typeface="Courier New"/>
-                <a:sym typeface="Courier New"/>
-              </a:rPr>
-              <a:t>count</a:t>
-            </a:r>
-            <a:r>
-              <a:rPr lang="en-US" sz="2400" b="1" i="0" u="none" strike="noStrike" cap="none">
-                <a:solidFill>
-                  <a:schemeClr val="lt1"/>
-                </a:solidFill>
-                <a:latin typeface="Courier New"/>
-                <a:ea typeface="Courier New"/>
-                <a:cs typeface="Courier New"/>
-                <a:sym typeface="Courier New"/>
-              </a:rPr>
-              <a:t> = </a:t>
-            </a:r>
-            <a:r>
-              <a:rPr lang="en-US" sz="2400" b="1" i="0" u="none" strike="noStrike" cap="none">
-                <a:solidFill>
-                  <a:srgbClr val="00FF00"/>
-                </a:solidFill>
-                <a:latin typeface="Courier New"/>
-                <a:ea typeface="Courier New"/>
-                <a:cs typeface="Courier New"/>
-                <a:sym typeface="Courier New"/>
-              </a:rPr>
-              <a:t>count</a:t>
-            </a:r>
-            <a:r>
-              <a:rPr lang="en-US" sz="2400" b="1" i="0" u="none" strike="noStrike" cap="none">
-                <a:solidFill>
-                  <a:schemeClr val="lt1"/>
-                </a:solidFill>
-                <a:latin typeface="Courier New"/>
-                <a:ea typeface="Courier New"/>
-                <a:cs typeface="Courier New"/>
-                <a:sym typeface="Courier New"/>
-              </a:rPr>
-              <a:t> + 1</a:t>
-            </a:r>
-          </a:p>
-          <a:p>
-            <a:pPr marL="0" marR="0" lvl="0" indent="0" algn="l" rtl="0">
-              <a:lnSpc>
-                <a:spcPct val="100000"/>
-              </a:lnSpc>
-              <a:spcBef>
-                <a:spcPts val="0"/>
-              </a:spcBef>
-              <a:spcAft>
-                <a:spcPts val="0"/>
-              </a:spcAft>
-              <a:buClr>
-                <a:srgbClr val="FFFF00"/>
-              </a:buClr>
-              <a:buSzPct val="25000"/>
-              <a:buFont typeface="Cabin"/>
-              <a:buNone/>
-            </a:pPr>
-            <a:r>
-              <a:rPr lang="en-US" sz="2400" b="1" i="0" u="none" strike="noStrike" cap="none">
-                <a:solidFill>
-                  <a:srgbClr val="FFFF00"/>
-                </a:solidFill>
-                <a:latin typeface="Courier New"/>
-                <a:ea typeface="Courier New"/>
-                <a:cs typeface="Courier New"/>
-                <a:sym typeface="Courier New"/>
-              </a:rPr>
-              <a:t>print</a:t>
-            </a:r>
-            <a:r>
-              <a:rPr lang="en-US" sz="2400" b="1" i="0" u="none" strike="noStrike" cap="none">
-                <a:solidFill>
-                  <a:schemeClr val="lt1"/>
-                </a:solidFill>
-                <a:latin typeface="Courier New"/>
-                <a:ea typeface="Courier New"/>
-                <a:cs typeface="Courier New"/>
-                <a:sym typeface="Courier New"/>
-              </a:rPr>
-              <a:t> 'There were', </a:t>
-            </a:r>
-            <a:r>
-              <a:rPr lang="en-US" sz="2400" b="1" i="0" u="none" strike="noStrike" cap="none">
-                <a:solidFill>
-                  <a:srgbClr val="00FF00"/>
-                </a:solidFill>
-                <a:latin typeface="Courier New"/>
-                <a:ea typeface="Courier New"/>
-                <a:cs typeface="Courier New"/>
-                <a:sym typeface="Courier New"/>
-              </a:rPr>
-              <a:t>count</a:t>
-            </a:r>
-            <a:r>
-              <a:rPr lang="en-US" sz="2400" b="1" i="0" u="none" strike="noStrike" cap="none">
-                <a:solidFill>
-                  <a:schemeClr val="lt1"/>
-                </a:solidFill>
-                <a:latin typeface="Courier New"/>
-                <a:ea typeface="Courier New"/>
-                <a:cs typeface="Courier New"/>
-                <a:sym typeface="Courier New"/>
-              </a:rPr>
-              <a:t>, 'subject lines in', fname</a:t>
-            </a:r>
+              </a:solidFill>
+              <a:latin typeface="Courier New"/>
+              <a:ea typeface="Courier New"/>
+              <a:cs typeface="Courier New"/>
+              <a:sym typeface="Courier New"/>
+            </a:endParaRPr>
           </a:p>
         </p:txBody>
       </p:sp>
@@ -13699,8 +14387,8 @@
         </p:nvSpPr>
         <p:spPr>
           <a:xfrm>
-            <a:off x="7059611" y="5441950"/>
-            <a:ext cx="8643899" cy="2768700"/>
+            <a:off x="7059611" y="4843463"/>
+            <a:ext cx="8643899" cy="3367187"/>
           </a:xfrm>
           <a:prstGeom prst="rect">
             <a:avLst/>
@@ -13746,7 +14434,7 @@
               <a:t>Enter the file name:  </a:t>
             </a:r>
             <a:r>
-              <a:rPr lang="en-US" sz="3600" u="none" strike="noStrike" cap="none">
+              <a:rPr lang="en-US" sz="3600" u="none" strike="noStrike" cap="none" dirty="0" err="1">
                 <a:solidFill>
                   <a:srgbClr val="FFFF00"/>
                 </a:solidFill>
@@ -13757,6 +14445,15 @@
               </a:rPr>
               <a:t>mbox.txt</a:t>
             </a:r>
+            <a:endParaRPr lang="en-US" sz="3600" u="none" strike="noStrike" cap="none" dirty="0">
+              <a:solidFill>
+                <a:srgbClr val="FFFF00"/>
+              </a:solidFill>
+              <a:latin typeface="Arial" charset="0"/>
+              <a:ea typeface="Arial" charset="0"/>
+              <a:cs typeface="Arial" charset="0"/>
+              <a:sym typeface="Cabin"/>
+            </a:endParaRPr>
           </a:p>
           <a:p>
             <a:pPr marL="0" marR="0" lvl="0" indent="0" algn="l" rtl="0">
@@ -13777,7 +14474,7 @@
               <a:buNone/>
             </a:pPr>
             <a:r>
-              <a:rPr lang="en-US" sz="3600" u="none" strike="noStrike" cap="none">
+              <a:rPr lang="en-US" sz="3600" u="none" strike="noStrike" cap="none" dirty="0">
                 <a:solidFill>
                   <a:srgbClr val="FF00FF"/>
                 </a:solidFill>
@@ -13786,23 +14483,21 @@
                 <a:cs typeface="Arial" charset="0"/>
                 <a:sym typeface="Cabin"/>
               </a:rPr>
-              <a:t>There were 1797 subject lines in mbox.txt</a:t>
-            </a:r>
-          </a:p>
-          <a:p>
-            <a:pPr marL="0" marR="0" lvl="0" indent="0" algn="ctr" rtl="0">
-              <a:lnSpc>
-                <a:spcPct val="100000"/>
-              </a:lnSpc>
-              <a:spcBef>
-                <a:spcPts val="0"/>
-              </a:spcBef>
-              <a:spcAft>
-                <a:spcPts val="0"/>
-              </a:spcAft>
-              <a:buNone/>
-            </a:pPr>
-            <a:endParaRPr sz="3600" u="none" strike="noStrike" cap="none">
+              <a:t>There were 1797 subject lines in </a:t>
+            </a:r>
+            <a:r>
+              <a:rPr lang="en-US" sz="3600" u="none" strike="noStrike" cap="none" dirty="0" err="1">
+                <a:solidFill>
+                  <a:srgbClr val="FF00FF"/>
+                </a:solidFill>
+                <a:latin typeface="Arial" charset="0"/>
+                <a:ea typeface="Arial" charset="0"/>
+                <a:cs typeface="Arial" charset="0"/>
+                <a:sym typeface="Cabin"/>
+              </a:rPr>
+              <a:t>mbox.txt</a:t>
+            </a:r>
+            <a:endParaRPr lang="en-US" sz="3600" u="none" strike="noStrike" cap="none" dirty="0">
               <a:solidFill>
                 <a:srgbClr val="FF00FF"/>
               </a:solidFill>
@@ -13813,6 +14508,29 @@
             </a:endParaRPr>
           </a:p>
           <a:p>
+            <a:pPr marL="0" marR="0" lvl="0" indent="0" algn="ctr" rtl="0">
+              <a:lnSpc>
+                <a:spcPct val="100000"/>
+              </a:lnSpc>
+              <a:spcBef>
+                <a:spcPts val="0"/>
+              </a:spcBef>
+              <a:spcAft>
+                <a:spcPts val="0"/>
+              </a:spcAft>
+              <a:buNone/>
+            </a:pPr>
+            <a:endParaRPr sz="3600" u="none" strike="noStrike" cap="none" dirty="0">
+              <a:solidFill>
+                <a:srgbClr val="FF00FF"/>
+              </a:solidFill>
+              <a:latin typeface="Arial" charset="0"/>
+              <a:ea typeface="Arial" charset="0"/>
+              <a:cs typeface="Arial" charset="0"/>
+              <a:sym typeface="Cabin"/>
+            </a:endParaRPr>
+          </a:p>
+          <a:p>
             <a:pPr marL="0" marR="0" lvl="0" indent="0" algn="l" rtl="0">
               <a:lnSpc>
                 <a:spcPct val="100000"/>
@@ -13831,7 +14549,7 @@
               <a:buNone/>
             </a:pPr>
             <a:r>
-              <a:rPr lang="en-US" sz="3600" u="none" strike="noStrike" cap="none">
+              <a:rPr lang="en-US" sz="3600" u="none" strike="noStrike" cap="none" dirty="0">
                 <a:solidFill>
                   <a:srgbClr val="FF00FF"/>
                 </a:solidFill>
@@ -13843,7 +14561,7 @@
               <a:t>Enter the file name: </a:t>
             </a:r>
             <a:r>
-              <a:rPr lang="en-US" sz="3600" u="none" strike="noStrike" cap="none">
+              <a:rPr lang="en-US" sz="3600" u="none" strike="noStrike" cap="none" dirty="0" err="1">
                 <a:solidFill>
                   <a:srgbClr val="FFFF00"/>
                 </a:solidFill>
@@ -13854,6 +14572,15 @@
               </a:rPr>
               <a:t>mbox-short.txt</a:t>
             </a:r>
+            <a:endParaRPr lang="en-US" sz="3600" u="none" strike="noStrike" cap="none" dirty="0">
+              <a:solidFill>
+                <a:srgbClr val="FFFF00"/>
+              </a:solidFill>
+              <a:latin typeface="Arial" charset="0"/>
+              <a:ea typeface="Arial" charset="0"/>
+              <a:cs typeface="Arial" charset="0"/>
+              <a:sym typeface="Cabin"/>
+            </a:endParaRPr>
           </a:p>
           <a:p>
             <a:pPr marL="0" marR="0" lvl="0" indent="0" algn="l" rtl="0">
@@ -13874,7 +14601,7 @@
               <a:buNone/>
             </a:pPr>
             <a:r>
-              <a:rPr lang="en-US" sz="3600" u="none" strike="noStrike" cap="none">
+              <a:rPr lang="en-US" sz="3600" u="none" strike="noStrike" cap="none" dirty="0">
                 <a:solidFill>
                   <a:srgbClr val="FF00FF"/>
                 </a:solidFill>
@@ -13883,8 +14610,29 @@
                 <a:cs typeface="Arial" charset="0"/>
                 <a:sym typeface="Cabin"/>
               </a:rPr>
-              <a:t>There were 27 subject lines in mbox-short.txt</a:t>
-            </a:r>
+              <a:t>There were 27 subject lines in </a:t>
+            </a:r>
+            <a:r>
+              <a:rPr lang="en-US" sz="3600" u="none" strike="noStrike" cap="none" dirty="0" err="1">
+                <a:solidFill>
+                  <a:srgbClr val="FF00FF"/>
+                </a:solidFill>
+                <a:latin typeface="Arial" charset="0"/>
+                <a:ea typeface="Arial" charset="0"/>
+                <a:cs typeface="Arial" charset="0"/>
+                <a:sym typeface="Cabin"/>
+              </a:rPr>
+              <a:t>mbox-short.txt</a:t>
+            </a:r>
+            <a:endParaRPr lang="en-US" sz="3600" u="none" strike="noStrike" cap="none" dirty="0">
+              <a:solidFill>
+                <a:srgbClr val="FF00FF"/>
+              </a:solidFill>
+              <a:latin typeface="Arial" charset="0"/>
+              <a:ea typeface="Arial" charset="0"/>
+              <a:cs typeface="Arial" charset="0"/>
+              <a:sym typeface="Cabin"/>
+            </a:endParaRPr>
           </a:p>
         </p:txBody>
       </p:sp>
@@ -13896,8 +14644,8 @@
         </p:nvCxnSpPr>
         <p:spPr>
           <a:xfrm>
-            <a:off x="8752675" y="1701975"/>
-            <a:ext cx="993000" cy="369599"/>
+            <a:off x="8043862" y="1414463"/>
+            <a:ext cx="1744675" cy="414224"/>
           </a:xfrm>
           <a:prstGeom prst="straightConnector1">
             <a:avLst/>
@@ -13922,7 +14670,7 @@
         </p:nvCxnSpPr>
         <p:spPr>
           <a:xfrm rot="10800000" flipH="1">
-            <a:off x="12563475" y="4540362"/>
+            <a:off x="13096124" y="4313999"/>
             <a:ext cx="1065300" cy="671400"/>
           </a:xfrm>
           <a:prstGeom prst="straightConnector1">
@@ -13976,6 +14724,10 @@
           </p:nvPr>
         </p:nvSpPr>
         <p:spPr>
+          <a:xfrm>
+            <a:off x="1112837" y="1661246"/>
+            <a:ext cx="3687763" cy="1750191"/>
+          </a:xfrm>
           <a:prstGeom prst="rect">
             <a:avLst/>
           </a:prstGeom>
@@ -14024,32 +14776,13 @@
       </p:sp>
       <p:sp>
         <p:nvSpPr>
-          <p:cNvPr id="2" name="Text Placeholder 1"/>
-          <p:cNvSpPr>
-            <a:spLocks noGrp="1"/>
-          </p:cNvSpPr>
-          <p:nvPr>
-            <p:ph type="body" idx="1"/>
-          </p:nvPr>
-        </p:nvSpPr>
-        <p:spPr/>
-        <p:txBody>
-          <a:bodyPr/>
-          <a:lstStyle/>
-          <a:p>
-            <a:endParaRPr lang="en-US"/>
-          </a:p>
-        </p:txBody>
-      </p:sp>
-      <p:sp>
-        <p:nvSpPr>
           <p:cNvPr id="365" name="Shape 365"/>
           <p:cNvSpPr txBox="1"/>
           <p:nvPr/>
         </p:nvSpPr>
         <p:spPr>
           <a:xfrm>
-            <a:off x="5423775" y="344475"/>
+            <a:off x="5580938" y="887400"/>
             <a:ext cx="10205700" cy="4735800"/>
           </a:xfrm>
           <a:prstGeom prst="rect">
@@ -14090,7 +14823,7 @@
               <a:buNone/>
             </a:pPr>
             <a:r>
-              <a:rPr lang="en-US" sz="2400" b="1">
+              <a:rPr lang="en-US" sz="2400" b="1" dirty="0">
                 <a:solidFill>
                   <a:srgbClr val="00FF00"/>
                 </a:solidFill>
@@ -14102,7 +14835,7 @@
               <a:t>  </a:t>
             </a:r>
             <a:r>
-              <a:rPr lang="en-US" sz="2400" b="1" i="0" u="none" strike="noStrike" cap="none">
+              <a:rPr lang="en-US" sz="2400" b="1" i="0" u="none" strike="noStrike" cap="none" dirty="0" err="1">
                 <a:solidFill>
                   <a:srgbClr val="00FF00"/>
                 </a:solidFill>
@@ -14114,7 +14847,7 @@
               <a:t>fname</a:t>
             </a:r>
             <a:r>
-              <a:rPr lang="en-US" sz="2400" b="1" i="0" u="none" strike="noStrike" cap="none">
+              <a:rPr lang="en-US" sz="2400" b="1" i="0" u="none" strike="noStrike" cap="none" dirty="0">
                 <a:solidFill>
                   <a:schemeClr val="lt1"/>
                 </a:solidFill>
@@ -14126,7 +14859,7 @@
               <a:t> = </a:t>
             </a:r>
             <a:r>
-              <a:rPr lang="en-US" sz="2400" b="1" i="0" u="none" strike="noStrike" cap="none">
+              <a:rPr lang="en-US" sz="2400" b="1" i="0" u="none" strike="noStrike" cap="none" dirty="0" smtClean="0">
                 <a:solidFill>
                   <a:srgbClr val="FF00FF"/>
                 </a:solidFill>
@@ -14135,10 +14868,10 @@
                 <a:cs typeface="Courier New"/>
                 <a:sym typeface="Courier New"/>
               </a:rPr>
-              <a:t>raw_input</a:t>
-            </a:r>
-            <a:r>
-              <a:rPr lang="en-US" sz="2400" b="1" i="0" u="none" strike="noStrike" cap="none">
+              <a:t>input</a:t>
+            </a:r>
+            <a:r>
+              <a:rPr lang="en-US" sz="2400" b="1" i="0" u="none" strike="noStrike" cap="none" dirty="0">
                 <a:solidFill>
                   <a:schemeClr val="lt1"/>
                 </a:solidFill>
@@ -14169,7 +14902,7 @@
               <a:buNone/>
             </a:pPr>
             <a:r>
-              <a:rPr lang="en-US" sz="2400" b="1">
+              <a:rPr lang="en-US" sz="2400" b="1" dirty="0">
                 <a:solidFill>
                   <a:srgbClr val="FFFF00"/>
                 </a:solidFill>
@@ -14181,7 +14914,7 @@
               <a:t>  </a:t>
             </a:r>
             <a:r>
-              <a:rPr lang="en-US" sz="2400" b="1" i="0" u="none" strike="noStrike" cap="none">
+              <a:rPr lang="en-US" sz="2400" b="1" i="0" u="none" strike="noStrike" cap="none" dirty="0">
                 <a:solidFill>
                   <a:srgbClr val="FFFF00"/>
                 </a:solidFill>
@@ -14193,7 +14926,7 @@
               <a:t>try</a:t>
             </a:r>
             <a:r>
-              <a:rPr lang="en-US" sz="2400" b="1" i="0" u="none" strike="noStrike" cap="none">
+              <a:rPr lang="en-US" sz="2400" b="1" i="0" u="none" strike="noStrike" cap="none" dirty="0">
                 <a:solidFill>
                   <a:schemeClr val="lt1"/>
                 </a:solidFill>
@@ -14224,7 +14957,7 @@
               <a:buNone/>
             </a:pPr>
             <a:r>
-              <a:rPr lang="en-US" sz="2400" b="1" i="0" u="none" strike="noStrike" cap="none">
+              <a:rPr lang="en-US" sz="2400" b="1" i="0" u="none" strike="noStrike" cap="none" dirty="0">
                 <a:solidFill>
                   <a:schemeClr val="lt1"/>
                 </a:solidFill>
@@ -14236,7 +14969,7 @@
               <a:t>      </a:t>
             </a:r>
             <a:r>
-              <a:rPr lang="en-US" sz="2400" b="1" i="0" u="none" strike="noStrike" cap="none">
+              <a:rPr lang="en-US" sz="2400" b="1" i="0" u="none" strike="noStrike" cap="none" dirty="0" err="1">
                 <a:solidFill>
                   <a:srgbClr val="00FF00"/>
                 </a:solidFill>
@@ -14248,7 +14981,7 @@
               <a:t>fhand</a:t>
             </a:r>
             <a:r>
-              <a:rPr lang="en-US" sz="2400" b="1" i="0" u="none" strike="noStrike" cap="none">
+              <a:rPr lang="en-US" sz="2400" b="1" i="0" u="none" strike="noStrike" cap="none" dirty="0">
                 <a:solidFill>
                   <a:schemeClr val="lt1"/>
                 </a:solidFill>
@@ -14260,7 +14993,7 @@
               <a:t> = </a:t>
             </a:r>
             <a:r>
-              <a:rPr lang="en-US" sz="2400" b="1" i="0" u="none" strike="noStrike" cap="none">
+              <a:rPr lang="en-US" sz="2400" b="1" i="0" u="none" strike="noStrike" cap="none" dirty="0">
                 <a:solidFill>
                   <a:srgbClr val="FF00FF"/>
                 </a:solidFill>
@@ -14272,7 +15005,7 @@
               <a:t>open</a:t>
             </a:r>
             <a:r>
-              <a:rPr lang="en-US" sz="2400" b="1" i="0" u="none" strike="noStrike" cap="none">
+              <a:rPr lang="en-US" sz="2400" b="1" i="0" u="none" strike="noStrike" cap="none" dirty="0">
                 <a:solidFill>
                   <a:schemeClr val="lt1"/>
                 </a:solidFill>
@@ -14284,7 +15017,7 @@
               <a:t>(</a:t>
             </a:r>
             <a:r>
-              <a:rPr lang="en-US" sz="2400" b="1" i="0" u="none" strike="noStrike" cap="none">
+              <a:rPr lang="en-US" sz="2400" b="1" i="0" u="none" strike="noStrike" cap="none" dirty="0" err="1">
                 <a:solidFill>
                   <a:srgbClr val="00FF00"/>
                 </a:solidFill>
@@ -14296,7 +15029,7 @@
               <a:t>fname</a:t>
             </a:r>
             <a:r>
-              <a:rPr lang="en-US" sz="2400" b="1" i="0" u="none" strike="noStrike" cap="none">
+              <a:rPr lang="en-US" sz="2400" b="1" i="0" u="none" strike="noStrike" cap="none" dirty="0">
                 <a:solidFill>
                   <a:schemeClr val="lt1"/>
                 </a:solidFill>
@@ -14327,7 +15060,7 @@
               <a:buNone/>
             </a:pPr>
             <a:r>
-              <a:rPr lang="en-US" sz="2400" b="1">
+              <a:rPr lang="en-US" sz="2400" b="1" dirty="0">
                 <a:solidFill>
                   <a:srgbClr val="FFFF00"/>
                 </a:solidFill>
@@ -14339,7 +15072,7 @@
               <a:t>  </a:t>
             </a:r>
             <a:r>
-              <a:rPr lang="en-US" sz="2400" b="1" i="0" u="none" strike="noStrike" cap="none">
+              <a:rPr lang="en-US" sz="2400" b="1" i="0" u="none" strike="noStrike" cap="none" dirty="0">
                 <a:solidFill>
                   <a:srgbClr val="FFFF00"/>
                 </a:solidFill>
@@ -14351,7 +15084,7 @@
               <a:t>except</a:t>
             </a:r>
             <a:r>
-              <a:rPr lang="en-US" sz="2400" b="1" i="0" u="none" strike="noStrike" cap="none">
+              <a:rPr lang="en-US" sz="2400" b="1" i="0" u="none" strike="noStrike" cap="none" dirty="0">
                 <a:solidFill>
                   <a:schemeClr val="lt1"/>
                 </a:solidFill>
@@ -14364,6 +15097,107 @@
             </a:r>
           </a:p>
           <a:p>
+            <a:pPr lvl="0">
+              <a:buClr>
+                <a:schemeClr val="lt1"/>
+              </a:buClr>
+              <a:buSzPct val="25000"/>
+            </a:pPr>
+            <a:r>
+              <a:rPr lang="en-US" sz="2400" b="1" i="0" u="none" strike="noStrike" cap="none" dirty="0">
+                <a:solidFill>
+                  <a:schemeClr val="lt1"/>
+                </a:solidFill>
+                <a:latin typeface="Courier New"/>
+                <a:ea typeface="Courier New"/>
+                <a:cs typeface="Courier New"/>
+                <a:sym typeface="Courier New"/>
+              </a:rPr>
+              <a:t>      </a:t>
+            </a:r>
+            <a:r>
+              <a:rPr lang="en-US" sz="2400" b="1" i="0" u="none" strike="noStrike" cap="none" dirty="0" smtClean="0">
+                <a:solidFill>
+                  <a:srgbClr val="FFFF00"/>
+                </a:solidFill>
+                <a:latin typeface="Courier New"/>
+                <a:ea typeface="Courier New"/>
+                <a:cs typeface="Courier New"/>
+                <a:sym typeface="Courier New"/>
+              </a:rPr>
+              <a:t>print</a:t>
+            </a:r>
+            <a:r>
+              <a:rPr lang="en-US" sz="2400" b="1" dirty="0">
+                <a:solidFill>
+                  <a:schemeClr val="lt1"/>
+                </a:solidFill>
+                <a:latin typeface="Courier New"/>
+                <a:ea typeface="Courier New"/>
+                <a:cs typeface="Courier New"/>
+                <a:sym typeface="Courier New"/>
+              </a:rPr>
+              <a:t>(</a:t>
+            </a:r>
+            <a:r>
+              <a:rPr lang="en-US" sz="2400" b="1" i="0" u="none" strike="noStrike" cap="none" dirty="0" smtClean="0">
+                <a:solidFill>
+                  <a:schemeClr val="lt1"/>
+                </a:solidFill>
+                <a:latin typeface="Courier New"/>
+                <a:ea typeface="Courier New"/>
+                <a:cs typeface="Courier New"/>
+                <a:sym typeface="Courier New"/>
+              </a:rPr>
+              <a:t>'File </a:t>
+            </a:r>
+            <a:r>
+              <a:rPr lang="en-US" sz="2400" b="1" i="0" u="none" strike="noStrike" cap="none" dirty="0">
+                <a:solidFill>
+                  <a:schemeClr val="lt1"/>
+                </a:solidFill>
+                <a:latin typeface="Courier New"/>
+                <a:ea typeface="Courier New"/>
+                <a:cs typeface="Courier New"/>
+                <a:sym typeface="Courier New"/>
+              </a:rPr>
+              <a:t>cannot be opened:', </a:t>
+            </a:r>
+            <a:r>
+              <a:rPr lang="en-US" sz="2400" b="1" i="0" u="none" strike="noStrike" cap="none" dirty="0" err="1" smtClean="0">
+                <a:solidFill>
+                  <a:srgbClr val="00FF00"/>
+                </a:solidFill>
+                <a:latin typeface="Courier New"/>
+                <a:ea typeface="Courier New"/>
+                <a:cs typeface="Courier New"/>
+                <a:sym typeface="Courier New"/>
+              </a:rPr>
+              <a:t>fname</a:t>
+            </a:r>
+            <a:r>
+              <a:rPr lang="en-US" sz="2400" b="1" dirty="0">
+                <a:solidFill>
+                  <a:schemeClr val="lt1"/>
+                </a:solidFill>
+                <a:latin typeface="Courier New"/>
+                <a:ea typeface="Courier New"/>
+                <a:cs typeface="Courier New"/>
+                <a:sym typeface="Courier New"/>
+              </a:rPr>
+              <a:t>)</a:t>
+            </a:r>
+            <a:endParaRPr lang="en-US" sz="2400" b="1" i="0" u="none" strike="noStrike" cap="none" dirty="0">
+              <a:solidFill>
+                <a:srgbClr val="00FF00"/>
+              </a:solidFill>
+              <a:latin typeface="Courier New"/>
+              <a:ea typeface="Courier New"/>
+              <a:cs typeface="Courier New"/>
+              <a:sym typeface="Courier New"/>
+            </a:endParaRPr>
+          </a:p>
+          <a:p>
             <a:pPr marL="0" marR="0" lvl="0" indent="0" algn="l" rtl="0">
               <a:lnSpc>
                 <a:spcPct val="100000"/>
@@ -14382,7 +15216,7 @@
               <a:buNone/>
             </a:pPr>
             <a:r>
-              <a:rPr lang="en-US" sz="2400" b="1" i="0" u="none" strike="noStrike" cap="none">
+              <a:rPr lang="en-US" sz="2400" b="1" i="0" u="none" strike="noStrike" cap="none" dirty="0">
                 <a:solidFill>
                   <a:schemeClr val="lt1"/>
                 </a:solidFill>
@@ -14394,74 +15228,7 @@
               <a:t>      </a:t>
             </a:r>
             <a:r>
-              <a:rPr lang="en-US" sz="2400" b="1" i="0" u="none" strike="noStrike" cap="none">
-                <a:solidFill>
-                  <a:srgbClr val="FFFF00"/>
-                </a:solidFill>
-                <a:latin typeface="Courier New"/>
-                <a:ea typeface="Courier New"/>
-                <a:cs typeface="Courier New"/>
-                <a:sym typeface="Courier New"/>
-              </a:rPr>
-              <a:t>print</a:t>
-            </a:r>
-            <a:r>
-              <a:rPr lang="en-US" sz="2400" b="1" i="0" u="none" strike="noStrike" cap="none">
-                <a:solidFill>
-                  <a:schemeClr val="lt1"/>
-                </a:solidFill>
-                <a:latin typeface="Courier New"/>
-                <a:ea typeface="Courier New"/>
-                <a:cs typeface="Courier New"/>
-                <a:sym typeface="Courier New"/>
-              </a:rPr>
-              <a:t> 'File cannot be opened:', </a:t>
-            </a:r>
-            <a:r>
-              <a:rPr lang="en-US" sz="2400" b="1" i="0" u="none" strike="noStrike" cap="none">
-                <a:solidFill>
-                  <a:srgbClr val="00FF00"/>
-                </a:solidFill>
-                <a:latin typeface="Courier New"/>
-                <a:ea typeface="Courier New"/>
-                <a:cs typeface="Courier New"/>
-                <a:sym typeface="Courier New"/>
-              </a:rPr>
-              <a:t>fname</a:t>
-            </a:r>
-          </a:p>
-          <a:p>
-            <a:pPr marL="0" marR="0" lvl="0" indent="0" algn="l" rtl="0">
-              <a:lnSpc>
-                <a:spcPct val="100000"/>
-              </a:lnSpc>
-              <a:spcBef>
-                <a:spcPts val="0"/>
-              </a:spcBef>
-              <a:spcAft>
-                <a:spcPts val="0"/>
-              </a:spcAft>
-              <a:buClr>
-                <a:schemeClr val="lt1"/>
-              </a:buClr>
-              <a:buSzPct val="25000"/>
-              <a:buFont typeface="Cabin"/>
-              <a:buNone/>
-            </a:pPr>
-            <a:r>
-              <a:rPr lang="en-US" sz="2400" b="1" i="0" u="none" strike="noStrike" cap="none">
-                <a:solidFill>
-                  <a:schemeClr val="lt1"/>
-                </a:solidFill>
-                <a:latin typeface="Courier New"/>
-                <a:ea typeface="Courier New"/>
-                <a:cs typeface="Courier New"/>
-                <a:sym typeface="Courier New"/>
-              </a:rPr>
-              <a:t>      </a:t>
-            </a:r>
-            <a:r>
-              <a:rPr lang="en-US" sz="2400" b="1" i="0" u="none" strike="noStrike" cap="none">
+              <a:rPr lang="en-US" sz="2400" b="1" i="0" u="none" strike="noStrike" cap="none" dirty="0" smtClean="0">
                 <a:solidFill>
                   <a:srgbClr val="FF00FF"/>
                 </a:solidFill>
@@ -14470,10 +15237,10 @@
                 <a:cs typeface="Courier New"/>
                 <a:sym typeface="Courier New"/>
               </a:rPr>
-              <a:t>exit</a:t>
-            </a:r>
-            <a:r>
-              <a:rPr lang="en-US" sz="2400" b="1" i="0" u="none" strike="noStrike" cap="none">
+              <a:t>quit</a:t>
+            </a:r>
+            <a:r>
+              <a:rPr lang="en-US" sz="2400" b="1" i="0" u="none" strike="noStrike" cap="none" dirty="0" smtClean="0">
                 <a:solidFill>
                   <a:schemeClr val="lt1"/>
                 </a:solidFill>
@@ -14484,25 +15251,7 @@
               </a:rPr>
               <a:t>()</a:t>
             </a:r>
-          </a:p>
-          <a:p>
-            <a:pPr marL="0" marR="0" lvl="0" indent="0" algn="l" rtl="0">
-              <a:lnSpc>
-                <a:spcPct val="100000"/>
-              </a:lnSpc>
-              <a:spcBef>
-                <a:spcPts val="0"/>
-              </a:spcBef>
-              <a:spcAft>
-                <a:spcPts val="0"/>
-              </a:spcAft>
-              <a:buClr>
-                <a:schemeClr val="lt1"/>
-              </a:buClr>
-              <a:buFont typeface="Cabin"/>
-              <a:buNone/>
-            </a:pPr>
-            <a:endParaRPr sz="2400" b="1">
+            <a:endParaRPr lang="en-US" sz="2400" b="1" i="0" u="none" strike="noStrike" cap="none" dirty="0">
               <a:solidFill>
                 <a:schemeClr val="lt1"/>
               </a:solidFill>
@@ -14524,6 +15273,33 @@
                 <a:spcPts val="0"/>
               </a:spcAft>
               <a:buClr>
+                <a:schemeClr val="lt1"/>
+              </a:buClr>
+              <a:buFont typeface="Cabin"/>
+              <a:buNone/>
+            </a:pPr>
+            <a:endParaRPr sz="2400" b="1" dirty="0">
+              <a:solidFill>
+                <a:schemeClr val="lt1"/>
+              </a:solidFill>
+              <a:latin typeface="Courier New"/>
+              <a:ea typeface="Courier New"/>
+              <a:cs typeface="Courier New"/>
+              <a:sym typeface="Courier New"/>
+            </a:endParaRPr>
+          </a:p>
+          <a:p>
+            <a:pPr marL="0" marR="0" lvl="0" indent="0" algn="l" rtl="0">
+              <a:lnSpc>
+                <a:spcPct val="100000"/>
+              </a:lnSpc>
+              <a:spcBef>
+                <a:spcPts val="0"/>
+              </a:spcBef>
+              <a:spcAft>
+                <a:spcPts val="0"/>
+              </a:spcAft>
+              <a:buClr>
                 <a:srgbClr val="00FF00"/>
               </a:buClr>
               <a:buSzPct val="25000"/>
@@ -14531,7 +15307,7 @@
               <a:buNone/>
             </a:pPr>
             <a:r>
-              <a:rPr lang="en-US" sz="2400" b="1">
+              <a:rPr lang="en-US" sz="2400" b="1" dirty="0">
                 <a:solidFill>
                   <a:srgbClr val="00FF00"/>
                 </a:solidFill>
@@ -14543,7 +15319,7 @@
               <a:t>  </a:t>
             </a:r>
             <a:r>
-              <a:rPr lang="en-US" sz="2400" b="1" i="0" u="none" strike="noStrike" cap="none">
+              <a:rPr lang="en-US" sz="2400" b="1" i="0" u="none" strike="noStrike" cap="none" dirty="0">
                 <a:solidFill>
                   <a:srgbClr val="00FF00"/>
                 </a:solidFill>
@@ -14555,7 +15331,7 @@
               <a:t>count</a:t>
             </a:r>
             <a:r>
-              <a:rPr lang="en-US" sz="2400" b="1" i="0" u="none" strike="noStrike" cap="none">
+              <a:rPr lang="en-US" sz="2400" b="1" i="0" u="none" strike="noStrike" cap="none" dirty="0">
                 <a:solidFill>
                   <a:schemeClr val="lt1"/>
                 </a:solidFill>
@@ -14586,7 +15362,7 @@
               <a:buNone/>
             </a:pPr>
             <a:r>
-              <a:rPr lang="en-US" sz="2400" b="1">
+              <a:rPr lang="en-US" sz="2400" b="1" dirty="0">
                 <a:solidFill>
                   <a:srgbClr val="FFFF00"/>
                 </a:solidFill>
@@ -14598,7 +15374,7 @@
               <a:t>  </a:t>
             </a:r>
             <a:r>
-              <a:rPr lang="en-US" sz="2400" b="1" i="0" u="none" strike="noStrike" cap="none">
+              <a:rPr lang="en-US" sz="2400" b="1" i="0" u="none" strike="noStrike" cap="none" dirty="0">
                 <a:solidFill>
                   <a:srgbClr val="FFFF00"/>
                 </a:solidFill>
@@ -14610,7 +15386,7 @@
               <a:t>for</a:t>
             </a:r>
             <a:r>
-              <a:rPr lang="en-US" sz="2400" b="1" i="0" u="none" strike="noStrike" cap="none">
+              <a:rPr lang="en-US" sz="2400" b="1" i="0" u="none" strike="noStrike" cap="none" dirty="0">
                 <a:solidFill>
                   <a:schemeClr val="lt1"/>
                 </a:solidFill>
@@ -14622,7 +15398,7 @@
               <a:t> </a:t>
             </a:r>
             <a:r>
-              <a:rPr lang="en-US" sz="2400" b="1" i="0" u="none" strike="noStrike" cap="none">
+              <a:rPr lang="en-US" sz="2400" b="1" i="0" u="none" strike="noStrike" cap="none" dirty="0">
                 <a:solidFill>
                   <a:srgbClr val="00FF00"/>
                 </a:solidFill>
@@ -14634,7 +15410,7 @@
               <a:t>line</a:t>
             </a:r>
             <a:r>
-              <a:rPr lang="en-US" sz="2400" b="1" i="0" u="none" strike="noStrike" cap="none">
+              <a:rPr lang="en-US" sz="2400" b="1" i="0" u="none" strike="noStrike" cap="none" dirty="0">
                 <a:solidFill>
                   <a:schemeClr val="lt1"/>
                 </a:solidFill>
@@ -14646,7 +15422,7 @@
               <a:t> </a:t>
             </a:r>
             <a:r>
-              <a:rPr lang="en-US" sz="2400" b="1" i="0" u="none" strike="noStrike" cap="none">
+              <a:rPr lang="en-US" sz="2400" b="1" i="0" u="none" strike="noStrike" cap="none" dirty="0">
                 <a:solidFill>
                   <a:srgbClr val="FFFF00"/>
                 </a:solidFill>
@@ -14658,7 +15434,7 @@
               <a:t>in</a:t>
             </a:r>
             <a:r>
-              <a:rPr lang="en-US" sz="2400" b="1" i="0" u="none" strike="noStrike" cap="none">
+              <a:rPr lang="en-US" sz="2400" b="1" i="0" u="none" strike="noStrike" cap="none" dirty="0">
                 <a:solidFill>
                   <a:schemeClr val="lt1"/>
                 </a:solidFill>
@@ -14670,7 +15446,7 @@
               <a:t> </a:t>
             </a:r>
             <a:r>
-              <a:rPr lang="en-US" sz="2400" b="1" i="0" u="none" strike="noStrike" cap="none">
+              <a:rPr lang="en-US" sz="2400" b="1" i="0" u="none" strike="noStrike" cap="none" dirty="0" err="1">
                 <a:solidFill>
                   <a:srgbClr val="00FF00"/>
                 </a:solidFill>
@@ -14682,7 +15458,7 @@
               <a:t>fhand</a:t>
             </a:r>
             <a:r>
-              <a:rPr lang="en-US" sz="2400" b="1" i="0" u="none" strike="noStrike" cap="none">
+              <a:rPr lang="en-US" sz="2400" b="1" i="0" u="none" strike="noStrike" cap="none" dirty="0">
                 <a:solidFill>
                   <a:schemeClr val="lt1"/>
                 </a:solidFill>
@@ -14713,7 +15489,7 @@
               <a:buNone/>
             </a:pPr>
             <a:r>
-              <a:rPr lang="en-US" sz="2400" b="1" i="0" u="none" strike="noStrike" cap="none">
+              <a:rPr lang="en-US" sz="2400" b="1" i="0" u="none" strike="noStrike" cap="none" dirty="0">
                 <a:solidFill>
                   <a:schemeClr val="lt1"/>
                 </a:solidFill>
@@ -14725,7 +15501,7 @@
               <a:t>      </a:t>
             </a:r>
             <a:r>
-              <a:rPr lang="en-US" sz="2400" b="1" i="0" u="none" strike="noStrike" cap="none">
+              <a:rPr lang="en-US" sz="2400" b="1" i="0" u="none" strike="noStrike" cap="none" dirty="0">
                 <a:solidFill>
                   <a:srgbClr val="FFFF00"/>
                 </a:solidFill>
@@ -14737,7 +15513,7 @@
               <a:t>if</a:t>
             </a:r>
             <a:r>
-              <a:rPr lang="en-US" sz="2400" b="1" i="0" u="none" strike="noStrike" cap="none">
+              <a:rPr lang="en-US" sz="2400" b="1" i="0" u="none" strike="noStrike" cap="none" dirty="0">
                 <a:solidFill>
                   <a:schemeClr val="lt1"/>
                 </a:solidFill>
@@ -14749,7 +15525,7 @@
               <a:t> </a:t>
             </a:r>
             <a:r>
-              <a:rPr lang="en-US" sz="2400" b="1" i="0" u="none" strike="noStrike" cap="none">
+              <a:rPr lang="en-US" sz="2400" b="1" i="0" u="none" strike="noStrike" cap="none" dirty="0" err="1">
                 <a:solidFill>
                   <a:srgbClr val="00FF00"/>
                 </a:solidFill>
@@ -14761,7 +15537,7 @@
               <a:t>line</a:t>
             </a:r>
             <a:r>
-              <a:rPr lang="en-US" sz="2400" b="1" i="0" u="none" strike="noStrike" cap="none">
+              <a:rPr lang="en-US" sz="2400" b="1" i="0" u="none" strike="noStrike" cap="none" dirty="0" err="1">
                 <a:solidFill>
                   <a:srgbClr val="FF00FF"/>
                 </a:solidFill>
@@ -14773,7 +15549,7 @@
               <a:t>.startswith</a:t>
             </a:r>
             <a:r>
-              <a:rPr lang="en-US" sz="2400" b="1" i="0" u="none" strike="noStrike" cap="none">
+              <a:rPr lang="en-US" sz="2400" b="1" i="0" u="none" strike="noStrike" cap="none" dirty="0">
                 <a:solidFill>
                   <a:schemeClr val="lt1"/>
                 </a:solidFill>
@@ -14804,7 +15580,7 @@
               <a:buNone/>
             </a:pPr>
             <a:r>
-              <a:rPr lang="en-US" sz="2400" b="1" i="0" u="none" strike="noStrike" cap="none">
+              <a:rPr lang="en-US" sz="2400" b="1" i="0" u="none" strike="noStrike" cap="none" dirty="0">
                 <a:solidFill>
                   <a:schemeClr val="lt1"/>
                 </a:solidFill>
@@ -14816,7 +15592,7 @@
               <a:t>          </a:t>
             </a:r>
             <a:r>
-              <a:rPr lang="en-US" sz="2400" b="1" i="0" u="none" strike="noStrike" cap="none">
+              <a:rPr lang="en-US" sz="2400" b="1" i="0" u="none" strike="noStrike" cap="none" dirty="0">
                 <a:solidFill>
                   <a:srgbClr val="00FF00"/>
                 </a:solidFill>
@@ -14828,7 +15604,7 @@
               <a:t>count</a:t>
             </a:r>
             <a:r>
-              <a:rPr lang="en-US" sz="2400" b="1" i="0" u="none" strike="noStrike" cap="none">
+              <a:rPr lang="en-US" sz="2400" b="1" i="0" u="none" strike="noStrike" cap="none" dirty="0">
                 <a:solidFill>
                   <a:schemeClr val="lt1"/>
                 </a:solidFill>
@@ -14840,7 +15616,7 @@
               <a:t> = </a:t>
             </a:r>
             <a:r>
-              <a:rPr lang="en-US" sz="2400" b="1" i="0" u="none" strike="noStrike" cap="none">
+              <a:rPr lang="en-US" sz="2400" b="1" i="0" u="none" strike="noStrike" cap="none" dirty="0">
                 <a:solidFill>
                   <a:srgbClr val="00FF00"/>
                 </a:solidFill>
@@ -14852,7 +15628,7 @@
               <a:t>count</a:t>
             </a:r>
             <a:r>
-              <a:rPr lang="en-US" sz="2400" b="1" i="0" u="none" strike="noStrike" cap="none">
+              <a:rPr lang="en-US" sz="2400" b="1" i="0" u="none" strike="noStrike" cap="none" dirty="0">
                 <a:solidFill>
                   <a:schemeClr val="lt1"/>
                 </a:solidFill>
@@ -14865,25 +15641,14 @@
             </a:r>
           </a:p>
           <a:p>
-            <a:pPr marL="0" marR="0" lvl="0" indent="0" algn="l" rtl="0">
-              <a:lnSpc>
-                <a:spcPct val="100000"/>
-              </a:lnSpc>
-              <a:spcBef>
-                <a:spcPts val="0"/>
-              </a:spcBef>
-              <a:spcAft>
-                <a:spcPts val="0"/>
-              </a:spcAft>
+            <a:pPr lvl="0">
               <a:buClr>
                 <a:srgbClr val="FFFF00"/>
               </a:buClr>
               <a:buSzPct val="25000"/>
-              <a:buFont typeface="Cabin"/>
-              <a:buNone/>
-            </a:pPr>
-            <a:r>
-              <a:rPr lang="en-US" sz="2400" b="1">
+            </a:pPr>
+            <a:r>
+              <a:rPr lang="en-US" sz="2400" b="1" dirty="0">
                 <a:solidFill>
                   <a:srgbClr val="FFFF00"/>
                 </a:solidFill>
@@ -14895,7 +15660,7 @@
               <a:t>  </a:t>
             </a:r>
             <a:r>
-              <a:rPr lang="en-US" sz="2400" b="1" i="0" u="none" strike="noStrike" cap="none">
+              <a:rPr lang="en-US" sz="2400" b="1" i="0" u="none" strike="noStrike" cap="none" dirty="0" smtClean="0">
                 <a:solidFill>
                   <a:srgbClr val="FFFF00"/>
                 </a:solidFill>
@@ -14907,19 +15672,43 @@
               <a:t>print</a:t>
             </a:r>
             <a:r>
-              <a:rPr lang="en-US" sz="2400" b="1" i="0" u="none" strike="noStrike" cap="none">
-                <a:solidFill>
-                  <a:schemeClr val="lt1"/>
-                </a:solidFill>
-                <a:latin typeface="Courier New"/>
-                <a:ea typeface="Courier New"/>
-                <a:cs typeface="Courier New"/>
-                <a:sym typeface="Courier New"/>
-              </a:rPr>
-              <a:t> 'There were', </a:t>
-            </a:r>
-            <a:r>
-              <a:rPr lang="en-US" sz="2400" b="1" i="0" u="none" strike="noStrike" cap="none">
+              <a:rPr lang="en-US" sz="2400" b="1" dirty="0">
+                <a:solidFill>
+                  <a:schemeClr val="lt1"/>
+                </a:solidFill>
+                <a:latin typeface="Courier New"/>
+                <a:ea typeface="Courier New"/>
+                <a:cs typeface="Courier New"/>
+                <a:sym typeface="Courier New"/>
+              </a:rPr>
+              <a:t>(</a:t>
+            </a:r>
+            <a:r>
+              <a:rPr lang="en-US" sz="2400" b="1" i="0" u="none" strike="noStrike" cap="none" dirty="0" smtClean="0">
+                <a:solidFill>
+                  <a:schemeClr val="lt1"/>
+                </a:solidFill>
+                <a:latin typeface="Courier New"/>
+                <a:ea typeface="Courier New"/>
+                <a:cs typeface="Courier New"/>
+                <a:sym typeface="Courier New"/>
+              </a:rPr>
+              <a:t>'There </a:t>
+            </a:r>
+            <a:r>
+              <a:rPr lang="en-US" sz="2400" b="1" i="0" u="none" strike="noStrike" cap="none" dirty="0">
+                <a:solidFill>
+                  <a:schemeClr val="lt1"/>
+                </a:solidFill>
+                <a:latin typeface="Courier New"/>
+                <a:ea typeface="Courier New"/>
+                <a:cs typeface="Courier New"/>
+                <a:sym typeface="Courier New"/>
+              </a:rPr>
+              <a:t>were', </a:t>
+            </a:r>
+            <a:r>
+              <a:rPr lang="en-US" sz="2400" b="1" i="0" u="none" strike="noStrike" cap="none" dirty="0">
                 <a:solidFill>
                   <a:srgbClr val="00FF00"/>
                 </a:solidFill>
@@ -14931,17 +15720,50 @@
               <a:t>count</a:t>
             </a:r>
             <a:r>
-              <a:rPr lang="en-US" sz="2400" b="1" i="0" u="none" strike="noStrike" cap="none">
-                <a:solidFill>
-                  <a:schemeClr val="lt1"/>
-                </a:solidFill>
-                <a:latin typeface="Courier New"/>
-                <a:ea typeface="Courier New"/>
-                <a:cs typeface="Courier New"/>
-                <a:sym typeface="Courier New"/>
-              </a:rPr>
-              <a:t>, 'subject lines in', fname</a:t>
-            </a:r>
+              <a:rPr lang="en-US" sz="2400" b="1" i="0" u="none" strike="noStrike" cap="none" dirty="0">
+                <a:solidFill>
+                  <a:schemeClr val="lt1"/>
+                </a:solidFill>
+                <a:latin typeface="Courier New"/>
+                <a:ea typeface="Courier New"/>
+                <a:cs typeface="Courier New"/>
+                <a:sym typeface="Courier New"/>
+              </a:rPr>
+              <a:t>, 'subject lines in', </a:t>
+            </a:r>
+            <a:r>
+              <a:rPr lang="en-US" sz="2400" b="1" i="0" u="none" strike="noStrike" cap="none" dirty="0" err="1" smtClean="0">
+                <a:solidFill>
+                  <a:schemeClr val="lt1"/>
+                </a:solidFill>
+                <a:latin typeface="Courier New"/>
+                <a:ea typeface="Courier New"/>
+                <a:cs typeface="Courier New"/>
+                <a:sym typeface="Courier New"/>
+              </a:rPr>
+              <a:t>fname</a:t>
+            </a:r>
+            <a:r>
+              <a:rPr lang="en-US" sz="2400" b="1" dirty="0">
+                <a:solidFill>
+                  <a:schemeClr val="lt1"/>
+                </a:solidFill>
+                <a:latin typeface="Courier New"/>
+                <a:ea typeface="Courier New"/>
+                <a:cs typeface="Courier New"/>
+                <a:sym typeface="Courier New"/>
+              </a:rPr>
+              <a:t>)</a:t>
+            </a:r>
+            <a:endParaRPr lang="en-US" sz="2400" b="1" i="0" u="none" strike="noStrike" cap="none" dirty="0">
+              <a:solidFill>
+                <a:schemeClr val="lt1"/>
+              </a:solidFill>
+              <a:latin typeface="Courier New"/>
+              <a:ea typeface="Courier New"/>
+              <a:cs typeface="Courier New"/>
+              <a:sym typeface="Courier New"/>
+            </a:endParaRPr>
           </a:p>
         </p:txBody>
       </p:sp>
@@ -14988,7 +15810,7 @@
               <a:buNone/>
             </a:pPr>
             <a:r>
-              <a:rPr lang="en-US" sz="3400" u="none" strike="noStrike" cap="none">
+              <a:rPr lang="en-US" sz="2800" u="none" strike="noStrike" cap="none" dirty="0">
                 <a:solidFill>
                   <a:srgbClr val="FF00FF"/>
                 </a:solidFill>
@@ -15000,7 +15822,7 @@
               <a:t>Enter the file name: </a:t>
             </a:r>
             <a:r>
-              <a:rPr lang="en-US" sz="3400" u="none" strike="noStrike" cap="none">
+              <a:rPr lang="en-US" sz="2800" u="none" strike="noStrike" cap="none" dirty="0" err="1">
                 <a:solidFill>
                   <a:srgbClr val="FFFF00"/>
                 </a:solidFill>
@@ -15011,6 +15833,15 @@
               </a:rPr>
               <a:t>mbox.txt</a:t>
             </a:r>
+            <a:endParaRPr lang="en-US" sz="2800" u="none" strike="noStrike" cap="none" dirty="0">
+              <a:solidFill>
+                <a:srgbClr val="FFFF00"/>
+              </a:solidFill>
+              <a:latin typeface="Arial" charset="0"/>
+              <a:ea typeface="Arial" charset="0"/>
+              <a:cs typeface="Arial" charset="0"/>
+              <a:sym typeface="Cabin"/>
+            </a:endParaRPr>
           </a:p>
           <a:p>
             <a:pPr marL="0" marR="0" lvl="0" indent="0" algn="l" rtl="0">
@@ -15031,7 +15862,7 @@
               <a:buNone/>
             </a:pPr>
             <a:r>
-              <a:rPr lang="en-US" sz="3400" u="none" strike="noStrike" cap="none">
+              <a:rPr lang="en-US" sz="2800" u="none" strike="noStrike" cap="none" dirty="0">
                 <a:solidFill>
                   <a:srgbClr val="FF00FF"/>
                 </a:solidFill>
@@ -15040,23 +15871,21 @@
                 <a:cs typeface="Arial" charset="0"/>
                 <a:sym typeface="Cabin"/>
               </a:rPr>
-              <a:t>There were 1797 subject lines in mbox.txt</a:t>
-            </a:r>
-          </a:p>
-          <a:p>
-            <a:pPr marL="0" marR="0" lvl="0" indent="0" algn="ctr" rtl="0">
-              <a:lnSpc>
-                <a:spcPct val="100000"/>
-              </a:lnSpc>
-              <a:spcBef>
-                <a:spcPts val="0"/>
-              </a:spcBef>
-              <a:spcAft>
-                <a:spcPts val="0"/>
-              </a:spcAft>
-              <a:buNone/>
-            </a:pPr>
-            <a:endParaRPr sz="3400" u="none" strike="noStrike" cap="none">
+              <a:t>There were 1797 subject lines in </a:t>
+            </a:r>
+            <a:r>
+              <a:rPr lang="en-US" sz="2800" u="none" strike="noStrike" cap="none" dirty="0" err="1">
+                <a:solidFill>
+                  <a:srgbClr val="FF00FF"/>
+                </a:solidFill>
+                <a:latin typeface="Arial" charset="0"/>
+                <a:ea typeface="Arial" charset="0"/>
+                <a:cs typeface="Arial" charset="0"/>
+                <a:sym typeface="Cabin"/>
+              </a:rPr>
+              <a:t>mbox.txt</a:t>
+            </a:r>
+            <a:endParaRPr lang="en-US" sz="2800" u="none" strike="noStrike" cap="none" dirty="0">
               <a:solidFill>
                 <a:srgbClr val="FF00FF"/>
               </a:solidFill>
@@ -15067,6 +15896,29 @@
             </a:endParaRPr>
           </a:p>
           <a:p>
+            <a:pPr marL="0" marR="0" lvl="0" indent="0" algn="ctr" rtl="0">
+              <a:lnSpc>
+                <a:spcPct val="100000"/>
+              </a:lnSpc>
+              <a:spcBef>
+                <a:spcPts val="0"/>
+              </a:spcBef>
+              <a:spcAft>
+                <a:spcPts val="0"/>
+              </a:spcAft>
+              <a:buNone/>
+            </a:pPr>
+            <a:endParaRPr sz="2800" u="none" strike="noStrike" cap="none" dirty="0">
+              <a:solidFill>
+                <a:srgbClr val="FF00FF"/>
+              </a:solidFill>
+              <a:latin typeface="Arial" charset="0"/>
+              <a:ea typeface="Arial" charset="0"/>
+              <a:cs typeface="Arial" charset="0"/>
+              <a:sym typeface="Cabin"/>
+            </a:endParaRPr>
+          </a:p>
+          <a:p>
             <a:pPr marL="0" marR="0" lvl="0" indent="0" algn="l" rtl="0">
               <a:lnSpc>
                 <a:spcPct val="100000"/>
@@ -15085,7 +15937,7 @@
               <a:buNone/>
             </a:pPr>
             <a:r>
-              <a:rPr lang="en-US" sz="3400" u="none" strike="noStrike" cap="none">
+              <a:rPr lang="en-US" sz="2800" u="none" strike="noStrike" cap="none" dirty="0">
                 <a:solidFill>
                   <a:srgbClr val="FF00FF"/>
                 </a:solidFill>
@@ -15097,7 +15949,7 @@
               <a:t>Enter the file name: </a:t>
             </a:r>
             <a:r>
-              <a:rPr lang="en-US" sz="3400" u="none" strike="noStrike" cap="none">
+              <a:rPr lang="en-US" sz="2800" u="none" strike="noStrike" cap="none" dirty="0" err="1">
                 <a:solidFill>
                   <a:srgbClr val="FFFF00"/>
                 </a:solidFill>
@@ -15106,38 +15958,122 @@
                 <a:cs typeface="Arial" charset="0"/>
                 <a:sym typeface="Cabin"/>
               </a:rPr>
-              <a:t>na na boo boo</a:t>
-            </a:r>
-          </a:p>
-          <a:p>
-            <a:pPr marL="0" marR="0" lvl="0" indent="0" algn="l" rtl="0">
-              <a:lnSpc>
-                <a:spcPct val="100000"/>
-              </a:lnSpc>
-              <a:spcBef>
-                <a:spcPts val="0"/>
-              </a:spcBef>
-              <a:spcAft>
-                <a:spcPts val="0"/>
-              </a:spcAft>
-              <a:buClr>
-                <a:srgbClr val="FF00FF"/>
-              </a:buClr>
-              <a:buSzPct val="25000"/>
-              <a:buFont typeface="Cabin"/>
-              <a:buNone/>
-            </a:pPr>
-            <a:r>
-              <a:rPr lang="en-US" sz="3400" u="none" strike="noStrike" cap="none">
-                <a:solidFill>
-                  <a:srgbClr val="FF00FF"/>
+              <a:t>na</a:t>
+            </a:r>
+            <a:r>
+              <a:rPr lang="en-US" sz="2800" u="none" strike="noStrike" cap="none" dirty="0">
+                <a:solidFill>
+                  <a:srgbClr val="FFFF00"/>
                 </a:solidFill>
                 <a:latin typeface="Arial" charset="0"/>
                 <a:ea typeface="Arial" charset="0"/>
                 <a:cs typeface="Arial" charset="0"/>
                 <a:sym typeface="Cabin"/>
               </a:rPr>
-              <a:t>File cannot be opened: na na boo boo</a:t>
+              <a:t> </a:t>
+            </a:r>
+            <a:r>
+              <a:rPr lang="en-US" sz="2800" u="none" strike="noStrike" cap="none" dirty="0" err="1">
+                <a:solidFill>
+                  <a:srgbClr val="FFFF00"/>
+                </a:solidFill>
+                <a:latin typeface="Arial" charset="0"/>
+                <a:ea typeface="Arial" charset="0"/>
+                <a:cs typeface="Arial" charset="0"/>
+                <a:sym typeface="Cabin"/>
+              </a:rPr>
+              <a:t>na</a:t>
+            </a:r>
+            <a:r>
+              <a:rPr lang="en-US" sz="2800" u="none" strike="noStrike" cap="none" dirty="0">
+                <a:solidFill>
+                  <a:srgbClr val="FFFF00"/>
+                </a:solidFill>
+                <a:latin typeface="Arial" charset="0"/>
+                <a:ea typeface="Arial" charset="0"/>
+                <a:cs typeface="Arial" charset="0"/>
+                <a:sym typeface="Cabin"/>
+              </a:rPr>
+              <a:t> boo boo</a:t>
+            </a:r>
+          </a:p>
+          <a:p>
+            <a:pPr marL="0" marR="0" lvl="0" indent="0" algn="l" rtl="0">
+              <a:lnSpc>
+                <a:spcPct val="100000"/>
+              </a:lnSpc>
+              <a:spcBef>
+                <a:spcPts val="0"/>
+              </a:spcBef>
+              <a:spcAft>
+                <a:spcPts val="0"/>
+              </a:spcAft>
+              <a:buClr>
+                <a:srgbClr val="FF00FF"/>
+              </a:buClr>
+              <a:buSzPct val="25000"/>
+              <a:buFont typeface="Cabin"/>
+              <a:buNone/>
+            </a:pPr>
+            <a:r>
+              <a:rPr lang="en-US" sz="2800" u="none" strike="noStrike" cap="none" dirty="0">
+                <a:solidFill>
+                  <a:srgbClr val="FF00FF"/>
+                </a:solidFill>
+                <a:latin typeface="Arial" charset="0"/>
+                <a:ea typeface="Arial" charset="0"/>
+                <a:cs typeface="Arial" charset="0"/>
+                <a:sym typeface="Cabin"/>
+              </a:rPr>
+              <a:t>File cannot be opened: </a:t>
+            </a:r>
+            <a:r>
+              <a:rPr lang="en-US" sz="2800" u="none" strike="noStrike" cap="none" dirty="0" err="1">
+                <a:solidFill>
+                  <a:srgbClr val="FF00FF"/>
+                </a:solidFill>
+                <a:latin typeface="Arial" charset="0"/>
+                <a:ea typeface="Arial" charset="0"/>
+                <a:cs typeface="Arial" charset="0"/>
+                <a:sym typeface="Cabin"/>
+              </a:rPr>
+              <a:t>na</a:t>
+            </a:r>
+            <a:r>
+              <a:rPr lang="en-US" sz="2800" u="none" strike="noStrike" cap="none" dirty="0">
+                <a:solidFill>
+                  <a:srgbClr val="FF00FF"/>
+                </a:solidFill>
+                <a:latin typeface="Arial" charset="0"/>
+                <a:ea typeface="Arial" charset="0"/>
+                <a:cs typeface="Arial" charset="0"/>
+                <a:sym typeface="Cabin"/>
+              </a:rPr>
+              <a:t> </a:t>
+            </a:r>
+            <a:r>
+              <a:rPr lang="en-US" sz="2800" u="none" strike="noStrike" cap="none" dirty="0" err="1">
+                <a:solidFill>
+                  <a:srgbClr val="FF00FF"/>
+                </a:solidFill>
+                <a:latin typeface="Arial" charset="0"/>
+                <a:ea typeface="Arial" charset="0"/>
+                <a:cs typeface="Arial" charset="0"/>
+                <a:sym typeface="Cabin"/>
+              </a:rPr>
+              <a:t>na</a:t>
+            </a:r>
+            <a:r>
+              <a:rPr lang="en-US" sz="2800" u="none" strike="noStrike" cap="none" dirty="0">
+                <a:solidFill>
+                  <a:srgbClr val="FF00FF"/>
+                </a:solidFill>
+                <a:latin typeface="Arial" charset="0"/>
+                <a:ea typeface="Arial" charset="0"/>
+                <a:cs typeface="Arial" charset="0"/>
+                <a:sym typeface="Cabin"/>
+              </a:rPr>
+              <a:t> boo boo</a:t>
             </a:r>
           </a:p>
         </p:txBody>
@@ -15457,7 +16393,7 @@
         </p:nvSpPr>
         <p:spPr>
           <a:xfrm>
-            <a:off x="10987088" y="2809875"/>
+            <a:off x="9529763" y="2603500"/>
             <a:ext cx="5268912" cy="4133850"/>
           </a:xfrm>
           <a:prstGeom prst="rect">
@@ -15523,7 +16459,7 @@
               <a:buChar char="•"/>
             </a:pPr>
             <a:r>
-              <a:rPr lang="en-US" sz="3600" u="none" strike="noStrike" cap="none">
+              <a:rPr lang="en-US" sz="3600" u="none" strike="noStrike" cap="none" dirty="0">
                 <a:solidFill>
                   <a:schemeClr val="lt1"/>
                 </a:solidFill>
@@ -15554,7 +16490,7 @@
               <a:buChar char="•"/>
             </a:pPr>
             <a:r>
-              <a:rPr lang="en-US" sz="3600" u="none" strike="noStrike" cap="none">
+              <a:rPr lang="en-US" sz="3600" u="none" strike="noStrike" cap="none" dirty="0">
                 <a:solidFill>
                   <a:schemeClr val="lt1"/>
                 </a:solidFill>
@@ -15633,33 +16569,14 @@
       </p:sp>
       <p:sp>
         <p:nvSpPr>
-          <p:cNvPr id="2" name="Text Placeholder 1"/>
-          <p:cNvSpPr>
-            <a:spLocks noGrp="1"/>
-          </p:cNvSpPr>
-          <p:nvPr>
-            <p:ph type="body" idx="1"/>
-          </p:nvPr>
-        </p:nvSpPr>
-        <p:spPr/>
-        <p:txBody>
-          <a:bodyPr/>
-          <a:lstStyle/>
-          <a:p>
-            <a:endParaRPr lang="en-US"/>
-          </a:p>
-        </p:txBody>
-      </p:sp>
-      <p:sp>
-        <p:nvSpPr>
           <p:cNvPr id="379" name="Shape 379"/>
           <p:cNvSpPr txBox="1"/>
           <p:nvPr/>
         </p:nvSpPr>
         <p:spPr>
           <a:xfrm>
-            <a:off x="1206100" y="1381725"/>
-            <a:ext cx="6797699" cy="7082699"/>
+            <a:off x="1324001" y="2128838"/>
+            <a:ext cx="6797699" cy="5986462"/>
           </a:xfrm>
           <a:prstGeom prst="rect">
             <a:avLst/>
@@ -15687,10 +16604,26 @@
                   <a:srgbClr val="FFFFFF"/>
                 </a:solidFill>
               </a:rPr>
-              <a:t>These slidee are Copyright 2010-  Charles R. Severance (</a:t>
-            </a:r>
-            <a:r>
-              <a:rPr lang="en-US" sz="1800" u="sng">
+              <a:t>These </a:t>
+            </a:r>
+            <a:r>
+              <a:rPr lang="en-US" sz="1800" smtClean="0">
+                <a:solidFill>
+                  <a:srgbClr val="FFFFFF"/>
+                </a:solidFill>
+              </a:rPr>
+              <a:t>slides </a:t>
+            </a:r>
+            <a:r>
+              <a:rPr lang="en-US" sz="1800" dirty="0">
+                <a:solidFill>
+                  <a:srgbClr val="FFFFFF"/>
+                </a:solidFill>
+              </a:rPr>
+              <a:t>are Copyright 2010-  Charles R. Severance (</a:t>
+            </a:r>
+            <a:r>
+              <a:rPr lang="en-US" sz="1800" u="sng" dirty="0">
                 <a:solidFill>
                   <a:srgbClr val="FFFF00"/>
                 </a:solidFill>
@@ -15699,7 +16632,7 @@
               <a:t>www.dr-chuck.com</a:t>
             </a:r>
             <a:r>
-              <a:rPr lang="en-US" sz="1800">
+              <a:rPr lang="en-US" sz="1800" dirty="0">
                 <a:solidFill>
                   <a:srgbClr val="FFFFFF"/>
                 </a:solidFill>
@@ -15707,7 +16640,7 @@
               <a:t>) of the University of Michigan School of Information and </a:t>
             </a:r>
             <a:r>
-              <a:rPr lang="en-US" sz="1800" u="sng">
+              <a:rPr lang="en-US" sz="1800" u="sng" dirty="0">
                 <a:solidFill>
                   <a:srgbClr val="FFFF00"/>
                 </a:solidFill>
@@ -15716,7 +16649,7 @@
               <a:t>open.umich.edu</a:t>
             </a:r>
             <a:r>
-              <a:rPr lang="en-US" sz="1800">
+              <a:rPr lang="en-US" sz="1800" dirty="0">
                 <a:solidFill>
                   <a:srgbClr val="FFFFFF"/>
                 </a:solidFill>
@@ -15731,7 +16664,7 @@
               </a:spcBef>
               <a:buNone/>
             </a:pPr>
-            <a:endParaRPr sz="1800">
+            <a:endParaRPr sz="1800" dirty="0">
               <a:solidFill>
                 <a:srgbClr val="FFFFFF"/>
               </a:solidFill>
@@ -15745,7 +16678,7 @@
               <a:buNone/>
             </a:pPr>
             <a:r>
-              <a:rPr lang="en-US" sz="1800">
+              <a:rPr lang="en-US" sz="1800" dirty="0">
                 <a:solidFill>
                   <a:srgbClr val="FFFFFF"/>
                 </a:solidFill>
@@ -15760,7 +16693,7 @@
               </a:spcBef>
               <a:buNone/>
             </a:pPr>
-            <a:endParaRPr sz="1800">
+            <a:endParaRPr sz="1800" dirty="0">
               <a:solidFill>
                 <a:srgbClr val="FFFFFF"/>
               </a:solidFill>
@@ -15774,7 +16707,7 @@
               <a:buNone/>
             </a:pPr>
             <a:r>
-              <a:rPr lang="en-US" sz="1800">
+              <a:rPr lang="en-US" sz="1800" dirty="0">
                 <a:solidFill>
                   <a:srgbClr val="FFFFFF"/>
                 </a:solidFill>
@@ -15799,7 +16732,7 @@
         </p:blipFill>
         <p:spPr>
           <a:xfrm>
-            <a:off x="437900" y="134650"/>
+            <a:off x="437900" y="977621"/>
             <a:ext cx="1024800" cy="1024800"/>
           </a:xfrm>
           <a:prstGeom prst="rect">
@@ -15826,7 +16759,7 @@
         </p:blipFill>
         <p:spPr>
           <a:xfrm>
-            <a:off x="13897687" y="312850"/>
+            <a:off x="13897687" y="1155821"/>
             <a:ext cx="1968599" cy="668400"/>
           </a:xfrm>
           <a:prstGeom prst="rect">
@@ -15846,8 +16779,8 @@
         </p:nvSpPr>
         <p:spPr>
           <a:xfrm>
-            <a:off x="8704400" y="1512200"/>
-            <a:ext cx="6797699" cy="7082699"/>
+            <a:off x="8704400" y="2190334"/>
+            <a:ext cx="6797699" cy="5924966"/>
           </a:xfrm>
           <a:prstGeom prst="rect">
             <a:avLst/>
@@ -15973,6 +16906,10 @@
           </p:nvPr>
         </p:nvSpPr>
         <p:spPr>
+          <a:xfrm>
+            <a:off x="1155700" y="2603501"/>
+            <a:ext cx="13932000" cy="893950"/>
+          </a:xfrm>
           <a:prstGeom prst="rect">
             <a:avLst/>
           </a:prstGeom>
@@ -16001,7 +16938,7 @@
               <a:buFont typeface="Cabin"/>
             </a:pPr>
             <a:r>
-              <a:rPr lang="en-US" sz="3600" u="none" strike="noStrike" cap="none">
+              <a:rPr lang="en-US" sz="3600" u="none" strike="noStrike" cap="none" dirty="0">
                 <a:solidFill>
                   <a:schemeClr val="lt1"/>
                 </a:solidFill>
@@ -16317,7 +17254,7 @@
         </p:nvSpPr>
         <p:spPr>
           <a:xfrm>
-            <a:off x="3073400" y="8051800"/>
+            <a:off x="3116263" y="7194550"/>
             <a:ext cx="9602999" cy="622199"/>
           </a:xfrm>
           <a:prstGeom prst="rect">
@@ -16352,7 +17289,7 @@
               <a:buNone/>
             </a:pPr>
             <a:r>
-              <a:rPr lang="en-US" sz="3000" u="sng" strike="noStrike" cap="none">
+              <a:rPr lang="en-US" sz="3000" u="sng" strike="noStrike" cap="none" dirty="0">
                 <a:solidFill>
                   <a:srgbClr val="FFFF00"/>
                 </a:solidFill>
@@ -16362,8 +17299,31 @@
                 <a:sym typeface="Cabin"/>
                 <a:hlinkClick r:id="rId3"/>
               </a:rPr>
-              <a:t>http://www.py4inf.com/code/mbox-short.txt</a:t>
-            </a:r>
+              <a:t>http://</a:t>
+            </a:r>
+            <a:r>
+              <a:rPr lang="en-US" sz="3000" u="sng" strike="noStrike" cap="none" dirty="0" smtClean="0">
+                <a:solidFill>
+                  <a:srgbClr val="FFFF00"/>
+                </a:solidFill>
+                <a:latin typeface="Arial" charset="0"/>
+                <a:ea typeface="Arial" charset="0"/>
+                <a:cs typeface="Arial" charset="0"/>
+                <a:sym typeface="Cabin"/>
+                <a:hlinkClick r:id="rId3"/>
+              </a:rPr>
+              <a:t>www.py4e.com/code/mbox-short.txt</a:t>
+            </a:r>
+            <a:endParaRPr lang="en-US" sz="3000" u="sng" strike="noStrike" cap="none" dirty="0">
+              <a:solidFill>
+                <a:srgbClr val="FFFF00"/>
+              </a:solidFill>
+              <a:latin typeface="Arial" charset="0"/>
+              <a:ea typeface="Arial" charset="0"/>
+              <a:cs typeface="Arial" charset="0"/>
+              <a:sym typeface="Cabin"/>
+              <a:hlinkClick r:id="rId3"/>
+            </a:endParaRPr>
           </a:p>
         </p:txBody>
       </p:sp>
@@ -17064,7 +18024,7 @@
         </p:nvSpPr>
         <p:spPr>
           <a:xfrm>
-            <a:off x="9283700" y="3232150"/>
+            <a:off x="9998075" y="2874962"/>
             <a:ext cx="5829299" cy="622199"/>
           </a:xfrm>
           <a:prstGeom prst="rect">
@@ -17265,7 +18225,7 @@
               <a:buNone/>
             </a:pPr>
             <a:r>
-              <a:rPr lang="en-US" sz="7600" u="none" strike="noStrike" cap="none">
+              <a:rPr lang="en-US" sz="7600" u="none" strike="noStrike" cap="none" dirty="0">
                 <a:solidFill>
                   <a:srgbClr val="FFFF00"/>
                 </a:solidFill>
@@ -17276,25 +18236,6 @@
               </a:rPr>
               <a:t>What is a Handle?</a:t>
             </a:r>
-          </a:p>
-        </p:txBody>
-      </p:sp>
-      <p:sp>
-        <p:nvSpPr>
-          <p:cNvPr id="2" name="Text Placeholder 1"/>
-          <p:cNvSpPr>
-            <a:spLocks noGrp="1"/>
-          </p:cNvSpPr>
-          <p:nvPr>
-            <p:ph type="body" idx="1"/>
-          </p:nvPr>
-        </p:nvSpPr>
-        <p:spPr/>
-        <p:txBody>
-          <a:bodyPr/>
-          <a:lstStyle/>
-          <a:p>
-            <a:endParaRPr lang="en-US"/>
           </a:p>
         </p:txBody>
       </p:sp>
@@ -17307,7 +18248,7 @@
         <p:spPr>
           <a:xfrm>
             <a:off x="952500" y="2554275"/>
-            <a:ext cx="9761999" cy="1660499"/>
+            <a:ext cx="14392275" cy="1660499"/>
           </a:xfrm>
           <a:prstGeom prst="rect">
             <a:avLst/>
@@ -17341,7 +18282,7 @@
               <a:buNone/>
             </a:pPr>
             <a:r>
-              <a:rPr lang="en-US" sz="2600" b="1" i="0" u="none" strike="noStrike" cap="none">
+              <a:rPr lang="en-US" sz="2600" b="1" i="0" u="none" strike="noStrike" cap="none" dirty="0">
                 <a:solidFill>
                   <a:schemeClr val="lt1"/>
                 </a:solidFill>
@@ -17353,7 +18294,7 @@
               <a:t>&gt;&gt;&gt; </a:t>
             </a:r>
             <a:r>
-              <a:rPr lang="en-US" sz="2600" b="1" i="0" u="none" strike="noStrike" cap="none">
+              <a:rPr lang="en-US" sz="2600" b="1" i="0" u="none" strike="noStrike" cap="none" dirty="0" err="1">
                 <a:solidFill>
                   <a:srgbClr val="00FF00"/>
                 </a:solidFill>
@@ -17365,7 +18306,7 @@
               <a:t>fhand</a:t>
             </a:r>
             <a:r>
-              <a:rPr lang="en-US" sz="2600" b="1" i="0" u="none" strike="noStrike" cap="none">
+              <a:rPr lang="en-US" sz="2600" b="1" i="0" u="none" strike="noStrike" cap="none" dirty="0">
                 <a:solidFill>
                   <a:schemeClr val="lt1"/>
                 </a:solidFill>
@@ -17377,7 +18318,7 @@
               <a:t> = </a:t>
             </a:r>
             <a:r>
-              <a:rPr lang="en-US" sz="2600" b="1" i="0" u="none" strike="noStrike" cap="none">
+              <a:rPr lang="en-US" sz="2600" b="1" i="0" u="none" strike="noStrike" cap="none" dirty="0">
                 <a:solidFill>
                   <a:srgbClr val="FF7F00"/>
                 </a:solidFill>
@@ -17389,7 +18330,7 @@
               <a:t>open</a:t>
             </a:r>
             <a:r>
-              <a:rPr lang="en-US" sz="2600" b="1" i="0" u="none" strike="noStrike" cap="none">
+              <a:rPr lang="en-US" sz="2600" b="1" i="0" u="none" strike="noStrike" cap="none" dirty="0">
                 <a:solidFill>
                   <a:schemeClr val="lt1"/>
                 </a:solidFill>
@@ -17401,7 +18342,7 @@
               <a:t>(</a:t>
             </a:r>
             <a:r>
-              <a:rPr lang="en-US" sz="2600" b="1" i="0" u="none" strike="noStrike" cap="none">
+              <a:rPr lang="en-US" sz="2600" b="1" i="0" u="none" strike="noStrike" cap="none" dirty="0">
                 <a:solidFill>
                   <a:srgbClr val="FF7F00"/>
                 </a:solidFill>
@@ -17410,10 +18351,34 @@
                 <a:cs typeface="Courier New"/>
                 <a:sym typeface="Courier New"/>
               </a:rPr>
-              <a:t>'mbox.txt'</a:t>
-            </a:r>
-            <a:r>
-              <a:rPr lang="en-US" sz="2600" b="1" i="0" u="none" strike="noStrike" cap="none">
+              <a:t>'</a:t>
+            </a:r>
+            <a:r>
+              <a:rPr lang="en-US" sz="2600" b="1" i="0" u="none" strike="noStrike" cap="none" dirty="0" err="1">
+                <a:solidFill>
+                  <a:srgbClr val="FF7F00"/>
+                </a:solidFill>
+                <a:latin typeface="Courier New"/>
+                <a:ea typeface="Courier New"/>
+                <a:cs typeface="Courier New"/>
+                <a:sym typeface="Courier New"/>
+              </a:rPr>
+              <a:t>mbox.txt</a:t>
+            </a:r>
+            <a:r>
+              <a:rPr lang="en-US" sz="2600" b="1" i="0" u="none" strike="noStrike" cap="none" dirty="0">
+                <a:solidFill>
+                  <a:srgbClr val="FF7F00"/>
+                </a:solidFill>
+                <a:latin typeface="Courier New"/>
+                <a:ea typeface="Courier New"/>
+                <a:cs typeface="Courier New"/>
+                <a:sym typeface="Courier New"/>
+              </a:rPr>
+              <a:t>'</a:t>
+            </a:r>
+            <a:r>
+              <a:rPr lang="en-US" sz="2600" b="1" i="0" u="none" strike="noStrike" cap="none" dirty="0">
                 <a:solidFill>
                   <a:schemeClr val="lt1"/>
                 </a:solidFill>
@@ -17444,7 +18409,7 @@
               <a:buNone/>
             </a:pPr>
             <a:r>
-              <a:rPr lang="en-US" sz="2600" b="1" i="0" u="none" strike="noStrike" cap="none">
+              <a:rPr lang="en-US" sz="2600" b="1" i="0" u="none" strike="noStrike" cap="none" dirty="0">
                 <a:solidFill>
                   <a:schemeClr val="lt1"/>
                 </a:solidFill>
@@ -17456,7 +18421,7 @@
               <a:t>&gt;&gt;&gt; </a:t>
             </a:r>
             <a:r>
-              <a:rPr lang="en-US" sz="2600" b="1" i="0" u="none" strike="noStrike" cap="none">
+              <a:rPr lang="en-US" sz="2600" b="1" i="0" u="none" strike="noStrike" cap="none" dirty="0">
                 <a:solidFill>
                   <a:srgbClr val="FFFF00"/>
                 </a:solidFill>
@@ -17468,7 +18433,7 @@
               <a:t>print</a:t>
             </a:r>
             <a:r>
-              <a:rPr lang="en-US" sz="2600" b="1" i="0" u="none" strike="noStrike" cap="none">
+              <a:rPr lang="en-US" sz="2600" b="1" i="0" u="none" strike="noStrike" cap="none" dirty="0">
                 <a:solidFill>
                   <a:schemeClr val="lt1"/>
                 </a:solidFill>
@@ -17480,7 +18445,7 @@
               <a:t> </a:t>
             </a:r>
             <a:r>
-              <a:rPr lang="en-US" sz="2600" b="1" i="0" u="none" strike="noStrike" cap="none">
+              <a:rPr lang="en-US" sz="2600" b="1" i="0" u="none" strike="noStrike" cap="none" dirty="0" err="1">
                 <a:solidFill>
                   <a:srgbClr val="FF00FF"/>
                 </a:solidFill>
@@ -17491,37 +18456,116 @@
               </a:rPr>
               <a:t>fhand</a:t>
             </a:r>
-          </a:p>
-          <a:p>
-            <a:pPr marL="0" marR="0" lvl="0" indent="0" algn="l" rtl="0">
-              <a:lnSpc>
-                <a:spcPct val="100000"/>
-              </a:lnSpc>
-              <a:spcBef>
-                <a:spcPts val="0"/>
-              </a:spcBef>
-              <a:spcAft>
-                <a:spcPts val="0"/>
-              </a:spcAft>
+            <a:endParaRPr lang="en-US" sz="2600" b="1" i="0" u="none" strike="noStrike" cap="none" dirty="0">
+              <a:solidFill>
+                <a:srgbClr val="FF00FF"/>
+              </a:solidFill>
+              <a:latin typeface="Courier New"/>
+              <a:ea typeface="Courier New"/>
+              <a:cs typeface="Courier New"/>
+              <a:sym typeface="Courier New"/>
+            </a:endParaRPr>
+          </a:p>
+          <a:p>
+            <a:pPr lvl="0">
               <a:buClr>
                 <a:schemeClr val="lt1"/>
               </a:buClr>
               <a:buSzPct val="25000"/>
-              <a:buFont typeface="Cabin"/>
-              <a:buNone/>
-            </a:pPr>
-            <a:r>
-              <a:rPr lang="en-US" sz="2600" b="1" i="0" u="none" strike="noStrike" cap="none">
-                <a:solidFill>
-                  <a:schemeClr val="lt1"/>
-                </a:solidFill>
-                <a:latin typeface="Courier New"/>
-                <a:ea typeface="Courier New"/>
-                <a:cs typeface="Courier New"/>
-                <a:sym typeface="Courier New"/>
-              </a:rPr>
-              <a:t>&lt;open file 'mbox.txt', mode 'r' at 0x1005088b0&gt;</a:t>
-            </a:r>
+            </a:pPr>
+            <a:r>
+              <a:rPr lang="en-US" sz="2600" b="1" dirty="0" smtClean="0">
+                <a:solidFill>
+                  <a:schemeClr val="lt1"/>
+                </a:solidFill>
+                <a:latin typeface="Courier New"/>
+                <a:ea typeface="Courier New"/>
+                <a:cs typeface="Courier New"/>
+                <a:sym typeface="Courier New"/>
+              </a:rPr>
+              <a:t>&lt;_</a:t>
+            </a:r>
+            <a:r>
+              <a:rPr lang="en-US" sz="2600" b="1" dirty="0" err="1">
+                <a:solidFill>
+                  <a:schemeClr val="lt1"/>
+                </a:solidFill>
+                <a:latin typeface="Courier New"/>
+                <a:ea typeface="Courier New"/>
+                <a:cs typeface="Courier New"/>
+                <a:sym typeface="Courier New"/>
+              </a:rPr>
+              <a:t>io.TextIOWrapper</a:t>
+            </a:r>
+            <a:r>
+              <a:rPr lang="en-US" sz="2600" b="1" dirty="0">
+                <a:solidFill>
+                  <a:schemeClr val="lt1"/>
+                </a:solidFill>
+                <a:latin typeface="Courier New"/>
+                <a:ea typeface="Courier New"/>
+                <a:cs typeface="Courier New"/>
+                <a:sym typeface="Courier New"/>
+              </a:rPr>
+              <a:t> name=</a:t>
+            </a:r>
+            <a:r>
+              <a:rPr lang="en-US" sz="2600" b="1" dirty="0" smtClean="0">
+                <a:solidFill>
+                  <a:schemeClr val="lt1"/>
+                </a:solidFill>
+                <a:latin typeface="Courier New"/>
+                <a:ea typeface="Courier New"/>
+                <a:cs typeface="Courier New"/>
+                <a:sym typeface="Courier New"/>
+              </a:rPr>
+              <a:t>'</a:t>
+            </a:r>
+            <a:r>
+              <a:rPr lang="en-US" sz="2600" b="1" dirty="0" err="1" smtClean="0">
+                <a:solidFill>
+                  <a:schemeClr val="lt1"/>
+                </a:solidFill>
+                <a:latin typeface="Courier New"/>
+                <a:ea typeface="Courier New"/>
+                <a:cs typeface="Courier New"/>
+                <a:sym typeface="Courier New"/>
+              </a:rPr>
+              <a:t>mbox.txt</a:t>
+            </a:r>
+            <a:r>
+              <a:rPr lang="en-US" sz="2600" b="1" dirty="0" smtClean="0">
+                <a:solidFill>
+                  <a:schemeClr val="lt1"/>
+                </a:solidFill>
+                <a:latin typeface="Courier New"/>
+                <a:ea typeface="Courier New"/>
+                <a:cs typeface="Courier New"/>
+                <a:sym typeface="Courier New"/>
+              </a:rPr>
+              <a:t>' </a:t>
+            </a:r>
+            <a:r>
+              <a:rPr lang="en-US" sz="2600" b="1" dirty="0">
+                <a:solidFill>
+                  <a:schemeClr val="lt1"/>
+                </a:solidFill>
+                <a:latin typeface="Courier New"/>
+                <a:ea typeface="Courier New"/>
+                <a:cs typeface="Courier New"/>
+                <a:sym typeface="Courier New"/>
+              </a:rPr>
+              <a:t>mode='r' encoding='UTF-8'&gt;</a:t>
+            </a:r>
+            <a:endParaRPr lang="en-US" sz="2600" b="1" i="0" u="none" strike="noStrike" cap="none" dirty="0">
+              <a:solidFill>
+                <a:schemeClr val="lt1"/>
+              </a:solidFill>
+              <a:latin typeface="Courier New"/>
+              <a:ea typeface="Courier New"/>
+              <a:cs typeface="Courier New"/>
+              <a:sym typeface="Courier New"/>
+            </a:endParaRPr>
           </a:p>
         </p:txBody>
       </p:sp>
@@ -17540,8 +18584,8 @@
         </p:blipFill>
         <p:spPr>
           <a:xfrm>
-            <a:off x="7162800" y="4495800"/>
-            <a:ext cx="8005800" cy="4051199"/>
+            <a:off x="7915276" y="4438651"/>
+            <a:ext cx="7072312" cy="3462338"/>
           </a:xfrm>
           <a:prstGeom prst="rect">
             <a:avLst/>
@@ -17636,25 +18680,6 @@
       </p:sp>
       <p:sp>
         <p:nvSpPr>
-          <p:cNvPr id="2" name="Text Placeholder 1"/>
-          <p:cNvSpPr>
-            <a:spLocks noGrp="1"/>
-          </p:cNvSpPr>
-          <p:nvPr>
-            <p:ph type="body" idx="1"/>
-          </p:nvPr>
-        </p:nvSpPr>
-        <p:spPr/>
-        <p:txBody>
-          <a:bodyPr/>
-          <a:lstStyle/>
-          <a:p>
-            <a:endParaRPr lang="en-US"/>
-          </a:p>
-        </p:txBody>
-      </p:sp>
-      <p:sp>
-        <p:nvSpPr>
           <p:cNvPr id="261" name="Shape 261"/>
           <p:cNvSpPr txBox="1"/>
           <p:nvPr/>
@@ -17696,7 +18721,7 @@
               <a:buNone/>
             </a:pPr>
             <a:r>
-              <a:rPr lang="en-US" sz="3600" b="1" i="0" u="none" strike="noStrike" cap="none">
+              <a:rPr lang="en-US" sz="3600" b="1" i="0" u="none" strike="noStrike" cap="none" dirty="0">
                 <a:solidFill>
                   <a:schemeClr val="lt1"/>
                 </a:solidFill>
@@ -17708,7 +18733,7 @@
               <a:t>&gt;&gt;&gt; </a:t>
             </a:r>
             <a:r>
-              <a:rPr lang="en-US" sz="3600" b="1" i="0" u="none" strike="noStrike" cap="none">
+              <a:rPr lang="en-US" sz="3600" b="1" i="0" u="none" strike="noStrike" cap="none" dirty="0" err="1">
                 <a:solidFill>
                   <a:srgbClr val="00FF00"/>
                 </a:solidFill>
@@ -17720,7 +18745,7 @@
               <a:t>fhand</a:t>
             </a:r>
             <a:r>
-              <a:rPr lang="en-US" sz="3600" b="1" i="0" u="none" strike="noStrike" cap="none">
+              <a:rPr lang="en-US" sz="3600" b="1" i="0" u="none" strike="noStrike" cap="none" dirty="0">
                 <a:solidFill>
                   <a:schemeClr val="lt1"/>
                 </a:solidFill>
@@ -17732,7 +18757,7 @@
               <a:t> = </a:t>
             </a:r>
             <a:r>
-              <a:rPr lang="en-US" sz="3600" b="1" i="0" u="none" strike="noStrike" cap="none">
+              <a:rPr lang="en-US" sz="3600" b="1" i="0" u="none" strike="noStrike" cap="none" dirty="0">
                 <a:solidFill>
                   <a:srgbClr val="FF00FF"/>
                 </a:solidFill>
@@ -17744,7 +18769,7 @@
               <a:t>open</a:t>
             </a:r>
             <a:r>
-              <a:rPr lang="en-US" sz="3600" b="1" i="0" u="none" strike="noStrike" cap="none">
+              <a:rPr lang="en-US" sz="3600" b="1" i="0" u="none" strike="noStrike" cap="none" dirty="0">
                 <a:solidFill>
                   <a:schemeClr val="lt1"/>
                 </a:solidFill>
@@ -17756,7 +18781,7 @@
               <a:t>('</a:t>
             </a:r>
             <a:r>
-              <a:rPr lang="en-US" sz="3600" b="1" i="0" u="none" strike="noStrike" cap="none">
+              <a:rPr lang="en-US" sz="3600" b="1" i="0" u="none" strike="noStrike" cap="none" dirty="0" err="1">
                 <a:solidFill>
                   <a:srgbClr val="FF7F00"/>
                 </a:solidFill>
@@ -17765,10 +18790,22 @@
                 <a:cs typeface="Courier New"/>
                 <a:sym typeface="Courier New"/>
               </a:rPr>
-              <a:t>stuff.txt'</a:t>
-            </a:r>
-            <a:r>
-              <a:rPr lang="en-US" sz="3600" b="1" i="0" u="none" strike="noStrike" cap="none">
+              <a:t>stuff.txt</a:t>
+            </a:r>
+            <a:r>
+              <a:rPr lang="en-US" sz="3600" b="1" i="0" u="none" strike="noStrike" cap="none" dirty="0">
+                <a:solidFill>
+                  <a:srgbClr val="FF7F00"/>
+                </a:solidFill>
+                <a:latin typeface="Courier New"/>
+                <a:ea typeface="Courier New"/>
+                <a:cs typeface="Courier New"/>
+                <a:sym typeface="Courier New"/>
+              </a:rPr>
+              <a:t>'</a:t>
+            </a:r>
+            <a:r>
+              <a:rPr lang="en-US" sz="3600" b="1" i="0" u="none" strike="noStrike" cap="none" dirty="0">
                 <a:solidFill>
                   <a:schemeClr val="lt1"/>
                 </a:solidFill>
@@ -17799,43 +18836,202 @@
               <a:buNone/>
             </a:pPr>
             <a:r>
-              <a:rPr lang="en-US" sz="3600" b="1" i="0" u="none" strike="noStrike" cap="none">
-                <a:solidFill>
-                  <a:schemeClr val="lt1"/>
-                </a:solidFill>
-                <a:latin typeface="Courier New"/>
-                <a:ea typeface="Courier New"/>
-                <a:cs typeface="Courier New"/>
-                <a:sym typeface="Courier New"/>
-              </a:rPr>
-              <a:t>Traceback (most recent call last):  File "&lt;stdin&gt;", line 1, in &lt;module&gt;IOError: [Err</a:t>
-            </a:r>
-            <a:r>
-              <a:rPr lang="en-US" sz="3600" b="1">
-                <a:solidFill>
-                  <a:schemeClr val="lt1"/>
-                </a:solidFill>
-                <a:latin typeface="Courier New"/>
-                <a:ea typeface="Courier New"/>
-                <a:cs typeface="Courier New"/>
-                <a:sym typeface="Courier New"/>
-              </a:rPr>
-              <a:t>no</a:t>
-            </a:r>
-            <a:r>
-              <a:rPr lang="en-US" sz="3600" b="1" i="0" u="none" strike="noStrike" cap="none">
-                <a:solidFill>
-                  <a:schemeClr val="lt1"/>
-                </a:solidFill>
-                <a:latin typeface="Courier New"/>
-                <a:ea typeface="Courier New"/>
-                <a:cs typeface="Courier New"/>
-                <a:sym typeface="Courier New"/>
-              </a:rPr>
-              <a:t> 2] </a:t>
-            </a:r>
-            <a:r>
-              <a:rPr lang="en-US" sz="3600" b="1" i="0" u="none" strike="noStrike" cap="none">
+              <a:rPr lang="en-US" sz="3600" b="1" i="0" u="none" strike="noStrike" cap="none" dirty="0" err="1">
+                <a:solidFill>
+                  <a:schemeClr val="lt1"/>
+                </a:solidFill>
+                <a:latin typeface="Courier New"/>
+                <a:ea typeface="Courier New"/>
+                <a:cs typeface="Courier New"/>
+                <a:sym typeface="Courier New"/>
+              </a:rPr>
+              <a:t>Traceback</a:t>
+            </a:r>
+            <a:r>
+              <a:rPr lang="en-US" sz="3600" b="1" i="0" u="none" strike="noStrike" cap="none" dirty="0">
+                <a:solidFill>
+                  <a:schemeClr val="lt1"/>
+                </a:solidFill>
+                <a:latin typeface="Courier New"/>
+                <a:ea typeface="Courier New"/>
+                <a:cs typeface="Courier New"/>
+                <a:sym typeface="Courier New"/>
+              </a:rPr>
+              <a:t> (most recent call last</a:t>
+            </a:r>
+            <a:r>
+              <a:rPr lang="en-US" sz="3600" b="1" i="0" u="none" strike="noStrike" cap="none" dirty="0" smtClean="0">
+                <a:solidFill>
+                  <a:schemeClr val="lt1"/>
+                </a:solidFill>
+                <a:latin typeface="Courier New"/>
+                <a:ea typeface="Courier New"/>
+                <a:cs typeface="Courier New"/>
+                <a:sym typeface="Courier New"/>
+              </a:rPr>
+              <a:t>):</a:t>
+            </a:r>
+          </a:p>
+          <a:p>
+            <a:pPr marL="0" marR="0" lvl="0" indent="0" algn="l" rtl="0">
+              <a:lnSpc>
+                <a:spcPct val="100000"/>
+              </a:lnSpc>
+              <a:spcBef>
+                <a:spcPts val="0"/>
+              </a:spcBef>
+              <a:spcAft>
+                <a:spcPts val="0"/>
+              </a:spcAft>
+              <a:buClr>
+                <a:schemeClr val="lt1"/>
+              </a:buClr>
+              <a:buSzPct val="25000"/>
+              <a:buFont typeface="Cabin"/>
+              <a:buNone/>
+            </a:pPr>
+            <a:r>
+              <a:rPr lang="en-US" sz="3600" b="1" i="0" u="none" strike="noStrike" cap="none" dirty="0" smtClean="0">
+                <a:solidFill>
+                  <a:schemeClr val="lt1"/>
+                </a:solidFill>
+                <a:latin typeface="Courier New"/>
+                <a:ea typeface="Courier New"/>
+                <a:cs typeface="Courier New"/>
+                <a:sym typeface="Courier New"/>
+              </a:rPr>
+              <a:t>  </a:t>
+            </a:r>
+            <a:r>
+              <a:rPr lang="en-US" sz="3600" b="1" i="0" u="none" strike="noStrike" cap="none" dirty="0">
+                <a:solidFill>
+                  <a:schemeClr val="lt1"/>
+                </a:solidFill>
+                <a:latin typeface="Courier New"/>
+                <a:ea typeface="Courier New"/>
+                <a:cs typeface="Courier New"/>
+                <a:sym typeface="Courier New"/>
+              </a:rPr>
+              <a:t>File "&lt;</a:t>
+            </a:r>
+            <a:r>
+              <a:rPr lang="en-US" sz="3600" b="1" i="0" u="none" strike="noStrike" cap="none" dirty="0" err="1">
+                <a:solidFill>
+                  <a:schemeClr val="lt1"/>
+                </a:solidFill>
+                <a:latin typeface="Courier New"/>
+                <a:ea typeface="Courier New"/>
+                <a:cs typeface="Courier New"/>
+                <a:sym typeface="Courier New"/>
+              </a:rPr>
+              <a:t>stdin</a:t>
+            </a:r>
+            <a:r>
+              <a:rPr lang="en-US" sz="3600" b="1" i="0" u="none" strike="noStrike" cap="none" dirty="0">
+                <a:solidFill>
+                  <a:schemeClr val="lt1"/>
+                </a:solidFill>
+                <a:latin typeface="Courier New"/>
+                <a:ea typeface="Courier New"/>
+                <a:cs typeface="Courier New"/>
+                <a:sym typeface="Courier New"/>
+              </a:rPr>
+              <a:t>&gt;", line 1, in &lt;module</a:t>
+            </a:r>
+            <a:r>
+              <a:rPr lang="en-US" sz="3600" b="1" i="0" u="none" strike="noStrike" cap="none" dirty="0" smtClean="0">
+                <a:solidFill>
+                  <a:schemeClr val="lt1"/>
+                </a:solidFill>
+                <a:latin typeface="Courier New"/>
+                <a:ea typeface="Courier New"/>
+                <a:cs typeface="Courier New"/>
+                <a:sym typeface="Courier New"/>
+              </a:rPr>
+              <a:t>&gt;</a:t>
+            </a:r>
+          </a:p>
+          <a:p>
+            <a:pPr lvl="0">
+              <a:buClr>
+                <a:schemeClr val="lt1"/>
+              </a:buClr>
+              <a:buSzPct val="25000"/>
+            </a:pPr>
+            <a:r>
+              <a:rPr lang="en-US" sz="3600" b="1" dirty="0" err="1">
+                <a:solidFill>
+                  <a:schemeClr val="lt1"/>
+                </a:solidFill>
+                <a:latin typeface="Courier New"/>
+                <a:ea typeface="Courier New"/>
+                <a:cs typeface="Courier New"/>
+                <a:sym typeface="Courier New"/>
+              </a:rPr>
+              <a:t>FileNotFoundError</a:t>
+            </a:r>
+            <a:r>
+              <a:rPr lang="en-US" sz="3600" b="1" dirty="0">
+                <a:solidFill>
+                  <a:schemeClr val="lt1"/>
+                </a:solidFill>
+                <a:latin typeface="Courier New"/>
+                <a:ea typeface="Courier New"/>
+                <a:cs typeface="Courier New"/>
+                <a:sym typeface="Courier New"/>
+              </a:rPr>
+              <a:t>: [</a:t>
+            </a:r>
+            <a:r>
+              <a:rPr lang="en-US" sz="3600" b="1" dirty="0" err="1">
+                <a:solidFill>
+                  <a:schemeClr val="lt1"/>
+                </a:solidFill>
+                <a:latin typeface="Courier New"/>
+                <a:ea typeface="Courier New"/>
+                <a:cs typeface="Courier New"/>
+                <a:sym typeface="Courier New"/>
+              </a:rPr>
+              <a:t>Errno</a:t>
+            </a:r>
+            <a:r>
+              <a:rPr lang="en-US" sz="3600" b="1" dirty="0">
+                <a:solidFill>
+                  <a:schemeClr val="lt1"/>
+                </a:solidFill>
+                <a:latin typeface="Courier New"/>
+                <a:ea typeface="Courier New"/>
+                <a:cs typeface="Courier New"/>
+                <a:sym typeface="Courier New"/>
+              </a:rPr>
+              <a:t> </a:t>
+            </a:r>
+            <a:r>
+              <a:rPr lang="en-US" sz="3600" b="1" dirty="0" smtClean="0">
+                <a:solidFill>
+                  <a:schemeClr val="lt1"/>
+                </a:solidFill>
+                <a:latin typeface="Courier New"/>
+                <a:ea typeface="Courier New"/>
+                <a:cs typeface="Courier New"/>
+                <a:sym typeface="Courier New"/>
+              </a:rPr>
+              <a:t>2]</a:t>
+            </a:r>
+            <a:r>
+              <a:rPr lang="en-US" sz="3600" b="1" dirty="0">
+                <a:solidFill>
+                  <a:schemeClr val="lt1"/>
+                </a:solidFill>
+                <a:latin typeface="Courier New"/>
+                <a:ea typeface="Courier New"/>
+                <a:cs typeface="Courier New"/>
+                <a:sym typeface="Courier New"/>
+              </a:rPr>
+              <a:t> </a:t>
+            </a:r>
+            <a:r>
+              <a:rPr lang="en-US" sz="3600" b="1" i="0" u="none" strike="noStrike" cap="none" dirty="0" smtClean="0">
                 <a:solidFill>
                   <a:srgbClr val="FF7F00"/>
                 </a:solidFill>
@@ -17844,7 +19040,43 @@
                 <a:cs typeface="Courier New"/>
                 <a:sym typeface="Courier New"/>
               </a:rPr>
-              <a:t>No such file or directory: 'stuff.txt'</a:t>
+              <a:t>No </a:t>
+            </a:r>
+            <a:r>
+              <a:rPr lang="en-US" sz="3600" b="1" i="0" u="none" strike="noStrike" cap="none" dirty="0">
+                <a:solidFill>
+                  <a:srgbClr val="FF7F00"/>
+                </a:solidFill>
+                <a:latin typeface="Courier New"/>
+                <a:ea typeface="Courier New"/>
+                <a:cs typeface="Courier New"/>
+                <a:sym typeface="Courier New"/>
+              </a:rPr>
+              <a:t>such file or directory: '</a:t>
+            </a:r>
+            <a:r>
+              <a:rPr lang="en-US" sz="3600" b="1" i="0" u="none" strike="noStrike" cap="none" dirty="0" err="1">
+                <a:solidFill>
+                  <a:srgbClr val="FF7F00"/>
+                </a:solidFill>
+                <a:latin typeface="Courier New"/>
+                <a:ea typeface="Courier New"/>
+                <a:cs typeface="Courier New"/>
+                <a:sym typeface="Courier New"/>
+              </a:rPr>
+              <a:t>stuff.txt</a:t>
+            </a:r>
+            <a:r>
+              <a:rPr lang="en-US" sz="3600" b="1" i="0" u="none" strike="noStrike" cap="none" dirty="0">
+                <a:solidFill>
+                  <a:srgbClr val="FF7F00"/>
+                </a:solidFill>
+                <a:latin typeface="Courier New"/>
+                <a:ea typeface="Courier New"/>
+                <a:cs typeface="Courier New"/>
+                <a:sym typeface="Courier New"/>
+              </a:rPr>
+              <a:t>'</a:t>
             </a:r>
           </a:p>
         </p:txBody>
@@ -17966,6 +19198,10 @@
           </p:nvPr>
         </p:nvSpPr>
         <p:spPr>
+          <a:xfrm>
+            <a:off x="1155700" y="2603500"/>
+            <a:ext cx="7459663" cy="5702399"/>
+          </a:xfrm>
           <a:prstGeom prst="rect">
             <a:avLst/>
           </a:prstGeom>
@@ -17998,7 +19234,7 @@
               <a:buChar char="•"/>
             </a:pPr>
             <a:r>
-              <a:rPr lang="en-US" sz="3600" u="none" strike="noStrike" cap="none">
+              <a:rPr lang="en-US" sz="3600" u="none" strike="noStrike" cap="none" dirty="0">
                 <a:solidFill>
                   <a:schemeClr val="lt1"/>
                 </a:solidFill>
@@ -18010,7 +19246,7 @@
               <a:t>We use a special character </a:t>
             </a:r>
             <a:r>
-              <a:rPr lang="en-US" sz="3600">
+              <a:rPr lang="en-US" sz="3600" dirty="0">
                 <a:solidFill>
                   <a:schemeClr val="lt1"/>
                 </a:solidFill>
@@ -18022,7 +19258,7 @@
               <a:t>called the “</a:t>
             </a:r>
             <a:r>
-              <a:rPr lang="en-US" sz="3600">
+              <a:rPr lang="en-US" sz="3600" dirty="0">
                 <a:solidFill>
                   <a:srgbClr val="00FFFF"/>
                 </a:solidFill>
@@ -18034,7 +19270,7 @@
               <a:t>newline</a:t>
             </a:r>
             <a:r>
-              <a:rPr lang="en-US" sz="3600">
+              <a:rPr lang="en-US" sz="3600" dirty="0">
                 <a:solidFill>
                   <a:schemeClr val="lt1"/>
                 </a:solidFill>
@@ -18046,7 +19282,7 @@
               <a:t>” </a:t>
             </a:r>
             <a:r>
-              <a:rPr lang="en-US" sz="3600" u="none" strike="noStrike" cap="none">
+              <a:rPr lang="en-US" sz="3600" u="none" strike="noStrike" cap="none" dirty="0">
                 <a:solidFill>
                   <a:schemeClr val="lt1"/>
                 </a:solidFill>
@@ -18077,7 +19313,7 @@
               <a:buChar char="•"/>
             </a:pPr>
             <a:r>
-              <a:rPr lang="en-US" sz="3600" u="none" strike="noStrike" cap="none">
+              <a:rPr lang="en-US" sz="3600" u="none" strike="noStrike" cap="none" dirty="0">
                 <a:solidFill>
                   <a:schemeClr val="lt1"/>
                 </a:solidFill>
@@ -18089,7 +19325,7 @@
               <a:t>We represent it as </a:t>
             </a:r>
             <a:r>
-              <a:rPr lang="en-US" sz="3600" u="none" strike="noStrike" cap="none">
+              <a:rPr lang="en-US" sz="3600" u="none" strike="noStrike" cap="none" dirty="0">
                 <a:solidFill>
                   <a:srgbClr val="00FFFF"/>
                 </a:solidFill>
@@ -18101,7 +19337,7 @@
               <a:t>\n</a:t>
             </a:r>
             <a:r>
-              <a:rPr lang="en-US" sz="3600" u="none" strike="noStrike" cap="none">
+              <a:rPr lang="en-US" sz="3600" u="none" strike="noStrike" cap="none" dirty="0">
                 <a:solidFill>
                   <a:schemeClr val="lt1"/>
                 </a:solidFill>
@@ -18132,7 +19368,7 @@
               <a:buChar char="•"/>
             </a:pPr>
             <a:r>
-              <a:rPr lang="en-US" sz="3600" u="none" strike="noStrike" cap="none">
+              <a:rPr lang="en-US" sz="3600" u="none" strike="noStrike" cap="none" dirty="0">
                 <a:solidFill>
                   <a:srgbClr val="00FFFF"/>
                 </a:solidFill>
@@ -18144,7 +19380,7 @@
               <a:t>Newline</a:t>
             </a:r>
             <a:r>
-              <a:rPr lang="en-US" sz="3600" u="none" strike="noStrike" cap="none">
+              <a:rPr lang="en-US" sz="3600" u="none" strike="noStrike" cap="none" dirty="0">
                 <a:solidFill>
                   <a:schemeClr val="lt1"/>
                 </a:solidFill>
@@ -18201,7 +19437,7 @@
               <a:buNone/>
             </a:pPr>
             <a:r>
-              <a:rPr lang="en-US" sz="3000" b="1" i="0" u="none" strike="noStrike" cap="none">
+              <a:rPr lang="en-US" sz="3000" b="1" i="0" u="none" strike="noStrike" cap="none" dirty="0">
                 <a:solidFill>
                   <a:schemeClr val="lt1"/>
                 </a:solidFill>
@@ -18213,7 +19449,7 @@
               <a:t>&gt;&gt;&gt; </a:t>
             </a:r>
             <a:r>
-              <a:rPr lang="en-US" sz="3000" b="1" i="0" u="none" strike="noStrike" cap="none">
+              <a:rPr lang="en-US" sz="3000" b="1" i="0" u="none" strike="noStrike" cap="none" dirty="0">
                 <a:solidFill>
                   <a:srgbClr val="00FF00"/>
                 </a:solidFill>
@@ -18225,7 +19461,7 @@
               <a:t>stuff</a:t>
             </a:r>
             <a:r>
-              <a:rPr lang="en-US" sz="3000" b="1" i="0" u="none" strike="noStrike" cap="none">
+              <a:rPr lang="en-US" sz="3000" b="1" i="0" u="none" strike="noStrike" cap="none" dirty="0">
                 <a:solidFill>
                   <a:schemeClr val="lt1"/>
                 </a:solidFill>
@@ -18237,7 +19473,7 @@
               <a:t> = 'Hello</a:t>
             </a:r>
             <a:r>
-              <a:rPr lang="en-US" sz="3000" b="1" i="0" u="none" strike="noStrike" cap="none">
+              <a:rPr lang="en-US" sz="3000" b="1" i="0" u="none" strike="noStrike" cap="none" dirty="0">
                 <a:solidFill>
                   <a:srgbClr val="00FFFF"/>
                 </a:solidFill>
@@ -18246,10 +19482,330 @@
                 <a:cs typeface="Courier New"/>
                 <a:sym typeface="Courier New"/>
               </a:rPr>
-              <a:t>\n</a:t>
-            </a:r>
-            <a:r>
-              <a:rPr lang="en-US" sz="3000" b="1" i="0" u="none" strike="noStrike" cap="none">
+              <a:t>\</a:t>
+            </a:r>
+            <a:r>
+              <a:rPr lang="en-US" sz="3000" b="1" i="0" u="none" strike="noStrike" cap="none" dirty="0" err="1">
+                <a:solidFill>
+                  <a:srgbClr val="00FFFF"/>
+                </a:solidFill>
+                <a:latin typeface="Courier New"/>
+                <a:ea typeface="Courier New"/>
+                <a:cs typeface="Courier New"/>
+                <a:sym typeface="Courier New"/>
+              </a:rPr>
+              <a:t>n</a:t>
+            </a:r>
+            <a:r>
+              <a:rPr lang="en-US" sz="3000" b="1" i="0" u="none" strike="noStrike" cap="none" dirty="0" err="1">
+                <a:solidFill>
+                  <a:schemeClr val="lt1"/>
+                </a:solidFill>
+                <a:latin typeface="Courier New"/>
+                <a:ea typeface="Courier New"/>
+                <a:cs typeface="Courier New"/>
+                <a:sym typeface="Courier New"/>
+              </a:rPr>
+              <a:t>World</a:t>
+            </a:r>
+            <a:r>
+              <a:rPr lang="en-US" sz="3000" b="1" i="0" u="none" strike="noStrike" cap="none" dirty="0">
+                <a:solidFill>
+                  <a:schemeClr val="lt1"/>
+                </a:solidFill>
+                <a:latin typeface="Courier New"/>
+                <a:ea typeface="Courier New"/>
+                <a:cs typeface="Courier New"/>
+                <a:sym typeface="Courier New"/>
+              </a:rPr>
+              <a:t>!</a:t>
+            </a:r>
+            <a:r>
+              <a:rPr lang="en-US" sz="3000" b="1" dirty="0">
+                <a:solidFill>
+                  <a:schemeClr val="lt1"/>
+                </a:solidFill>
+                <a:latin typeface="Courier New"/>
+                <a:ea typeface="Courier New"/>
+                <a:cs typeface="Courier New"/>
+                <a:sym typeface="Courier New"/>
+              </a:rPr>
+              <a:t>'</a:t>
+            </a:r>
+          </a:p>
+          <a:p>
+            <a:pPr marL="0" marR="0" lvl="0" indent="0" algn="l" rtl="0">
+              <a:lnSpc>
+                <a:spcPct val="100000"/>
+              </a:lnSpc>
+              <a:spcBef>
+                <a:spcPts val="0"/>
+              </a:spcBef>
+              <a:spcAft>
+                <a:spcPts val="0"/>
+              </a:spcAft>
+              <a:buClr>
+                <a:schemeClr val="lt1"/>
+              </a:buClr>
+              <a:buSzPct val="25000"/>
+              <a:buFont typeface="Cabin"/>
+              <a:buNone/>
+            </a:pPr>
+            <a:r>
+              <a:rPr lang="en-US" sz="3000" b="1" i="0" u="none" strike="noStrike" cap="none" dirty="0">
+                <a:solidFill>
+                  <a:schemeClr val="lt1"/>
+                </a:solidFill>
+                <a:latin typeface="Courier New"/>
+                <a:ea typeface="Courier New"/>
+                <a:cs typeface="Courier New"/>
+                <a:sym typeface="Courier New"/>
+              </a:rPr>
+              <a:t>&gt;&gt;&gt; </a:t>
+            </a:r>
+            <a:r>
+              <a:rPr lang="en-US" sz="3000" b="1" i="0" u="none" strike="noStrike" cap="none" dirty="0">
+                <a:solidFill>
+                  <a:srgbClr val="00FF00"/>
+                </a:solidFill>
+                <a:latin typeface="Courier New"/>
+                <a:ea typeface="Courier New"/>
+                <a:cs typeface="Courier New"/>
+                <a:sym typeface="Courier New"/>
+              </a:rPr>
+              <a:t>stuff</a:t>
+            </a:r>
+          </a:p>
+          <a:p>
+            <a:pPr marL="0" marR="0" lvl="0" indent="0" algn="l" rtl="0">
+              <a:lnSpc>
+                <a:spcPct val="100000"/>
+              </a:lnSpc>
+              <a:spcBef>
+                <a:spcPts val="0"/>
+              </a:spcBef>
+              <a:spcAft>
+                <a:spcPts val="0"/>
+              </a:spcAft>
+              <a:buClr>
+                <a:schemeClr val="lt1"/>
+              </a:buClr>
+              <a:buSzPct val="25000"/>
+              <a:buFont typeface="Cabin"/>
+              <a:buNone/>
+            </a:pPr>
+            <a:r>
+              <a:rPr lang="en-US" sz="3000" b="1" i="0" u="none" strike="noStrike" cap="none" dirty="0">
+                <a:solidFill>
+                  <a:schemeClr val="lt1"/>
+                </a:solidFill>
+                <a:latin typeface="Courier New"/>
+                <a:ea typeface="Courier New"/>
+                <a:cs typeface="Courier New"/>
+                <a:sym typeface="Courier New"/>
+              </a:rPr>
+              <a:t>'Hello</a:t>
+            </a:r>
+            <a:r>
+              <a:rPr lang="en-US" sz="3000" b="1" i="0" u="none" strike="noStrike" cap="none" dirty="0">
+                <a:solidFill>
+                  <a:srgbClr val="00FFFF"/>
+                </a:solidFill>
+                <a:latin typeface="Courier New"/>
+                <a:ea typeface="Courier New"/>
+                <a:cs typeface="Courier New"/>
+                <a:sym typeface="Courier New"/>
+              </a:rPr>
+              <a:t>\</a:t>
+            </a:r>
+            <a:r>
+              <a:rPr lang="en-US" sz="3000" b="1" i="0" u="none" strike="noStrike" cap="none" dirty="0" err="1">
+                <a:solidFill>
+                  <a:srgbClr val="00FFFF"/>
+                </a:solidFill>
+                <a:latin typeface="Courier New"/>
+                <a:ea typeface="Courier New"/>
+                <a:cs typeface="Courier New"/>
+                <a:sym typeface="Courier New"/>
+              </a:rPr>
+              <a:t>n</a:t>
+            </a:r>
+            <a:r>
+              <a:rPr lang="en-US" sz="3000" b="1" i="0" u="none" strike="noStrike" cap="none" dirty="0" err="1">
+                <a:solidFill>
+                  <a:schemeClr val="lt1"/>
+                </a:solidFill>
+                <a:latin typeface="Courier New"/>
+                <a:ea typeface="Courier New"/>
+                <a:cs typeface="Courier New"/>
+                <a:sym typeface="Courier New"/>
+              </a:rPr>
+              <a:t>World</a:t>
+            </a:r>
+            <a:r>
+              <a:rPr lang="en-US" sz="3000" b="1" i="0" u="none" strike="noStrike" cap="none" dirty="0">
+                <a:solidFill>
+                  <a:schemeClr val="lt1"/>
+                </a:solidFill>
+                <a:latin typeface="Courier New"/>
+                <a:ea typeface="Courier New"/>
+                <a:cs typeface="Courier New"/>
+                <a:sym typeface="Courier New"/>
+              </a:rPr>
+              <a:t>!</a:t>
+            </a:r>
+            <a:r>
+              <a:rPr lang="en-US" sz="3000" b="1" dirty="0">
+                <a:solidFill>
+                  <a:schemeClr val="lt1"/>
+                </a:solidFill>
+                <a:latin typeface="Courier New"/>
+                <a:ea typeface="Courier New"/>
+                <a:cs typeface="Courier New"/>
+                <a:sym typeface="Courier New"/>
+              </a:rPr>
+              <a:t>'</a:t>
+            </a:r>
+          </a:p>
+          <a:p>
+            <a:pPr marL="0" marR="0" lvl="0" indent="0" algn="l" rtl="0">
+              <a:lnSpc>
+                <a:spcPct val="100000"/>
+              </a:lnSpc>
+              <a:spcBef>
+                <a:spcPts val="0"/>
+              </a:spcBef>
+              <a:spcAft>
+                <a:spcPts val="0"/>
+              </a:spcAft>
+              <a:buClr>
+                <a:schemeClr val="lt1"/>
+              </a:buClr>
+              <a:buSzPct val="25000"/>
+              <a:buFont typeface="Cabin"/>
+              <a:buNone/>
+            </a:pPr>
+            <a:r>
+              <a:rPr lang="en-US" sz="3000" b="1" i="0" u="none" strike="noStrike" cap="none" dirty="0">
+                <a:solidFill>
+                  <a:schemeClr val="lt1"/>
+                </a:solidFill>
+                <a:latin typeface="Courier New"/>
+                <a:ea typeface="Courier New"/>
+                <a:cs typeface="Courier New"/>
+                <a:sym typeface="Courier New"/>
+              </a:rPr>
+              <a:t>&gt;&gt;&gt; </a:t>
+            </a:r>
+            <a:r>
+              <a:rPr lang="en-US" sz="3000" b="1" i="0" u="none" strike="noStrike" cap="none" dirty="0" smtClean="0">
+                <a:solidFill>
+                  <a:srgbClr val="FFFF00"/>
+                </a:solidFill>
+                <a:latin typeface="Courier New"/>
+                <a:ea typeface="Courier New"/>
+                <a:cs typeface="Courier New"/>
+                <a:sym typeface="Courier New"/>
+              </a:rPr>
+              <a:t>print</a:t>
+            </a:r>
+            <a:r>
+              <a:rPr lang="en-US" sz="3000" b="1" dirty="0" smtClean="0">
+                <a:solidFill>
+                  <a:schemeClr val="lt1"/>
+                </a:solidFill>
+                <a:latin typeface="Courier New"/>
+                <a:ea typeface="Courier New"/>
+                <a:cs typeface="Courier New"/>
+                <a:sym typeface="Courier New"/>
+              </a:rPr>
+              <a:t>(</a:t>
+            </a:r>
+            <a:r>
+              <a:rPr lang="en-US" sz="3000" b="1" i="0" u="none" strike="noStrike" cap="none" dirty="0" smtClean="0">
+                <a:solidFill>
+                  <a:srgbClr val="00FF00"/>
+                </a:solidFill>
+                <a:latin typeface="Courier New"/>
+                <a:ea typeface="Courier New"/>
+                <a:cs typeface="Courier New"/>
+                <a:sym typeface="Courier New"/>
+              </a:rPr>
+              <a:t>stuff</a:t>
+            </a:r>
+            <a:r>
+              <a:rPr lang="en-US" sz="3000" b="1" i="0" u="none" strike="noStrike" cap="none" dirty="0" smtClean="0">
+                <a:solidFill>
+                  <a:schemeClr val="bg1"/>
+                </a:solidFill>
+                <a:latin typeface="Courier New"/>
+                <a:ea typeface="Courier New"/>
+                <a:cs typeface="Courier New"/>
+                <a:sym typeface="Courier New"/>
+              </a:rPr>
+              <a:t>)</a:t>
+            </a:r>
+            <a:endParaRPr lang="en-US" sz="3000" b="1" i="0" u="none" strike="noStrike" cap="none" dirty="0">
+              <a:solidFill>
+                <a:schemeClr val="bg1"/>
+              </a:solidFill>
+              <a:latin typeface="Courier New"/>
+              <a:ea typeface="Courier New"/>
+              <a:cs typeface="Courier New"/>
+              <a:sym typeface="Courier New"/>
+            </a:endParaRPr>
+          </a:p>
+          <a:p>
+            <a:pPr marL="0" marR="0" lvl="0" indent="0" algn="l" rtl="0">
+              <a:lnSpc>
+                <a:spcPct val="100000"/>
+              </a:lnSpc>
+              <a:spcBef>
+                <a:spcPts val="0"/>
+              </a:spcBef>
+              <a:spcAft>
+                <a:spcPts val="0"/>
+              </a:spcAft>
+              <a:buClr>
+                <a:schemeClr val="lt1"/>
+              </a:buClr>
+              <a:buSzPct val="25000"/>
+              <a:buFont typeface="Cabin"/>
+              <a:buNone/>
+            </a:pPr>
+            <a:r>
+              <a:rPr lang="en-US" sz="3000" b="1" i="0" u="none" strike="noStrike" cap="none" dirty="0">
+                <a:solidFill>
+                  <a:schemeClr val="lt1"/>
+                </a:solidFill>
+                <a:latin typeface="Courier New"/>
+                <a:ea typeface="Courier New"/>
+                <a:cs typeface="Courier New"/>
+                <a:sym typeface="Courier New"/>
+              </a:rPr>
+              <a:t>Hello</a:t>
+            </a:r>
+          </a:p>
+          <a:p>
+            <a:pPr marL="0" marR="0" lvl="0" indent="0" algn="l" rtl="0">
+              <a:lnSpc>
+                <a:spcPct val="100000"/>
+              </a:lnSpc>
+              <a:spcBef>
+                <a:spcPts val="0"/>
+              </a:spcBef>
+              <a:spcAft>
+                <a:spcPts val="0"/>
+              </a:spcAft>
+              <a:buClr>
+                <a:schemeClr val="lt1"/>
+              </a:buClr>
+              <a:buSzPct val="25000"/>
+              <a:buFont typeface="Cabin"/>
+              <a:buNone/>
+            </a:pPr>
+            <a:r>
+              <a:rPr lang="en-US" sz="3000" b="1" i="0" u="none" strike="noStrike" cap="none" dirty="0">
                 <a:solidFill>
                   <a:schemeClr val="lt1"/>
                 </a:solidFill>
@@ -18260,8 +19816,99 @@
               </a:rPr>
               <a:t>World!</a:t>
             </a:r>
-            <a:r>
-              <a:rPr lang="en-US" sz="3000" b="1">
+          </a:p>
+          <a:p>
+            <a:pPr marL="0" marR="0" lvl="0" indent="0" algn="l" rtl="0">
+              <a:lnSpc>
+                <a:spcPct val="100000"/>
+              </a:lnSpc>
+              <a:spcBef>
+                <a:spcPts val="0"/>
+              </a:spcBef>
+              <a:spcAft>
+                <a:spcPts val="0"/>
+              </a:spcAft>
+              <a:buClr>
+                <a:schemeClr val="lt1"/>
+              </a:buClr>
+              <a:buSzPct val="25000"/>
+              <a:buFont typeface="Cabin"/>
+              <a:buNone/>
+            </a:pPr>
+            <a:r>
+              <a:rPr lang="en-US" sz="3000" b="1" i="0" u="none" strike="noStrike" cap="none" dirty="0">
+                <a:solidFill>
+                  <a:schemeClr val="lt1"/>
+                </a:solidFill>
+                <a:latin typeface="Courier New"/>
+                <a:ea typeface="Courier New"/>
+                <a:cs typeface="Courier New"/>
+                <a:sym typeface="Courier New"/>
+              </a:rPr>
+              <a:t>&gt;&gt;&gt; </a:t>
+            </a:r>
+            <a:r>
+              <a:rPr lang="en-US" sz="3000" b="1" i="0" u="none" strike="noStrike" cap="none" dirty="0">
+                <a:solidFill>
+                  <a:srgbClr val="00FF00"/>
+                </a:solidFill>
+                <a:latin typeface="Courier New"/>
+                <a:ea typeface="Courier New"/>
+                <a:cs typeface="Courier New"/>
+                <a:sym typeface="Courier New"/>
+              </a:rPr>
+              <a:t>stuff</a:t>
+            </a:r>
+            <a:r>
+              <a:rPr lang="en-US" sz="3000" b="1" i="0" u="none" strike="noStrike" cap="none" dirty="0">
+                <a:solidFill>
+                  <a:schemeClr val="lt1"/>
+                </a:solidFill>
+                <a:latin typeface="Courier New"/>
+                <a:ea typeface="Courier New"/>
+                <a:cs typeface="Courier New"/>
+                <a:sym typeface="Courier New"/>
+              </a:rPr>
+              <a:t> = 'X</a:t>
+            </a:r>
+            <a:r>
+              <a:rPr lang="en-US" sz="3000" b="1" i="0" u="none" strike="noStrike" cap="none" dirty="0">
+                <a:solidFill>
+                  <a:srgbClr val="00FFFF"/>
+                </a:solidFill>
+                <a:latin typeface="Courier New"/>
+                <a:ea typeface="Courier New"/>
+                <a:cs typeface="Courier New"/>
+                <a:sym typeface="Courier New"/>
+              </a:rPr>
+              <a:t>\</a:t>
+            </a:r>
+            <a:r>
+              <a:rPr lang="en-US" sz="3000" b="1" i="0" u="none" strike="noStrike" cap="none" dirty="0" err="1">
+                <a:solidFill>
+                  <a:srgbClr val="00FFFF"/>
+                </a:solidFill>
+                <a:latin typeface="Courier New"/>
+                <a:ea typeface="Courier New"/>
+                <a:cs typeface="Courier New"/>
+                <a:sym typeface="Courier New"/>
+              </a:rPr>
+              <a:t>n</a:t>
+            </a:r>
+            <a:r>
+              <a:rPr lang="en-US" sz="3000" b="1" i="0" u="none" strike="noStrike" cap="none" dirty="0" err="1">
+                <a:solidFill>
+                  <a:schemeClr val="lt1"/>
+                </a:solidFill>
+                <a:latin typeface="Courier New"/>
+                <a:ea typeface="Courier New"/>
+                <a:cs typeface="Courier New"/>
+                <a:sym typeface="Courier New"/>
+              </a:rPr>
+              <a:t>Y</a:t>
+            </a:r>
+            <a:r>
+              <a:rPr lang="en-US" sz="3000" b="1" dirty="0">
                 <a:solidFill>
                   <a:schemeClr val="lt1"/>
                 </a:solidFill>
@@ -18292,7 +19939,7 @@
               <a:buNone/>
             </a:pPr>
             <a:r>
-              <a:rPr lang="en-US" sz="3000" b="1" i="0" u="none" strike="noStrike" cap="none">
+              <a:rPr lang="en-US" sz="3000" b="1" i="0" u="none" strike="noStrike" cap="none" dirty="0">
                 <a:solidFill>
                   <a:schemeClr val="lt1"/>
                 </a:solidFill>
@@ -18304,7 +19951,31 @@
               <a:t>&gt;&gt;&gt; </a:t>
             </a:r>
             <a:r>
-              <a:rPr lang="en-US" sz="3000" b="1" i="0" u="none" strike="noStrike" cap="none">
+              <a:rPr lang="en-US" sz="3000" b="1" i="0" u="none" strike="noStrike" cap="none" dirty="0" smtClean="0">
+                <a:solidFill>
+                  <a:srgbClr val="FFFF00"/>
+                </a:solidFill>
+                <a:latin typeface="Courier New"/>
+                <a:ea typeface="Courier New"/>
+                <a:cs typeface="Courier New"/>
+                <a:sym typeface="Courier New"/>
+              </a:rPr>
+              <a:t>print</a:t>
+            </a:r>
+            <a:r>
+              <a:rPr lang="en-US" sz="3000" b="1" dirty="0" smtClean="0">
+                <a:solidFill>
+                  <a:schemeClr val="lt1"/>
+                </a:solidFill>
+                <a:latin typeface="Courier New"/>
+                <a:ea typeface="Courier New"/>
+                <a:cs typeface="Courier New"/>
+                <a:sym typeface="Courier New"/>
+              </a:rPr>
+              <a:t>(</a:t>
+            </a:r>
+            <a:r>
+              <a:rPr lang="en-US" sz="3000" b="1" i="0" u="none" strike="noStrike" cap="none" dirty="0" smtClean="0">
                 <a:solidFill>
                   <a:srgbClr val="00FF00"/>
                 </a:solidFill>
@@ -18315,6 +19986,27 @@
               </a:rPr>
               <a:t>stuff</a:t>
             </a:r>
+            <a:r>
+              <a:rPr lang="en-US" sz="3000" b="1" i="0" u="none" strike="noStrike" cap="none" dirty="0" smtClean="0">
+                <a:solidFill>
+                  <a:schemeClr val="bg1"/>
+                </a:solidFill>
+                <a:latin typeface="Courier New"/>
+                <a:ea typeface="Courier New"/>
+                <a:cs typeface="Courier New"/>
+                <a:sym typeface="Courier New"/>
+              </a:rPr>
+              <a:t>)</a:t>
+            </a:r>
+            <a:endParaRPr lang="en-US" sz="3000" b="1" i="0" u="none" strike="noStrike" cap="none" dirty="0">
+              <a:solidFill>
+                <a:schemeClr val="bg1"/>
+              </a:solidFill>
+              <a:latin typeface="Courier New"/>
+              <a:ea typeface="Courier New"/>
+              <a:cs typeface="Courier New"/>
+              <a:sym typeface="Courier New"/>
+            </a:endParaRPr>
           </a:p>
           <a:p>
             <a:pPr marL="0" marR="0" lvl="0" indent="0" algn="l" rtl="0">
@@ -18335,52 +20027,16 @@
               <a:buNone/>
             </a:pPr>
             <a:r>
-              <a:rPr lang="en-US" sz="3000" b="1" i="0" u="none" strike="noStrike" cap="none">
-                <a:solidFill>
-                  <a:schemeClr val="lt1"/>
-                </a:solidFill>
-                <a:latin typeface="Courier New"/>
-                <a:ea typeface="Courier New"/>
-                <a:cs typeface="Courier New"/>
-                <a:sym typeface="Courier New"/>
-              </a:rPr>
-              <a:t>'Hello</a:t>
-            </a:r>
-            <a:r>
-              <a:rPr lang="en-US" sz="3000" b="1" i="0" u="none" strike="noStrike" cap="none">
-                <a:solidFill>
-                  <a:srgbClr val="00FFFF"/>
-                </a:solidFill>
-                <a:latin typeface="Courier New"/>
-                <a:ea typeface="Courier New"/>
-                <a:cs typeface="Courier New"/>
-                <a:sym typeface="Courier New"/>
-              </a:rPr>
-              <a:t>\n</a:t>
-            </a:r>
-            <a:r>
-              <a:rPr lang="en-US" sz="3000" b="1" i="0" u="none" strike="noStrike" cap="none">
-                <a:solidFill>
-                  <a:schemeClr val="lt1"/>
-                </a:solidFill>
-                <a:latin typeface="Courier New"/>
-                <a:ea typeface="Courier New"/>
-                <a:cs typeface="Courier New"/>
-                <a:sym typeface="Courier New"/>
-              </a:rPr>
-              <a:t>World!</a:t>
-            </a:r>
-            <a:r>
-              <a:rPr lang="en-US" sz="3000" b="1">
-                <a:solidFill>
-                  <a:schemeClr val="lt1"/>
-                </a:solidFill>
-                <a:latin typeface="Courier New"/>
-                <a:ea typeface="Courier New"/>
-                <a:cs typeface="Courier New"/>
-                <a:sym typeface="Courier New"/>
-              </a:rPr>
-              <a:t>'</a:t>
+              <a:rPr lang="en-US" sz="3000" b="1" i="0" u="none" strike="noStrike" cap="none" dirty="0">
+                <a:solidFill>
+                  <a:schemeClr val="lt1"/>
+                </a:solidFill>
+                <a:latin typeface="Courier New"/>
+                <a:ea typeface="Courier New"/>
+                <a:cs typeface="Courier New"/>
+                <a:sym typeface="Courier New"/>
+              </a:rPr>
+              <a:t>X</a:t>
             </a:r>
           </a:p>
           <a:p>
@@ -18402,7 +20058,38 @@
               <a:buNone/>
             </a:pPr>
             <a:r>
-              <a:rPr lang="en-US" sz="3000" b="1" i="0" u="none" strike="noStrike" cap="none">
+              <a:rPr lang="en-US" sz="3000" b="1" i="0" u="none" strike="noStrike" cap="none" dirty="0">
+                <a:solidFill>
+                  <a:schemeClr val="lt1"/>
+                </a:solidFill>
+                <a:latin typeface="Courier New"/>
+                <a:ea typeface="Courier New"/>
+                <a:cs typeface="Courier New"/>
+                <a:sym typeface="Courier New"/>
+              </a:rPr>
+              <a:t>Y</a:t>
+            </a:r>
+          </a:p>
+          <a:p>
+            <a:pPr marL="0" marR="0" lvl="0" indent="0" algn="l" rtl="0">
+              <a:lnSpc>
+                <a:spcPct val="100000"/>
+              </a:lnSpc>
+              <a:spcBef>
+                <a:spcPts val="0"/>
+              </a:spcBef>
+              <a:spcAft>
+                <a:spcPts val="0"/>
+              </a:spcAft>
+              <a:buClr>
+                <a:schemeClr val="lt1"/>
+              </a:buClr>
+              <a:buSzPct val="25000"/>
+              <a:buFont typeface="Cabin"/>
+              <a:buNone/>
+            </a:pPr>
+            <a:r>
+              <a:rPr lang="en-US" sz="3000" b="1" i="0" u="none" strike="noStrike" cap="none" dirty="0">
                 <a:solidFill>
                   <a:schemeClr val="lt1"/>
                 </a:solidFill>
@@ -18414,31 +20101,31 @@
               <a:t>&gt;&gt;&gt; </a:t>
             </a:r>
             <a:r>
-              <a:rPr lang="en-US" sz="3000" b="1" i="0" u="none" strike="noStrike" cap="none">
-                <a:solidFill>
-                  <a:srgbClr val="FFFF00"/>
-                </a:solidFill>
-                <a:latin typeface="Courier New"/>
-                <a:ea typeface="Courier New"/>
-                <a:cs typeface="Courier New"/>
-                <a:sym typeface="Courier New"/>
-              </a:rPr>
-              <a:t>print</a:t>
-            </a:r>
-            <a:r>
-              <a:rPr lang="en-US" sz="3000" b="1" i="0" u="none" strike="noStrike" cap="none">
-                <a:solidFill>
-                  <a:schemeClr val="lt1"/>
-                </a:solidFill>
-                <a:latin typeface="Courier New"/>
-                <a:ea typeface="Courier New"/>
-                <a:cs typeface="Courier New"/>
-                <a:sym typeface="Courier New"/>
-              </a:rPr>
-              <a:t> </a:t>
-            </a:r>
-            <a:r>
-              <a:rPr lang="en-US" sz="3000" b="1" i="0" u="none" strike="noStrike" cap="none">
+              <a:rPr lang="en-US" sz="3000" b="1" i="0" u="none" strike="noStrike" cap="none" dirty="0" err="1">
+                <a:solidFill>
+                  <a:srgbClr val="FF00FF"/>
+                </a:solidFill>
+                <a:latin typeface="Courier New"/>
+                <a:ea typeface="Courier New"/>
+                <a:cs typeface="Courier New"/>
+                <a:sym typeface="Courier New"/>
+              </a:rPr>
+              <a:t>len</a:t>
+            </a:r>
+            <a:r>
+              <a:rPr lang="en-US" sz="3000" b="1" i="0" u="none" strike="noStrike" cap="none" dirty="0">
+                <a:solidFill>
+                  <a:schemeClr val="lt1"/>
+                </a:solidFill>
+                <a:latin typeface="Courier New"/>
+                <a:ea typeface="Courier New"/>
+                <a:cs typeface="Courier New"/>
+                <a:sym typeface="Courier New"/>
+              </a:rPr>
+              <a:t>(</a:t>
+            </a:r>
+            <a:r>
+              <a:rPr lang="en-US" sz="3000" b="1" i="0" u="none" strike="noStrike" cap="none" dirty="0">
                 <a:solidFill>
                   <a:srgbClr val="00FF00"/>
                 </a:solidFill>
@@ -18449,6 +20136,18 @@
               </a:rPr>
               <a:t>stuff</a:t>
             </a:r>
+            <a:r>
+              <a:rPr lang="en-US" sz="3000" b="1" i="0" u="none" strike="noStrike" cap="none" dirty="0">
+                <a:solidFill>
+                  <a:schemeClr val="lt1"/>
+                </a:solidFill>
+                <a:latin typeface="Courier New"/>
+                <a:ea typeface="Courier New"/>
+                <a:cs typeface="Courier New"/>
+                <a:sym typeface="Courier New"/>
+              </a:rPr>
+              <a:t>)</a:t>
+            </a:r>
           </a:p>
           <a:p>
             <a:pPr marL="0" marR="0" lvl="0" indent="0" algn="l" rtl="0">
@@ -18469,368 +20168,7 @@
               <a:buNone/>
             </a:pPr>
             <a:r>
-              <a:rPr lang="en-US" sz="3000" b="1" i="0" u="none" strike="noStrike" cap="none">
-                <a:solidFill>
-                  <a:schemeClr val="lt1"/>
-                </a:solidFill>
-                <a:latin typeface="Courier New"/>
-                <a:ea typeface="Courier New"/>
-                <a:cs typeface="Courier New"/>
-                <a:sym typeface="Courier New"/>
-              </a:rPr>
-              <a:t>Hello</a:t>
-            </a:r>
-          </a:p>
-          <a:p>
-            <a:pPr marL="0" marR="0" lvl="0" indent="0" algn="l" rtl="0">
-              <a:lnSpc>
-                <a:spcPct val="100000"/>
-              </a:lnSpc>
-              <a:spcBef>
-                <a:spcPts val="0"/>
-              </a:spcBef>
-              <a:spcAft>
-                <a:spcPts val="0"/>
-              </a:spcAft>
-              <a:buClr>
-                <a:schemeClr val="lt1"/>
-              </a:buClr>
-              <a:buSzPct val="25000"/>
-              <a:buFont typeface="Cabin"/>
-              <a:buNone/>
-            </a:pPr>
-            <a:r>
-              <a:rPr lang="en-US" sz="3000" b="1" i="0" u="none" strike="noStrike" cap="none">
-                <a:solidFill>
-                  <a:schemeClr val="lt1"/>
-                </a:solidFill>
-                <a:latin typeface="Courier New"/>
-                <a:ea typeface="Courier New"/>
-                <a:cs typeface="Courier New"/>
-                <a:sym typeface="Courier New"/>
-              </a:rPr>
-              <a:t>World!</a:t>
-            </a:r>
-          </a:p>
-          <a:p>
-            <a:pPr marL="0" marR="0" lvl="0" indent="0" algn="l" rtl="0">
-              <a:lnSpc>
-                <a:spcPct val="100000"/>
-              </a:lnSpc>
-              <a:spcBef>
-                <a:spcPts val="0"/>
-              </a:spcBef>
-              <a:spcAft>
-                <a:spcPts val="0"/>
-              </a:spcAft>
-              <a:buClr>
-                <a:schemeClr val="lt1"/>
-              </a:buClr>
-              <a:buSzPct val="25000"/>
-              <a:buFont typeface="Cabin"/>
-              <a:buNone/>
-            </a:pPr>
-            <a:r>
-              <a:rPr lang="en-US" sz="3000" b="1" i="0" u="none" strike="noStrike" cap="none">
-                <a:solidFill>
-                  <a:schemeClr val="lt1"/>
-                </a:solidFill>
-                <a:latin typeface="Courier New"/>
-                <a:ea typeface="Courier New"/>
-                <a:cs typeface="Courier New"/>
-                <a:sym typeface="Courier New"/>
-              </a:rPr>
-              <a:t>&gt;&gt;&gt; </a:t>
-            </a:r>
-            <a:r>
-              <a:rPr lang="en-US" sz="3000" b="1" i="0" u="none" strike="noStrike" cap="none">
-                <a:solidFill>
-                  <a:srgbClr val="00FF00"/>
-                </a:solidFill>
-                <a:latin typeface="Courier New"/>
-                <a:ea typeface="Courier New"/>
-                <a:cs typeface="Courier New"/>
-                <a:sym typeface="Courier New"/>
-              </a:rPr>
-              <a:t>stuff</a:t>
-            </a:r>
-            <a:r>
-              <a:rPr lang="en-US" sz="3000" b="1" i="0" u="none" strike="noStrike" cap="none">
-                <a:solidFill>
-                  <a:schemeClr val="lt1"/>
-                </a:solidFill>
-                <a:latin typeface="Courier New"/>
-                <a:ea typeface="Courier New"/>
-                <a:cs typeface="Courier New"/>
-                <a:sym typeface="Courier New"/>
-              </a:rPr>
-              <a:t> = 'X</a:t>
-            </a:r>
-            <a:r>
-              <a:rPr lang="en-US" sz="3000" b="1" i="0" u="none" strike="noStrike" cap="none">
-                <a:solidFill>
-                  <a:srgbClr val="00FFFF"/>
-                </a:solidFill>
-                <a:latin typeface="Courier New"/>
-                <a:ea typeface="Courier New"/>
-                <a:cs typeface="Courier New"/>
-                <a:sym typeface="Courier New"/>
-              </a:rPr>
-              <a:t>\n</a:t>
-            </a:r>
-            <a:r>
-              <a:rPr lang="en-US" sz="3000" b="1" i="0" u="none" strike="noStrike" cap="none">
-                <a:solidFill>
-                  <a:schemeClr val="lt1"/>
-                </a:solidFill>
-                <a:latin typeface="Courier New"/>
-                <a:ea typeface="Courier New"/>
-                <a:cs typeface="Courier New"/>
-                <a:sym typeface="Courier New"/>
-              </a:rPr>
-              <a:t>Y</a:t>
-            </a:r>
-            <a:r>
-              <a:rPr lang="en-US" sz="3000" b="1">
-                <a:solidFill>
-                  <a:schemeClr val="lt1"/>
-                </a:solidFill>
-                <a:latin typeface="Courier New"/>
-                <a:ea typeface="Courier New"/>
-                <a:cs typeface="Courier New"/>
-                <a:sym typeface="Courier New"/>
-              </a:rPr>
-              <a:t>'</a:t>
-            </a:r>
-          </a:p>
-          <a:p>
-            <a:pPr marL="0" marR="0" lvl="0" indent="0" algn="l" rtl="0">
-              <a:lnSpc>
-                <a:spcPct val="100000"/>
-              </a:lnSpc>
-              <a:spcBef>
-                <a:spcPts val="0"/>
-              </a:spcBef>
-              <a:spcAft>
-                <a:spcPts val="0"/>
-              </a:spcAft>
-              <a:buClr>
-                <a:schemeClr val="lt1"/>
-              </a:buClr>
-              <a:buSzPct val="25000"/>
-              <a:buFont typeface="Cabin"/>
-              <a:buNone/>
-            </a:pPr>
-            <a:r>
-              <a:rPr lang="en-US" sz="3000" b="1" i="0" u="none" strike="noStrike" cap="none">
-                <a:solidFill>
-                  <a:schemeClr val="lt1"/>
-                </a:solidFill>
-                <a:latin typeface="Courier New"/>
-                <a:ea typeface="Courier New"/>
-                <a:cs typeface="Courier New"/>
-                <a:sym typeface="Courier New"/>
-              </a:rPr>
-              <a:t>&gt;&gt;&gt; </a:t>
-            </a:r>
-            <a:r>
-              <a:rPr lang="en-US" sz="3000" b="1" i="0" u="none" strike="noStrike" cap="none">
-                <a:solidFill>
-                  <a:srgbClr val="FFFF00"/>
-                </a:solidFill>
-                <a:latin typeface="Courier New"/>
-                <a:ea typeface="Courier New"/>
-                <a:cs typeface="Courier New"/>
-                <a:sym typeface="Courier New"/>
-              </a:rPr>
-              <a:t>print</a:t>
-            </a:r>
-            <a:r>
-              <a:rPr lang="en-US" sz="3000" b="1" i="0" u="none" strike="noStrike" cap="none">
-                <a:solidFill>
-                  <a:schemeClr val="lt1"/>
-                </a:solidFill>
-                <a:latin typeface="Courier New"/>
-                <a:ea typeface="Courier New"/>
-                <a:cs typeface="Courier New"/>
-                <a:sym typeface="Courier New"/>
-              </a:rPr>
-              <a:t> </a:t>
-            </a:r>
-            <a:r>
-              <a:rPr lang="en-US" sz="3000" b="1" i="0" u="none" strike="noStrike" cap="none">
-                <a:solidFill>
-                  <a:srgbClr val="00FF00"/>
-                </a:solidFill>
-                <a:latin typeface="Courier New"/>
-                <a:ea typeface="Courier New"/>
-                <a:cs typeface="Courier New"/>
-                <a:sym typeface="Courier New"/>
-              </a:rPr>
-              <a:t>stuff</a:t>
-            </a:r>
-          </a:p>
-          <a:p>
-            <a:pPr marL="0" marR="0" lvl="0" indent="0" algn="l" rtl="0">
-              <a:lnSpc>
-                <a:spcPct val="100000"/>
-              </a:lnSpc>
-              <a:spcBef>
-                <a:spcPts val="0"/>
-              </a:spcBef>
-              <a:spcAft>
-                <a:spcPts val="0"/>
-              </a:spcAft>
-              <a:buClr>
-                <a:schemeClr val="lt1"/>
-              </a:buClr>
-              <a:buSzPct val="25000"/>
-              <a:buFont typeface="Cabin"/>
-              <a:buNone/>
-            </a:pPr>
-            <a:r>
-              <a:rPr lang="en-US" sz="3000" b="1" i="0" u="none" strike="noStrike" cap="none">
-                <a:solidFill>
-                  <a:schemeClr val="lt1"/>
-                </a:solidFill>
-                <a:latin typeface="Courier New"/>
-                <a:ea typeface="Courier New"/>
-                <a:cs typeface="Courier New"/>
-                <a:sym typeface="Courier New"/>
-              </a:rPr>
-              <a:t>X</a:t>
-            </a:r>
-          </a:p>
-          <a:p>
-            <a:pPr marL="0" marR="0" lvl="0" indent="0" algn="l" rtl="0">
-              <a:lnSpc>
-                <a:spcPct val="100000"/>
-              </a:lnSpc>
-              <a:spcBef>
-                <a:spcPts val="0"/>
-              </a:spcBef>
-              <a:spcAft>
-                <a:spcPts val="0"/>
-              </a:spcAft>
-              <a:buClr>
-                <a:schemeClr val="lt1"/>
-              </a:buClr>
-              <a:buSzPct val="25000"/>
-              <a:buFont typeface="Cabin"/>
-              <a:buNone/>
-            </a:pPr>
-            <a:r>
-              <a:rPr lang="en-US" sz="3000" b="1" i="0" u="none" strike="noStrike" cap="none">
-                <a:solidFill>
-                  <a:schemeClr val="lt1"/>
-                </a:solidFill>
-                <a:latin typeface="Courier New"/>
-                <a:ea typeface="Courier New"/>
-                <a:cs typeface="Courier New"/>
-                <a:sym typeface="Courier New"/>
-              </a:rPr>
-              <a:t>Y</a:t>
-            </a:r>
-          </a:p>
-          <a:p>
-            <a:pPr marL="0" marR="0" lvl="0" indent="0" algn="l" rtl="0">
-              <a:lnSpc>
-                <a:spcPct val="100000"/>
-              </a:lnSpc>
-              <a:spcBef>
-                <a:spcPts val="0"/>
-              </a:spcBef>
-              <a:spcAft>
-                <a:spcPts val="0"/>
-              </a:spcAft>
-              <a:buClr>
-                <a:schemeClr val="lt1"/>
-              </a:buClr>
-              <a:buSzPct val="25000"/>
-              <a:buFont typeface="Cabin"/>
-              <a:buNone/>
-            </a:pPr>
-            <a:r>
-              <a:rPr lang="en-US" sz="3000" b="1" i="0" u="none" strike="noStrike" cap="none">
-                <a:solidFill>
-                  <a:schemeClr val="lt1"/>
-                </a:solidFill>
-                <a:latin typeface="Courier New"/>
-                <a:ea typeface="Courier New"/>
-                <a:cs typeface="Courier New"/>
-                <a:sym typeface="Courier New"/>
-              </a:rPr>
-              <a:t>&gt;&gt;&gt; </a:t>
-            </a:r>
-            <a:r>
-              <a:rPr lang="en-US" sz="3000" b="1" i="0" u="none" strike="noStrike" cap="none">
-                <a:solidFill>
-                  <a:srgbClr val="FF00FF"/>
-                </a:solidFill>
-                <a:latin typeface="Courier New"/>
-                <a:ea typeface="Courier New"/>
-                <a:cs typeface="Courier New"/>
-                <a:sym typeface="Courier New"/>
-              </a:rPr>
-              <a:t>len</a:t>
-            </a:r>
-            <a:r>
-              <a:rPr lang="en-US" sz="3000" b="1" i="0" u="none" strike="noStrike" cap="none">
-                <a:solidFill>
-                  <a:schemeClr val="lt1"/>
-                </a:solidFill>
-                <a:latin typeface="Courier New"/>
-                <a:ea typeface="Courier New"/>
-                <a:cs typeface="Courier New"/>
-                <a:sym typeface="Courier New"/>
-              </a:rPr>
-              <a:t>(</a:t>
-            </a:r>
-            <a:r>
-              <a:rPr lang="en-US" sz="3000" b="1" i="0" u="none" strike="noStrike" cap="none">
-                <a:solidFill>
-                  <a:srgbClr val="00FF00"/>
-                </a:solidFill>
-                <a:latin typeface="Courier New"/>
-                <a:ea typeface="Courier New"/>
-                <a:cs typeface="Courier New"/>
-                <a:sym typeface="Courier New"/>
-              </a:rPr>
-              <a:t>stuff</a:t>
-            </a:r>
-            <a:r>
-              <a:rPr lang="en-US" sz="3000" b="1" i="0" u="none" strike="noStrike" cap="none">
-                <a:solidFill>
-                  <a:schemeClr val="lt1"/>
-                </a:solidFill>
-                <a:latin typeface="Courier New"/>
-                <a:ea typeface="Courier New"/>
-                <a:cs typeface="Courier New"/>
-                <a:sym typeface="Courier New"/>
-              </a:rPr>
-              <a:t>)</a:t>
-            </a:r>
-          </a:p>
-          <a:p>
-            <a:pPr marL="0" marR="0" lvl="0" indent="0" algn="l" rtl="0">
-              <a:lnSpc>
-                <a:spcPct val="100000"/>
-              </a:lnSpc>
-              <a:spcBef>
-                <a:spcPts val="0"/>
-              </a:spcBef>
-              <a:spcAft>
-                <a:spcPts val="0"/>
-              </a:spcAft>
-              <a:buClr>
-                <a:schemeClr val="lt1"/>
-              </a:buClr>
-              <a:buSzPct val="25000"/>
-              <a:buFont typeface="Cabin"/>
-              <a:buNone/>
-            </a:pPr>
-            <a:r>
-              <a:rPr lang="en-US" sz="3000" b="1" i="0" u="none" strike="noStrike" cap="none">
+              <a:rPr lang="en-US" sz="3000" b="1" i="0" u="none" strike="noStrike" cap="none" dirty="0">
                 <a:solidFill>
                   <a:schemeClr val="lt1"/>
                 </a:solidFill>
@@ -18937,6 +20275,10 @@
           </p:nvPr>
         </p:nvSpPr>
         <p:spPr>
+          <a:xfrm>
+            <a:off x="1155700" y="2603501"/>
+            <a:ext cx="13932000" cy="1333500"/>
+          </a:xfrm>
           <a:prstGeom prst="rect">
             <a:avLst/>
           </a:prstGeom>
@@ -18969,7 +20311,7 @@
               <a:buChar char="•"/>
             </a:pPr>
             <a:r>
-              <a:rPr lang="en-US" sz="3600" u="none" strike="noStrike" cap="none">
+              <a:rPr lang="en-US" sz="3600" u="none" strike="noStrike" cap="none" dirty="0">
                 <a:solidFill>
                   <a:schemeClr val="lt1"/>
                 </a:solidFill>
@@ -19026,7 +20368,7 @@
               <a:buNone/>
             </a:pPr>
             <a:r>
-              <a:rPr lang="en-US" sz="2400" b="1" i="0" u="none" strike="noStrike" cap="none">
+              <a:rPr lang="en-US" sz="2400" b="1" i="0" u="none" strike="noStrike" cap="none" dirty="0">
                 <a:solidFill>
                   <a:srgbClr val="FF00FF"/>
                 </a:solidFill>
@@ -19035,7 +20377,31 @@
                 <a:cs typeface="Courier New"/>
                 <a:sym typeface="Courier New"/>
               </a:rPr>
-              <a:t>From stephen.marquard@uct.ac.za Sat Jan  5 09:14:16 2008</a:t>
+              <a:t>From </a:t>
+            </a:r>
+            <a:r>
+              <a:rPr lang="en-US" sz="2400" b="1" i="0" u="none" strike="noStrike" cap="none" dirty="0" err="1">
+                <a:solidFill>
+                  <a:srgbClr val="FF00FF"/>
+                </a:solidFill>
+                <a:latin typeface="Courier New"/>
+                <a:ea typeface="Courier New"/>
+                <a:cs typeface="Courier New"/>
+                <a:sym typeface="Courier New"/>
+              </a:rPr>
+              <a:t>stephen.marquard@uct.ac.za</a:t>
+            </a:r>
+            <a:r>
+              <a:rPr lang="en-US" sz="2400" b="1" i="0" u="none" strike="noStrike" cap="none" dirty="0">
+                <a:solidFill>
+                  <a:srgbClr val="FF00FF"/>
+                </a:solidFill>
+                <a:latin typeface="Courier New"/>
+                <a:ea typeface="Courier New"/>
+                <a:cs typeface="Courier New"/>
+                <a:sym typeface="Courier New"/>
+              </a:rPr>
+              <a:t> Sat Jan  5 09:14:16 2008</a:t>
             </a:r>
           </a:p>
           <a:p>
@@ -19057,7 +20423,7 @@
               <a:buNone/>
             </a:pPr>
             <a:r>
-              <a:rPr lang="en-US" sz="2400" b="1" i="0" u="none" strike="noStrike" cap="none">
+              <a:rPr lang="en-US" sz="2400" b="1" i="0" u="none" strike="noStrike" cap="none" dirty="0">
                 <a:solidFill>
                   <a:srgbClr val="FF00FF"/>
                 </a:solidFill>
@@ -19066,7 +20432,31 @@
                 <a:cs typeface="Courier New"/>
                 <a:sym typeface="Courier New"/>
               </a:rPr>
-              <a:t>Return-Path: &lt;postmaster@collab.sakaiproject.org&gt;</a:t>
+              <a:t>Return-Path: &lt;</a:t>
+            </a:r>
+            <a:r>
+              <a:rPr lang="en-US" sz="2400" b="1" i="0" u="none" strike="noStrike" cap="none" dirty="0" err="1">
+                <a:solidFill>
+                  <a:srgbClr val="FF00FF"/>
+                </a:solidFill>
+                <a:latin typeface="Courier New"/>
+                <a:ea typeface="Courier New"/>
+                <a:cs typeface="Courier New"/>
+                <a:sym typeface="Courier New"/>
+              </a:rPr>
+              <a:t>postmaster@collab.sakaiproject.org</a:t>
+            </a:r>
+            <a:r>
+              <a:rPr lang="en-US" sz="2400" b="1" i="0" u="none" strike="noStrike" cap="none" dirty="0">
+                <a:solidFill>
+                  <a:srgbClr val="FF00FF"/>
+                </a:solidFill>
+                <a:latin typeface="Courier New"/>
+                <a:ea typeface="Courier New"/>
+                <a:cs typeface="Courier New"/>
+                <a:sym typeface="Courier New"/>
+              </a:rPr>
+              <a:t>&gt;</a:t>
             </a:r>
           </a:p>
           <a:p>
@@ -19088,7 +20478,7 @@
               <a:buNone/>
             </a:pPr>
             <a:r>
-              <a:rPr lang="en-US" sz="2400" b="1" i="0" u="none" strike="noStrike" cap="none">
+              <a:rPr lang="en-US" sz="2400" b="1" i="0" u="none" strike="noStrike" cap="none" dirty="0">
                 <a:solidFill>
                   <a:srgbClr val="FF00FF"/>
                 </a:solidFill>
@@ -19119,7 +20509,7 @@
               <a:buNone/>
             </a:pPr>
             <a:r>
-              <a:rPr lang="en-US" sz="2400" b="1" i="0" u="none" strike="noStrike" cap="none">
+              <a:rPr lang="en-US" sz="2400" b="1" i="0" u="none" strike="noStrike" cap="none" dirty="0">
                 <a:solidFill>
                   <a:srgbClr val="FF00FF"/>
                 </a:solidFill>
@@ -19128,29 +20518,10 @@
                 <a:cs typeface="Courier New"/>
                 <a:sym typeface="Courier New"/>
               </a:rPr>
-              <a:t>To: source@collab.sakaiproject.org</a:t>
-            </a:r>
-          </a:p>
-          <a:p>
-            <a:pPr marL="0" marR="0" lvl="0" indent="0" algn="l" rtl="0">
-              <a:lnSpc>
-                <a:spcPct val="100000"/>
-              </a:lnSpc>
-              <a:spcBef>
-                <a:spcPts val="0"/>
-              </a:spcBef>
-              <a:spcAft>
-                <a:spcPts val="0"/>
-              </a:spcAft>
-              <a:buClr>
-                <a:srgbClr val="FF00FF"/>
-              </a:buClr>
-              <a:buSzPct val="25000"/>
-              <a:buFont typeface="Cabin"/>
-              <a:buNone/>
-            </a:pPr>
-            <a:r>
-              <a:rPr lang="en-US" sz="2400" b="1" i="0" u="none" strike="noStrike" cap="none">
+              <a:t>To: </a:t>
+            </a:r>
+            <a:r>
+              <a:rPr lang="en-US" sz="2400" b="1" i="0" u="none" strike="noStrike" cap="none" dirty="0" err="1">
                 <a:solidFill>
                   <a:srgbClr val="FF00FF"/>
                 </a:solidFill>
@@ -19159,58 +20530,9 @@
                 <a:cs typeface="Courier New"/>
                 <a:sym typeface="Courier New"/>
               </a:rPr>
-              <a:t>From: stephen.marquard@uct.ac.za</a:t>
-            </a:r>
-          </a:p>
-          <a:p>
-            <a:pPr marL="0" marR="0" lvl="0" indent="0" algn="l" rtl="0">
-              <a:lnSpc>
-                <a:spcPct val="100000"/>
-              </a:lnSpc>
-              <a:spcBef>
-                <a:spcPts val="0"/>
-              </a:spcBef>
-              <a:spcAft>
-                <a:spcPts val="0"/>
-              </a:spcAft>
-              <a:buClr>
-                <a:srgbClr val="FF00FF"/>
-              </a:buClr>
-              <a:buSzPct val="25000"/>
-              <a:buFont typeface="Cabin"/>
-              <a:buNone/>
-            </a:pPr>
-            <a:r>
-              <a:rPr lang="en-US" sz="2400" b="1" i="0" u="none" strike="noStrike" cap="none">
-                <a:solidFill>
-                  <a:srgbClr val="FF00FF"/>
-                </a:solidFill>
-                <a:latin typeface="Courier New"/>
-                <a:ea typeface="Courier New"/>
-                <a:cs typeface="Courier New"/>
-                <a:sym typeface="Courier New"/>
-              </a:rPr>
-              <a:t>Subject: [sakai] svn commit: r39772 - content/branches/</a:t>
-            </a:r>
-          </a:p>
-          <a:p>
-            <a:pPr marL="0" marR="0" lvl="0" indent="0" algn="l" rtl="0">
-              <a:lnSpc>
-                <a:spcPct val="100000"/>
-              </a:lnSpc>
-              <a:spcBef>
-                <a:spcPts val="0"/>
-              </a:spcBef>
-              <a:spcAft>
-                <a:spcPts val="0"/>
-              </a:spcAft>
-              <a:buClr>
-                <a:srgbClr val="FF00FF"/>
-              </a:buClr>
-              <a:buFont typeface="Cabin"/>
-              <a:buNone/>
-            </a:pPr>
-            <a:endParaRPr sz="2400" b="1">
+              <a:t>source@collab.sakaiproject.org</a:t>
+            </a:r>
+            <a:endParaRPr lang="en-US" sz="2400" b="1" i="0" u="none" strike="noStrike" cap="none" dirty="0">
               <a:solidFill>
                 <a:srgbClr val="FF00FF"/>
               </a:solidFill>
@@ -19239,7 +20561,7 @@
               <a:buNone/>
             </a:pPr>
             <a:r>
-              <a:rPr lang="en-US" sz="2400" b="1" i="0" u="none" strike="noStrike" cap="none">
+              <a:rPr lang="en-US" sz="2400" b="1" i="0" u="none" strike="noStrike" cap="none" dirty="0">
                 <a:solidFill>
                   <a:srgbClr val="FF00FF"/>
                 </a:solidFill>
@@ -19248,10 +20570,168 @@
                 <a:cs typeface="Courier New"/>
                 <a:sym typeface="Courier New"/>
               </a:rPr>
+              <a:t>From: </a:t>
+            </a:r>
+            <a:r>
+              <a:rPr lang="en-US" sz="2400" b="1" i="0" u="none" strike="noStrike" cap="none" dirty="0" err="1">
+                <a:solidFill>
+                  <a:srgbClr val="FF00FF"/>
+                </a:solidFill>
+                <a:latin typeface="Courier New"/>
+                <a:ea typeface="Courier New"/>
+                <a:cs typeface="Courier New"/>
+                <a:sym typeface="Courier New"/>
+              </a:rPr>
+              <a:t>stephen.marquard@uct.ac.za</a:t>
+            </a:r>
+            <a:endParaRPr lang="en-US" sz="2400" b="1" i="0" u="none" strike="noStrike" cap="none" dirty="0">
+              <a:solidFill>
+                <a:srgbClr val="FF00FF"/>
+              </a:solidFill>
+              <a:latin typeface="Courier New"/>
+              <a:ea typeface="Courier New"/>
+              <a:cs typeface="Courier New"/>
+              <a:sym typeface="Courier New"/>
+            </a:endParaRPr>
+          </a:p>
+          <a:p>
+            <a:pPr marL="0" marR="0" lvl="0" indent="0" algn="l" rtl="0">
+              <a:lnSpc>
+                <a:spcPct val="100000"/>
+              </a:lnSpc>
+              <a:spcBef>
+                <a:spcPts val="0"/>
+              </a:spcBef>
+              <a:spcAft>
+                <a:spcPts val="0"/>
+              </a:spcAft>
+              <a:buClr>
+                <a:srgbClr val="FF00FF"/>
+              </a:buClr>
+              <a:buSzPct val="25000"/>
+              <a:buFont typeface="Cabin"/>
+              <a:buNone/>
+            </a:pPr>
+            <a:r>
+              <a:rPr lang="en-US" sz="2400" b="1" i="0" u="none" strike="noStrike" cap="none" dirty="0">
+                <a:solidFill>
+                  <a:srgbClr val="FF00FF"/>
+                </a:solidFill>
+                <a:latin typeface="Courier New"/>
+                <a:ea typeface="Courier New"/>
+                <a:cs typeface="Courier New"/>
+                <a:sym typeface="Courier New"/>
+              </a:rPr>
+              <a:t>Subject: [</a:t>
+            </a:r>
+            <a:r>
+              <a:rPr lang="en-US" sz="2400" b="1" i="0" u="none" strike="noStrike" cap="none" dirty="0" err="1">
+                <a:solidFill>
+                  <a:srgbClr val="FF00FF"/>
+                </a:solidFill>
+                <a:latin typeface="Courier New"/>
+                <a:ea typeface="Courier New"/>
+                <a:cs typeface="Courier New"/>
+                <a:sym typeface="Courier New"/>
+              </a:rPr>
+              <a:t>sakai</a:t>
+            </a:r>
+            <a:r>
+              <a:rPr lang="en-US" sz="2400" b="1" i="0" u="none" strike="noStrike" cap="none" dirty="0">
+                <a:solidFill>
+                  <a:srgbClr val="FF00FF"/>
+                </a:solidFill>
+                <a:latin typeface="Courier New"/>
+                <a:ea typeface="Courier New"/>
+                <a:cs typeface="Courier New"/>
+                <a:sym typeface="Courier New"/>
+              </a:rPr>
+              <a:t>] </a:t>
+            </a:r>
+            <a:r>
+              <a:rPr lang="en-US" sz="2400" b="1" i="0" u="none" strike="noStrike" cap="none" dirty="0" err="1">
+                <a:solidFill>
+                  <a:srgbClr val="FF00FF"/>
+                </a:solidFill>
+                <a:latin typeface="Courier New"/>
+                <a:ea typeface="Courier New"/>
+                <a:cs typeface="Courier New"/>
+                <a:sym typeface="Courier New"/>
+              </a:rPr>
+              <a:t>svn</a:t>
+            </a:r>
+            <a:r>
+              <a:rPr lang="en-US" sz="2400" b="1" i="0" u="none" strike="noStrike" cap="none" dirty="0">
+                <a:solidFill>
+                  <a:srgbClr val="FF00FF"/>
+                </a:solidFill>
+                <a:latin typeface="Courier New"/>
+                <a:ea typeface="Courier New"/>
+                <a:cs typeface="Courier New"/>
+                <a:sym typeface="Courier New"/>
+              </a:rPr>
+              <a:t> commit: r39772 - content/branches/</a:t>
+            </a:r>
+          </a:p>
+          <a:p>
+            <a:pPr marL="0" marR="0" lvl="0" indent="0" algn="l" rtl="0">
+              <a:lnSpc>
+                <a:spcPct val="100000"/>
+              </a:lnSpc>
+              <a:spcBef>
+                <a:spcPts val="0"/>
+              </a:spcBef>
+              <a:spcAft>
+                <a:spcPts val="0"/>
+              </a:spcAft>
+              <a:buClr>
+                <a:srgbClr val="FF00FF"/>
+              </a:buClr>
+              <a:buFont typeface="Cabin"/>
+              <a:buNone/>
+            </a:pPr>
+            <a:endParaRPr sz="2400" b="1" dirty="0">
+              <a:solidFill>
+                <a:srgbClr val="FF00FF"/>
+              </a:solidFill>
+              <a:latin typeface="Courier New"/>
+              <a:ea typeface="Courier New"/>
+              <a:cs typeface="Courier New"/>
+              <a:sym typeface="Courier New"/>
+            </a:endParaRPr>
+          </a:p>
+          <a:p>
+            <a:pPr marL="0" marR="0" lvl="0" indent="0" algn="l" rtl="0">
+              <a:lnSpc>
+                <a:spcPct val="100000"/>
+              </a:lnSpc>
+              <a:spcBef>
+                <a:spcPts val="0"/>
+              </a:spcBef>
+              <a:spcAft>
+                <a:spcPts val="0"/>
+              </a:spcAft>
+              <a:buClr>
+                <a:srgbClr val="FF00FF"/>
+              </a:buClr>
+              <a:buSzPct val="25000"/>
+              <a:buFont typeface="Cabin"/>
+              <a:buNone/>
+            </a:pPr>
+            <a:r>
+              <a:rPr lang="en-US" sz="2400" b="1" i="0" u="none" strike="noStrike" cap="none" dirty="0">
+                <a:solidFill>
+                  <a:srgbClr val="FF00FF"/>
+                </a:solidFill>
+                <a:latin typeface="Courier New"/>
+                <a:ea typeface="Courier New"/>
+                <a:cs typeface="Courier New"/>
+                <a:sym typeface="Courier New"/>
+              </a:rPr>
               <a:t>Details:</a:t>
             </a:r>
             <a:r>
-              <a:rPr lang="en-US" sz="2400" b="1">
+              <a:rPr lang="en-US" sz="2400" b="1" dirty="0">
                 <a:solidFill>
                   <a:srgbClr val="FF00FF"/>
                 </a:solidFill>
@@ -19263,7 +20743,7 @@
               <a:t> </a:t>
             </a:r>
             <a:r>
-              <a:rPr lang="en-US" sz="2400" b="1" i="0" u="none" strike="noStrike" cap="none">
+              <a:rPr lang="en-US" sz="2400" b="1" i="0" u="none" strike="noStrike" cap="none" dirty="0">
                 <a:solidFill>
                   <a:srgbClr val="FF00FF"/>
                 </a:solidFill>
@@ -19272,7 +20752,79 @@
                 <a:cs typeface="Courier New"/>
                 <a:sym typeface="Courier New"/>
               </a:rPr>
-              <a:t>http://source.sakaiproject.org/viewsvn/?view=rev&amp;rev=39772</a:t>
+              <a:t>http://</a:t>
+            </a:r>
+            <a:r>
+              <a:rPr lang="en-US" sz="2400" b="1" i="0" u="none" strike="noStrike" cap="none" dirty="0" err="1">
+                <a:solidFill>
+                  <a:srgbClr val="FF00FF"/>
+                </a:solidFill>
+                <a:latin typeface="Courier New"/>
+                <a:ea typeface="Courier New"/>
+                <a:cs typeface="Courier New"/>
+                <a:sym typeface="Courier New"/>
+              </a:rPr>
+              <a:t>source.sakaiproject.org</a:t>
+            </a:r>
+            <a:r>
+              <a:rPr lang="en-US" sz="2400" b="1" i="0" u="none" strike="noStrike" cap="none" dirty="0">
+                <a:solidFill>
+                  <a:srgbClr val="FF00FF"/>
+                </a:solidFill>
+                <a:latin typeface="Courier New"/>
+                <a:ea typeface="Courier New"/>
+                <a:cs typeface="Courier New"/>
+                <a:sym typeface="Courier New"/>
+              </a:rPr>
+              <a:t>/</a:t>
+            </a:r>
+            <a:r>
+              <a:rPr lang="en-US" sz="2400" b="1" i="0" u="none" strike="noStrike" cap="none" dirty="0" err="1">
+                <a:solidFill>
+                  <a:srgbClr val="FF00FF"/>
+                </a:solidFill>
+                <a:latin typeface="Courier New"/>
+                <a:ea typeface="Courier New"/>
+                <a:cs typeface="Courier New"/>
+                <a:sym typeface="Courier New"/>
+              </a:rPr>
+              <a:t>viewsvn</a:t>
+            </a:r>
+            <a:r>
+              <a:rPr lang="en-US" sz="2400" b="1" i="0" u="none" strike="noStrike" cap="none" dirty="0">
+                <a:solidFill>
+                  <a:srgbClr val="FF00FF"/>
+                </a:solidFill>
+                <a:latin typeface="Courier New"/>
+                <a:ea typeface="Courier New"/>
+                <a:cs typeface="Courier New"/>
+                <a:sym typeface="Courier New"/>
+              </a:rPr>
+              <a:t>/?view=</a:t>
+            </a:r>
+            <a:r>
+              <a:rPr lang="en-US" sz="2400" b="1" i="0" u="none" strike="noStrike" cap="none" dirty="0" err="1">
+                <a:solidFill>
+                  <a:srgbClr val="FF00FF"/>
+                </a:solidFill>
+                <a:latin typeface="Courier New"/>
+                <a:ea typeface="Courier New"/>
+                <a:cs typeface="Courier New"/>
+                <a:sym typeface="Courier New"/>
+              </a:rPr>
+              <a:t>rev&amp;rev</a:t>
+            </a:r>
+            <a:r>
+              <a:rPr lang="en-US" sz="2400" b="1" i="0" u="none" strike="noStrike" cap="none" dirty="0">
+                <a:solidFill>
+                  <a:srgbClr val="FF00FF"/>
+                </a:solidFill>
+                <a:latin typeface="Courier New"/>
+                <a:ea typeface="Courier New"/>
+                <a:cs typeface="Courier New"/>
+                <a:sym typeface="Courier New"/>
+              </a:rPr>
+              <a:t>=39772</a:t>
             </a:r>
           </a:p>
         </p:txBody>

--- a/lectures3/Pythonlearn-07-Files.pptx
+++ b/lectures3/Pythonlearn-07-Files.pptx
@@ -238,7 +238,18 @@
   </p:defaultTextStyle>
   <p:extLst>
     <p:ext uri="{EFAFB233-063F-42B5-8137-9DF3F51BA10A}">
-      <p15:sldGuideLst xmlns:p15="http://schemas.microsoft.com/office/powerpoint/2012/main"/>
+      <p15:sldGuideLst xmlns:p15="http://schemas.microsoft.com/office/powerpoint/2012/main">
+        <p15:guide id="1" orient="horz" pos="2880">
+          <p15:clr>
+            <a:srgbClr val="A4A3A4"/>
+          </p15:clr>
+        </p15:guide>
+        <p15:guide id="2" pos="5120">
+          <p15:clr>
+            <a:srgbClr val="A4A3A4"/>
+          </p15:clr>
+        </p15:guide>
+      </p15:sldGuideLst>
     </p:ext>
   </p:extLst>
 </p:presentation>
@@ -4031,9 +4042,7 @@
             <a:avLst/>
           </a:prstGeom>
           <a:solidFill>
-            <a:schemeClr val="tx1">
-              <a:lumMod val="75000"/>
-            </a:schemeClr>
+            <a:schemeClr val="bg2"/>
           </a:solidFill>
           <a:ln>
             <a:noFill/>
@@ -4183,9 +4192,7 @@
             <a:avLst/>
           </a:prstGeom>
           <a:solidFill>
-            <a:schemeClr val="tx1">
-              <a:lumMod val="75000"/>
-            </a:schemeClr>
+            <a:schemeClr val="bg2"/>
           </a:solidFill>
           <a:ln>
             <a:noFill/>
@@ -5170,7 +5177,7 @@
         </p:nvSpPr>
         <p:spPr>
           <a:xfrm>
-            <a:off x="1155700" y="2603501"/>
+            <a:off x="1155700" y="2695025"/>
             <a:ext cx="13932000" cy="1225550"/>
           </a:xfrm>
           <a:prstGeom prst="rect">
@@ -5187,7 +5194,7 @@
           </a:bodyPr>
           <a:lstStyle/>
           <a:p>
-            <a:pPr marL="749300" marR="0" lvl="0" indent="-533400" algn="l" rtl="0">
+            <a:pPr marL="215900" marR="0" lvl="0" indent="0" algn="l" rtl="0">
               <a:lnSpc>
                 <a:spcPct val="100000"/>
               </a:lnSpc>
@@ -5201,8 +5208,7 @@
                 <a:schemeClr val="lt1"/>
               </a:buClr>
               <a:buSzPct val="171000"/>
-              <a:buFont typeface="Cabin"/>
-              <a:buChar char="•"/>
+              <a:buNone/>
             </a:pPr>
             <a:r>
               <a:rPr lang="en-US" sz="3600" u="none" strike="noStrike" cap="none" dirty="0">
@@ -5286,7 +5292,7 @@
               <a:buNone/>
             </a:pPr>
             <a:r>
-              <a:rPr lang="en-US" sz="2400" b="1" i="0" u="none" strike="noStrike" cap="none">
+              <a:rPr lang="en-US" sz="2400" i="0" u="none" strike="noStrike" cap="none" dirty="0">
                 <a:solidFill>
                   <a:srgbClr val="FF00FF"/>
                 </a:solidFill>
@@ -5295,10 +5301,34 @@
                 <a:cs typeface="Courier New"/>
                 <a:sym typeface="Courier New"/>
               </a:rPr>
-              <a:t>From stephen.marquard@uct.ac.za Sat Jan  5 09:14:16 2008</a:t>
-            </a:r>
-            <a:r>
-              <a:rPr lang="en-US" sz="2400" b="1" i="0" u="none" strike="noStrike" cap="none">
+              <a:t>From </a:t>
+            </a:r>
+            <a:r>
+              <a:rPr lang="en-US" sz="2400" i="0" u="none" strike="noStrike" cap="none" dirty="0" err="1">
+                <a:solidFill>
+                  <a:srgbClr val="FF00FF"/>
+                </a:solidFill>
+                <a:latin typeface="Courier New"/>
+                <a:ea typeface="Courier New"/>
+                <a:cs typeface="Courier New"/>
+                <a:sym typeface="Courier New"/>
+              </a:rPr>
+              <a:t>stephen.marquard@uct.ac.za</a:t>
+            </a:r>
+            <a:r>
+              <a:rPr lang="en-US" sz="2400" i="0" u="none" strike="noStrike" cap="none" dirty="0">
+                <a:solidFill>
+                  <a:srgbClr val="FF00FF"/>
+                </a:solidFill>
+                <a:latin typeface="Courier New"/>
+                <a:ea typeface="Courier New"/>
+                <a:cs typeface="Courier New"/>
+                <a:sym typeface="Courier New"/>
+              </a:rPr>
+              <a:t> Sat Jan  5 09:14:16 2008</a:t>
+            </a:r>
+            <a:r>
+              <a:rPr lang="en-US" sz="2400" i="0" u="none" strike="noStrike" cap="none" dirty="0">
                 <a:solidFill>
                   <a:srgbClr val="00FFFF"/>
                 </a:solidFill>
@@ -5329,7 +5359,7 @@
               <a:buNone/>
             </a:pPr>
             <a:r>
-              <a:rPr lang="en-US" sz="2400" b="1" i="0" u="none" strike="noStrike" cap="none">
+              <a:rPr lang="en-US" sz="2400" i="0" u="none" strike="noStrike" cap="none" dirty="0">
                 <a:solidFill>
                   <a:srgbClr val="FF00FF"/>
                 </a:solidFill>
@@ -5338,10 +5368,34 @@
                 <a:cs typeface="Courier New"/>
                 <a:sym typeface="Courier New"/>
               </a:rPr>
-              <a:t>Return-Path: &lt;postmaster@collab.sakaiproject.org&gt;</a:t>
-            </a:r>
-            <a:r>
-              <a:rPr lang="en-US" sz="2400" b="1" i="0" u="none" strike="noStrike" cap="none">
+              <a:t>Return-Path: &lt;</a:t>
+            </a:r>
+            <a:r>
+              <a:rPr lang="en-US" sz="2400" i="0" u="none" strike="noStrike" cap="none" dirty="0" err="1">
+                <a:solidFill>
+                  <a:srgbClr val="FF00FF"/>
+                </a:solidFill>
+                <a:latin typeface="Courier New"/>
+                <a:ea typeface="Courier New"/>
+                <a:cs typeface="Courier New"/>
+                <a:sym typeface="Courier New"/>
+              </a:rPr>
+              <a:t>postmaster@collab.sakaiproject.org</a:t>
+            </a:r>
+            <a:r>
+              <a:rPr lang="en-US" sz="2400" i="0" u="none" strike="noStrike" cap="none" dirty="0">
+                <a:solidFill>
+                  <a:srgbClr val="FF00FF"/>
+                </a:solidFill>
+                <a:latin typeface="Courier New"/>
+                <a:ea typeface="Courier New"/>
+                <a:cs typeface="Courier New"/>
+                <a:sym typeface="Courier New"/>
+              </a:rPr>
+              <a:t>&gt;</a:t>
+            </a:r>
+            <a:r>
+              <a:rPr lang="en-US" sz="2400" i="0" u="none" strike="noStrike" cap="none" dirty="0">
                 <a:solidFill>
                   <a:srgbClr val="00FFFF"/>
                 </a:solidFill>
@@ -5372,7 +5426,7 @@
               <a:buNone/>
             </a:pPr>
             <a:r>
-              <a:rPr lang="en-US" sz="2400" b="1" i="0" u="none" strike="noStrike" cap="none">
+              <a:rPr lang="en-US" sz="2400" i="0" u="none" strike="noStrike" cap="none" dirty="0">
                 <a:solidFill>
                   <a:srgbClr val="FF00FF"/>
                 </a:solidFill>
@@ -5384,7 +5438,7 @@
               <a:t>Date: Sat, 5 Jan 2008 09:12:18 -0500</a:t>
             </a:r>
             <a:r>
-              <a:rPr lang="en-US" sz="2400" b="1" i="0" u="none" strike="noStrike" cap="none">
+              <a:rPr lang="en-US" sz="2400" i="0" u="none" strike="noStrike" cap="none" dirty="0">
                 <a:solidFill>
                   <a:srgbClr val="00FFFF"/>
                 </a:solidFill>
@@ -5415,7 +5469,7 @@
               <a:buNone/>
             </a:pPr>
             <a:r>
-              <a:rPr lang="en-US" sz="2400" b="1" i="0" u="none" strike="noStrike" cap="none">
+              <a:rPr lang="en-US" sz="2400" i="0" u="none" strike="noStrike" cap="none" dirty="0">
                 <a:solidFill>
                   <a:srgbClr val="FF00FF"/>
                 </a:solidFill>
@@ -5424,10 +5478,22 @@
                 <a:cs typeface="Courier New"/>
                 <a:sym typeface="Courier New"/>
               </a:rPr>
-              <a:t>To: source@collab.sakaiproject.org</a:t>
-            </a:r>
-            <a:r>
-              <a:rPr lang="en-US" sz="2400" b="1" i="0" u="none" strike="noStrike" cap="none">
+              <a:t>To: </a:t>
+            </a:r>
+            <a:r>
+              <a:rPr lang="en-US" sz="2400" i="0" u="none" strike="noStrike" cap="none" dirty="0" err="1">
+                <a:solidFill>
+                  <a:srgbClr val="FF00FF"/>
+                </a:solidFill>
+                <a:latin typeface="Courier New"/>
+                <a:ea typeface="Courier New"/>
+                <a:cs typeface="Courier New"/>
+                <a:sym typeface="Courier New"/>
+              </a:rPr>
+              <a:t>source@collab.sakaiproject.org</a:t>
+            </a:r>
+            <a:r>
+              <a:rPr lang="en-US" sz="2400" i="0" u="none" strike="noStrike" cap="none" dirty="0">
                 <a:solidFill>
                   <a:srgbClr val="00FFFF"/>
                 </a:solidFill>
@@ -5458,7 +5524,7 @@
               <a:buNone/>
             </a:pPr>
             <a:r>
-              <a:rPr lang="en-US" sz="2400" b="1" i="0" u="none" strike="noStrike" cap="none">
+              <a:rPr lang="en-US" sz="2400" i="0" u="none" strike="noStrike" cap="none" dirty="0">
                 <a:solidFill>
                   <a:srgbClr val="FF00FF"/>
                 </a:solidFill>
@@ -5467,10 +5533,22 @@
                 <a:cs typeface="Courier New"/>
                 <a:sym typeface="Courier New"/>
               </a:rPr>
-              <a:t>From: stephen.marquard@uct.ac.za</a:t>
-            </a:r>
-            <a:r>
-              <a:rPr lang="en-US" sz="2400" b="1" i="0" u="none" strike="noStrike" cap="none">
+              <a:t>From: </a:t>
+            </a:r>
+            <a:r>
+              <a:rPr lang="en-US" sz="2400" i="0" u="none" strike="noStrike" cap="none" dirty="0" err="1">
+                <a:solidFill>
+                  <a:srgbClr val="FF00FF"/>
+                </a:solidFill>
+                <a:latin typeface="Courier New"/>
+                <a:ea typeface="Courier New"/>
+                <a:cs typeface="Courier New"/>
+                <a:sym typeface="Courier New"/>
+              </a:rPr>
+              <a:t>stephen.marquard@uct.ac.za</a:t>
+            </a:r>
+            <a:r>
+              <a:rPr lang="en-US" sz="2400" i="0" u="none" strike="noStrike" cap="none" dirty="0">
                 <a:solidFill>
                   <a:srgbClr val="00FFFF"/>
                 </a:solidFill>
@@ -5482,7 +5560,7 @@
               <a:t>\</a:t>
             </a:r>
             <a:r>
-              <a:rPr lang="en-US" sz="2400" b="1">
+              <a:rPr lang="en-US" sz="2400" dirty="0">
                 <a:solidFill>
                   <a:srgbClr val="00FFFF"/>
                 </a:solidFill>
@@ -5513,7 +5591,7 @@
               <a:buNone/>
             </a:pPr>
             <a:r>
-              <a:rPr lang="en-US" sz="2400" b="1" i="0" u="none" strike="noStrike" cap="none">
+              <a:rPr lang="en-US" sz="2400" i="0" u="none" strike="noStrike" cap="none" dirty="0">
                 <a:solidFill>
                   <a:srgbClr val="FF00FF"/>
                 </a:solidFill>
@@ -5522,10 +5600,58 @@
                 <a:cs typeface="Courier New"/>
                 <a:sym typeface="Courier New"/>
               </a:rPr>
-              <a:t>Subject: [sakai] svn commit: r39772 - content/branches/</a:t>
-            </a:r>
-            <a:r>
-              <a:rPr lang="en-US" sz="2400" b="1" i="0" u="none" strike="noStrike" cap="none">
+              <a:t>Subject: [</a:t>
+            </a:r>
+            <a:r>
+              <a:rPr lang="en-US" sz="2400" i="0" u="none" strike="noStrike" cap="none" dirty="0" err="1">
+                <a:solidFill>
+                  <a:srgbClr val="FF00FF"/>
+                </a:solidFill>
+                <a:latin typeface="Courier New"/>
+                <a:ea typeface="Courier New"/>
+                <a:cs typeface="Courier New"/>
+                <a:sym typeface="Courier New"/>
+              </a:rPr>
+              <a:t>sakai</a:t>
+            </a:r>
+            <a:r>
+              <a:rPr lang="en-US" sz="2400" i="0" u="none" strike="noStrike" cap="none" dirty="0">
+                <a:solidFill>
+                  <a:srgbClr val="FF00FF"/>
+                </a:solidFill>
+                <a:latin typeface="Courier New"/>
+                <a:ea typeface="Courier New"/>
+                <a:cs typeface="Courier New"/>
+                <a:sym typeface="Courier New"/>
+              </a:rPr>
+              <a:t>] </a:t>
+            </a:r>
+            <a:r>
+              <a:rPr lang="en-US" sz="2400" i="0" u="none" strike="noStrike" cap="none" dirty="0" err="1">
+                <a:solidFill>
+                  <a:srgbClr val="FF00FF"/>
+                </a:solidFill>
+                <a:latin typeface="Courier New"/>
+                <a:ea typeface="Courier New"/>
+                <a:cs typeface="Courier New"/>
+                <a:sym typeface="Courier New"/>
+              </a:rPr>
+              <a:t>svn</a:t>
+            </a:r>
+            <a:r>
+              <a:rPr lang="en-US" sz="2400" i="0" u="none" strike="noStrike" cap="none" dirty="0">
+                <a:solidFill>
+                  <a:srgbClr val="FF00FF"/>
+                </a:solidFill>
+                <a:latin typeface="Courier New"/>
+                <a:ea typeface="Courier New"/>
+                <a:cs typeface="Courier New"/>
+                <a:sym typeface="Courier New"/>
+              </a:rPr>
+              <a:t> commit: r39772 - content/branches/</a:t>
+            </a:r>
+            <a:r>
+              <a:rPr lang="en-US" sz="2400" i="0" u="none" strike="noStrike" cap="none" dirty="0">
                 <a:solidFill>
                   <a:srgbClr val="00FFFF"/>
                 </a:solidFill>
@@ -5556,7 +5682,7 @@
               <a:buNone/>
             </a:pPr>
             <a:r>
-              <a:rPr lang="en-US" sz="2400" b="1">
+              <a:rPr lang="en-US" sz="2400" dirty="0">
                 <a:solidFill>
                   <a:srgbClr val="00FFFF"/>
                 </a:solidFill>
@@ -5587,7 +5713,7 @@
               <a:buNone/>
             </a:pPr>
             <a:r>
-              <a:rPr lang="en-US" sz="2400" b="1" i="0" u="none" strike="noStrike" cap="none">
+              <a:rPr lang="en-US" sz="2400" i="0" u="none" strike="noStrike" cap="none" dirty="0">
                 <a:solidFill>
                   <a:srgbClr val="FF00FF"/>
                 </a:solidFill>
@@ -5599,7 +5725,7 @@
               <a:t>Details:</a:t>
             </a:r>
             <a:r>
-              <a:rPr lang="en-US" sz="2400" b="1">
+              <a:rPr lang="en-US" sz="2400" dirty="0">
                 <a:solidFill>
                   <a:srgbClr val="FF00FF"/>
                 </a:solidFill>
@@ -5611,7 +5737,7 @@
               <a:t> </a:t>
             </a:r>
             <a:r>
-              <a:rPr lang="en-US" sz="2400" b="1" i="0" u="none" strike="noStrike" cap="none">
+              <a:rPr lang="en-US" sz="2400" i="0" u="none" strike="noStrike" cap="none" dirty="0">
                 <a:solidFill>
                   <a:srgbClr val="FF00FF"/>
                 </a:solidFill>
@@ -5620,10 +5746,82 @@
                 <a:cs typeface="Courier New"/>
                 <a:sym typeface="Courier New"/>
               </a:rPr>
-              <a:t>http://source.sakaiproject.org/viewsvn/?view=rev&amp;rev=39772</a:t>
-            </a:r>
-            <a:r>
-              <a:rPr lang="en-US" sz="2400" b="1" i="0" u="none" strike="noStrike" cap="none">
+              <a:t>http://</a:t>
+            </a:r>
+            <a:r>
+              <a:rPr lang="en-US" sz="2400" i="0" u="none" strike="noStrike" cap="none" dirty="0" err="1">
+                <a:solidFill>
+                  <a:srgbClr val="FF00FF"/>
+                </a:solidFill>
+                <a:latin typeface="Courier New"/>
+                <a:ea typeface="Courier New"/>
+                <a:cs typeface="Courier New"/>
+                <a:sym typeface="Courier New"/>
+              </a:rPr>
+              <a:t>source.sakaiproject.org</a:t>
+            </a:r>
+            <a:r>
+              <a:rPr lang="en-US" sz="2400" i="0" u="none" strike="noStrike" cap="none" dirty="0">
+                <a:solidFill>
+                  <a:srgbClr val="FF00FF"/>
+                </a:solidFill>
+                <a:latin typeface="Courier New"/>
+                <a:ea typeface="Courier New"/>
+                <a:cs typeface="Courier New"/>
+                <a:sym typeface="Courier New"/>
+              </a:rPr>
+              <a:t>/</a:t>
+            </a:r>
+            <a:r>
+              <a:rPr lang="en-US" sz="2400" i="0" u="none" strike="noStrike" cap="none" dirty="0" err="1">
+                <a:solidFill>
+                  <a:srgbClr val="FF00FF"/>
+                </a:solidFill>
+                <a:latin typeface="Courier New"/>
+                <a:ea typeface="Courier New"/>
+                <a:cs typeface="Courier New"/>
+                <a:sym typeface="Courier New"/>
+              </a:rPr>
+              <a:t>viewsvn</a:t>
+            </a:r>
+            <a:r>
+              <a:rPr lang="en-US" sz="2400" i="0" u="none" strike="noStrike" cap="none" dirty="0">
+                <a:solidFill>
+                  <a:srgbClr val="FF00FF"/>
+                </a:solidFill>
+                <a:latin typeface="Courier New"/>
+                <a:ea typeface="Courier New"/>
+                <a:cs typeface="Courier New"/>
+                <a:sym typeface="Courier New"/>
+              </a:rPr>
+              <a:t>/?view=</a:t>
+            </a:r>
+            <a:r>
+              <a:rPr lang="en-US" sz="2400" i="0" u="none" strike="noStrike" cap="none" dirty="0" err="1">
+                <a:solidFill>
+                  <a:srgbClr val="FF00FF"/>
+                </a:solidFill>
+                <a:latin typeface="Courier New"/>
+                <a:ea typeface="Courier New"/>
+                <a:cs typeface="Courier New"/>
+                <a:sym typeface="Courier New"/>
+              </a:rPr>
+              <a:t>rev&amp;rev</a:t>
+            </a:r>
+            <a:r>
+              <a:rPr lang="en-US" sz="2400" i="0" u="none" strike="noStrike" cap="none" dirty="0">
+                <a:solidFill>
+                  <a:srgbClr val="FF00FF"/>
+                </a:solidFill>
+                <a:latin typeface="Courier New"/>
+                <a:ea typeface="Courier New"/>
+                <a:cs typeface="Courier New"/>
+                <a:sym typeface="Courier New"/>
+              </a:rPr>
+              <a:t>=39772</a:t>
+            </a:r>
+            <a:r>
+              <a:rPr lang="en-US" sz="2400" i="0" u="none" strike="noStrike" cap="none" dirty="0">
                 <a:solidFill>
                   <a:srgbClr val="00FFFF"/>
                 </a:solidFill>
@@ -5635,7 +5833,7 @@
               <a:t>\</a:t>
             </a:r>
             <a:r>
-              <a:rPr lang="en-US" sz="2400" b="1">
+              <a:rPr lang="en-US" sz="2400" dirty="0">
                 <a:solidFill>
                   <a:srgbClr val="00FFFF"/>
                 </a:solidFill>
@@ -6017,7 +6215,7 @@
               <a:buNone/>
             </a:pPr>
             <a:r>
-              <a:rPr lang="en-US" sz="3400" b="1" i="0" u="none" strike="noStrike" cap="none" dirty="0" err="1">
+              <a:rPr lang="en-US" sz="3400" i="0" u="none" strike="noStrike" cap="none" dirty="0" err="1">
                 <a:solidFill>
                   <a:srgbClr val="FF7F00"/>
                 </a:solidFill>
@@ -6029,7 +6227,7 @@
               <a:t>xfile</a:t>
             </a:r>
             <a:r>
-              <a:rPr lang="en-US" sz="3400" b="1" i="0" u="none" strike="noStrike" cap="none" dirty="0">
+              <a:rPr lang="en-US" sz="3400" i="0" u="none" strike="noStrike" cap="none" dirty="0">
                 <a:solidFill>
                   <a:schemeClr val="lt1"/>
                 </a:solidFill>
@@ -6041,7 +6239,7 @@
               <a:t> = </a:t>
             </a:r>
             <a:r>
-              <a:rPr lang="en-US" sz="3400" b="1" i="0" u="none" strike="noStrike" cap="none" dirty="0">
+              <a:rPr lang="en-US" sz="3400" i="0" u="none" strike="noStrike" cap="none" dirty="0">
                 <a:solidFill>
                   <a:srgbClr val="FF00FF"/>
                 </a:solidFill>
@@ -6053,7 +6251,7 @@
               <a:t>open</a:t>
             </a:r>
             <a:r>
-              <a:rPr lang="en-US" sz="3400" b="1" i="0" u="none" strike="noStrike" cap="none" dirty="0">
+              <a:rPr lang="en-US" sz="3400" i="0" u="none" strike="noStrike" cap="none" dirty="0">
                 <a:solidFill>
                   <a:schemeClr val="lt1"/>
                 </a:solidFill>
@@ -6065,7 +6263,7 @@
               <a:t>('</a:t>
             </a:r>
             <a:r>
-              <a:rPr lang="en-US" sz="3400" b="1" i="0" u="none" strike="noStrike" cap="none" dirty="0" err="1">
+              <a:rPr lang="en-US" sz="3400" i="0" u="none" strike="noStrike" cap="none" dirty="0" err="1">
                 <a:solidFill>
                   <a:schemeClr val="lt1"/>
                 </a:solidFill>
@@ -6077,7 +6275,7 @@
               <a:t>mbox.txt</a:t>
             </a:r>
             <a:r>
-              <a:rPr lang="en-US" sz="3400" b="1" i="0" u="none" strike="noStrike" cap="none" dirty="0">
+              <a:rPr lang="en-US" sz="3400" i="0" u="none" strike="noStrike" cap="none" dirty="0">
                 <a:solidFill>
                   <a:schemeClr val="lt1"/>
                 </a:solidFill>
@@ -6108,7 +6306,7 @@
               <a:buNone/>
             </a:pPr>
             <a:r>
-              <a:rPr lang="en-US" sz="3400" b="1" i="0" u="none" strike="noStrike" cap="none" dirty="0">
+              <a:rPr lang="en-US" sz="3400" i="0" u="none" strike="noStrike" cap="none" dirty="0">
                 <a:solidFill>
                   <a:srgbClr val="FFFF00"/>
                 </a:solidFill>
@@ -6120,7 +6318,7 @@
               <a:t>for</a:t>
             </a:r>
             <a:r>
-              <a:rPr lang="en-US" sz="3400" b="1" i="0" u="none" strike="noStrike" cap="none" dirty="0">
+              <a:rPr lang="en-US" sz="3400" i="0" u="none" strike="noStrike" cap="none" dirty="0">
                 <a:solidFill>
                   <a:srgbClr val="00FF00"/>
                 </a:solidFill>
@@ -6132,7 +6330,7 @@
               <a:t> cheese</a:t>
             </a:r>
             <a:r>
-              <a:rPr lang="en-US" sz="3400" b="1" i="0" u="none" strike="noStrike" cap="none" dirty="0">
+              <a:rPr lang="en-US" sz="3400" i="0" u="none" strike="noStrike" cap="none" dirty="0">
                 <a:solidFill>
                   <a:schemeClr val="lt1"/>
                 </a:solidFill>
@@ -6144,7 +6342,7 @@
               <a:t> </a:t>
             </a:r>
             <a:r>
-              <a:rPr lang="en-US" sz="3400" b="1" i="0" u="none" strike="noStrike" cap="none" dirty="0">
+              <a:rPr lang="en-US" sz="3400" i="0" u="none" strike="noStrike" cap="none" dirty="0">
                 <a:solidFill>
                   <a:srgbClr val="FFFF00"/>
                 </a:solidFill>
@@ -6156,7 +6354,7 @@
               <a:t>in</a:t>
             </a:r>
             <a:r>
-              <a:rPr lang="en-US" sz="3400" b="1" i="0" u="none" strike="noStrike" cap="none" dirty="0">
+              <a:rPr lang="en-US" sz="3400" i="0" u="none" strike="noStrike" cap="none" dirty="0">
                 <a:solidFill>
                   <a:schemeClr val="lt1"/>
                 </a:solidFill>
@@ -6168,7 +6366,7 @@
               <a:t> </a:t>
             </a:r>
             <a:r>
-              <a:rPr lang="en-US" sz="3400" b="1" i="0" u="none" strike="noStrike" cap="none" dirty="0" err="1">
+              <a:rPr lang="en-US" sz="3400" i="0" u="none" strike="noStrike" cap="none" dirty="0" err="1">
                 <a:solidFill>
                   <a:srgbClr val="FF7F00"/>
                 </a:solidFill>
@@ -6180,7 +6378,7 @@
               <a:t>xfile</a:t>
             </a:r>
             <a:r>
-              <a:rPr lang="en-US" sz="3400" b="1" i="0" u="none" strike="noStrike" cap="none" dirty="0">
+              <a:rPr lang="en-US" sz="3400" i="0" u="none" strike="noStrike" cap="none" dirty="0">
                 <a:solidFill>
                   <a:schemeClr val="lt1"/>
                 </a:solidFill>
@@ -6211,7 +6409,7 @@
               <a:buNone/>
             </a:pPr>
             <a:r>
-              <a:rPr lang="en-US" sz="3400" b="1" dirty="0">
+              <a:rPr lang="en-US" sz="3400" dirty="0">
                 <a:solidFill>
                   <a:schemeClr val="lt1"/>
                 </a:solidFill>
@@ -6223,7 +6421,7 @@
               <a:t>    </a:t>
             </a:r>
             <a:r>
-              <a:rPr lang="en-US" sz="3400" b="1" i="0" u="none" strike="noStrike" cap="none" dirty="0" smtClean="0">
+              <a:rPr lang="en-US" sz="3400" i="0" u="none" strike="noStrike" cap="none" dirty="0" smtClean="0">
                 <a:solidFill>
                   <a:srgbClr val="FFFF00"/>
                 </a:solidFill>
@@ -6235,7 +6433,7 @@
               <a:t>print</a:t>
             </a:r>
             <a:r>
-              <a:rPr lang="en-US" sz="3400" b="1" dirty="0" smtClean="0">
+              <a:rPr lang="en-US" sz="3400" dirty="0" smtClean="0">
                 <a:solidFill>
                   <a:schemeClr val="lt1"/>
                 </a:solidFill>
@@ -6247,7 +6445,7 @@
               <a:t>(</a:t>
             </a:r>
             <a:r>
-              <a:rPr lang="en-US" sz="3400" b="1" i="0" u="none" strike="noStrike" cap="none" dirty="0" smtClean="0">
+              <a:rPr lang="en-US" sz="3400" i="0" u="none" strike="noStrike" cap="none" dirty="0" smtClean="0">
                 <a:solidFill>
                   <a:srgbClr val="00FF00"/>
                 </a:solidFill>
@@ -6259,7 +6457,7 @@
               <a:t>cheese</a:t>
             </a:r>
             <a:r>
-              <a:rPr lang="en-US" sz="3400" b="1" i="0" u="none" strike="noStrike" cap="none" dirty="0" smtClean="0">
+              <a:rPr lang="en-US" sz="3400" i="0" u="none" strike="noStrike" cap="none" dirty="0" smtClean="0">
                 <a:solidFill>
                   <a:schemeClr val="bg1"/>
                 </a:solidFill>
@@ -6270,7 +6468,7 @@
               </a:rPr>
               <a:t>)</a:t>
             </a:r>
-            <a:endParaRPr lang="en-US" sz="3400" b="1" i="0" u="none" strike="noStrike" cap="none" dirty="0">
+            <a:endParaRPr lang="en-US" sz="3400" i="0" u="none" strike="noStrike" cap="none" dirty="0">
               <a:solidFill>
                 <a:schemeClr val="bg1"/>
               </a:solidFill>
@@ -6377,7 +6575,7 @@
         <p:spPr>
           <a:xfrm>
             <a:off x="1155700" y="2603500"/>
-            <a:ext cx="6873875" cy="5702399"/>
+            <a:ext cx="6873875" cy="4787209"/>
           </a:xfrm>
           <a:prstGeom prst="rect">
             <a:avLst/>
@@ -6590,7 +6788,7 @@
               <a:buNone/>
             </a:pPr>
             <a:r>
-              <a:rPr lang="en-US" sz="3000" b="1" i="0" u="none" strike="noStrike" cap="none" dirty="0" err="1">
+              <a:rPr lang="en-US" sz="3000" i="0" u="none" strike="noStrike" cap="none" dirty="0" err="1">
                 <a:solidFill>
                   <a:srgbClr val="00FF00"/>
                 </a:solidFill>
@@ -6602,7 +6800,7 @@
               <a:t>fhand</a:t>
             </a:r>
             <a:r>
-              <a:rPr lang="en-US" sz="3000" b="1" i="0" u="none" strike="noStrike" cap="none" dirty="0">
+              <a:rPr lang="en-US" sz="3000" i="0" u="none" strike="noStrike" cap="none" dirty="0">
                 <a:solidFill>
                   <a:schemeClr val="lt1"/>
                 </a:solidFill>
@@ -6614,7 +6812,7 @@
               <a:t> = </a:t>
             </a:r>
             <a:r>
-              <a:rPr lang="en-US" sz="3000" b="1" i="0" u="none" strike="noStrike" cap="none" dirty="0">
+              <a:rPr lang="en-US" sz="3000" i="0" u="none" strike="noStrike" cap="none" dirty="0">
                 <a:solidFill>
                   <a:srgbClr val="FF00FF"/>
                 </a:solidFill>
@@ -6626,7 +6824,7 @@
               <a:t>open</a:t>
             </a:r>
             <a:r>
-              <a:rPr lang="en-US" sz="3000" b="1" i="0" u="none" strike="noStrike" cap="none" dirty="0">
+              <a:rPr lang="en-US" sz="3000" i="0" u="none" strike="noStrike" cap="none" dirty="0">
                 <a:solidFill>
                   <a:schemeClr val="lt1"/>
                 </a:solidFill>
@@ -6638,7 +6836,7 @@
               <a:t>('</a:t>
             </a:r>
             <a:r>
-              <a:rPr lang="en-US" sz="3000" b="1" i="0" u="none" strike="noStrike" cap="none" dirty="0" err="1">
+              <a:rPr lang="en-US" sz="3000" i="0" u="none" strike="noStrike" cap="none" dirty="0" err="1">
                 <a:solidFill>
                   <a:schemeClr val="lt1"/>
                 </a:solidFill>
@@ -6650,7 +6848,7 @@
               <a:t>mbox.txt</a:t>
             </a:r>
             <a:r>
-              <a:rPr lang="en-US" sz="3000" b="1" i="0" u="none" strike="noStrike" cap="none" dirty="0">
+              <a:rPr lang="en-US" sz="3000" i="0" u="none" strike="noStrike" cap="none" dirty="0">
                 <a:solidFill>
                   <a:schemeClr val="lt1"/>
                 </a:solidFill>
@@ -6681,7 +6879,7 @@
               <a:buNone/>
             </a:pPr>
             <a:r>
-              <a:rPr lang="en-US" sz="3000" b="1" i="0" u="none" strike="noStrike" cap="none" dirty="0">
+              <a:rPr lang="en-US" sz="3000" i="0" u="none" strike="noStrike" cap="none" dirty="0">
                 <a:solidFill>
                   <a:srgbClr val="FF7F00"/>
                 </a:solidFill>
@@ -6693,7 +6891,7 @@
               <a:t>count</a:t>
             </a:r>
             <a:r>
-              <a:rPr lang="en-US" sz="3000" b="1" i="0" u="none" strike="noStrike" cap="none" dirty="0">
+              <a:rPr lang="en-US" sz="3000" i="0" u="none" strike="noStrike" cap="none" dirty="0">
                 <a:solidFill>
                   <a:schemeClr val="lt1"/>
                 </a:solidFill>
@@ -6724,7 +6922,7 @@
               <a:buNone/>
             </a:pPr>
             <a:r>
-              <a:rPr lang="en-US" sz="3000" b="1" i="0" u="none" strike="noStrike" cap="none" dirty="0">
+              <a:rPr lang="en-US" sz="3000" i="0" u="none" strike="noStrike" cap="none" dirty="0">
                 <a:solidFill>
                   <a:srgbClr val="FFFF00"/>
                 </a:solidFill>
@@ -6736,7 +6934,7 @@
               <a:t>for</a:t>
             </a:r>
             <a:r>
-              <a:rPr lang="en-US" sz="3000" b="1" i="0" u="none" strike="noStrike" cap="none" dirty="0">
+              <a:rPr lang="en-US" sz="3000" i="0" u="none" strike="noStrike" cap="none" dirty="0">
                 <a:solidFill>
                   <a:schemeClr val="lt1"/>
                 </a:solidFill>
@@ -6748,7 +6946,7 @@
               <a:t> </a:t>
             </a:r>
             <a:r>
-              <a:rPr lang="en-US" sz="3000" b="1" i="0" u="none" strike="noStrike" cap="none" dirty="0">
+              <a:rPr lang="en-US" sz="3000" i="0" u="none" strike="noStrike" cap="none" dirty="0">
                 <a:solidFill>
                   <a:srgbClr val="00FF00"/>
                 </a:solidFill>
@@ -6760,7 +6958,7 @@
               <a:t>line</a:t>
             </a:r>
             <a:r>
-              <a:rPr lang="en-US" sz="3000" b="1" i="0" u="none" strike="noStrike" cap="none" dirty="0">
+              <a:rPr lang="en-US" sz="3000" i="0" u="none" strike="noStrike" cap="none" dirty="0">
                 <a:solidFill>
                   <a:schemeClr val="lt1"/>
                 </a:solidFill>
@@ -6772,7 +6970,7 @@
               <a:t> </a:t>
             </a:r>
             <a:r>
-              <a:rPr lang="en-US" sz="3000" b="1" i="0" u="none" strike="noStrike" cap="none" dirty="0">
+              <a:rPr lang="en-US" sz="3000" i="0" u="none" strike="noStrike" cap="none" dirty="0">
                 <a:solidFill>
                   <a:srgbClr val="FFFF00"/>
                 </a:solidFill>
@@ -6784,7 +6982,7 @@
               <a:t>in</a:t>
             </a:r>
             <a:r>
-              <a:rPr lang="en-US" sz="3000" b="1" i="0" u="none" strike="noStrike" cap="none" dirty="0">
+              <a:rPr lang="en-US" sz="3000" i="0" u="none" strike="noStrike" cap="none" dirty="0">
                 <a:solidFill>
                   <a:schemeClr val="lt1"/>
                 </a:solidFill>
@@ -6796,7 +6994,7 @@
               <a:t> </a:t>
             </a:r>
             <a:r>
-              <a:rPr lang="en-US" sz="3000" b="1" i="0" u="none" strike="noStrike" cap="none" dirty="0" err="1">
+              <a:rPr lang="en-US" sz="3000" i="0" u="none" strike="noStrike" cap="none" dirty="0" err="1">
                 <a:solidFill>
                   <a:srgbClr val="00FF00"/>
                 </a:solidFill>
@@ -6808,7 +7006,7 @@
               <a:t>fhand</a:t>
             </a:r>
             <a:r>
-              <a:rPr lang="en-US" sz="3000" b="1" i="0" u="none" strike="noStrike" cap="none" dirty="0">
+              <a:rPr lang="en-US" sz="3000" i="0" u="none" strike="noStrike" cap="none" dirty="0">
                 <a:solidFill>
                   <a:schemeClr val="lt1"/>
                 </a:solidFill>
@@ -6839,7 +7037,7 @@
               <a:buNone/>
             </a:pPr>
             <a:r>
-              <a:rPr lang="en-US" sz="3000" b="1" dirty="0">
+              <a:rPr lang="en-US" sz="3000" dirty="0">
                 <a:solidFill>
                   <a:schemeClr val="lt1"/>
                 </a:solidFill>
@@ -6851,7 +7049,7 @@
               <a:t>    </a:t>
             </a:r>
             <a:r>
-              <a:rPr lang="en-US" sz="3000" b="1" i="0" u="none" strike="noStrike" cap="none" dirty="0">
+              <a:rPr lang="en-US" sz="3000" i="0" u="none" strike="noStrike" cap="none" dirty="0">
                 <a:solidFill>
                   <a:srgbClr val="FF7F00"/>
                 </a:solidFill>
@@ -6863,7 +7061,7 @@
               <a:t>count</a:t>
             </a:r>
             <a:r>
-              <a:rPr lang="en-US" sz="3000" b="1" i="0" u="none" strike="noStrike" cap="none" dirty="0">
+              <a:rPr lang="en-US" sz="3000" i="0" u="none" strike="noStrike" cap="none" dirty="0">
                 <a:solidFill>
                   <a:schemeClr val="lt1"/>
                 </a:solidFill>
@@ -6875,7 +7073,7 @@
               <a:t> = </a:t>
             </a:r>
             <a:r>
-              <a:rPr lang="en-US" sz="3000" b="1" i="0" u="none" strike="noStrike" cap="none" dirty="0">
+              <a:rPr lang="en-US" sz="3000" i="0" u="none" strike="noStrike" cap="none" dirty="0">
                 <a:solidFill>
                   <a:srgbClr val="FF7F00"/>
                 </a:solidFill>
@@ -6887,7 +7085,7 @@
               <a:t>count</a:t>
             </a:r>
             <a:r>
-              <a:rPr lang="en-US" sz="3000" b="1" i="0" u="none" strike="noStrike" cap="none" dirty="0">
+              <a:rPr lang="en-US" sz="3000" i="0" u="none" strike="noStrike" cap="none" dirty="0">
                 <a:solidFill>
                   <a:schemeClr val="lt1"/>
                 </a:solidFill>
@@ -6918,7 +7116,7 @@
               <a:buNone/>
             </a:pPr>
             <a:r>
-              <a:rPr lang="en-US" sz="3000" b="1" i="0" u="none" strike="noStrike" cap="none" dirty="0" smtClean="0">
+              <a:rPr lang="en-US" sz="3000" i="0" u="none" strike="noStrike" cap="none" dirty="0" smtClean="0">
                 <a:solidFill>
                   <a:srgbClr val="FFFF00"/>
                 </a:solidFill>
@@ -6930,7 +7128,7 @@
               <a:t>print</a:t>
             </a:r>
             <a:r>
-              <a:rPr lang="en-US" sz="3000" b="1" dirty="0">
+              <a:rPr lang="en-US" sz="3000" dirty="0">
                 <a:solidFill>
                   <a:schemeClr val="lt1"/>
                 </a:solidFill>
@@ -6942,7 +7140,7 @@
               <a:t>(</a:t>
             </a:r>
             <a:r>
-              <a:rPr lang="en-US" sz="3000" b="1" i="0" u="none" strike="noStrike" cap="none" dirty="0" smtClean="0">
+              <a:rPr lang="en-US" sz="3000" i="0" u="none" strike="noStrike" cap="none" dirty="0" smtClean="0">
                 <a:solidFill>
                   <a:schemeClr val="lt1"/>
                 </a:solidFill>
@@ -6954,7 +7152,7 @@
               <a:t>'Line </a:t>
             </a:r>
             <a:r>
-              <a:rPr lang="en-US" sz="3000" b="1" i="0" u="none" strike="noStrike" cap="none" dirty="0">
+              <a:rPr lang="en-US" sz="3000" i="0" u="none" strike="noStrike" cap="none" dirty="0">
                 <a:solidFill>
                   <a:schemeClr val="lt1"/>
                 </a:solidFill>
@@ -6966,7 +7164,7 @@
               <a:t>Count:', </a:t>
             </a:r>
             <a:r>
-              <a:rPr lang="en-US" sz="3000" b="1" i="0" u="none" strike="noStrike" cap="none" dirty="0" smtClean="0">
+              <a:rPr lang="en-US" sz="3000" i="0" u="none" strike="noStrike" cap="none" dirty="0" smtClean="0">
                 <a:solidFill>
                   <a:srgbClr val="FF7F00"/>
                 </a:solidFill>
@@ -6978,7 +7176,7 @@
               <a:t>count</a:t>
             </a:r>
             <a:r>
-              <a:rPr lang="en-US" sz="3000" b="1" i="0" u="none" strike="noStrike" cap="none" dirty="0" smtClean="0">
+              <a:rPr lang="en-US" sz="3000" i="0" u="none" strike="noStrike" cap="none" dirty="0" smtClean="0">
                 <a:solidFill>
                   <a:schemeClr val="bg1"/>
                 </a:solidFill>
@@ -6989,7 +7187,7 @@
               </a:rPr>
               <a:t>)</a:t>
             </a:r>
-            <a:endParaRPr lang="en-US" sz="3000" b="1" i="0" u="none" strike="noStrike" cap="none" dirty="0">
+            <a:endParaRPr lang="en-US" sz="3000" i="0" u="none" strike="noStrike" cap="none" dirty="0">
               <a:solidFill>
                 <a:schemeClr val="bg1"/>
               </a:solidFill>
@@ -7012,7 +7210,7 @@
               </a:spcAft>
               <a:buNone/>
             </a:pPr>
-            <a:endParaRPr sz="3000" b="1" i="0" u="none" strike="noStrike" cap="none" dirty="0">
+            <a:endParaRPr sz="3000" i="0" u="none" strike="noStrike" cap="none" dirty="0">
               <a:solidFill>
                 <a:srgbClr val="FF7F00"/>
               </a:solidFill>
@@ -7035,7 +7233,7 @@
               </a:spcAft>
               <a:buNone/>
             </a:pPr>
-            <a:endParaRPr sz="3000" b="1" i="0" u="none" strike="noStrike" cap="none" dirty="0">
+            <a:endParaRPr sz="3000" i="0" u="none" strike="noStrike" cap="none" dirty="0">
               <a:solidFill>
                 <a:srgbClr val="FF7F00"/>
               </a:solidFill>
@@ -7064,7 +7262,7 @@
               <a:buNone/>
             </a:pPr>
             <a:r>
-              <a:rPr lang="en-US" sz="3000" b="1" i="0" u="none" strike="noStrike" cap="none" dirty="0">
+              <a:rPr lang="en-US" sz="3000" i="0" u="none" strike="noStrike" cap="none" dirty="0">
                 <a:solidFill>
                   <a:schemeClr val="lt1"/>
                 </a:solidFill>
@@ -7076,7 +7274,7 @@
               <a:t>$</a:t>
             </a:r>
             <a:r>
-              <a:rPr lang="en-US" sz="3000" b="1" i="0" u="none" strike="noStrike" cap="none" dirty="0">
+              <a:rPr lang="en-US" sz="3000" i="0" u="none" strike="noStrike" cap="none" dirty="0">
                 <a:solidFill>
                   <a:srgbClr val="00FF00"/>
                 </a:solidFill>
@@ -7088,7 +7286,7 @@
               <a:t> python </a:t>
             </a:r>
             <a:r>
-              <a:rPr lang="en-US" sz="3000" b="1" i="0" u="none" strike="noStrike" cap="none" dirty="0" err="1">
+              <a:rPr lang="en-US" sz="3000" i="0" u="none" strike="noStrike" cap="none" dirty="0" err="1">
                 <a:solidFill>
                   <a:srgbClr val="00FF00"/>
                 </a:solidFill>
@@ -7099,7 +7297,7 @@
               </a:rPr>
               <a:t>open.py</a:t>
             </a:r>
-            <a:endParaRPr lang="en-US" sz="3000" b="1" i="0" u="none" strike="noStrike" cap="none" dirty="0">
+            <a:endParaRPr lang="en-US" sz="3000" i="0" u="none" strike="noStrike" cap="none" dirty="0">
               <a:solidFill>
                 <a:srgbClr val="00FF00"/>
               </a:solidFill>
@@ -7128,7 +7326,7 @@
               <a:buNone/>
             </a:pPr>
             <a:r>
-              <a:rPr lang="en-US" sz="3000" b="1" i="0" u="none" strike="noStrike" cap="none" dirty="0">
+              <a:rPr lang="en-US" sz="3000" i="0" u="none" strike="noStrike" cap="none" dirty="0">
                 <a:solidFill>
                   <a:schemeClr val="lt1"/>
                 </a:solidFill>
@@ -7237,7 +7435,7 @@
         <p:spPr>
           <a:xfrm>
             <a:off x="1155700" y="2603500"/>
-            <a:ext cx="5145088" cy="5702399"/>
+            <a:ext cx="5145088" cy="3345677"/>
           </a:xfrm>
           <a:prstGeom prst="rect">
             <a:avLst/>
@@ -7253,7 +7451,7 @@
           </a:bodyPr>
           <a:lstStyle/>
           <a:p>
-            <a:pPr marL="749300" marR="0" lvl="0" indent="-358394" algn="l" rtl="0">
+            <a:pPr marL="390906" marR="0" lvl="0" indent="0" algn="l" rtl="0">
               <a:lnSpc>
                 <a:spcPct val="100000"/>
               </a:lnSpc>
@@ -7267,11 +7465,10 @@
                 <a:schemeClr val="lt1"/>
               </a:buClr>
               <a:buSzPct val="100000"/>
-              <a:buFont typeface="Cabin"/>
-              <a:buChar char="•"/>
-            </a:pPr>
-            <a:r>
-              <a:rPr lang="en-US" sz="3400" u="none" strike="noStrike" cap="none">
+              <a:buNone/>
+            </a:pPr>
+            <a:r>
+              <a:rPr lang="en-US" sz="3400" u="none" strike="noStrike" cap="none" dirty="0">
                 <a:solidFill>
                   <a:schemeClr val="lt1"/>
                 </a:solidFill>
@@ -7283,7 +7480,7 @@
               <a:t>We can </a:t>
             </a:r>
             <a:r>
-              <a:rPr lang="en-US" sz="3400" u="none" strike="noStrike" cap="none">
+              <a:rPr lang="en-US" sz="3400" u="none" strike="noStrike" cap="none" dirty="0">
                 <a:solidFill>
                   <a:srgbClr val="FF7F00"/>
                 </a:solidFill>
@@ -7295,7 +7492,7 @@
               <a:t>read</a:t>
             </a:r>
             <a:r>
-              <a:rPr lang="en-US" sz="3400" u="none" strike="noStrike" cap="none">
+              <a:rPr lang="en-US" sz="3400" u="none" strike="noStrike" cap="none" dirty="0">
                 <a:solidFill>
                   <a:schemeClr val="lt1"/>
                 </a:solidFill>
@@ -7307,7 +7504,7 @@
               <a:t> the whole file (newlines and all) into a </a:t>
             </a:r>
             <a:r>
-              <a:rPr lang="en-US" sz="3400" u="none" strike="noStrike" cap="none">
+              <a:rPr lang="en-US" sz="3400" u="none" strike="noStrike" cap="none" dirty="0">
                 <a:solidFill>
                   <a:srgbClr val="00FFFF"/>
                 </a:solidFill>
@@ -7364,7 +7561,7 @@
               <a:buNone/>
             </a:pPr>
             <a:r>
-              <a:rPr lang="en-US" sz="3000" b="1" i="0" u="none" strike="noStrike" cap="none" dirty="0">
+              <a:rPr lang="en-US" sz="3000" i="0" u="none" strike="noStrike" cap="none" dirty="0">
                 <a:solidFill>
                   <a:schemeClr val="lt1"/>
                 </a:solidFill>
@@ -7376,7 +7573,7 @@
               <a:t>&gt;&gt;&gt; </a:t>
             </a:r>
             <a:r>
-              <a:rPr lang="en-US" sz="3000" b="1" i="0" u="none" strike="noStrike" cap="none" dirty="0" err="1">
+              <a:rPr lang="en-US" sz="3000" i="0" u="none" strike="noStrike" cap="none" dirty="0" err="1">
                 <a:solidFill>
                   <a:srgbClr val="00FF00"/>
                 </a:solidFill>
@@ -7388,7 +7585,7 @@
               <a:t>fhand</a:t>
             </a:r>
             <a:r>
-              <a:rPr lang="en-US" sz="3000" b="1" i="0" u="none" strike="noStrike" cap="none" dirty="0">
+              <a:rPr lang="en-US" sz="3000" i="0" u="none" strike="noStrike" cap="none" dirty="0">
                 <a:solidFill>
                   <a:schemeClr val="lt1"/>
                 </a:solidFill>
@@ -7400,7 +7597,7 @@
               <a:t> = </a:t>
             </a:r>
             <a:r>
-              <a:rPr lang="en-US" sz="3000" b="1" i="0" u="none" strike="noStrike" cap="none" dirty="0">
+              <a:rPr lang="en-US" sz="3000" i="0" u="none" strike="noStrike" cap="none" dirty="0">
                 <a:solidFill>
                   <a:srgbClr val="FF00FF"/>
                 </a:solidFill>
@@ -7412,7 +7609,7 @@
               <a:t>open</a:t>
             </a:r>
             <a:r>
-              <a:rPr lang="en-US" sz="3000" b="1" i="0" u="none" strike="noStrike" cap="none" dirty="0">
+              <a:rPr lang="en-US" sz="3000" i="0" u="none" strike="noStrike" cap="none" dirty="0">
                 <a:solidFill>
                   <a:schemeClr val="lt1"/>
                 </a:solidFill>
@@ -7424,7 +7621,7 @@
               <a:t>('</a:t>
             </a:r>
             <a:r>
-              <a:rPr lang="en-US" sz="3000" b="1" i="0" u="none" strike="noStrike" cap="none" dirty="0" err="1">
+              <a:rPr lang="en-US" sz="3000" i="0" u="none" strike="noStrike" cap="none" dirty="0" err="1">
                 <a:solidFill>
                   <a:schemeClr val="lt1"/>
                 </a:solidFill>
@@ -7436,7 +7633,7 @@
               <a:t>mbox-short.txt</a:t>
             </a:r>
             <a:r>
-              <a:rPr lang="en-US" sz="3000" b="1" i="0" u="none" strike="noStrike" cap="none" dirty="0">
+              <a:rPr lang="en-US" sz="3000" i="0" u="none" strike="noStrike" cap="none" dirty="0">
                 <a:solidFill>
                   <a:schemeClr val="lt1"/>
                 </a:solidFill>
@@ -7467,7 +7664,7 @@
               <a:buNone/>
             </a:pPr>
             <a:r>
-              <a:rPr lang="en-US" sz="3000" b="1" i="0" u="none" strike="noStrike" cap="none" dirty="0">
+              <a:rPr lang="en-US" sz="3000" i="0" u="none" strike="noStrike" cap="none" dirty="0">
                 <a:solidFill>
                   <a:schemeClr val="lt1"/>
                 </a:solidFill>
@@ -7479,7 +7676,7 @@
               <a:t>&gt;&gt;&gt; </a:t>
             </a:r>
             <a:r>
-              <a:rPr lang="en-US" sz="3000" b="1" i="0" u="none" strike="noStrike" cap="none" dirty="0" err="1">
+              <a:rPr lang="en-US" sz="3000" i="0" u="none" strike="noStrike" cap="none" dirty="0" err="1">
                 <a:solidFill>
                   <a:srgbClr val="00FFFF"/>
                 </a:solidFill>
@@ -7491,7 +7688,7 @@
               <a:t>inp</a:t>
             </a:r>
             <a:r>
-              <a:rPr lang="en-US" sz="3000" b="1" i="0" u="none" strike="noStrike" cap="none" dirty="0">
+              <a:rPr lang="en-US" sz="3000" i="0" u="none" strike="noStrike" cap="none" dirty="0">
                 <a:solidFill>
                   <a:schemeClr val="lt1"/>
                 </a:solidFill>
@@ -7503,7 +7700,7 @@
               <a:t> = </a:t>
             </a:r>
             <a:r>
-              <a:rPr lang="en-US" sz="3000" b="1" i="0" u="none" strike="noStrike" cap="none" dirty="0" err="1">
+              <a:rPr lang="en-US" sz="3000" i="0" u="none" strike="noStrike" cap="none" dirty="0" err="1">
                 <a:solidFill>
                   <a:srgbClr val="00FF00"/>
                 </a:solidFill>
@@ -7515,7 +7712,7 @@
               <a:t>fhand</a:t>
             </a:r>
             <a:r>
-              <a:rPr lang="en-US" sz="3000" b="1" i="0" u="none" strike="noStrike" cap="none" dirty="0" err="1">
+              <a:rPr lang="en-US" sz="3000" i="0" u="none" strike="noStrike" cap="none" dirty="0" err="1">
                 <a:solidFill>
                   <a:srgbClr val="FF7F00"/>
                 </a:solidFill>
@@ -7527,7 +7724,7 @@
               <a:t>.read</a:t>
             </a:r>
             <a:r>
-              <a:rPr lang="en-US" sz="3000" b="1" i="0" u="none" strike="noStrike" cap="none" dirty="0">
+              <a:rPr lang="en-US" sz="3000" i="0" u="none" strike="noStrike" cap="none" dirty="0">
                 <a:solidFill>
                   <a:schemeClr val="lt1"/>
                 </a:solidFill>
@@ -7558,7 +7755,7 @@
               <a:buNone/>
             </a:pPr>
             <a:r>
-              <a:rPr lang="en-US" sz="3000" b="1" i="0" u="none" strike="noStrike" cap="none" dirty="0">
+              <a:rPr lang="en-US" sz="3000" i="0" u="none" strike="noStrike" cap="none" dirty="0">
                 <a:solidFill>
                   <a:schemeClr val="lt1"/>
                 </a:solidFill>
@@ -7570,7 +7767,7 @@
               <a:t>&gt;&gt;&gt; </a:t>
             </a:r>
             <a:r>
-              <a:rPr lang="en-US" sz="3000" b="1" i="0" u="none" strike="noStrike" cap="none" dirty="0" smtClean="0">
+              <a:rPr lang="en-US" sz="3000" i="0" u="none" strike="noStrike" cap="none" dirty="0" smtClean="0">
                 <a:solidFill>
                   <a:srgbClr val="FFFF00"/>
                 </a:solidFill>
@@ -7582,7 +7779,7 @@
               <a:t>print</a:t>
             </a:r>
             <a:r>
-              <a:rPr lang="en-US" sz="3000" b="1" dirty="0">
+              <a:rPr lang="en-US" sz="3000" dirty="0">
                 <a:solidFill>
                   <a:schemeClr val="lt1"/>
                 </a:solidFill>
@@ -7594,7 +7791,7 @@
               <a:t>(</a:t>
             </a:r>
             <a:r>
-              <a:rPr lang="en-US" sz="3000" b="1" i="0" u="none" strike="noStrike" cap="none" dirty="0" err="1" smtClean="0">
+              <a:rPr lang="en-US" sz="3000" i="0" u="none" strike="noStrike" cap="none" dirty="0" err="1" smtClean="0">
                 <a:solidFill>
                   <a:srgbClr val="FF00FF"/>
                 </a:solidFill>
@@ -7606,7 +7803,7 @@
               <a:t>len</a:t>
             </a:r>
             <a:r>
-              <a:rPr lang="en-US" sz="3000" b="1" i="0" u="none" strike="noStrike" cap="none" dirty="0" smtClean="0">
+              <a:rPr lang="en-US" sz="3000" i="0" u="none" strike="noStrike" cap="none" dirty="0" smtClean="0">
                 <a:solidFill>
                   <a:schemeClr val="lt1"/>
                 </a:solidFill>
@@ -7618,7 +7815,7 @@
               <a:t>(</a:t>
             </a:r>
             <a:r>
-              <a:rPr lang="en-US" sz="3000" b="1" i="0" u="none" strike="noStrike" cap="none" dirty="0" err="1" smtClean="0">
+              <a:rPr lang="en-US" sz="3000" i="0" u="none" strike="noStrike" cap="none" dirty="0" err="1" smtClean="0">
                 <a:solidFill>
                   <a:srgbClr val="00FFFF"/>
                 </a:solidFill>
@@ -7630,7 +7827,7 @@
               <a:t>inp</a:t>
             </a:r>
             <a:r>
-              <a:rPr lang="en-US" sz="3000" b="1" i="0" u="none" strike="noStrike" cap="none" dirty="0" smtClean="0">
+              <a:rPr lang="en-US" sz="3000" i="0" u="none" strike="noStrike" cap="none" dirty="0" smtClean="0">
                 <a:solidFill>
                   <a:schemeClr val="lt1"/>
                 </a:solidFill>
@@ -7641,7 +7838,7 @@
               </a:rPr>
               <a:t>))</a:t>
             </a:r>
-            <a:endParaRPr lang="en-US" sz="3000" b="1" i="0" u="none" strike="noStrike" cap="none" dirty="0">
+            <a:endParaRPr lang="en-US" sz="3000" i="0" u="none" strike="noStrike" cap="none" dirty="0">
               <a:solidFill>
                 <a:schemeClr val="lt1"/>
               </a:solidFill>
@@ -7670,7 +7867,7 @@
               <a:buNone/>
             </a:pPr>
             <a:r>
-              <a:rPr lang="en-US" sz="3000" b="1" i="0" u="none" strike="noStrike" cap="none" dirty="0">
+              <a:rPr lang="en-US" sz="3000" i="0" u="none" strike="noStrike" cap="none" dirty="0">
                 <a:solidFill>
                   <a:schemeClr val="lt1"/>
                 </a:solidFill>
@@ -7701,7 +7898,7 @@
               <a:buNone/>
             </a:pPr>
             <a:r>
-              <a:rPr lang="en-US" sz="3000" b="1" i="0" u="none" strike="noStrike" cap="none" dirty="0">
+              <a:rPr lang="en-US" sz="3000" i="0" u="none" strike="noStrike" cap="none" dirty="0">
                 <a:solidFill>
                   <a:schemeClr val="lt1"/>
                 </a:solidFill>
@@ -7713,7 +7910,7 @@
               <a:t>&gt;&gt;&gt; </a:t>
             </a:r>
             <a:r>
-              <a:rPr lang="en-US" sz="3000" b="1" i="0" u="none" strike="noStrike" cap="none" dirty="0" smtClean="0">
+              <a:rPr lang="en-US" sz="3000" i="0" u="none" strike="noStrike" cap="none" dirty="0" smtClean="0">
                 <a:solidFill>
                   <a:srgbClr val="FFFF00"/>
                 </a:solidFill>
@@ -7725,7 +7922,7 @@
               <a:t>print</a:t>
             </a:r>
             <a:r>
-              <a:rPr lang="en-US" sz="3000" b="1" dirty="0">
+              <a:rPr lang="en-US" sz="3000" dirty="0">
                 <a:solidFill>
                   <a:schemeClr val="lt1"/>
                 </a:solidFill>
@@ -7737,7 +7934,7 @@
               <a:t>(</a:t>
             </a:r>
             <a:r>
-              <a:rPr lang="en-US" sz="3000" b="1" i="0" u="none" strike="noStrike" cap="none" dirty="0" err="1" smtClean="0">
+              <a:rPr lang="en-US" sz="3000" i="0" u="none" strike="noStrike" cap="none" dirty="0" err="1" smtClean="0">
                 <a:solidFill>
                   <a:srgbClr val="00FFFF"/>
                 </a:solidFill>
@@ -7749,7 +7946,7 @@
               <a:t>inp</a:t>
             </a:r>
             <a:r>
-              <a:rPr lang="en-US" sz="3000" b="1" i="0" u="none" strike="noStrike" cap="none" dirty="0">
+              <a:rPr lang="en-US" sz="3000" i="0" u="none" strike="noStrike" cap="none" dirty="0">
                 <a:solidFill>
                   <a:schemeClr val="lt1"/>
                 </a:solidFill>
@@ -7761,7 +7958,7 @@
               <a:t>[:20</a:t>
             </a:r>
             <a:r>
-              <a:rPr lang="en-US" sz="3000" b="1" i="0" u="none" strike="noStrike" cap="none" dirty="0" smtClean="0">
+              <a:rPr lang="en-US" sz="3000" i="0" u="none" strike="noStrike" cap="none" dirty="0" smtClean="0">
                 <a:solidFill>
                   <a:schemeClr val="lt1"/>
                 </a:solidFill>
@@ -7772,7 +7969,7 @@
               </a:rPr>
               <a:t>])</a:t>
             </a:r>
-            <a:endParaRPr lang="en-US" sz="3000" b="1" i="0" u="none" strike="noStrike" cap="none" dirty="0">
+            <a:endParaRPr lang="en-US" sz="3000" i="0" u="none" strike="noStrike" cap="none" dirty="0">
               <a:solidFill>
                 <a:schemeClr val="lt1"/>
               </a:solidFill>
@@ -7801,7 +7998,7 @@
               <a:buNone/>
             </a:pPr>
             <a:r>
-              <a:rPr lang="en-US" sz="3000" b="1" i="0" u="none" strike="noStrike" cap="none" dirty="0">
+              <a:rPr lang="en-US" sz="3000" i="0" u="none" strike="noStrike" cap="none" dirty="0">
                 <a:solidFill>
                   <a:schemeClr val="lt1"/>
                 </a:solidFill>
@@ -7813,7 +8010,7 @@
               <a:t>From </a:t>
             </a:r>
             <a:r>
-              <a:rPr lang="en-US" sz="3000" b="1" i="0" u="none" strike="noStrike" cap="none" dirty="0" err="1">
+              <a:rPr lang="en-US" sz="3000" i="0" u="none" strike="noStrike" cap="none" dirty="0" err="1">
                 <a:solidFill>
                   <a:schemeClr val="lt1"/>
                 </a:solidFill>
@@ -7824,7 +8021,7 @@
               </a:rPr>
               <a:t>stephen.marquar</a:t>
             </a:r>
-            <a:endParaRPr lang="en-US" sz="3000" b="1" i="0" u="none" strike="noStrike" cap="none" dirty="0">
+            <a:endParaRPr lang="en-US" sz="3000" i="0" u="none" strike="noStrike" cap="none" dirty="0">
               <a:solidFill>
                 <a:schemeClr val="lt1"/>
               </a:solidFill>
@@ -7931,7 +8128,7 @@
         <p:spPr>
           <a:xfrm>
             <a:off x="1155700" y="2603500"/>
-            <a:ext cx="6116638" cy="5702399"/>
+            <a:ext cx="6116638" cy="3963477"/>
           </a:xfrm>
           <a:prstGeom prst="rect">
             <a:avLst/>
@@ -7947,7 +8144,7 @@
           </a:bodyPr>
           <a:lstStyle/>
           <a:p>
-            <a:pPr marL="749300" marR="0" lvl="0" indent="-358394" algn="l" rtl="0">
+            <a:pPr marL="390906" marR="0" lvl="0" indent="0" algn="l" rtl="0">
               <a:lnSpc>
                 <a:spcPct val="100000"/>
               </a:lnSpc>
@@ -7961,11 +8158,10 @@
                 <a:schemeClr val="lt1"/>
               </a:buClr>
               <a:buSzPct val="100000"/>
-              <a:buFont typeface="Cabin"/>
-              <a:buChar char="•"/>
-            </a:pPr>
-            <a:r>
-              <a:rPr lang="en-US" sz="3400" u="none" strike="noStrike" cap="none">
+              <a:buNone/>
+            </a:pPr>
+            <a:r>
+              <a:rPr lang="en-US" sz="3400" u="none" strike="noStrike" cap="none" dirty="0">
                 <a:solidFill>
                   <a:schemeClr val="lt1"/>
                 </a:solidFill>
@@ -7977,7 +8173,7 @@
               <a:t>We can put an </a:t>
             </a:r>
             <a:r>
-              <a:rPr lang="en-US" sz="3400" u="none" strike="noStrike" cap="none">
+              <a:rPr lang="en-US" sz="3400" u="none" strike="noStrike" cap="none" dirty="0">
                 <a:solidFill>
                   <a:srgbClr val="FFFF00"/>
                 </a:solidFill>
@@ -7989,7 +8185,7 @@
               <a:t>if </a:t>
             </a:r>
             <a:r>
-              <a:rPr lang="en-US" sz="3400" u="none" strike="noStrike" cap="none">
+              <a:rPr lang="en-US" sz="3400" u="none" strike="noStrike" cap="none" dirty="0">
                 <a:solidFill>
                   <a:schemeClr val="lt1"/>
                 </a:solidFill>
@@ -8001,7 +8197,7 @@
               <a:t>statement in our </a:t>
             </a:r>
             <a:r>
-              <a:rPr lang="en-US" sz="3400" u="none" strike="noStrike" cap="none">
+              <a:rPr lang="en-US" sz="3400" u="none" strike="noStrike" cap="none" dirty="0">
                 <a:solidFill>
                   <a:srgbClr val="FFFF00"/>
                 </a:solidFill>
@@ -8013,7 +8209,7 @@
               <a:t>for</a:t>
             </a:r>
             <a:r>
-              <a:rPr lang="en-US" sz="3400" u="none" strike="noStrike" cap="none">
+              <a:rPr lang="en-US" sz="3400" u="none" strike="noStrike" cap="none" dirty="0">
                 <a:solidFill>
                   <a:schemeClr val="lt1"/>
                 </a:solidFill>
@@ -8070,7 +8266,7 @@
               <a:buNone/>
             </a:pPr>
             <a:r>
-              <a:rPr lang="en-US" sz="2600" b="1" i="0" u="none" strike="noStrike" cap="none" dirty="0" err="1">
+              <a:rPr lang="en-US" sz="2600" i="0" u="none" strike="noStrike" cap="none" dirty="0" err="1">
                 <a:solidFill>
                   <a:srgbClr val="00FF00"/>
                 </a:solidFill>
@@ -8082,7 +8278,7 @@
               <a:t>fhand</a:t>
             </a:r>
             <a:r>
-              <a:rPr lang="en-US" sz="2600" b="1" i="0" u="none" strike="noStrike" cap="none" dirty="0">
+              <a:rPr lang="en-US" sz="2600" i="0" u="none" strike="noStrike" cap="none" dirty="0">
                 <a:solidFill>
                   <a:schemeClr val="lt1"/>
                 </a:solidFill>
@@ -8094,7 +8290,7 @@
               <a:t> = </a:t>
             </a:r>
             <a:r>
-              <a:rPr lang="en-US" sz="2600" b="1" i="0" u="none" strike="noStrike" cap="none" dirty="0">
+              <a:rPr lang="en-US" sz="2600" i="0" u="none" strike="noStrike" cap="none" dirty="0">
                 <a:solidFill>
                   <a:srgbClr val="FF00FF"/>
                 </a:solidFill>
@@ -8106,7 +8302,7 @@
               <a:t>open</a:t>
             </a:r>
             <a:r>
-              <a:rPr lang="en-US" sz="2600" b="1" i="0" u="none" strike="noStrike" cap="none" dirty="0">
+              <a:rPr lang="en-US" sz="2600" i="0" u="none" strike="noStrike" cap="none" dirty="0">
                 <a:solidFill>
                   <a:schemeClr val="lt1"/>
                 </a:solidFill>
@@ -8118,7 +8314,7 @@
               <a:t>('</a:t>
             </a:r>
             <a:r>
-              <a:rPr lang="en-US" sz="2600" b="1" i="0" u="none" strike="noStrike" cap="none" dirty="0" err="1">
+              <a:rPr lang="en-US" sz="2600" i="0" u="none" strike="noStrike" cap="none" dirty="0" err="1">
                 <a:solidFill>
                   <a:schemeClr val="lt1"/>
                 </a:solidFill>
@@ -8130,7 +8326,7 @@
               <a:t>mbox-short.txt</a:t>
             </a:r>
             <a:r>
-              <a:rPr lang="en-US" sz="2600" b="1" i="0" u="none" strike="noStrike" cap="none" dirty="0">
+              <a:rPr lang="en-US" sz="2600" i="0" u="none" strike="noStrike" cap="none" dirty="0">
                 <a:solidFill>
                   <a:schemeClr val="lt1"/>
                 </a:solidFill>
@@ -8161,7 +8357,7 @@
               <a:buNone/>
             </a:pPr>
             <a:r>
-              <a:rPr lang="en-US" sz="2600" b="1" i="0" u="none" strike="noStrike" cap="none" dirty="0">
+              <a:rPr lang="en-US" sz="2600" i="0" u="none" strike="noStrike" cap="none" dirty="0">
                 <a:solidFill>
                   <a:srgbClr val="FFFF00"/>
                 </a:solidFill>
@@ -8173,7 +8369,7 @@
               <a:t>for</a:t>
             </a:r>
             <a:r>
-              <a:rPr lang="en-US" sz="2600" b="1" i="0" u="none" strike="noStrike" cap="none" dirty="0">
+              <a:rPr lang="en-US" sz="2600" i="0" u="none" strike="noStrike" cap="none" dirty="0">
                 <a:solidFill>
                   <a:schemeClr val="lt1"/>
                 </a:solidFill>
@@ -8185,7 +8381,7 @@
               <a:t> </a:t>
             </a:r>
             <a:r>
-              <a:rPr lang="en-US" sz="2600" b="1" i="0" u="none" strike="noStrike" cap="none" dirty="0">
+              <a:rPr lang="en-US" sz="2600" i="0" u="none" strike="noStrike" cap="none" dirty="0">
                 <a:solidFill>
                   <a:srgbClr val="00FF00"/>
                 </a:solidFill>
@@ -8197,7 +8393,7 @@
               <a:t>line</a:t>
             </a:r>
             <a:r>
-              <a:rPr lang="en-US" sz="2600" b="1" i="0" u="none" strike="noStrike" cap="none" dirty="0">
+              <a:rPr lang="en-US" sz="2600" i="0" u="none" strike="noStrike" cap="none" dirty="0">
                 <a:solidFill>
                   <a:schemeClr val="lt1"/>
                 </a:solidFill>
@@ -8209,7 +8405,7 @@
               <a:t> </a:t>
             </a:r>
             <a:r>
-              <a:rPr lang="en-US" sz="2600" b="1" i="0" u="none" strike="noStrike" cap="none" dirty="0">
+              <a:rPr lang="en-US" sz="2600" i="0" u="none" strike="noStrike" cap="none" dirty="0">
                 <a:solidFill>
                   <a:srgbClr val="FFFF00"/>
                 </a:solidFill>
@@ -8221,7 +8417,7 @@
               <a:t>in</a:t>
             </a:r>
             <a:r>
-              <a:rPr lang="en-US" sz="2600" b="1" i="0" u="none" strike="noStrike" cap="none" dirty="0">
+              <a:rPr lang="en-US" sz="2600" i="0" u="none" strike="noStrike" cap="none" dirty="0">
                 <a:solidFill>
                   <a:schemeClr val="lt1"/>
                 </a:solidFill>
@@ -8233,7 +8429,7 @@
               <a:t> </a:t>
             </a:r>
             <a:r>
-              <a:rPr lang="en-US" sz="2600" b="1" i="0" u="none" strike="noStrike" cap="none" dirty="0" err="1">
+              <a:rPr lang="en-US" sz="2600" i="0" u="none" strike="noStrike" cap="none" dirty="0" err="1">
                 <a:solidFill>
                   <a:srgbClr val="00FF00"/>
                 </a:solidFill>
@@ -8245,7 +8441,7 @@
               <a:t>fhand</a:t>
             </a:r>
             <a:r>
-              <a:rPr lang="en-US" sz="2600" b="1" i="0" u="none" strike="noStrike" cap="none" dirty="0">
+              <a:rPr lang="en-US" sz="2600" i="0" u="none" strike="noStrike" cap="none" dirty="0">
                 <a:solidFill>
                   <a:schemeClr val="lt1"/>
                 </a:solidFill>
@@ -8276,7 +8472,7 @@
               <a:buNone/>
             </a:pPr>
             <a:r>
-              <a:rPr lang="en-US" sz="2600" b="1" dirty="0">
+              <a:rPr lang="en-US" sz="2600" dirty="0">
                 <a:solidFill>
                   <a:schemeClr val="lt1"/>
                 </a:solidFill>
@@ -8288,7 +8484,7 @@
               <a:t>    </a:t>
             </a:r>
             <a:r>
-              <a:rPr lang="en-US" sz="2600" b="1" i="0" u="none" strike="noStrike" cap="none" dirty="0">
+              <a:rPr lang="en-US" sz="2600" i="0" u="none" strike="noStrike" cap="none" dirty="0">
                 <a:solidFill>
                   <a:srgbClr val="FFFF00"/>
                 </a:solidFill>
@@ -8300,7 +8496,7 @@
               <a:t>if</a:t>
             </a:r>
             <a:r>
-              <a:rPr lang="en-US" sz="2600" b="1" i="0" u="none" strike="noStrike" cap="none" dirty="0">
+              <a:rPr lang="en-US" sz="2600" i="0" u="none" strike="noStrike" cap="none" dirty="0">
                 <a:solidFill>
                   <a:schemeClr val="lt1"/>
                 </a:solidFill>
@@ -8312,7 +8508,7 @@
               <a:t> </a:t>
             </a:r>
             <a:r>
-              <a:rPr lang="en-US" sz="2600" b="1" i="0" u="none" strike="noStrike" cap="none" dirty="0" err="1">
+              <a:rPr lang="en-US" sz="2600" i="0" u="none" strike="noStrike" cap="none" dirty="0" err="1">
                 <a:solidFill>
                   <a:srgbClr val="00FF00"/>
                 </a:solidFill>
@@ -8324,7 +8520,7 @@
               <a:t>line</a:t>
             </a:r>
             <a:r>
-              <a:rPr lang="en-US" sz="2600" b="1" i="0" u="none" strike="noStrike" cap="none" dirty="0" err="1">
+              <a:rPr lang="en-US" sz="2600" i="0" u="none" strike="noStrike" cap="none" dirty="0" err="1">
                 <a:solidFill>
                   <a:srgbClr val="FF00FF"/>
                 </a:solidFill>
@@ -8336,7 +8532,7 @@
               <a:t>.startswith</a:t>
             </a:r>
             <a:r>
-              <a:rPr lang="en-US" sz="2600" b="1" i="0" u="none" strike="noStrike" cap="none" dirty="0">
+              <a:rPr lang="en-US" sz="2600" i="0" u="none" strike="noStrike" cap="none" dirty="0">
                 <a:solidFill>
                   <a:schemeClr val="lt1"/>
                 </a:solidFill>
@@ -8367,7 +8563,7 @@
               <a:buNone/>
             </a:pPr>
             <a:r>
-              <a:rPr lang="en-US" sz="2600" b="1" i="0" u="none" strike="noStrike" cap="none" dirty="0">
+              <a:rPr lang="en-US" sz="2600" i="0" u="none" strike="noStrike" cap="none" dirty="0">
                 <a:solidFill>
                   <a:schemeClr val="lt1"/>
                 </a:solidFill>
@@ -8379,7 +8575,7 @@
               <a:t>    </a:t>
             </a:r>
             <a:r>
-              <a:rPr lang="en-US" sz="2600" b="1" dirty="0">
+              <a:rPr lang="en-US" sz="2600" dirty="0">
                 <a:solidFill>
                   <a:schemeClr val="lt1"/>
                 </a:solidFill>
@@ -8391,7 +8587,7 @@
               <a:t>    </a:t>
             </a:r>
             <a:r>
-              <a:rPr lang="en-US" sz="2600" b="1" i="0" u="none" strike="noStrike" cap="none" dirty="0" smtClean="0">
+              <a:rPr lang="en-US" sz="2600" i="0" u="none" strike="noStrike" cap="none" dirty="0" smtClean="0">
                 <a:solidFill>
                   <a:srgbClr val="FFFF00"/>
                 </a:solidFill>
@@ -8403,7 +8599,7 @@
               <a:t>print</a:t>
             </a:r>
             <a:r>
-              <a:rPr lang="en-US" sz="2600" b="1" dirty="0" smtClean="0">
+              <a:rPr lang="en-US" sz="2600" dirty="0" smtClean="0">
                 <a:solidFill>
                   <a:schemeClr val="lt1"/>
                 </a:solidFill>
@@ -8415,7 +8611,7 @@
               <a:t>(</a:t>
             </a:r>
             <a:r>
-              <a:rPr lang="en-US" sz="2600" b="1" i="0" u="none" strike="noStrike" cap="none" dirty="0" smtClean="0">
+              <a:rPr lang="en-US" sz="2600" i="0" u="none" strike="noStrike" cap="none" dirty="0" smtClean="0">
                 <a:solidFill>
                   <a:srgbClr val="00FF00"/>
                 </a:solidFill>
@@ -8427,7 +8623,7 @@
               <a:t>line</a:t>
             </a:r>
             <a:r>
-              <a:rPr lang="en-US" sz="2600" b="1" i="0" u="none" strike="noStrike" cap="none" dirty="0" smtClean="0">
+              <a:rPr lang="en-US" sz="2600" i="0" u="none" strike="noStrike" cap="none" dirty="0" smtClean="0">
                 <a:solidFill>
                   <a:schemeClr val="bg1"/>
                 </a:solidFill>
@@ -8438,7 +8634,7 @@
               </a:rPr>
               <a:t>)</a:t>
             </a:r>
-            <a:endParaRPr lang="en-US" sz="2600" b="1" i="0" u="none" strike="noStrike" cap="none" dirty="0">
+            <a:endParaRPr lang="en-US" sz="2600" i="0" u="none" strike="noStrike" cap="none" dirty="0">
               <a:solidFill>
                 <a:schemeClr val="bg1"/>
               </a:solidFill>
@@ -8534,25 +8730,6 @@
       </p:sp>
       <p:sp>
         <p:nvSpPr>
-          <p:cNvPr id="2" name="Text Placeholder 1"/>
-          <p:cNvSpPr>
-            <a:spLocks noGrp="1"/>
-          </p:cNvSpPr>
-          <p:nvPr>
-            <p:ph type="body" idx="1"/>
-          </p:nvPr>
-        </p:nvSpPr>
-        <p:spPr/>
-        <p:txBody>
-          <a:bodyPr/>
-          <a:lstStyle/>
-          <a:p>
-            <a:endParaRPr lang="en-US"/>
-          </a:p>
-        </p:txBody>
-      </p:sp>
-      <p:sp>
-        <p:nvSpPr>
           <p:cNvPr id="316" name="Shape 316"/>
           <p:cNvSpPr txBox="1"/>
           <p:nvPr/>
@@ -8594,7 +8771,7 @@
               <a:buNone/>
             </a:pPr>
             <a:r>
-              <a:rPr lang="en-US" sz="3600" u="none" strike="noStrike" cap="none">
+              <a:rPr lang="en-US" sz="3600" u="none" strike="noStrike" cap="none" dirty="0">
                 <a:solidFill>
                   <a:schemeClr val="lt1"/>
                 </a:solidFill>
@@ -8651,7 +8828,7 @@
               <a:buNone/>
             </a:pPr>
             <a:r>
-              <a:rPr lang="en-US" sz="3000" b="1" i="0" u="none" strike="noStrike" cap="none">
+              <a:rPr lang="en-US" sz="3000" i="0" u="none" strike="noStrike" cap="none" dirty="0">
                 <a:solidFill>
                   <a:srgbClr val="FF00FF"/>
                 </a:solidFill>
@@ -8660,23 +8837,21 @@
                 <a:cs typeface="Courier New"/>
                 <a:sym typeface="Courier New"/>
               </a:rPr>
-              <a:t>From: stephen.marquard@uct.ac.za</a:t>
-            </a:r>
-          </a:p>
-          <a:p>
-            <a:pPr marL="0" marR="0" lvl="0" indent="0" algn="ctr" rtl="0">
-              <a:lnSpc>
-                <a:spcPct val="100000"/>
-              </a:lnSpc>
-              <a:spcBef>
-                <a:spcPts val="0"/>
-              </a:spcBef>
-              <a:spcAft>
-                <a:spcPts val="0"/>
-              </a:spcAft>
-              <a:buNone/>
-            </a:pPr>
-            <a:endParaRPr sz="3000" b="1" i="0" u="none" strike="noStrike" cap="none">
+              <a:t>From: </a:t>
+            </a:r>
+            <a:r>
+              <a:rPr lang="en-US" sz="3000" i="0" u="none" strike="noStrike" cap="none" dirty="0" err="1">
+                <a:solidFill>
+                  <a:srgbClr val="FF00FF"/>
+                </a:solidFill>
+                <a:latin typeface="Courier New"/>
+                <a:ea typeface="Courier New"/>
+                <a:cs typeface="Courier New"/>
+                <a:sym typeface="Courier New"/>
+              </a:rPr>
+              <a:t>stephen.marquard@uct.ac.za</a:t>
+            </a:r>
+            <a:endParaRPr lang="en-US" sz="3000" i="0" u="none" strike="noStrike" cap="none" dirty="0">
               <a:solidFill>
                 <a:srgbClr val="FF00FF"/>
               </a:solidFill>
@@ -8687,37 +8862,6 @@
             </a:endParaRPr>
           </a:p>
           <a:p>
-            <a:pPr marL="0" marR="0" lvl="0" indent="0" algn="l" rtl="0">
-              <a:lnSpc>
-                <a:spcPct val="100000"/>
-              </a:lnSpc>
-              <a:spcBef>
-                <a:spcPts val="0"/>
-              </a:spcBef>
-              <a:spcAft>
-                <a:spcPts val="0"/>
-              </a:spcAft>
-              <a:buClr>
-                <a:srgbClr val="FF00FF"/>
-              </a:buClr>
-              <a:buSzPct val="25000"/>
-              <a:buFont typeface="Cabin"/>
-              <a:buNone/>
-            </a:pPr>
-            <a:r>
-              <a:rPr lang="en-US" sz="3000" b="1" i="0" u="none" strike="noStrike" cap="none">
-                <a:solidFill>
-                  <a:srgbClr val="FF00FF"/>
-                </a:solidFill>
-                <a:latin typeface="Courier New"/>
-                <a:ea typeface="Courier New"/>
-                <a:cs typeface="Courier New"/>
-                <a:sym typeface="Courier New"/>
-              </a:rPr>
-              <a:t>From: louis@media.berkeley.edu</a:t>
-            </a:r>
-          </a:p>
-          <a:p>
             <a:pPr marL="0" marR="0" lvl="0" indent="0" algn="ctr" rtl="0">
               <a:lnSpc>
                 <a:spcPct val="100000"/>
@@ -8730,7 +8874,7 @@
               </a:spcAft>
               <a:buNone/>
             </a:pPr>
-            <a:endParaRPr sz="3000" b="1" i="0" u="none" strike="noStrike" cap="none">
+            <a:endParaRPr sz="3000" i="0" u="none" strike="noStrike" cap="none" dirty="0">
               <a:solidFill>
                 <a:srgbClr val="FF00FF"/>
               </a:solidFill>
@@ -8759,7 +8903,7 @@
               <a:buNone/>
             </a:pPr>
             <a:r>
-              <a:rPr lang="en-US" sz="3000" b="1" i="0" u="none" strike="noStrike" cap="none">
+              <a:rPr lang="en-US" sz="3000" i="0" u="none" strike="noStrike" cap="none" dirty="0">
                 <a:solidFill>
                   <a:srgbClr val="FF00FF"/>
                 </a:solidFill>
@@ -8768,23 +8912,21 @@
                 <a:cs typeface="Courier New"/>
                 <a:sym typeface="Courier New"/>
               </a:rPr>
-              <a:t>From: zqian@umich.edu</a:t>
-            </a:r>
-          </a:p>
-          <a:p>
-            <a:pPr marL="0" marR="0" lvl="0" indent="0" algn="ctr" rtl="0">
-              <a:lnSpc>
-                <a:spcPct val="100000"/>
-              </a:lnSpc>
-              <a:spcBef>
-                <a:spcPts val="0"/>
-              </a:spcBef>
-              <a:spcAft>
-                <a:spcPts val="0"/>
-              </a:spcAft>
-              <a:buNone/>
-            </a:pPr>
-            <a:endParaRPr sz="3000" b="1" i="0" u="none" strike="noStrike" cap="none">
+              <a:t>From: </a:t>
+            </a:r>
+            <a:r>
+              <a:rPr lang="en-US" sz="3000" i="0" u="none" strike="noStrike" cap="none" dirty="0" err="1">
+                <a:solidFill>
+                  <a:srgbClr val="FF00FF"/>
+                </a:solidFill>
+                <a:latin typeface="Courier New"/>
+                <a:ea typeface="Courier New"/>
+                <a:cs typeface="Courier New"/>
+                <a:sym typeface="Courier New"/>
+              </a:rPr>
+              <a:t>louis@media.berkeley.edu</a:t>
+            </a:r>
+            <a:endParaRPr lang="en-US" sz="3000" i="0" u="none" strike="noStrike" cap="none" dirty="0">
               <a:solidFill>
                 <a:srgbClr val="FF00FF"/>
               </a:solidFill>
@@ -8795,6 +8937,29 @@
             </a:endParaRPr>
           </a:p>
           <a:p>
+            <a:pPr marL="0" marR="0" lvl="0" indent="0" algn="ctr" rtl="0">
+              <a:lnSpc>
+                <a:spcPct val="100000"/>
+              </a:lnSpc>
+              <a:spcBef>
+                <a:spcPts val="0"/>
+              </a:spcBef>
+              <a:spcAft>
+                <a:spcPts val="0"/>
+              </a:spcAft>
+              <a:buNone/>
+            </a:pPr>
+            <a:endParaRPr sz="3000" i="0" u="none" strike="noStrike" cap="none" dirty="0">
+              <a:solidFill>
+                <a:srgbClr val="FF00FF"/>
+              </a:solidFill>
+              <a:latin typeface="Courier New"/>
+              <a:ea typeface="Courier New"/>
+              <a:cs typeface="Courier New"/>
+              <a:sym typeface="Courier New"/>
+            </a:endParaRPr>
+          </a:p>
+          <a:p>
             <a:pPr marL="0" marR="0" lvl="0" indent="0" algn="l" rtl="0">
               <a:lnSpc>
                 <a:spcPct val="100000"/>
@@ -8813,7 +8978,7 @@
               <a:buNone/>
             </a:pPr>
             <a:r>
-              <a:rPr lang="en-US" sz="3000" b="1" i="0" u="none" strike="noStrike" cap="none">
+              <a:rPr lang="en-US" sz="3000" i="0" u="none" strike="noStrike" cap="none" dirty="0">
                 <a:solidFill>
                   <a:srgbClr val="FF00FF"/>
                 </a:solidFill>
@@ -8822,8 +8987,52 @@
                 <a:cs typeface="Courier New"/>
                 <a:sym typeface="Courier New"/>
               </a:rPr>
-              <a:t>From: rjlowe@iupui.edu</a:t>
-            </a:r>
+              <a:t>From: </a:t>
+            </a:r>
+            <a:r>
+              <a:rPr lang="en-US" sz="3000" i="0" u="none" strike="noStrike" cap="none" dirty="0" err="1">
+                <a:solidFill>
+                  <a:srgbClr val="FF00FF"/>
+                </a:solidFill>
+                <a:latin typeface="Courier New"/>
+                <a:ea typeface="Courier New"/>
+                <a:cs typeface="Courier New"/>
+                <a:sym typeface="Courier New"/>
+              </a:rPr>
+              <a:t>zqian@umich.edu</a:t>
+            </a:r>
+            <a:endParaRPr lang="en-US" sz="3000" i="0" u="none" strike="noStrike" cap="none" dirty="0">
+              <a:solidFill>
+                <a:srgbClr val="FF00FF"/>
+              </a:solidFill>
+              <a:latin typeface="Courier New"/>
+              <a:ea typeface="Courier New"/>
+              <a:cs typeface="Courier New"/>
+              <a:sym typeface="Courier New"/>
+            </a:endParaRPr>
+          </a:p>
+          <a:p>
+            <a:pPr marL="0" marR="0" lvl="0" indent="0" algn="ctr" rtl="0">
+              <a:lnSpc>
+                <a:spcPct val="100000"/>
+              </a:lnSpc>
+              <a:spcBef>
+                <a:spcPts val="0"/>
+              </a:spcBef>
+              <a:spcAft>
+                <a:spcPts val="0"/>
+              </a:spcAft>
+              <a:buNone/>
+            </a:pPr>
+            <a:endParaRPr sz="3000" i="0" u="none" strike="noStrike" cap="none" dirty="0">
+              <a:solidFill>
+                <a:srgbClr val="FF00FF"/>
+              </a:solidFill>
+              <a:latin typeface="Courier New"/>
+              <a:ea typeface="Courier New"/>
+              <a:cs typeface="Courier New"/>
+              <a:sym typeface="Courier New"/>
+            </a:endParaRPr>
           </a:p>
           <a:p>
             <a:pPr marL="0" marR="0" lvl="0" indent="0" algn="l" rtl="0">
@@ -8844,7 +9053,59 @@
               <a:buNone/>
             </a:pPr>
             <a:r>
-              <a:rPr lang="en-US" sz="3000" b="1" i="0" u="none" strike="noStrike" cap="none">
+              <a:rPr lang="en-US" sz="3000" i="0" u="none" strike="noStrike" cap="none" dirty="0">
+                <a:solidFill>
+                  <a:srgbClr val="FF00FF"/>
+                </a:solidFill>
+                <a:latin typeface="Courier New"/>
+                <a:ea typeface="Courier New"/>
+                <a:cs typeface="Courier New"/>
+                <a:sym typeface="Courier New"/>
+              </a:rPr>
+              <a:t>From: </a:t>
+            </a:r>
+            <a:r>
+              <a:rPr lang="en-US" sz="3000" i="0" u="none" strike="noStrike" cap="none" dirty="0" err="1">
+                <a:solidFill>
+                  <a:srgbClr val="FF00FF"/>
+                </a:solidFill>
+                <a:latin typeface="Courier New"/>
+                <a:ea typeface="Courier New"/>
+                <a:cs typeface="Courier New"/>
+                <a:sym typeface="Courier New"/>
+              </a:rPr>
+              <a:t>rjlowe@iupui.edu</a:t>
+            </a:r>
+            <a:endParaRPr lang="en-US" sz="3000" i="0" u="none" strike="noStrike" cap="none" dirty="0">
+              <a:solidFill>
+                <a:srgbClr val="FF00FF"/>
+              </a:solidFill>
+              <a:latin typeface="Courier New"/>
+              <a:ea typeface="Courier New"/>
+              <a:cs typeface="Courier New"/>
+              <a:sym typeface="Courier New"/>
+            </a:endParaRPr>
+          </a:p>
+          <a:p>
+            <a:pPr marL="0" marR="0" lvl="0" indent="0" algn="l" rtl="0">
+              <a:lnSpc>
+                <a:spcPct val="100000"/>
+              </a:lnSpc>
+              <a:spcBef>
+                <a:spcPts val="0"/>
+              </a:spcBef>
+              <a:spcAft>
+                <a:spcPts val="0"/>
+              </a:spcAft>
+              <a:buClr>
+                <a:srgbClr val="FF00FF"/>
+              </a:buClr>
+              <a:buSzPct val="25000"/>
+              <a:buFont typeface="Cabin"/>
+              <a:buNone/>
+            </a:pPr>
+            <a:r>
+              <a:rPr lang="en-US" sz="3000" i="0" u="none" strike="noStrike" cap="none" dirty="0">
                 <a:solidFill>
                   <a:srgbClr val="FF00FF"/>
                 </a:solidFill>
@@ -8997,7 +9258,7 @@
             <a:r>
               <a:rPr lang="en-US" sz="3400" dirty="0">
                 <a:solidFill>
-                  <a:srgbClr val="00FF00"/>
+                  <a:schemeClr val="bg1"/>
                 </a:solidFill>
                 <a:latin typeface="Arial" charset="0"/>
                 <a:ea typeface="Arial" charset="0"/>
@@ -9215,7 +9476,7 @@
               <a:buNone/>
             </a:pPr>
             <a:r>
-              <a:rPr lang="en-US" sz="3000" b="1" i="0" u="none" strike="noStrike" cap="none">
+              <a:rPr lang="en-US" sz="3000" i="0" u="none" strike="noStrike" cap="none" dirty="0">
                 <a:solidFill>
                   <a:srgbClr val="FF00FF"/>
                 </a:solidFill>
@@ -9224,10 +9485,22 @@
                 <a:cs typeface="Courier New"/>
                 <a:sym typeface="Courier New"/>
               </a:rPr>
-              <a:t>From: stephen.marquard@uct.ac.za</a:t>
-            </a:r>
-            <a:r>
-              <a:rPr lang="en-US" sz="3000" b="1" i="0" u="none" strike="noStrike" cap="none">
+              <a:t>From: </a:t>
+            </a:r>
+            <a:r>
+              <a:rPr lang="en-US" sz="3000" i="0" u="none" strike="noStrike" cap="none" dirty="0" err="1">
+                <a:solidFill>
+                  <a:srgbClr val="FF00FF"/>
+                </a:solidFill>
+                <a:latin typeface="Courier New"/>
+                <a:ea typeface="Courier New"/>
+                <a:cs typeface="Courier New"/>
+                <a:sym typeface="Courier New"/>
+              </a:rPr>
+              <a:t>stephen.marquard@uct.ac.za</a:t>
+            </a:r>
+            <a:r>
+              <a:rPr lang="en-US" sz="3000" i="0" u="none" strike="noStrike" cap="none" dirty="0">
                 <a:solidFill>
                   <a:srgbClr val="00FF00"/>
                 </a:solidFill>
@@ -9258,7 +9531,7 @@
               <a:buNone/>
             </a:pPr>
             <a:r>
-              <a:rPr lang="en-US" sz="3000" b="1" i="0" u="none" strike="noStrike" cap="none">
+              <a:rPr lang="en-US" sz="3000" i="0" u="none" strike="noStrike" cap="none" dirty="0">
                 <a:solidFill>
                   <a:srgbClr val="FFFF00"/>
                 </a:solidFill>
@@ -9289,7 +9562,7 @@
               <a:buNone/>
             </a:pPr>
             <a:r>
-              <a:rPr lang="en-US" sz="3000" b="1" i="0" u="none" strike="noStrike" cap="none">
+              <a:rPr lang="en-US" sz="3000" i="0" u="none" strike="noStrike" cap="none" dirty="0">
                 <a:solidFill>
                   <a:srgbClr val="FF00FF"/>
                 </a:solidFill>
@@ -9298,10 +9571,22 @@
                 <a:cs typeface="Courier New"/>
                 <a:sym typeface="Courier New"/>
               </a:rPr>
-              <a:t>From: louis@media.berkeley.edu</a:t>
-            </a:r>
-            <a:r>
-              <a:rPr lang="en-US" sz="3000" b="1" i="0" u="none" strike="noStrike" cap="none">
+              <a:t>From: </a:t>
+            </a:r>
+            <a:r>
+              <a:rPr lang="en-US" sz="3000" i="0" u="none" strike="noStrike" cap="none" dirty="0" err="1">
+                <a:solidFill>
+                  <a:srgbClr val="FF00FF"/>
+                </a:solidFill>
+                <a:latin typeface="Courier New"/>
+                <a:ea typeface="Courier New"/>
+                <a:cs typeface="Courier New"/>
+                <a:sym typeface="Courier New"/>
+              </a:rPr>
+              <a:t>louis@media.berkeley.edu</a:t>
+            </a:r>
+            <a:r>
+              <a:rPr lang="en-US" sz="3000" i="0" u="none" strike="noStrike" cap="none" dirty="0">
                 <a:solidFill>
                   <a:srgbClr val="00FF00"/>
                 </a:solidFill>
@@ -9332,7 +9617,7 @@
               <a:buNone/>
             </a:pPr>
             <a:r>
-              <a:rPr lang="en-US" sz="3000" b="1" i="0" u="none" strike="noStrike" cap="none">
+              <a:rPr lang="en-US" sz="3000" i="0" u="none" strike="noStrike" cap="none" dirty="0">
                 <a:solidFill>
                   <a:srgbClr val="FFFF00"/>
                 </a:solidFill>
@@ -9363,7 +9648,7 @@
               <a:buNone/>
             </a:pPr>
             <a:r>
-              <a:rPr lang="en-US" sz="3000" b="1" i="0" u="none" strike="noStrike" cap="none">
+              <a:rPr lang="en-US" sz="3000" i="0" u="none" strike="noStrike" cap="none" dirty="0">
                 <a:solidFill>
                   <a:srgbClr val="FF00FF"/>
                 </a:solidFill>
@@ -9372,10 +9657,22 @@
                 <a:cs typeface="Courier New"/>
                 <a:sym typeface="Courier New"/>
               </a:rPr>
-              <a:t>From: zqian@umich.edu</a:t>
-            </a:r>
-            <a:r>
-              <a:rPr lang="en-US" sz="3000" b="1" i="0" u="none" strike="noStrike" cap="none">
+              <a:t>From: </a:t>
+            </a:r>
+            <a:r>
+              <a:rPr lang="en-US" sz="3000" i="0" u="none" strike="noStrike" cap="none" dirty="0" err="1">
+                <a:solidFill>
+                  <a:srgbClr val="FF00FF"/>
+                </a:solidFill>
+                <a:latin typeface="Courier New"/>
+                <a:ea typeface="Courier New"/>
+                <a:cs typeface="Courier New"/>
+                <a:sym typeface="Courier New"/>
+              </a:rPr>
+              <a:t>zqian@umich.edu</a:t>
+            </a:r>
+            <a:r>
+              <a:rPr lang="en-US" sz="3000" i="0" u="none" strike="noStrike" cap="none" dirty="0">
                 <a:solidFill>
                   <a:srgbClr val="00FF00"/>
                 </a:solidFill>
@@ -9406,7 +9703,7 @@
               <a:buNone/>
             </a:pPr>
             <a:r>
-              <a:rPr lang="en-US" sz="3000" b="1" i="0" u="none" strike="noStrike" cap="none">
+              <a:rPr lang="en-US" sz="3000" i="0" u="none" strike="noStrike" cap="none" dirty="0">
                 <a:solidFill>
                   <a:srgbClr val="FFFF00"/>
                 </a:solidFill>
@@ -9437,7 +9734,7 @@
               <a:buNone/>
             </a:pPr>
             <a:r>
-              <a:rPr lang="en-US" sz="3000" b="1" i="0" u="none" strike="noStrike" cap="none">
+              <a:rPr lang="en-US" sz="3000" i="0" u="none" strike="noStrike" cap="none" dirty="0">
                 <a:solidFill>
                   <a:srgbClr val="FF00FF"/>
                 </a:solidFill>
@@ -9446,10 +9743,22 @@
                 <a:cs typeface="Courier New"/>
                 <a:sym typeface="Courier New"/>
               </a:rPr>
-              <a:t>From: rjlowe@iupui.edu</a:t>
-            </a:r>
-            <a:r>
-              <a:rPr lang="en-US" sz="3000" b="1" i="0" u="none" strike="noStrike" cap="none">
+              <a:t>From: </a:t>
+            </a:r>
+            <a:r>
+              <a:rPr lang="en-US" sz="3000" i="0" u="none" strike="noStrike" cap="none" dirty="0" err="1">
+                <a:solidFill>
+                  <a:srgbClr val="FF00FF"/>
+                </a:solidFill>
+                <a:latin typeface="Courier New"/>
+                <a:ea typeface="Courier New"/>
+                <a:cs typeface="Courier New"/>
+                <a:sym typeface="Courier New"/>
+              </a:rPr>
+              <a:t>rjlowe@iupui.edu</a:t>
+            </a:r>
+            <a:r>
+              <a:rPr lang="en-US" sz="3000" i="0" u="none" strike="noStrike" cap="none" dirty="0">
                 <a:solidFill>
                   <a:srgbClr val="00FF00"/>
                 </a:solidFill>
@@ -9480,7 +9789,7 @@
               <a:buNone/>
             </a:pPr>
             <a:r>
-              <a:rPr lang="en-US" sz="3000" b="1" i="0" u="none" strike="noStrike" cap="none">
+              <a:rPr lang="en-US" sz="3000" i="0" u="none" strike="noStrike" cap="none" dirty="0">
                 <a:solidFill>
                   <a:srgbClr val="FFFF00"/>
                 </a:solidFill>
@@ -9511,7 +9820,7 @@
               <a:buNone/>
             </a:pPr>
             <a:r>
-              <a:rPr lang="en-US" sz="3000" b="1" i="0" u="none" strike="noStrike" cap="none">
+              <a:rPr lang="en-US" sz="3000" i="0" u="none" strike="noStrike" cap="none" dirty="0">
                 <a:solidFill>
                   <a:srgbClr val="FF00FF"/>
                 </a:solidFill>
@@ -9619,8 +9928,8 @@
         </p:nvSpPr>
         <p:spPr>
           <a:xfrm>
-            <a:off x="1155700" y="2603500"/>
-            <a:ext cx="5973763" cy="5702399"/>
+            <a:off x="1155700" y="2603501"/>
+            <a:ext cx="5973763" cy="5279160"/>
           </a:xfrm>
           <a:prstGeom prst="rect">
             <a:avLst/>
@@ -9842,7 +10151,7 @@
               <a:buNone/>
             </a:pPr>
             <a:r>
-              <a:rPr lang="en-US" sz="2400" b="1" i="0" u="none" strike="noStrike" cap="none" dirty="0" err="1">
+              <a:rPr lang="en-US" sz="2400" i="0" u="none" strike="noStrike" cap="none" dirty="0" err="1">
                 <a:solidFill>
                   <a:srgbClr val="00FF00"/>
                 </a:solidFill>
@@ -9854,7 +10163,7 @@
               <a:t>fhand</a:t>
             </a:r>
             <a:r>
-              <a:rPr lang="en-US" sz="2400" b="1" i="0" u="none" strike="noStrike" cap="none" dirty="0">
+              <a:rPr lang="en-US" sz="2400" i="0" u="none" strike="noStrike" cap="none" dirty="0">
                 <a:solidFill>
                   <a:schemeClr val="lt1"/>
                 </a:solidFill>
@@ -9866,7 +10175,7 @@
               <a:t> = </a:t>
             </a:r>
             <a:r>
-              <a:rPr lang="en-US" sz="2400" b="1" i="0" u="none" strike="noStrike" cap="none" dirty="0">
+              <a:rPr lang="en-US" sz="2400" i="0" u="none" strike="noStrike" cap="none" dirty="0">
                 <a:solidFill>
                   <a:srgbClr val="FF00FF"/>
                 </a:solidFill>
@@ -9878,7 +10187,7 @@
               <a:t>open</a:t>
             </a:r>
             <a:r>
-              <a:rPr lang="en-US" sz="2400" b="1" i="0" u="none" strike="noStrike" cap="none" dirty="0">
+              <a:rPr lang="en-US" sz="2400" i="0" u="none" strike="noStrike" cap="none" dirty="0">
                 <a:solidFill>
                   <a:schemeClr val="lt1"/>
                 </a:solidFill>
@@ -9890,7 +10199,7 @@
               <a:t>('</a:t>
             </a:r>
             <a:r>
-              <a:rPr lang="en-US" sz="2400" b="1" i="0" u="none" strike="noStrike" cap="none" dirty="0" err="1">
+              <a:rPr lang="en-US" sz="2400" i="0" u="none" strike="noStrike" cap="none" dirty="0" err="1">
                 <a:solidFill>
                   <a:schemeClr val="lt1"/>
                 </a:solidFill>
@@ -9902,7 +10211,7 @@
               <a:t>mbox-short.txt</a:t>
             </a:r>
             <a:r>
-              <a:rPr lang="en-US" sz="2400" b="1" i="0" u="none" strike="noStrike" cap="none" dirty="0">
+              <a:rPr lang="en-US" sz="2400" i="0" u="none" strike="noStrike" cap="none" dirty="0">
                 <a:solidFill>
                   <a:schemeClr val="lt1"/>
                 </a:solidFill>
@@ -9933,7 +10242,7 @@
               <a:buNone/>
             </a:pPr>
             <a:r>
-              <a:rPr lang="en-US" sz="2400" b="1" i="0" u="none" strike="noStrike" cap="none" dirty="0">
+              <a:rPr lang="en-US" sz="2400" i="0" u="none" strike="noStrike" cap="none" dirty="0">
                 <a:solidFill>
                   <a:srgbClr val="FFFF00"/>
                 </a:solidFill>
@@ -9945,7 +10254,7 @@
               <a:t>for</a:t>
             </a:r>
             <a:r>
-              <a:rPr lang="en-US" sz="2400" b="1" i="0" u="none" strike="noStrike" cap="none" dirty="0">
+              <a:rPr lang="en-US" sz="2400" i="0" u="none" strike="noStrike" cap="none" dirty="0">
                 <a:solidFill>
                   <a:schemeClr val="lt1"/>
                 </a:solidFill>
@@ -9957,7 +10266,7 @@
               <a:t> </a:t>
             </a:r>
             <a:r>
-              <a:rPr lang="en-US" sz="2400" b="1" i="0" u="none" strike="noStrike" cap="none" dirty="0">
+              <a:rPr lang="en-US" sz="2400" i="0" u="none" strike="noStrike" cap="none" dirty="0">
                 <a:solidFill>
                   <a:srgbClr val="00FF00"/>
                 </a:solidFill>
@@ -9969,7 +10278,7 @@
               <a:t>line</a:t>
             </a:r>
             <a:r>
-              <a:rPr lang="en-US" sz="2400" b="1" i="0" u="none" strike="noStrike" cap="none" dirty="0">
+              <a:rPr lang="en-US" sz="2400" i="0" u="none" strike="noStrike" cap="none" dirty="0">
                 <a:solidFill>
                   <a:schemeClr val="lt1"/>
                 </a:solidFill>
@@ -9981,7 +10290,7 @@
               <a:t> </a:t>
             </a:r>
             <a:r>
-              <a:rPr lang="en-US" sz="2400" b="1" i="0" u="none" strike="noStrike" cap="none" dirty="0">
+              <a:rPr lang="en-US" sz="2400" i="0" u="none" strike="noStrike" cap="none" dirty="0">
                 <a:solidFill>
                   <a:srgbClr val="FFFF00"/>
                 </a:solidFill>
@@ -9993,7 +10302,7 @@
               <a:t>in</a:t>
             </a:r>
             <a:r>
-              <a:rPr lang="en-US" sz="2400" b="1" i="0" u="none" strike="noStrike" cap="none" dirty="0">
+              <a:rPr lang="en-US" sz="2400" i="0" u="none" strike="noStrike" cap="none" dirty="0">
                 <a:solidFill>
                   <a:schemeClr val="lt1"/>
                 </a:solidFill>
@@ -10005,7 +10314,7 @@
               <a:t> </a:t>
             </a:r>
             <a:r>
-              <a:rPr lang="en-US" sz="2400" b="1" i="0" u="none" strike="noStrike" cap="none" dirty="0" err="1">
+              <a:rPr lang="en-US" sz="2400" i="0" u="none" strike="noStrike" cap="none" dirty="0" err="1">
                 <a:solidFill>
                   <a:srgbClr val="00FF00"/>
                 </a:solidFill>
@@ -10017,7 +10326,7 @@
               <a:t>fhand</a:t>
             </a:r>
             <a:r>
-              <a:rPr lang="en-US" sz="2400" b="1" i="0" u="none" strike="noStrike" cap="none" dirty="0">
+              <a:rPr lang="en-US" sz="2400" i="0" u="none" strike="noStrike" cap="none" dirty="0">
                 <a:solidFill>
                   <a:schemeClr val="lt1"/>
                 </a:solidFill>
@@ -10048,7 +10357,7 @@
               <a:buNone/>
             </a:pPr>
             <a:r>
-              <a:rPr lang="en-US" sz="2400" b="1" dirty="0">
+              <a:rPr lang="en-US" sz="2400" dirty="0">
                 <a:solidFill>
                   <a:schemeClr val="lt1"/>
                 </a:solidFill>
@@ -10060,7 +10369,7 @@
               <a:t>    </a:t>
             </a:r>
             <a:r>
-              <a:rPr lang="en-US" sz="2400" b="1" i="0" u="none" strike="noStrike" cap="none" dirty="0">
+              <a:rPr lang="en-US" sz="2400" i="0" u="none" strike="noStrike" cap="none" dirty="0">
                 <a:solidFill>
                   <a:srgbClr val="00FF00"/>
                 </a:solidFill>
@@ -10072,7 +10381,7 @@
               <a:t>line</a:t>
             </a:r>
             <a:r>
-              <a:rPr lang="en-US" sz="2400" b="1" i="0" u="none" strike="noStrike" cap="none" dirty="0">
+              <a:rPr lang="en-US" sz="2400" i="0" u="none" strike="noStrike" cap="none" dirty="0">
                 <a:solidFill>
                   <a:schemeClr val="lt1"/>
                 </a:solidFill>
@@ -10084,7 +10393,7 @@
               <a:t> = </a:t>
             </a:r>
             <a:r>
-              <a:rPr lang="en-US" sz="2400" b="1" i="0" u="none" strike="noStrike" cap="none" dirty="0" err="1">
+              <a:rPr lang="en-US" sz="2400" i="0" u="none" strike="noStrike" cap="none" dirty="0" err="1">
                 <a:solidFill>
                   <a:srgbClr val="00FF00"/>
                 </a:solidFill>
@@ -10096,7 +10405,7 @@
               <a:t>line</a:t>
             </a:r>
             <a:r>
-              <a:rPr lang="en-US" sz="2400" b="1" i="0" u="none" strike="noStrike" cap="none" dirty="0" err="1">
+              <a:rPr lang="en-US" sz="2400" i="0" u="none" strike="noStrike" cap="none" dirty="0" err="1">
                 <a:solidFill>
                   <a:srgbClr val="FF7F00"/>
                 </a:solidFill>
@@ -10108,7 +10417,7 @@
               <a:t>.rstrip</a:t>
             </a:r>
             <a:r>
-              <a:rPr lang="en-US" sz="2400" b="1" i="0" u="none" strike="noStrike" cap="none" dirty="0">
+              <a:rPr lang="en-US" sz="2400" i="0" u="none" strike="noStrike" cap="none" dirty="0">
                 <a:solidFill>
                   <a:schemeClr val="lt1"/>
                 </a:solidFill>
@@ -10139,7 +10448,7 @@
               <a:buNone/>
             </a:pPr>
             <a:r>
-              <a:rPr lang="en-US" sz="2400" b="1" i="0" u="none" strike="noStrike" cap="none" dirty="0">
+              <a:rPr lang="en-US" sz="2400" i="0" u="none" strike="noStrike" cap="none" dirty="0">
                 <a:solidFill>
                   <a:schemeClr val="lt1"/>
                 </a:solidFill>
@@ -10151,7 +10460,7 @@
               <a:t>    </a:t>
             </a:r>
             <a:r>
-              <a:rPr lang="en-US" sz="2400" b="1" i="0" u="none" strike="noStrike" cap="none" dirty="0">
+              <a:rPr lang="en-US" sz="2400" i="0" u="none" strike="noStrike" cap="none" dirty="0">
                 <a:solidFill>
                   <a:srgbClr val="FFFF00"/>
                 </a:solidFill>
@@ -10163,7 +10472,7 @@
               <a:t>if</a:t>
             </a:r>
             <a:r>
-              <a:rPr lang="en-US" sz="2400" b="1" i="0" u="none" strike="noStrike" cap="none" dirty="0">
+              <a:rPr lang="en-US" sz="2400" i="0" u="none" strike="noStrike" cap="none" dirty="0">
                 <a:solidFill>
                   <a:schemeClr val="lt1"/>
                 </a:solidFill>
@@ -10175,7 +10484,7 @@
               <a:t> </a:t>
             </a:r>
             <a:r>
-              <a:rPr lang="en-US" sz="2400" b="1" i="0" u="none" strike="noStrike" cap="none" dirty="0" err="1">
+              <a:rPr lang="en-US" sz="2400" i="0" u="none" strike="noStrike" cap="none" dirty="0" err="1">
                 <a:solidFill>
                   <a:srgbClr val="00FF00"/>
                 </a:solidFill>
@@ -10187,7 +10496,7 @@
               <a:t>line</a:t>
             </a:r>
             <a:r>
-              <a:rPr lang="en-US" sz="2400" b="1" i="0" u="none" strike="noStrike" cap="none" dirty="0" err="1">
+              <a:rPr lang="en-US" sz="2400" i="0" u="none" strike="noStrike" cap="none" dirty="0" err="1">
                 <a:solidFill>
                   <a:srgbClr val="FF00FF"/>
                 </a:solidFill>
@@ -10199,7 +10508,7 @@
               <a:t>.startswith</a:t>
             </a:r>
             <a:r>
-              <a:rPr lang="en-US" sz="2400" b="1" i="0" u="none" strike="noStrike" cap="none" dirty="0">
+              <a:rPr lang="en-US" sz="2400" i="0" u="none" strike="noStrike" cap="none" dirty="0">
                 <a:solidFill>
                   <a:schemeClr val="lt1"/>
                 </a:solidFill>
@@ -10230,7 +10539,7 @@
               <a:buNone/>
             </a:pPr>
             <a:r>
-              <a:rPr lang="en-US" sz="2400" b="1" i="0" u="none" strike="noStrike" cap="none" dirty="0">
+              <a:rPr lang="en-US" sz="2400" i="0" u="none" strike="noStrike" cap="none" dirty="0">
                 <a:solidFill>
                   <a:schemeClr val="lt1"/>
                 </a:solidFill>
@@ -10242,7 +10551,7 @@
               <a:t>    </a:t>
             </a:r>
             <a:r>
-              <a:rPr lang="en-US" sz="2400" b="1" dirty="0">
+              <a:rPr lang="en-US" sz="2400" dirty="0">
                 <a:solidFill>
                   <a:schemeClr val="lt1"/>
                 </a:solidFill>
@@ -10254,7 +10563,7 @@
               <a:t>    </a:t>
             </a:r>
             <a:r>
-              <a:rPr lang="en-US" sz="2400" b="1" i="0" u="none" strike="noStrike" cap="none" dirty="0" smtClean="0">
+              <a:rPr lang="en-US" sz="2400" i="0" u="none" strike="noStrike" cap="none" dirty="0" smtClean="0">
                 <a:solidFill>
                   <a:srgbClr val="FFFF00"/>
                 </a:solidFill>
@@ -10266,7 +10575,7 @@
               <a:t>print</a:t>
             </a:r>
             <a:r>
-              <a:rPr lang="en-US" sz="2400" b="1" dirty="0" smtClean="0">
+              <a:rPr lang="en-US" sz="2400" dirty="0" smtClean="0">
                 <a:solidFill>
                   <a:schemeClr val="lt1"/>
                 </a:solidFill>
@@ -10278,7 +10587,7 @@
               <a:t>(</a:t>
             </a:r>
             <a:r>
-              <a:rPr lang="en-US" sz="2400" b="1" i="0" u="none" strike="noStrike" cap="none" dirty="0" smtClean="0">
+              <a:rPr lang="en-US" sz="2400" i="0" u="none" strike="noStrike" cap="none" dirty="0" smtClean="0">
                 <a:solidFill>
                   <a:srgbClr val="00FF00"/>
                 </a:solidFill>
@@ -10290,7 +10599,7 @@
               <a:t>line</a:t>
             </a:r>
             <a:r>
-              <a:rPr lang="en-US" sz="2400" b="1" i="0" u="none" strike="noStrike" cap="none" dirty="0" smtClean="0">
+              <a:rPr lang="en-US" sz="2400" i="0" u="none" strike="noStrike" cap="none" dirty="0" smtClean="0">
                 <a:solidFill>
                   <a:schemeClr val="bg1"/>
                 </a:solidFill>
@@ -10301,7 +10610,7 @@
               </a:rPr>
               <a:t>)</a:t>
             </a:r>
-            <a:endParaRPr lang="en-US" sz="2400" b="1" i="0" u="none" strike="noStrike" cap="none" dirty="0">
+            <a:endParaRPr lang="en-US" sz="2400" i="0" u="none" strike="noStrike" cap="none" dirty="0">
               <a:solidFill>
                 <a:schemeClr val="bg1"/>
               </a:solidFill>
@@ -10356,7 +10665,7 @@
               <a:buNone/>
             </a:pPr>
             <a:r>
-              <a:rPr lang="en-US" sz="3200" u="none" strike="noStrike" cap="none">
+              <a:rPr lang="en-US" sz="3200" u="none" strike="noStrike" cap="none" dirty="0">
                 <a:solidFill>
                   <a:srgbClr val="FF00FF"/>
                 </a:solidFill>
@@ -10365,8 +10674,29 @@
                 <a:cs typeface="Arial" charset="0"/>
                 <a:sym typeface="Cabin"/>
               </a:rPr>
-              <a:t>From: stephen.marquard@uct.ac.za</a:t>
-            </a:r>
+              <a:t>From: </a:t>
+            </a:r>
+            <a:r>
+              <a:rPr lang="en-US" sz="3200" u="none" strike="noStrike" cap="none" dirty="0" err="1">
+                <a:solidFill>
+                  <a:srgbClr val="FF00FF"/>
+                </a:solidFill>
+                <a:latin typeface="Arial" charset="0"/>
+                <a:ea typeface="Arial" charset="0"/>
+                <a:cs typeface="Arial" charset="0"/>
+                <a:sym typeface="Cabin"/>
+              </a:rPr>
+              <a:t>stephen.marquard@uct.ac.za</a:t>
+            </a:r>
+            <a:endParaRPr lang="en-US" sz="3200" u="none" strike="noStrike" cap="none" dirty="0">
+              <a:solidFill>
+                <a:srgbClr val="FF00FF"/>
+              </a:solidFill>
+              <a:latin typeface="Arial" charset="0"/>
+              <a:ea typeface="Arial" charset="0"/>
+              <a:cs typeface="Arial" charset="0"/>
+              <a:sym typeface="Cabin"/>
+            </a:endParaRPr>
           </a:p>
           <a:p>
             <a:pPr marL="0" marR="0" lvl="0" indent="0" algn="l" rtl="0">
@@ -10387,7 +10717,7 @@
               <a:buNone/>
             </a:pPr>
             <a:r>
-              <a:rPr lang="en-US" sz="3200" u="none" strike="noStrike" cap="none">
+              <a:rPr lang="en-US" sz="3200" u="none" strike="noStrike" cap="none" dirty="0">
                 <a:solidFill>
                   <a:srgbClr val="FF00FF"/>
                 </a:solidFill>
@@ -10396,8 +10726,29 @@
                 <a:cs typeface="Arial" charset="0"/>
                 <a:sym typeface="Cabin"/>
               </a:rPr>
-              <a:t>From: louis@media.berkeley.edu</a:t>
-            </a:r>
+              <a:t>From: </a:t>
+            </a:r>
+            <a:r>
+              <a:rPr lang="en-US" sz="3200" u="none" strike="noStrike" cap="none" dirty="0" err="1">
+                <a:solidFill>
+                  <a:srgbClr val="FF00FF"/>
+                </a:solidFill>
+                <a:latin typeface="Arial" charset="0"/>
+                <a:ea typeface="Arial" charset="0"/>
+                <a:cs typeface="Arial" charset="0"/>
+                <a:sym typeface="Cabin"/>
+              </a:rPr>
+              <a:t>louis@media.berkeley.edu</a:t>
+            </a:r>
+            <a:endParaRPr lang="en-US" sz="3200" u="none" strike="noStrike" cap="none" dirty="0">
+              <a:solidFill>
+                <a:srgbClr val="FF00FF"/>
+              </a:solidFill>
+              <a:latin typeface="Arial" charset="0"/>
+              <a:ea typeface="Arial" charset="0"/>
+              <a:cs typeface="Arial" charset="0"/>
+              <a:sym typeface="Cabin"/>
+            </a:endParaRPr>
           </a:p>
           <a:p>
             <a:pPr marL="0" marR="0" lvl="0" indent="0" algn="l" rtl="0">
@@ -10418,7 +10769,7 @@
               <a:buNone/>
             </a:pPr>
             <a:r>
-              <a:rPr lang="en-US" sz="3200" u="none" strike="noStrike" cap="none">
+              <a:rPr lang="en-US" sz="3200" u="none" strike="noStrike" cap="none" dirty="0">
                 <a:solidFill>
                   <a:srgbClr val="FF00FF"/>
                 </a:solidFill>
@@ -10427,8 +10778,29 @@
                 <a:cs typeface="Arial" charset="0"/>
                 <a:sym typeface="Cabin"/>
               </a:rPr>
-              <a:t>From: zqian@umich.edu</a:t>
-            </a:r>
+              <a:t>From: </a:t>
+            </a:r>
+            <a:r>
+              <a:rPr lang="en-US" sz="3200" u="none" strike="noStrike" cap="none" dirty="0" err="1">
+                <a:solidFill>
+                  <a:srgbClr val="FF00FF"/>
+                </a:solidFill>
+                <a:latin typeface="Arial" charset="0"/>
+                <a:ea typeface="Arial" charset="0"/>
+                <a:cs typeface="Arial" charset="0"/>
+                <a:sym typeface="Cabin"/>
+              </a:rPr>
+              <a:t>zqian@umich.edu</a:t>
+            </a:r>
+            <a:endParaRPr lang="en-US" sz="3200" u="none" strike="noStrike" cap="none" dirty="0">
+              <a:solidFill>
+                <a:srgbClr val="FF00FF"/>
+              </a:solidFill>
+              <a:latin typeface="Arial" charset="0"/>
+              <a:ea typeface="Arial" charset="0"/>
+              <a:cs typeface="Arial" charset="0"/>
+              <a:sym typeface="Cabin"/>
+            </a:endParaRPr>
           </a:p>
           <a:p>
             <a:pPr marL="0" marR="0" lvl="0" indent="0" algn="l" rtl="0">
@@ -10449,7 +10821,7 @@
               <a:buNone/>
             </a:pPr>
             <a:r>
-              <a:rPr lang="en-US" sz="3200" u="none" strike="noStrike" cap="none">
+              <a:rPr lang="en-US" sz="3200" u="none" strike="noStrike" cap="none" dirty="0">
                 <a:solidFill>
                   <a:srgbClr val="FF00FF"/>
                 </a:solidFill>
@@ -10458,8 +10830,29 @@
                 <a:cs typeface="Arial" charset="0"/>
                 <a:sym typeface="Cabin"/>
               </a:rPr>
-              <a:t>From: rjlowe@iupui.edu</a:t>
-            </a:r>
+              <a:t>From: </a:t>
+            </a:r>
+            <a:r>
+              <a:rPr lang="en-US" sz="3200" u="none" strike="noStrike" cap="none" dirty="0" err="1">
+                <a:solidFill>
+                  <a:srgbClr val="FF00FF"/>
+                </a:solidFill>
+                <a:latin typeface="Arial" charset="0"/>
+                <a:ea typeface="Arial" charset="0"/>
+                <a:cs typeface="Arial" charset="0"/>
+                <a:sym typeface="Cabin"/>
+              </a:rPr>
+              <a:t>rjlowe@iupui.edu</a:t>
+            </a:r>
+            <a:endParaRPr lang="en-US" sz="3200" u="none" strike="noStrike" cap="none" dirty="0">
+              <a:solidFill>
+                <a:srgbClr val="FF00FF"/>
+              </a:solidFill>
+              <a:latin typeface="Arial" charset="0"/>
+              <a:ea typeface="Arial" charset="0"/>
+              <a:cs typeface="Arial" charset="0"/>
+              <a:sym typeface="Cabin"/>
+            </a:endParaRPr>
           </a:p>
           <a:p>
             <a:pPr marL="0" marR="0" lvl="0" indent="0" algn="l" rtl="0">
@@ -10480,7 +10873,7 @@
               <a:buNone/>
             </a:pPr>
             <a:r>
-              <a:rPr lang="en-US" sz="3200" u="none" strike="noStrike" cap="none">
+              <a:rPr lang="en-US" sz="3200" u="none" strike="noStrike" cap="none" dirty="0">
                 <a:solidFill>
                   <a:srgbClr val="FF00FF"/>
                 </a:solidFill>
@@ -10588,8 +10981,8 @@
         </p:nvSpPr>
         <p:spPr>
           <a:xfrm>
-            <a:off x="1155700" y="2603500"/>
-            <a:ext cx="5245100" cy="5702399"/>
+            <a:off x="1155700" y="3237425"/>
+            <a:ext cx="4942803" cy="3123618"/>
           </a:xfrm>
           <a:prstGeom prst="rect">
             <a:avLst/>
@@ -10605,7 +10998,7 @@
           </a:bodyPr>
           <a:lstStyle/>
           <a:p>
-            <a:pPr marL="457200" marR="0" lvl="0" indent="-457200" algn="l" rtl="0">
+            <a:pPr marL="0" marR="0" lvl="0" indent="0" algn="l" rtl="0">
               <a:lnSpc>
                 <a:spcPct val="100000"/>
               </a:lnSpc>
@@ -10616,10 +11009,10 @@
                 <a:spcPts val="0"/>
               </a:spcAft>
               <a:buSzPct val="100000"/>
-              <a:buFont typeface="Cabin"/>
-            </a:pPr>
-            <a:r>
-              <a:rPr lang="en-US" sz="3600" u="none" strike="noStrike" cap="none">
+              <a:buNone/>
+            </a:pPr>
+            <a:r>
+              <a:rPr lang="en-US" sz="3600" u="none" strike="noStrike" cap="none" dirty="0">
                 <a:solidFill>
                   <a:schemeClr val="lt1"/>
                 </a:solidFill>
@@ -10631,7 +11024,7 @@
               <a:t>We can </a:t>
             </a:r>
             <a:r>
-              <a:rPr lang="en-US" sz="3600">
+              <a:rPr lang="en-US" sz="3600" dirty="0">
                 <a:solidFill>
                   <a:schemeClr val="lt1"/>
                 </a:solidFill>
@@ -10643,7 +11036,7 @@
               <a:t>convenient</a:t>
             </a:r>
             <a:r>
-              <a:rPr lang="en-US" sz="3600" u="none" strike="noStrike" cap="none">
+              <a:rPr lang="en-US" sz="3600" u="none" strike="noStrike" cap="none" dirty="0">
                 <a:solidFill>
                   <a:schemeClr val="lt1"/>
                 </a:solidFill>
@@ -10655,7 +11048,7 @@
               <a:t>ly skip a line by using the </a:t>
             </a:r>
             <a:r>
-              <a:rPr lang="en-US" sz="3600" u="none" strike="noStrike" cap="none">
+              <a:rPr lang="en-US" sz="3600" u="none" strike="noStrike" cap="none" dirty="0">
                 <a:solidFill>
                   <a:srgbClr val="FFFF00"/>
                 </a:solidFill>
@@ -10667,7 +11060,7 @@
               <a:t>continue</a:t>
             </a:r>
             <a:r>
-              <a:rPr lang="en-US" sz="3600" u="none" strike="noStrike" cap="none">
+              <a:rPr lang="en-US" sz="3600" u="none" strike="noStrike" cap="none" dirty="0">
                 <a:solidFill>
                   <a:schemeClr val="lt1"/>
                 </a:solidFill>
@@ -10689,7 +11082,7 @@
         </p:nvSpPr>
         <p:spPr>
           <a:xfrm>
-            <a:off x="6948562" y="2539899"/>
+            <a:off x="6857027" y="3253850"/>
             <a:ext cx="8860199" cy="3324300"/>
           </a:xfrm>
           <a:prstGeom prst="rect">
@@ -10724,7 +11117,7 @@
               <a:buNone/>
             </a:pPr>
             <a:r>
-              <a:rPr lang="en-US" sz="3000" b="1" i="0" u="none" strike="noStrike" cap="none" dirty="0" err="1">
+              <a:rPr lang="en-US" sz="3000" i="0" u="none" strike="noStrike" cap="none" dirty="0" err="1">
                 <a:solidFill>
                   <a:srgbClr val="00FF00"/>
                 </a:solidFill>
@@ -10736,7 +11129,7 @@
               <a:t>fhand</a:t>
             </a:r>
             <a:r>
-              <a:rPr lang="en-US" sz="3000" b="1" i="0" u="none" strike="noStrike" cap="none" dirty="0">
+              <a:rPr lang="en-US" sz="3000" i="0" u="none" strike="noStrike" cap="none" dirty="0">
                 <a:solidFill>
                   <a:schemeClr val="lt1"/>
                 </a:solidFill>
@@ -10748,7 +11141,7 @@
               <a:t> = </a:t>
             </a:r>
             <a:r>
-              <a:rPr lang="en-US" sz="3000" b="1" i="0" u="none" strike="noStrike" cap="none" dirty="0">
+              <a:rPr lang="en-US" sz="3000" i="0" u="none" strike="noStrike" cap="none" dirty="0">
                 <a:solidFill>
                   <a:srgbClr val="00FF00"/>
                 </a:solidFill>
@@ -10760,7 +11153,7 @@
               <a:t>open</a:t>
             </a:r>
             <a:r>
-              <a:rPr lang="en-US" sz="3000" b="1" i="0" u="none" strike="noStrike" cap="none" dirty="0">
+              <a:rPr lang="en-US" sz="3000" i="0" u="none" strike="noStrike" cap="none" dirty="0">
                 <a:solidFill>
                   <a:schemeClr val="lt1"/>
                 </a:solidFill>
@@ -10772,7 +11165,7 @@
               <a:t>('</a:t>
             </a:r>
             <a:r>
-              <a:rPr lang="en-US" sz="3000" b="1" i="0" u="none" strike="noStrike" cap="none" dirty="0" err="1">
+              <a:rPr lang="en-US" sz="3000" i="0" u="none" strike="noStrike" cap="none" dirty="0" err="1">
                 <a:solidFill>
                   <a:schemeClr val="lt1"/>
                 </a:solidFill>
@@ -10784,7 +11177,7 @@
               <a:t>mbox-short.txt</a:t>
             </a:r>
             <a:r>
-              <a:rPr lang="en-US" sz="3000" b="1" i="0" u="none" strike="noStrike" cap="none" dirty="0">
+              <a:rPr lang="en-US" sz="3000" i="0" u="none" strike="noStrike" cap="none" dirty="0">
                 <a:solidFill>
                   <a:schemeClr val="lt1"/>
                 </a:solidFill>
@@ -10815,7 +11208,7 @@
               <a:buNone/>
             </a:pPr>
             <a:r>
-              <a:rPr lang="en-US" sz="3000" b="1" i="0" u="none" strike="noStrike" cap="none" dirty="0">
+              <a:rPr lang="en-US" sz="3000" i="0" u="none" strike="noStrike" cap="none" dirty="0">
                 <a:solidFill>
                   <a:srgbClr val="FFFF00"/>
                 </a:solidFill>
@@ -10827,7 +11220,7 @@
               <a:t>for</a:t>
             </a:r>
             <a:r>
-              <a:rPr lang="en-US" sz="3000" b="1" i="0" u="none" strike="noStrike" cap="none" dirty="0">
+              <a:rPr lang="en-US" sz="3000" i="0" u="none" strike="noStrike" cap="none" dirty="0">
                 <a:solidFill>
                   <a:schemeClr val="lt1"/>
                 </a:solidFill>
@@ -10839,7 +11232,7 @@
               <a:t> </a:t>
             </a:r>
             <a:r>
-              <a:rPr lang="en-US" sz="3000" b="1" i="0" u="none" strike="noStrike" cap="none" dirty="0">
+              <a:rPr lang="en-US" sz="3000" i="0" u="none" strike="noStrike" cap="none" dirty="0">
                 <a:solidFill>
                   <a:srgbClr val="00FF00"/>
                 </a:solidFill>
@@ -10851,7 +11244,7 @@
               <a:t>line</a:t>
             </a:r>
             <a:r>
-              <a:rPr lang="en-US" sz="3000" b="1" i="0" u="none" strike="noStrike" cap="none" dirty="0">
+              <a:rPr lang="en-US" sz="3000" i="0" u="none" strike="noStrike" cap="none" dirty="0">
                 <a:solidFill>
                   <a:schemeClr val="lt1"/>
                 </a:solidFill>
@@ -10863,7 +11256,7 @@
               <a:t> </a:t>
             </a:r>
             <a:r>
-              <a:rPr lang="en-US" sz="3000" b="1" i="0" u="none" strike="noStrike" cap="none" dirty="0">
+              <a:rPr lang="en-US" sz="3000" i="0" u="none" strike="noStrike" cap="none" dirty="0">
                 <a:solidFill>
                   <a:srgbClr val="FFFF00"/>
                 </a:solidFill>
@@ -10875,7 +11268,7 @@
               <a:t>in</a:t>
             </a:r>
             <a:r>
-              <a:rPr lang="en-US" sz="3000" b="1" i="0" u="none" strike="noStrike" cap="none" dirty="0">
+              <a:rPr lang="en-US" sz="3000" i="0" u="none" strike="noStrike" cap="none" dirty="0">
                 <a:solidFill>
                   <a:schemeClr val="lt1"/>
                 </a:solidFill>
@@ -10887,7 +11280,7 @@
               <a:t> </a:t>
             </a:r>
             <a:r>
-              <a:rPr lang="en-US" sz="3000" b="1" i="0" u="none" strike="noStrike" cap="none" dirty="0" err="1">
+              <a:rPr lang="en-US" sz="3000" i="0" u="none" strike="noStrike" cap="none" dirty="0" err="1">
                 <a:solidFill>
                   <a:srgbClr val="00FF00"/>
                 </a:solidFill>
@@ -10899,7 +11292,7 @@
               <a:t>fhand</a:t>
             </a:r>
             <a:r>
-              <a:rPr lang="en-US" sz="3000" b="1" i="0" u="none" strike="noStrike" cap="none" dirty="0">
+              <a:rPr lang="en-US" sz="3000" i="0" u="none" strike="noStrike" cap="none" dirty="0">
                 <a:solidFill>
                   <a:schemeClr val="lt1"/>
                 </a:solidFill>
@@ -10930,7 +11323,7 @@
               <a:buNone/>
             </a:pPr>
             <a:r>
-              <a:rPr lang="en-US" sz="3000" b="1" i="0" u="none" strike="noStrike" cap="none" dirty="0">
+              <a:rPr lang="en-US" sz="3000" i="0" u="none" strike="noStrike" cap="none" dirty="0">
                 <a:solidFill>
                   <a:schemeClr val="lt1"/>
                 </a:solidFill>
@@ -10942,7 +11335,7 @@
               <a:t>    </a:t>
             </a:r>
             <a:r>
-              <a:rPr lang="en-US" sz="3000" b="1" i="0" u="none" strike="noStrike" cap="none" dirty="0">
+              <a:rPr lang="en-US" sz="3000" i="0" u="none" strike="noStrike" cap="none" dirty="0">
                 <a:solidFill>
                   <a:srgbClr val="00FF00"/>
                 </a:solidFill>
@@ -10954,7 +11347,7 @@
               <a:t>line</a:t>
             </a:r>
             <a:r>
-              <a:rPr lang="en-US" sz="3000" b="1" i="0" u="none" strike="noStrike" cap="none" dirty="0">
+              <a:rPr lang="en-US" sz="3000" i="0" u="none" strike="noStrike" cap="none" dirty="0">
                 <a:solidFill>
                   <a:schemeClr val="lt1"/>
                 </a:solidFill>
@@ -10966,7 +11359,7 @@
               <a:t> = </a:t>
             </a:r>
             <a:r>
-              <a:rPr lang="en-US" sz="3000" b="1" i="0" u="none" strike="noStrike" cap="none" dirty="0" err="1">
+              <a:rPr lang="en-US" sz="3000" i="0" u="none" strike="noStrike" cap="none" dirty="0" err="1">
                 <a:solidFill>
                   <a:srgbClr val="00FF00"/>
                 </a:solidFill>
@@ -10978,7 +11371,7 @@
               <a:t>line</a:t>
             </a:r>
             <a:r>
-              <a:rPr lang="en-US" sz="3000" b="1" i="0" u="none" strike="noStrike" cap="none" dirty="0" err="1">
+              <a:rPr lang="en-US" sz="3000" i="0" u="none" strike="noStrike" cap="none" dirty="0" err="1">
                 <a:solidFill>
                   <a:srgbClr val="FF00FF"/>
                 </a:solidFill>
@@ -10990,7 +11383,7 @@
               <a:t>.rstrip</a:t>
             </a:r>
             <a:r>
-              <a:rPr lang="en-US" sz="3000" b="1" i="0" u="none" strike="noStrike" cap="none" dirty="0">
+              <a:rPr lang="en-US" sz="3000" i="0" u="none" strike="noStrike" cap="none" dirty="0">
                 <a:solidFill>
                   <a:schemeClr val="lt1"/>
                 </a:solidFill>
@@ -11021,7 +11414,7 @@
               <a:buNone/>
             </a:pPr>
             <a:r>
-              <a:rPr lang="en-US" sz="3000" b="1" i="0" u="none" strike="noStrike" cap="none" dirty="0">
+              <a:rPr lang="en-US" sz="3000" i="0" u="none" strike="noStrike" cap="none" dirty="0">
                 <a:solidFill>
                   <a:schemeClr val="lt1"/>
                 </a:solidFill>
@@ -11033,7 +11426,7 @@
               <a:t>    </a:t>
             </a:r>
             <a:r>
-              <a:rPr lang="en-US" sz="3000" b="1" i="0" u="none" strike="noStrike" cap="none" dirty="0">
+              <a:rPr lang="en-US" sz="3000" i="0" u="none" strike="noStrike" cap="none" dirty="0">
                 <a:solidFill>
                   <a:srgbClr val="FFFF00"/>
                 </a:solidFill>
@@ -11045,7 +11438,7 @@
               <a:t>if</a:t>
             </a:r>
             <a:r>
-              <a:rPr lang="en-US" sz="3000" b="1" i="0" u="none" strike="noStrike" cap="none" dirty="0">
+              <a:rPr lang="en-US" sz="3000" i="0" u="none" strike="noStrike" cap="none" dirty="0">
                 <a:solidFill>
                   <a:schemeClr val="lt1"/>
                 </a:solidFill>
@@ -11057,7 +11450,7 @@
               <a:t> </a:t>
             </a:r>
             <a:r>
-              <a:rPr lang="en-US" sz="3000" b="1" i="0" u="none" strike="noStrike" cap="none" dirty="0">
+              <a:rPr lang="en-US" sz="3000" i="0" u="none" strike="noStrike" cap="none" dirty="0">
                 <a:solidFill>
                   <a:srgbClr val="FFFF00"/>
                 </a:solidFill>
@@ -11069,7 +11462,7 @@
               <a:t>not</a:t>
             </a:r>
             <a:r>
-              <a:rPr lang="en-US" sz="3000" b="1" i="0" u="none" strike="noStrike" cap="none" dirty="0">
+              <a:rPr lang="en-US" sz="3000" i="0" u="none" strike="noStrike" cap="none" dirty="0">
                 <a:solidFill>
                   <a:schemeClr val="lt1"/>
                 </a:solidFill>
@@ -11081,7 +11474,7 @@
               <a:t> </a:t>
             </a:r>
             <a:r>
-              <a:rPr lang="en-US" sz="3000" b="1" i="0" u="none" strike="noStrike" cap="none" dirty="0" err="1">
+              <a:rPr lang="en-US" sz="3000" i="0" u="none" strike="noStrike" cap="none" dirty="0" err="1">
                 <a:solidFill>
                   <a:srgbClr val="00FF00"/>
                 </a:solidFill>
@@ -11093,7 +11486,7 @@
               <a:t>line</a:t>
             </a:r>
             <a:r>
-              <a:rPr lang="en-US" sz="3000" b="1" i="0" u="none" strike="noStrike" cap="none" dirty="0" err="1">
+              <a:rPr lang="en-US" sz="3000" i="0" u="none" strike="noStrike" cap="none" dirty="0" err="1">
                 <a:solidFill>
                   <a:srgbClr val="FF00FF"/>
                 </a:solidFill>
@@ -11105,7 +11498,7 @@
               <a:t>.startswith</a:t>
             </a:r>
             <a:r>
-              <a:rPr lang="en-US" sz="3000" b="1" i="0" u="none" strike="noStrike" cap="none" dirty="0">
+              <a:rPr lang="en-US" sz="3000" i="0" u="none" strike="noStrike" cap="none" dirty="0">
                 <a:solidFill>
                   <a:schemeClr val="lt1"/>
                 </a:solidFill>
@@ -11136,7 +11529,7 @@
               <a:buNone/>
             </a:pPr>
             <a:r>
-              <a:rPr lang="en-US" sz="3000" b="1" i="0" u="none" strike="noStrike" cap="none" dirty="0">
+              <a:rPr lang="en-US" sz="3000" i="0" u="none" strike="noStrike" cap="none" dirty="0">
                 <a:solidFill>
                   <a:schemeClr val="lt1"/>
                 </a:solidFill>
@@ -11148,7 +11541,7 @@
               <a:t>    </a:t>
             </a:r>
             <a:r>
-              <a:rPr lang="en-US" sz="3000" b="1" dirty="0">
+              <a:rPr lang="en-US" sz="3000" dirty="0">
                 <a:solidFill>
                   <a:schemeClr val="lt1"/>
                 </a:solidFill>
@@ -11160,7 +11553,7 @@
               <a:t>    </a:t>
             </a:r>
             <a:r>
-              <a:rPr lang="en-US" sz="3000" b="1" i="0" u="none" strike="noStrike" cap="none" dirty="0">
+              <a:rPr lang="en-US" sz="3000" i="0" u="none" strike="noStrike" cap="none" dirty="0">
                 <a:solidFill>
                   <a:srgbClr val="FFFF00"/>
                 </a:solidFill>
@@ -11180,7 +11573,7 @@
               <a:buSzPct val="25000"/>
             </a:pPr>
             <a:r>
-              <a:rPr lang="en-US" sz="3000" b="1" i="0" u="none" strike="noStrike" cap="none" dirty="0">
+              <a:rPr lang="en-US" sz="3000" i="0" u="none" strike="noStrike" cap="none" dirty="0">
                 <a:solidFill>
                   <a:schemeClr val="lt1"/>
                 </a:solidFill>
@@ -11192,7 +11585,7 @@
               <a:t>    </a:t>
             </a:r>
             <a:r>
-              <a:rPr lang="en-US" sz="3000" b="1" i="0" u="none" strike="noStrike" cap="none" dirty="0" smtClean="0">
+              <a:rPr lang="en-US" sz="3000" i="0" u="none" strike="noStrike" cap="none" dirty="0" smtClean="0">
                 <a:solidFill>
                   <a:srgbClr val="FFFF00"/>
                 </a:solidFill>
@@ -11204,7 +11597,7 @@
               <a:t>print</a:t>
             </a:r>
             <a:r>
-              <a:rPr lang="en-US" sz="3000" b="1" dirty="0" smtClean="0">
+              <a:rPr lang="en-US" sz="3000" dirty="0" smtClean="0">
                 <a:solidFill>
                   <a:schemeClr val="lt1"/>
                 </a:solidFill>
@@ -11216,7 +11609,7 @@
               <a:t>(</a:t>
             </a:r>
             <a:r>
-              <a:rPr lang="en-US" sz="3000" b="1" i="0" u="none" strike="noStrike" cap="none" dirty="0" smtClean="0">
+              <a:rPr lang="en-US" sz="3000" i="0" u="none" strike="noStrike" cap="none" dirty="0" smtClean="0">
                 <a:solidFill>
                   <a:srgbClr val="00FF00"/>
                 </a:solidFill>
@@ -11228,7 +11621,7 @@
               <a:t>line</a:t>
             </a:r>
             <a:r>
-              <a:rPr lang="en-US" sz="3000" b="1" dirty="0" smtClean="0">
+              <a:rPr lang="en-US" sz="3000" dirty="0" smtClean="0">
                 <a:solidFill>
                   <a:schemeClr val="lt1"/>
                 </a:solidFill>
@@ -11239,7 +11632,7 @@
               </a:rPr>
               <a:t>)</a:t>
             </a:r>
-            <a:endParaRPr lang="en-US" sz="3000" b="1" dirty="0">
+            <a:endParaRPr lang="en-US" sz="3000" dirty="0">
               <a:solidFill>
                 <a:schemeClr val="lt1"/>
               </a:solidFill>
@@ -11345,7 +11738,7 @@
               <a:buNone/>
             </a:pPr>
             <a:r>
-              <a:rPr lang="en-US" sz="7600" u="none" strike="noStrike" cap="none">
+              <a:rPr lang="en-US" sz="7600" u="none" strike="noStrike" cap="none" dirty="0">
                 <a:solidFill>
                   <a:schemeClr val="lt1"/>
                 </a:solidFill>
@@ -11357,7 +11750,7 @@
               <a:t>Using </a:t>
             </a:r>
             <a:r>
-              <a:rPr lang="en-US" sz="7600" u="none" strike="noStrike" cap="none">
+              <a:rPr lang="en-US" sz="7600" u="none" strike="noStrike" cap="none" dirty="0">
                 <a:solidFill>
                   <a:srgbClr val="FFFF00"/>
                 </a:solidFill>
@@ -11369,7 +11762,7 @@
               <a:t>in</a:t>
             </a:r>
             <a:r>
-              <a:rPr lang="en-US" sz="7600" u="none" strike="noStrike" cap="none">
+              <a:rPr lang="en-US" sz="7600" u="none" strike="noStrike" cap="none" dirty="0">
                 <a:solidFill>
                   <a:schemeClr val="lt1"/>
                 </a:solidFill>
@@ -11381,7 +11774,7 @@
               <a:t> to select </a:t>
             </a:r>
             <a:r>
-              <a:rPr lang="en-US" sz="7600" u="none" strike="noStrike" cap="none">
+              <a:rPr lang="en-US" sz="7600" u="none" strike="noStrike" cap="none" dirty="0">
                 <a:solidFill>
                   <a:srgbClr val="00FF00"/>
                 </a:solidFill>
@@ -11407,8 +11800,8 @@
         </p:nvSpPr>
         <p:spPr>
           <a:xfrm>
-            <a:off x="1155700" y="2603500"/>
-            <a:ext cx="6488113" cy="1839913"/>
+            <a:off x="1412675" y="2820874"/>
+            <a:ext cx="5892476" cy="1839913"/>
           </a:xfrm>
           <a:prstGeom prst="rect">
             <a:avLst/>
@@ -11424,7 +11817,7 @@
           </a:bodyPr>
           <a:lstStyle/>
           <a:p>
-            <a:pPr marL="749300" marR="0" lvl="0" indent="-533400" algn="l" rtl="0">
+            <a:pPr marL="215900" marR="0" lvl="0" indent="0" algn="l" rtl="0">
               <a:lnSpc>
                 <a:spcPct val="100000"/>
               </a:lnSpc>
@@ -11438,11 +11831,10 @@
                 <a:schemeClr val="lt1"/>
               </a:buClr>
               <a:buSzPct val="171000"/>
-              <a:buFont typeface="Cabin"/>
-              <a:buChar char="•"/>
-            </a:pPr>
-            <a:r>
-              <a:rPr lang="en-US" sz="3600" u="none" strike="noStrike" cap="none">
+              <a:buNone/>
+            </a:pPr>
+            <a:r>
+              <a:rPr lang="en-US" sz="3600" u="none" strike="noStrike" cap="none" dirty="0">
                 <a:solidFill>
                   <a:schemeClr val="lt1"/>
                 </a:solidFill>
@@ -11454,7 +11846,7 @@
               <a:t>We can look for a string anywhere </a:t>
             </a:r>
             <a:r>
-              <a:rPr lang="en-US" sz="3600" u="none" strike="noStrike" cap="none">
+              <a:rPr lang="en-US" sz="3600" u="none" strike="noStrike" cap="none" dirty="0">
                 <a:solidFill>
                   <a:srgbClr val="FFFF00"/>
                 </a:solidFill>
@@ -11466,7 +11858,7 @@
               <a:t>in</a:t>
             </a:r>
             <a:r>
-              <a:rPr lang="en-US" sz="3600" u="none" strike="noStrike" cap="none">
+              <a:rPr lang="en-US" sz="3600" u="none" strike="noStrike" cap="none" dirty="0">
                 <a:solidFill>
                   <a:schemeClr val="lt1"/>
                 </a:solidFill>
@@ -11478,7 +11870,7 @@
               <a:t> a </a:t>
             </a:r>
             <a:r>
-              <a:rPr lang="en-US" sz="3600" u="none" strike="noStrike" cap="none">
+              <a:rPr lang="en-US" sz="3600" u="none" strike="noStrike" cap="none" dirty="0">
                 <a:solidFill>
                   <a:srgbClr val="00FF00"/>
                 </a:solidFill>
@@ -11490,7 +11882,7 @@
               <a:t>line</a:t>
             </a:r>
             <a:r>
-              <a:rPr lang="en-US" sz="3600" u="none" strike="noStrike" cap="none">
+              <a:rPr lang="en-US" sz="3600" u="none" strike="noStrike" cap="none" dirty="0">
                 <a:solidFill>
                   <a:schemeClr val="lt1"/>
                 </a:solidFill>
@@ -11513,7 +11905,7 @@
         <p:spPr>
           <a:xfrm>
             <a:off x="8547100" y="2516175"/>
-            <a:ext cx="6947100" cy="3324300"/>
+            <a:ext cx="6947100" cy="2655033"/>
           </a:xfrm>
           <a:prstGeom prst="rect">
             <a:avLst/>
@@ -11547,7 +11939,7 @@
               <a:buNone/>
             </a:pPr>
             <a:r>
-              <a:rPr lang="en-US" sz="2400" b="1" i="0" u="none" strike="noStrike" cap="none" dirty="0" err="1">
+              <a:rPr lang="en-US" sz="2400" i="0" u="none" strike="noStrike" cap="none" dirty="0" err="1">
                 <a:solidFill>
                   <a:srgbClr val="00FF00"/>
                 </a:solidFill>
@@ -11559,7 +11951,7 @@
               <a:t>fhand</a:t>
             </a:r>
             <a:r>
-              <a:rPr lang="en-US" sz="2400" b="1" i="0" u="none" strike="noStrike" cap="none" dirty="0">
+              <a:rPr lang="en-US" sz="2400" i="0" u="none" strike="noStrike" cap="none" dirty="0">
                 <a:solidFill>
                   <a:schemeClr val="lt1"/>
                 </a:solidFill>
@@ -11571,7 +11963,7 @@
               <a:t> = </a:t>
             </a:r>
             <a:r>
-              <a:rPr lang="en-US" sz="2400" b="1" i="0" u="none" strike="noStrike" cap="none" dirty="0">
+              <a:rPr lang="en-US" sz="2400" i="0" u="none" strike="noStrike" cap="none" dirty="0">
                 <a:solidFill>
                   <a:srgbClr val="FF00FF"/>
                 </a:solidFill>
@@ -11583,7 +11975,7 @@
               <a:t>open</a:t>
             </a:r>
             <a:r>
-              <a:rPr lang="en-US" sz="2400" b="1" i="0" u="none" strike="noStrike" cap="none" dirty="0">
+              <a:rPr lang="en-US" sz="2400" i="0" u="none" strike="noStrike" cap="none" dirty="0">
                 <a:solidFill>
                   <a:schemeClr val="lt1"/>
                 </a:solidFill>
@@ -11595,7 +11987,7 @@
               <a:t>('</a:t>
             </a:r>
             <a:r>
-              <a:rPr lang="en-US" sz="2400" b="1" i="0" u="none" strike="noStrike" cap="none" dirty="0" err="1">
+              <a:rPr lang="en-US" sz="2400" i="0" u="none" strike="noStrike" cap="none" dirty="0" err="1">
                 <a:solidFill>
                   <a:schemeClr val="lt1"/>
                 </a:solidFill>
@@ -11607,7 +11999,7 @@
               <a:t>mbox-short.txt</a:t>
             </a:r>
             <a:r>
-              <a:rPr lang="en-US" sz="2400" b="1" i="0" u="none" strike="noStrike" cap="none" dirty="0">
+              <a:rPr lang="en-US" sz="2400" i="0" u="none" strike="noStrike" cap="none" dirty="0">
                 <a:solidFill>
                   <a:schemeClr val="lt1"/>
                 </a:solidFill>
@@ -11638,7 +12030,7 @@
               <a:buNone/>
             </a:pPr>
             <a:r>
-              <a:rPr lang="en-US" sz="2400" b="1" i="0" u="none" strike="noStrike" cap="none" dirty="0">
+              <a:rPr lang="en-US" sz="2400" i="0" u="none" strike="noStrike" cap="none" dirty="0">
                 <a:solidFill>
                   <a:srgbClr val="FFFF00"/>
                 </a:solidFill>
@@ -11650,7 +12042,7 @@
               <a:t>for</a:t>
             </a:r>
             <a:r>
-              <a:rPr lang="en-US" sz="2400" b="1" i="0" u="none" strike="noStrike" cap="none" dirty="0">
+              <a:rPr lang="en-US" sz="2400" i="0" u="none" strike="noStrike" cap="none" dirty="0">
                 <a:solidFill>
                   <a:schemeClr val="lt1"/>
                 </a:solidFill>
@@ -11662,7 +12054,7 @@
               <a:t> </a:t>
             </a:r>
             <a:r>
-              <a:rPr lang="en-US" sz="2400" b="1" i="0" u="none" strike="noStrike" cap="none" dirty="0">
+              <a:rPr lang="en-US" sz="2400" i="0" u="none" strike="noStrike" cap="none" dirty="0">
                 <a:solidFill>
                   <a:srgbClr val="00FF00"/>
                 </a:solidFill>
@@ -11674,7 +12066,7 @@
               <a:t>line</a:t>
             </a:r>
             <a:r>
-              <a:rPr lang="en-US" sz="2400" b="1" i="0" u="none" strike="noStrike" cap="none" dirty="0">
+              <a:rPr lang="en-US" sz="2400" i="0" u="none" strike="noStrike" cap="none" dirty="0">
                 <a:solidFill>
                   <a:schemeClr val="lt1"/>
                 </a:solidFill>
@@ -11686,7 +12078,7 @@
               <a:t> </a:t>
             </a:r>
             <a:r>
-              <a:rPr lang="en-US" sz="2400" b="1" i="0" u="none" strike="noStrike" cap="none" dirty="0">
+              <a:rPr lang="en-US" sz="2400" i="0" u="none" strike="noStrike" cap="none" dirty="0">
                 <a:solidFill>
                   <a:srgbClr val="FFFF00"/>
                 </a:solidFill>
@@ -11698,7 +12090,7 @@
               <a:t>in</a:t>
             </a:r>
             <a:r>
-              <a:rPr lang="en-US" sz="2400" b="1" i="0" u="none" strike="noStrike" cap="none" dirty="0">
+              <a:rPr lang="en-US" sz="2400" i="0" u="none" strike="noStrike" cap="none" dirty="0">
                 <a:solidFill>
                   <a:schemeClr val="lt1"/>
                 </a:solidFill>
@@ -11710,7 +12102,7 @@
               <a:t> </a:t>
             </a:r>
             <a:r>
-              <a:rPr lang="en-US" sz="2400" b="1" i="0" u="none" strike="noStrike" cap="none" dirty="0" err="1">
+              <a:rPr lang="en-US" sz="2400" i="0" u="none" strike="noStrike" cap="none" dirty="0" err="1">
                 <a:solidFill>
                   <a:srgbClr val="00FF00"/>
                 </a:solidFill>
@@ -11722,7 +12114,7 @@
               <a:t>fhand</a:t>
             </a:r>
             <a:r>
-              <a:rPr lang="en-US" sz="2400" b="1" i="0" u="none" strike="noStrike" cap="none" dirty="0">
+              <a:rPr lang="en-US" sz="2400" i="0" u="none" strike="noStrike" cap="none" dirty="0">
                 <a:solidFill>
                   <a:schemeClr val="lt1"/>
                 </a:solidFill>
@@ -11753,7 +12145,7 @@
               <a:buNone/>
             </a:pPr>
             <a:r>
-              <a:rPr lang="en-US" sz="2400" b="1" i="0" u="none" strike="noStrike" cap="none" dirty="0">
+              <a:rPr lang="en-US" sz="2400" i="0" u="none" strike="noStrike" cap="none" dirty="0">
                 <a:solidFill>
                   <a:schemeClr val="lt1"/>
                 </a:solidFill>
@@ -11765,7 +12157,7 @@
               <a:t>    </a:t>
             </a:r>
             <a:r>
-              <a:rPr lang="en-US" sz="2400" b="1" i="0" u="none" strike="noStrike" cap="none" dirty="0">
+              <a:rPr lang="en-US" sz="2400" i="0" u="none" strike="noStrike" cap="none" dirty="0">
                 <a:solidFill>
                   <a:srgbClr val="00FF00"/>
                 </a:solidFill>
@@ -11777,7 +12169,7 @@
               <a:t>line</a:t>
             </a:r>
             <a:r>
-              <a:rPr lang="en-US" sz="2400" b="1" i="0" u="none" strike="noStrike" cap="none" dirty="0">
+              <a:rPr lang="en-US" sz="2400" i="0" u="none" strike="noStrike" cap="none" dirty="0">
                 <a:solidFill>
                   <a:schemeClr val="lt1"/>
                 </a:solidFill>
@@ -11789,7 +12181,7 @@
               <a:t> = </a:t>
             </a:r>
             <a:r>
-              <a:rPr lang="en-US" sz="2400" b="1" i="0" u="none" strike="noStrike" cap="none" dirty="0" err="1">
+              <a:rPr lang="en-US" sz="2400" i="0" u="none" strike="noStrike" cap="none" dirty="0" err="1">
                 <a:solidFill>
                   <a:srgbClr val="00FF00"/>
                 </a:solidFill>
@@ -11801,7 +12193,7 @@
               <a:t>line</a:t>
             </a:r>
             <a:r>
-              <a:rPr lang="en-US" sz="2400" b="1" i="0" u="none" strike="noStrike" cap="none" dirty="0" err="1">
+              <a:rPr lang="en-US" sz="2400" i="0" u="none" strike="noStrike" cap="none" dirty="0" err="1">
                 <a:solidFill>
                   <a:srgbClr val="FF00FF"/>
                 </a:solidFill>
@@ -11813,7 +12205,7 @@
               <a:t>.rstrip</a:t>
             </a:r>
             <a:r>
-              <a:rPr lang="en-US" sz="2400" b="1" i="0" u="none" strike="noStrike" cap="none" dirty="0">
+              <a:rPr lang="en-US" sz="2400" i="0" u="none" strike="noStrike" cap="none" dirty="0">
                 <a:solidFill>
                   <a:schemeClr val="lt1"/>
                 </a:solidFill>
@@ -11844,7 +12236,7 @@
               <a:buNone/>
             </a:pPr>
             <a:r>
-              <a:rPr lang="en-US" sz="2400" b="1" i="0" u="none" strike="noStrike" cap="none" dirty="0">
+              <a:rPr lang="en-US" sz="2400" i="0" u="none" strike="noStrike" cap="none" dirty="0">
                 <a:solidFill>
                   <a:schemeClr val="lt1"/>
                 </a:solidFill>
@@ -11856,7 +12248,7 @@
               <a:t>    </a:t>
             </a:r>
             <a:r>
-              <a:rPr lang="en-US" sz="2400" b="1" i="0" u="none" strike="noStrike" cap="none" dirty="0">
+              <a:rPr lang="en-US" sz="2400" i="0" u="none" strike="noStrike" cap="none" dirty="0">
                 <a:solidFill>
                   <a:srgbClr val="FFFF00"/>
                 </a:solidFill>
@@ -11868,7 +12260,7 @@
               <a:t>if</a:t>
             </a:r>
             <a:r>
-              <a:rPr lang="en-US" sz="2400" b="1" i="0" u="none" strike="noStrike" cap="none" dirty="0">
+              <a:rPr lang="en-US" sz="2400" i="0" u="none" strike="noStrike" cap="none" dirty="0">
                 <a:solidFill>
                   <a:schemeClr val="lt1"/>
                 </a:solidFill>
@@ -11880,7 +12272,7 @@
               <a:t> </a:t>
             </a:r>
             <a:r>
-              <a:rPr lang="en-US" sz="2400" b="1" i="0" u="none" strike="noStrike" cap="none" dirty="0">
+              <a:rPr lang="en-US" sz="2400" i="0" u="none" strike="noStrike" cap="none" dirty="0">
                 <a:solidFill>
                   <a:srgbClr val="FFFF00"/>
                 </a:solidFill>
@@ -11892,7 +12284,7 @@
               <a:t>not</a:t>
             </a:r>
             <a:r>
-              <a:rPr lang="en-US" sz="2400" b="1" i="0" u="none" strike="noStrike" cap="none" dirty="0">
+              <a:rPr lang="en-US" sz="2400" i="0" u="none" strike="noStrike" cap="none" dirty="0">
                 <a:solidFill>
                   <a:schemeClr val="lt1"/>
                 </a:solidFill>
@@ -11904,7 +12296,7 @@
               <a:t> '</a:t>
             </a:r>
             <a:r>
-              <a:rPr lang="en-US" sz="2400" b="1" i="0" u="none" strike="noStrike" cap="none" dirty="0">
+              <a:rPr lang="en-US" sz="2400" i="0" u="none" strike="noStrike" cap="none" dirty="0">
                 <a:solidFill>
                   <a:srgbClr val="00FFFF"/>
                 </a:solidFill>
@@ -11916,7 +12308,7 @@
               <a:t>@</a:t>
             </a:r>
             <a:r>
-              <a:rPr lang="en-US" sz="2400" b="1" i="0" u="none" strike="noStrike" cap="none" dirty="0" err="1">
+              <a:rPr lang="en-US" sz="2400" i="0" u="none" strike="noStrike" cap="none" dirty="0" err="1">
                 <a:solidFill>
                   <a:srgbClr val="00FFFF"/>
                 </a:solidFill>
@@ -11928,7 +12320,7 @@
               <a:t>uct.ac.za</a:t>
             </a:r>
             <a:r>
-              <a:rPr lang="en-US" sz="2400" b="1" i="0" u="none" strike="noStrike" cap="none" dirty="0">
+              <a:rPr lang="en-US" sz="2400" i="0" u="none" strike="noStrike" cap="none" dirty="0">
                 <a:solidFill>
                   <a:schemeClr val="lt1"/>
                 </a:solidFill>
@@ -11940,7 +12332,7 @@
               <a:t>' </a:t>
             </a:r>
             <a:r>
-              <a:rPr lang="en-US" sz="2400" b="1" i="0" u="none" strike="noStrike" cap="none" dirty="0">
+              <a:rPr lang="en-US" sz="2400" i="0" u="none" strike="noStrike" cap="none" dirty="0">
                 <a:solidFill>
                   <a:srgbClr val="FFFF00"/>
                 </a:solidFill>
@@ -11952,7 +12344,7 @@
               <a:t>in</a:t>
             </a:r>
             <a:r>
-              <a:rPr lang="en-US" sz="2400" b="1" i="0" u="none" strike="noStrike" cap="none" dirty="0">
+              <a:rPr lang="en-US" sz="2400" i="0" u="none" strike="noStrike" cap="none" dirty="0">
                 <a:solidFill>
                   <a:schemeClr val="lt1"/>
                 </a:solidFill>
@@ -11964,7 +12356,7 @@
               <a:t> </a:t>
             </a:r>
             <a:r>
-              <a:rPr lang="en-US" sz="2400" b="1" i="0" u="none" strike="noStrike" cap="none" dirty="0">
+              <a:rPr lang="en-US" sz="2400" i="0" u="none" strike="noStrike" cap="none" dirty="0">
                 <a:solidFill>
                   <a:srgbClr val="00FFFF"/>
                 </a:solidFill>
@@ -11976,7 +12368,7 @@
               <a:t>line</a:t>
             </a:r>
             <a:r>
-              <a:rPr lang="en-US" sz="2400" b="1" i="0" u="none" strike="noStrike" cap="none" dirty="0">
+              <a:rPr lang="en-US" sz="2400" i="0" u="none" strike="noStrike" cap="none" dirty="0">
                 <a:solidFill>
                   <a:schemeClr val="lt1"/>
                 </a:solidFill>
@@ -12007,7 +12399,7 @@
               <a:buNone/>
             </a:pPr>
             <a:r>
-              <a:rPr lang="en-US" sz="2400" b="1" i="0" u="none" strike="noStrike" cap="none" dirty="0">
+              <a:rPr lang="en-US" sz="2400" i="0" u="none" strike="noStrike" cap="none" dirty="0">
                 <a:solidFill>
                   <a:schemeClr val="lt1"/>
                 </a:solidFill>
@@ -12019,7 +12411,7 @@
               <a:t>        </a:t>
             </a:r>
             <a:r>
-              <a:rPr lang="en-US" sz="2400" b="1" i="0" u="none" strike="noStrike" cap="none" dirty="0">
+              <a:rPr lang="en-US" sz="2400" i="0" u="none" strike="noStrike" cap="none" dirty="0">
                 <a:solidFill>
                   <a:srgbClr val="FFFF00"/>
                 </a:solidFill>
@@ -12039,7 +12431,7 @@
               <a:buSzPct val="25000"/>
             </a:pPr>
             <a:r>
-              <a:rPr lang="en-US" sz="2400" b="1" i="0" u="none" strike="noStrike" cap="none" dirty="0">
+              <a:rPr lang="en-US" sz="2400" i="0" u="none" strike="noStrike" cap="none" dirty="0">
                 <a:solidFill>
                   <a:schemeClr val="lt1"/>
                 </a:solidFill>
@@ -12051,7 +12443,7 @@
               <a:t>    </a:t>
             </a:r>
             <a:r>
-              <a:rPr lang="en-US" sz="2400" b="1" i="0" u="none" strike="noStrike" cap="none" dirty="0" smtClean="0">
+              <a:rPr lang="en-US" sz="2400" i="0" u="none" strike="noStrike" cap="none" dirty="0" smtClean="0">
                 <a:solidFill>
                   <a:srgbClr val="FFFF00"/>
                 </a:solidFill>
@@ -12063,7 +12455,7 @@
               <a:t>print</a:t>
             </a:r>
             <a:r>
-              <a:rPr lang="en-US" sz="2400" b="1" dirty="0">
+              <a:rPr lang="en-US" sz="2400" dirty="0">
                 <a:solidFill>
                   <a:schemeClr val="lt1"/>
                 </a:solidFill>
@@ -12075,7 +12467,7 @@
               <a:t>(</a:t>
             </a:r>
             <a:r>
-              <a:rPr lang="en-US" sz="2400" b="1" i="0" u="none" strike="noStrike" cap="none" dirty="0" smtClean="0">
+              <a:rPr lang="en-US" sz="2400" i="0" u="none" strike="noStrike" cap="none" dirty="0" smtClean="0">
                 <a:solidFill>
                   <a:srgbClr val="00FF00"/>
                 </a:solidFill>
@@ -12087,7 +12479,7 @@
               <a:t>line</a:t>
             </a:r>
             <a:r>
-              <a:rPr lang="en-US" sz="2400" b="1" dirty="0">
+              <a:rPr lang="en-US" sz="2400" dirty="0">
                 <a:solidFill>
                   <a:schemeClr val="lt1"/>
                 </a:solidFill>
@@ -12098,7 +12490,7 @@
               </a:rPr>
               <a:t>)</a:t>
             </a:r>
-            <a:endParaRPr lang="en-US" sz="2400" b="1" i="0" u="none" strike="noStrike" cap="none" dirty="0">
+            <a:endParaRPr lang="en-US" sz="2400" i="0" u="none" strike="noStrike" cap="none" dirty="0">
               <a:solidFill>
                 <a:srgbClr val="00FF00"/>
               </a:solidFill>
@@ -12118,7 +12510,7 @@
         </p:nvSpPr>
         <p:spPr>
           <a:xfrm>
-            <a:off x="1412675" y="5915176"/>
+            <a:off x="1412675" y="5606277"/>
             <a:ext cx="13932000" cy="2414438"/>
           </a:xfrm>
           <a:prstGeom prst="rect">
@@ -12153,7 +12545,7 @@
               <a:buNone/>
             </a:pPr>
             <a:r>
-              <a:rPr lang="en-US" sz="2400" b="1" i="0" u="none" strike="noStrike" cap="none" dirty="0">
+              <a:rPr lang="en-US" sz="2400" i="0" u="none" strike="noStrike" cap="none" dirty="0">
                 <a:solidFill>
                   <a:srgbClr val="FF00FF"/>
                 </a:solidFill>
@@ -12165,7 +12557,7 @@
               <a:t>From </a:t>
             </a:r>
             <a:r>
-              <a:rPr lang="en-US" sz="2400" b="1" i="0" u="none" strike="noStrike" cap="none" dirty="0" err="1">
+              <a:rPr lang="en-US" sz="2400" i="0" u="none" strike="noStrike" cap="none" dirty="0" err="1">
                 <a:solidFill>
                   <a:srgbClr val="FF00FF"/>
                 </a:solidFill>
@@ -12177,7 +12569,7 @@
               <a:t>stephen.marquard@</a:t>
             </a:r>
             <a:r>
-              <a:rPr lang="en-US" sz="2400" b="1" i="0" u="none" strike="noStrike" cap="none" dirty="0" err="1">
+              <a:rPr lang="en-US" sz="2400" i="0" u="none" strike="noStrike" cap="none" dirty="0" err="1">
                 <a:solidFill>
                   <a:srgbClr val="00FFFF"/>
                 </a:solidFill>
@@ -12189,7 +12581,7 @@
               <a:t>uct.ac.za</a:t>
             </a:r>
             <a:r>
-              <a:rPr lang="en-US" sz="2400" b="1" i="0" u="none" strike="noStrike" cap="none" dirty="0">
+              <a:rPr lang="en-US" sz="2400" i="0" u="none" strike="noStrike" cap="none" dirty="0">
                 <a:solidFill>
                   <a:srgbClr val="FF00FF"/>
                 </a:solidFill>
@@ -12220,7 +12612,7 @@
               <a:buNone/>
             </a:pPr>
             <a:r>
-              <a:rPr lang="en-US" sz="2400" b="1" i="0" u="none" strike="noStrike" cap="none" dirty="0">
+              <a:rPr lang="en-US" sz="2400" i="0" u="none" strike="noStrike" cap="none" dirty="0">
                 <a:solidFill>
                   <a:srgbClr val="FF00FF"/>
                 </a:solidFill>
@@ -12232,7 +12624,7 @@
               <a:t>X-Authentication-Warning: set sender to </a:t>
             </a:r>
             <a:r>
-              <a:rPr lang="en-US" sz="2400" b="1" i="0" u="none" strike="noStrike" cap="none" dirty="0" err="1">
+              <a:rPr lang="en-US" sz="2400" i="0" u="none" strike="noStrike" cap="none" dirty="0" err="1">
                 <a:solidFill>
                   <a:srgbClr val="FF00FF"/>
                 </a:solidFill>
@@ -12244,7 +12636,7 @@
               <a:t>stephen.marquard@</a:t>
             </a:r>
             <a:r>
-              <a:rPr lang="en-US" sz="2400" b="1" i="0" u="none" strike="noStrike" cap="none" dirty="0" err="1">
+              <a:rPr lang="en-US" sz="2400" i="0" u="none" strike="noStrike" cap="none" dirty="0" err="1">
                 <a:solidFill>
                   <a:srgbClr val="00FFFF"/>
                 </a:solidFill>
@@ -12256,7 +12648,7 @@
               <a:t>uct.ac.za</a:t>
             </a:r>
             <a:r>
-              <a:rPr lang="en-US" sz="2400" b="1" i="0" u="none" strike="noStrike" cap="none" dirty="0">
+              <a:rPr lang="en-US" sz="2400" i="0" u="none" strike="noStrike" cap="none" dirty="0">
                 <a:solidFill>
                   <a:srgbClr val="FF00FF"/>
                 </a:solidFill>
@@ -12287,7 +12679,7 @@
               <a:buNone/>
             </a:pPr>
             <a:r>
-              <a:rPr lang="en-US" sz="2400" b="1" i="0" u="none" strike="noStrike" cap="none" dirty="0">
+              <a:rPr lang="en-US" sz="2400" i="0" u="none" strike="noStrike" cap="none" dirty="0">
                 <a:solidFill>
                   <a:srgbClr val="FF00FF"/>
                 </a:solidFill>
@@ -12299,7 +12691,7 @@
               <a:t>From: </a:t>
             </a:r>
             <a:r>
-              <a:rPr lang="en-US" sz="2400" b="1" i="0" u="sng" strike="noStrike" cap="none" dirty="0">
+              <a:rPr lang="en-US" sz="2400" i="0" u="sng" strike="noStrike" cap="none" dirty="0">
                 <a:solidFill>
                   <a:schemeClr val="hlink"/>
                 </a:solidFill>
@@ -12331,7 +12723,7 @@
               <a:buNone/>
             </a:pPr>
             <a:r>
-              <a:rPr lang="en-US" sz="2400" b="1" i="0" u="none" strike="noStrike" cap="none" dirty="0">
+              <a:rPr lang="en-US" sz="2400" i="0" u="none" strike="noStrike" cap="none" dirty="0">
                 <a:solidFill>
                   <a:srgbClr val="FF00FF"/>
                 </a:solidFill>
@@ -12343,7 +12735,7 @@
               <a:t>Author: </a:t>
             </a:r>
             <a:r>
-              <a:rPr lang="en-US" sz="2400" b="1" i="0" u="sng" strike="noStrike" cap="none" dirty="0">
+              <a:rPr lang="en-US" sz="2400" i="0" u="sng" strike="noStrike" cap="none" dirty="0">
                 <a:solidFill>
                   <a:schemeClr val="hlink"/>
                 </a:solidFill>
@@ -12375,7 +12767,7 @@
               <a:buNone/>
             </a:pPr>
             <a:r>
-              <a:rPr lang="en-US" sz="2400" b="1" i="0" u="none" strike="noStrike" cap="none" dirty="0">
+              <a:rPr lang="en-US" sz="2400" i="0" u="none" strike="noStrike" cap="none" dirty="0">
                 <a:solidFill>
                   <a:srgbClr val="FF00FF"/>
                 </a:solidFill>
@@ -12387,7 +12779,7 @@
               <a:t>From </a:t>
             </a:r>
             <a:r>
-              <a:rPr lang="en-US" sz="2400" b="1" i="0" u="none" strike="noStrike" cap="none" dirty="0" err="1">
+              <a:rPr lang="en-US" sz="2400" i="0" u="none" strike="noStrike" cap="none" dirty="0" err="1">
                 <a:solidFill>
                   <a:srgbClr val="FF00FF"/>
                 </a:solidFill>
@@ -12399,7 +12791,7 @@
               <a:t>david.horwitz@</a:t>
             </a:r>
             <a:r>
-              <a:rPr lang="en-US" sz="2400" b="1" i="0" u="none" strike="noStrike" cap="none" dirty="0" err="1">
+              <a:rPr lang="en-US" sz="2400" i="0" u="none" strike="noStrike" cap="none" dirty="0" err="1">
                 <a:solidFill>
                   <a:srgbClr val="00FFFF"/>
                 </a:solidFill>
@@ -12411,7 +12803,7 @@
               <a:t>uct.ac.za</a:t>
             </a:r>
             <a:r>
-              <a:rPr lang="en-US" sz="2400" b="1" i="0" u="none" strike="noStrike" cap="none" dirty="0">
+              <a:rPr lang="en-US" sz="2400" i="0" u="none" strike="noStrike" cap="none" dirty="0">
                 <a:solidFill>
                   <a:srgbClr val="FF00FF"/>
                 </a:solidFill>
@@ -12442,7 +12834,7 @@
               <a:buNone/>
             </a:pPr>
             <a:r>
-              <a:rPr lang="en-US" sz="2400" b="1" i="0" u="none" strike="noStrike" cap="none" dirty="0">
+              <a:rPr lang="en-US" sz="2400" i="0" u="none" strike="noStrike" cap="none" dirty="0">
                 <a:solidFill>
                   <a:srgbClr val="FF00FF"/>
                 </a:solidFill>
@@ -12454,7 +12846,7 @@
               <a:t>X-Authentication-Warning: set sender to </a:t>
             </a:r>
             <a:r>
-              <a:rPr lang="en-US" sz="2400" b="1" i="0" u="none" strike="noStrike" cap="none" dirty="0" err="1">
+              <a:rPr lang="en-US" sz="2400" i="0" u="none" strike="noStrike" cap="none" dirty="0" err="1">
                 <a:solidFill>
                   <a:srgbClr val="FF00FF"/>
                 </a:solidFill>
@@ -12466,7 +12858,7 @@
               <a:t>david.horwitz@</a:t>
             </a:r>
             <a:r>
-              <a:rPr lang="en-US" sz="2400" b="1" i="0" u="none" strike="noStrike" cap="none" dirty="0" err="1">
+              <a:rPr lang="en-US" sz="2400" i="0" u="none" strike="noStrike" cap="none" dirty="0" err="1">
                 <a:solidFill>
                   <a:srgbClr val="00FFFF"/>
                 </a:solidFill>
@@ -12478,7 +12870,7 @@
               <a:t>uct.ac.za</a:t>
             </a:r>
             <a:r>
-              <a:rPr lang="en-US" sz="2400" b="1" i="0" u="none" strike="noStrike" cap="none" dirty="0">
+              <a:rPr lang="en-US" sz="2400" i="0" u="none" strike="noStrike" cap="none" dirty="0">
                 <a:solidFill>
                   <a:srgbClr val="FF00FF"/>
                 </a:solidFill>
@@ -12500,7 +12892,7 @@
         </p:nvCxnSpPr>
         <p:spPr>
           <a:xfrm>
-            <a:off x="11594475" y="4811225"/>
+            <a:off x="11754661" y="4500618"/>
             <a:ext cx="1575299" cy="889499"/>
           </a:xfrm>
           <a:prstGeom prst="straightConnector1">
@@ -12551,7 +12943,7 @@
         </p:nvSpPr>
         <p:spPr>
           <a:xfrm>
-            <a:off x="4724400" y="1041400"/>
+            <a:off x="4724400" y="1281661"/>
             <a:ext cx="3454499" cy="6489599"/>
           </a:xfrm>
           <a:prstGeom prst="rect">
@@ -12614,7 +13006,7 @@
         </p:nvSpPr>
         <p:spPr>
           <a:xfrm>
-            <a:off x="1460500" y="1790700"/>
+            <a:off x="1460500" y="2030961"/>
             <a:ext cx="2184300" cy="2184300"/>
           </a:xfrm>
           <a:prstGeom prst="rect">
@@ -12739,7 +13131,7 @@
         </p:nvSpPr>
         <p:spPr>
           <a:xfrm>
-            <a:off x="5359400" y="1892300"/>
+            <a:off x="5359400" y="2132561"/>
             <a:ext cx="2133599" cy="1981199"/>
           </a:xfrm>
           <a:prstGeom prst="rect">
@@ -12864,7 +13256,7 @@
         </p:nvSpPr>
         <p:spPr>
           <a:xfrm>
-            <a:off x="5359400" y="4927600"/>
+            <a:off x="5359400" y="5167861"/>
             <a:ext cx="2171700" cy="2133599"/>
           </a:xfrm>
           <a:prstGeom prst="rect">
@@ -12958,7 +13350,7 @@
         </p:nvSpPr>
         <p:spPr>
           <a:xfrm>
-            <a:off x="9893300" y="3098800"/>
+            <a:off x="9893300" y="3339061"/>
             <a:ext cx="2184300" cy="2184300"/>
           </a:xfrm>
           <a:prstGeom prst="rect">
@@ -13052,7 +13444,7 @@
         </p:nvCxnSpPr>
         <p:spPr>
           <a:xfrm flipH="1">
-            <a:off x="3659048" y="2917825"/>
+            <a:off x="3659048" y="3158086"/>
             <a:ext cx="1058999" cy="17399"/>
           </a:xfrm>
           <a:prstGeom prst="straightConnector1">
@@ -13078,7 +13470,7 @@
         </p:nvCxnSpPr>
         <p:spPr>
           <a:xfrm rot="10800000">
-            <a:off x="6019800" y="3901924"/>
+            <a:off x="6019800" y="4142185"/>
             <a:ext cx="0" cy="971700"/>
           </a:xfrm>
           <a:prstGeom prst="straightConnector1">
@@ -13104,7 +13496,7 @@
         </p:nvCxnSpPr>
         <p:spPr>
           <a:xfrm>
-            <a:off x="6973886" y="3919537"/>
+            <a:off x="6973886" y="4159798"/>
             <a:ext cx="0" cy="919200"/>
           </a:xfrm>
           <a:prstGeom prst="straightConnector1">
@@ -13130,7 +13522,7 @@
         </p:nvCxnSpPr>
         <p:spPr>
           <a:xfrm flipH="1">
-            <a:off x="8283575" y="3541712"/>
+            <a:off x="8283575" y="3781973"/>
             <a:ext cx="1562099" cy="17399"/>
           </a:xfrm>
           <a:prstGeom prst="straightConnector1">
@@ -13156,7 +13548,7 @@
         </p:nvCxnSpPr>
         <p:spPr>
           <a:xfrm>
-            <a:off x="8248650" y="4546600"/>
+            <a:off x="8248650" y="4786861"/>
             <a:ext cx="1579499" cy="0"/>
           </a:xfrm>
           <a:prstGeom prst="straightConnector1">
@@ -13182,7 +13574,7 @@
         </p:nvSpPr>
         <p:spPr>
           <a:xfrm>
-            <a:off x="10385425" y="482600"/>
+            <a:off x="10385425" y="722861"/>
             <a:ext cx="5052000" cy="1663800"/>
           </a:xfrm>
           <a:prstGeom prst="rect">
@@ -13239,7 +13631,7 @@
         </p:nvSpPr>
         <p:spPr>
           <a:xfrm>
-            <a:off x="7810500" y="838200"/>
+            <a:off x="7810500" y="1078461"/>
             <a:ext cx="1803300" cy="1269899"/>
           </a:xfrm>
           <a:prstGeom prst="wedgeEllipseCallout">
@@ -13342,7 +13734,7 @@
         </p:blipFill>
         <p:spPr>
           <a:xfrm>
-            <a:off x="5510211" y="5168900"/>
+            <a:off x="5510211" y="5409161"/>
             <a:ext cx="457200" cy="649199"/>
           </a:xfrm>
           <a:prstGeom prst="rect">
@@ -13362,7 +13754,7 @@
         </p:nvSpPr>
         <p:spPr>
           <a:xfrm>
-            <a:off x="6299200" y="3937050"/>
+            <a:off x="6299200" y="4177311"/>
             <a:ext cx="2768700" cy="1269899"/>
           </a:xfrm>
           <a:prstGeom prst="wedgeEllipseCallout">
@@ -13432,7 +13824,7 @@
         </p:nvSpPr>
         <p:spPr>
           <a:xfrm>
-            <a:off x="9334500" y="5899150"/>
+            <a:off x="9334500" y="6139411"/>
             <a:ext cx="4927500" cy="1650900"/>
           </a:xfrm>
           <a:prstGeom prst="rect">
@@ -13588,7 +13980,7 @@
         </p:nvSpPr>
         <p:spPr>
           <a:xfrm>
-            <a:off x="12192000" y="2552700"/>
+            <a:off x="12192000" y="2792961"/>
             <a:ext cx="1955699" cy="1003199"/>
           </a:xfrm>
           <a:prstGeom prst="wedgeEllipseCallout">
@@ -13774,7 +14166,7 @@
               <a:buNone/>
             </a:pPr>
             <a:r>
-              <a:rPr lang="en-US" sz="2400" b="1" i="0" u="none" strike="noStrike" cap="none" dirty="0" err="1">
+              <a:rPr lang="en-US" sz="2400" i="0" u="none" strike="noStrike" cap="none" dirty="0" err="1">
                 <a:solidFill>
                   <a:srgbClr val="00FF00"/>
                 </a:solidFill>
@@ -13786,7 +14178,7 @@
               <a:t>fname</a:t>
             </a:r>
             <a:r>
-              <a:rPr lang="en-US" sz="2400" b="1" i="0" u="none" strike="noStrike" cap="none" dirty="0">
+              <a:rPr lang="en-US" sz="2400" i="0" u="none" strike="noStrike" cap="none" dirty="0">
                 <a:solidFill>
                   <a:schemeClr val="lt1"/>
                 </a:solidFill>
@@ -13798,7 +14190,7 @@
               <a:t> </a:t>
             </a:r>
             <a:r>
-              <a:rPr lang="en-US" sz="2400" b="1" i="0" u="none" strike="noStrike" cap="none" dirty="0" smtClean="0">
+              <a:rPr lang="en-US" sz="2400" i="0" u="none" strike="noStrike" cap="none" dirty="0" smtClean="0">
                 <a:solidFill>
                   <a:schemeClr val="lt1"/>
                 </a:solidFill>
@@ -13810,7 +14202,7 @@
               <a:t>= </a:t>
             </a:r>
             <a:r>
-              <a:rPr lang="en-US" sz="2400" b="1" i="0" u="none" strike="noStrike" cap="none" dirty="0" smtClean="0">
+              <a:rPr lang="en-US" sz="2400" i="0" u="none" strike="noStrike" cap="none" dirty="0" smtClean="0">
                 <a:solidFill>
                   <a:srgbClr val="FF00FF"/>
                 </a:solidFill>
@@ -13822,7 +14214,7 @@
               <a:t>input</a:t>
             </a:r>
             <a:r>
-              <a:rPr lang="en-US" sz="2400" b="1" i="0" u="none" strike="noStrike" cap="none" dirty="0">
+              <a:rPr lang="en-US" sz="2400" i="0" u="none" strike="noStrike" cap="none" dirty="0">
                 <a:solidFill>
                   <a:schemeClr val="lt1"/>
                 </a:solidFill>
@@ -13853,7 +14245,7 @@
               <a:buNone/>
             </a:pPr>
             <a:r>
-              <a:rPr lang="en-US" sz="2400" b="1" i="0" u="none" strike="noStrike" cap="none" dirty="0" err="1">
+              <a:rPr lang="en-US" sz="2400" i="0" u="none" strike="noStrike" cap="none" dirty="0" err="1">
                 <a:solidFill>
                   <a:srgbClr val="00FF00"/>
                 </a:solidFill>
@@ -13865,7 +14257,7 @@
               <a:t>fhand</a:t>
             </a:r>
             <a:r>
-              <a:rPr lang="en-US" sz="2400" b="1" i="0" u="none" strike="noStrike" cap="none" dirty="0">
+              <a:rPr lang="en-US" sz="2400" i="0" u="none" strike="noStrike" cap="none" dirty="0">
                 <a:solidFill>
                   <a:schemeClr val="lt1"/>
                 </a:solidFill>
@@ -13877,7 +14269,7 @@
               <a:t> = </a:t>
             </a:r>
             <a:r>
-              <a:rPr lang="en-US" sz="2400" b="1" i="0" u="none" strike="noStrike" cap="none" dirty="0">
+              <a:rPr lang="en-US" sz="2400" i="0" u="none" strike="noStrike" cap="none" dirty="0">
                 <a:solidFill>
                   <a:srgbClr val="FF00FF"/>
                 </a:solidFill>
@@ -13889,7 +14281,7 @@
               <a:t>open</a:t>
             </a:r>
             <a:r>
-              <a:rPr lang="en-US" sz="2400" b="1" i="0" u="none" strike="noStrike" cap="none" dirty="0">
+              <a:rPr lang="en-US" sz="2400" i="0" u="none" strike="noStrike" cap="none" dirty="0">
                 <a:solidFill>
                   <a:schemeClr val="lt1"/>
                 </a:solidFill>
@@ -13901,7 +14293,7 @@
               <a:t>(</a:t>
             </a:r>
             <a:r>
-              <a:rPr lang="en-US" sz="2400" b="1" i="0" u="none" strike="noStrike" cap="none" dirty="0" err="1">
+              <a:rPr lang="en-US" sz="2400" i="0" u="none" strike="noStrike" cap="none" dirty="0" err="1">
                 <a:solidFill>
                   <a:srgbClr val="00FF00"/>
                 </a:solidFill>
@@ -13913,7 +14305,7 @@
               <a:t>fname</a:t>
             </a:r>
             <a:r>
-              <a:rPr lang="en-US" sz="2400" b="1" i="0" u="none" strike="noStrike" cap="none" dirty="0">
+              <a:rPr lang="en-US" sz="2400" i="0" u="none" strike="noStrike" cap="none" dirty="0">
                 <a:solidFill>
                   <a:schemeClr val="lt1"/>
                 </a:solidFill>
@@ -13944,7 +14336,7 @@
               <a:buNone/>
             </a:pPr>
             <a:r>
-              <a:rPr lang="en-US" sz="2400" b="1" i="0" u="none" strike="noStrike" cap="none" dirty="0">
+              <a:rPr lang="en-US" sz="2400" i="0" u="none" strike="noStrike" cap="none" dirty="0">
                 <a:solidFill>
                   <a:srgbClr val="00FF00"/>
                 </a:solidFill>
@@ -13956,7 +14348,7 @@
               <a:t>count</a:t>
             </a:r>
             <a:r>
-              <a:rPr lang="en-US" sz="2400" b="1" i="0" u="none" strike="noStrike" cap="none" dirty="0">
+              <a:rPr lang="en-US" sz="2400" i="0" u="none" strike="noStrike" cap="none" dirty="0">
                 <a:solidFill>
                   <a:schemeClr val="lt1"/>
                 </a:solidFill>
@@ -13987,7 +14379,7 @@
               <a:buNone/>
             </a:pPr>
             <a:r>
-              <a:rPr lang="en-US" sz="2400" b="1" i="0" u="none" strike="noStrike" cap="none" dirty="0">
+              <a:rPr lang="en-US" sz="2400" i="0" u="none" strike="noStrike" cap="none" dirty="0">
                 <a:solidFill>
                   <a:srgbClr val="FFFF00"/>
                 </a:solidFill>
@@ -13999,7 +14391,7 @@
               <a:t>for</a:t>
             </a:r>
             <a:r>
-              <a:rPr lang="en-US" sz="2400" b="1" i="0" u="none" strike="noStrike" cap="none" dirty="0">
+              <a:rPr lang="en-US" sz="2400" i="0" u="none" strike="noStrike" cap="none" dirty="0">
                 <a:solidFill>
                   <a:schemeClr val="lt1"/>
                 </a:solidFill>
@@ -14011,7 +14403,7 @@
               <a:t> </a:t>
             </a:r>
             <a:r>
-              <a:rPr lang="en-US" sz="2400" b="1" i="0" u="none" strike="noStrike" cap="none" dirty="0">
+              <a:rPr lang="en-US" sz="2400" i="0" u="none" strike="noStrike" cap="none" dirty="0">
                 <a:solidFill>
                   <a:srgbClr val="00FF00"/>
                 </a:solidFill>
@@ -14023,7 +14415,7 @@
               <a:t>line</a:t>
             </a:r>
             <a:r>
-              <a:rPr lang="en-US" sz="2400" b="1" i="0" u="none" strike="noStrike" cap="none" dirty="0">
+              <a:rPr lang="en-US" sz="2400" i="0" u="none" strike="noStrike" cap="none" dirty="0">
                 <a:solidFill>
                   <a:schemeClr val="lt1"/>
                 </a:solidFill>
@@ -14035,7 +14427,7 @@
               <a:t> </a:t>
             </a:r>
             <a:r>
-              <a:rPr lang="en-US" sz="2400" b="1" i="0" u="none" strike="noStrike" cap="none" dirty="0">
+              <a:rPr lang="en-US" sz="2400" i="0" u="none" strike="noStrike" cap="none" dirty="0">
                 <a:solidFill>
                   <a:srgbClr val="FFFF00"/>
                 </a:solidFill>
@@ -14047,7 +14439,7 @@
               <a:t>in</a:t>
             </a:r>
             <a:r>
-              <a:rPr lang="en-US" sz="2400" b="1" i="0" u="none" strike="noStrike" cap="none" dirty="0">
+              <a:rPr lang="en-US" sz="2400" i="0" u="none" strike="noStrike" cap="none" dirty="0">
                 <a:solidFill>
                   <a:schemeClr val="lt1"/>
                 </a:solidFill>
@@ -14059,7 +14451,7 @@
               <a:t> </a:t>
             </a:r>
             <a:r>
-              <a:rPr lang="en-US" sz="2400" b="1" i="0" u="none" strike="noStrike" cap="none" dirty="0" err="1">
+              <a:rPr lang="en-US" sz="2400" i="0" u="none" strike="noStrike" cap="none" dirty="0" err="1">
                 <a:solidFill>
                   <a:srgbClr val="00FF00"/>
                 </a:solidFill>
@@ -14071,7 +14463,7 @@
               <a:t>fhand</a:t>
             </a:r>
             <a:r>
-              <a:rPr lang="en-US" sz="2400" b="1" i="0" u="none" strike="noStrike" cap="none" dirty="0">
+              <a:rPr lang="en-US" sz="2400" i="0" u="none" strike="noStrike" cap="none" dirty="0">
                 <a:solidFill>
                   <a:schemeClr val="lt1"/>
                 </a:solidFill>
@@ -14102,7 +14494,7 @@
               <a:buNone/>
             </a:pPr>
             <a:r>
-              <a:rPr lang="en-US" sz="2400" b="1" i="0" u="none" strike="noStrike" cap="none" dirty="0">
+              <a:rPr lang="en-US" sz="2400" i="0" u="none" strike="noStrike" cap="none" dirty="0">
                 <a:solidFill>
                   <a:schemeClr val="lt1"/>
                 </a:solidFill>
@@ -14114,7 +14506,7 @@
               <a:t>    </a:t>
             </a:r>
             <a:r>
-              <a:rPr lang="en-US" sz="2400" b="1" i="0" u="none" strike="noStrike" cap="none" dirty="0">
+              <a:rPr lang="en-US" sz="2400" i="0" u="none" strike="noStrike" cap="none" dirty="0">
                 <a:solidFill>
                   <a:srgbClr val="FFFF00"/>
                 </a:solidFill>
@@ -14126,7 +14518,7 @@
               <a:t>if</a:t>
             </a:r>
             <a:r>
-              <a:rPr lang="en-US" sz="2400" b="1" i="0" u="none" strike="noStrike" cap="none" dirty="0">
+              <a:rPr lang="en-US" sz="2400" i="0" u="none" strike="noStrike" cap="none" dirty="0">
                 <a:solidFill>
                   <a:schemeClr val="lt1"/>
                 </a:solidFill>
@@ -14138,7 +14530,7 @@
               <a:t> </a:t>
             </a:r>
             <a:r>
-              <a:rPr lang="en-US" sz="2400" b="1" i="0" u="none" strike="noStrike" cap="none" dirty="0" err="1">
+              <a:rPr lang="en-US" sz="2400" i="0" u="none" strike="noStrike" cap="none" dirty="0" err="1">
                 <a:solidFill>
                   <a:srgbClr val="00FF00"/>
                 </a:solidFill>
@@ -14150,7 +14542,7 @@
               <a:t>line</a:t>
             </a:r>
             <a:r>
-              <a:rPr lang="en-US" sz="2400" b="1" i="0" u="none" strike="noStrike" cap="none" dirty="0" err="1">
+              <a:rPr lang="en-US" sz="2400" i="0" u="none" strike="noStrike" cap="none" dirty="0" err="1">
                 <a:solidFill>
                   <a:srgbClr val="FF00FF"/>
                 </a:solidFill>
@@ -14162,7 +14554,7 @@
               <a:t>.startswith</a:t>
             </a:r>
             <a:r>
-              <a:rPr lang="en-US" sz="2400" b="1" i="0" u="none" strike="noStrike" cap="none" dirty="0">
+              <a:rPr lang="en-US" sz="2400" i="0" u="none" strike="noStrike" cap="none" dirty="0">
                 <a:solidFill>
                   <a:schemeClr val="lt1"/>
                 </a:solidFill>
@@ -14193,7 +14585,7 @@
               <a:buNone/>
             </a:pPr>
             <a:r>
-              <a:rPr lang="en-US" sz="2400" b="1" i="0" u="none" strike="noStrike" cap="none" dirty="0">
+              <a:rPr lang="en-US" sz="2400" i="0" u="none" strike="noStrike" cap="none" dirty="0">
                 <a:solidFill>
                   <a:schemeClr val="lt1"/>
                 </a:solidFill>
@@ -14205,7 +14597,7 @@
               <a:t>        </a:t>
             </a:r>
             <a:r>
-              <a:rPr lang="en-US" sz="2400" b="1" i="0" u="none" strike="noStrike" cap="none" dirty="0">
+              <a:rPr lang="en-US" sz="2400" i="0" u="none" strike="noStrike" cap="none" dirty="0">
                 <a:solidFill>
                   <a:srgbClr val="00FF00"/>
                 </a:solidFill>
@@ -14217,7 +14609,7 @@
               <a:t>count</a:t>
             </a:r>
             <a:r>
-              <a:rPr lang="en-US" sz="2400" b="1" i="0" u="none" strike="noStrike" cap="none" dirty="0">
+              <a:rPr lang="en-US" sz="2400" i="0" u="none" strike="noStrike" cap="none" dirty="0">
                 <a:solidFill>
                   <a:schemeClr val="lt1"/>
                 </a:solidFill>
@@ -14229,7 +14621,7 @@
               <a:t> = </a:t>
             </a:r>
             <a:r>
-              <a:rPr lang="en-US" sz="2400" b="1" i="0" u="none" strike="noStrike" cap="none" dirty="0">
+              <a:rPr lang="en-US" sz="2400" i="0" u="none" strike="noStrike" cap="none" dirty="0">
                 <a:solidFill>
                   <a:srgbClr val="00FF00"/>
                 </a:solidFill>
@@ -14241,7 +14633,7 @@
               <a:t>count</a:t>
             </a:r>
             <a:r>
-              <a:rPr lang="en-US" sz="2400" b="1" i="0" u="none" strike="noStrike" cap="none" dirty="0">
+              <a:rPr lang="en-US" sz="2400" i="0" u="none" strike="noStrike" cap="none" dirty="0">
                 <a:solidFill>
                   <a:schemeClr val="lt1"/>
                 </a:solidFill>
@@ -14272,7 +14664,7 @@
               <a:buNone/>
             </a:pPr>
             <a:r>
-              <a:rPr lang="en-US" sz="2400" b="1" i="0" u="none" strike="noStrike" cap="none" dirty="0" smtClean="0">
+              <a:rPr lang="en-US" sz="2400" i="0" u="none" strike="noStrike" cap="none" dirty="0" smtClean="0">
                 <a:solidFill>
                   <a:srgbClr val="FFFF00"/>
                 </a:solidFill>
@@ -14284,7 +14676,7 @@
               <a:t>print</a:t>
             </a:r>
             <a:r>
-              <a:rPr lang="en-US" sz="2400" b="1" dirty="0">
+              <a:rPr lang="en-US" sz="2400" dirty="0">
                 <a:solidFill>
                   <a:schemeClr val="lt1"/>
                 </a:solidFill>
@@ -14296,7 +14688,7 @@
               <a:t>(</a:t>
             </a:r>
             <a:r>
-              <a:rPr lang="en-US" sz="2400" b="1" i="0" u="none" strike="noStrike" cap="none" dirty="0" smtClean="0">
+              <a:rPr lang="en-US" sz="2400" i="0" u="none" strike="noStrike" cap="none" dirty="0" smtClean="0">
                 <a:solidFill>
                   <a:schemeClr val="lt1"/>
                 </a:solidFill>
@@ -14308,7 +14700,7 @@
               <a:t>'There </a:t>
             </a:r>
             <a:r>
-              <a:rPr lang="en-US" sz="2400" b="1" i="0" u="none" strike="noStrike" cap="none" dirty="0">
+              <a:rPr lang="en-US" sz="2400" i="0" u="none" strike="noStrike" cap="none" dirty="0">
                 <a:solidFill>
                   <a:schemeClr val="lt1"/>
                 </a:solidFill>
@@ -14320,7 +14712,7 @@
               <a:t>were', </a:t>
             </a:r>
             <a:r>
-              <a:rPr lang="en-US" sz="2400" b="1" i="0" u="none" strike="noStrike" cap="none" dirty="0">
+              <a:rPr lang="en-US" sz="2400" i="0" u="none" strike="noStrike" cap="none" dirty="0">
                 <a:solidFill>
                   <a:srgbClr val="00FF00"/>
                 </a:solidFill>
@@ -14332,7 +14724,7 @@
               <a:t>count</a:t>
             </a:r>
             <a:r>
-              <a:rPr lang="en-US" sz="2400" b="1" i="0" u="none" strike="noStrike" cap="none" dirty="0">
+              <a:rPr lang="en-US" sz="2400" i="0" u="none" strike="noStrike" cap="none" dirty="0">
                 <a:solidFill>
                   <a:schemeClr val="lt1"/>
                 </a:solidFill>
@@ -14344,7 +14736,7 @@
               <a:t>, 'subject lines in', </a:t>
             </a:r>
             <a:r>
-              <a:rPr lang="en-US" sz="2400" b="1" i="0" u="none" strike="noStrike" cap="none" dirty="0" err="1" smtClean="0">
+              <a:rPr lang="en-US" sz="2400" i="0" u="none" strike="noStrike" cap="none" dirty="0" err="1" smtClean="0">
                 <a:solidFill>
                   <a:schemeClr val="lt1"/>
                 </a:solidFill>
@@ -14356,7 +14748,7 @@
               <a:t>fname</a:t>
             </a:r>
             <a:r>
-              <a:rPr lang="en-US" sz="2400" b="1" i="0" u="none" strike="noStrike" cap="none" dirty="0" smtClean="0">
+              <a:rPr lang="en-US" sz="2400" i="0" u="none" strike="noStrike" cap="none" dirty="0" smtClean="0">
                 <a:solidFill>
                   <a:schemeClr val="lt1"/>
                 </a:solidFill>
@@ -14367,7 +14759,7 @@
               </a:rPr>
               <a:t>)</a:t>
             </a:r>
-            <a:endParaRPr lang="en-US" sz="2400" b="1" i="0" u="none" strike="noStrike" cap="none" dirty="0">
+            <a:endParaRPr lang="en-US" sz="2400" i="0" u="none" strike="noStrike" cap="none" dirty="0">
               <a:solidFill>
                 <a:schemeClr val="lt1"/>
               </a:solidFill>
@@ -14387,8 +14779,8 @@
         </p:nvSpPr>
         <p:spPr>
           <a:xfrm>
-            <a:off x="7059611" y="4843463"/>
-            <a:ext cx="8643899" cy="3367187"/>
+            <a:off x="7059611" y="4843464"/>
+            <a:ext cx="8643899" cy="3050638"/>
           </a:xfrm>
           <a:prstGeom prst="rect">
             <a:avLst/>
@@ -14422,7 +14814,7 @@
               <a:buNone/>
             </a:pPr>
             <a:r>
-              <a:rPr lang="en-US" sz="3600" u="none" strike="noStrike" cap="none">
+              <a:rPr lang="en-US" sz="3200" u="none" strike="noStrike" cap="none" dirty="0">
                 <a:solidFill>
                   <a:srgbClr val="FF00FF"/>
                 </a:solidFill>
@@ -14434,7 +14826,7 @@
               <a:t>Enter the file name:  </a:t>
             </a:r>
             <a:r>
-              <a:rPr lang="en-US" sz="3600" u="none" strike="noStrike" cap="none" dirty="0" err="1">
+              <a:rPr lang="en-US" sz="3200" u="none" strike="noStrike" cap="none" dirty="0" err="1">
                 <a:solidFill>
                   <a:srgbClr val="FFFF00"/>
                 </a:solidFill>
@@ -14445,7 +14837,7 @@
               </a:rPr>
               <a:t>mbox.txt</a:t>
             </a:r>
-            <a:endParaRPr lang="en-US" sz="3600" u="none" strike="noStrike" cap="none" dirty="0">
+            <a:endParaRPr lang="en-US" sz="3200" u="none" strike="noStrike" cap="none" dirty="0">
               <a:solidFill>
                 <a:srgbClr val="FFFF00"/>
               </a:solidFill>
@@ -14474,7 +14866,7 @@
               <a:buNone/>
             </a:pPr>
             <a:r>
-              <a:rPr lang="en-US" sz="3600" u="none" strike="noStrike" cap="none" dirty="0">
+              <a:rPr lang="en-US" sz="3200" u="none" strike="noStrike" cap="none" dirty="0">
                 <a:solidFill>
                   <a:srgbClr val="FF00FF"/>
                 </a:solidFill>
@@ -14486,7 +14878,7 @@
               <a:t>There were 1797 subject lines in </a:t>
             </a:r>
             <a:r>
-              <a:rPr lang="en-US" sz="3600" u="none" strike="noStrike" cap="none" dirty="0" err="1">
+              <a:rPr lang="en-US" sz="3200" u="none" strike="noStrike" cap="none" dirty="0" err="1">
                 <a:solidFill>
                   <a:srgbClr val="FF00FF"/>
                 </a:solidFill>
@@ -14497,7 +14889,7 @@
               </a:rPr>
               <a:t>mbox.txt</a:t>
             </a:r>
-            <a:endParaRPr lang="en-US" sz="3600" u="none" strike="noStrike" cap="none" dirty="0">
+            <a:endParaRPr lang="en-US" sz="3200" u="none" strike="noStrike" cap="none" dirty="0">
               <a:solidFill>
                 <a:srgbClr val="FF00FF"/>
               </a:solidFill>
@@ -14520,7 +14912,7 @@
               </a:spcAft>
               <a:buNone/>
             </a:pPr>
-            <a:endParaRPr sz="3600" u="none" strike="noStrike" cap="none" dirty="0">
+            <a:endParaRPr sz="3200" u="none" strike="noStrike" cap="none" dirty="0">
               <a:solidFill>
                 <a:srgbClr val="FF00FF"/>
               </a:solidFill>
@@ -14549,7 +14941,7 @@
               <a:buNone/>
             </a:pPr>
             <a:r>
-              <a:rPr lang="en-US" sz="3600" u="none" strike="noStrike" cap="none" dirty="0">
+              <a:rPr lang="en-US" sz="3200" u="none" strike="noStrike" cap="none" dirty="0">
                 <a:solidFill>
                   <a:srgbClr val="FF00FF"/>
                 </a:solidFill>
@@ -14561,7 +14953,7 @@
               <a:t>Enter the file name: </a:t>
             </a:r>
             <a:r>
-              <a:rPr lang="en-US" sz="3600" u="none" strike="noStrike" cap="none" dirty="0" err="1">
+              <a:rPr lang="en-US" sz="3200" u="none" strike="noStrike" cap="none" dirty="0" err="1">
                 <a:solidFill>
                   <a:srgbClr val="FFFF00"/>
                 </a:solidFill>
@@ -14572,7 +14964,7 @@
               </a:rPr>
               <a:t>mbox-short.txt</a:t>
             </a:r>
-            <a:endParaRPr lang="en-US" sz="3600" u="none" strike="noStrike" cap="none" dirty="0">
+            <a:endParaRPr lang="en-US" sz="3200" u="none" strike="noStrike" cap="none" dirty="0">
               <a:solidFill>
                 <a:srgbClr val="FFFF00"/>
               </a:solidFill>
@@ -14601,7 +14993,7 @@
               <a:buNone/>
             </a:pPr>
             <a:r>
-              <a:rPr lang="en-US" sz="3600" u="none" strike="noStrike" cap="none" dirty="0">
+              <a:rPr lang="en-US" sz="3200" u="none" strike="noStrike" cap="none" dirty="0">
                 <a:solidFill>
                   <a:srgbClr val="FF00FF"/>
                 </a:solidFill>
@@ -14613,7 +15005,7 @@
               <a:t>There were 27 subject lines in </a:t>
             </a:r>
             <a:r>
-              <a:rPr lang="en-US" sz="3600" u="none" strike="noStrike" cap="none" dirty="0" err="1">
+              <a:rPr lang="en-US" sz="3200" u="none" strike="noStrike" cap="none" dirty="0" err="1">
                 <a:solidFill>
                   <a:srgbClr val="FF00FF"/>
                 </a:solidFill>
@@ -14624,7 +15016,7 @@
               </a:rPr>
               <a:t>mbox-short.txt</a:t>
             </a:r>
-            <a:endParaRPr lang="en-US" sz="3600" u="none" strike="noStrike" cap="none" dirty="0">
+            <a:endParaRPr lang="en-US" sz="3200" u="none" strike="noStrike" cap="none" dirty="0">
               <a:solidFill>
                 <a:srgbClr val="FF00FF"/>
               </a:solidFill>
@@ -14670,7 +15062,7 @@
         </p:nvCxnSpPr>
         <p:spPr>
           <a:xfrm rot="10800000" flipH="1">
-            <a:off x="13096124" y="4313999"/>
+            <a:off x="12752869" y="4507764"/>
             <a:ext cx="1065300" cy="671400"/>
           </a:xfrm>
           <a:prstGeom prst="straightConnector1">
@@ -14835,7 +15227,7 @@
               <a:t>  </a:t>
             </a:r>
             <a:r>
-              <a:rPr lang="en-US" sz="2400" b="1" i="0" u="none" strike="noStrike" cap="none" dirty="0" err="1">
+              <a:rPr lang="en-US" sz="2400" i="0" u="none" strike="noStrike" cap="none" dirty="0" err="1">
                 <a:solidFill>
                   <a:srgbClr val="00FF00"/>
                 </a:solidFill>
@@ -14847,7 +15239,7 @@
               <a:t>fname</a:t>
             </a:r>
             <a:r>
-              <a:rPr lang="en-US" sz="2400" b="1" i="0" u="none" strike="noStrike" cap="none" dirty="0">
+              <a:rPr lang="en-US" sz="2400" i="0" u="none" strike="noStrike" cap="none" dirty="0">
                 <a:solidFill>
                   <a:schemeClr val="lt1"/>
                 </a:solidFill>
@@ -14859,7 +15251,7 @@
               <a:t> = </a:t>
             </a:r>
             <a:r>
-              <a:rPr lang="en-US" sz="2400" b="1" i="0" u="none" strike="noStrike" cap="none" dirty="0" smtClean="0">
+              <a:rPr lang="en-US" sz="2400" i="0" u="none" strike="noStrike" cap="none" dirty="0" smtClean="0">
                 <a:solidFill>
                   <a:srgbClr val="FF00FF"/>
                 </a:solidFill>
@@ -14871,7 +15263,7 @@
               <a:t>input</a:t>
             </a:r>
             <a:r>
-              <a:rPr lang="en-US" sz="2400" b="1" i="0" u="none" strike="noStrike" cap="none" dirty="0">
+              <a:rPr lang="en-US" sz="2400" i="0" u="none" strike="noStrike" cap="none" dirty="0">
                 <a:solidFill>
                   <a:schemeClr val="lt1"/>
                 </a:solidFill>
@@ -14902,7 +15294,7 @@
               <a:buNone/>
             </a:pPr>
             <a:r>
-              <a:rPr lang="en-US" sz="2400" b="1" dirty="0">
+              <a:rPr lang="en-US" sz="2400" dirty="0">
                 <a:solidFill>
                   <a:srgbClr val="FFFF00"/>
                 </a:solidFill>
@@ -14914,7 +15306,7 @@
               <a:t>  </a:t>
             </a:r>
             <a:r>
-              <a:rPr lang="en-US" sz="2400" b="1" i="0" u="none" strike="noStrike" cap="none" dirty="0">
+              <a:rPr lang="en-US" sz="2400" i="0" u="none" strike="noStrike" cap="none" dirty="0">
                 <a:solidFill>
                   <a:srgbClr val="FFFF00"/>
                 </a:solidFill>
@@ -14926,7 +15318,7 @@
               <a:t>try</a:t>
             </a:r>
             <a:r>
-              <a:rPr lang="en-US" sz="2400" b="1" i="0" u="none" strike="noStrike" cap="none" dirty="0">
+              <a:rPr lang="en-US" sz="2400" i="0" u="none" strike="noStrike" cap="none" dirty="0">
                 <a:solidFill>
                   <a:schemeClr val="lt1"/>
                 </a:solidFill>
@@ -14957,7 +15349,7 @@
               <a:buNone/>
             </a:pPr>
             <a:r>
-              <a:rPr lang="en-US" sz="2400" b="1" i="0" u="none" strike="noStrike" cap="none" dirty="0">
+              <a:rPr lang="en-US" sz="2400" i="0" u="none" strike="noStrike" cap="none" dirty="0">
                 <a:solidFill>
                   <a:schemeClr val="lt1"/>
                 </a:solidFill>
@@ -14969,7 +15361,7 @@
               <a:t>      </a:t>
             </a:r>
             <a:r>
-              <a:rPr lang="en-US" sz="2400" b="1" i="0" u="none" strike="noStrike" cap="none" dirty="0" err="1">
+              <a:rPr lang="en-US" sz="2400" i="0" u="none" strike="noStrike" cap="none" dirty="0" err="1">
                 <a:solidFill>
                   <a:srgbClr val="00FF00"/>
                 </a:solidFill>
@@ -14981,7 +15373,7 @@
               <a:t>fhand</a:t>
             </a:r>
             <a:r>
-              <a:rPr lang="en-US" sz="2400" b="1" i="0" u="none" strike="noStrike" cap="none" dirty="0">
+              <a:rPr lang="en-US" sz="2400" i="0" u="none" strike="noStrike" cap="none" dirty="0">
                 <a:solidFill>
                   <a:schemeClr val="lt1"/>
                 </a:solidFill>
@@ -14993,7 +15385,7 @@
               <a:t> = </a:t>
             </a:r>
             <a:r>
-              <a:rPr lang="en-US" sz="2400" b="1" i="0" u="none" strike="noStrike" cap="none" dirty="0">
+              <a:rPr lang="en-US" sz="2400" i="0" u="none" strike="noStrike" cap="none" dirty="0">
                 <a:solidFill>
                   <a:srgbClr val="FF00FF"/>
                 </a:solidFill>
@@ -15005,7 +15397,7 @@
               <a:t>open</a:t>
             </a:r>
             <a:r>
-              <a:rPr lang="en-US" sz="2400" b="1" i="0" u="none" strike="noStrike" cap="none" dirty="0">
+              <a:rPr lang="en-US" sz="2400" i="0" u="none" strike="noStrike" cap="none" dirty="0">
                 <a:solidFill>
                   <a:schemeClr val="lt1"/>
                 </a:solidFill>
@@ -15017,7 +15409,7 @@
               <a:t>(</a:t>
             </a:r>
             <a:r>
-              <a:rPr lang="en-US" sz="2400" b="1" i="0" u="none" strike="noStrike" cap="none" dirty="0" err="1">
+              <a:rPr lang="en-US" sz="2400" i="0" u="none" strike="noStrike" cap="none" dirty="0" err="1">
                 <a:solidFill>
                   <a:srgbClr val="00FF00"/>
                 </a:solidFill>
@@ -15029,7 +15421,7 @@
               <a:t>fname</a:t>
             </a:r>
             <a:r>
-              <a:rPr lang="en-US" sz="2400" b="1" i="0" u="none" strike="noStrike" cap="none" dirty="0">
+              <a:rPr lang="en-US" sz="2400" i="0" u="none" strike="noStrike" cap="none" dirty="0">
                 <a:solidFill>
                   <a:schemeClr val="lt1"/>
                 </a:solidFill>
@@ -15060,7 +15452,7 @@
               <a:buNone/>
             </a:pPr>
             <a:r>
-              <a:rPr lang="en-US" sz="2400" b="1" dirty="0">
+              <a:rPr lang="en-US" sz="2400" dirty="0">
                 <a:solidFill>
                   <a:srgbClr val="FFFF00"/>
                 </a:solidFill>
@@ -15072,7 +15464,7 @@
               <a:t>  </a:t>
             </a:r>
             <a:r>
-              <a:rPr lang="en-US" sz="2400" b="1" i="0" u="none" strike="noStrike" cap="none" dirty="0">
+              <a:rPr lang="en-US" sz="2400" i="0" u="none" strike="noStrike" cap="none" dirty="0">
                 <a:solidFill>
                   <a:srgbClr val="FFFF00"/>
                 </a:solidFill>
@@ -15084,7 +15476,7 @@
               <a:t>except</a:t>
             </a:r>
             <a:r>
-              <a:rPr lang="en-US" sz="2400" b="1" i="0" u="none" strike="noStrike" cap="none" dirty="0">
+              <a:rPr lang="en-US" sz="2400" i="0" u="none" strike="noStrike" cap="none" dirty="0">
                 <a:solidFill>
                   <a:schemeClr val="lt1"/>
                 </a:solidFill>
@@ -15104,7 +15496,7 @@
               <a:buSzPct val="25000"/>
             </a:pPr>
             <a:r>
-              <a:rPr lang="en-US" sz="2400" b="1" i="0" u="none" strike="noStrike" cap="none" dirty="0">
+              <a:rPr lang="en-US" sz="2400" i="0" u="none" strike="noStrike" cap="none" dirty="0">
                 <a:solidFill>
                   <a:schemeClr val="lt1"/>
                 </a:solidFill>
@@ -15116,7 +15508,7 @@
               <a:t>      </a:t>
             </a:r>
             <a:r>
-              <a:rPr lang="en-US" sz="2400" b="1" i="0" u="none" strike="noStrike" cap="none" dirty="0" smtClean="0">
+              <a:rPr lang="en-US" sz="2400" i="0" u="none" strike="noStrike" cap="none" dirty="0" smtClean="0">
                 <a:solidFill>
                   <a:srgbClr val="FFFF00"/>
                 </a:solidFill>
@@ -15128,7 +15520,7 @@
               <a:t>print</a:t>
             </a:r>
             <a:r>
-              <a:rPr lang="en-US" sz="2400" b="1" dirty="0">
+              <a:rPr lang="en-US" sz="2400" dirty="0">
                 <a:solidFill>
                   <a:schemeClr val="lt1"/>
                 </a:solidFill>
@@ -15140,7 +15532,7 @@
               <a:t>(</a:t>
             </a:r>
             <a:r>
-              <a:rPr lang="en-US" sz="2400" b="1" i="0" u="none" strike="noStrike" cap="none" dirty="0" smtClean="0">
+              <a:rPr lang="en-US" sz="2400" i="0" u="none" strike="noStrike" cap="none" dirty="0" smtClean="0">
                 <a:solidFill>
                   <a:schemeClr val="lt1"/>
                 </a:solidFill>
@@ -15152,7 +15544,7 @@
               <a:t>'File </a:t>
             </a:r>
             <a:r>
-              <a:rPr lang="en-US" sz="2400" b="1" i="0" u="none" strike="noStrike" cap="none" dirty="0">
+              <a:rPr lang="en-US" sz="2400" i="0" u="none" strike="noStrike" cap="none" dirty="0">
                 <a:solidFill>
                   <a:schemeClr val="lt1"/>
                 </a:solidFill>
@@ -15164,7 +15556,7 @@
               <a:t>cannot be opened:', </a:t>
             </a:r>
             <a:r>
-              <a:rPr lang="en-US" sz="2400" b="1" i="0" u="none" strike="noStrike" cap="none" dirty="0" err="1" smtClean="0">
+              <a:rPr lang="en-US" sz="2400" i="0" u="none" strike="noStrike" cap="none" dirty="0" err="1" smtClean="0">
                 <a:solidFill>
                   <a:srgbClr val="00FF00"/>
                 </a:solidFill>
@@ -15176,7 +15568,7 @@
               <a:t>fname</a:t>
             </a:r>
             <a:r>
-              <a:rPr lang="en-US" sz="2400" b="1" dirty="0">
+              <a:rPr lang="en-US" sz="2400" dirty="0">
                 <a:solidFill>
                   <a:schemeClr val="lt1"/>
                 </a:solidFill>
@@ -15187,7 +15579,7 @@
               </a:rPr>
               <a:t>)</a:t>
             </a:r>
-            <a:endParaRPr lang="en-US" sz="2400" b="1" i="0" u="none" strike="noStrike" cap="none" dirty="0">
+            <a:endParaRPr lang="en-US" sz="2400" i="0" u="none" strike="noStrike" cap="none" dirty="0">
               <a:solidFill>
                 <a:srgbClr val="00FF00"/>
               </a:solidFill>
@@ -15216,7 +15608,7 @@
               <a:buNone/>
             </a:pPr>
             <a:r>
-              <a:rPr lang="en-US" sz="2400" b="1" i="0" u="none" strike="noStrike" cap="none" dirty="0">
+              <a:rPr lang="en-US" sz="2400" i="0" u="none" strike="noStrike" cap="none" dirty="0">
                 <a:solidFill>
                   <a:schemeClr val="lt1"/>
                 </a:solidFill>
@@ -15228,7 +15620,7 @@
               <a:t>      </a:t>
             </a:r>
             <a:r>
-              <a:rPr lang="en-US" sz="2400" b="1" i="0" u="none" strike="noStrike" cap="none" dirty="0" smtClean="0">
+              <a:rPr lang="en-US" sz="2400" i="0" u="none" strike="noStrike" cap="none" dirty="0" smtClean="0">
                 <a:solidFill>
                   <a:srgbClr val="FF00FF"/>
                 </a:solidFill>
@@ -15240,7 +15632,7 @@
               <a:t>quit</a:t>
             </a:r>
             <a:r>
-              <a:rPr lang="en-US" sz="2400" b="1" i="0" u="none" strike="noStrike" cap="none" dirty="0" smtClean="0">
+              <a:rPr lang="en-US" sz="2400" i="0" u="none" strike="noStrike" cap="none" dirty="0" smtClean="0">
                 <a:solidFill>
                   <a:schemeClr val="lt1"/>
                 </a:solidFill>
@@ -15251,7 +15643,7 @@
               </a:rPr>
               <a:t>()</a:t>
             </a:r>
-            <a:endParaRPr lang="en-US" sz="2400" b="1" i="0" u="none" strike="noStrike" cap="none" dirty="0">
+            <a:endParaRPr lang="en-US" sz="2400" i="0" u="none" strike="noStrike" cap="none" dirty="0">
               <a:solidFill>
                 <a:schemeClr val="lt1"/>
               </a:solidFill>
@@ -15278,7 +15670,7 @@
               <a:buFont typeface="Cabin"/>
               <a:buNone/>
             </a:pPr>
-            <a:endParaRPr sz="2400" b="1" dirty="0">
+            <a:endParaRPr sz="2400" dirty="0">
               <a:solidFill>
                 <a:schemeClr val="lt1"/>
               </a:solidFill>
@@ -15307,7 +15699,7 @@
               <a:buNone/>
             </a:pPr>
             <a:r>
-              <a:rPr lang="en-US" sz="2400" b="1" dirty="0">
+              <a:rPr lang="en-US" sz="2400" dirty="0">
                 <a:solidFill>
                   <a:srgbClr val="00FF00"/>
                 </a:solidFill>
@@ -15319,7 +15711,7 @@
               <a:t>  </a:t>
             </a:r>
             <a:r>
-              <a:rPr lang="en-US" sz="2400" b="1" i="0" u="none" strike="noStrike" cap="none" dirty="0">
+              <a:rPr lang="en-US" sz="2400" i="0" u="none" strike="noStrike" cap="none" dirty="0">
                 <a:solidFill>
                   <a:srgbClr val="00FF00"/>
                 </a:solidFill>
@@ -15331,7 +15723,7 @@
               <a:t>count</a:t>
             </a:r>
             <a:r>
-              <a:rPr lang="en-US" sz="2400" b="1" i="0" u="none" strike="noStrike" cap="none" dirty="0">
+              <a:rPr lang="en-US" sz="2400" i="0" u="none" strike="noStrike" cap="none" dirty="0">
                 <a:solidFill>
                   <a:schemeClr val="lt1"/>
                 </a:solidFill>
@@ -15362,7 +15754,7 @@
               <a:buNone/>
             </a:pPr>
             <a:r>
-              <a:rPr lang="en-US" sz="2400" b="1" dirty="0">
+              <a:rPr lang="en-US" sz="2400" dirty="0">
                 <a:solidFill>
                   <a:srgbClr val="FFFF00"/>
                 </a:solidFill>
@@ -15374,7 +15766,7 @@
               <a:t>  </a:t>
             </a:r>
             <a:r>
-              <a:rPr lang="en-US" sz="2400" b="1" i="0" u="none" strike="noStrike" cap="none" dirty="0">
+              <a:rPr lang="en-US" sz="2400" i="0" u="none" strike="noStrike" cap="none" dirty="0">
                 <a:solidFill>
                   <a:srgbClr val="FFFF00"/>
                 </a:solidFill>
@@ -15386,7 +15778,7 @@
               <a:t>for</a:t>
             </a:r>
             <a:r>
-              <a:rPr lang="en-US" sz="2400" b="1" i="0" u="none" strike="noStrike" cap="none" dirty="0">
+              <a:rPr lang="en-US" sz="2400" i="0" u="none" strike="noStrike" cap="none" dirty="0">
                 <a:solidFill>
                   <a:schemeClr val="lt1"/>
                 </a:solidFill>
@@ -15398,7 +15790,7 @@
               <a:t> </a:t>
             </a:r>
             <a:r>
-              <a:rPr lang="en-US" sz="2400" b="1" i="0" u="none" strike="noStrike" cap="none" dirty="0">
+              <a:rPr lang="en-US" sz="2400" i="0" u="none" strike="noStrike" cap="none" dirty="0">
                 <a:solidFill>
                   <a:srgbClr val="00FF00"/>
                 </a:solidFill>
@@ -15410,7 +15802,7 @@
               <a:t>line</a:t>
             </a:r>
             <a:r>
-              <a:rPr lang="en-US" sz="2400" b="1" i="0" u="none" strike="noStrike" cap="none" dirty="0">
+              <a:rPr lang="en-US" sz="2400" i="0" u="none" strike="noStrike" cap="none" dirty="0">
                 <a:solidFill>
                   <a:schemeClr val="lt1"/>
                 </a:solidFill>
@@ -15422,7 +15814,7 @@
               <a:t> </a:t>
             </a:r>
             <a:r>
-              <a:rPr lang="en-US" sz="2400" b="1" i="0" u="none" strike="noStrike" cap="none" dirty="0">
+              <a:rPr lang="en-US" sz="2400" i="0" u="none" strike="noStrike" cap="none" dirty="0">
                 <a:solidFill>
                   <a:srgbClr val="FFFF00"/>
                 </a:solidFill>
@@ -15434,7 +15826,7 @@
               <a:t>in</a:t>
             </a:r>
             <a:r>
-              <a:rPr lang="en-US" sz="2400" b="1" i="0" u="none" strike="noStrike" cap="none" dirty="0">
+              <a:rPr lang="en-US" sz="2400" i="0" u="none" strike="noStrike" cap="none" dirty="0">
                 <a:solidFill>
                   <a:schemeClr val="lt1"/>
                 </a:solidFill>
@@ -15446,7 +15838,7 @@
               <a:t> </a:t>
             </a:r>
             <a:r>
-              <a:rPr lang="en-US" sz="2400" b="1" i="0" u="none" strike="noStrike" cap="none" dirty="0" err="1">
+              <a:rPr lang="en-US" sz="2400" i="0" u="none" strike="noStrike" cap="none" dirty="0" err="1">
                 <a:solidFill>
                   <a:srgbClr val="00FF00"/>
                 </a:solidFill>
@@ -15458,7 +15850,7 @@
               <a:t>fhand</a:t>
             </a:r>
             <a:r>
-              <a:rPr lang="en-US" sz="2400" b="1" i="0" u="none" strike="noStrike" cap="none" dirty="0">
+              <a:rPr lang="en-US" sz="2400" i="0" u="none" strike="noStrike" cap="none" dirty="0">
                 <a:solidFill>
                   <a:schemeClr val="lt1"/>
                 </a:solidFill>
@@ -15489,7 +15881,7 @@
               <a:buNone/>
             </a:pPr>
             <a:r>
-              <a:rPr lang="en-US" sz="2400" b="1" i="0" u="none" strike="noStrike" cap="none" dirty="0">
+              <a:rPr lang="en-US" sz="2400" i="0" u="none" strike="noStrike" cap="none" dirty="0">
                 <a:solidFill>
                   <a:schemeClr val="lt1"/>
                 </a:solidFill>
@@ -15501,7 +15893,7 @@
               <a:t>      </a:t>
             </a:r>
             <a:r>
-              <a:rPr lang="en-US" sz="2400" b="1" i="0" u="none" strike="noStrike" cap="none" dirty="0">
+              <a:rPr lang="en-US" sz="2400" i="0" u="none" strike="noStrike" cap="none" dirty="0">
                 <a:solidFill>
                   <a:srgbClr val="FFFF00"/>
                 </a:solidFill>
@@ -15513,7 +15905,7 @@
               <a:t>if</a:t>
             </a:r>
             <a:r>
-              <a:rPr lang="en-US" sz="2400" b="1" i="0" u="none" strike="noStrike" cap="none" dirty="0">
+              <a:rPr lang="en-US" sz="2400" i="0" u="none" strike="noStrike" cap="none" dirty="0">
                 <a:solidFill>
                   <a:schemeClr val="lt1"/>
                 </a:solidFill>
@@ -15525,7 +15917,7 @@
               <a:t> </a:t>
             </a:r>
             <a:r>
-              <a:rPr lang="en-US" sz="2400" b="1" i="0" u="none" strike="noStrike" cap="none" dirty="0" err="1">
+              <a:rPr lang="en-US" sz="2400" i="0" u="none" strike="noStrike" cap="none" dirty="0" err="1">
                 <a:solidFill>
                   <a:srgbClr val="00FF00"/>
                 </a:solidFill>
@@ -15537,7 +15929,7 @@
               <a:t>line</a:t>
             </a:r>
             <a:r>
-              <a:rPr lang="en-US" sz="2400" b="1" i="0" u="none" strike="noStrike" cap="none" dirty="0" err="1">
+              <a:rPr lang="en-US" sz="2400" i="0" u="none" strike="noStrike" cap="none" dirty="0" err="1">
                 <a:solidFill>
                   <a:srgbClr val="FF00FF"/>
                 </a:solidFill>
@@ -15549,7 +15941,7 @@
               <a:t>.startswith</a:t>
             </a:r>
             <a:r>
-              <a:rPr lang="en-US" sz="2400" b="1" i="0" u="none" strike="noStrike" cap="none" dirty="0">
+              <a:rPr lang="en-US" sz="2400" i="0" u="none" strike="noStrike" cap="none" dirty="0">
                 <a:solidFill>
                   <a:schemeClr val="lt1"/>
                 </a:solidFill>
@@ -15580,7 +15972,7 @@
               <a:buNone/>
             </a:pPr>
             <a:r>
-              <a:rPr lang="en-US" sz="2400" b="1" i="0" u="none" strike="noStrike" cap="none" dirty="0">
+              <a:rPr lang="en-US" sz="2400" i="0" u="none" strike="noStrike" cap="none" dirty="0">
                 <a:solidFill>
                   <a:schemeClr val="lt1"/>
                 </a:solidFill>
@@ -15592,7 +15984,7 @@
               <a:t>          </a:t>
             </a:r>
             <a:r>
-              <a:rPr lang="en-US" sz="2400" b="1" i="0" u="none" strike="noStrike" cap="none" dirty="0">
+              <a:rPr lang="en-US" sz="2400" i="0" u="none" strike="noStrike" cap="none" dirty="0">
                 <a:solidFill>
                   <a:srgbClr val="00FF00"/>
                 </a:solidFill>
@@ -15604,7 +15996,7 @@
               <a:t>count</a:t>
             </a:r>
             <a:r>
-              <a:rPr lang="en-US" sz="2400" b="1" i="0" u="none" strike="noStrike" cap="none" dirty="0">
+              <a:rPr lang="en-US" sz="2400" i="0" u="none" strike="noStrike" cap="none" dirty="0">
                 <a:solidFill>
                   <a:schemeClr val="lt1"/>
                 </a:solidFill>
@@ -15616,7 +16008,7 @@
               <a:t> = </a:t>
             </a:r>
             <a:r>
-              <a:rPr lang="en-US" sz="2400" b="1" i="0" u="none" strike="noStrike" cap="none" dirty="0">
+              <a:rPr lang="en-US" sz="2400" i="0" u="none" strike="noStrike" cap="none" dirty="0">
                 <a:solidFill>
                   <a:srgbClr val="00FF00"/>
                 </a:solidFill>
@@ -15628,7 +16020,7 @@
               <a:t>count</a:t>
             </a:r>
             <a:r>
-              <a:rPr lang="en-US" sz="2400" b="1" i="0" u="none" strike="noStrike" cap="none" dirty="0">
+              <a:rPr lang="en-US" sz="2400" i="0" u="none" strike="noStrike" cap="none" dirty="0">
                 <a:solidFill>
                   <a:schemeClr val="lt1"/>
                 </a:solidFill>
@@ -15648,7 +16040,7 @@
               <a:buSzPct val="25000"/>
             </a:pPr>
             <a:r>
-              <a:rPr lang="en-US" sz="2400" b="1" dirty="0">
+              <a:rPr lang="en-US" sz="2400" dirty="0">
                 <a:solidFill>
                   <a:srgbClr val="FFFF00"/>
                 </a:solidFill>
@@ -15660,7 +16052,7 @@
               <a:t>  </a:t>
             </a:r>
             <a:r>
-              <a:rPr lang="en-US" sz="2400" b="1" i="0" u="none" strike="noStrike" cap="none" dirty="0" smtClean="0">
+              <a:rPr lang="en-US" sz="2400" i="0" u="none" strike="noStrike" cap="none" dirty="0" smtClean="0">
                 <a:solidFill>
                   <a:srgbClr val="FFFF00"/>
                 </a:solidFill>
@@ -15672,7 +16064,7 @@
               <a:t>print</a:t>
             </a:r>
             <a:r>
-              <a:rPr lang="en-US" sz="2400" b="1" dirty="0">
+              <a:rPr lang="en-US" sz="2400" dirty="0">
                 <a:solidFill>
                   <a:schemeClr val="lt1"/>
                 </a:solidFill>
@@ -15684,7 +16076,7 @@
               <a:t>(</a:t>
             </a:r>
             <a:r>
-              <a:rPr lang="en-US" sz="2400" b="1" i="0" u="none" strike="noStrike" cap="none" dirty="0" smtClean="0">
+              <a:rPr lang="en-US" sz="2400" i="0" u="none" strike="noStrike" cap="none" dirty="0" smtClean="0">
                 <a:solidFill>
                   <a:schemeClr val="lt1"/>
                 </a:solidFill>
@@ -15696,7 +16088,7 @@
               <a:t>'There </a:t>
             </a:r>
             <a:r>
-              <a:rPr lang="en-US" sz="2400" b="1" i="0" u="none" strike="noStrike" cap="none" dirty="0">
+              <a:rPr lang="en-US" sz="2400" i="0" u="none" strike="noStrike" cap="none" dirty="0">
                 <a:solidFill>
                   <a:schemeClr val="lt1"/>
                 </a:solidFill>
@@ -15708,7 +16100,7 @@
               <a:t>were', </a:t>
             </a:r>
             <a:r>
-              <a:rPr lang="en-US" sz="2400" b="1" i="0" u="none" strike="noStrike" cap="none" dirty="0">
+              <a:rPr lang="en-US" sz="2400" i="0" u="none" strike="noStrike" cap="none" dirty="0">
                 <a:solidFill>
                   <a:srgbClr val="00FF00"/>
                 </a:solidFill>
@@ -15720,7 +16112,7 @@
               <a:t>count</a:t>
             </a:r>
             <a:r>
-              <a:rPr lang="en-US" sz="2400" b="1" i="0" u="none" strike="noStrike" cap="none" dirty="0">
+              <a:rPr lang="en-US" sz="2400" i="0" u="none" strike="noStrike" cap="none" dirty="0">
                 <a:solidFill>
                   <a:schemeClr val="lt1"/>
                 </a:solidFill>
@@ -15732,7 +16124,7 @@
               <a:t>, 'subject lines in', </a:t>
             </a:r>
             <a:r>
-              <a:rPr lang="en-US" sz="2400" b="1" i="0" u="none" strike="noStrike" cap="none" dirty="0" err="1" smtClean="0">
+              <a:rPr lang="en-US" sz="2400" i="0" u="none" strike="noStrike" cap="none" dirty="0" err="1" smtClean="0">
                 <a:solidFill>
                   <a:schemeClr val="lt1"/>
                 </a:solidFill>
@@ -15744,7 +16136,7 @@
               <a:t>fname</a:t>
             </a:r>
             <a:r>
-              <a:rPr lang="en-US" sz="2400" b="1" dirty="0">
+              <a:rPr lang="en-US" sz="2400" dirty="0">
                 <a:solidFill>
                   <a:schemeClr val="lt1"/>
                 </a:solidFill>
@@ -15755,7 +16147,7 @@
               </a:rPr>
               <a:t>)</a:t>
             </a:r>
-            <a:endParaRPr lang="en-US" sz="2400" b="1" i="0" u="none" strike="noStrike" cap="none" dirty="0">
+            <a:endParaRPr lang="en-US" sz="2400" i="0" u="none" strike="noStrike" cap="none" dirty="0">
               <a:solidFill>
                 <a:schemeClr val="lt1"/>
               </a:solidFill>
@@ -16881,7 +17273,7 @@
               <a:buNone/>
             </a:pPr>
             <a:r>
-              <a:rPr lang="en-US" sz="7600" u="none" strike="noStrike" cap="none">
+              <a:rPr lang="en-US" sz="7600" u="none" strike="noStrike" cap="none" dirty="0">
                 <a:solidFill>
                   <a:srgbClr val="FFFF00"/>
                 </a:solidFill>
@@ -16995,7 +17387,7 @@
               <a:buNone/>
             </a:pPr>
             <a:r>
-              <a:rPr lang="en-US" sz="2400" b="1" i="0" u="none" strike="noStrike" cap="none">
+              <a:rPr lang="en-US" sz="2400" i="0" u="none" strike="noStrike" cap="none" dirty="0">
                 <a:solidFill>
                   <a:srgbClr val="FF00FF"/>
                 </a:solidFill>
@@ -17004,7 +17396,31 @@
                 <a:cs typeface="Courier New"/>
                 <a:sym typeface="Courier New"/>
               </a:rPr>
-              <a:t>From stephen.marquard@uct.ac.za Sat Jan  5 09:14:16 2008</a:t>
+              <a:t>From </a:t>
+            </a:r>
+            <a:r>
+              <a:rPr lang="en-US" sz="2400" i="0" u="none" strike="noStrike" cap="none" dirty="0" err="1">
+                <a:solidFill>
+                  <a:srgbClr val="FF00FF"/>
+                </a:solidFill>
+                <a:latin typeface="Courier New"/>
+                <a:ea typeface="Courier New"/>
+                <a:cs typeface="Courier New"/>
+                <a:sym typeface="Courier New"/>
+              </a:rPr>
+              <a:t>stephen.marquard@uct.ac.za</a:t>
+            </a:r>
+            <a:r>
+              <a:rPr lang="en-US" sz="2400" i="0" u="none" strike="noStrike" cap="none" dirty="0">
+                <a:solidFill>
+                  <a:srgbClr val="FF00FF"/>
+                </a:solidFill>
+                <a:latin typeface="Courier New"/>
+                <a:ea typeface="Courier New"/>
+                <a:cs typeface="Courier New"/>
+                <a:sym typeface="Courier New"/>
+              </a:rPr>
+              <a:t> Sat Jan  5 09:14:16 2008</a:t>
             </a:r>
           </a:p>
           <a:p>
@@ -17026,7 +17442,7 @@
               <a:buNone/>
             </a:pPr>
             <a:r>
-              <a:rPr lang="en-US" sz="2400" b="1" i="0" u="none" strike="noStrike" cap="none">
+              <a:rPr lang="en-US" sz="2400" i="0" u="none" strike="noStrike" cap="none" dirty="0">
                 <a:solidFill>
                   <a:srgbClr val="FF00FF"/>
                 </a:solidFill>
@@ -17035,7 +17451,31 @@
                 <a:cs typeface="Courier New"/>
                 <a:sym typeface="Courier New"/>
               </a:rPr>
-              <a:t>Return-Path: &lt;postmaster@collab.sakaiproject.org&gt;</a:t>
+              <a:t>Return-Path: &lt;</a:t>
+            </a:r>
+            <a:r>
+              <a:rPr lang="en-US" sz="2400" i="0" u="none" strike="noStrike" cap="none" dirty="0" err="1">
+                <a:solidFill>
+                  <a:srgbClr val="FF00FF"/>
+                </a:solidFill>
+                <a:latin typeface="Courier New"/>
+                <a:ea typeface="Courier New"/>
+                <a:cs typeface="Courier New"/>
+                <a:sym typeface="Courier New"/>
+              </a:rPr>
+              <a:t>postmaster@collab.sakaiproject.org</a:t>
+            </a:r>
+            <a:r>
+              <a:rPr lang="en-US" sz="2400" i="0" u="none" strike="noStrike" cap="none" dirty="0">
+                <a:solidFill>
+                  <a:srgbClr val="FF00FF"/>
+                </a:solidFill>
+                <a:latin typeface="Courier New"/>
+                <a:ea typeface="Courier New"/>
+                <a:cs typeface="Courier New"/>
+                <a:sym typeface="Courier New"/>
+              </a:rPr>
+              <a:t>&gt;</a:t>
             </a:r>
           </a:p>
           <a:p>
@@ -17057,7 +17497,7 @@
               <a:buNone/>
             </a:pPr>
             <a:r>
-              <a:rPr lang="en-US" sz="2400" b="1" i="0" u="none" strike="noStrike" cap="none">
+              <a:rPr lang="en-US" sz="2400" i="0" u="none" strike="noStrike" cap="none" dirty="0">
                 <a:solidFill>
                   <a:srgbClr val="FF00FF"/>
                 </a:solidFill>
@@ -17088,7 +17528,7 @@
               <a:buNone/>
             </a:pPr>
             <a:r>
-              <a:rPr lang="en-US" sz="2400" b="1" i="0" u="none" strike="noStrike" cap="none">
+              <a:rPr lang="en-US" sz="2400" i="0" u="none" strike="noStrike" cap="none" dirty="0">
                 <a:solidFill>
                   <a:srgbClr val="FF00FF"/>
                 </a:solidFill>
@@ -17097,29 +17537,10 @@
                 <a:cs typeface="Courier New"/>
                 <a:sym typeface="Courier New"/>
               </a:rPr>
-              <a:t>To: source@collab.sakaiproject.org</a:t>
-            </a:r>
-          </a:p>
-          <a:p>
-            <a:pPr marL="0" marR="0" lvl="0" indent="0" algn="l" rtl="0">
-              <a:lnSpc>
-                <a:spcPct val="100000"/>
-              </a:lnSpc>
-              <a:spcBef>
-                <a:spcPts val="0"/>
-              </a:spcBef>
-              <a:spcAft>
-                <a:spcPts val="0"/>
-              </a:spcAft>
-              <a:buClr>
-                <a:srgbClr val="FF00FF"/>
-              </a:buClr>
-              <a:buSzPct val="25000"/>
-              <a:buFont typeface="Cabin"/>
-              <a:buNone/>
-            </a:pPr>
-            <a:r>
-              <a:rPr lang="en-US" sz="2400" b="1" i="0" u="none" strike="noStrike" cap="none">
+              <a:t>To: </a:t>
+            </a:r>
+            <a:r>
+              <a:rPr lang="en-US" sz="2400" i="0" u="none" strike="noStrike" cap="none" dirty="0" err="1">
                 <a:solidFill>
                   <a:srgbClr val="FF00FF"/>
                 </a:solidFill>
@@ -17128,58 +17549,9 @@
                 <a:cs typeface="Courier New"/>
                 <a:sym typeface="Courier New"/>
               </a:rPr>
-              <a:t>From: stephen.marquard@uct.ac.za</a:t>
-            </a:r>
-          </a:p>
-          <a:p>
-            <a:pPr marL="0" marR="0" lvl="0" indent="0" algn="l" rtl="0">
-              <a:lnSpc>
-                <a:spcPct val="100000"/>
-              </a:lnSpc>
-              <a:spcBef>
-                <a:spcPts val="0"/>
-              </a:spcBef>
-              <a:spcAft>
-                <a:spcPts val="0"/>
-              </a:spcAft>
-              <a:buClr>
-                <a:srgbClr val="FF00FF"/>
-              </a:buClr>
-              <a:buSzPct val="25000"/>
-              <a:buFont typeface="Cabin"/>
-              <a:buNone/>
-            </a:pPr>
-            <a:r>
-              <a:rPr lang="en-US" sz="2400" b="1" i="0" u="none" strike="noStrike" cap="none">
-                <a:solidFill>
-                  <a:srgbClr val="FF00FF"/>
-                </a:solidFill>
-                <a:latin typeface="Courier New"/>
-                <a:ea typeface="Courier New"/>
-                <a:cs typeface="Courier New"/>
-                <a:sym typeface="Courier New"/>
-              </a:rPr>
-              <a:t>Subject: [sakai] svn commit: r39772 - content/branches/</a:t>
-            </a:r>
-          </a:p>
-          <a:p>
-            <a:pPr marL="0" marR="0" lvl="0" indent="0" algn="l" rtl="0">
-              <a:lnSpc>
-                <a:spcPct val="100000"/>
-              </a:lnSpc>
-              <a:spcBef>
-                <a:spcPts val="0"/>
-              </a:spcBef>
-              <a:spcAft>
-                <a:spcPts val="0"/>
-              </a:spcAft>
-              <a:buClr>
-                <a:srgbClr val="FF00FF"/>
-              </a:buClr>
-              <a:buFont typeface="Cabin"/>
-              <a:buNone/>
-            </a:pPr>
-            <a:endParaRPr sz="2400" b="1">
+              <a:t>source@collab.sakaiproject.org</a:t>
+            </a:r>
+            <a:endParaRPr lang="en-US" sz="2400" i="0" u="none" strike="noStrike" cap="none" dirty="0">
               <a:solidFill>
                 <a:srgbClr val="FF00FF"/>
               </a:solidFill>
@@ -17208,7 +17580,7 @@
               <a:buNone/>
             </a:pPr>
             <a:r>
-              <a:rPr lang="en-US" sz="2400" b="1" i="0" u="none" strike="noStrike" cap="none">
+              <a:rPr lang="en-US" sz="2400" i="0" u="none" strike="noStrike" cap="none" dirty="0">
                 <a:solidFill>
                   <a:srgbClr val="FF00FF"/>
                 </a:solidFill>
@@ -17217,10 +17589,168 @@
                 <a:cs typeface="Courier New"/>
                 <a:sym typeface="Courier New"/>
               </a:rPr>
+              <a:t>From: </a:t>
+            </a:r>
+            <a:r>
+              <a:rPr lang="en-US" sz="2400" i="0" u="none" strike="noStrike" cap="none" dirty="0" err="1">
+                <a:solidFill>
+                  <a:srgbClr val="FF00FF"/>
+                </a:solidFill>
+                <a:latin typeface="Courier New"/>
+                <a:ea typeface="Courier New"/>
+                <a:cs typeface="Courier New"/>
+                <a:sym typeface="Courier New"/>
+              </a:rPr>
+              <a:t>stephen.marquard@uct.ac.za</a:t>
+            </a:r>
+            <a:endParaRPr lang="en-US" sz="2400" i="0" u="none" strike="noStrike" cap="none" dirty="0">
+              <a:solidFill>
+                <a:srgbClr val="FF00FF"/>
+              </a:solidFill>
+              <a:latin typeface="Courier New"/>
+              <a:ea typeface="Courier New"/>
+              <a:cs typeface="Courier New"/>
+              <a:sym typeface="Courier New"/>
+            </a:endParaRPr>
+          </a:p>
+          <a:p>
+            <a:pPr marL="0" marR="0" lvl="0" indent="0" algn="l" rtl="0">
+              <a:lnSpc>
+                <a:spcPct val="100000"/>
+              </a:lnSpc>
+              <a:spcBef>
+                <a:spcPts val="0"/>
+              </a:spcBef>
+              <a:spcAft>
+                <a:spcPts val="0"/>
+              </a:spcAft>
+              <a:buClr>
+                <a:srgbClr val="FF00FF"/>
+              </a:buClr>
+              <a:buSzPct val="25000"/>
+              <a:buFont typeface="Cabin"/>
+              <a:buNone/>
+            </a:pPr>
+            <a:r>
+              <a:rPr lang="en-US" sz="2400" i="0" u="none" strike="noStrike" cap="none" dirty="0">
+                <a:solidFill>
+                  <a:srgbClr val="FF00FF"/>
+                </a:solidFill>
+                <a:latin typeface="Courier New"/>
+                <a:ea typeface="Courier New"/>
+                <a:cs typeface="Courier New"/>
+                <a:sym typeface="Courier New"/>
+              </a:rPr>
+              <a:t>Subject: [</a:t>
+            </a:r>
+            <a:r>
+              <a:rPr lang="en-US" sz="2400" i="0" u="none" strike="noStrike" cap="none" dirty="0" err="1">
+                <a:solidFill>
+                  <a:srgbClr val="FF00FF"/>
+                </a:solidFill>
+                <a:latin typeface="Courier New"/>
+                <a:ea typeface="Courier New"/>
+                <a:cs typeface="Courier New"/>
+                <a:sym typeface="Courier New"/>
+              </a:rPr>
+              <a:t>sakai</a:t>
+            </a:r>
+            <a:r>
+              <a:rPr lang="en-US" sz="2400" i="0" u="none" strike="noStrike" cap="none" dirty="0">
+                <a:solidFill>
+                  <a:srgbClr val="FF00FF"/>
+                </a:solidFill>
+                <a:latin typeface="Courier New"/>
+                <a:ea typeface="Courier New"/>
+                <a:cs typeface="Courier New"/>
+                <a:sym typeface="Courier New"/>
+              </a:rPr>
+              <a:t>] </a:t>
+            </a:r>
+            <a:r>
+              <a:rPr lang="en-US" sz="2400" i="0" u="none" strike="noStrike" cap="none" dirty="0" err="1">
+                <a:solidFill>
+                  <a:srgbClr val="FF00FF"/>
+                </a:solidFill>
+                <a:latin typeface="Courier New"/>
+                <a:ea typeface="Courier New"/>
+                <a:cs typeface="Courier New"/>
+                <a:sym typeface="Courier New"/>
+              </a:rPr>
+              <a:t>svn</a:t>
+            </a:r>
+            <a:r>
+              <a:rPr lang="en-US" sz="2400" i="0" u="none" strike="noStrike" cap="none" dirty="0">
+                <a:solidFill>
+                  <a:srgbClr val="FF00FF"/>
+                </a:solidFill>
+                <a:latin typeface="Courier New"/>
+                <a:ea typeface="Courier New"/>
+                <a:cs typeface="Courier New"/>
+                <a:sym typeface="Courier New"/>
+              </a:rPr>
+              <a:t> commit: r39772 - content/branches/</a:t>
+            </a:r>
+          </a:p>
+          <a:p>
+            <a:pPr marL="0" marR="0" lvl="0" indent="0" algn="l" rtl="0">
+              <a:lnSpc>
+                <a:spcPct val="100000"/>
+              </a:lnSpc>
+              <a:spcBef>
+                <a:spcPts val="0"/>
+              </a:spcBef>
+              <a:spcAft>
+                <a:spcPts val="0"/>
+              </a:spcAft>
+              <a:buClr>
+                <a:srgbClr val="FF00FF"/>
+              </a:buClr>
+              <a:buFont typeface="Cabin"/>
+              <a:buNone/>
+            </a:pPr>
+            <a:endParaRPr sz="2400" dirty="0">
+              <a:solidFill>
+                <a:srgbClr val="FF00FF"/>
+              </a:solidFill>
+              <a:latin typeface="Courier New"/>
+              <a:ea typeface="Courier New"/>
+              <a:cs typeface="Courier New"/>
+              <a:sym typeface="Courier New"/>
+            </a:endParaRPr>
+          </a:p>
+          <a:p>
+            <a:pPr marL="0" marR="0" lvl="0" indent="0" algn="l" rtl="0">
+              <a:lnSpc>
+                <a:spcPct val="100000"/>
+              </a:lnSpc>
+              <a:spcBef>
+                <a:spcPts val="0"/>
+              </a:spcBef>
+              <a:spcAft>
+                <a:spcPts val="0"/>
+              </a:spcAft>
+              <a:buClr>
+                <a:srgbClr val="FF00FF"/>
+              </a:buClr>
+              <a:buSzPct val="25000"/>
+              <a:buFont typeface="Cabin"/>
+              <a:buNone/>
+            </a:pPr>
+            <a:r>
+              <a:rPr lang="en-US" sz="2400" i="0" u="none" strike="noStrike" cap="none" dirty="0">
+                <a:solidFill>
+                  <a:srgbClr val="FF00FF"/>
+                </a:solidFill>
+                <a:latin typeface="Courier New"/>
+                <a:ea typeface="Courier New"/>
+                <a:cs typeface="Courier New"/>
+                <a:sym typeface="Courier New"/>
+              </a:rPr>
               <a:t>Details:</a:t>
             </a:r>
             <a:r>
-              <a:rPr lang="en-US" sz="2400" b="1">
+              <a:rPr lang="en-US" sz="2400" dirty="0">
                 <a:solidFill>
                   <a:srgbClr val="FF00FF"/>
                 </a:solidFill>
@@ -17232,7 +17762,7 @@
               <a:t> </a:t>
             </a:r>
             <a:r>
-              <a:rPr lang="en-US" sz="2400" b="1" i="0" u="none" strike="noStrike" cap="none">
+              <a:rPr lang="en-US" sz="2400" i="0" u="none" strike="noStrike" cap="none" dirty="0">
                 <a:solidFill>
                   <a:srgbClr val="FF00FF"/>
                 </a:solidFill>
@@ -17241,7 +17771,79 @@
                 <a:cs typeface="Courier New"/>
                 <a:sym typeface="Courier New"/>
               </a:rPr>
-              <a:t>http://source.sakaiproject.org/viewsvn/?view=rev&amp;rev=39772</a:t>
+              <a:t>http://</a:t>
+            </a:r>
+            <a:r>
+              <a:rPr lang="en-US" sz="2400" i="0" u="none" strike="noStrike" cap="none" dirty="0" err="1">
+                <a:solidFill>
+                  <a:srgbClr val="FF00FF"/>
+                </a:solidFill>
+                <a:latin typeface="Courier New"/>
+                <a:ea typeface="Courier New"/>
+                <a:cs typeface="Courier New"/>
+                <a:sym typeface="Courier New"/>
+              </a:rPr>
+              <a:t>source.sakaiproject.org</a:t>
+            </a:r>
+            <a:r>
+              <a:rPr lang="en-US" sz="2400" i="0" u="none" strike="noStrike" cap="none" dirty="0">
+                <a:solidFill>
+                  <a:srgbClr val="FF00FF"/>
+                </a:solidFill>
+                <a:latin typeface="Courier New"/>
+                <a:ea typeface="Courier New"/>
+                <a:cs typeface="Courier New"/>
+                <a:sym typeface="Courier New"/>
+              </a:rPr>
+              <a:t>/</a:t>
+            </a:r>
+            <a:r>
+              <a:rPr lang="en-US" sz="2400" i="0" u="none" strike="noStrike" cap="none" dirty="0" err="1">
+                <a:solidFill>
+                  <a:srgbClr val="FF00FF"/>
+                </a:solidFill>
+                <a:latin typeface="Courier New"/>
+                <a:ea typeface="Courier New"/>
+                <a:cs typeface="Courier New"/>
+                <a:sym typeface="Courier New"/>
+              </a:rPr>
+              <a:t>viewsvn</a:t>
+            </a:r>
+            <a:r>
+              <a:rPr lang="en-US" sz="2400" i="0" u="none" strike="noStrike" cap="none" dirty="0">
+                <a:solidFill>
+                  <a:srgbClr val="FF00FF"/>
+                </a:solidFill>
+                <a:latin typeface="Courier New"/>
+                <a:ea typeface="Courier New"/>
+                <a:cs typeface="Courier New"/>
+                <a:sym typeface="Courier New"/>
+              </a:rPr>
+              <a:t>/?view=</a:t>
+            </a:r>
+            <a:r>
+              <a:rPr lang="en-US" sz="2400" i="0" u="none" strike="noStrike" cap="none" dirty="0" err="1">
+                <a:solidFill>
+                  <a:srgbClr val="FF00FF"/>
+                </a:solidFill>
+                <a:latin typeface="Courier New"/>
+                <a:ea typeface="Courier New"/>
+                <a:cs typeface="Courier New"/>
+                <a:sym typeface="Courier New"/>
+              </a:rPr>
+              <a:t>rev&amp;rev</a:t>
+            </a:r>
+            <a:r>
+              <a:rPr lang="en-US" sz="2400" i="0" u="none" strike="noStrike" cap="none" dirty="0">
+                <a:solidFill>
+                  <a:srgbClr val="FF00FF"/>
+                </a:solidFill>
+                <a:latin typeface="Courier New"/>
+                <a:ea typeface="Courier New"/>
+                <a:cs typeface="Courier New"/>
+                <a:sym typeface="Courier New"/>
+              </a:rPr>
+              <a:t>=39772</a:t>
             </a:r>
           </a:p>
         </p:txBody>
@@ -17796,6 +18398,10 @@
           </p:nvPr>
         </p:nvSpPr>
         <p:spPr>
+          <a:xfrm>
+            <a:off x="1155700" y="2603500"/>
+            <a:ext cx="12837675" cy="5702399"/>
+          </a:xfrm>
           <a:prstGeom prst="rect">
             <a:avLst/>
           </a:prstGeom>
@@ -17810,12 +18416,137 @@
           </a:bodyPr>
           <a:lstStyle/>
           <a:p>
-            <a:pPr marL="749300" marR="0" lvl="0" indent="-371094" algn="l" rtl="0">
+            <a:pPr marL="1041400" lvl="1" indent="-371094">
+              <a:buClr>
+                <a:srgbClr val="FF7F00"/>
+              </a:buClr>
+              <a:buSzPct val="100000"/>
+            </a:pPr>
+            <a:r>
+              <a:rPr lang="en-US" sz="3600" dirty="0" smtClean="0">
+                <a:solidFill>
+                  <a:srgbClr val="FF7F00"/>
+                </a:solidFill>
+                <a:latin typeface="Arial" charset="0"/>
+                <a:ea typeface="Arial" charset="0"/>
+                <a:cs typeface="Arial" charset="0"/>
+                <a:sym typeface="Cabin"/>
+              </a:rPr>
+              <a:t>handle</a:t>
+            </a:r>
+            <a:r>
+              <a:rPr lang="en-US" sz="3600" dirty="0" smtClean="0">
+                <a:solidFill>
+                  <a:schemeClr val="lt1"/>
+                </a:solidFill>
+                <a:latin typeface="Arial" charset="0"/>
+                <a:ea typeface="Arial" charset="0"/>
+                <a:cs typeface="Arial" charset="0"/>
+                <a:sym typeface="Cabin"/>
+              </a:rPr>
+              <a:t> </a:t>
+            </a:r>
+            <a:r>
+              <a:rPr lang="en-US" sz="3600" dirty="0">
+                <a:solidFill>
+                  <a:schemeClr val="lt1"/>
+                </a:solidFill>
+                <a:latin typeface="Arial" charset="0"/>
+                <a:ea typeface="Arial" charset="0"/>
+                <a:cs typeface="Arial" charset="0"/>
+                <a:sym typeface="Cabin"/>
+              </a:rPr>
+              <a:t>= </a:t>
+            </a:r>
+            <a:r>
+              <a:rPr lang="en-US" sz="3600" dirty="0">
+                <a:solidFill>
+                  <a:srgbClr val="FF00FF"/>
+                </a:solidFill>
+                <a:latin typeface="Arial" charset="0"/>
+                <a:ea typeface="Arial" charset="0"/>
+                <a:cs typeface="Arial" charset="0"/>
+                <a:sym typeface="Cabin"/>
+              </a:rPr>
+              <a:t>open</a:t>
+            </a:r>
+            <a:r>
+              <a:rPr lang="en-US" sz="3600" dirty="0">
+                <a:solidFill>
+                  <a:schemeClr val="lt1"/>
+                </a:solidFill>
+                <a:latin typeface="Arial" charset="0"/>
+                <a:ea typeface="Arial" charset="0"/>
+                <a:cs typeface="Arial" charset="0"/>
+                <a:sym typeface="Cabin"/>
+              </a:rPr>
+              <a:t>(</a:t>
+            </a:r>
+            <a:r>
+              <a:rPr lang="en-US" sz="3600" dirty="0">
+                <a:solidFill>
+                  <a:srgbClr val="00FFFF"/>
+                </a:solidFill>
+                <a:latin typeface="Arial" charset="0"/>
+                <a:ea typeface="Arial" charset="0"/>
+                <a:cs typeface="Arial" charset="0"/>
+                <a:sym typeface="Cabin"/>
+              </a:rPr>
+              <a:t>filename</a:t>
+            </a:r>
+            <a:r>
+              <a:rPr lang="en-US" sz="3600" dirty="0">
+                <a:solidFill>
+                  <a:schemeClr val="lt1"/>
+                </a:solidFill>
+                <a:latin typeface="Arial" charset="0"/>
+                <a:ea typeface="Arial" charset="0"/>
+                <a:cs typeface="Arial" charset="0"/>
+                <a:sym typeface="Cabin"/>
+              </a:rPr>
+              <a:t>, </a:t>
+            </a:r>
+            <a:r>
+              <a:rPr lang="en-US" sz="3600" dirty="0">
+                <a:solidFill>
+                  <a:srgbClr val="FFFF00"/>
+                </a:solidFill>
+                <a:latin typeface="Arial" charset="0"/>
+                <a:ea typeface="Arial" charset="0"/>
+                <a:cs typeface="Arial" charset="0"/>
+                <a:sym typeface="Cabin"/>
+              </a:rPr>
+              <a:t>mode</a:t>
+            </a:r>
+            <a:r>
+              <a:rPr lang="en-US" sz="3600" dirty="0" smtClean="0">
+                <a:solidFill>
+                  <a:schemeClr val="lt1"/>
+                </a:solidFill>
+                <a:latin typeface="Arial" charset="0"/>
+                <a:ea typeface="Arial" charset="0"/>
+                <a:cs typeface="Arial" charset="0"/>
+                <a:sym typeface="Cabin"/>
+              </a:rPr>
+              <a:t>)</a:t>
+            </a:r>
+            <a:endParaRPr lang="en-US" sz="3600" u="none" strike="noStrike" cap="none" dirty="0" smtClean="0">
+              <a:solidFill>
+                <a:srgbClr val="FF7F00"/>
+              </a:solidFill>
+              <a:latin typeface="Arial" charset="0"/>
+              <a:ea typeface="Arial" charset="0"/>
+              <a:cs typeface="Arial" charset="0"/>
+              <a:sym typeface="Cabin"/>
+            </a:endParaRPr>
+          </a:p>
+          <a:p>
+            <a:pPr marL="1041400" marR="0" lvl="1" indent="-371094" algn="l" rtl="0">
               <a:lnSpc>
                 <a:spcPct val="100000"/>
               </a:lnSpc>
               <a:spcBef>
-                <a:spcPts val="0"/>
+                <a:spcPts val="3500"/>
               </a:spcBef>
               <a:spcAft>
                 <a:spcPts val="0"/>
@@ -17825,10 +18556,9 @@
               </a:buClr>
               <a:buSzPct val="100000"/>
               <a:buFont typeface="Cabin"/>
-              <a:buChar char="•"/>
-            </a:pPr>
-            <a:r>
-              <a:rPr lang="en-US" sz="3600" u="none" strike="noStrike" cap="none">
+            </a:pPr>
+            <a:r>
+              <a:rPr lang="en-US" sz="3600" u="none" strike="noStrike" cap="none" dirty="0" smtClean="0">
                 <a:solidFill>
                   <a:srgbClr val="FF7F00"/>
                 </a:solidFill>
@@ -17837,121 +18567,19 @@
                 <a:cs typeface="Arial" charset="0"/>
                 <a:sym typeface="Cabin"/>
               </a:rPr>
-              <a:t>handle</a:t>
-            </a:r>
-            <a:r>
-              <a:rPr lang="en-US" sz="3600" u="none" strike="noStrike" cap="none">
-                <a:solidFill>
-                  <a:schemeClr val="lt1"/>
+              <a:t>returns </a:t>
+            </a:r>
+            <a:r>
+              <a:rPr lang="en-US" sz="3600" u="none" strike="noStrike" cap="none" dirty="0">
+                <a:solidFill>
+                  <a:srgbClr val="FF7F00"/>
                 </a:solidFill>
                 <a:latin typeface="Arial" charset="0"/>
                 <a:ea typeface="Arial" charset="0"/>
                 <a:cs typeface="Arial" charset="0"/>
                 <a:sym typeface="Cabin"/>
               </a:rPr>
-              <a:t> = </a:t>
-            </a:r>
-            <a:r>
-              <a:rPr lang="en-US" sz="3600" u="none" strike="noStrike" cap="none">
-                <a:solidFill>
-                  <a:srgbClr val="FF00FF"/>
-                </a:solidFill>
-                <a:latin typeface="Arial" charset="0"/>
-                <a:ea typeface="Arial" charset="0"/>
-                <a:cs typeface="Arial" charset="0"/>
-                <a:sym typeface="Cabin"/>
-              </a:rPr>
-              <a:t>open</a:t>
-            </a:r>
-            <a:r>
-              <a:rPr lang="en-US" sz="3600" u="none" strike="noStrike" cap="none">
-                <a:solidFill>
-                  <a:schemeClr val="lt1"/>
-                </a:solidFill>
-                <a:latin typeface="Arial" charset="0"/>
-                <a:ea typeface="Arial" charset="0"/>
-                <a:cs typeface="Arial" charset="0"/>
-                <a:sym typeface="Cabin"/>
-              </a:rPr>
-              <a:t>(</a:t>
-            </a:r>
-            <a:r>
-              <a:rPr lang="en-US" sz="3600" u="none" strike="noStrike" cap="none">
-                <a:solidFill>
-                  <a:srgbClr val="00FFFF"/>
-                </a:solidFill>
-                <a:latin typeface="Arial" charset="0"/>
-                <a:ea typeface="Arial" charset="0"/>
-                <a:cs typeface="Arial" charset="0"/>
-                <a:sym typeface="Cabin"/>
-              </a:rPr>
-              <a:t>filename</a:t>
-            </a:r>
-            <a:r>
-              <a:rPr lang="en-US" sz="3600" u="none" strike="noStrike" cap="none">
-                <a:solidFill>
-                  <a:schemeClr val="lt1"/>
-                </a:solidFill>
-                <a:latin typeface="Arial" charset="0"/>
-                <a:ea typeface="Arial" charset="0"/>
-                <a:cs typeface="Arial" charset="0"/>
-                <a:sym typeface="Cabin"/>
-              </a:rPr>
-              <a:t>, </a:t>
-            </a:r>
-            <a:r>
-              <a:rPr lang="en-US" sz="3600" u="none" strike="noStrike" cap="none">
-                <a:solidFill>
-                  <a:srgbClr val="FFFF00"/>
-                </a:solidFill>
-                <a:latin typeface="Arial" charset="0"/>
-                <a:ea typeface="Arial" charset="0"/>
-                <a:cs typeface="Arial" charset="0"/>
-                <a:sym typeface="Cabin"/>
-              </a:rPr>
-              <a:t>mode</a:t>
-            </a:r>
-            <a:r>
-              <a:rPr lang="en-US" sz="3600" u="none" strike="noStrike" cap="none">
-                <a:solidFill>
-                  <a:schemeClr val="lt1"/>
-                </a:solidFill>
-                <a:latin typeface="Arial" charset="0"/>
-                <a:ea typeface="Arial" charset="0"/>
-                <a:cs typeface="Arial" charset="0"/>
-                <a:sym typeface="Cabin"/>
-              </a:rPr>
-              <a:t>)</a:t>
-            </a:r>
-          </a:p>
-          <a:p>
-            <a:pPr marL="1041400" marR="0" lvl="1" indent="-371094" algn="l" rtl="0">
-              <a:lnSpc>
-                <a:spcPct val="100000"/>
-              </a:lnSpc>
-              <a:spcBef>
-                <a:spcPts val="3500"/>
-              </a:spcBef>
-              <a:spcAft>
-                <a:spcPts val="0"/>
-              </a:spcAft>
-              <a:buClr>
-                <a:srgbClr val="FF7F00"/>
-              </a:buClr>
-              <a:buSzPct val="100000"/>
-              <a:buFont typeface="Cabin"/>
-            </a:pPr>
-            <a:r>
-              <a:rPr lang="en-US" sz="3600" u="none" strike="noStrike" cap="none">
-                <a:solidFill>
-                  <a:srgbClr val="FF7F00"/>
-                </a:solidFill>
-                <a:latin typeface="Arial" charset="0"/>
-                <a:ea typeface="Arial" charset="0"/>
-                <a:cs typeface="Arial" charset="0"/>
-                <a:sym typeface="Cabin"/>
-              </a:rPr>
-              <a:t>returns a handle use to manipulate the file</a:t>
+              <a:t>a handle use to manipulate the file</a:t>
             </a:r>
           </a:p>
           <a:p>
@@ -17972,7 +18600,7 @@
               <a:buFont typeface="Cabin"/>
             </a:pPr>
             <a:r>
-              <a:rPr lang="en-US" sz="3600" u="none" strike="noStrike" cap="none">
+              <a:rPr lang="en-US" sz="3600" u="none" strike="noStrike" cap="none" dirty="0">
                 <a:solidFill>
                   <a:srgbClr val="00FFFF"/>
                 </a:solidFill>
@@ -18002,7 +18630,7 @@
               <a:buFont typeface="Cabin"/>
             </a:pPr>
             <a:r>
-              <a:rPr lang="en-US" sz="3600" u="none" strike="noStrike" cap="none">
+              <a:rPr lang="en-US" sz="3600" u="none" strike="noStrike" cap="none" dirty="0">
                 <a:solidFill>
                   <a:srgbClr val="FFFF00"/>
                 </a:solidFill>
@@ -18282,7 +18910,7 @@
               <a:buNone/>
             </a:pPr>
             <a:r>
-              <a:rPr lang="en-US" sz="2600" b="1" i="0" u="none" strike="noStrike" cap="none" dirty="0">
+              <a:rPr lang="en-US" sz="2800" i="0" u="none" strike="noStrike" cap="none" dirty="0">
                 <a:solidFill>
                   <a:schemeClr val="lt1"/>
                 </a:solidFill>
@@ -18294,7 +18922,7 @@
               <a:t>&gt;&gt;&gt; </a:t>
             </a:r>
             <a:r>
-              <a:rPr lang="en-US" sz="2600" b="1" i="0" u="none" strike="noStrike" cap="none" dirty="0" err="1">
+              <a:rPr lang="en-US" sz="2800" i="0" u="none" strike="noStrike" cap="none" dirty="0" err="1">
                 <a:solidFill>
                   <a:srgbClr val="00FF00"/>
                 </a:solidFill>
@@ -18306,7 +18934,7 @@
               <a:t>fhand</a:t>
             </a:r>
             <a:r>
-              <a:rPr lang="en-US" sz="2600" b="1" i="0" u="none" strike="noStrike" cap="none" dirty="0">
+              <a:rPr lang="en-US" sz="2800" i="0" u="none" strike="noStrike" cap="none" dirty="0">
                 <a:solidFill>
                   <a:schemeClr val="lt1"/>
                 </a:solidFill>
@@ -18318,7 +18946,7 @@
               <a:t> = </a:t>
             </a:r>
             <a:r>
-              <a:rPr lang="en-US" sz="2600" b="1" i="0" u="none" strike="noStrike" cap="none" dirty="0">
+              <a:rPr lang="en-US" sz="2800" i="0" u="none" strike="noStrike" cap="none" dirty="0">
                 <a:solidFill>
                   <a:srgbClr val="FF7F00"/>
                 </a:solidFill>
@@ -18330,7 +18958,7 @@
               <a:t>open</a:t>
             </a:r>
             <a:r>
-              <a:rPr lang="en-US" sz="2600" b="1" i="0" u="none" strike="noStrike" cap="none" dirty="0">
+              <a:rPr lang="en-US" sz="2800" i="0" u="none" strike="noStrike" cap="none" dirty="0">
                 <a:solidFill>
                   <a:schemeClr val="lt1"/>
                 </a:solidFill>
@@ -18342,7 +18970,7 @@
               <a:t>(</a:t>
             </a:r>
             <a:r>
-              <a:rPr lang="en-US" sz="2600" b="1" i="0" u="none" strike="noStrike" cap="none" dirty="0">
+              <a:rPr lang="en-US" sz="2800" i="0" u="none" strike="noStrike" cap="none" dirty="0">
                 <a:solidFill>
                   <a:srgbClr val="FF7F00"/>
                 </a:solidFill>
@@ -18354,7 +18982,7 @@
               <a:t>'</a:t>
             </a:r>
             <a:r>
-              <a:rPr lang="en-US" sz="2600" b="1" i="0" u="none" strike="noStrike" cap="none" dirty="0" err="1">
+              <a:rPr lang="en-US" sz="2800" i="0" u="none" strike="noStrike" cap="none" dirty="0" err="1">
                 <a:solidFill>
                   <a:srgbClr val="FF7F00"/>
                 </a:solidFill>
@@ -18366,7 +18994,7 @@
               <a:t>mbox.txt</a:t>
             </a:r>
             <a:r>
-              <a:rPr lang="en-US" sz="2600" b="1" i="0" u="none" strike="noStrike" cap="none" dirty="0">
+              <a:rPr lang="en-US" sz="2800" i="0" u="none" strike="noStrike" cap="none" dirty="0">
                 <a:solidFill>
                   <a:srgbClr val="FF7F00"/>
                 </a:solidFill>
@@ -18378,7 +19006,7 @@
               <a:t>'</a:t>
             </a:r>
             <a:r>
-              <a:rPr lang="en-US" sz="2600" b="1" i="0" u="none" strike="noStrike" cap="none" dirty="0">
+              <a:rPr lang="en-US" sz="2800" i="0" u="none" strike="noStrike" cap="none" dirty="0">
                 <a:solidFill>
                   <a:schemeClr val="lt1"/>
                 </a:solidFill>
@@ -18409,7 +19037,7 @@
               <a:buNone/>
             </a:pPr>
             <a:r>
-              <a:rPr lang="en-US" sz="2600" b="1" i="0" u="none" strike="noStrike" cap="none" dirty="0">
+              <a:rPr lang="en-US" sz="2800" i="0" u="none" strike="noStrike" cap="none" dirty="0">
                 <a:solidFill>
                   <a:schemeClr val="lt1"/>
                 </a:solidFill>
@@ -18421,7 +19049,7 @@
               <a:t>&gt;&gt;&gt; </a:t>
             </a:r>
             <a:r>
-              <a:rPr lang="en-US" sz="2600" b="1" i="0" u="none" strike="noStrike" cap="none" dirty="0">
+              <a:rPr lang="en-US" sz="2800" i="0" u="none" strike="noStrike" cap="none" dirty="0">
                 <a:solidFill>
                   <a:srgbClr val="FFFF00"/>
                 </a:solidFill>
@@ -18433,7 +19061,7 @@
               <a:t>print</a:t>
             </a:r>
             <a:r>
-              <a:rPr lang="en-US" sz="2600" b="1" i="0" u="none" strike="noStrike" cap="none" dirty="0">
+              <a:rPr lang="en-US" sz="2800" i="0" u="none" strike="noStrike" cap="none" dirty="0">
                 <a:solidFill>
                   <a:schemeClr val="lt1"/>
                 </a:solidFill>
@@ -18445,7 +19073,7 @@
               <a:t> </a:t>
             </a:r>
             <a:r>
-              <a:rPr lang="en-US" sz="2600" b="1" i="0" u="none" strike="noStrike" cap="none" dirty="0" err="1">
+              <a:rPr lang="en-US" sz="2800" i="0" u="none" strike="noStrike" cap="none" dirty="0" err="1">
                 <a:solidFill>
                   <a:srgbClr val="FF00FF"/>
                 </a:solidFill>
@@ -18456,7 +19084,7 @@
               </a:rPr>
               <a:t>fhand</a:t>
             </a:r>
-            <a:endParaRPr lang="en-US" sz="2600" b="1" i="0" u="none" strike="noStrike" cap="none" dirty="0">
+            <a:endParaRPr lang="en-US" sz="2800" i="0" u="none" strike="noStrike" cap="none" dirty="0">
               <a:solidFill>
                 <a:srgbClr val="FF00FF"/>
               </a:solidFill>
@@ -18474,7 +19102,7 @@
               <a:buSzPct val="25000"/>
             </a:pPr>
             <a:r>
-              <a:rPr lang="en-US" sz="2600" b="1" dirty="0" smtClean="0">
+              <a:rPr lang="en-US" sz="2800" dirty="0" smtClean="0">
                 <a:solidFill>
                   <a:schemeClr val="lt1"/>
                 </a:solidFill>
@@ -18486,7 +19114,7 @@
               <a:t>&lt;_</a:t>
             </a:r>
             <a:r>
-              <a:rPr lang="en-US" sz="2600" b="1" dirty="0" err="1">
+              <a:rPr lang="en-US" sz="2800" dirty="0" err="1">
                 <a:solidFill>
                   <a:schemeClr val="lt1"/>
                 </a:solidFill>
@@ -18498,7 +19126,7 @@
               <a:t>io.TextIOWrapper</a:t>
             </a:r>
             <a:r>
-              <a:rPr lang="en-US" sz="2600" b="1" dirty="0">
+              <a:rPr lang="en-US" sz="2800" dirty="0">
                 <a:solidFill>
                   <a:schemeClr val="lt1"/>
                 </a:solidFill>
@@ -18510,7 +19138,7 @@
               <a:t> name=</a:t>
             </a:r>
             <a:r>
-              <a:rPr lang="en-US" sz="2600" b="1" dirty="0" smtClean="0">
+              <a:rPr lang="en-US" sz="2800" dirty="0" smtClean="0">
                 <a:solidFill>
                   <a:schemeClr val="lt1"/>
                 </a:solidFill>
@@ -18522,7 +19150,7 @@
               <a:t>'</a:t>
             </a:r>
             <a:r>
-              <a:rPr lang="en-US" sz="2600" b="1" dirty="0" err="1" smtClean="0">
+              <a:rPr lang="en-US" sz="2800" dirty="0" err="1" smtClean="0">
                 <a:solidFill>
                   <a:schemeClr val="lt1"/>
                 </a:solidFill>
@@ -18534,7 +19162,7 @@
               <a:t>mbox.txt</a:t>
             </a:r>
             <a:r>
-              <a:rPr lang="en-US" sz="2600" b="1" dirty="0" smtClean="0">
+              <a:rPr lang="en-US" sz="2800" dirty="0" smtClean="0">
                 <a:solidFill>
                   <a:schemeClr val="lt1"/>
                 </a:solidFill>
@@ -18546,7 +19174,7 @@
               <a:t>' </a:t>
             </a:r>
             <a:r>
-              <a:rPr lang="en-US" sz="2600" b="1" dirty="0">
+              <a:rPr lang="en-US" sz="2800" dirty="0">
                 <a:solidFill>
                   <a:schemeClr val="lt1"/>
                 </a:solidFill>
@@ -18557,7 +19185,7 @@
               </a:rPr>
               <a:t>mode='r' encoding='UTF-8'&gt;</a:t>
             </a:r>
-            <a:endParaRPr lang="en-US" sz="2600" b="1" i="0" u="none" strike="noStrike" cap="none" dirty="0">
+            <a:endParaRPr lang="en-US" sz="2800" i="0" u="none" strike="noStrike" cap="none" dirty="0">
               <a:solidFill>
                 <a:schemeClr val="lt1"/>
               </a:solidFill>
@@ -18721,7 +19349,7 @@
               <a:buNone/>
             </a:pPr>
             <a:r>
-              <a:rPr lang="en-US" sz="3600" b="1" i="0" u="none" strike="noStrike" cap="none" dirty="0">
+              <a:rPr lang="en-US" sz="3600" i="0" u="none" strike="noStrike" cap="none" dirty="0">
                 <a:solidFill>
                   <a:schemeClr val="lt1"/>
                 </a:solidFill>
@@ -18733,7 +19361,7 @@
               <a:t>&gt;&gt;&gt; </a:t>
             </a:r>
             <a:r>
-              <a:rPr lang="en-US" sz="3600" b="1" i="0" u="none" strike="noStrike" cap="none" dirty="0" err="1">
+              <a:rPr lang="en-US" sz="3600" i="0" u="none" strike="noStrike" cap="none" dirty="0" err="1">
                 <a:solidFill>
                   <a:srgbClr val="00FF00"/>
                 </a:solidFill>
@@ -18745,7 +19373,7 @@
               <a:t>fhand</a:t>
             </a:r>
             <a:r>
-              <a:rPr lang="en-US" sz="3600" b="1" i="0" u="none" strike="noStrike" cap="none" dirty="0">
+              <a:rPr lang="en-US" sz="3600" i="0" u="none" strike="noStrike" cap="none" dirty="0">
                 <a:solidFill>
                   <a:schemeClr val="lt1"/>
                 </a:solidFill>
@@ -18757,7 +19385,7 @@
               <a:t> = </a:t>
             </a:r>
             <a:r>
-              <a:rPr lang="en-US" sz="3600" b="1" i="0" u="none" strike="noStrike" cap="none" dirty="0">
+              <a:rPr lang="en-US" sz="3600" i="0" u="none" strike="noStrike" cap="none" dirty="0">
                 <a:solidFill>
                   <a:srgbClr val="FF00FF"/>
                 </a:solidFill>
@@ -18769,7 +19397,7 @@
               <a:t>open</a:t>
             </a:r>
             <a:r>
-              <a:rPr lang="en-US" sz="3600" b="1" i="0" u="none" strike="noStrike" cap="none" dirty="0">
+              <a:rPr lang="en-US" sz="3600" i="0" u="none" strike="noStrike" cap="none" dirty="0">
                 <a:solidFill>
                   <a:schemeClr val="lt1"/>
                 </a:solidFill>
@@ -18781,7 +19409,7 @@
               <a:t>('</a:t>
             </a:r>
             <a:r>
-              <a:rPr lang="en-US" sz="3600" b="1" i="0" u="none" strike="noStrike" cap="none" dirty="0" err="1">
+              <a:rPr lang="en-US" sz="3600" i="0" u="none" strike="noStrike" cap="none" dirty="0" err="1">
                 <a:solidFill>
                   <a:srgbClr val="FF7F00"/>
                 </a:solidFill>
@@ -18793,7 +19421,7 @@
               <a:t>stuff.txt</a:t>
             </a:r>
             <a:r>
-              <a:rPr lang="en-US" sz="3600" b="1" i="0" u="none" strike="noStrike" cap="none" dirty="0">
+              <a:rPr lang="en-US" sz="3600" i="0" u="none" strike="noStrike" cap="none" dirty="0">
                 <a:solidFill>
                   <a:srgbClr val="FF7F00"/>
                 </a:solidFill>
@@ -18805,7 +19433,7 @@
               <a:t>'</a:t>
             </a:r>
             <a:r>
-              <a:rPr lang="en-US" sz="3600" b="1" i="0" u="none" strike="noStrike" cap="none" dirty="0">
+              <a:rPr lang="en-US" sz="3600" i="0" u="none" strike="noStrike" cap="none" dirty="0">
                 <a:solidFill>
                   <a:schemeClr val="lt1"/>
                 </a:solidFill>
@@ -18836,7 +19464,7 @@
               <a:buNone/>
             </a:pPr>
             <a:r>
-              <a:rPr lang="en-US" sz="3600" b="1" i="0" u="none" strike="noStrike" cap="none" dirty="0" err="1">
+              <a:rPr lang="en-US" sz="3600" i="0" u="none" strike="noStrike" cap="none" dirty="0" err="1">
                 <a:solidFill>
                   <a:schemeClr val="lt1"/>
                 </a:solidFill>
@@ -18848,7 +19476,7 @@
               <a:t>Traceback</a:t>
             </a:r>
             <a:r>
-              <a:rPr lang="en-US" sz="3600" b="1" i="0" u="none" strike="noStrike" cap="none" dirty="0">
+              <a:rPr lang="en-US" sz="3600" i="0" u="none" strike="noStrike" cap="none" dirty="0">
                 <a:solidFill>
                   <a:schemeClr val="lt1"/>
                 </a:solidFill>
@@ -18860,7 +19488,7 @@
               <a:t> (most recent call last</a:t>
             </a:r>
             <a:r>
-              <a:rPr lang="en-US" sz="3600" b="1" i="0" u="none" strike="noStrike" cap="none" dirty="0" smtClean="0">
+              <a:rPr lang="en-US" sz="3600" i="0" u="none" strike="noStrike" cap="none" dirty="0" smtClean="0">
                 <a:solidFill>
                   <a:schemeClr val="lt1"/>
                 </a:solidFill>
@@ -18891,7 +19519,7 @@
               <a:buNone/>
             </a:pPr>
             <a:r>
-              <a:rPr lang="en-US" sz="3600" b="1" i="0" u="none" strike="noStrike" cap="none" dirty="0" smtClean="0">
+              <a:rPr lang="en-US" sz="3600" i="0" u="none" strike="noStrike" cap="none" dirty="0" smtClean="0">
                 <a:solidFill>
                   <a:schemeClr val="lt1"/>
                 </a:solidFill>
@@ -18903,7 +19531,7 @@
               <a:t>  </a:t>
             </a:r>
             <a:r>
-              <a:rPr lang="en-US" sz="3600" b="1" i="0" u="none" strike="noStrike" cap="none" dirty="0">
+              <a:rPr lang="en-US" sz="3600" i="0" u="none" strike="noStrike" cap="none" dirty="0">
                 <a:solidFill>
                   <a:schemeClr val="lt1"/>
                 </a:solidFill>
@@ -18915,7 +19543,7 @@
               <a:t>File "&lt;</a:t>
             </a:r>
             <a:r>
-              <a:rPr lang="en-US" sz="3600" b="1" i="0" u="none" strike="noStrike" cap="none" dirty="0" err="1">
+              <a:rPr lang="en-US" sz="3600" i="0" u="none" strike="noStrike" cap="none" dirty="0" err="1">
                 <a:solidFill>
                   <a:schemeClr val="lt1"/>
                 </a:solidFill>
@@ -18927,7 +19555,7 @@
               <a:t>stdin</a:t>
             </a:r>
             <a:r>
-              <a:rPr lang="en-US" sz="3600" b="1" i="0" u="none" strike="noStrike" cap="none" dirty="0">
+              <a:rPr lang="en-US" sz="3600" i="0" u="none" strike="noStrike" cap="none" dirty="0">
                 <a:solidFill>
                   <a:schemeClr val="lt1"/>
                 </a:solidFill>
@@ -18939,7 +19567,7 @@
               <a:t>&gt;", line 1, in &lt;module</a:t>
             </a:r>
             <a:r>
-              <a:rPr lang="en-US" sz="3600" b="1" i="0" u="none" strike="noStrike" cap="none" dirty="0" smtClean="0">
+              <a:rPr lang="en-US" sz="3600" i="0" u="none" strike="noStrike" cap="none" dirty="0" smtClean="0">
                 <a:solidFill>
                   <a:schemeClr val="lt1"/>
                 </a:solidFill>
@@ -18959,7 +19587,7 @@
               <a:buSzPct val="25000"/>
             </a:pPr>
             <a:r>
-              <a:rPr lang="en-US" sz="3600" b="1" dirty="0" err="1">
+              <a:rPr lang="en-US" sz="3600" dirty="0" err="1">
                 <a:solidFill>
                   <a:schemeClr val="lt1"/>
                 </a:solidFill>
@@ -18971,7 +19599,7 @@
               <a:t>FileNotFoundError</a:t>
             </a:r>
             <a:r>
-              <a:rPr lang="en-US" sz="3600" b="1" dirty="0">
+              <a:rPr lang="en-US" sz="3600" dirty="0">
                 <a:solidFill>
                   <a:schemeClr val="lt1"/>
                 </a:solidFill>
@@ -18983,7 +19611,7 @@
               <a:t>: [</a:t>
             </a:r>
             <a:r>
-              <a:rPr lang="en-US" sz="3600" b="1" dirty="0" err="1">
+              <a:rPr lang="en-US" sz="3600" dirty="0" err="1">
                 <a:solidFill>
                   <a:schemeClr val="lt1"/>
                 </a:solidFill>
@@ -18995,7 +19623,7 @@
               <a:t>Errno</a:t>
             </a:r>
             <a:r>
-              <a:rPr lang="en-US" sz="3600" b="1" dirty="0">
+              <a:rPr lang="en-US" sz="3600" dirty="0">
                 <a:solidFill>
                   <a:schemeClr val="lt1"/>
                 </a:solidFill>
@@ -19007,7 +19635,7 @@
               <a:t> </a:t>
             </a:r>
             <a:r>
-              <a:rPr lang="en-US" sz="3600" b="1" dirty="0" smtClean="0">
+              <a:rPr lang="en-US" sz="3600" dirty="0" smtClean="0">
                 <a:solidFill>
                   <a:schemeClr val="lt1"/>
                 </a:solidFill>
@@ -19019,7 +19647,7 @@
               <a:t>2]</a:t>
             </a:r>
             <a:r>
-              <a:rPr lang="en-US" sz="3600" b="1" dirty="0">
+              <a:rPr lang="en-US" sz="3600" dirty="0">
                 <a:solidFill>
                   <a:schemeClr val="lt1"/>
                 </a:solidFill>
@@ -19031,7 +19659,7 @@
               <a:t> </a:t>
             </a:r>
             <a:r>
-              <a:rPr lang="en-US" sz="3600" b="1" i="0" u="none" strike="noStrike" cap="none" dirty="0" smtClean="0">
+              <a:rPr lang="en-US" sz="3600" i="0" u="none" strike="noStrike" cap="none" dirty="0" smtClean="0">
                 <a:solidFill>
                   <a:srgbClr val="FF7F00"/>
                 </a:solidFill>
@@ -19043,7 +19671,7 @@
               <a:t>No </a:t>
             </a:r>
             <a:r>
-              <a:rPr lang="en-US" sz="3600" b="1" i="0" u="none" strike="noStrike" cap="none" dirty="0">
+              <a:rPr lang="en-US" sz="3600" i="0" u="none" strike="noStrike" cap="none" dirty="0">
                 <a:solidFill>
                   <a:srgbClr val="FF7F00"/>
                 </a:solidFill>
@@ -19055,7 +19683,7 @@
               <a:t>such file or directory: '</a:t>
             </a:r>
             <a:r>
-              <a:rPr lang="en-US" sz="3600" b="1" i="0" u="none" strike="noStrike" cap="none" dirty="0" err="1">
+              <a:rPr lang="en-US" sz="3600" i="0" u="none" strike="noStrike" cap="none" dirty="0" err="1">
                 <a:solidFill>
                   <a:srgbClr val="FF7F00"/>
                 </a:solidFill>
@@ -19067,7 +19695,7 @@
               <a:t>stuff.txt</a:t>
             </a:r>
             <a:r>
-              <a:rPr lang="en-US" sz="3600" b="1" i="0" u="none" strike="noStrike" cap="none" dirty="0">
+              <a:rPr lang="en-US" sz="3600" i="0" u="none" strike="noStrike" cap="none" dirty="0">
                 <a:solidFill>
                   <a:srgbClr val="FF7F00"/>
                 </a:solidFill>
@@ -19149,7 +19777,7 @@
               <a:buNone/>
             </a:pPr>
             <a:r>
-              <a:rPr lang="en-US" sz="7600" u="none" strike="noStrike" cap="none">
+              <a:rPr lang="en-US" sz="7600" u="none" strike="noStrike" cap="none" dirty="0">
                 <a:solidFill>
                   <a:srgbClr val="FFFF00"/>
                 </a:solidFill>
@@ -19161,7 +19789,7 @@
               <a:t>The newline</a:t>
             </a:r>
             <a:r>
-              <a:rPr lang="en-US" sz="7600">
+              <a:rPr lang="en-US" sz="7600" dirty="0">
                 <a:solidFill>
                   <a:srgbClr val="FFFF00"/>
                 </a:solidFill>
@@ -19173,7 +19801,7 @@
               <a:t> </a:t>
             </a:r>
             <a:r>
-              <a:rPr lang="en-US" sz="7600" u="none" strike="noStrike" cap="none">
+              <a:rPr lang="en-US" sz="7600" u="none" strike="noStrike" cap="none" dirty="0">
                 <a:solidFill>
                   <a:srgbClr val="FFFF00"/>
                 </a:solidFill>
@@ -19437,7 +20065,7 @@
               <a:buNone/>
             </a:pPr>
             <a:r>
-              <a:rPr lang="en-US" sz="3000" b="1" i="0" u="none" strike="noStrike" cap="none" dirty="0">
+              <a:rPr lang="en-US" sz="3000" i="0" u="none" strike="noStrike" cap="none" dirty="0">
                 <a:solidFill>
                   <a:schemeClr val="lt1"/>
                 </a:solidFill>
@@ -19449,7 +20077,7 @@
               <a:t>&gt;&gt;&gt; </a:t>
             </a:r>
             <a:r>
-              <a:rPr lang="en-US" sz="3000" b="1" i="0" u="none" strike="noStrike" cap="none" dirty="0">
+              <a:rPr lang="en-US" sz="3000" i="0" u="none" strike="noStrike" cap="none" dirty="0">
                 <a:solidFill>
                   <a:srgbClr val="00FF00"/>
                 </a:solidFill>
@@ -19461,7 +20089,7 @@
               <a:t>stuff</a:t>
             </a:r>
             <a:r>
-              <a:rPr lang="en-US" sz="3000" b="1" i="0" u="none" strike="noStrike" cap="none" dirty="0">
+              <a:rPr lang="en-US" sz="3000" i="0" u="none" strike="noStrike" cap="none" dirty="0">
                 <a:solidFill>
                   <a:schemeClr val="lt1"/>
                 </a:solidFill>
@@ -19473,7 +20101,7 @@
               <a:t> = 'Hello</a:t>
             </a:r>
             <a:r>
-              <a:rPr lang="en-US" sz="3000" b="1" i="0" u="none" strike="noStrike" cap="none" dirty="0">
+              <a:rPr lang="en-US" sz="3000" i="0" u="none" strike="noStrike" cap="none" dirty="0">
                 <a:solidFill>
                   <a:srgbClr val="00FFFF"/>
                 </a:solidFill>
@@ -19485,7 +20113,7 @@
               <a:t>\</a:t>
             </a:r>
             <a:r>
-              <a:rPr lang="en-US" sz="3000" b="1" i="0" u="none" strike="noStrike" cap="none" dirty="0" err="1">
+              <a:rPr lang="en-US" sz="3000" i="0" u="none" strike="noStrike" cap="none" dirty="0" err="1">
                 <a:solidFill>
                   <a:srgbClr val="00FFFF"/>
                 </a:solidFill>
@@ -19497,7 +20125,7 @@
               <a:t>n</a:t>
             </a:r>
             <a:r>
-              <a:rPr lang="en-US" sz="3000" b="1" i="0" u="none" strike="noStrike" cap="none" dirty="0" err="1">
+              <a:rPr lang="en-US" sz="3000" i="0" u="none" strike="noStrike" cap="none" dirty="0" err="1">
                 <a:solidFill>
                   <a:schemeClr val="lt1"/>
                 </a:solidFill>
@@ -19509,7 +20137,7 @@
               <a:t>World</a:t>
             </a:r>
             <a:r>
-              <a:rPr lang="en-US" sz="3000" b="1" i="0" u="none" strike="noStrike" cap="none" dirty="0">
+              <a:rPr lang="en-US" sz="3000" i="0" u="none" strike="noStrike" cap="none" dirty="0">
                 <a:solidFill>
                   <a:schemeClr val="lt1"/>
                 </a:solidFill>
@@ -19521,7 +20149,7 @@
               <a:t>!</a:t>
             </a:r>
             <a:r>
-              <a:rPr lang="en-US" sz="3000" b="1" dirty="0">
+              <a:rPr lang="en-US" sz="3000" dirty="0">
                 <a:solidFill>
                   <a:schemeClr val="lt1"/>
                 </a:solidFill>
@@ -19552,7 +20180,7 @@
               <a:buNone/>
             </a:pPr>
             <a:r>
-              <a:rPr lang="en-US" sz="3000" b="1" i="0" u="none" strike="noStrike" cap="none" dirty="0">
+              <a:rPr lang="en-US" sz="3000" i="0" u="none" strike="noStrike" cap="none" dirty="0">
                 <a:solidFill>
                   <a:schemeClr val="lt1"/>
                 </a:solidFill>
@@ -19564,7 +20192,7 @@
               <a:t>&gt;&gt;&gt; </a:t>
             </a:r>
             <a:r>
-              <a:rPr lang="en-US" sz="3000" b="1" i="0" u="none" strike="noStrike" cap="none" dirty="0">
+              <a:rPr lang="en-US" sz="3000" i="0" u="none" strike="noStrike" cap="none" dirty="0">
                 <a:solidFill>
                   <a:srgbClr val="00FF00"/>
                 </a:solidFill>
@@ -19595,7 +20223,7 @@
               <a:buNone/>
             </a:pPr>
             <a:r>
-              <a:rPr lang="en-US" sz="3000" b="1" i="0" u="none" strike="noStrike" cap="none" dirty="0">
+              <a:rPr lang="en-US" sz="3000" i="0" u="none" strike="noStrike" cap="none" dirty="0">
                 <a:solidFill>
                   <a:schemeClr val="lt1"/>
                 </a:solidFill>
@@ -19607,7 +20235,7 @@
               <a:t>'Hello</a:t>
             </a:r>
             <a:r>
-              <a:rPr lang="en-US" sz="3000" b="1" i="0" u="none" strike="noStrike" cap="none" dirty="0">
+              <a:rPr lang="en-US" sz="3000" i="0" u="none" strike="noStrike" cap="none" dirty="0">
                 <a:solidFill>
                   <a:srgbClr val="00FFFF"/>
                 </a:solidFill>
@@ -19619,7 +20247,7 @@
               <a:t>\</a:t>
             </a:r>
             <a:r>
-              <a:rPr lang="en-US" sz="3000" b="1" i="0" u="none" strike="noStrike" cap="none" dirty="0" err="1">
+              <a:rPr lang="en-US" sz="3000" i="0" u="none" strike="noStrike" cap="none" dirty="0" err="1">
                 <a:solidFill>
                   <a:srgbClr val="00FFFF"/>
                 </a:solidFill>
@@ -19631,7 +20259,7 @@
               <a:t>n</a:t>
             </a:r>
             <a:r>
-              <a:rPr lang="en-US" sz="3000" b="1" i="0" u="none" strike="noStrike" cap="none" dirty="0" err="1">
+              <a:rPr lang="en-US" sz="3000" i="0" u="none" strike="noStrike" cap="none" dirty="0" err="1">
                 <a:solidFill>
                   <a:schemeClr val="lt1"/>
                 </a:solidFill>
@@ -19643,7 +20271,7 @@
               <a:t>World</a:t>
             </a:r>
             <a:r>
-              <a:rPr lang="en-US" sz="3000" b="1" i="0" u="none" strike="noStrike" cap="none" dirty="0">
+              <a:rPr lang="en-US" sz="3000" i="0" u="none" strike="noStrike" cap="none" dirty="0">
                 <a:solidFill>
                   <a:schemeClr val="lt1"/>
                 </a:solidFill>
@@ -19655,7 +20283,7 @@
               <a:t>!</a:t>
             </a:r>
             <a:r>
-              <a:rPr lang="en-US" sz="3000" b="1" dirty="0">
+              <a:rPr lang="en-US" sz="3000" dirty="0">
                 <a:solidFill>
                   <a:schemeClr val="lt1"/>
                 </a:solidFill>
@@ -19686,7 +20314,7 @@
               <a:buNone/>
             </a:pPr>
             <a:r>
-              <a:rPr lang="en-US" sz="3000" b="1" i="0" u="none" strike="noStrike" cap="none" dirty="0">
+              <a:rPr lang="en-US" sz="3000" i="0" u="none" strike="noStrike" cap="none" dirty="0">
                 <a:solidFill>
                   <a:schemeClr val="lt1"/>
                 </a:solidFill>
@@ -19698,7 +20326,7 @@
               <a:t>&gt;&gt;&gt; </a:t>
             </a:r>
             <a:r>
-              <a:rPr lang="en-US" sz="3000" b="1" i="0" u="none" strike="noStrike" cap="none" dirty="0" smtClean="0">
+              <a:rPr lang="en-US" sz="3000" i="0" u="none" strike="noStrike" cap="none" dirty="0" smtClean="0">
                 <a:solidFill>
                   <a:srgbClr val="FFFF00"/>
                 </a:solidFill>
@@ -19710,7 +20338,7 @@
               <a:t>print</a:t>
             </a:r>
             <a:r>
-              <a:rPr lang="en-US" sz="3000" b="1" dirty="0" smtClean="0">
+              <a:rPr lang="en-US" sz="3000" dirty="0" smtClean="0">
                 <a:solidFill>
                   <a:schemeClr val="lt1"/>
                 </a:solidFill>
@@ -19722,7 +20350,7 @@
               <a:t>(</a:t>
             </a:r>
             <a:r>
-              <a:rPr lang="en-US" sz="3000" b="1" i="0" u="none" strike="noStrike" cap="none" dirty="0" smtClean="0">
+              <a:rPr lang="en-US" sz="3000" i="0" u="none" strike="noStrike" cap="none" dirty="0" smtClean="0">
                 <a:solidFill>
                   <a:srgbClr val="00FF00"/>
                 </a:solidFill>
@@ -19734,7 +20362,7 @@
               <a:t>stuff</a:t>
             </a:r>
             <a:r>
-              <a:rPr lang="en-US" sz="3000" b="1" i="0" u="none" strike="noStrike" cap="none" dirty="0" smtClean="0">
+              <a:rPr lang="en-US" sz="3000" i="0" u="none" strike="noStrike" cap="none" dirty="0" smtClean="0">
                 <a:solidFill>
                   <a:schemeClr val="bg1"/>
                 </a:solidFill>
@@ -19745,7 +20373,7 @@
               </a:rPr>
               <a:t>)</a:t>
             </a:r>
-            <a:endParaRPr lang="en-US" sz="3000" b="1" i="0" u="none" strike="noStrike" cap="none" dirty="0">
+            <a:endParaRPr lang="en-US" sz="3000" i="0" u="none" strike="noStrike" cap="none" dirty="0">
               <a:solidFill>
                 <a:schemeClr val="bg1"/>
               </a:solidFill>
@@ -19774,7 +20402,7 @@
               <a:buNone/>
             </a:pPr>
             <a:r>
-              <a:rPr lang="en-US" sz="3000" b="1" i="0" u="none" strike="noStrike" cap="none" dirty="0">
+              <a:rPr lang="en-US" sz="3000" i="0" u="none" strike="noStrike" cap="none" dirty="0">
                 <a:solidFill>
                   <a:schemeClr val="lt1"/>
                 </a:solidFill>
@@ -19805,7 +20433,7 @@
               <a:buNone/>
             </a:pPr>
             <a:r>
-              <a:rPr lang="en-US" sz="3000" b="1" i="0" u="none" strike="noStrike" cap="none" dirty="0">
+              <a:rPr lang="en-US" sz="3000" i="0" u="none" strike="noStrike" cap="none" dirty="0">
                 <a:solidFill>
                   <a:schemeClr val="lt1"/>
                 </a:solidFill>
@@ -19836,7 +20464,7 @@
               <a:buNone/>
             </a:pPr>
             <a:r>
-              <a:rPr lang="en-US" sz="3000" b="1" i="0" u="none" strike="noStrike" cap="none" dirty="0">
+              <a:rPr lang="en-US" sz="3000" i="0" u="none" strike="noStrike" cap="none" dirty="0">
                 <a:solidFill>
                   <a:schemeClr val="lt1"/>
                 </a:solidFill>
@@ -19848,7 +20476,7 @@
               <a:t>&gt;&gt;&gt; </a:t>
             </a:r>
             <a:r>
-              <a:rPr lang="en-US" sz="3000" b="1" i="0" u="none" strike="noStrike" cap="none" dirty="0">
+              <a:rPr lang="en-US" sz="3000" i="0" u="none" strike="noStrike" cap="none" dirty="0">
                 <a:solidFill>
                   <a:srgbClr val="00FF00"/>
                 </a:solidFill>
@@ -19860,7 +20488,7 @@
               <a:t>stuff</a:t>
             </a:r>
             <a:r>
-              <a:rPr lang="en-US" sz="3000" b="1" i="0" u="none" strike="noStrike" cap="none" dirty="0">
+              <a:rPr lang="en-US" sz="3000" i="0" u="none" strike="noStrike" cap="none" dirty="0">
                 <a:solidFill>
                   <a:schemeClr val="lt1"/>
                 </a:solidFill>
@@ -19872,7 +20500,7 @@
               <a:t> = 'X</a:t>
             </a:r>
             <a:r>
-              <a:rPr lang="en-US" sz="3000" b="1" i="0" u="none" strike="noStrike" cap="none" dirty="0">
+              <a:rPr lang="en-US" sz="3000" i="0" u="none" strike="noStrike" cap="none" dirty="0">
                 <a:solidFill>
                   <a:srgbClr val="00FFFF"/>
                 </a:solidFill>
@@ -19884,7 +20512,7 @@
               <a:t>\</a:t>
             </a:r>
             <a:r>
-              <a:rPr lang="en-US" sz="3000" b="1" i="0" u="none" strike="noStrike" cap="none" dirty="0" err="1">
+              <a:rPr lang="en-US" sz="3000" i="0" u="none" strike="noStrike" cap="none" dirty="0" err="1">
                 <a:solidFill>
                   <a:srgbClr val="00FFFF"/>
                 </a:solidFill>
@@ -19896,7 +20524,7 @@
               <a:t>n</a:t>
             </a:r>
             <a:r>
-              <a:rPr lang="en-US" sz="3000" b="1" i="0" u="none" strike="noStrike" cap="none" dirty="0" err="1">
+              <a:rPr lang="en-US" sz="3000" i="0" u="none" strike="noStrike" cap="none" dirty="0" err="1">
                 <a:solidFill>
                   <a:schemeClr val="lt1"/>
                 </a:solidFill>
@@ -19908,7 +20536,7 @@
               <a:t>Y</a:t>
             </a:r>
             <a:r>
-              <a:rPr lang="en-US" sz="3000" b="1" dirty="0">
+              <a:rPr lang="en-US" sz="3000" dirty="0">
                 <a:solidFill>
                   <a:schemeClr val="lt1"/>
                 </a:solidFill>
@@ -19939,7 +20567,7 @@
               <a:buNone/>
             </a:pPr>
             <a:r>
-              <a:rPr lang="en-US" sz="3000" b="1" i="0" u="none" strike="noStrike" cap="none" dirty="0">
+              <a:rPr lang="en-US" sz="3000" i="0" u="none" strike="noStrike" cap="none" dirty="0">
                 <a:solidFill>
                   <a:schemeClr val="lt1"/>
                 </a:solidFill>
@@ -19951,7 +20579,7 @@
               <a:t>&gt;&gt;&gt; </a:t>
             </a:r>
             <a:r>
-              <a:rPr lang="en-US" sz="3000" b="1" i="0" u="none" strike="noStrike" cap="none" dirty="0" smtClean="0">
+              <a:rPr lang="en-US" sz="3000" i="0" u="none" strike="noStrike" cap="none" dirty="0" smtClean="0">
                 <a:solidFill>
                   <a:srgbClr val="FFFF00"/>
                 </a:solidFill>
@@ -19963,7 +20591,7 @@
               <a:t>print</a:t>
             </a:r>
             <a:r>
-              <a:rPr lang="en-US" sz="3000" b="1" dirty="0" smtClean="0">
+              <a:rPr lang="en-US" sz="3000" dirty="0" smtClean="0">
                 <a:solidFill>
                   <a:schemeClr val="lt1"/>
                 </a:solidFill>
@@ -19975,7 +20603,7 @@
               <a:t>(</a:t>
             </a:r>
             <a:r>
-              <a:rPr lang="en-US" sz="3000" b="1" i="0" u="none" strike="noStrike" cap="none" dirty="0" smtClean="0">
+              <a:rPr lang="en-US" sz="3000" i="0" u="none" strike="noStrike" cap="none" dirty="0" smtClean="0">
                 <a:solidFill>
                   <a:srgbClr val="00FF00"/>
                 </a:solidFill>
@@ -19987,7 +20615,7 @@
               <a:t>stuff</a:t>
             </a:r>
             <a:r>
-              <a:rPr lang="en-US" sz="3000" b="1" i="0" u="none" strike="noStrike" cap="none" dirty="0" smtClean="0">
+              <a:rPr lang="en-US" sz="3000" i="0" u="none" strike="noStrike" cap="none" dirty="0" smtClean="0">
                 <a:solidFill>
                   <a:schemeClr val="bg1"/>
                 </a:solidFill>
@@ -19998,7 +20626,7 @@
               </a:rPr>
               <a:t>)</a:t>
             </a:r>
-            <a:endParaRPr lang="en-US" sz="3000" b="1" i="0" u="none" strike="noStrike" cap="none" dirty="0">
+            <a:endParaRPr lang="en-US" sz="3000" i="0" u="none" strike="noStrike" cap="none" dirty="0">
               <a:solidFill>
                 <a:schemeClr val="bg1"/>
               </a:solidFill>
@@ -20027,7 +20655,7 @@
               <a:buNone/>
             </a:pPr>
             <a:r>
-              <a:rPr lang="en-US" sz="3000" b="1" i="0" u="none" strike="noStrike" cap="none" dirty="0">
+              <a:rPr lang="en-US" sz="3000" i="0" u="none" strike="noStrike" cap="none" dirty="0">
                 <a:solidFill>
                   <a:schemeClr val="lt1"/>
                 </a:solidFill>
@@ -20058,7 +20686,7 @@
               <a:buNone/>
             </a:pPr>
             <a:r>
-              <a:rPr lang="en-US" sz="3000" b="1" i="0" u="none" strike="noStrike" cap="none" dirty="0">
+              <a:rPr lang="en-US" sz="3000" i="0" u="none" strike="noStrike" cap="none" dirty="0">
                 <a:solidFill>
                   <a:schemeClr val="lt1"/>
                 </a:solidFill>
@@ -20089,7 +20717,7 @@
               <a:buNone/>
             </a:pPr>
             <a:r>
-              <a:rPr lang="en-US" sz="3000" b="1" i="0" u="none" strike="noStrike" cap="none" dirty="0">
+              <a:rPr lang="en-US" sz="3000" i="0" u="none" strike="noStrike" cap="none" dirty="0">
                 <a:solidFill>
                   <a:schemeClr val="lt1"/>
                 </a:solidFill>
@@ -20101,7 +20729,7 @@
               <a:t>&gt;&gt;&gt; </a:t>
             </a:r>
             <a:r>
-              <a:rPr lang="en-US" sz="3000" b="1" i="0" u="none" strike="noStrike" cap="none" dirty="0" err="1">
+              <a:rPr lang="en-US" sz="3000" i="0" u="none" strike="noStrike" cap="none" dirty="0" err="1">
                 <a:solidFill>
                   <a:srgbClr val="FF00FF"/>
                 </a:solidFill>
@@ -20113,7 +20741,7 @@
               <a:t>len</a:t>
             </a:r>
             <a:r>
-              <a:rPr lang="en-US" sz="3000" b="1" i="0" u="none" strike="noStrike" cap="none" dirty="0">
+              <a:rPr lang="en-US" sz="3000" i="0" u="none" strike="noStrike" cap="none" dirty="0">
                 <a:solidFill>
                   <a:schemeClr val="lt1"/>
                 </a:solidFill>
@@ -20125,7 +20753,7 @@
               <a:t>(</a:t>
             </a:r>
             <a:r>
-              <a:rPr lang="en-US" sz="3000" b="1" i="0" u="none" strike="noStrike" cap="none" dirty="0">
+              <a:rPr lang="en-US" sz="3000" i="0" u="none" strike="noStrike" cap="none" dirty="0">
                 <a:solidFill>
                   <a:srgbClr val="00FF00"/>
                 </a:solidFill>
@@ -20137,7 +20765,7 @@
               <a:t>stuff</a:t>
             </a:r>
             <a:r>
-              <a:rPr lang="en-US" sz="3000" b="1" i="0" u="none" strike="noStrike" cap="none" dirty="0">
+              <a:rPr lang="en-US" sz="3000" i="0" u="none" strike="noStrike" cap="none" dirty="0">
                 <a:solidFill>
                   <a:schemeClr val="lt1"/>
                 </a:solidFill>
@@ -20168,7 +20796,7 @@
               <a:buNone/>
             </a:pPr>
             <a:r>
-              <a:rPr lang="en-US" sz="3000" b="1" i="0" u="none" strike="noStrike" cap="none" dirty="0">
+              <a:rPr lang="en-US" sz="3000" i="0" u="none" strike="noStrike" cap="none" dirty="0">
                 <a:solidFill>
                   <a:schemeClr val="lt1"/>
                 </a:solidFill>
@@ -20250,7 +20878,7 @@
               <a:buNone/>
             </a:pPr>
             <a:r>
-              <a:rPr lang="en-US" sz="7600" u="none" strike="noStrike" cap="none">
+              <a:rPr lang="en-US" sz="7600" u="none" strike="noStrike" cap="none" dirty="0">
                 <a:solidFill>
                   <a:srgbClr val="FFFF00"/>
                 </a:solidFill>
@@ -20276,7 +20904,7 @@
         </p:nvSpPr>
         <p:spPr>
           <a:xfrm>
-            <a:off x="1155700" y="2603501"/>
+            <a:off x="1155700" y="2655721"/>
             <a:ext cx="13932000" cy="1333500"/>
           </a:xfrm>
           <a:prstGeom prst="rect">
@@ -20293,7 +20921,7 @@
           </a:bodyPr>
           <a:lstStyle/>
           <a:p>
-            <a:pPr marL="749300" marR="0" lvl="0" indent="-533400" algn="l" rtl="0">
+            <a:pPr marL="215900" marR="0" lvl="0" indent="0" algn="l" rtl="0">
               <a:lnSpc>
                 <a:spcPct val="100000"/>
               </a:lnSpc>
@@ -20307,8 +20935,7 @@
                 <a:schemeClr val="lt1"/>
               </a:buClr>
               <a:buSzPct val="171000"/>
-              <a:buFont typeface="Cabin"/>
-              <a:buChar char="•"/>
+              <a:buNone/>
             </a:pPr>
             <a:r>
               <a:rPr lang="en-US" sz="3600" u="none" strike="noStrike" cap="none" dirty="0">
@@ -20368,7 +20995,7 @@
               <a:buNone/>
             </a:pPr>
             <a:r>
-              <a:rPr lang="en-US" sz="2400" b="1" i="0" u="none" strike="noStrike" cap="none" dirty="0">
+              <a:rPr lang="en-US" sz="2400" i="0" u="none" strike="noStrike" cap="none" dirty="0">
                 <a:solidFill>
                   <a:srgbClr val="FF00FF"/>
                 </a:solidFill>
@@ -20380,7 +21007,7 @@
               <a:t>From </a:t>
             </a:r>
             <a:r>
-              <a:rPr lang="en-US" sz="2400" b="1" i="0" u="none" strike="noStrike" cap="none" dirty="0" err="1">
+              <a:rPr lang="en-US" sz="2400" i="0" u="none" strike="noStrike" cap="none" dirty="0" err="1">
                 <a:solidFill>
                   <a:srgbClr val="FF00FF"/>
                 </a:solidFill>
@@ -20392,7 +21019,7 @@
               <a:t>stephen.marquard@uct.ac.za</a:t>
             </a:r>
             <a:r>
-              <a:rPr lang="en-US" sz="2400" b="1" i="0" u="none" strike="noStrike" cap="none" dirty="0">
+              <a:rPr lang="en-US" sz="2400" i="0" u="none" strike="noStrike" cap="none" dirty="0">
                 <a:solidFill>
                   <a:srgbClr val="FF00FF"/>
                 </a:solidFill>
@@ -20423,7 +21050,7 @@
               <a:buNone/>
             </a:pPr>
             <a:r>
-              <a:rPr lang="en-US" sz="2400" b="1" i="0" u="none" strike="noStrike" cap="none" dirty="0">
+              <a:rPr lang="en-US" sz="2400" i="0" u="none" strike="noStrike" cap="none" dirty="0">
                 <a:solidFill>
                   <a:srgbClr val="FF00FF"/>
                 </a:solidFill>
@@ -20435,7 +21062,7 @@
               <a:t>Return-Path: &lt;</a:t>
             </a:r>
             <a:r>
-              <a:rPr lang="en-US" sz="2400" b="1" i="0" u="none" strike="noStrike" cap="none" dirty="0" err="1">
+              <a:rPr lang="en-US" sz="2400" i="0" u="none" strike="noStrike" cap="none" dirty="0" err="1">
                 <a:solidFill>
                   <a:srgbClr val="FF00FF"/>
                 </a:solidFill>
@@ -20447,7 +21074,7 @@
               <a:t>postmaster@collab.sakaiproject.org</a:t>
             </a:r>
             <a:r>
-              <a:rPr lang="en-US" sz="2400" b="1" i="0" u="none" strike="noStrike" cap="none" dirty="0">
+              <a:rPr lang="en-US" sz="2400" i="0" u="none" strike="noStrike" cap="none" dirty="0">
                 <a:solidFill>
                   <a:srgbClr val="FF00FF"/>
                 </a:solidFill>
@@ -20478,7 +21105,7 @@
               <a:buNone/>
             </a:pPr>
             <a:r>
-              <a:rPr lang="en-US" sz="2400" b="1" i="0" u="none" strike="noStrike" cap="none" dirty="0">
+              <a:rPr lang="en-US" sz="2400" i="0" u="none" strike="noStrike" cap="none" dirty="0">
                 <a:solidFill>
                   <a:srgbClr val="FF00FF"/>
                 </a:solidFill>
@@ -20509,7 +21136,7 @@
               <a:buNone/>
             </a:pPr>
             <a:r>
-              <a:rPr lang="en-US" sz="2400" b="1" i="0" u="none" strike="noStrike" cap="none" dirty="0">
+              <a:rPr lang="en-US" sz="2400" i="0" u="none" strike="noStrike" cap="none" dirty="0">
                 <a:solidFill>
                   <a:srgbClr val="FF00FF"/>
                 </a:solidFill>
@@ -20521,7 +21148,7 @@
               <a:t>To: </a:t>
             </a:r>
             <a:r>
-              <a:rPr lang="en-US" sz="2400" b="1" i="0" u="none" strike="noStrike" cap="none" dirty="0" err="1">
+              <a:rPr lang="en-US" sz="2400" i="0" u="none" strike="noStrike" cap="none" dirty="0" err="1">
                 <a:solidFill>
                   <a:srgbClr val="FF00FF"/>
                 </a:solidFill>
@@ -20532,7 +21159,7 @@
               </a:rPr>
               <a:t>source@collab.sakaiproject.org</a:t>
             </a:r>
-            <a:endParaRPr lang="en-US" sz="2400" b="1" i="0" u="none" strike="noStrike" cap="none" dirty="0">
+            <a:endParaRPr lang="en-US" sz="2400" i="0" u="none" strike="noStrike" cap="none" dirty="0">
               <a:solidFill>
                 <a:srgbClr val="FF00FF"/>
               </a:solidFill>
@@ -20561,7 +21188,7 @@
               <a:buNone/>
             </a:pPr>
             <a:r>
-              <a:rPr lang="en-US" sz="2400" b="1" i="0" u="none" strike="noStrike" cap="none" dirty="0">
+              <a:rPr lang="en-US" sz="2400" i="0" u="none" strike="noStrike" cap="none" dirty="0">
                 <a:solidFill>
                   <a:srgbClr val="FF00FF"/>
                 </a:solidFill>
@@ -20573,7 +21200,7 @@
               <a:t>From: </a:t>
             </a:r>
             <a:r>
-              <a:rPr lang="en-US" sz="2400" b="1" i="0" u="none" strike="noStrike" cap="none" dirty="0" err="1">
+              <a:rPr lang="en-US" sz="2400" i="0" u="none" strike="noStrike" cap="none" dirty="0" err="1">
                 <a:solidFill>
                   <a:srgbClr val="FF00FF"/>
                 </a:solidFill>
@@ -20584,7 +21211,7 @@
               </a:rPr>
               <a:t>stephen.marquard@uct.ac.za</a:t>
             </a:r>
-            <a:endParaRPr lang="en-US" sz="2400" b="1" i="0" u="none" strike="noStrike" cap="none" dirty="0">
+            <a:endParaRPr lang="en-US" sz="2400" i="0" u="none" strike="noStrike" cap="none" dirty="0">
               <a:solidFill>
                 <a:srgbClr val="FF00FF"/>
               </a:solidFill>
@@ -20613,7 +21240,7 @@
               <a:buNone/>
             </a:pPr>
             <a:r>
-              <a:rPr lang="en-US" sz="2400" b="1" i="0" u="none" strike="noStrike" cap="none" dirty="0">
+              <a:rPr lang="en-US" sz="2400" i="0" u="none" strike="noStrike" cap="none" dirty="0">
                 <a:solidFill>
                   <a:srgbClr val="FF00FF"/>
                 </a:solidFill>
@@ -20625,7 +21252,7 @@
               <a:t>Subject: [</a:t>
             </a:r>
             <a:r>
-              <a:rPr lang="en-US" sz="2400" b="1" i="0" u="none" strike="noStrike" cap="none" dirty="0" err="1">
+              <a:rPr lang="en-US" sz="2400" i="0" u="none" strike="noStrike" cap="none" dirty="0" err="1">
                 <a:solidFill>
                   <a:srgbClr val="FF00FF"/>
                 </a:solidFill>
@@ -20637,7 +21264,7 @@
               <a:t>sakai</a:t>
             </a:r>
             <a:r>
-              <a:rPr lang="en-US" sz="2400" b="1" i="0" u="none" strike="noStrike" cap="none" dirty="0">
+              <a:rPr lang="en-US" sz="2400" i="0" u="none" strike="noStrike" cap="none" dirty="0">
                 <a:solidFill>
                   <a:srgbClr val="FF00FF"/>
                 </a:solidFill>
@@ -20649,7 +21276,7 @@
               <a:t>] </a:t>
             </a:r>
             <a:r>
-              <a:rPr lang="en-US" sz="2400" b="1" i="0" u="none" strike="noStrike" cap="none" dirty="0" err="1">
+              <a:rPr lang="en-US" sz="2400" i="0" u="none" strike="noStrike" cap="none" dirty="0" err="1">
                 <a:solidFill>
                   <a:srgbClr val="FF00FF"/>
                 </a:solidFill>
@@ -20661,7 +21288,7 @@
               <a:t>svn</a:t>
             </a:r>
             <a:r>
-              <a:rPr lang="en-US" sz="2400" b="1" i="0" u="none" strike="noStrike" cap="none" dirty="0">
+              <a:rPr lang="en-US" sz="2400" i="0" u="none" strike="noStrike" cap="none" dirty="0">
                 <a:solidFill>
                   <a:srgbClr val="FF00FF"/>
                 </a:solidFill>
@@ -20690,7 +21317,7 @@
               <a:buFont typeface="Cabin"/>
               <a:buNone/>
             </a:pPr>
-            <a:endParaRPr sz="2400" b="1" dirty="0">
+            <a:endParaRPr sz="2400" dirty="0">
               <a:solidFill>
                 <a:srgbClr val="FF00FF"/>
               </a:solidFill>
@@ -20719,7 +21346,7 @@
               <a:buNone/>
             </a:pPr>
             <a:r>
-              <a:rPr lang="en-US" sz="2400" b="1" i="0" u="none" strike="noStrike" cap="none" dirty="0">
+              <a:rPr lang="en-US" sz="2400" i="0" u="none" strike="noStrike" cap="none" dirty="0">
                 <a:solidFill>
                   <a:srgbClr val="FF00FF"/>
                 </a:solidFill>
@@ -20731,7 +21358,7 @@
               <a:t>Details:</a:t>
             </a:r>
             <a:r>
-              <a:rPr lang="en-US" sz="2400" b="1" dirty="0">
+              <a:rPr lang="en-US" sz="2400" dirty="0">
                 <a:solidFill>
                   <a:srgbClr val="FF00FF"/>
                 </a:solidFill>
@@ -20743,7 +21370,7 @@
               <a:t> </a:t>
             </a:r>
             <a:r>
-              <a:rPr lang="en-US" sz="2400" b="1" i="0" u="none" strike="noStrike" cap="none" dirty="0">
+              <a:rPr lang="en-US" sz="2400" i="0" u="none" strike="noStrike" cap="none" dirty="0">
                 <a:solidFill>
                   <a:srgbClr val="FF00FF"/>
                 </a:solidFill>
@@ -20755,7 +21382,7 @@
               <a:t>http://</a:t>
             </a:r>
             <a:r>
-              <a:rPr lang="en-US" sz="2400" b="1" i="0" u="none" strike="noStrike" cap="none" dirty="0" err="1">
+              <a:rPr lang="en-US" sz="2400" i="0" u="none" strike="noStrike" cap="none" dirty="0" err="1">
                 <a:solidFill>
                   <a:srgbClr val="FF00FF"/>
                 </a:solidFill>
@@ -20767,7 +21394,7 @@
               <a:t>source.sakaiproject.org</a:t>
             </a:r>
             <a:r>
-              <a:rPr lang="en-US" sz="2400" b="1" i="0" u="none" strike="noStrike" cap="none" dirty="0">
+              <a:rPr lang="en-US" sz="2400" i="0" u="none" strike="noStrike" cap="none" dirty="0">
                 <a:solidFill>
                   <a:srgbClr val="FF00FF"/>
                 </a:solidFill>
@@ -20779,7 +21406,7 @@
               <a:t>/</a:t>
             </a:r>
             <a:r>
-              <a:rPr lang="en-US" sz="2400" b="1" i="0" u="none" strike="noStrike" cap="none" dirty="0" err="1">
+              <a:rPr lang="en-US" sz="2400" i="0" u="none" strike="noStrike" cap="none" dirty="0" err="1">
                 <a:solidFill>
                   <a:srgbClr val="FF00FF"/>
                 </a:solidFill>
@@ -20791,7 +21418,7 @@
               <a:t>viewsvn</a:t>
             </a:r>
             <a:r>
-              <a:rPr lang="en-US" sz="2400" b="1" i="0" u="none" strike="noStrike" cap="none" dirty="0">
+              <a:rPr lang="en-US" sz="2400" i="0" u="none" strike="noStrike" cap="none" dirty="0">
                 <a:solidFill>
                   <a:srgbClr val="FF00FF"/>
                 </a:solidFill>
@@ -20803,7 +21430,7 @@
               <a:t>/?view=</a:t>
             </a:r>
             <a:r>
-              <a:rPr lang="en-US" sz="2400" b="1" i="0" u="none" strike="noStrike" cap="none" dirty="0" err="1">
+              <a:rPr lang="en-US" sz="2400" i="0" u="none" strike="noStrike" cap="none" dirty="0" err="1">
                 <a:solidFill>
                   <a:srgbClr val="FF00FF"/>
                 </a:solidFill>
@@ -20815,7 +21442,7 @@
               <a:t>rev&amp;rev</a:t>
             </a:r>
             <a:r>
-              <a:rPr lang="en-US" sz="2400" b="1" i="0" u="none" strike="noStrike" cap="none" dirty="0">
+              <a:rPr lang="en-US" sz="2400" i="0" u="none" strike="noStrike" cap="none" dirty="0">
                 <a:solidFill>
                   <a:srgbClr val="FF00FF"/>
                 </a:solidFill>

--- a/lectures3/Pythonlearn-07-Files.pptx
+++ b/lectures3/Pythonlearn-07-Files.pptx
@@ -5292,7 +5292,7 @@
               <a:buNone/>
             </a:pPr>
             <a:r>
-              <a:rPr lang="en-US" sz="2400" i="0" u="none" strike="noStrike" cap="none" dirty="0">
+              <a:rPr lang="en-US" sz="2400" b="1" i="0" u="none" strike="noStrike" cap="none" dirty="0">
                 <a:solidFill>
                   <a:srgbClr val="FF00FF"/>
                 </a:solidFill>
@@ -5304,7 +5304,7 @@
               <a:t>From </a:t>
             </a:r>
             <a:r>
-              <a:rPr lang="en-US" sz="2400" i="0" u="none" strike="noStrike" cap="none" dirty="0" err="1">
+              <a:rPr lang="en-US" sz="2400" b="1" i="0" u="none" strike="noStrike" cap="none" dirty="0" err="1">
                 <a:solidFill>
                   <a:srgbClr val="FF00FF"/>
                 </a:solidFill>
@@ -5316,7 +5316,7 @@
               <a:t>stephen.marquard@uct.ac.za</a:t>
             </a:r>
             <a:r>
-              <a:rPr lang="en-US" sz="2400" i="0" u="none" strike="noStrike" cap="none" dirty="0">
+              <a:rPr lang="en-US" sz="2400" b="1" i="0" u="none" strike="noStrike" cap="none" dirty="0">
                 <a:solidFill>
                   <a:srgbClr val="FF00FF"/>
                 </a:solidFill>
@@ -5328,7 +5328,7 @@
               <a:t> Sat Jan  5 09:14:16 2008</a:t>
             </a:r>
             <a:r>
-              <a:rPr lang="en-US" sz="2400" i="0" u="none" strike="noStrike" cap="none" dirty="0">
+              <a:rPr lang="en-US" sz="2400" b="1" i="0" u="none" strike="noStrike" cap="none" dirty="0">
                 <a:solidFill>
                   <a:srgbClr val="00FFFF"/>
                 </a:solidFill>
@@ -5359,7 +5359,7 @@
               <a:buNone/>
             </a:pPr>
             <a:r>
-              <a:rPr lang="en-US" sz="2400" i="0" u="none" strike="noStrike" cap="none" dirty="0">
+              <a:rPr lang="en-US" sz="2400" b="1" i="0" u="none" strike="noStrike" cap="none" dirty="0">
                 <a:solidFill>
                   <a:srgbClr val="FF00FF"/>
                 </a:solidFill>
@@ -5371,7 +5371,7 @@
               <a:t>Return-Path: &lt;</a:t>
             </a:r>
             <a:r>
-              <a:rPr lang="en-US" sz="2400" i="0" u="none" strike="noStrike" cap="none" dirty="0" err="1">
+              <a:rPr lang="en-US" sz="2400" b="1" i="0" u="none" strike="noStrike" cap="none" dirty="0" err="1">
                 <a:solidFill>
                   <a:srgbClr val="FF00FF"/>
                 </a:solidFill>
@@ -5383,7 +5383,7 @@
               <a:t>postmaster@collab.sakaiproject.org</a:t>
             </a:r>
             <a:r>
-              <a:rPr lang="en-US" sz="2400" i="0" u="none" strike="noStrike" cap="none" dirty="0">
+              <a:rPr lang="en-US" sz="2400" b="1" i="0" u="none" strike="noStrike" cap="none" dirty="0">
                 <a:solidFill>
                   <a:srgbClr val="FF00FF"/>
                 </a:solidFill>
@@ -5395,7 +5395,7 @@
               <a:t>&gt;</a:t>
             </a:r>
             <a:r>
-              <a:rPr lang="en-US" sz="2400" i="0" u="none" strike="noStrike" cap="none" dirty="0">
+              <a:rPr lang="en-US" sz="2400" b="1" i="0" u="none" strike="noStrike" cap="none" dirty="0">
                 <a:solidFill>
                   <a:srgbClr val="00FFFF"/>
                 </a:solidFill>
@@ -5426,7 +5426,7 @@
               <a:buNone/>
             </a:pPr>
             <a:r>
-              <a:rPr lang="en-US" sz="2400" i="0" u="none" strike="noStrike" cap="none" dirty="0">
+              <a:rPr lang="en-US" sz="2400" b="1" i="0" u="none" strike="noStrike" cap="none" dirty="0">
                 <a:solidFill>
                   <a:srgbClr val="FF00FF"/>
                 </a:solidFill>
@@ -5438,7 +5438,7 @@
               <a:t>Date: Sat, 5 Jan 2008 09:12:18 -0500</a:t>
             </a:r>
             <a:r>
-              <a:rPr lang="en-US" sz="2400" i="0" u="none" strike="noStrike" cap="none" dirty="0">
+              <a:rPr lang="en-US" sz="2400" b="1" i="0" u="none" strike="noStrike" cap="none" dirty="0">
                 <a:solidFill>
                   <a:srgbClr val="00FFFF"/>
                 </a:solidFill>
@@ -5469,7 +5469,7 @@
               <a:buNone/>
             </a:pPr>
             <a:r>
-              <a:rPr lang="en-US" sz="2400" i="0" u="none" strike="noStrike" cap="none" dirty="0">
+              <a:rPr lang="en-US" sz="2400" b="1" i="0" u="none" strike="noStrike" cap="none" dirty="0">
                 <a:solidFill>
                   <a:srgbClr val="FF00FF"/>
                 </a:solidFill>
@@ -5481,7 +5481,7 @@
               <a:t>To: </a:t>
             </a:r>
             <a:r>
-              <a:rPr lang="en-US" sz="2400" i="0" u="none" strike="noStrike" cap="none" dirty="0" err="1">
+              <a:rPr lang="en-US" sz="2400" b="1" i="0" u="none" strike="noStrike" cap="none" dirty="0" err="1">
                 <a:solidFill>
                   <a:srgbClr val="FF00FF"/>
                 </a:solidFill>
@@ -5493,7 +5493,7 @@
               <a:t>source@collab.sakaiproject.org</a:t>
             </a:r>
             <a:r>
-              <a:rPr lang="en-US" sz="2400" i="0" u="none" strike="noStrike" cap="none" dirty="0">
+              <a:rPr lang="en-US" sz="2400" b="1" i="0" u="none" strike="noStrike" cap="none" dirty="0">
                 <a:solidFill>
                   <a:srgbClr val="00FFFF"/>
                 </a:solidFill>
@@ -5524,7 +5524,7 @@
               <a:buNone/>
             </a:pPr>
             <a:r>
-              <a:rPr lang="en-US" sz="2400" i="0" u="none" strike="noStrike" cap="none" dirty="0">
+              <a:rPr lang="en-US" sz="2400" b="1" i="0" u="none" strike="noStrike" cap="none" dirty="0">
                 <a:solidFill>
                   <a:srgbClr val="FF00FF"/>
                 </a:solidFill>
@@ -5536,7 +5536,7 @@
               <a:t>From: </a:t>
             </a:r>
             <a:r>
-              <a:rPr lang="en-US" sz="2400" i="0" u="none" strike="noStrike" cap="none" dirty="0" err="1">
+              <a:rPr lang="en-US" sz="2400" b="1" i="0" u="none" strike="noStrike" cap="none" dirty="0" err="1">
                 <a:solidFill>
                   <a:srgbClr val="FF00FF"/>
                 </a:solidFill>
@@ -5548,7 +5548,7 @@
               <a:t>stephen.marquard@uct.ac.za</a:t>
             </a:r>
             <a:r>
-              <a:rPr lang="en-US" sz="2400" i="0" u="none" strike="noStrike" cap="none" dirty="0">
+              <a:rPr lang="en-US" sz="2400" b="1" i="0" u="none" strike="noStrike" cap="none" dirty="0">
                 <a:solidFill>
                   <a:srgbClr val="00FFFF"/>
                 </a:solidFill>
@@ -5560,7 +5560,7 @@
               <a:t>\</a:t>
             </a:r>
             <a:r>
-              <a:rPr lang="en-US" sz="2400" dirty="0">
+              <a:rPr lang="en-US" sz="2400" b="1" dirty="0">
                 <a:solidFill>
                   <a:srgbClr val="00FFFF"/>
                 </a:solidFill>
@@ -5591,7 +5591,7 @@
               <a:buNone/>
             </a:pPr>
             <a:r>
-              <a:rPr lang="en-US" sz="2400" i="0" u="none" strike="noStrike" cap="none" dirty="0">
+              <a:rPr lang="en-US" sz="2400" b="1" i="0" u="none" strike="noStrike" cap="none" dirty="0">
                 <a:solidFill>
                   <a:srgbClr val="FF00FF"/>
                 </a:solidFill>
@@ -5603,7 +5603,7 @@
               <a:t>Subject: [</a:t>
             </a:r>
             <a:r>
-              <a:rPr lang="en-US" sz="2400" i="0" u="none" strike="noStrike" cap="none" dirty="0" err="1">
+              <a:rPr lang="en-US" sz="2400" b="1" i="0" u="none" strike="noStrike" cap="none" dirty="0" err="1">
                 <a:solidFill>
                   <a:srgbClr val="FF00FF"/>
                 </a:solidFill>
@@ -5615,7 +5615,7 @@
               <a:t>sakai</a:t>
             </a:r>
             <a:r>
-              <a:rPr lang="en-US" sz="2400" i="0" u="none" strike="noStrike" cap="none" dirty="0">
+              <a:rPr lang="en-US" sz="2400" b="1" i="0" u="none" strike="noStrike" cap="none" dirty="0">
                 <a:solidFill>
                   <a:srgbClr val="FF00FF"/>
                 </a:solidFill>
@@ -5627,7 +5627,7 @@
               <a:t>] </a:t>
             </a:r>
             <a:r>
-              <a:rPr lang="en-US" sz="2400" i="0" u="none" strike="noStrike" cap="none" dirty="0" err="1">
+              <a:rPr lang="en-US" sz="2400" b="1" i="0" u="none" strike="noStrike" cap="none" dirty="0" err="1">
                 <a:solidFill>
                   <a:srgbClr val="FF00FF"/>
                 </a:solidFill>
@@ -5639,7 +5639,7 @@
               <a:t>svn</a:t>
             </a:r>
             <a:r>
-              <a:rPr lang="en-US" sz="2400" i="0" u="none" strike="noStrike" cap="none" dirty="0">
+              <a:rPr lang="en-US" sz="2400" b="1" i="0" u="none" strike="noStrike" cap="none" dirty="0">
                 <a:solidFill>
                   <a:srgbClr val="FF00FF"/>
                 </a:solidFill>
@@ -5651,7 +5651,7 @@
               <a:t> commit: r39772 - content/branches/</a:t>
             </a:r>
             <a:r>
-              <a:rPr lang="en-US" sz="2400" i="0" u="none" strike="noStrike" cap="none" dirty="0">
+              <a:rPr lang="en-US" sz="2400" b="1" i="0" u="none" strike="noStrike" cap="none" dirty="0">
                 <a:solidFill>
                   <a:srgbClr val="00FFFF"/>
                 </a:solidFill>
@@ -5682,7 +5682,7 @@
               <a:buNone/>
             </a:pPr>
             <a:r>
-              <a:rPr lang="en-US" sz="2400" dirty="0">
+              <a:rPr lang="en-US" sz="2400" b="1" dirty="0">
                 <a:solidFill>
                   <a:srgbClr val="00FFFF"/>
                 </a:solidFill>
@@ -5713,7 +5713,7 @@
               <a:buNone/>
             </a:pPr>
             <a:r>
-              <a:rPr lang="en-US" sz="2400" i="0" u="none" strike="noStrike" cap="none" dirty="0">
+              <a:rPr lang="en-US" sz="2400" b="1" i="0" u="none" strike="noStrike" cap="none" dirty="0">
                 <a:solidFill>
                   <a:srgbClr val="FF00FF"/>
                 </a:solidFill>
@@ -5725,7 +5725,7 @@
               <a:t>Details:</a:t>
             </a:r>
             <a:r>
-              <a:rPr lang="en-US" sz="2400" dirty="0">
+              <a:rPr lang="en-US" sz="2400" b="1" dirty="0">
                 <a:solidFill>
                   <a:srgbClr val="FF00FF"/>
                 </a:solidFill>
@@ -5737,7 +5737,7 @@
               <a:t> </a:t>
             </a:r>
             <a:r>
-              <a:rPr lang="en-US" sz="2400" i="0" u="none" strike="noStrike" cap="none" dirty="0">
+              <a:rPr lang="en-US" sz="2400" b="1" i="0" u="none" strike="noStrike" cap="none" dirty="0">
                 <a:solidFill>
                   <a:srgbClr val="FF00FF"/>
                 </a:solidFill>
@@ -5749,7 +5749,7 @@
               <a:t>http://</a:t>
             </a:r>
             <a:r>
-              <a:rPr lang="en-US" sz="2400" i="0" u="none" strike="noStrike" cap="none" dirty="0" err="1">
+              <a:rPr lang="en-US" sz="2400" b="1" i="0" u="none" strike="noStrike" cap="none" dirty="0" err="1">
                 <a:solidFill>
                   <a:srgbClr val="FF00FF"/>
                 </a:solidFill>
@@ -5761,7 +5761,7 @@
               <a:t>source.sakaiproject.org</a:t>
             </a:r>
             <a:r>
-              <a:rPr lang="en-US" sz="2400" i="0" u="none" strike="noStrike" cap="none" dirty="0">
+              <a:rPr lang="en-US" sz="2400" b="1" i="0" u="none" strike="noStrike" cap="none" dirty="0">
                 <a:solidFill>
                   <a:srgbClr val="FF00FF"/>
                 </a:solidFill>
@@ -5773,7 +5773,7 @@
               <a:t>/</a:t>
             </a:r>
             <a:r>
-              <a:rPr lang="en-US" sz="2400" i="0" u="none" strike="noStrike" cap="none" dirty="0" err="1">
+              <a:rPr lang="en-US" sz="2400" b="1" i="0" u="none" strike="noStrike" cap="none" dirty="0" err="1">
                 <a:solidFill>
                   <a:srgbClr val="FF00FF"/>
                 </a:solidFill>
@@ -5785,7 +5785,7 @@
               <a:t>viewsvn</a:t>
             </a:r>
             <a:r>
-              <a:rPr lang="en-US" sz="2400" i="0" u="none" strike="noStrike" cap="none" dirty="0">
+              <a:rPr lang="en-US" sz="2400" b="1" i="0" u="none" strike="noStrike" cap="none" dirty="0">
                 <a:solidFill>
                   <a:srgbClr val="FF00FF"/>
                 </a:solidFill>
@@ -5797,7 +5797,7 @@
               <a:t>/?view=</a:t>
             </a:r>
             <a:r>
-              <a:rPr lang="en-US" sz="2400" i="0" u="none" strike="noStrike" cap="none" dirty="0" err="1">
+              <a:rPr lang="en-US" sz="2400" b="1" i="0" u="none" strike="noStrike" cap="none" dirty="0" err="1">
                 <a:solidFill>
                   <a:srgbClr val="FF00FF"/>
                 </a:solidFill>
@@ -5809,7 +5809,7 @@
               <a:t>rev&amp;rev</a:t>
             </a:r>
             <a:r>
-              <a:rPr lang="en-US" sz="2400" i="0" u="none" strike="noStrike" cap="none" dirty="0">
+              <a:rPr lang="en-US" sz="2400" b="1" i="0" u="none" strike="noStrike" cap="none" dirty="0">
                 <a:solidFill>
                   <a:srgbClr val="FF00FF"/>
                 </a:solidFill>
@@ -5821,7 +5821,7 @@
               <a:t>=39772</a:t>
             </a:r>
             <a:r>
-              <a:rPr lang="en-US" sz="2400" i="0" u="none" strike="noStrike" cap="none" dirty="0">
+              <a:rPr lang="en-US" sz="2400" b="1" i="0" u="none" strike="noStrike" cap="none" dirty="0">
                 <a:solidFill>
                   <a:srgbClr val="00FFFF"/>
                 </a:solidFill>
@@ -5833,7 +5833,7 @@
               <a:t>\</a:t>
             </a:r>
             <a:r>
-              <a:rPr lang="en-US" sz="2400" dirty="0">
+              <a:rPr lang="en-US" sz="2400" b="1" dirty="0">
                 <a:solidFill>
                   <a:srgbClr val="00FFFF"/>
                 </a:solidFill>
@@ -6215,7 +6215,7 @@
               <a:buNone/>
             </a:pPr>
             <a:r>
-              <a:rPr lang="en-US" sz="3400" i="0" u="none" strike="noStrike" cap="none" dirty="0" err="1">
+              <a:rPr lang="en-US" sz="3400" b="1" i="0" u="none" strike="noStrike" cap="none" dirty="0" err="1">
                 <a:solidFill>
                   <a:srgbClr val="FF7F00"/>
                 </a:solidFill>
@@ -6227,7 +6227,7 @@
               <a:t>xfile</a:t>
             </a:r>
             <a:r>
-              <a:rPr lang="en-US" sz="3400" i="0" u="none" strike="noStrike" cap="none" dirty="0">
+              <a:rPr lang="en-US" sz="3400" b="1" i="0" u="none" strike="noStrike" cap="none" dirty="0">
                 <a:solidFill>
                   <a:schemeClr val="lt1"/>
                 </a:solidFill>
@@ -6239,7 +6239,7 @@
               <a:t> = </a:t>
             </a:r>
             <a:r>
-              <a:rPr lang="en-US" sz="3400" i="0" u="none" strike="noStrike" cap="none" dirty="0">
+              <a:rPr lang="en-US" sz="3400" b="1" i="0" u="none" strike="noStrike" cap="none" dirty="0">
                 <a:solidFill>
                   <a:srgbClr val="FF00FF"/>
                 </a:solidFill>
@@ -6251,7 +6251,7 @@
               <a:t>open</a:t>
             </a:r>
             <a:r>
-              <a:rPr lang="en-US" sz="3400" i="0" u="none" strike="noStrike" cap="none" dirty="0">
+              <a:rPr lang="en-US" sz="3400" b="1" i="0" u="none" strike="noStrike" cap="none" dirty="0">
                 <a:solidFill>
                   <a:schemeClr val="lt1"/>
                 </a:solidFill>
@@ -6263,7 +6263,7 @@
               <a:t>('</a:t>
             </a:r>
             <a:r>
-              <a:rPr lang="en-US" sz="3400" i="0" u="none" strike="noStrike" cap="none" dirty="0" err="1">
+              <a:rPr lang="en-US" sz="3400" b="1" i="0" u="none" strike="noStrike" cap="none" dirty="0" err="1">
                 <a:solidFill>
                   <a:schemeClr val="lt1"/>
                 </a:solidFill>
@@ -6275,7 +6275,7 @@
               <a:t>mbox.txt</a:t>
             </a:r>
             <a:r>
-              <a:rPr lang="en-US" sz="3400" i="0" u="none" strike="noStrike" cap="none" dirty="0">
+              <a:rPr lang="en-US" sz="3400" b="1" i="0" u="none" strike="noStrike" cap="none" dirty="0">
                 <a:solidFill>
                   <a:schemeClr val="lt1"/>
                 </a:solidFill>
@@ -6306,7 +6306,7 @@
               <a:buNone/>
             </a:pPr>
             <a:r>
-              <a:rPr lang="en-US" sz="3400" i="0" u="none" strike="noStrike" cap="none" dirty="0">
+              <a:rPr lang="en-US" sz="3400" b="1" i="0" u="none" strike="noStrike" cap="none" dirty="0">
                 <a:solidFill>
                   <a:srgbClr val="FFFF00"/>
                 </a:solidFill>
@@ -6318,7 +6318,7 @@
               <a:t>for</a:t>
             </a:r>
             <a:r>
-              <a:rPr lang="en-US" sz="3400" i="0" u="none" strike="noStrike" cap="none" dirty="0">
+              <a:rPr lang="en-US" sz="3400" b="1" i="0" u="none" strike="noStrike" cap="none" dirty="0">
                 <a:solidFill>
                   <a:srgbClr val="00FF00"/>
                 </a:solidFill>
@@ -6330,7 +6330,7 @@
               <a:t> cheese</a:t>
             </a:r>
             <a:r>
-              <a:rPr lang="en-US" sz="3400" i="0" u="none" strike="noStrike" cap="none" dirty="0">
+              <a:rPr lang="en-US" sz="3400" b="1" i="0" u="none" strike="noStrike" cap="none" dirty="0">
                 <a:solidFill>
                   <a:schemeClr val="lt1"/>
                 </a:solidFill>
@@ -6342,7 +6342,7 @@
               <a:t> </a:t>
             </a:r>
             <a:r>
-              <a:rPr lang="en-US" sz="3400" i="0" u="none" strike="noStrike" cap="none" dirty="0">
+              <a:rPr lang="en-US" sz="3400" b="1" i="0" u="none" strike="noStrike" cap="none" dirty="0">
                 <a:solidFill>
                   <a:srgbClr val="FFFF00"/>
                 </a:solidFill>
@@ -6354,7 +6354,7 @@
               <a:t>in</a:t>
             </a:r>
             <a:r>
-              <a:rPr lang="en-US" sz="3400" i="0" u="none" strike="noStrike" cap="none" dirty="0">
+              <a:rPr lang="en-US" sz="3400" b="1" i="0" u="none" strike="noStrike" cap="none" dirty="0">
                 <a:solidFill>
                   <a:schemeClr val="lt1"/>
                 </a:solidFill>
@@ -6366,7 +6366,7 @@
               <a:t> </a:t>
             </a:r>
             <a:r>
-              <a:rPr lang="en-US" sz="3400" i="0" u="none" strike="noStrike" cap="none" dirty="0" err="1">
+              <a:rPr lang="en-US" sz="3400" b="1" i="0" u="none" strike="noStrike" cap="none" dirty="0" err="1">
                 <a:solidFill>
                   <a:srgbClr val="FF7F00"/>
                 </a:solidFill>
@@ -6378,7 +6378,7 @@
               <a:t>xfile</a:t>
             </a:r>
             <a:r>
-              <a:rPr lang="en-US" sz="3400" i="0" u="none" strike="noStrike" cap="none" dirty="0">
+              <a:rPr lang="en-US" sz="3400" b="1" i="0" u="none" strike="noStrike" cap="none" dirty="0">
                 <a:solidFill>
                   <a:schemeClr val="lt1"/>
                 </a:solidFill>
@@ -6409,7 +6409,7 @@
               <a:buNone/>
             </a:pPr>
             <a:r>
-              <a:rPr lang="en-US" sz="3400" dirty="0">
+              <a:rPr lang="en-US" sz="3400" b="1" dirty="0">
                 <a:solidFill>
                   <a:schemeClr val="lt1"/>
                 </a:solidFill>
@@ -6421,7 +6421,7 @@
               <a:t>    </a:t>
             </a:r>
             <a:r>
-              <a:rPr lang="en-US" sz="3400" i="0" u="none" strike="noStrike" cap="none" dirty="0" smtClean="0">
+              <a:rPr lang="en-US" sz="3400" b="1" i="0" u="none" strike="noStrike" cap="none" dirty="0" smtClean="0">
                 <a:solidFill>
                   <a:srgbClr val="FFFF00"/>
                 </a:solidFill>
@@ -6433,7 +6433,7 @@
               <a:t>print</a:t>
             </a:r>
             <a:r>
-              <a:rPr lang="en-US" sz="3400" dirty="0" smtClean="0">
+              <a:rPr lang="en-US" sz="3400" b="1" dirty="0" smtClean="0">
                 <a:solidFill>
                   <a:schemeClr val="lt1"/>
                 </a:solidFill>
@@ -6445,7 +6445,7 @@
               <a:t>(</a:t>
             </a:r>
             <a:r>
-              <a:rPr lang="en-US" sz="3400" i="0" u="none" strike="noStrike" cap="none" dirty="0" smtClean="0">
+              <a:rPr lang="en-US" sz="3400" b="1" i="0" u="none" strike="noStrike" cap="none" dirty="0" smtClean="0">
                 <a:solidFill>
                   <a:srgbClr val="00FF00"/>
                 </a:solidFill>
@@ -6457,7 +6457,7 @@
               <a:t>cheese</a:t>
             </a:r>
             <a:r>
-              <a:rPr lang="en-US" sz="3400" i="0" u="none" strike="noStrike" cap="none" dirty="0" smtClean="0">
+              <a:rPr lang="en-US" sz="3400" b="1" i="0" u="none" strike="noStrike" cap="none" dirty="0" smtClean="0">
                 <a:solidFill>
                   <a:schemeClr val="bg1"/>
                 </a:solidFill>
@@ -6468,7 +6468,7 @@
               </a:rPr>
               <a:t>)</a:t>
             </a:r>
-            <a:endParaRPr lang="en-US" sz="3400" i="0" u="none" strike="noStrike" cap="none" dirty="0">
+            <a:endParaRPr lang="en-US" sz="3400" b="1" i="0" u="none" strike="noStrike" cap="none" dirty="0">
               <a:solidFill>
                 <a:schemeClr val="bg1"/>
               </a:solidFill>
@@ -6788,7 +6788,7 @@
               <a:buNone/>
             </a:pPr>
             <a:r>
-              <a:rPr lang="en-US" sz="3000" i="0" u="none" strike="noStrike" cap="none" dirty="0" err="1">
+              <a:rPr lang="en-US" sz="3000" b="1" i="0" u="none" strike="noStrike" cap="none" dirty="0" err="1">
                 <a:solidFill>
                   <a:srgbClr val="00FF00"/>
                 </a:solidFill>
@@ -6800,7 +6800,7 @@
               <a:t>fhand</a:t>
             </a:r>
             <a:r>
-              <a:rPr lang="en-US" sz="3000" i="0" u="none" strike="noStrike" cap="none" dirty="0">
+              <a:rPr lang="en-US" sz="3000" b="1" i="0" u="none" strike="noStrike" cap="none" dirty="0">
                 <a:solidFill>
                   <a:schemeClr val="lt1"/>
                 </a:solidFill>
@@ -6812,7 +6812,7 @@
               <a:t> = </a:t>
             </a:r>
             <a:r>
-              <a:rPr lang="en-US" sz="3000" i="0" u="none" strike="noStrike" cap="none" dirty="0">
+              <a:rPr lang="en-US" sz="3000" b="1" i="0" u="none" strike="noStrike" cap="none" dirty="0">
                 <a:solidFill>
                   <a:srgbClr val="FF00FF"/>
                 </a:solidFill>
@@ -6824,7 +6824,7 @@
               <a:t>open</a:t>
             </a:r>
             <a:r>
-              <a:rPr lang="en-US" sz="3000" i="0" u="none" strike="noStrike" cap="none" dirty="0">
+              <a:rPr lang="en-US" sz="3000" b="1" i="0" u="none" strike="noStrike" cap="none" dirty="0">
                 <a:solidFill>
                   <a:schemeClr val="lt1"/>
                 </a:solidFill>
@@ -6836,7 +6836,7 @@
               <a:t>('</a:t>
             </a:r>
             <a:r>
-              <a:rPr lang="en-US" sz="3000" i="0" u="none" strike="noStrike" cap="none" dirty="0" err="1">
+              <a:rPr lang="en-US" sz="3000" b="1" i="0" u="none" strike="noStrike" cap="none" dirty="0" err="1">
                 <a:solidFill>
                   <a:schemeClr val="lt1"/>
                 </a:solidFill>
@@ -6848,7 +6848,7 @@
               <a:t>mbox.txt</a:t>
             </a:r>
             <a:r>
-              <a:rPr lang="en-US" sz="3000" i="0" u="none" strike="noStrike" cap="none" dirty="0">
+              <a:rPr lang="en-US" sz="3000" b="1" i="0" u="none" strike="noStrike" cap="none" dirty="0">
                 <a:solidFill>
                   <a:schemeClr val="lt1"/>
                 </a:solidFill>
@@ -6879,7 +6879,7 @@
               <a:buNone/>
             </a:pPr>
             <a:r>
-              <a:rPr lang="en-US" sz="3000" i="0" u="none" strike="noStrike" cap="none" dirty="0">
+              <a:rPr lang="en-US" sz="3000" b="1" i="0" u="none" strike="noStrike" cap="none" dirty="0">
                 <a:solidFill>
                   <a:srgbClr val="FF7F00"/>
                 </a:solidFill>
@@ -6891,7 +6891,7 @@
               <a:t>count</a:t>
             </a:r>
             <a:r>
-              <a:rPr lang="en-US" sz="3000" i="0" u="none" strike="noStrike" cap="none" dirty="0">
+              <a:rPr lang="en-US" sz="3000" b="1" i="0" u="none" strike="noStrike" cap="none" dirty="0">
                 <a:solidFill>
                   <a:schemeClr val="lt1"/>
                 </a:solidFill>
@@ -6922,7 +6922,7 @@
               <a:buNone/>
             </a:pPr>
             <a:r>
-              <a:rPr lang="en-US" sz="3000" i="0" u="none" strike="noStrike" cap="none" dirty="0">
+              <a:rPr lang="en-US" sz="3000" b="1" i="0" u="none" strike="noStrike" cap="none" dirty="0">
                 <a:solidFill>
                   <a:srgbClr val="FFFF00"/>
                 </a:solidFill>
@@ -6934,7 +6934,7 @@
               <a:t>for</a:t>
             </a:r>
             <a:r>
-              <a:rPr lang="en-US" sz="3000" i="0" u="none" strike="noStrike" cap="none" dirty="0">
+              <a:rPr lang="en-US" sz="3000" b="1" i="0" u="none" strike="noStrike" cap="none" dirty="0">
                 <a:solidFill>
                   <a:schemeClr val="lt1"/>
                 </a:solidFill>
@@ -6946,7 +6946,7 @@
               <a:t> </a:t>
             </a:r>
             <a:r>
-              <a:rPr lang="en-US" sz="3000" i="0" u="none" strike="noStrike" cap="none" dirty="0">
+              <a:rPr lang="en-US" sz="3000" b="1" i="0" u="none" strike="noStrike" cap="none" dirty="0">
                 <a:solidFill>
                   <a:srgbClr val="00FF00"/>
                 </a:solidFill>
@@ -6958,7 +6958,7 @@
               <a:t>line</a:t>
             </a:r>
             <a:r>
-              <a:rPr lang="en-US" sz="3000" i="0" u="none" strike="noStrike" cap="none" dirty="0">
+              <a:rPr lang="en-US" sz="3000" b="1" i="0" u="none" strike="noStrike" cap="none" dirty="0">
                 <a:solidFill>
                   <a:schemeClr val="lt1"/>
                 </a:solidFill>
@@ -6970,7 +6970,7 @@
               <a:t> </a:t>
             </a:r>
             <a:r>
-              <a:rPr lang="en-US" sz="3000" i="0" u="none" strike="noStrike" cap="none" dirty="0">
+              <a:rPr lang="en-US" sz="3000" b="1" i="0" u="none" strike="noStrike" cap="none" dirty="0">
                 <a:solidFill>
                   <a:srgbClr val="FFFF00"/>
                 </a:solidFill>
@@ -6982,7 +6982,7 @@
               <a:t>in</a:t>
             </a:r>
             <a:r>
-              <a:rPr lang="en-US" sz="3000" i="0" u="none" strike="noStrike" cap="none" dirty="0">
+              <a:rPr lang="en-US" sz="3000" b="1" i="0" u="none" strike="noStrike" cap="none" dirty="0">
                 <a:solidFill>
                   <a:schemeClr val="lt1"/>
                 </a:solidFill>
@@ -6994,7 +6994,7 @@
               <a:t> </a:t>
             </a:r>
             <a:r>
-              <a:rPr lang="en-US" sz="3000" i="0" u="none" strike="noStrike" cap="none" dirty="0" err="1">
+              <a:rPr lang="en-US" sz="3000" b="1" i="0" u="none" strike="noStrike" cap="none" dirty="0" err="1">
                 <a:solidFill>
                   <a:srgbClr val="00FF00"/>
                 </a:solidFill>
@@ -7006,7 +7006,7 @@
               <a:t>fhand</a:t>
             </a:r>
             <a:r>
-              <a:rPr lang="en-US" sz="3000" i="0" u="none" strike="noStrike" cap="none" dirty="0">
+              <a:rPr lang="en-US" sz="3000" b="1" i="0" u="none" strike="noStrike" cap="none" dirty="0">
                 <a:solidFill>
                   <a:schemeClr val="lt1"/>
                 </a:solidFill>
@@ -7037,7 +7037,7 @@
               <a:buNone/>
             </a:pPr>
             <a:r>
-              <a:rPr lang="en-US" sz="3000" dirty="0">
+              <a:rPr lang="en-US" sz="3000" b="1" dirty="0">
                 <a:solidFill>
                   <a:schemeClr val="lt1"/>
                 </a:solidFill>
@@ -7049,7 +7049,7 @@
               <a:t>    </a:t>
             </a:r>
             <a:r>
-              <a:rPr lang="en-US" sz="3000" i="0" u="none" strike="noStrike" cap="none" dirty="0">
+              <a:rPr lang="en-US" sz="3000" b="1" i="0" u="none" strike="noStrike" cap="none" dirty="0">
                 <a:solidFill>
                   <a:srgbClr val="FF7F00"/>
                 </a:solidFill>
@@ -7061,7 +7061,7 @@
               <a:t>count</a:t>
             </a:r>
             <a:r>
-              <a:rPr lang="en-US" sz="3000" i="0" u="none" strike="noStrike" cap="none" dirty="0">
+              <a:rPr lang="en-US" sz="3000" b="1" i="0" u="none" strike="noStrike" cap="none" dirty="0">
                 <a:solidFill>
                   <a:schemeClr val="lt1"/>
                 </a:solidFill>
@@ -7073,7 +7073,7 @@
               <a:t> = </a:t>
             </a:r>
             <a:r>
-              <a:rPr lang="en-US" sz="3000" i="0" u="none" strike="noStrike" cap="none" dirty="0">
+              <a:rPr lang="en-US" sz="3000" b="1" i="0" u="none" strike="noStrike" cap="none" dirty="0">
                 <a:solidFill>
                   <a:srgbClr val="FF7F00"/>
                 </a:solidFill>
@@ -7085,7 +7085,7 @@
               <a:t>count</a:t>
             </a:r>
             <a:r>
-              <a:rPr lang="en-US" sz="3000" i="0" u="none" strike="noStrike" cap="none" dirty="0">
+              <a:rPr lang="en-US" sz="3000" b="1" i="0" u="none" strike="noStrike" cap="none" dirty="0">
                 <a:solidFill>
                   <a:schemeClr val="lt1"/>
                 </a:solidFill>
@@ -7116,7 +7116,7 @@
               <a:buNone/>
             </a:pPr>
             <a:r>
-              <a:rPr lang="en-US" sz="3000" i="0" u="none" strike="noStrike" cap="none" dirty="0" smtClean="0">
+              <a:rPr lang="en-US" sz="3000" b="1" i="0" u="none" strike="noStrike" cap="none" dirty="0" smtClean="0">
                 <a:solidFill>
                   <a:srgbClr val="FFFF00"/>
                 </a:solidFill>
@@ -7128,7 +7128,7 @@
               <a:t>print</a:t>
             </a:r>
             <a:r>
-              <a:rPr lang="en-US" sz="3000" dirty="0">
+              <a:rPr lang="en-US" sz="3000" b="1" dirty="0">
                 <a:solidFill>
                   <a:schemeClr val="lt1"/>
                 </a:solidFill>
@@ -7140,7 +7140,7 @@
               <a:t>(</a:t>
             </a:r>
             <a:r>
-              <a:rPr lang="en-US" sz="3000" i="0" u="none" strike="noStrike" cap="none" dirty="0" smtClean="0">
+              <a:rPr lang="en-US" sz="3000" b="1" i="0" u="none" strike="noStrike" cap="none" dirty="0" smtClean="0">
                 <a:solidFill>
                   <a:schemeClr val="lt1"/>
                 </a:solidFill>
@@ -7152,7 +7152,7 @@
               <a:t>'Line </a:t>
             </a:r>
             <a:r>
-              <a:rPr lang="en-US" sz="3000" i="0" u="none" strike="noStrike" cap="none" dirty="0">
+              <a:rPr lang="en-US" sz="3000" b="1" i="0" u="none" strike="noStrike" cap="none" dirty="0">
                 <a:solidFill>
                   <a:schemeClr val="lt1"/>
                 </a:solidFill>
@@ -7164,7 +7164,7 @@
               <a:t>Count:', </a:t>
             </a:r>
             <a:r>
-              <a:rPr lang="en-US" sz="3000" i="0" u="none" strike="noStrike" cap="none" dirty="0" smtClean="0">
+              <a:rPr lang="en-US" sz="3000" b="1" i="0" u="none" strike="noStrike" cap="none" dirty="0" smtClean="0">
                 <a:solidFill>
                   <a:srgbClr val="FF7F00"/>
                 </a:solidFill>
@@ -7176,7 +7176,7 @@
               <a:t>count</a:t>
             </a:r>
             <a:r>
-              <a:rPr lang="en-US" sz="3000" i="0" u="none" strike="noStrike" cap="none" dirty="0" smtClean="0">
+              <a:rPr lang="en-US" sz="3000" b="1" i="0" u="none" strike="noStrike" cap="none" dirty="0" smtClean="0">
                 <a:solidFill>
                   <a:schemeClr val="bg1"/>
                 </a:solidFill>
@@ -7187,7 +7187,7 @@
               </a:rPr>
               <a:t>)</a:t>
             </a:r>
-            <a:endParaRPr lang="en-US" sz="3000" i="0" u="none" strike="noStrike" cap="none" dirty="0">
+            <a:endParaRPr lang="en-US" sz="3000" b="1" i="0" u="none" strike="noStrike" cap="none" dirty="0">
               <a:solidFill>
                 <a:schemeClr val="bg1"/>
               </a:solidFill>
@@ -7210,7 +7210,7 @@
               </a:spcAft>
               <a:buNone/>
             </a:pPr>
-            <a:endParaRPr sz="3000" i="0" u="none" strike="noStrike" cap="none" dirty="0">
+            <a:endParaRPr sz="3000" b="1" i="0" u="none" strike="noStrike" cap="none" dirty="0">
               <a:solidFill>
                 <a:srgbClr val="FF7F00"/>
               </a:solidFill>
@@ -7233,7 +7233,7 @@
               </a:spcAft>
               <a:buNone/>
             </a:pPr>
-            <a:endParaRPr sz="3000" i="0" u="none" strike="noStrike" cap="none" dirty="0">
+            <a:endParaRPr sz="3000" b="1" i="0" u="none" strike="noStrike" cap="none" dirty="0">
               <a:solidFill>
                 <a:srgbClr val="FF7F00"/>
               </a:solidFill>
@@ -7262,7 +7262,7 @@
               <a:buNone/>
             </a:pPr>
             <a:r>
-              <a:rPr lang="en-US" sz="3000" i="0" u="none" strike="noStrike" cap="none" dirty="0">
+              <a:rPr lang="en-US" sz="3000" b="1" i="0" u="none" strike="noStrike" cap="none" dirty="0">
                 <a:solidFill>
                   <a:schemeClr val="lt1"/>
                 </a:solidFill>
@@ -7274,7 +7274,7 @@
               <a:t>$</a:t>
             </a:r>
             <a:r>
-              <a:rPr lang="en-US" sz="3000" i="0" u="none" strike="noStrike" cap="none" dirty="0">
+              <a:rPr lang="en-US" sz="3000" b="1" i="0" u="none" strike="noStrike" cap="none" dirty="0">
                 <a:solidFill>
                   <a:srgbClr val="00FF00"/>
                 </a:solidFill>
@@ -7286,7 +7286,7 @@
               <a:t> python </a:t>
             </a:r>
             <a:r>
-              <a:rPr lang="en-US" sz="3000" i="0" u="none" strike="noStrike" cap="none" dirty="0" err="1">
+              <a:rPr lang="en-US" sz="3000" b="1" i="0" u="none" strike="noStrike" cap="none" dirty="0" err="1">
                 <a:solidFill>
                   <a:srgbClr val="00FF00"/>
                 </a:solidFill>
@@ -7297,7 +7297,7 @@
               </a:rPr>
               <a:t>open.py</a:t>
             </a:r>
-            <a:endParaRPr lang="en-US" sz="3000" i="0" u="none" strike="noStrike" cap="none" dirty="0">
+            <a:endParaRPr lang="en-US" sz="3000" b="1" i="0" u="none" strike="noStrike" cap="none" dirty="0">
               <a:solidFill>
                 <a:srgbClr val="00FF00"/>
               </a:solidFill>
@@ -7326,7 +7326,7 @@
               <a:buNone/>
             </a:pPr>
             <a:r>
-              <a:rPr lang="en-US" sz="3000" i="0" u="none" strike="noStrike" cap="none" dirty="0">
+              <a:rPr lang="en-US" sz="3000" b="1" i="0" u="none" strike="noStrike" cap="none" dirty="0">
                 <a:solidFill>
                   <a:schemeClr val="lt1"/>
                 </a:solidFill>
@@ -7561,7 +7561,7 @@
               <a:buNone/>
             </a:pPr>
             <a:r>
-              <a:rPr lang="en-US" sz="3000" i="0" u="none" strike="noStrike" cap="none" dirty="0">
+              <a:rPr lang="en-US" sz="3000" b="1" i="0" u="none" strike="noStrike" cap="none" dirty="0">
                 <a:solidFill>
                   <a:schemeClr val="lt1"/>
                 </a:solidFill>
@@ -7573,7 +7573,7 @@
               <a:t>&gt;&gt;&gt; </a:t>
             </a:r>
             <a:r>
-              <a:rPr lang="en-US" sz="3000" i="0" u="none" strike="noStrike" cap="none" dirty="0" err="1">
+              <a:rPr lang="en-US" sz="3000" b="1" i="0" u="none" strike="noStrike" cap="none" dirty="0" err="1">
                 <a:solidFill>
                   <a:srgbClr val="00FF00"/>
                 </a:solidFill>
@@ -7585,7 +7585,7 @@
               <a:t>fhand</a:t>
             </a:r>
             <a:r>
-              <a:rPr lang="en-US" sz="3000" i="0" u="none" strike="noStrike" cap="none" dirty="0">
+              <a:rPr lang="en-US" sz="3000" b="1" i="0" u="none" strike="noStrike" cap="none" dirty="0">
                 <a:solidFill>
                   <a:schemeClr val="lt1"/>
                 </a:solidFill>
@@ -7597,7 +7597,7 @@
               <a:t> = </a:t>
             </a:r>
             <a:r>
-              <a:rPr lang="en-US" sz="3000" i="0" u="none" strike="noStrike" cap="none" dirty="0">
+              <a:rPr lang="en-US" sz="3000" b="1" i="0" u="none" strike="noStrike" cap="none" dirty="0">
                 <a:solidFill>
                   <a:srgbClr val="FF00FF"/>
                 </a:solidFill>
@@ -7609,7 +7609,7 @@
               <a:t>open</a:t>
             </a:r>
             <a:r>
-              <a:rPr lang="en-US" sz="3000" i="0" u="none" strike="noStrike" cap="none" dirty="0">
+              <a:rPr lang="en-US" sz="3000" b="1" i="0" u="none" strike="noStrike" cap="none" dirty="0">
                 <a:solidFill>
                   <a:schemeClr val="lt1"/>
                 </a:solidFill>
@@ -7621,7 +7621,7 @@
               <a:t>('</a:t>
             </a:r>
             <a:r>
-              <a:rPr lang="en-US" sz="3000" i="0" u="none" strike="noStrike" cap="none" dirty="0" err="1">
+              <a:rPr lang="en-US" sz="3000" b="1" i="0" u="none" strike="noStrike" cap="none" dirty="0" err="1">
                 <a:solidFill>
                   <a:schemeClr val="lt1"/>
                 </a:solidFill>
@@ -7633,7 +7633,7 @@
               <a:t>mbox-short.txt</a:t>
             </a:r>
             <a:r>
-              <a:rPr lang="en-US" sz="3000" i="0" u="none" strike="noStrike" cap="none" dirty="0">
+              <a:rPr lang="en-US" sz="3000" b="1" i="0" u="none" strike="noStrike" cap="none" dirty="0">
                 <a:solidFill>
                   <a:schemeClr val="lt1"/>
                 </a:solidFill>
@@ -7664,7 +7664,7 @@
               <a:buNone/>
             </a:pPr>
             <a:r>
-              <a:rPr lang="en-US" sz="3000" i="0" u="none" strike="noStrike" cap="none" dirty="0">
+              <a:rPr lang="en-US" sz="3000" b="1" i="0" u="none" strike="noStrike" cap="none" dirty="0">
                 <a:solidFill>
                   <a:schemeClr val="lt1"/>
                 </a:solidFill>
@@ -7676,7 +7676,7 @@
               <a:t>&gt;&gt;&gt; </a:t>
             </a:r>
             <a:r>
-              <a:rPr lang="en-US" sz="3000" i="0" u="none" strike="noStrike" cap="none" dirty="0" err="1">
+              <a:rPr lang="en-US" sz="3000" b="1" i="0" u="none" strike="noStrike" cap="none" dirty="0" err="1">
                 <a:solidFill>
                   <a:srgbClr val="00FFFF"/>
                 </a:solidFill>
@@ -7688,7 +7688,7 @@
               <a:t>inp</a:t>
             </a:r>
             <a:r>
-              <a:rPr lang="en-US" sz="3000" i="0" u="none" strike="noStrike" cap="none" dirty="0">
+              <a:rPr lang="en-US" sz="3000" b="1" i="0" u="none" strike="noStrike" cap="none" dirty="0">
                 <a:solidFill>
                   <a:schemeClr val="lt1"/>
                 </a:solidFill>
@@ -7700,7 +7700,7 @@
               <a:t> = </a:t>
             </a:r>
             <a:r>
-              <a:rPr lang="en-US" sz="3000" i="0" u="none" strike="noStrike" cap="none" dirty="0" err="1">
+              <a:rPr lang="en-US" sz="3000" b="1" i="0" u="none" strike="noStrike" cap="none" dirty="0" err="1">
                 <a:solidFill>
                   <a:srgbClr val="00FF00"/>
                 </a:solidFill>
@@ -7712,7 +7712,7 @@
               <a:t>fhand</a:t>
             </a:r>
             <a:r>
-              <a:rPr lang="en-US" sz="3000" i="0" u="none" strike="noStrike" cap="none" dirty="0" err="1">
+              <a:rPr lang="en-US" sz="3000" b="1" i="0" u="none" strike="noStrike" cap="none" dirty="0" err="1">
                 <a:solidFill>
                   <a:srgbClr val="FF7F00"/>
                 </a:solidFill>
@@ -7724,7 +7724,7 @@
               <a:t>.read</a:t>
             </a:r>
             <a:r>
-              <a:rPr lang="en-US" sz="3000" i="0" u="none" strike="noStrike" cap="none" dirty="0">
+              <a:rPr lang="en-US" sz="3000" b="1" i="0" u="none" strike="noStrike" cap="none" dirty="0">
                 <a:solidFill>
                   <a:schemeClr val="lt1"/>
                 </a:solidFill>
@@ -7755,7 +7755,7 @@
               <a:buNone/>
             </a:pPr>
             <a:r>
-              <a:rPr lang="en-US" sz="3000" i="0" u="none" strike="noStrike" cap="none" dirty="0">
+              <a:rPr lang="en-US" sz="3000" b="1" i="0" u="none" strike="noStrike" cap="none" dirty="0">
                 <a:solidFill>
                   <a:schemeClr val="lt1"/>
                 </a:solidFill>
@@ -7767,7 +7767,7 @@
               <a:t>&gt;&gt;&gt; </a:t>
             </a:r>
             <a:r>
-              <a:rPr lang="en-US" sz="3000" i="0" u="none" strike="noStrike" cap="none" dirty="0" smtClean="0">
+              <a:rPr lang="en-US" sz="3000" b="1" i="0" u="none" strike="noStrike" cap="none" dirty="0" smtClean="0">
                 <a:solidFill>
                   <a:srgbClr val="FFFF00"/>
                 </a:solidFill>
@@ -7779,7 +7779,7 @@
               <a:t>print</a:t>
             </a:r>
             <a:r>
-              <a:rPr lang="en-US" sz="3000" dirty="0">
+              <a:rPr lang="en-US" sz="3000" b="1" dirty="0">
                 <a:solidFill>
                   <a:schemeClr val="lt1"/>
                 </a:solidFill>
@@ -7791,7 +7791,7 @@
               <a:t>(</a:t>
             </a:r>
             <a:r>
-              <a:rPr lang="en-US" sz="3000" i="0" u="none" strike="noStrike" cap="none" dirty="0" err="1" smtClean="0">
+              <a:rPr lang="en-US" sz="3000" b="1" i="0" u="none" strike="noStrike" cap="none" dirty="0" err="1" smtClean="0">
                 <a:solidFill>
                   <a:srgbClr val="FF00FF"/>
                 </a:solidFill>
@@ -7803,7 +7803,7 @@
               <a:t>len</a:t>
             </a:r>
             <a:r>
-              <a:rPr lang="en-US" sz="3000" i="0" u="none" strike="noStrike" cap="none" dirty="0" smtClean="0">
+              <a:rPr lang="en-US" sz="3000" b="1" i="0" u="none" strike="noStrike" cap="none" dirty="0" smtClean="0">
                 <a:solidFill>
                   <a:schemeClr val="lt1"/>
                 </a:solidFill>
@@ -7815,7 +7815,7 @@
               <a:t>(</a:t>
             </a:r>
             <a:r>
-              <a:rPr lang="en-US" sz="3000" i="0" u="none" strike="noStrike" cap="none" dirty="0" err="1" smtClean="0">
+              <a:rPr lang="en-US" sz="3000" b="1" i="0" u="none" strike="noStrike" cap="none" dirty="0" err="1" smtClean="0">
                 <a:solidFill>
                   <a:srgbClr val="00FFFF"/>
                 </a:solidFill>
@@ -7827,7 +7827,7 @@
               <a:t>inp</a:t>
             </a:r>
             <a:r>
-              <a:rPr lang="en-US" sz="3000" i="0" u="none" strike="noStrike" cap="none" dirty="0" smtClean="0">
+              <a:rPr lang="en-US" sz="3000" b="1" i="0" u="none" strike="noStrike" cap="none" dirty="0" smtClean="0">
                 <a:solidFill>
                   <a:schemeClr val="lt1"/>
                 </a:solidFill>
@@ -7838,7 +7838,7 @@
               </a:rPr>
               <a:t>))</a:t>
             </a:r>
-            <a:endParaRPr lang="en-US" sz="3000" i="0" u="none" strike="noStrike" cap="none" dirty="0">
+            <a:endParaRPr lang="en-US" sz="3000" b="1" i="0" u="none" strike="noStrike" cap="none" dirty="0">
               <a:solidFill>
                 <a:schemeClr val="lt1"/>
               </a:solidFill>
@@ -7867,7 +7867,7 @@
               <a:buNone/>
             </a:pPr>
             <a:r>
-              <a:rPr lang="en-US" sz="3000" i="0" u="none" strike="noStrike" cap="none" dirty="0">
+              <a:rPr lang="en-US" sz="3000" b="1" i="0" u="none" strike="noStrike" cap="none" dirty="0">
                 <a:solidFill>
                   <a:schemeClr val="lt1"/>
                 </a:solidFill>
@@ -7898,7 +7898,7 @@
               <a:buNone/>
             </a:pPr>
             <a:r>
-              <a:rPr lang="en-US" sz="3000" i="0" u="none" strike="noStrike" cap="none" dirty="0">
+              <a:rPr lang="en-US" sz="3000" b="1" i="0" u="none" strike="noStrike" cap="none" dirty="0">
                 <a:solidFill>
                   <a:schemeClr val="lt1"/>
                 </a:solidFill>
@@ -7910,7 +7910,7 @@
               <a:t>&gt;&gt;&gt; </a:t>
             </a:r>
             <a:r>
-              <a:rPr lang="en-US" sz="3000" i="0" u="none" strike="noStrike" cap="none" dirty="0" smtClean="0">
+              <a:rPr lang="en-US" sz="3000" b="1" i="0" u="none" strike="noStrike" cap="none" dirty="0" smtClean="0">
                 <a:solidFill>
                   <a:srgbClr val="FFFF00"/>
                 </a:solidFill>
@@ -7922,7 +7922,7 @@
               <a:t>print</a:t>
             </a:r>
             <a:r>
-              <a:rPr lang="en-US" sz="3000" dirty="0">
+              <a:rPr lang="en-US" sz="3000" b="1" dirty="0">
                 <a:solidFill>
                   <a:schemeClr val="lt1"/>
                 </a:solidFill>
@@ -7934,7 +7934,7 @@
               <a:t>(</a:t>
             </a:r>
             <a:r>
-              <a:rPr lang="en-US" sz="3000" i="0" u="none" strike="noStrike" cap="none" dirty="0" err="1" smtClean="0">
+              <a:rPr lang="en-US" sz="3000" b="1" i="0" u="none" strike="noStrike" cap="none" dirty="0" err="1" smtClean="0">
                 <a:solidFill>
                   <a:srgbClr val="00FFFF"/>
                 </a:solidFill>
@@ -7946,7 +7946,7 @@
               <a:t>inp</a:t>
             </a:r>
             <a:r>
-              <a:rPr lang="en-US" sz="3000" i="0" u="none" strike="noStrike" cap="none" dirty="0">
+              <a:rPr lang="en-US" sz="3000" b="1" i="0" u="none" strike="noStrike" cap="none" dirty="0">
                 <a:solidFill>
                   <a:schemeClr val="lt1"/>
                 </a:solidFill>
@@ -7958,7 +7958,7 @@
               <a:t>[:20</a:t>
             </a:r>
             <a:r>
-              <a:rPr lang="en-US" sz="3000" i="0" u="none" strike="noStrike" cap="none" dirty="0" smtClean="0">
+              <a:rPr lang="en-US" sz="3000" b="1" i="0" u="none" strike="noStrike" cap="none" dirty="0" smtClean="0">
                 <a:solidFill>
                   <a:schemeClr val="lt1"/>
                 </a:solidFill>
@@ -7969,7 +7969,7 @@
               </a:rPr>
               <a:t>])</a:t>
             </a:r>
-            <a:endParaRPr lang="en-US" sz="3000" i="0" u="none" strike="noStrike" cap="none" dirty="0">
+            <a:endParaRPr lang="en-US" sz="3000" b="1" i="0" u="none" strike="noStrike" cap="none" dirty="0">
               <a:solidFill>
                 <a:schemeClr val="lt1"/>
               </a:solidFill>
@@ -7998,7 +7998,7 @@
               <a:buNone/>
             </a:pPr>
             <a:r>
-              <a:rPr lang="en-US" sz="3000" i="0" u="none" strike="noStrike" cap="none" dirty="0">
+              <a:rPr lang="en-US" sz="3000" b="1" i="0" u="none" strike="noStrike" cap="none" dirty="0">
                 <a:solidFill>
                   <a:schemeClr val="lt1"/>
                 </a:solidFill>
@@ -8010,7 +8010,7 @@
               <a:t>From </a:t>
             </a:r>
             <a:r>
-              <a:rPr lang="en-US" sz="3000" i="0" u="none" strike="noStrike" cap="none" dirty="0" err="1">
+              <a:rPr lang="en-US" sz="3000" b="1" i="0" u="none" strike="noStrike" cap="none" dirty="0" err="1">
                 <a:solidFill>
                   <a:schemeClr val="lt1"/>
                 </a:solidFill>
@@ -8021,7 +8021,7 @@
               </a:rPr>
               <a:t>stephen.marquar</a:t>
             </a:r>
-            <a:endParaRPr lang="en-US" sz="3000" i="0" u="none" strike="noStrike" cap="none" dirty="0">
+            <a:endParaRPr lang="en-US" sz="3000" b="1" i="0" u="none" strike="noStrike" cap="none" dirty="0">
               <a:solidFill>
                 <a:schemeClr val="lt1"/>
               </a:solidFill>
@@ -8266,7 +8266,7 @@
               <a:buNone/>
             </a:pPr>
             <a:r>
-              <a:rPr lang="en-US" sz="2600" i="0" u="none" strike="noStrike" cap="none" dirty="0" err="1">
+              <a:rPr lang="en-US" sz="2600" b="1" i="0" u="none" strike="noStrike" cap="none" dirty="0" err="1">
                 <a:solidFill>
                   <a:srgbClr val="00FF00"/>
                 </a:solidFill>
@@ -8278,7 +8278,7 @@
               <a:t>fhand</a:t>
             </a:r>
             <a:r>
-              <a:rPr lang="en-US" sz="2600" i="0" u="none" strike="noStrike" cap="none" dirty="0">
+              <a:rPr lang="en-US" sz="2600" b="1" i="0" u="none" strike="noStrike" cap="none" dirty="0">
                 <a:solidFill>
                   <a:schemeClr val="lt1"/>
                 </a:solidFill>
@@ -8290,7 +8290,7 @@
               <a:t> = </a:t>
             </a:r>
             <a:r>
-              <a:rPr lang="en-US" sz="2600" i="0" u="none" strike="noStrike" cap="none" dirty="0">
+              <a:rPr lang="en-US" sz="2600" b="1" i="0" u="none" strike="noStrike" cap="none" dirty="0">
                 <a:solidFill>
                   <a:srgbClr val="FF00FF"/>
                 </a:solidFill>
@@ -8302,7 +8302,7 @@
               <a:t>open</a:t>
             </a:r>
             <a:r>
-              <a:rPr lang="en-US" sz="2600" i="0" u="none" strike="noStrike" cap="none" dirty="0">
+              <a:rPr lang="en-US" sz="2600" b="1" i="0" u="none" strike="noStrike" cap="none" dirty="0">
                 <a:solidFill>
                   <a:schemeClr val="lt1"/>
                 </a:solidFill>
@@ -8314,7 +8314,7 @@
               <a:t>('</a:t>
             </a:r>
             <a:r>
-              <a:rPr lang="en-US" sz="2600" i="0" u="none" strike="noStrike" cap="none" dirty="0" err="1">
+              <a:rPr lang="en-US" sz="2600" b="1" i="0" u="none" strike="noStrike" cap="none" dirty="0" err="1">
                 <a:solidFill>
                   <a:schemeClr val="lt1"/>
                 </a:solidFill>
@@ -8326,7 +8326,7 @@
               <a:t>mbox-short.txt</a:t>
             </a:r>
             <a:r>
-              <a:rPr lang="en-US" sz="2600" i="0" u="none" strike="noStrike" cap="none" dirty="0">
+              <a:rPr lang="en-US" sz="2600" b="1" i="0" u="none" strike="noStrike" cap="none" dirty="0">
                 <a:solidFill>
                   <a:schemeClr val="lt1"/>
                 </a:solidFill>
@@ -8357,7 +8357,7 @@
               <a:buNone/>
             </a:pPr>
             <a:r>
-              <a:rPr lang="en-US" sz="2600" i="0" u="none" strike="noStrike" cap="none" dirty="0">
+              <a:rPr lang="en-US" sz="2600" b="1" i="0" u="none" strike="noStrike" cap="none" dirty="0">
                 <a:solidFill>
                   <a:srgbClr val="FFFF00"/>
                 </a:solidFill>
@@ -8369,7 +8369,7 @@
               <a:t>for</a:t>
             </a:r>
             <a:r>
-              <a:rPr lang="en-US" sz="2600" i="0" u="none" strike="noStrike" cap="none" dirty="0">
+              <a:rPr lang="en-US" sz="2600" b="1" i="0" u="none" strike="noStrike" cap="none" dirty="0">
                 <a:solidFill>
                   <a:schemeClr val="lt1"/>
                 </a:solidFill>
@@ -8381,7 +8381,7 @@
               <a:t> </a:t>
             </a:r>
             <a:r>
-              <a:rPr lang="en-US" sz="2600" i="0" u="none" strike="noStrike" cap="none" dirty="0">
+              <a:rPr lang="en-US" sz="2600" b="1" i="0" u="none" strike="noStrike" cap="none" dirty="0">
                 <a:solidFill>
                   <a:srgbClr val="00FF00"/>
                 </a:solidFill>
@@ -8393,7 +8393,7 @@
               <a:t>line</a:t>
             </a:r>
             <a:r>
-              <a:rPr lang="en-US" sz="2600" i="0" u="none" strike="noStrike" cap="none" dirty="0">
+              <a:rPr lang="en-US" sz="2600" b="1" i="0" u="none" strike="noStrike" cap="none" dirty="0">
                 <a:solidFill>
                   <a:schemeClr val="lt1"/>
                 </a:solidFill>
@@ -8405,7 +8405,7 @@
               <a:t> </a:t>
             </a:r>
             <a:r>
-              <a:rPr lang="en-US" sz="2600" i="0" u="none" strike="noStrike" cap="none" dirty="0">
+              <a:rPr lang="en-US" sz="2600" b="1" i="0" u="none" strike="noStrike" cap="none" dirty="0">
                 <a:solidFill>
                   <a:srgbClr val="FFFF00"/>
                 </a:solidFill>
@@ -8417,7 +8417,7 @@
               <a:t>in</a:t>
             </a:r>
             <a:r>
-              <a:rPr lang="en-US" sz="2600" i="0" u="none" strike="noStrike" cap="none" dirty="0">
+              <a:rPr lang="en-US" sz="2600" b="1" i="0" u="none" strike="noStrike" cap="none" dirty="0">
                 <a:solidFill>
                   <a:schemeClr val="lt1"/>
                 </a:solidFill>
@@ -8429,7 +8429,7 @@
               <a:t> </a:t>
             </a:r>
             <a:r>
-              <a:rPr lang="en-US" sz="2600" i="0" u="none" strike="noStrike" cap="none" dirty="0" err="1">
+              <a:rPr lang="en-US" sz="2600" b="1" i="0" u="none" strike="noStrike" cap="none" dirty="0" err="1">
                 <a:solidFill>
                   <a:srgbClr val="00FF00"/>
                 </a:solidFill>
@@ -8441,7 +8441,7 @@
               <a:t>fhand</a:t>
             </a:r>
             <a:r>
-              <a:rPr lang="en-US" sz="2600" i="0" u="none" strike="noStrike" cap="none" dirty="0">
+              <a:rPr lang="en-US" sz="2600" b="1" i="0" u="none" strike="noStrike" cap="none" dirty="0">
                 <a:solidFill>
                   <a:schemeClr val="lt1"/>
                 </a:solidFill>
@@ -8472,7 +8472,7 @@
               <a:buNone/>
             </a:pPr>
             <a:r>
-              <a:rPr lang="en-US" sz="2600" dirty="0">
+              <a:rPr lang="en-US" sz="2600" b="1" dirty="0">
                 <a:solidFill>
                   <a:schemeClr val="lt1"/>
                 </a:solidFill>
@@ -8484,7 +8484,7 @@
               <a:t>    </a:t>
             </a:r>
             <a:r>
-              <a:rPr lang="en-US" sz="2600" i="0" u="none" strike="noStrike" cap="none" dirty="0">
+              <a:rPr lang="en-US" sz="2600" b="1" i="0" u="none" strike="noStrike" cap="none" dirty="0">
                 <a:solidFill>
                   <a:srgbClr val="FFFF00"/>
                 </a:solidFill>
@@ -8496,7 +8496,7 @@
               <a:t>if</a:t>
             </a:r>
             <a:r>
-              <a:rPr lang="en-US" sz="2600" i="0" u="none" strike="noStrike" cap="none" dirty="0">
+              <a:rPr lang="en-US" sz="2600" b="1" i="0" u="none" strike="noStrike" cap="none" dirty="0">
                 <a:solidFill>
                   <a:schemeClr val="lt1"/>
                 </a:solidFill>
@@ -8508,7 +8508,7 @@
               <a:t> </a:t>
             </a:r>
             <a:r>
-              <a:rPr lang="en-US" sz="2600" i="0" u="none" strike="noStrike" cap="none" dirty="0" err="1">
+              <a:rPr lang="en-US" sz="2600" b="1" i="0" u="none" strike="noStrike" cap="none" dirty="0" err="1">
                 <a:solidFill>
                   <a:srgbClr val="00FF00"/>
                 </a:solidFill>
@@ -8520,7 +8520,7 @@
               <a:t>line</a:t>
             </a:r>
             <a:r>
-              <a:rPr lang="en-US" sz="2600" i="0" u="none" strike="noStrike" cap="none" dirty="0" err="1">
+              <a:rPr lang="en-US" sz="2600" b="1" i="0" u="none" strike="noStrike" cap="none" dirty="0" err="1">
                 <a:solidFill>
                   <a:srgbClr val="FF00FF"/>
                 </a:solidFill>
@@ -8532,7 +8532,7 @@
               <a:t>.startswith</a:t>
             </a:r>
             <a:r>
-              <a:rPr lang="en-US" sz="2600" i="0" u="none" strike="noStrike" cap="none" dirty="0">
+              <a:rPr lang="en-US" sz="2600" b="1" i="0" u="none" strike="noStrike" cap="none" dirty="0">
                 <a:solidFill>
                   <a:schemeClr val="lt1"/>
                 </a:solidFill>
@@ -8563,7 +8563,7 @@
               <a:buNone/>
             </a:pPr>
             <a:r>
-              <a:rPr lang="en-US" sz="2600" i="0" u="none" strike="noStrike" cap="none" dirty="0">
+              <a:rPr lang="en-US" sz="2600" b="1" i="0" u="none" strike="noStrike" cap="none" dirty="0">
                 <a:solidFill>
                   <a:schemeClr val="lt1"/>
                 </a:solidFill>
@@ -8575,7 +8575,7 @@
               <a:t>    </a:t>
             </a:r>
             <a:r>
-              <a:rPr lang="en-US" sz="2600" dirty="0">
+              <a:rPr lang="en-US" sz="2600" b="1" dirty="0">
                 <a:solidFill>
                   <a:schemeClr val="lt1"/>
                 </a:solidFill>
@@ -8587,7 +8587,7 @@
               <a:t>    </a:t>
             </a:r>
             <a:r>
-              <a:rPr lang="en-US" sz="2600" i="0" u="none" strike="noStrike" cap="none" dirty="0" smtClean="0">
+              <a:rPr lang="en-US" sz="2600" b="1" i="0" u="none" strike="noStrike" cap="none" dirty="0" smtClean="0">
                 <a:solidFill>
                   <a:srgbClr val="FFFF00"/>
                 </a:solidFill>
@@ -8599,7 +8599,7 @@
               <a:t>print</a:t>
             </a:r>
             <a:r>
-              <a:rPr lang="en-US" sz="2600" dirty="0" smtClean="0">
+              <a:rPr lang="en-US" sz="2600" b="1" dirty="0" smtClean="0">
                 <a:solidFill>
                   <a:schemeClr val="lt1"/>
                 </a:solidFill>
@@ -8611,7 +8611,7 @@
               <a:t>(</a:t>
             </a:r>
             <a:r>
-              <a:rPr lang="en-US" sz="2600" i="0" u="none" strike="noStrike" cap="none" dirty="0" smtClean="0">
+              <a:rPr lang="en-US" sz="2600" b="1" i="0" u="none" strike="noStrike" cap="none" dirty="0" smtClean="0">
                 <a:solidFill>
                   <a:srgbClr val="00FF00"/>
                 </a:solidFill>
@@ -8623,7 +8623,7 @@
               <a:t>line</a:t>
             </a:r>
             <a:r>
-              <a:rPr lang="en-US" sz="2600" i="0" u="none" strike="noStrike" cap="none" dirty="0" smtClean="0">
+              <a:rPr lang="en-US" sz="2600" b="1" i="0" u="none" strike="noStrike" cap="none" dirty="0" smtClean="0">
                 <a:solidFill>
                   <a:schemeClr val="bg1"/>
                 </a:solidFill>
@@ -8634,7 +8634,7 @@
               </a:rPr>
               <a:t>)</a:t>
             </a:r>
-            <a:endParaRPr lang="en-US" sz="2600" i="0" u="none" strike="noStrike" cap="none" dirty="0">
+            <a:endParaRPr lang="en-US" sz="2600" b="1" i="0" u="none" strike="noStrike" cap="none" dirty="0">
               <a:solidFill>
                 <a:schemeClr val="bg1"/>
               </a:solidFill>
@@ -8828,7 +8828,7 @@
               <a:buNone/>
             </a:pPr>
             <a:r>
-              <a:rPr lang="en-US" sz="3000" i="0" u="none" strike="noStrike" cap="none" dirty="0">
+              <a:rPr lang="en-US" sz="3000" b="1" i="0" u="none" strike="noStrike" cap="none" dirty="0">
                 <a:solidFill>
                   <a:srgbClr val="FF00FF"/>
                 </a:solidFill>
@@ -8840,7 +8840,7 @@
               <a:t>From: </a:t>
             </a:r>
             <a:r>
-              <a:rPr lang="en-US" sz="3000" i="0" u="none" strike="noStrike" cap="none" dirty="0" err="1">
+              <a:rPr lang="en-US" sz="3000" b="1" i="0" u="none" strike="noStrike" cap="none" dirty="0" err="1">
                 <a:solidFill>
                   <a:srgbClr val="FF00FF"/>
                 </a:solidFill>
@@ -8851,7 +8851,7 @@
               </a:rPr>
               <a:t>stephen.marquard@uct.ac.za</a:t>
             </a:r>
-            <a:endParaRPr lang="en-US" sz="3000" i="0" u="none" strike="noStrike" cap="none" dirty="0">
+            <a:endParaRPr lang="en-US" sz="3000" b="1" i="0" u="none" strike="noStrike" cap="none" dirty="0">
               <a:solidFill>
                 <a:srgbClr val="FF00FF"/>
               </a:solidFill>
@@ -8874,7 +8874,7 @@
               </a:spcAft>
               <a:buNone/>
             </a:pPr>
-            <a:endParaRPr sz="3000" i="0" u="none" strike="noStrike" cap="none" dirty="0">
+            <a:endParaRPr sz="3000" b="1" i="0" u="none" strike="noStrike" cap="none" dirty="0">
               <a:solidFill>
                 <a:srgbClr val="FF00FF"/>
               </a:solidFill>
@@ -8903,7 +8903,7 @@
               <a:buNone/>
             </a:pPr>
             <a:r>
-              <a:rPr lang="en-US" sz="3000" i="0" u="none" strike="noStrike" cap="none" dirty="0">
+              <a:rPr lang="en-US" sz="3000" b="1" i="0" u="none" strike="noStrike" cap="none" dirty="0">
                 <a:solidFill>
                   <a:srgbClr val="FF00FF"/>
                 </a:solidFill>
@@ -8915,7 +8915,7 @@
               <a:t>From: </a:t>
             </a:r>
             <a:r>
-              <a:rPr lang="en-US" sz="3000" i="0" u="none" strike="noStrike" cap="none" dirty="0" err="1">
+              <a:rPr lang="en-US" sz="3000" b="1" i="0" u="none" strike="noStrike" cap="none" dirty="0" err="1">
                 <a:solidFill>
                   <a:srgbClr val="FF00FF"/>
                 </a:solidFill>
@@ -8926,7 +8926,7 @@
               </a:rPr>
               <a:t>louis@media.berkeley.edu</a:t>
             </a:r>
-            <a:endParaRPr lang="en-US" sz="3000" i="0" u="none" strike="noStrike" cap="none" dirty="0">
+            <a:endParaRPr lang="en-US" sz="3000" b="1" i="0" u="none" strike="noStrike" cap="none" dirty="0">
               <a:solidFill>
                 <a:srgbClr val="FF00FF"/>
               </a:solidFill>
@@ -8949,7 +8949,7 @@
               </a:spcAft>
               <a:buNone/>
             </a:pPr>
-            <a:endParaRPr sz="3000" i="0" u="none" strike="noStrike" cap="none" dirty="0">
+            <a:endParaRPr sz="3000" b="1" i="0" u="none" strike="noStrike" cap="none" dirty="0">
               <a:solidFill>
                 <a:srgbClr val="FF00FF"/>
               </a:solidFill>
@@ -8978,7 +8978,7 @@
               <a:buNone/>
             </a:pPr>
             <a:r>
-              <a:rPr lang="en-US" sz="3000" i="0" u="none" strike="noStrike" cap="none" dirty="0">
+              <a:rPr lang="en-US" sz="3000" b="1" i="0" u="none" strike="noStrike" cap="none" dirty="0">
                 <a:solidFill>
                   <a:srgbClr val="FF00FF"/>
                 </a:solidFill>
@@ -8990,7 +8990,7 @@
               <a:t>From: </a:t>
             </a:r>
             <a:r>
-              <a:rPr lang="en-US" sz="3000" i="0" u="none" strike="noStrike" cap="none" dirty="0" err="1">
+              <a:rPr lang="en-US" sz="3000" b="1" i="0" u="none" strike="noStrike" cap="none" dirty="0" err="1">
                 <a:solidFill>
                   <a:srgbClr val="FF00FF"/>
                 </a:solidFill>
@@ -9001,7 +9001,7 @@
               </a:rPr>
               <a:t>zqian@umich.edu</a:t>
             </a:r>
-            <a:endParaRPr lang="en-US" sz="3000" i="0" u="none" strike="noStrike" cap="none" dirty="0">
+            <a:endParaRPr lang="en-US" sz="3000" b="1" i="0" u="none" strike="noStrike" cap="none" dirty="0">
               <a:solidFill>
                 <a:srgbClr val="FF00FF"/>
               </a:solidFill>
@@ -9024,7 +9024,7 @@
               </a:spcAft>
               <a:buNone/>
             </a:pPr>
-            <a:endParaRPr sz="3000" i="0" u="none" strike="noStrike" cap="none" dirty="0">
+            <a:endParaRPr sz="3000" b="1" i="0" u="none" strike="noStrike" cap="none" dirty="0">
               <a:solidFill>
                 <a:srgbClr val="FF00FF"/>
               </a:solidFill>
@@ -9053,7 +9053,7 @@
               <a:buNone/>
             </a:pPr>
             <a:r>
-              <a:rPr lang="en-US" sz="3000" i="0" u="none" strike="noStrike" cap="none" dirty="0">
+              <a:rPr lang="en-US" sz="3000" b="1" i="0" u="none" strike="noStrike" cap="none" dirty="0">
                 <a:solidFill>
                   <a:srgbClr val="FF00FF"/>
                 </a:solidFill>
@@ -9065,7 +9065,7 @@
               <a:t>From: </a:t>
             </a:r>
             <a:r>
-              <a:rPr lang="en-US" sz="3000" i="0" u="none" strike="noStrike" cap="none" dirty="0" err="1">
+              <a:rPr lang="en-US" sz="3000" b="1" i="0" u="none" strike="noStrike" cap="none" dirty="0" err="1">
                 <a:solidFill>
                   <a:srgbClr val="FF00FF"/>
                 </a:solidFill>
@@ -9076,7 +9076,7 @@
               </a:rPr>
               <a:t>rjlowe@iupui.edu</a:t>
             </a:r>
-            <a:endParaRPr lang="en-US" sz="3000" i="0" u="none" strike="noStrike" cap="none" dirty="0">
+            <a:endParaRPr lang="en-US" sz="3000" b="1" i="0" u="none" strike="noStrike" cap="none" dirty="0">
               <a:solidFill>
                 <a:srgbClr val="FF00FF"/>
               </a:solidFill>
@@ -9105,7 +9105,7 @@
               <a:buNone/>
             </a:pPr>
             <a:r>
-              <a:rPr lang="en-US" sz="3000" i="0" u="none" strike="noStrike" cap="none" dirty="0">
+              <a:rPr lang="en-US" sz="3000" b="1" i="0" u="none" strike="noStrike" cap="none" dirty="0">
                 <a:solidFill>
                   <a:srgbClr val="FF00FF"/>
                 </a:solidFill>
@@ -9476,7 +9476,7 @@
               <a:buNone/>
             </a:pPr>
             <a:r>
-              <a:rPr lang="en-US" sz="3000" i="0" u="none" strike="noStrike" cap="none" dirty="0">
+              <a:rPr lang="en-US" sz="3000" b="1" i="0" u="none" strike="noStrike" cap="none" dirty="0">
                 <a:solidFill>
                   <a:srgbClr val="FF00FF"/>
                 </a:solidFill>
@@ -9488,7 +9488,7 @@
               <a:t>From: </a:t>
             </a:r>
             <a:r>
-              <a:rPr lang="en-US" sz="3000" i="0" u="none" strike="noStrike" cap="none" dirty="0" err="1">
+              <a:rPr lang="en-US" sz="3000" b="1" i="0" u="none" strike="noStrike" cap="none" dirty="0" err="1">
                 <a:solidFill>
                   <a:srgbClr val="FF00FF"/>
                 </a:solidFill>
@@ -9500,7 +9500,7 @@
               <a:t>stephen.marquard@uct.ac.za</a:t>
             </a:r>
             <a:r>
-              <a:rPr lang="en-US" sz="3000" i="0" u="none" strike="noStrike" cap="none" dirty="0">
+              <a:rPr lang="en-US" sz="3000" b="1" i="0" u="none" strike="noStrike" cap="none" dirty="0">
                 <a:solidFill>
                   <a:srgbClr val="00FF00"/>
                 </a:solidFill>
@@ -9531,7 +9531,7 @@
               <a:buNone/>
             </a:pPr>
             <a:r>
-              <a:rPr lang="en-US" sz="3000" i="0" u="none" strike="noStrike" cap="none" dirty="0">
+              <a:rPr lang="en-US" sz="3000" b="1" i="0" u="none" strike="noStrike" cap="none" dirty="0">
                 <a:solidFill>
                   <a:srgbClr val="FFFF00"/>
                 </a:solidFill>
@@ -9562,7 +9562,7 @@
               <a:buNone/>
             </a:pPr>
             <a:r>
-              <a:rPr lang="en-US" sz="3000" i="0" u="none" strike="noStrike" cap="none" dirty="0">
+              <a:rPr lang="en-US" sz="3000" b="1" i="0" u="none" strike="noStrike" cap="none" dirty="0">
                 <a:solidFill>
                   <a:srgbClr val="FF00FF"/>
                 </a:solidFill>
@@ -9574,7 +9574,7 @@
               <a:t>From: </a:t>
             </a:r>
             <a:r>
-              <a:rPr lang="en-US" sz="3000" i="0" u="none" strike="noStrike" cap="none" dirty="0" err="1">
+              <a:rPr lang="en-US" sz="3000" b="1" i="0" u="none" strike="noStrike" cap="none" dirty="0" err="1">
                 <a:solidFill>
                   <a:srgbClr val="FF00FF"/>
                 </a:solidFill>
@@ -9586,7 +9586,7 @@
               <a:t>louis@media.berkeley.edu</a:t>
             </a:r>
             <a:r>
-              <a:rPr lang="en-US" sz="3000" i="0" u="none" strike="noStrike" cap="none" dirty="0">
+              <a:rPr lang="en-US" sz="3000" b="1" i="0" u="none" strike="noStrike" cap="none" dirty="0">
                 <a:solidFill>
                   <a:srgbClr val="00FF00"/>
                 </a:solidFill>
@@ -9617,7 +9617,7 @@
               <a:buNone/>
             </a:pPr>
             <a:r>
-              <a:rPr lang="en-US" sz="3000" i="0" u="none" strike="noStrike" cap="none" dirty="0">
+              <a:rPr lang="en-US" sz="3000" b="1" i="0" u="none" strike="noStrike" cap="none" dirty="0">
                 <a:solidFill>
                   <a:srgbClr val="FFFF00"/>
                 </a:solidFill>
@@ -9648,7 +9648,7 @@
               <a:buNone/>
             </a:pPr>
             <a:r>
-              <a:rPr lang="en-US" sz="3000" i="0" u="none" strike="noStrike" cap="none" dirty="0">
+              <a:rPr lang="en-US" sz="3000" b="1" i="0" u="none" strike="noStrike" cap="none" dirty="0">
                 <a:solidFill>
                   <a:srgbClr val="FF00FF"/>
                 </a:solidFill>
@@ -9660,7 +9660,7 @@
               <a:t>From: </a:t>
             </a:r>
             <a:r>
-              <a:rPr lang="en-US" sz="3000" i="0" u="none" strike="noStrike" cap="none" dirty="0" err="1">
+              <a:rPr lang="en-US" sz="3000" b="1" i="0" u="none" strike="noStrike" cap="none" dirty="0" err="1">
                 <a:solidFill>
                   <a:srgbClr val="FF00FF"/>
                 </a:solidFill>
@@ -9672,7 +9672,7 @@
               <a:t>zqian@umich.edu</a:t>
             </a:r>
             <a:r>
-              <a:rPr lang="en-US" sz="3000" i="0" u="none" strike="noStrike" cap="none" dirty="0">
+              <a:rPr lang="en-US" sz="3000" b="1" i="0" u="none" strike="noStrike" cap="none" dirty="0">
                 <a:solidFill>
                   <a:srgbClr val="00FF00"/>
                 </a:solidFill>
@@ -9703,7 +9703,7 @@
               <a:buNone/>
             </a:pPr>
             <a:r>
-              <a:rPr lang="en-US" sz="3000" i="0" u="none" strike="noStrike" cap="none" dirty="0">
+              <a:rPr lang="en-US" sz="3000" b="1" i="0" u="none" strike="noStrike" cap="none" dirty="0">
                 <a:solidFill>
                   <a:srgbClr val="FFFF00"/>
                 </a:solidFill>
@@ -9734,7 +9734,7 @@
               <a:buNone/>
             </a:pPr>
             <a:r>
-              <a:rPr lang="en-US" sz="3000" i="0" u="none" strike="noStrike" cap="none" dirty="0">
+              <a:rPr lang="en-US" sz="3000" b="1" i="0" u="none" strike="noStrike" cap="none" dirty="0">
                 <a:solidFill>
                   <a:srgbClr val="FF00FF"/>
                 </a:solidFill>
@@ -9746,7 +9746,7 @@
               <a:t>From: </a:t>
             </a:r>
             <a:r>
-              <a:rPr lang="en-US" sz="3000" i="0" u="none" strike="noStrike" cap="none" dirty="0" err="1">
+              <a:rPr lang="en-US" sz="3000" b="1" i="0" u="none" strike="noStrike" cap="none" dirty="0" err="1">
                 <a:solidFill>
                   <a:srgbClr val="FF00FF"/>
                 </a:solidFill>
@@ -9758,7 +9758,7 @@
               <a:t>rjlowe@iupui.edu</a:t>
             </a:r>
             <a:r>
-              <a:rPr lang="en-US" sz="3000" i="0" u="none" strike="noStrike" cap="none" dirty="0">
+              <a:rPr lang="en-US" sz="3000" b="1" i="0" u="none" strike="noStrike" cap="none" dirty="0">
                 <a:solidFill>
                   <a:srgbClr val="00FF00"/>
                 </a:solidFill>
@@ -9789,7 +9789,7 @@
               <a:buNone/>
             </a:pPr>
             <a:r>
-              <a:rPr lang="en-US" sz="3000" i="0" u="none" strike="noStrike" cap="none" dirty="0">
+              <a:rPr lang="en-US" sz="3000" b="1" i="0" u="none" strike="noStrike" cap="none" dirty="0">
                 <a:solidFill>
                   <a:srgbClr val="FFFF00"/>
                 </a:solidFill>
@@ -9820,7 +9820,7 @@
               <a:buNone/>
             </a:pPr>
             <a:r>
-              <a:rPr lang="en-US" sz="3000" i="0" u="none" strike="noStrike" cap="none" dirty="0">
+              <a:rPr lang="en-US" sz="3000" b="1" i="0" u="none" strike="noStrike" cap="none" dirty="0">
                 <a:solidFill>
                   <a:srgbClr val="FF00FF"/>
                 </a:solidFill>
@@ -10151,7 +10151,7 @@
               <a:buNone/>
             </a:pPr>
             <a:r>
-              <a:rPr lang="en-US" sz="2400" i="0" u="none" strike="noStrike" cap="none" dirty="0" err="1">
+              <a:rPr lang="en-US" sz="2400" b="1" i="0" u="none" strike="noStrike" cap="none" dirty="0" err="1">
                 <a:solidFill>
                   <a:srgbClr val="00FF00"/>
                 </a:solidFill>
@@ -10163,7 +10163,7 @@
               <a:t>fhand</a:t>
             </a:r>
             <a:r>
-              <a:rPr lang="en-US" sz="2400" i="0" u="none" strike="noStrike" cap="none" dirty="0">
+              <a:rPr lang="en-US" sz="2400" b="1" i="0" u="none" strike="noStrike" cap="none" dirty="0">
                 <a:solidFill>
                   <a:schemeClr val="lt1"/>
                 </a:solidFill>
@@ -10175,7 +10175,7 @@
               <a:t> = </a:t>
             </a:r>
             <a:r>
-              <a:rPr lang="en-US" sz="2400" i="0" u="none" strike="noStrike" cap="none" dirty="0">
+              <a:rPr lang="en-US" sz="2400" b="1" i="0" u="none" strike="noStrike" cap="none" dirty="0">
                 <a:solidFill>
                   <a:srgbClr val="FF00FF"/>
                 </a:solidFill>
@@ -10187,7 +10187,7 @@
               <a:t>open</a:t>
             </a:r>
             <a:r>
-              <a:rPr lang="en-US" sz="2400" i="0" u="none" strike="noStrike" cap="none" dirty="0">
+              <a:rPr lang="en-US" sz="2400" b="1" i="0" u="none" strike="noStrike" cap="none" dirty="0">
                 <a:solidFill>
                   <a:schemeClr val="lt1"/>
                 </a:solidFill>
@@ -10199,7 +10199,7 @@
               <a:t>('</a:t>
             </a:r>
             <a:r>
-              <a:rPr lang="en-US" sz="2400" i="0" u="none" strike="noStrike" cap="none" dirty="0" err="1">
+              <a:rPr lang="en-US" sz="2400" b="1" i="0" u="none" strike="noStrike" cap="none" dirty="0" err="1">
                 <a:solidFill>
                   <a:schemeClr val="lt1"/>
                 </a:solidFill>
@@ -10211,7 +10211,7 @@
               <a:t>mbox-short.txt</a:t>
             </a:r>
             <a:r>
-              <a:rPr lang="en-US" sz="2400" i="0" u="none" strike="noStrike" cap="none" dirty="0">
+              <a:rPr lang="en-US" sz="2400" b="1" i="0" u="none" strike="noStrike" cap="none" dirty="0">
                 <a:solidFill>
                   <a:schemeClr val="lt1"/>
                 </a:solidFill>
@@ -10242,7 +10242,7 @@
               <a:buNone/>
             </a:pPr>
             <a:r>
-              <a:rPr lang="en-US" sz="2400" i="0" u="none" strike="noStrike" cap="none" dirty="0">
+              <a:rPr lang="en-US" sz="2400" b="1" i="0" u="none" strike="noStrike" cap="none" dirty="0">
                 <a:solidFill>
                   <a:srgbClr val="FFFF00"/>
                 </a:solidFill>
@@ -10254,7 +10254,7 @@
               <a:t>for</a:t>
             </a:r>
             <a:r>
-              <a:rPr lang="en-US" sz="2400" i="0" u="none" strike="noStrike" cap="none" dirty="0">
+              <a:rPr lang="en-US" sz="2400" b="1" i="0" u="none" strike="noStrike" cap="none" dirty="0">
                 <a:solidFill>
                   <a:schemeClr val="lt1"/>
                 </a:solidFill>
@@ -10266,7 +10266,7 @@
               <a:t> </a:t>
             </a:r>
             <a:r>
-              <a:rPr lang="en-US" sz="2400" i="0" u="none" strike="noStrike" cap="none" dirty="0">
+              <a:rPr lang="en-US" sz="2400" b="1" i="0" u="none" strike="noStrike" cap="none" dirty="0">
                 <a:solidFill>
                   <a:srgbClr val="00FF00"/>
                 </a:solidFill>
@@ -10278,7 +10278,7 @@
               <a:t>line</a:t>
             </a:r>
             <a:r>
-              <a:rPr lang="en-US" sz="2400" i="0" u="none" strike="noStrike" cap="none" dirty="0">
+              <a:rPr lang="en-US" sz="2400" b="1" i="0" u="none" strike="noStrike" cap="none" dirty="0">
                 <a:solidFill>
                   <a:schemeClr val="lt1"/>
                 </a:solidFill>
@@ -10290,7 +10290,7 @@
               <a:t> </a:t>
             </a:r>
             <a:r>
-              <a:rPr lang="en-US" sz="2400" i="0" u="none" strike="noStrike" cap="none" dirty="0">
+              <a:rPr lang="en-US" sz="2400" b="1" i="0" u="none" strike="noStrike" cap="none" dirty="0">
                 <a:solidFill>
                   <a:srgbClr val="FFFF00"/>
                 </a:solidFill>
@@ -10302,7 +10302,7 @@
               <a:t>in</a:t>
             </a:r>
             <a:r>
-              <a:rPr lang="en-US" sz="2400" i="0" u="none" strike="noStrike" cap="none" dirty="0">
+              <a:rPr lang="en-US" sz="2400" b="1" i="0" u="none" strike="noStrike" cap="none" dirty="0">
                 <a:solidFill>
                   <a:schemeClr val="lt1"/>
                 </a:solidFill>
@@ -10314,7 +10314,7 @@
               <a:t> </a:t>
             </a:r>
             <a:r>
-              <a:rPr lang="en-US" sz="2400" i="0" u="none" strike="noStrike" cap="none" dirty="0" err="1">
+              <a:rPr lang="en-US" sz="2400" b="1" i="0" u="none" strike="noStrike" cap="none" dirty="0" err="1">
                 <a:solidFill>
                   <a:srgbClr val="00FF00"/>
                 </a:solidFill>
@@ -10326,7 +10326,7 @@
               <a:t>fhand</a:t>
             </a:r>
             <a:r>
-              <a:rPr lang="en-US" sz="2400" i="0" u="none" strike="noStrike" cap="none" dirty="0">
+              <a:rPr lang="en-US" sz="2400" b="1" i="0" u="none" strike="noStrike" cap="none" dirty="0">
                 <a:solidFill>
                   <a:schemeClr val="lt1"/>
                 </a:solidFill>
@@ -10357,7 +10357,7 @@
               <a:buNone/>
             </a:pPr>
             <a:r>
-              <a:rPr lang="en-US" sz="2400" dirty="0">
+              <a:rPr lang="en-US" sz="2400" b="1" dirty="0">
                 <a:solidFill>
                   <a:schemeClr val="lt1"/>
                 </a:solidFill>
@@ -10369,7 +10369,7 @@
               <a:t>    </a:t>
             </a:r>
             <a:r>
-              <a:rPr lang="en-US" sz="2400" i="0" u="none" strike="noStrike" cap="none" dirty="0">
+              <a:rPr lang="en-US" sz="2400" b="1" i="0" u="none" strike="noStrike" cap="none" dirty="0">
                 <a:solidFill>
                   <a:srgbClr val="00FF00"/>
                 </a:solidFill>
@@ -10381,7 +10381,7 @@
               <a:t>line</a:t>
             </a:r>
             <a:r>
-              <a:rPr lang="en-US" sz="2400" i="0" u="none" strike="noStrike" cap="none" dirty="0">
+              <a:rPr lang="en-US" sz="2400" b="1" i="0" u="none" strike="noStrike" cap="none" dirty="0">
                 <a:solidFill>
                   <a:schemeClr val="lt1"/>
                 </a:solidFill>
@@ -10393,7 +10393,7 @@
               <a:t> = </a:t>
             </a:r>
             <a:r>
-              <a:rPr lang="en-US" sz="2400" i="0" u="none" strike="noStrike" cap="none" dirty="0" err="1">
+              <a:rPr lang="en-US" sz="2400" b="1" i="0" u="none" strike="noStrike" cap="none" dirty="0" err="1">
                 <a:solidFill>
                   <a:srgbClr val="00FF00"/>
                 </a:solidFill>
@@ -10405,7 +10405,7 @@
               <a:t>line</a:t>
             </a:r>
             <a:r>
-              <a:rPr lang="en-US" sz="2400" i="0" u="none" strike="noStrike" cap="none" dirty="0" err="1">
+              <a:rPr lang="en-US" sz="2400" b="1" i="0" u="none" strike="noStrike" cap="none" dirty="0" err="1">
                 <a:solidFill>
                   <a:srgbClr val="FF7F00"/>
                 </a:solidFill>
@@ -10417,7 +10417,7 @@
               <a:t>.rstrip</a:t>
             </a:r>
             <a:r>
-              <a:rPr lang="en-US" sz="2400" i="0" u="none" strike="noStrike" cap="none" dirty="0">
+              <a:rPr lang="en-US" sz="2400" b="1" i="0" u="none" strike="noStrike" cap="none" dirty="0">
                 <a:solidFill>
                   <a:schemeClr val="lt1"/>
                 </a:solidFill>
@@ -10448,7 +10448,7 @@
               <a:buNone/>
             </a:pPr>
             <a:r>
-              <a:rPr lang="en-US" sz="2400" i="0" u="none" strike="noStrike" cap="none" dirty="0">
+              <a:rPr lang="en-US" sz="2400" b="1" i="0" u="none" strike="noStrike" cap="none" dirty="0">
                 <a:solidFill>
                   <a:schemeClr val="lt1"/>
                 </a:solidFill>
@@ -10460,7 +10460,7 @@
               <a:t>    </a:t>
             </a:r>
             <a:r>
-              <a:rPr lang="en-US" sz="2400" i="0" u="none" strike="noStrike" cap="none" dirty="0">
+              <a:rPr lang="en-US" sz="2400" b="1" i="0" u="none" strike="noStrike" cap="none" dirty="0">
                 <a:solidFill>
                   <a:srgbClr val="FFFF00"/>
                 </a:solidFill>
@@ -10472,7 +10472,7 @@
               <a:t>if</a:t>
             </a:r>
             <a:r>
-              <a:rPr lang="en-US" sz="2400" i="0" u="none" strike="noStrike" cap="none" dirty="0">
+              <a:rPr lang="en-US" sz="2400" b="1" i="0" u="none" strike="noStrike" cap="none" dirty="0">
                 <a:solidFill>
                   <a:schemeClr val="lt1"/>
                 </a:solidFill>
@@ -10484,7 +10484,7 @@
               <a:t> </a:t>
             </a:r>
             <a:r>
-              <a:rPr lang="en-US" sz="2400" i="0" u="none" strike="noStrike" cap="none" dirty="0" err="1">
+              <a:rPr lang="en-US" sz="2400" b="1" i="0" u="none" strike="noStrike" cap="none" dirty="0" err="1">
                 <a:solidFill>
                   <a:srgbClr val="00FF00"/>
                 </a:solidFill>
@@ -10496,7 +10496,7 @@
               <a:t>line</a:t>
             </a:r>
             <a:r>
-              <a:rPr lang="en-US" sz="2400" i="0" u="none" strike="noStrike" cap="none" dirty="0" err="1">
+              <a:rPr lang="en-US" sz="2400" b="1" i="0" u="none" strike="noStrike" cap="none" dirty="0" err="1">
                 <a:solidFill>
                   <a:srgbClr val="FF00FF"/>
                 </a:solidFill>
@@ -10508,7 +10508,7 @@
               <a:t>.startswith</a:t>
             </a:r>
             <a:r>
-              <a:rPr lang="en-US" sz="2400" i="0" u="none" strike="noStrike" cap="none" dirty="0">
+              <a:rPr lang="en-US" sz="2400" b="1" i="0" u="none" strike="noStrike" cap="none" dirty="0">
                 <a:solidFill>
                   <a:schemeClr val="lt1"/>
                 </a:solidFill>
@@ -10539,7 +10539,7 @@
               <a:buNone/>
             </a:pPr>
             <a:r>
-              <a:rPr lang="en-US" sz="2400" i="0" u="none" strike="noStrike" cap="none" dirty="0">
+              <a:rPr lang="en-US" sz="2400" b="1" i="0" u="none" strike="noStrike" cap="none" dirty="0">
                 <a:solidFill>
                   <a:schemeClr val="lt1"/>
                 </a:solidFill>
@@ -10551,7 +10551,7 @@
               <a:t>    </a:t>
             </a:r>
             <a:r>
-              <a:rPr lang="en-US" sz="2400" dirty="0">
+              <a:rPr lang="en-US" sz="2400" b="1" dirty="0">
                 <a:solidFill>
                   <a:schemeClr val="lt1"/>
                 </a:solidFill>
@@ -10563,7 +10563,7 @@
               <a:t>    </a:t>
             </a:r>
             <a:r>
-              <a:rPr lang="en-US" sz="2400" i="0" u="none" strike="noStrike" cap="none" dirty="0" smtClean="0">
+              <a:rPr lang="en-US" sz="2400" b="1" i="0" u="none" strike="noStrike" cap="none" dirty="0" smtClean="0">
                 <a:solidFill>
                   <a:srgbClr val="FFFF00"/>
                 </a:solidFill>
@@ -10575,7 +10575,7 @@
               <a:t>print</a:t>
             </a:r>
             <a:r>
-              <a:rPr lang="en-US" sz="2400" dirty="0" smtClean="0">
+              <a:rPr lang="en-US" sz="2400" b="1" dirty="0" smtClean="0">
                 <a:solidFill>
                   <a:schemeClr val="lt1"/>
                 </a:solidFill>
@@ -10587,7 +10587,7 @@
               <a:t>(</a:t>
             </a:r>
             <a:r>
-              <a:rPr lang="en-US" sz="2400" i="0" u="none" strike="noStrike" cap="none" dirty="0" smtClean="0">
+              <a:rPr lang="en-US" sz="2400" b="1" i="0" u="none" strike="noStrike" cap="none" dirty="0" smtClean="0">
                 <a:solidFill>
                   <a:srgbClr val="00FF00"/>
                 </a:solidFill>
@@ -10599,7 +10599,7 @@
               <a:t>line</a:t>
             </a:r>
             <a:r>
-              <a:rPr lang="en-US" sz="2400" i="0" u="none" strike="noStrike" cap="none" dirty="0" smtClean="0">
+              <a:rPr lang="en-US" sz="2400" b="1" i="0" u="none" strike="noStrike" cap="none" dirty="0" smtClean="0">
                 <a:solidFill>
                   <a:schemeClr val="bg1"/>
                 </a:solidFill>
@@ -10610,7 +10610,7 @@
               </a:rPr>
               <a:t>)</a:t>
             </a:r>
-            <a:endParaRPr lang="en-US" sz="2400" i="0" u="none" strike="noStrike" cap="none" dirty="0">
+            <a:endParaRPr lang="en-US" sz="2400" b="1" i="0" u="none" strike="noStrike" cap="none" dirty="0">
               <a:solidFill>
                 <a:schemeClr val="bg1"/>
               </a:solidFill>
@@ -11117,7 +11117,7 @@
               <a:buNone/>
             </a:pPr>
             <a:r>
-              <a:rPr lang="en-US" sz="3000" i="0" u="none" strike="noStrike" cap="none" dirty="0" err="1">
+              <a:rPr lang="en-US" sz="3000" b="1" i="0" u="none" strike="noStrike" cap="none" dirty="0" err="1">
                 <a:solidFill>
                   <a:srgbClr val="00FF00"/>
                 </a:solidFill>
@@ -11129,7 +11129,7 @@
               <a:t>fhand</a:t>
             </a:r>
             <a:r>
-              <a:rPr lang="en-US" sz="3000" i="0" u="none" strike="noStrike" cap="none" dirty="0">
+              <a:rPr lang="en-US" sz="3000" b="1" i="0" u="none" strike="noStrike" cap="none" dirty="0">
                 <a:solidFill>
                   <a:schemeClr val="lt1"/>
                 </a:solidFill>
@@ -11141,7 +11141,7 @@
               <a:t> = </a:t>
             </a:r>
             <a:r>
-              <a:rPr lang="en-US" sz="3000" i="0" u="none" strike="noStrike" cap="none" dirty="0">
+              <a:rPr lang="en-US" sz="3000" b="1" i="0" u="none" strike="noStrike" cap="none" dirty="0">
                 <a:solidFill>
                   <a:srgbClr val="00FF00"/>
                 </a:solidFill>
@@ -11153,7 +11153,7 @@
               <a:t>open</a:t>
             </a:r>
             <a:r>
-              <a:rPr lang="en-US" sz="3000" i="0" u="none" strike="noStrike" cap="none" dirty="0">
+              <a:rPr lang="en-US" sz="3000" b="1" i="0" u="none" strike="noStrike" cap="none" dirty="0">
                 <a:solidFill>
                   <a:schemeClr val="lt1"/>
                 </a:solidFill>
@@ -11165,7 +11165,7 @@
               <a:t>('</a:t>
             </a:r>
             <a:r>
-              <a:rPr lang="en-US" sz="3000" i="0" u="none" strike="noStrike" cap="none" dirty="0" err="1">
+              <a:rPr lang="en-US" sz="3000" b="1" i="0" u="none" strike="noStrike" cap="none" dirty="0" err="1">
                 <a:solidFill>
                   <a:schemeClr val="lt1"/>
                 </a:solidFill>
@@ -11177,7 +11177,7 @@
               <a:t>mbox-short.txt</a:t>
             </a:r>
             <a:r>
-              <a:rPr lang="en-US" sz="3000" i="0" u="none" strike="noStrike" cap="none" dirty="0">
+              <a:rPr lang="en-US" sz="3000" b="1" i="0" u="none" strike="noStrike" cap="none" dirty="0">
                 <a:solidFill>
                   <a:schemeClr val="lt1"/>
                 </a:solidFill>
@@ -11208,7 +11208,7 @@
               <a:buNone/>
             </a:pPr>
             <a:r>
-              <a:rPr lang="en-US" sz="3000" i="0" u="none" strike="noStrike" cap="none" dirty="0">
+              <a:rPr lang="en-US" sz="3000" b="1" i="0" u="none" strike="noStrike" cap="none" dirty="0">
                 <a:solidFill>
                   <a:srgbClr val="FFFF00"/>
                 </a:solidFill>
@@ -11220,7 +11220,7 @@
               <a:t>for</a:t>
             </a:r>
             <a:r>
-              <a:rPr lang="en-US" sz="3000" i="0" u="none" strike="noStrike" cap="none" dirty="0">
+              <a:rPr lang="en-US" sz="3000" b="1" i="0" u="none" strike="noStrike" cap="none" dirty="0">
                 <a:solidFill>
                   <a:schemeClr val="lt1"/>
                 </a:solidFill>
@@ -11232,7 +11232,7 @@
               <a:t> </a:t>
             </a:r>
             <a:r>
-              <a:rPr lang="en-US" sz="3000" i="0" u="none" strike="noStrike" cap="none" dirty="0">
+              <a:rPr lang="en-US" sz="3000" b="1" i="0" u="none" strike="noStrike" cap="none" dirty="0">
                 <a:solidFill>
                   <a:srgbClr val="00FF00"/>
                 </a:solidFill>
@@ -11244,7 +11244,7 @@
               <a:t>line</a:t>
             </a:r>
             <a:r>
-              <a:rPr lang="en-US" sz="3000" i="0" u="none" strike="noStrike" cap="none" dirty="0">
+              <a:rPr lang="en-US" sz="3000" b="1" i="0" u="none" strike="noStrike" cap="none" dirty="0">
                 <a:solidFill>
                   <a:schemeClr val="lt1"/>
                 </a:solidFill>
@@ -11256,7 +11256,7 @@
               <a:t> </a:t>
             </a:r>
             <a:r>
-              <a:rPr lang="en-US" sz="3000" i="0" u="none" strike="noStrike" cap="none" dirty="0">
+              <a:rPr lang="en-US" sz="3000" b="1" i="0" u="none" strike="noStrike" cap="none" dirty="0">
                 <a:solidFill>
                   <a:srgbClr val="FFFF00"/>
                 </a:solidFill>
@@ -11268,7 +11268,7 @@
               <a:t>in</a:t>
             </a:r>
             <a:r>
-              <a:rPr lang="en-US" sz="3000" i="0" u="none" strike="noStrike" cap="none" dirty="0">
+              <a:rPr lang="en-US" sz="3000" b="1" i="0" u="none" strike="noStrike" cap="none" dirty="0">
                 <a:solidFill>
                   <a:schemeClr val="lt1"/>
                 </a:solidFill>
@@ -11280,7 +11280,7 @@
               <a:t> </a:t>
             </a:r>
             <a:r>
-              <a:rPr lang="en-US" sz="3000" i="0" u="none" strike="noStrike" cap="none" dirty="0" err="1">
+              <a:rPr lang="en-US" sz="3000" b="1" i="0" u="none" strike="noStrike" cap="none" dirty="0" err="1">
                 <a:solidFill>
                   <a:srgbClr val="00FF00"/>
                 </a:solidFill>
@@ -11292,7 +11292,7 @@
               <a:t>fhand</a:t>
             </a:r>
             <a:r>
-              <a:rPr lang="en-US" sz="3000" i="0" u="none" strike="noStrike" cap="none" dirty="0">
+              <a:rPr lang="en-US" sz="3000" b="1" i="0" u="none" strike="noStrike" cap="none" dirty="0">
                 <a:solidFill>
                   <a:schemeClr val="lt1"/>
                 </a:solidFill>
@@ -11323,7 +11323,7 @@
               <a:buNone/>
             </a:pPr>
             <a:r>
-              <a:rPr lang="en-US" sz="3000" i="0" u="none" strike="noStrike" cap="none" dirty="0">
+              <a:rPr lang="en-US" sz="3000" b="1" i="0" u="none" strike="noStrike" cap="none" dirty="0">
                 <a:solidFill>
                   <a:schemeClr val="lt1"/>
                 </a:solidFill>
@@ -11335,7 +11335,7 @@
               <a:t>    </a:t>
             </a:r>
             <a:r>
-              <a:rPr lang="en-US" sz="3000" i="0" u="none" strike="noStrike" cap="none" dirty="0">
+              <a:rPr lang="en-US" sz="3000" b="1" i="0" u="none" strike="noStrike" cap="none" dirty="0">
                 <a:solidFill>
                   <a:srgbClr val="00FF00"/>
                 </a:solidFill>
@@ -11347,7 +11347,7 @@
               <a:t>line</a:t>
             </a:r>
             <a:r>
-              <a:rPr lang="en-US" sz="3000" i="0" u="none" strike="noStrike" cap="none" dirty="0">
+              <a:rPr lang="en-US" sz="3000" b="1" i="0" u="none" strike="noStrike" cap="none" dirty="0">
                 <a:solidFill>
                   <a:schemeClr val="lt1"/>
                 </a:solidFill>
@@ -11359,7 +11359,7 @@
               <a:t> = </a:t>
             </a:r>
             <a:r>
-              <a:rPr lang="en-US" sz="3000" i="0" u="none" strike="noStrike" cap="none" dirty="0" err="1">
+              <a:rPr lang="en-US" sz="3000" b="1" i="0" u="none" strike="noStrike" cap="none" dirty="0" err="1">
                 <a:solidFill>
                   <a:srgbClr val="00FF00"/>
                 </a:solidFill>
@@ -11371,7 +11371,7 @@
               <a:t>line</a:t>
             </a:r>
             <a:r>
-              <a:rPr lang="en-US" sz="3000" i="0" u="none" strike="noStrike" cap="none" dirty="0" err="1">
+              <a:rPr lang="en-US" sz="3000" b="1" i="0" u="none" strike="noStrike" cap="none" dirty="0" err="1">
                 <a:solidFill>
                   <a:srgbClr val="FF00FF"/>
                 </a:solidFill>
@@ -11383,7 +11383,7 @@
               <a:t>.rstrip</a:t>
             </a:r>
             <a:r>
-              <a:rPr lang="en-US" sz="3000" i="0" u="none" strike="noStrike" cap="none" dirty="0">
+              <a:rPr lang="en-US" sz="3000" b="1" i="0" u="none" strike="noStrike" cap="none" dirty="0">
                 <a:solidFill>
                   <a:schemeClr val="lt1"/>
                 </a:solidFill>
@@ -11414,7 +11414,7 @@
               <a:buNone/>
             </a:pPr>
             <a:r>
-              <a:rPr lang="en-US" sz="3000" i="0" u="none" strike="noStrike" cap="none" dirty="0">
+              <a:rPr lang="en-US" sz="3000" b="1" i="0" u="none" strike="noStrike" cap="none" dirty="0">
                 <a:solidFill>
                   <a:schemeClr val="lt1"/>
                 </a:solidFill>
@@ -11426,7 +11426,7 @@
               <a:t>    </a:t>
             </a:r>
             <a:r>
-              <a:rPr lang="en-US" sz="3000" i="0" u="none" strike="noStrike" cap="none" dirty="0">
+              <a:rPr lang="en-US" sz="3000" b="1" i="0" u="none" strike="noStrike" cap="none" dirty="0">
                 <a:solidFill>
                   <a:srgbClr val="FFFF00"/>
                 </a:solidFill>
@@ -11438,7 +11438,7 @@
               <a:t>if</a:t>
             </a:r>
             <a:r>
-              <a:rPr lang="en-US" sz="3000" i="0" u="none" strike="noStrike" cap="none" dirty="0">
+              <a:rPr lang="en-US" sz="3000" b="1" i="0" u="none" strike="noStrike" cap="none" dirty="0">
                 <a:solidFill>
                   <a:schemeClr val="lt1"/>
                 </a:solidFill>
@@ -11450,7 +11450,7 @@
               <a:t> </a:t>
             </a:r>
             <a:r>
-              <a:rPr lang="en-US" sz="3000" i="0" u="none" strike="noStrike" cap="none" dirty="0">
+              <a:rPr lang="en-US" sz="3000" b="1" i="0" u="none" strike="noStrike" cap="none" dirty="0">
                 <a:solidFill>
                   <a:srgbClr val="FFFF00"/>
                 </a:solidFill>
@@ -11462,7 +11462,7 @@
               <a:t>not</a:t>
             </a:r>
             <a:r>
-              <a:rPr lang="en-US" sz="3000" i="0" u="none" strike="noStrike" cap="none" dirty="0">
+              <a:rPr lang="en-US" sz="3000" b="1" i="0" u="none" strike="noStrike" cap="none" dirty="0">
                 <a:solidFill>
                   <a:schemeClr val="lt1"/>
                 </a:solidFill>
@@ -11474,7 +11474,7 @@
               <a:t> </a:t>
             </a:r>
             <a:r>
-              <a:rPr lang="en-US" sz="3000" i="0" u="none" strike="noStrike" cap="none" dirty="0" err="1">
+              <a:rPr lang="en-US" sz="3000" b="1" i="0" u="none" strike="noStrike" cap="none" dirty="0" err="1">
                 <a:solidFill>
                   <a:srgbClr val="00FF00"/>
                 </a:solidFill>
@@ -11486,7 +11486,7 @@
               <a:t>line</a:t>
             </a:r>
             <a:r>
-              <a:rPr lang="en-US" sz="3000" i="0" u="none" strike="noStrike" cap="none" dirty="0" err="1">
+              <a:rPr lang="en-US" sz="3000" b="1" i="0" u="none" strike="noStrike" cap="none" dirty="0" err="1">
                 <a:solidFill>
                   <a:srgbClr val="FF00FF"/>
                 </a:solidFill>
@@ -11498,7 +11498,7 @@
               <a:t>.startswith</a:t>
             </a:r>
             <a:r>
-              <a:rPr lang="en-US" sz="3000" i="0" u="none" strike="noStrike" cap="none" dirty="0">
+              <a:rPr lang="en-US" sz="3000" b="1" i="0" u="none" strike="noStrike" cap="none" dirty="0">
                 <a:solidFill>
                   <a:schemeClr val="lt1"/>
                 </a:solidFill>
@@ -11529,7 +11529,7 @@
               <a:buNone/>
             </a:pPr>
             <a:r>
-              <a:rPr lang="en-US" sz="3000" i="0" u="none" strike="noStrike" cap="none" dirty="0">
+              <a:rPr lang="en-US" sz="3000" b="1" i="0" u="none" strike="noStrike" cap="none" dirty="0">
                 <a:solidFill>
                   <a:schemeClr val="lt1"/>
                 </a:solidFill>
@@ -11541,7 +11541,7 @@
               <a:t>    </a:t>
             </a:r>
             <a:r>
-              <a:rPr lang="en-US" sz="3000" dirty="0">
+              <a:rPr lang="en-US" sz="3000" b="1" dirty="0">
                 <a:solidFill>
                   <a:schemeClr val="lt1"/>
                 </a:solidFill>
@@ -11553,7 +11553,7 @@
               <a:t>    </a:t>
             </a:r>
             <a:r>
-              <a:rPr lang="en-US" sz="3000" i="0" u="none" strike="noStrike" cap="none" dirty="0">
+              <a:rPr lang="en-US" sz="3000" b="1" i="0" u="none" strike="noStrike" cap="none" dirty="0">
                 <a:solidFill>
                   <a:srgbClr val="FFFF00"/>
                 </a:solidFill>
@@ -11573,7 +11573,7 @@
               <a:buSzPct val="25000"/>
             </a:pPr>
             <a:r>
-              <a:rPr lang="en-US" sz="3000" i="0" u="none" strike="noStrike" cap="none" dirty="0">
+              <a:rPr lang="en-US" sz="3000" b="1" i="0" u="none" strike="noStrike" cap="none" dirty="0">
                 <a:solidFill>
                   <a:schemeClr val="lt1"/>
                 </a:solidFill>
@@ -11585,7 +11585,7 @@
               <a:t>    </a:t>
             </a:r>
             <a:r>
-              <a:rPr lang="en-US" sz="3000" i="0" u="none" strike="noStrike" cap="none" dirty="0" smtClean="0">
+              <a:rPr lang="en-US" sz="3000" b="1" i="0" u="none" strike="noStrike" cap="none" dirty="0" smtClean="0">
                 <a:solidFill>
                   <a:srgbClr val="FFFF00"/>
                 </a:solidFill>
@@ -11597,7 +11597,7 @@
               <a:t>print</a:t>
             </a:r>
             <a:r>
-              <a:rPr lang="en-US" sz="3000" dirty="0" smtClean="0">
+              <a:rPr lang="en-US" sz="3000" b="1" dirty="0" smtClean="0">
                 <a:solidFill>
                   <a:schemeClr val="lt1"/>
                 </a:solidFill>
@@ -11609,7 +11609,7 @@
               <a:t>(</a:t>
             </a:r>
             <a:r>
-              <a:rPr lang="en-US" sz="3000" i="0" u="none" strike="noStrike" cap="none" dirty="0" smtClean="0">
+              <a:rPr lang="en-US" sz="3000" b="1" i="0" u="none" strike="noStrike" cap="none" dirty="0" smtClean="0">
                 <a:solidFill>
                   <a:srgbClr val="00FF00"/>
                 </a:solidFill>
@@ -11621,7 +11621,7 @@
               <a:t>line</a:t>
             </a:r>
             <a:r>
-              <a:rPr lang="en-US" sz="3000" dirty="0" smtClean="0">
+              <a:rPr lang="en-US" sz="3000" b="1" dirty="0" smtClean="0">
                 <a:solidFill>
                   <a:schemeClr val="lt1"/>
                 </a:solidFill>
@@ -11632,7 +11632,7 @@
               </a:rPr>
               <a:t>)</a:t>
             </a:r>
-            <a:endParaRPr lang="en-US" sz="3000" dirty="0">
+            <a:endParaRPr lang="en-US" sz="3000" b="1" dirty="0">
               <a:solidFill>
                 <a:schemeClr val="lt1"/>
               </a:solidFill>
@@ -11644,32 +11644,6 @@
           </a:p>
         </p:txBody>
       </p:sp>
-      <p:cxnSp>
-        <p:nvCxnSpPr>
-          <p:cNvPr id="341" name="Shape 341"/>
-          <p:cNvCxnSpPr/>
-          <p:nvPr/>
-        </p:nvCxnSpPr>
-        <p:spPr>
-          <a:xfrm>
-            <a:off x="10967786" y="4916000"/>
-            <a:ext cx="896999" cy="0"/>
-          </a:xfrm>
-          <a:prstGeom prst="straightConnector1">
-            <a:avLst/>
-          </a:prstGeom>
-          <a:noFill/>
-          <a:ln w="38100" cap="rnd" cmpd="sng">
-            <a:solidFill>
-              <a:srgbClr val="FFFF00"/>
-            </a:solidFill>
-            <a:prstDash val="solid"/>
-            <a:miter/>
-            <a:headEnd type="stealth" w="med" len="med"/>
-            <a:tailEnd type="none" w="med" len="med"/>
-          </a:ln>
-        </p:spPr>
-      </p:cxnSp>
     </p:spTree>
   </p:cSld>
   <p:clrMapOvr>
@@ -11939,7 +11913,7 @@
               <a:buNone/>
             </a:pPr>
             <a:r>
-              <a:rPr lang="en-US" sz="2400" i="0" u="none" strike="noStrike" cap="none" dirty="0" err="1">
+              <a:rPr lang="en-US" sz="2400" b="1" i="0" u="none" strike="noStrike" cap="none" dirty="0" err="1">
                 <a:solidFill>
                   <a:srgbClr val="00FF00"/>
                 </a:solidFill>
@@ -11951,7 +11925,7 @@
               <a:t>fhand</a:t>
             </a:r>
             <a:r>
-              <a:rPr lang="en-US" sz="2400" i="0" u="none" strike="noStrike" cap="none" dirty="0">
+              <a:rPr lang="en-US" sz="2400" b="1" i="0" u="none" strike="noStrike" cap="none" dirty="0">
                 <a:solidFill>
                   <a:schemeClr val="lt1"/>
                 </a:solidFill>
@@ -11963,7 +11937,7 @@
               <a:t> = </a:t>
             </a:r>
             <a:r>
-              <a:rPr lang="en-US" sz="2400" i="0" u="none" strike="noStrike" cap="none" dirty="0">
+              <a:rPr lang="en-US" sz="2400" b="1" i="0" u="none" strike="noStrike" cap="none" dirty="0">
                 <a:solidFill>
                   <a:srgbClr val="FF00FF"/>
                 </a:solidFill>
@@ -11975,7 +11949,7 @@
               <a:t>open</a:t>
             </a:r>
             <a:r>
-              <a:rPr lang="en-US" sz="2400" i="0" u="none" strike="noStrike" cap="none" dirty="0">
+              <a:rPr lang="en-US" sz="2400" b="1" i="0" u="none" strike="noStrike" cap="none" dirty="0">
                 <a:solidFill>
                   <a:schemeClr val="lt1"/>
                 </a:solidFill>
@@ -11987,7 +11961,7 @@
               <a:t>('</a:t>
             </a:r>
             <a:r>
-              <a:rPr lang="en-US" sz="2400" i="0" u="none" strike="noStrike" cap="none" dirty="0" err="1">
+              <a:rPr lang="en-US" sz="2400" b="1" i="0" u="none" strike="noStrike" cap="none" dirty="0" err="1">
                 <a:solidFill>
                   <a:schemeClr val="lt1"/>
                 </a:solidFill>
@@ -11999,7 +11973,7 @@
               <a:t>mbox-short.txt</a:t>
             </a:r>
             <a:r>
-              <a:rPr lang="en-US" sz="2400" i="0" u="none" strike="noStrike" cap="none" dirty="0">
+              <a:rPr lang="en-US" sz="2400" b="1" i="0" u="none" strike="noStrike" cap="none" dirty="0">
                 <a:solidFill>
                   <a:schemeClr val="lt1"/>
                 </a:solidFill>
@@ -12030,7 +12004,7 @@
               <a:buNone/>
             </a:pPr>
             <a:r>
-              <a:rPr lang="en-US" sz="2400" i="0" u="none" strike="noStrike" cap="none" dirty="0">
+              <a:rPr lang="en-US" sz="2400" b="1" i="0" u="none" strike="noStrike" cap="none" dirty="0">
                 <a:solidFill>
                   <a:srgbClr val="FFFF00"/>
                 </a:solidFill>
@@ -12042,7 +12016,7 @@
               <a:t>for</a:t>
             </a:r>
             <a:r>
-              <a:rPr lang="en-US" sz="2400" i="0" u="none" strike="noStrike" cap="none" dirty="0">
+              <a:rPr lang="en-US" sz="2400" b="1" i="0" u="none" strike="noStrike" cap="none" dirty="0">
                 <a:solidFill>
                   <a:schemeClr val="lt1"/>
                 </a:solidFill>
@@ -12054,7 +12028,7 @@
               <a:t> </a:t>
             </a:r>
             <a:r>
-              <a:rPr lang="en-US" sz="2400" i="0" u="none" strike="noStrike" cap="none" dirty="0">
+              <a:rPr lang="en-US" sz="2400" b="1" i="0" u="none" strike="noStrike" cap="none" dirty="0">
                 <a:solidFill>
                   <a:srgbClr val="00FF00"/>
                 </a:solidFill>
@@ -12066,7 +12040,7 @@
               <a:t>line</a:t>
             </a:r>
             <a:r>
-              <a:rPr lang="en-US" sz="2400" i="0" u="none" strike="noStrike" cap="none" dirty="0">
+              <a:rPr lang="en-US" sz="2400" b="1" i="0" u="none" strike="noStrike" cap="none" dirty="0">
                 <a:solidFill>
                   <a:schemeClr val="lt1"/>
                 </a:solidFill>
@@ -12078,7 +12052,7 @@
               <a:t> </a:t>
             </a:r>
             <a:r>
-              <a:rPr lang="en-US" sz="2400" i="0" u="none" strike="noStrike" cap="none" dirty="0">
+              <a:rPr lang="en-US" sz="2400" b="1" i="0" u="none" strike="noStrike" cap="none" dirty="0">
                 <a:solidFill>
                   <a:srgbClr val="FFFF00"/>
                 </a:solidFill>
@@ -12090,7 +12064,7 @@
               <a:t>in</a:t>
             </a:r>
             <a:r>
-              <a:rPr lang="en-US" sz="2400" i="0" u="none" strike="noStrike" cap="none" dirty="0">
+              <a:rPr lang="en-US" sz="2400" b="1" i="0" u="none" strike="noStrike" cap="none" dirty="0">
                 <a:solidFill>
                   <a:schemeClr val="lt1"/>
                 </a:solidFill>
@@ -12102,7 +12076,7 @@
               <a:t> </a:t>
             </a:r>
             <a:r>
-              <a:rPr lang="en-US" sz="2400" i="0" u="none" strike="noStrike" cap="none" dirty="0" err="1">
+              <a:rPr lang="en-US" sz="2400" b="1" i="0" u="none" strike="noStrike" cap="none" dirty="0" err="1">
                 <a:solidFill>
                   <a:srgbClr val="00FF00"/>
                 </a:solidFill>
@@ -12114,7 +12088,7 @@
               <a:t>fhand</a:t>
             </a:r>
             <a:r>
-              <a:rPr lang="en-US" sz="2400" i="0" u="none" strike="noStrike" cap="none" dirty="0">
+              <a:rPr lang="en-US" sz="2400" b="1" i="0" u="none" strike="noStrike" cap="none" dirty="0">
                 <a:solidFill>
                   <a:schemeClr val="lt1"/>
                 </a:solidFill>
@@ -12145,7 +12119,7 @@
               <a:buNone/>
             </a:pPr>
             <a:r>
-              <a:rPr lang="en-US" sz="2400" i="0" u="none" strike="noStrike" cap="none" dirty="0">
+              <a:rPr lang="en-US" sz="2400" b="1" i="0" u="none" strike="noStrike" cap="none" dirty="0">
                 <a:solidFill>
                   <a:schemeClr val="lt1"/>
                 </a:solidFill>
@@ -12157,7 +12131,7 @@
               <a:t>    </a:t>
             </a:r>
             <a:r>
-              <a:rPr lang="en-US" sz="2400" i="0" u="none" strike="noStrike" cap="none" dirty="0">
+              <a:rPr lang="en-US" sz="2400" b="1" i="0" u="none" strike="noStrike" cap="none" dirty="0">
                 <a:solidFill>
                   <a:srgbClr val="00FF00"/>
                 </a:solidFill>
@@ -12169,7 +12143,7 @@
               <a:t>line</a:t>
             </a:r>
             <a:r>
-              <a:rPr lang="en-US" sz="2400" i="0" u="none" strike="noStrike" cap="none" dirty="0">
+              <a:rPr lang="en-US" sz="2400" b="1" i="0" u="none" strike="noStrike" cap="none" dirty="0">
                 <a:solidFill>
                   <a:schemeClr val="lt1"/>
                 </a:solidFill>
@@ -12181,7 +12155,7 @@
               <a:t> = </a:t>
             </a:r>
             <a:r>
-              <a:rPr lang="en-US" sz="2400" i="0" u="none" strike="noStrike" cap="none" dirty="0" err="1">
+              <a:rPr lang="en-US" sz="2400" b="1" i="0" u="none" strike="noStrike" cap="none" dirty="0" err="1">
                 <a:solidFill>
                   <a:srgbClr val="00FF00"/>
                 </a:solidFill>
@@ -12193,7 +12167,7 @@
               <a:t>line</a:t>
             </a:r>
             <a:r>
-              <a:rPr lang="en-US" sz="2400" i="0" u="none" strike="noStrike" cap="none" dirty="0" err="1">
+              <a:rPr lang="en-US" sz="2400" b="1" i="0" u="none" strike="noStrike" cap="none" dirty="0" err="1">
                 <a:solidFill>
                   <a:srgbClr val="FF00FF"/>
                 </a:solidFill>
@@ -12205,7 +12179,7 @@
               <a:t>.rstrip</a:t>
             </a:r>
             <a:r>
-              <a:rPr lang="en-US" sz="2400" i="0" u="none" strike="noStrike" cap="none" dirty="0">
+              <a:rPr lang="en-US" sz="2400" b="1" i="0" u="none" strike="noStrike" cap="none" dirty="0">
                 <a:solidFill>
                   <a:schemeClr val="lt1"/>
                 </a:solidFill>
@@ -12236,7 +12210,7 @@
               <a:buNone/>
             </a:pPr>
             <a:r>
-              <a:rPr lang="en-US" sz="2400" i="0" u="none" strike="noStrike" cap="none" dirty="0">
+              <a:rPr lang="en-US" sz="2400" b="1" i="0" u="none" strike="noStrike" cap="none" dirty="0">
                 <a:solidFill>
                   <a:schemeClr val="lt1"/>
                 </a:solidFill>
@@ -12248,7 +12222,7 @@
               <a:t>    </a:t>
             </a:r>
             <a:r>
-              <a:rPr lang="en-US" sz="2400" i="0" u="none" strike="noStrike" cap="none" dirty="0">
+              <a:rPr lang="en-US" sz="2400" b="1" i="0" u="none" strike="noStrike" cap="none" dirty="0">
                 <a:solidFill>
                   <a:srgbClr val="FFFF00"/>
                 </a:solidFill>
@@ -12260,7 +12234,7 @@
               <a:t>if</a:t>
             </a:r>
             <a:r>
-              <a:rPr lang="en-US" sz="2400" i="0" u="none" strike="noStrike" cap="none" dirty="0">
+              <a:rPr lang="en-US" sz="2400" b="1" i="0" u="none" strike="noStrike" cap="none" dirty="0">
                 <a:solidFill>
                   <a:schemeClr val="lt1"/>
                 </a:solidFill>
@@ -12272,7 +12246,7 @@
               <a:t> </a:t>
             </a:r>
             <a:r>
-              <a:rPr lang="en-US" sz="2400" i="0" u="none" strike="noStrike" cap="none" dirty="0">
+              <a:rPr lang="en-US" sz="2400" b="1" i="0" u="none" strike="noStrike" cap="none" dirty="0">
                 <a:solidFill>
                   <a:srgbClr val="FFFF00"/>
                 </a:solidFill>
@@ -12284,7 +12258,7 @@
               <a:t>not</a:t>
             </a:r>
             <a:r>
-              <a:rPr lang="en-US" sz="2400" i="0" u="none" strike="noStrike" cap="none" dirty="0">
+              <a:rPr lang="en-US" sz="2400" b="1" i="0" u="none" strike="noStrike" cap="none" dirty="0">
                 <a:solidFill>
                   <a:schemeClr val="lt1"/>
                 </a:solidFill>
@@ -12296,7 +12270,7 @@
               <a:t> '</a:t>
             </a:r>
             <a:r>
-              <a:rPr lang="en-US" sz="2400" i="0" u="none" strike="noStrike" cap="none" dirty="0">
+              <a:rPr lang="en-US" sz="2400" b="1" i="0" u="none" strike="noStrike" cap="none" dirty="0">
                 <a:solidFill>
                   <a:srgbClr val="00FFFF"/>
                 </a:solidFill>
@@ -12308,7 +12282,7 @@
               <a:t>@</a:t>
             </a:r>
             <a:r>
-              <a:rPr lang="en-US" sz="2400" i="0" u="none" strike="noStrike" cap="none" dirty="0" err="1">
+              <a:rPr lang="en-US" sz="2400" b="1" i="0" u="none" strike="noStrike" cap="none" dirty="0" err="1">
                 <a:solidFill>
                   <a:srgbClr val="00FFFF"/>
                 </a:solidFill>
@@ -12320,7 +12294,7 @@
               <a:t>uct.ac.za</a:t>
             </a:r>
             <a:r>
-              <a:rPr lang="en-US" sz="2400" i="0" u="none" strike="noStrike" cap="none" dirty="0">
+              <a:rPr lang="en-US" sz="2400" b="1" i="0" u="none" strike="noStrike" cap="none" dirty="0">
                 <a:solidFill>
                   <a:schemeClr val="lt1"/>
                 </a:solidFill>
@@ -12332,7 +12306,7 @@
               <a:t>' </a:t>
             </a:r>
             <a:r>
-              <a:rPr lang="en-US" sz="2400" i="0" u="none" strike="noStrike" cap="none" dirty="0">
+              <a:rPr lang="en-US" sz="2400" b="1" i="0" u="none" strike="noStrike" cap="none" dirty="0">
                 <a:solidFill>
                   <a:srgbClr val="FFFF00"/>
                 </a:solidFill>
@@ -12344,7 +12318,7 @@
               <a:t>in</a:t>
             </a:r>
             <a:r>
-              <a:rPr lang="en-US" sz="2400" i="0" u="none" strike="noStrike" cap="none" dirty="0">
+              <a:rPr lang="en-US" sz="2400" b="1" i="0" u="none" strike="noStrike" cap="none" dirty="0">
                 <a:solidFill>
                   <a:schemeClr val="lt1"/>
                 </a:solidFill>
@@ -12356,7 +12330,7 @@
               <a:t> </a:t>
             </a:r>
             <a:r>
-              <a:rPr lang="en-US" sz="2400" i="0" u="none" strike="noStrike" cap="none" dirty="0">
+              <a:rPr lang="en-US" sz="2400" b="1" i="0" u="none" strike="noStrike" cap="none" dirty="0">
                 <a:solidFill>
                   <a:srgbClr val="00FFFF"/>
                 </a:solidFill>
@@ -12368,7 +12342,7 @@
               <a:t>line</a:t>
             </a:r>
             <a:r>
-              <a:rPr lang="en-US" sz="2400" i="0" u="none" strike="noStrike" cap="none" dirty="0">
+              <a:rPr lang="en-US" sz="2400" b="1" i="0" u="none" strike="noStrike" cap="none" dirty="0">
                 <a:solidFill>
                   <a:schemeClr val="lt1"/>
                 </a:solidFill>
@@ -12399,7 +12373,7 @@
               <a:buNone/>
             </a:pPr>
             <a:r>
-              <a:rPr lang="en-US" sz="2400" i="0" u="none" strike="noStrike" cap="none" dirty="0">
+              <a:rPr lang="en-US" sz="2400" b="1" i="0" u="none" strike="noStrike" cap="none" dirty="0">
                 <a:solidFill>
                   <a:schemeClr val="lt1"/>
                 </a:solidFill>
@@ -12411,7 +12385,7 @@
               <a:t>        </a:t>
             </a:r>
             <a:r>
-              <a:rPr lang="en-US" sz="2400" i="0" u="none" strike="noStrike" cap="none" dirty="0">
+              <a:rPr lang="en-US" sz="2400" b="1" i="0" u="none" strike="noStrike" cap="none" dirty="0">
                 <a:solidFill>
                   <a:srgbClr val="FFFF00"/>
                 </a:solidFill>
@@ -12431,7 +12405,7 @@
               <a:buSzPct val="25000"/>
             </a:pPr>
             <a:r>
-              <a:rPr lang="en-US" sz="2400" i="0" u="none" strike="noStrike" cap="none" dirty="0">
+              <a:rPr lang="en-US" sz="2400" b="1" i="0" u="none" strike="noStrike" cap="none" dirty="0">
                 <a:solidFill>
                   <a:schemeClr val="lt1"/>
                 </a:solidFill>
@@ -12443,7 +12417,7 @@
               <a:t>    </a:t>
             </a:r>
             <a:r>
-              <a:rPr lang="en-US" sz="2400" i="0" u="none" strike="noStrike" cap="none" dirty="0" smtClean="0">
+              <a:rPr lang="en-US" sz="2400" b="1" i="0" u="none" strike="noStrike" cap="none" dirty="0" smtClean="0">
                 <a:solidFill>
                   <a:srgbClr val="FFFF00"/>
                 </a:solidFill>
@@ -12455,7 +12429,7 @@
               <a:t>print</a:t>
             </a:r>
             <a:r>
-              <a:rPr lang="en-US" sz="2400" dirty="0">
+              <a:rPr lang="en-US" sz="2400" b="1" dirty="0">
                 <a:solidFill>
                   <a:schemeClr val="lt1"/>
                 </a:solidFill>
@@ -12467,7 +12441,7 @@
               <a:t>(</a:t>
             </a:r>
             <a:r>
-              <a:rPr lang="en-US" sz="2400" i="0" u="none" strike="noStrike" cap="none" dirty="0" smtClean="0">
+              <a:rPr lang="en-US" sz="2400" b="1" i="0" u="none" strike="noStrike" cap="none" dirty="0" smtClean="0">
                 <a:solidFill>
                   <a:srgbClr val="00FF00"/>
                 </a:solidFill>
@@ -12479,7 +12453,7 @@
               <a:t>line</a:t>
             </a:r>
             <a:r>
-              <a:rPr lang="en-US" sz="2400" dirty="0">
+              <a:rPr lang="en-US" sz="2400" b="1" dirty="0">
                 <a:solidFill>
                   <a:schemeClr val="lt1"/>
                 </a:solidFill>
@@ -12490,7 +12464,7 @@
               </a:rPr>
               <a:t>)</a:t>
             </a:r>
-            <a:endParaRPr lang="en-US" sz="2400" i="0" u="none" strike="noStrike" cap="none" dirty="0">
+            <a:endParaRPr lang="en-US" sz="2400" b="1" i="0" u="none" strike="noStrike" cap="none" dirty="0">
               <a:solidFill>
                 <a:srgbClr val="00FF00"/>
               </a:solidFill>
@@ -12545,7 +12519,7 @@
               <a:buNone/>
             </a:pPr>
             <a:r>
-              <a:rPr lang="en-US" sz="2400" i="0" u="none" strike="noStrike" cap="none" dirty="0">
+              <a:rPr lang="en-US" sz="2400" b="1" i="0" u="none" strike="noStrike" cap="none" dirty="0">
                 <a:solidFill>
                   <a:srgbClr val="FF00FF"/>
                 </a:solidFill>
@@ -12557,7 +12531,7 @@
               <a:t>From </a:t>
             </a:r>
             <a:r>
-              <a:rPr lang="en-US" sz="2400" i="0" u="none" strike="noStrike" cap="none" dirty="0" err="1">
+              <a:rPr lang="en-US" sz="2400" b="1" i="0" u="none" strike="noStrike" cap="none" dirty="0" err="1">
                 <a:solidFill>
                   <a:srgbClr val="FF00FF"/>
                 </a:solidFill>
@@ -12569,7 +12543,7 @@
               <a:t>stephen.marquard@</a:t>
             </a:r>
             <a:r>
-              <a:rPr lang="en-US" sz="2400" i="0" u="none" strike="noStrike" cap="none" dirty="0" err="1">
+              <a:rPr lang="en-US" sz="2400" b="1" i="0" u="none" strike="noStrike" cap="none" dirty="0" err="1">
                 <a:solidFill>
                   <a:srgbClr val="00FFFF"/>
                 </a:solidFill>
@@ -12581,7 +12555,7 @@
               <a:t>uct.ac.za</a:t>
             </a:r>
             <a:r>
-              <a:rPr lang="en-US" sz="2400" i="0" u="none" strike="noStrike" cap="none" dirty="0">
+              <a:rPr lang="en-US" sz="2400" b="1" i="0" u="none" strike="noStrike" cap="none" dirty="0">
                 <a:solidFill>
                   <a:srgbClr val="FF00FF"/>
                 </a:solidFill>
@@ -12612,7 +12586,7 @@
               <a:buNone/>
             </a:pPr>
             <a:r>
-              <a:rPr lang="en-US" sz="2400" i="0" u="none" strike="noStrike" cap="none" dirty="0">
+              <a:rPr lang="en-US" sz="2400" b="1" i="0" u="none" strike="noStrike" cap="none" dirty="0">
                 <a:solidFill>
                   <a:srgbClr val="FF00FF"/>
                 </a:solidFill>
@@ -12624,7 +12598,7 @@
               <a:t>X-Authentication-Warning: set sender to </a:t>
             </a:r>
             <a:r>
-              <a:rPr lang="en-US" sz="2400" i="0" u="none" strike="noStrike" cap="none" dirty="0" err="1">
+              <a:rPr lang="en-US" sz="2400" b="1" i="0" u="none" strike="noStrike" cap="none" dirty="0" err="1">
                 <a:solidFill>
                   <a:srgbClr val="FF00FF"/>
                 </a:solidFill>
@@ -12636,7 +12610,7 @@
               <a:t>stephen.marquard@</a:t>
             </a:r>
             <a:r>
-              <a:rPr lang="en-US" sz="2400" i="0" u="none" strike="noStrike" cap="none" dirty="0" err="1">
+              <a:rPr lang="en-US" sz="2400" b="1" i="0" u="none" strike="noStrike" cap="none" dirty="0" err="1">
                 <a:solidFill>
                   <a:srgbClr val="00FFFF"/>
                 </a:solidFill>
@@ -12648,7 +12622,7 @@
               <a:t>uct.ac.za</a:t>
             </a:r>
             <a:r>
-              <a:rPr lang="en-US" sz="2400" i="0" u="none" strike="noStrike" cap="none" dirty="0">
+              <a:rPr lang="en-US" sz="2400" b="1" i="0" u="none" strike="noStrike" cap="none" dirty="0">
                 <a:solidFill>
                   <a:srgbClr val="FF00FF"/>
                 </a:solidFill>
@@ -12679,7 +12653,7 @@
               <a:buNone/>
             </a:pPr>
             <a:r>
-              <a:rPr lang="en-US" sz="2400" i="0" u="none" strike="noStrike" cap="none" dirty="0">
+              <a:rPr lang="en-US" sz="2400" b="1" i="0" u="none" strike="noStrike" cap="none" dirty="0">
                 <a:solidFill>
                   <a:srgbClr val="FF00FF"/>
                 </a:solidFill>
@@ -12691,7 +12665,7 @@
               <a:t>From: </a:t>
             </a:r>
             <a:r>
-              <a:rPr lang="en-US" sz="2400" i="0" u="sng" strike="noStrike" cap="none" dirty="0">
+              <a:rPr lang="en-US" sz="2400" b="1" i="0" u="sng" strike="noStrike" cap="none" dirty="0">
                 <a:solidFill>
                   <a:schemeClr val="hlink"/>
                 </a:solidFill>
@@ -12723,7 +12697,7 @@
               <a:buNone/>
             </a:pPr>
             <a:r>
-              <a:rPr lang="en-US" sz="2400" i="0" u="none" strike="noStrike" cap="none" dirty="0">
+              <a:rPr lang="en-US" sz="2400" b="1" i="0" u="none" strike="noStrike" cap="none" dirty="0">
                 <a:solidFill>
                   <a:srgbClr val="FF00FF"/>
                 </a:solidFill>
@@ -12735,7 +12709,7 @@
               <a:t>Author: </a:t>
             </a:r>
             <a:r>
-              <a:rPr lang="en-US" sz="2400" i="0" u="sng" strike="noStrike" cap="none" dirty="0">
+              <a:rPr lang="en-US" sz="2400" b="1" i="0" u="sng" strike="noStrike" cap="none" dirty="0">
                 <a:solidFill>
                   <a:schemeClr val="hlink"/>
                 </a:solidFill>
@@ -12767,7 +12741,7 @@
               <a:buNone/>
             </a:pPr>
             <a:r>
-              <a:rPr lang="en-US" sz="2400" i="0" u="none" strike="noStrike" cap="none" dirty="0">
+              <a:rPr lang="en-US" sz="2400" b="1" i="0" u="none" strike="noStrike" cap="none" dirty="0">
                 <a:solidFill>
                   <a:srgbClr val="FF00FF"/>
                 </a:solidFill>
@@ -12779,7 +12753,7 @@
               <a:t>From </a:t>
             </a:r>
             <a:r>
-              <a:rPr lang="en-US" sz="2400" i="0" u="none" strike="noStrike" cap="none" dirty="0" err="1">
+              <a:rPr lang="en-US" sz="2400" b="1" i="0" u="none" strike="noStrike" cap="none" dirty="0" err="1">
                 <a:solidFill>
                   <a:srgbClr val="FF00FF"/>
                 </a:solidFill>
@@ -12791,7 +12765,7 @@
               <a:t>david.horwitz@</a:t>
             </a:r>
             <a:r>
-              <a:rPr lang="en-US" sz="2400" i="0" u="none" strike="noStrike" cap="none" dirty="0" err="1">
+              <a:rPr lang="en-US" sz="2400" b="1" i="0" u="none" strike="noStrike" cap="none" dirty="0" err="1">
                 <a:solidFill>
                   <a:srgbClr val="00FFFF"/>
                 </a:solidFill>
@@ -12803,7 +12777,7 @@
               <a:t>uct.ac.za</a:t>
             </a:r>
             <a:r>
-              <a:rPr lang="en-US" sz="2400" i="0" u="none" strike="noStrike" cap="none" dirty="0">
+              <a:rPr lang="en-US" sz="2400" b="1" i="0" u="none" strike="noStrike" cap="none" dirty="0">
                 <a:solidFill>
                   <a:srgbClr val="FF00FF"/>
                 </a:solidFill>
@@ -12834,7 +12808,7 @@
               <a:buNone/>
             </a:pPr>
             <a:r>
-              <a:rPr lang="en-US" sz="2400" i="0" u="none" strike="noStrike" cap="none" dirty="0">
+              <a:rPr lang="en-US" sz="2400" b="1" i="0" u="none" strike="noStrike" cap="none" dirty="0">
                 <a:solidFill>
                   <a:srgbClr val="FF00FF"/>
                 </a:solidFill>
@@ -12846,7 +12820,7 @@
               <a:t>X-Authentication-Warning: set sender to </a:t>
             </a:r>
             <a:r>
-              <a:rPr lang="en-US" sz="2400" i="0" u="none" strike="noStrike" cap="none" dirty="0" err="1">
+              <a:rPr lang="en-US" sz="2400" b="1" i="0" u="none" strike="noStrike" cap="none" dirty="0" err="1">
                 <a:solidFill>
                   <a:srgbClr val="FF00FF"/>
                 </a:solidFill>
@@ -12858,7 +12832,7 @@
               <a:t>david.horwitz@</a:t>
             </a:r>
             <a:r>
-              <a:rPr lang="en-US" sz="2400" i="0" u="none" strike="noStrike" cap="none" dirty="0" err="1">
+              <a:rPr lang="en-US" sz="2400" b="1" i="0" u="none" strike="noStrike" cap="none" dirty="0" err="1">
                 <a:solidFill>
                   <a:srgbClr val="00FFFF"/>
                 </a:solidFill>
@@ -12870,7 +12844,7 @@
               <a:t>uct.ac.za</a:t>
             </a:r>
             <a:r>
-              <a:rPr lang="en-US" sz="2400" i="0" u="none" strike="noStrike" cap="none" dirty="0">
+              <a:rPr lang="en-US" sz="2400" b="1" i="0" u="none" strike="noStrike" cap="none" dirty="0">
                 <a:solidFill>
                   <a:srgbClr val="FF00FF"/>
                 </a:solidFill>
@@ -14166,7 +14140,7 @@
               <a:buNone/>
             </a:pPr>
             <a:r>
-              <a:rPr lang="en-US" sz="2400" i="0" u="none" strike="noStrike" cap="none" dirty="0" err="1">
+              <a:rPr lang="en-US" sz="2400" b="1" i="0" u="none" strike="noStrike" cap="none" dirty="0" err="1">
                 <a:solidFill>
                   <a:srgbClr val="00FF00"/>
                 </a:solidFill>
@@ -14178,7 +14152,7 @@
               <a:t>fname</a:t>
             </a:r>
             <a:r>
-              <a:rPr lang="en-US" sz="2400" i="0" u="none" strike="noStrike" cap="none" dirty="0">
+              <a:rPr lang="en-US" sz="2400" b="1" i="0" u="none" strike="noStrike" cap="none" dirty="0">
                 <a:solidFill>
                   <a:schemeClr val="lt1"/>
                 </a:solidFill>
@@ -14190,7 +14164,7 @@
               <a:t> </a:t>
             </a:r>
             <a:r>
-              <a:rPr lang="en-US" sz="2400" i="0" u="none" strike="noStrike" cap="none" dirty="0" smtClean="0">
+              <a:rPr lang="en-US" sz="2400" b="1" i="0" u="none" strike="noStrike" cap="none" dirty="0" smtClean="0">
                 <a:solidFill>
                   <a:schemeClr val="lt1"/>
                 </a:solidFill>
@@ -14202,7 +14176,7 @@
               <a:t>= </a:t>
             </a:r>
             <a:r>
-              <a:rPr lang="en-US" sz="2400" i="0" u="none" strike="noStrike" cap="none" dirty="0" smtClean="0">
+              <a:rPr lang="en-US" sz="2400" b="1" i="0" u="none" strike="noStrike" cap="none" dirty="0" smtClean="0">
                 <a:solidFill>
                   <a:srgbClr val="FF00FF"/>
                 </a:solidFill>
@@ -14214,7 +14188,7 @@
               <a:t>input</a:t>
             </a:r>
             <a:r>
-              <a:rPr lang="en-US" sz="2400" i="0" u="none" strike="noStrike" cap="none" dirty="0">
+              <a:rPr lang="en-US" sz="2400" b="1" i="0" u="none" strike="noStrike" cap="none" dirty="0">
                 <a:solidFill>
                   <a:schemeClr val="lt1"/>
                 </a:solidFill>
@@ -14245,7 +14219,7 @@
               <a:buNone/>
             </a:pPr>
             <a:r>
-              <a:rPr lang="en-US" sz="2400" i="0" u="none" strike="noStrike" cap="none" dirty="0" err="1">
+              <a:rPr lang="en-US" sz="2400" b="1" i="0" u="none" strike="noStrike" cap="none" dirty="0" err="1">
                 <a:solidFill>
                   <a:srgbClr val="00FF00"/>
                 </a:solidFill>
@@ -14257,7 +14231,7 @@
               <a:t>fhand</a:t>
             </a:r>
             <a:r>
-              <a:rPr lang="en-US" sz="2400" i="0" u="none" strike="noStrike" cap="none" dirty="0">
+              <a:rPr lang="en-US" sz="2400" b="1" i="0" u="none" strike="noStrike" cap="none" dirty="0">
                 <a:solidFill>
                   <a:schemeClr val="lt1"/>
                 </a:solidFill>
@@ -14269,7 +14243,7 @@
               <a:t> = </a:t>
             </a:r>
             <a:r>
-              <a:rPr lang="en-US" sz="2400" i="0" u="none" strike="noStrike" cap="none" dirty="0">
+              <a:rPr lang="en-US" sz="2400" b="1" i="0" u="none" strike="noStrike" cap="none" dirty="0">
                 <a:solidFill>
                   <a:srgbClr val="FF00FF"/>
                 </a:solidFill>
@@ -14281,7 +14255,7 @@
               <a:t>open</a:t>
             </a:r>
             <a:r>
-              <a:rPr lang="en-US" sz="2400" i="0" u="none" strike="noStrike" cap="none" dirty="0">
+              <a:rPr lang="en-US" sz="2400" b="1" i="0" u="none" strike="noStrike" cap="none" dirty="0">
                 <a:solidFill>
                   <a:schemeClr val="lt1"/>
                 </a:solidFill>
@@ -14293,7 +14267,7 @@
               <a:t>(</a:t>
             </a:r>
             <a:r>
-              <a:rPr lang="en-US" sz="2400" i="0" u="none" strike="noStrike" cap="none" dirty="0" err="1">
+              <a:rPr lang="en-US" sz="2400" b="1" i="0" u="none" strike="noStrike" cap="none" dirty="0" err="1">
                 <a:solidFill>
                   <a:srgbClr val="00FF00"/>
                 </a:solidFill>
@@ -14305,7 +14279,7 @@
               <a:t>fname</a:t>
             </a:r>
             <a:r>
-              <a:rPr lang="en-US" sz="2400" i="0" u="none" strike="noStrike" cap="none" dirty="0">
+              <a:rPr lang="en-US" sz="2400" b="1" i="0" u="none" strike="noStrike" cap="none" dirty="0">
                 <a:solidFill>
                   <a:schemeClr val="lt1"/>
                 </a:solidFill>
@@ -14336,7 +14310,7 @@
               <a:buNone/>
             </a:pPr>
             <a:r>
-              <a:rPr lang="en-US" sz="2400" i="0" u="none" strike="noStrike" cap="none" dirty="0">
+              <a:rPr lang="en-US" sz="2400" b="1" i="0" u="none" strike="noStrike" cap="none" dirty="0">
                 <a:solidFill>
                   <a:srgbClr val="00FF00"/>
                 </a:solidFill>
@@ -14348,7 +14322,7 @@
               <a:t>count</a:t>
             </a:r>
             <a:r>
-              <a:rPr lang="en-US" sz="2400" i="0" u="none" strike="noStrike" cap="none" dirty="0">
+              <a:rPr lang="en-US" sz="2400" b="1" i="0" u="none" strike="noStrike" cap="none" dirty="0">
                 <a:solidFill>
                   <a:schemeClr val="lt1"/>
                 </a:solidFill>
@@ -14379,7 +14353,7 @@
               <a:buNone/>
             </a:pPr>
             <a:r>
-              <a:rPr lang="en-US" sz="2400" i="0" u="none" strike="noStrike" cap="none" dirty="0">
+              <a:rPr lang="en-US" sz="2400" b="1" i="0" u="none" strike="noStrike" cap="none" dirty="0">
                 <a:solidFill>
                   <a:srgbClr val="FFFF00"/>
                 </a:solidFill>
@@ -14391,7 +14365,7 @@
               <a:t>for</a:t>
             </a:r>
             <a:r>
-              <a:rPr lang="en-US" sz="2400" i="0" u="none" strike="noStrike" cap="none" dirty="0">
+              <a:rPr lang="en-US" sz="2400" b="1" i="0" u="none" strike="noStrike" cap="none" dirty="0">
                 <a:solidFill>
                   <a:schemeClr val="lt1"/>
                 </a:solidFill>
@@ -14403,7 +14377,7 @@
               <a:t> </a:t>
             </a:r>
             <a:r>
-              <a:rPr lang="en-US" sz="2400" i="0" u="none" strike="noStrike" cap="none" dirty="0">
+              <a:rPr lang="en-US" sz="2400" b="1" i="0" u="none" strike="noStrike" cap="none" dirty="0">
                 <a:solidFill>
                   <a:srgbClr val="00FF00"/>
                 </a:solidFill>
@@ -14415,7 +14389,7 @@
               <a:t>line</a:t>
             </a:r>
             <a:r>
-              <a:rPr lang="en-US" sz="2400" i="0" u="none" strike="noStrike" cap="none" dirty="0">
+              <a:rPr lang="en-US" sz="2400" b="1" i="0" u="none" strike="noStrike" cap="none" dirty="0">
                 <a:solidFill>
                   <a:schemeClr val="lt1"/>
                 </a:solidFill>
@@ -14427,7 +14401,7 @@
               <a:t> </a:t>
             </a:r>
             <a:r>
-              <a:rPr lang="en-US" sz="2400" i="0" u="none" strike="noStrike" cap="none" dirty="0">
+              <a:rPr lang="en-US" sz="2400" b="1" i="0" u="none" strike="noStrike" cap="none" dirty="0">
                 <a:solidFill>
                   <a:srgbClr val="FFFF00"/>
                 </a:solidFill>
@@ -14439,7 +14413,7 @@
               <a:t>in</a:t>
             </a:r>
             <a:r>
-              <a:rPr lang="en-US" sz="2400" i="0" u="none" strike="noStrike" cap="none" dirty="0">
+              <a:rPr lang="en-US" sz="2400" b="1" i="0" u="none" strike="noStrike" cap="none" dirty="0">
                 <a:solidFill>
                   <a:schemeClr val="lt1"/>
                 </a:solidFill>
@@ -14451,7 +14425,7 @@
               <a:t> </a:t>
             </a:r>
             <a:r>
-              <a:rPr lang="en-US" sz="2400" i="0" u="none" strike="noStrike" cap="none" dirty="0" err="1">
+              <a:rPr lang="en-US" sz="2400" b="1" i="0" u="none" strike="noStrike" cap="none" dirty="0" err="1">
                 <a:solidFill>
                   <a:srgbClr val="00FF00"/>
                 </a:solidFill>
@@ -14463,7 +14437,7 @@
               <a:t>fhand</a:t>
             </a:r>
             <a:r>
-              <a:rPr lang="en-US" sz="2400" i="0" u="none" strike="noStrike" cap="none" dirty="0">
+              <a:rPr lang="en-US" sz="2400" b="1" i="0" u="none" strike="noStrike" cap="none" dirty="0">
                 <a:solidFill>
                   <a:schemeClr val="lt1"/>
                 </a:solidFill>
@@ -14494,7 +14468,7 @@
               <a:buNone/>
             </a:pPr>
             <a:r>
-              <a:rPr lang="en-US" sz="2400" i="0" u="none" strike="noStrike" cap="none" dirty="0">
+              <a:rPr lang="en-US" sz="2400" b="1" i="0" u="none" strike="noStrike" cap="none" dirty="0">
                 <a:solidFill>
                   <a:schemeClr val="lt1"/>
                 </a:solidFill>
@@ -14506,7 +14480,7 @@
               <a:t>    </a:t>
             </a:r>
             <a:r>
-              <a:rPr lang="en-US" sz="2400" i="0" u="none" strike="noStrike" cap="none" dirty="0">
+              <a:rPr lang="en-US" sz="2400" b="1" i="0" u="none" strike="noStrike" cap="none" dirty="0">
                 <a:solidFill>
                   <a:srgbClr val="FFFF00"/>
                 </a:solidFill>
@@ -14518,7 +14492,7 @@
               <a:t>if</a:t>
             </a:r>
             <a:r>
-              <a:rPr lang="en-US" sz="2400" i="0" u="none" strike="noStrike" cap="none" dirty="0">
+              <a:rPr lang="en-US" sz="2400" b="1" i="0" u="none" strike="noStrike" cap="none" dirty="0">
                 <a:solidFill>
                   <a:schemeClr val="lt1"/>
                 </a:solidFill>
@@ -14530,7 +14504,7 @@
               <a:t> </a:t>
             </a:r>
             <a:r>
-              <a:rPr lang="en-US" sz="2400" i="0" u="none" strike="noStrike" cap="none" dirty="0" err="1">
+              <a:rPr lang="en-US" sz="2400" b="1" i="0" u="none" strike="noStrike" cap="none" dirty="0" err="1">
                 <a:solidFill>
                   <a:srgbClr val="00FF00"/>
                 </a:solidFill>
@@ -14542,7 +14516,7 @@
               <a:t>line</a:t>
             </a:r>
             <a:r>
-              <a:rPr lang="en-US" sz="2400" i="0" u="none" strike="noStrike" cap="none" dirty="0" err="1">
+              <a:rPr lang="en-US" sz="2400" b="1" i="0" u="none" strike="noStrike" cap="none" dirty="0" err="1">
                 <a:solidFill>
                   <a:srgbClr val="FF00FF"/>
                 </a:solidFill>
@@ -14554,7 +14528,7 @@
               <a:t>.startswith</a:t>
             </a:r>
             <a:r>
-              <a:rPr lang="en-US" sz="2400" i="0" u="none" strike="noStrike" cap="none" dirty="0">
+              <a:rPr lang="en-US" sz="2400" b="1" i="0" u="none" strike="noStrike" cap="none" dirty="0">
                 <a:solidFill>
                   <a:schemeClr val="lt1"/>
                 </a:solidFill>
@@ -14585,7 +14559,7 @@
               <a:buNone/>
             </a:pPr>
             <a:r>
-              <a:rPr lang="en-US" sz="2400" i="0" u="none" strike="noStrike" cap="none" dirty="0">
+              <a:rPr lang="en-US" sz="2400" b="1" i="0" u="none" strike="noStrike" cap="none" dirty="0">
                 <a:solidFill>
                   <a:schemeClr val="lt1"/>
                 </a:solidFill>
@@ -14597,7 +14571,7 @@
               <a:t>        </a:t>
             </a:r>
             <a:r>
-              <a:rPr lang="en-US" sz="2400" i="0" u="none" strike="noStrike" cap="none" dirty="0">
+              <a:rPr lang="en-US" sz="2400" b="1" i="0" u="none" strike="noStrike" cap="none" dirty="0">
                 <a:solidFill>
                   <a:srgbClr val="00FF00"/>
                 </a:solidFill>
@@ -14609,7 +14583,7 @@
               <a:t>count</a:t>
             </a:r>
             <a:r>
-              <a:rPr lang="en-US" sz="2400" i="0" u="none" strike="noStrike" cap="none" dirty="0">
+              <a:rPr lang="en-US" sz="2400" b="1" i="0" u="none" strike="noStrike" cap="none" dirty="0">
                 <a:solidFill>
                   <a:schemeClr val="lt1"/>
                 </a:solidFill>
@@ -14621,7 +14595,7 @@
               <a:t> = </a:t>
             </a:r>
             <a:r>
-              <a:rPr lang="en-US" sz="2400" i="0" u="none" strike="noStrike" cap="none" dirty="0">
+              <a:rPr lang="en-US" sz="2400" b="1" i="0" u="none" strike="noStrike" cap="none" dirty="0">
                 <a:solidFill>
                   <a:srgbClr val="00FF00"/>
                 </a:solidFill>
@@ -14633,7 +14607,7 @@
               <a:t>count</a:t>
             </a:r>
             <a:r>
-              <a:rPr lang="en-US" sz="2400" i="0" u="none" strike="noStrike" cap="none" dirty="0">
+              <a:rPr lang="en-US" sz="2400" b="1" i="0" u="none" strike="noStrike" cap="none" dirty="0">
                 <a:solidFill>
                   <a:schemeClr val="lt1"/>
                 </a:solidFill>
@@ -14664,7 +14638,7 @@
               <a:buNone/>
             </a:pPr>
             <a:r>
-              <a:rPr lang="en-US" sz="2400" i="0" u="none" strike="noStrike" cap="none" dirty="0" smtClean="0">
+              <a:rPr lang="en-US" sz="2400" b="1" i="0" u="none" strike="noStrike" cap="none" dirty="0" smtClean="0">
                 <a:solidFill>
                   <a:srgbClr val="FFFF00"/>
                 </a:solidFill>
@@ -14676,7 +14650,7 @@
               <a:t>print</a:t>
             </a:r>
             <a:r>
-              <a:rPr lang="en-US" sz="2400" dirty="0">
+              <a:rPr lang="en-US" sz="2400" b="1" dirty="0">
                 <a:solidFill>
                   <a:schemeClr val="lt1"/>
                 </a:solidFill>
@@ -14688,7 +14662,7 @@
               <a:t>(</a:t>
             </a:r>
             <a:r>
-              <a:rPr lang="en-US" sz="2400" i="0" u="none" strike="noStrike" cap="none" dirty="0" smtClean="0">
+              <a:rPr lang="en-US" sz="2400" b="1" i="0" u="none" strike="noStrike" cap="none" dirty="0" smtClean="0">
                 <a:solidFill>
                   <a:schemeClr val="lt1"/>
                 </a:solidFill>
@@ -14700,7 +14674,7 @@
               <a:t>'There </a:t>
             </a:r>
             <a:r>
-              <a:rPr lang="en-US" sz="2400" i="0" u="none" strike="noStrike" cap="none" dirty="0">
+              <a:rPr lang="en-US" sz="2400" b="1" i="0" u="none" strike="noStrike" cap="none" dirty="0">
                 <a:solidFill>
                   <a:schemeClr val="lt1"/>
                 </a:solidFill>
@@ -14712,7 +14686,7 @@
               <a:t>were', </a:t>
             </a:r>
             <a:r>
-              <a:rPr lang="en-US" sz="2400" i="0" u="none" strike="noStrike" cap="none" dirty="0">
+              <a:rPr lang="en-US" sz="2400" b="1" i="0" u="none" strike="noStrike" cap="none" dirty="0">
                 <a:solidFill>
                   <a:srgbClr val="00FF00"/>
                 </a:solidFill>
@@ -14724,7 +14698,7 @@
               <a:t>count</a:t>
             </a:r>
             <a:r>
-              <a:rPr lang="en-US" sz="2400" i="0" u="none" strike="noStrike" cap="none" dirty="0">
+              <a:rPr lang="en-US" sz="2400" b="1" i="0" u="none" strike="noStrike" cap="none" dirty="0">
                 <a:solidFill>
                   <a:schemeClr val="lt1"/>
                 </a:solidFill>
@@ -14736,7 +14710,7 @@
               <a:t>, 'subject lines in', </a:t>
             </a:r>
             <a:r>
-              <a:rPr lang="en-US" sz="2400" i="0" u="none" strike="noStrike" cap="none" dirty="0" err="1" smtClean="0">
+              <a:rPr lang="en-US" sz="2400" b="1" i="0" u="none" strike="noStrike" cap="none" dirty="0" err="1" smtClean="0">
                 <a:solidFill>
                   <a:schemeClr val="lt1"/>
                 </a:solidFill>
@@ -14748,7 +14722,7 @@
               <a:t>fname</a:t>
             </a:r>
             <a:r>
-              <a:rPr lang="en-US" sz="2400" i="0" u="none" strike="noStrike" cap="none" dirty="0" smtClean="0">
+              <a:rPr lang="en-US" sz="2400" b="1" i="0" u="none" strike="noStrike" cap="none" dirty="0" smtClean="0">
                 <a:solidFill>
                   <a:schemeClr val="lt1"/>
                 </a:solidFill>
@@ -14759,7 +14733,7 @@
               </a:rPr>
               <a:t>)</a:t>
             </a:r>
-            <a:endParaRPr lang="en-US" sz="2400" i="0" u="none" strike="noStrike" cap="none" dirty="0">
+            <a:endParaRPr lang="en-US" sz="2400" b="1" i="0" u="none" strike="noStrike" cap="none" dirty="0">
               <a:solidFill>
                 <a:schemeClr val="lt1"/>
               </a:solidFill>
@@ -15227,7 +15201,7 @@
               <a:t>  </a:t>
             </a:r>
             <a:r>
-              <a:rPr lang="en-US" sz="2400" i="0" u="none" strike="noStrike" cap="none" dirty="0" err="1">
+              <a:rPr lang="en-US" sz="2400" b="1" i="0" u="none" strike="noStrike" cap="none" dirty="0" err="1">
                 <a:solidFill>
                   <a:srgbClr val="00FF00"/>
                 </a:solidFill>
@@ -15239,7 +15213,7 @@
               <a:t>fname</a:t>
             </a:r>
             <a:r>
-              <a:rPr lang="en-US" sz="2400" i="0" u="none" strike="noStrike" cap="none" dirty="0">
+              <a:rPr lang="en-US" sz="2400" b="1" i="0" u="none" strike="noStrike" cap="none" dirty="0">
                 <a:solidFill>
                   <a:schemeClr val="lt1"/>
                 </a:solidFill>
@@ -15251,7 +15225,7 @@
               <a:t> = </a:t>
             </a:r>
             <a:r>
-              <a:rPr lang="en-US" sz="2400" i="0" u="none" strike="noStrike" cap="none" dirty="0" smtClean="0">
+              <a:rPr lang="en-US" sz="2400" b="1" i="0" u="none" strike="noStrike" cap="none" dirty="0" smtClean="0">
                 <a:solidFill>
                   <a:srgbClr val="FF00FF"/>
                 </a:solidFill>
@@ -15263,7 +15237,7 @@
               <a:t>input</a:t>
             </a:r>
             <a:r>
-              <a:rPr lang="en-US" sz="2400" i="0" u="none" strike="noStrike" cap="none" dirty="0">
+              <a:rPr lang="en-US" sz="2400" b="1" i="0" u="none" strike="noStrike" cap="none" dirty="0">
                 <a:solidFill>
                   <a:schemeClr val="lt1"/>
                 </a:solidFill>
@@ -15294,7 +15268,7 @@
               <a:buNone/>
             </a:pPr>
             <a:r>
-              <a:rPr lang="en-US" sz="2400" dirty="0">
+              <a:rPr lang="en-US" sz="2400" b="1" dirty="0">
                 <a:solidFill>
                   <a:srgbClr val="FFFF00"/>
                 </a:solidFill>
@@ -15306,7 +15280,7 @@
               <a:t>  </a:t>
             </a:r>
             <a:r>
-              <a:rPr lang="en-US" sz="2400" i="0" u="none" strike="noStrike" cap="none" dirty="0">
+              <a:rPr lang="en-US" sz="2400" b="1" i="0" u="none" strike="noStrike" cap="none" dirty="0">
                 <a:solidFill>
                   <a:srgbClr val="FFFF00"/>
                 </a:solidFill>
@@ -15318,7 +15292,7 @@
               <a:t>try</a:t>
             </a:r>
             <a:r>
-              <a:rPr lang="en-US" sz="2400" i="0" u="none" strike="noStrike" cap="none" dirty="0">
+              <a:rPr lang="en-US" sz="2400" b="1" i="0" u="none" strike="noStrike" cap="none" dirty="0">
                 <a:solidFill>
                   <a:schemeClr val="lt1"/>
                 </a:solidFill>
@@ -15349,7 +15323,7 @@
               <a:buNone/>
             </a:pPr>
             <a:r>
-              <a:rPr lang="en-US" sz="2400" i="0" u="none" strike="noStrike" cap="none" dirty="0">
+              <a:rPr lang="en-US" sz="2400" b="1" i="0" u="none" strike="noStrike" cap="none" dirty="0">
                 <a:solidFill>
                   <a:schemeClr val="lt1"/>
                 </a:solidFill>
@@ -15361,7 +15335,7 @@
               <a:t>      </a:t>
             </a:r>
             <a:r>
-              <a:rPr lang="en-US" sz="2400" i="0" u="none" strike="noStrike" cap="none" dirty="0" err="1">
+              <a:rPr lang="en-US" sz="2400" b="1" i="0" u="none" strike="noStrike" cap="none" dirty="0" err="1">
                 <a:solidFill>
                   <a:srgbClr val="00FF00"/>
                 </a:solidFill>
@@ -15373,7 +15347,7 @@
               <a:t>fhand</a:t>
             </a:r>
             <a:r>
-              <a:rPr lang="en-US" sz="2400" i="0" u="none" strike="noStrike" cap="none" dirty="0">
+              <a:rPr lang="en-US" sz="2400" b="1" i="0" u="none" strike="noStrike" cap="none" dirty="0">
                 <a:solidFill>
                   <a:schemeClr val="lt1"/>
                 </a:solidFill>
@@ -15385,7 +15359,7 @@
               <a:t> = </a:t>
             </a:r>
             <a:r>
-              <a:rPr lang="en-US" sz="2400" i="0" u="none" strike="noStrike" cap="none" dirty="0">
+              <a:rPr lang="en-US" sz="2400" b="1" i="0" u="none" strike="noStrike" cap="none" dirty="0">
                 <a:solidFill>
                   <a:srgbClr val="FF00FF"/>
                 </a:solidFill>
@@ -15397,7 +15371,7 @@
               <a:t>open</a:t>
             </a:r>
             <a:r>
-              <a:rPr lang="en-US" sz="2400" i="0" u="none" strike="noStrike" cap="none" dirty="0">
+              <a:rPr lang="en-US" sz="2400" b="1" i="0" u="none" strike="noStrike" cap="none" dirty="0">
                 <a:solidFill>
                   <a:schemeClr val="lt1"/>
                 </a:solidFill>
@@ -15409,7 +15383,7 @@
               <a:t>(</a:t>
             </a:r>
             <a:r>
-              <a:rPr lang="en-US" sz="2400" i="0" u="none" strike="noStrike" cap="none" dirty="0" err="1">
+              <a:rPr lang="en-US" sz="2400" b="1" i="0" u="none" strike="noStrike" cap="none" dirty="0" err="1">
                 <a:solidFill>
                   <a:srgbClr val="00FF00"/>
                 </a:solidFill>
@@ -15421,7 +15395,7 @@
               <a:t>fname</a:t>
             </a:r>
             <a:r>
-              <a:rPr lang="en-US" sz="2400" i="0" u="none" strike="noStrike" cap="none" dirty="0">
+              <a:rPr lang="en-US" sz="2400" b="1" i="0" u="none" strike="noStrike" cap="none" dirty="0">
                 <a:solidFill>
                   <a:schemeClr val="lt1"/>
                 </a:solidFill>
@@ -15452,7 +15426,7 @@
               <a:buNone/>
             </a:pPr>
             <a:r>
-              <a:rPr lang="en-US" sz="2400" dirty="0">
+              <a:rPr lang="en-US" sz="2400" b="1" dirty="0">
                 <a:solidFill>
                   <a:srgbClr val="FFFF00"/>
                 </a:solidFill>
@@ -15464,7 +15438,7 @@
               <a:t>  </a:t>
             </a:r>
             <a:r>
-              <a:rPr lang="en-US" sz="2400" i="0" u="none" strike="noStrike" cap="none" dirty="0">
+              <a:rPr lang="en-US" sz="2400" b="1" i="0" u="none" strike="noStrike" cap="none" dirty="0">
                 <a:solidFill>
                   <a:srgbClr val="FFFF00"/>
                 </a:solidFill>
@@ -15476,7 +15450,7 @@
               <a:t>except</a:t>
             </a:r>
             <a:r>
-              <a:rPr lang="en-US" sz="2400" i="0" u="none" strike="noStrike" cap="none" dirty="0">
+              <a:rPr lang="en-US" sz="2400" b="1" i="0" u="none" strike="noStrike" cap="none" dirty="0">
                 <a:solidFill>
                   <a:schemeClr val="lt1"/>
                 </a:solidFill>
@@ -15496,7 +15470,7 @@
               <a:buSzPct val="25000"/>
             </a:pPr>
             <a:r>
-              <a:rPr lang="en-US" sz="2400" i="0" u="none" strike="noStrike" cap="none" dirty="0">
+              <a:rPr lang="en-US" sz="2400" b="1" i="0" u="none" strike="noStrike" cap="none" dirty="0">
                 <a:solidFill>
                   <a:schemeClr val="lt1"/>
                 </a:solidFill>
@@ -15508,7 +15482,7 @@
               <a:t>      </a:t>
             </a:r>
             <a:r>
-              <a:rPr lang="en-US" sz="2400" i="0" u="none" strike="noStrike" cap="none" dirty="0" smtClean="0">
+              <a:rPr lang="en-US" sz="2400" b="1" i="0" u="none" strike="noStrike" cap="none" dirty="0" smtClean="0">
                 <a:solidFill>
                   <a:srgbClr val="FFFF00"/>
                 </a:solidFill>
@@ -15520,7 +15494,7 @@
               <a:t>print</a:t>
             </a:r>
             <a:r>
-              <a:rPr lang="en-US" sz="2400" dirty="0">
+              <a:rPr lang="en-US" sz="2400" b="1" dirty="0">
                 <a:solidFill>
                   <a:schemeClr val="lt1"/>
                 </a:solidFill>
@@ -15532,7 +15506,7 @@
               <a:t>(</a:t>
             </a:r>
             <a:r>
-              <a:rPr lang="en-US" sz="2400" i="0" u="none" strike="noStrike" cap="none" dirty="0" smtClean="0">
+              <a:rPr lang="en-US" sz="2400" b="1" i="0" u="none" strike="noStrike" cap="none" dirty="0" smtClean="0">
                 <a:solidFill>
                   <a:schemeClr val="lt1"/>
                 </a:solidFill>
@@ -15544,7 +15518,7 @@
               <a:t>'File </a:t>
             </a:r>
             <a:r>
-              <a:rPr lang="en-US" sz="2400" i="0" u="none" strike="noStrike" cap="none" dirty="0">
+              <a:rPr lang="en-US" sz="2400" b="1" i="0" u="none" strike="noStrike" cap="none" dirty="0">
                 <a:solidFill>
                   <a:schemeClr val="lt1"/>
                 </a:solidFill>
@@ -15556,7 +15530,7 @@
               <a:t>cannot be opened:', </a:t>
             </a:r>
             <a:r>
-              <a:rPr lang="en-US" sz="2400" i="0" u="none" strike="noStrike" cap="none" dirty="0" err="1" smtClean="0">
+              <a:rPr lang="en-US" sz="2400" b="1" i="0" u="none" strike="noStrike" cap="none" dirty="0" err="1" smtClean="0">
                 <a:solidFill>
                   <a:srgbClr val="00FF00"/>
                 </a:solidFill>
@@ -15568,7 +15542,7 @@
               <a:t>fname</a:t>
             </a:r>
             <a:r>
-              <a:rPr lang="en-US" sz="2400" dirty="0">
+              <a:rPr lang="en-US" sz="2400" b="1" dirty="0">
                 <a:solidFill>
                   <a:schemeClr val="lt1"/>
                 </a:solidFill>
@@ -15579,7 +15553,7 @@
               </a:rPr>
               <a:t>)</a:t>
             </a:r>
-            <a:endParaRPr lang="en-US" sz="2400" i="0" u="none" strike="noStrike" cap="none" dirty="0">
+            <a:endParaRPr lang="en-US" sz="2400" b="1" i="0" u="none" strike="noStrike" cap="none" dirty="0">
               <a:solidFill>
                 <a:srgbClr val="00FF00"/>
               </a:solidFill>
@@ -15608,7 +15582,7 @@
               <a:buNone/>
             </a:pPr>
             <a:r>
-              <a:rPr lang="en-US" sz="2400" i="0" u="none" strike="noStrike" cap="none" dirty="0">
+              <a:rPr lang="en-US" sz="2400" b="1" i="0" u="none" strike="noStrike" cap="none" dirty="0">
                 <a:solidFill>
                   <a:schemeClr val="lt1"/>
                 </a:solidFill>
@@ -15620,7 +15594,7 @@
               <a:t>      </a:t>
             </a:r>
             <a:r>
-              <a:rPr lang="en-US" sz="2400" i="0" u="none" strike="noStrike" cap="none" dirty="0" smtClean="0">
+              <a:rPr lang="en-US" sz="2400" b="1" i="0" u="none" strike="noStrike" cap="none" dirty="0" smtClean="0">
                 <a:solidFill>
                   <a:srgbClr val="FF00FF"/>
                 </a:solidFill>
@@ -15632,7 +15606,7 @@
               <a:t>quit</a:t>
             </a:r>
             <a:r>
-              <a:rPr lang="en-US" sz="2400" i="0" u="none" strike="noStrike" cap="none" dirty="0" smtClean="0">
+              <a:rPr lang="en-US" sz="2400" b="1" i="0" u="none" strike="noStrike" cap="none" dirty="0" smtClean="0">
                 <a:solidFill>
                   <a:schemeClr val="lt1"/>
                 </a:solidFill>
@@ -15643,7 +15617,7 @@
               </a:rPr>
               <a:t>()</a:t>
             </a:r>
-            <a:endParaRPr lang="en-US" sz="2400" i="0" u="none" strike="noStrike" cap="none" dirty="0">
+            <a:endParaRPr lang="en-US" sz="2400" b="1" i="0" u="none" strike="noStrike" cap="none" dirty="0">
               <a:solidFill>
                 <a:schemeClr val="lt1"/>
               </a:solidFill>
@@ -15670,7 +15644,7 @@
               <a:buFont typeface="Cabin"/>
               <a:buNone/>
             </a:pPr>
-            <a:endParaRPr sz="2400" dirty="0">
+            <a:endParaRPr sz="2400" b="1" dirty="0">
               <a:solidFill>
                 <a:schemeClr val="lt1"/>
               </a:solidFill>
@@ -15699,7 +15673,7 @@
               <a:buNone/>
             </a:pPr>
             <a:r>
-              <a:rPr lang="en-US" sz="2400" dirty="0">
+              <a:rPr lang="en-US" sz="2400" b="1" dirty="0">
                 <a:solidFill>
                   <a:srgbClr val="00FF00"/>
                 </a:solidFill>
@@ -15711,7 +15685,7 @@
               <a:t>  </a:t>
             </a:r>
             <a:r>
-              <a:rPr lang="en-US" sz="2400" i="0" u="none" strike="noStrike" cap="none" dirty="0">
+              <a:rPr lang="en-US" sz="2400" b="1" i="0" u="none" strike="noStrike" cap="none" dirty="0">
                 <a:solidFill>
                   <a:srgbClr val="00FF00"/>
                 </a:solidFill>
@@ -15723,7 +15697,7 @@
               <a:t>count</a:t>
             </a:r>
             <a:r>
-              <a:rPr lang="en-US" sz="2400" i="0" u="none" strike="noStrike" cap="none" dirty="0">
+              <a:rPr lang="en-US" sz="2400" b="1" i="0" u="none" strike="noStrike" cap="none" dirty="0">
                 <a:solidFill>
                   <a:schemeClr val="lt1"/>
                 </a:solidFill>
@@ -15754,7 +15728,7 @@
               <a:buNone/>
             </a:pPr>
             <a:r>
-              <a:rPr lang="en-US" sz="2400" dirty="0">
+              <a:rPr lang="en-US" sz="2400" b="1" dirty="0">
                 <a:solidFill>
                   <a:srgbClr val="FFFF00"/>
                 </a:solidFill>
@@ -15766,7 +15740,7 @@
               <a:t>  </a:t>
             </a:r>
             <a:r>
-              <a:rPr lang="en-US" sz="2400" i="0" u="none" strike="noStrike" cap="none" dirty="0">
+              <a:rPr lang="en-US" sz="2400" b="1" i="0" u="none" strike="noStrike" cap="none" dirty="0">
                 <a:solidFill>
                   <a:srgbClr val="FFFF00"/>
                 </a:solidFill>
@@ -15778,7 +15752,7 @@
               <a:t>for</a:t>
             </a:r>
             <a:r>
-              <a:rPr lang="en-US" sz="2400" i="0" u="none" strike="noStrike" cap="none" dirty="0">
+              <a:rPr lang="en-US" sz="2400" b="1" i="0" u="none" strike="noStrike" cap="none" dirty="0">
                 <a:solidFill>
                   <a:schemeClr val="lt1"/>
                 </a:solidFill>
@@ -15790,7 +15764,7 @@
               <a:t> </a:t>
             </a:r>
             <a:r>
-              <a:rPr lang="en-US" sz="2400" i="0" u="none" strike="noStrike" cap="none" dirty="0">
+              <a:rPr lang="en-US" sz="2400" b="1" i="0" u="none" strike="noStrike" cap="none" dirty="0">
                 <a:solidFill>
                   <a:srgbClr val="00FF00"/>
                 </a:solidFill>
@@ -15802,7 +15776,7 @@
               <a:t>line</a:t>
             </a:r>
             <a:r>
-              <a:rPr lang="en-US" sz="2400" i="0" u="none" strike="noStrike" cap="none" dirty="0">
+              <a:rPr lang="en-US" sz="2400" b="1" i="0" u="none" strike="noStrike" cap="none" dirty="0">
                 <a:solidFill>
                   <a:schemeClr val="lt1"/>
                 </a:solidFill>
@@ -15814,7 +15788,7 @@
               <a:t> </a:t>
             </a:r>
             <a:r>
-              <a:rPr lang="en-US" sz="2400" i="0" u="none" strike="noStrike" cap="none" dirty="0">
+              <a:rPr lang="en-US" sz="2400" b="1" i="0" u="none" strike="noStrike" cap="none" dirty="0">
                 <a:solidFill>
                   <a:srgbClr val="FFFF00"/>
                 </a:solidFill>
@@ -15826,7 +15800,7 @@
               <a:t>in</a:t>
             </a:r>
             <a:r>
-              <a:rPr lang="en-US" sz="2400" i="0" u="none" strike="noStrike" cap="none" dirty="0">
+              <a:rPr lang="en-US" sz="2400" b="1" i="0" u="none" strike="noStrike" cap="none" dirty="0">
                 <a:solidFill>
                   <a:schemeClr val="lt1"/>
                 </a:solidFill>
@@ -15838,7 +15812,7 @@
               <a:t> </a:t>
             </a:r>
             <a:r>
-              <a:rPr lang="en-US" sz="2400" i="0" u="none" strike="noStrike" cap="none" dirty="0" err="1">
+              <a:rPr lang="en-US" sz="2400" b="1" i="0" u="none" strike="noStrike" cap="none" dirty="0" err="1">
                 <a:solidFill>
                   <a:srgbClr val="00FF00"/>
                 </a:solidFill>
@@ -15850,7 +15824,7 @@
               <a:t>fhand</a:t>
             </a:r>
             <a:r>
-              <a:rPr lang="en-US" sz="2400" i="0" u="none" strike="noStrike" cap="none" dirty="0">
+              <a:rPr lang="en-US" sz="2400" b="1" i="0" u="none" strike="noStrike" cap="none" dirty="0">
                 <a:solidFill>
                   <a:schemeClr val="lt1"/>
                 </a:solidFill>
@@ -15881,7 +15855,7 @@
               <a:buNone/>
             </a:pPr>
             <a:r>
-              <a:rPr lang="en-US" sz="2400" i="0" u="none" strike="noStrike" cap="none" dirty="0">
+              <a:rPr lang="en-US" sz="2400" b="1" i="0" u="none" strike="noStrike" cap="none" dirty="0">
                 <a:solidFill>
                   <a:schemeClr val="lt1"/>
                 </a:solidFill>
@@ -15893,7 +15867,7 @@
               <a:t>      </a:t>
             </a:r>
             <a:r>
-              <a:rPr lang="en-US" sz="2400" i="0" u="none" strike="noStrike" cap="none" dirty="0">
+              <a:rPr lang="en-US" sz="2400" b="1" i="0" u="none" strike="noStrike" cap="none" dirty="0">
                 <a:solidFill>
                   <a:srgbClr val="FFFF00"/>
                 </a:solidFill>
@@ -15905,7 +15879,7 @@
               <a:t>if</a:t>
             </a:r>
             <a:r>
-              <a:rPr lang="en-US" sz="2400" i="0" u="none" strike="noStrike" cap="none" dirty="0">
+              <a:rPr lang="en-US" sz="2400" b="1" i="0" u="none" strike="noStrike" cap="none" dirty="0">
                 <a:solidFill>
                   <a:schemeClr val="lt1"/>
                 </a:solidFill>
@@ -15917,7 +15891,7 @@
               <a:t> </a:t>
             </a:r>
             <a:r>
-              <a:rPr lang="en-US" sz="2400" i="0" u="none" strike="noStrike" cap="none" dirty="0" err="1">
+              <a:rPr lang="en-US" sz="2400" b="1" i="0" u="none" strike="noStrike" cap="none" dirty="0" err="1">
                 <a:solidFill>
                   <a:srgbClr val="00FF00"/>
                 </a:solidFill>
@@ -15929,7 +15903,7 @@
               <a:t>line</a:t>
             </a:r>
             <a:r>
-              <a:rPr lang="en-US" sz="2400" i="0" u="none" strike="noStrike" cap="none" dirty="0" err="1">
+              <a:rPr lang="en-US" sz="2400" b="1" i="0" u="none" strike="noStrike" cap="none" dirty="0" err="1">
                 <a:solidFill>
                   <a:srgbClr val="FF00FF"/>
                 </a:solidFill>
@@ -15941,7 +15915,7 @@
               <a:t>.startswith</a:t>
             </a:r>
             <a:r>
-              <a:rPr lang="en-US" sz="2400" i="0" u="none" strike="noStrike" cap="none" dirty="0">
+              <a:rPr lang="en-US" sz="2400" b="1" i="0" u="none" strike="noStrike" cap="none" dirty="0">
                 <a:solidFill>
                   <a:schemeClr val="lt1"/>
                 </a:solidFill>
@@ -15972,7 +15946,7 @@
               <a:buNone/>
             </a:pPr>
             <a:r>
-              <a:rPr lang="en-US" sz="2400" i="0" u="none" strike="noStrike" cap="none" dirty="0">
+              <a:rPr lang="en-US" sz="2400" b="1" i="0" u="none" strike="noStrike" cap="none" dirty="0">
                 <a:solidFill>
                   <a:schemeClr val="lt1"/>
                 </a:solidFill>
@@ -15984,7 +15958,7 @@
               <a:t>          </a:t>
             </a:r>
             <a:r>
-              <a:rPr lang="en-US" sz="2400" i="0" u="none" strike="noStrike" cap="none" dirty="0">
+              <a:rPr lang="en-US" sz="2400" b="1" i="0" u="none" strike="noStrike" cap="none" dirty="0">
                 <a:solidFill>
                   <a:srgbClr val="00FF00"/>
                 </a:solidFill>
@@ -15996,7 +15970,7 @@
               <a:t>count</a:t>
             </a:r>
             <a:r>
-              <a:rPr lang="en-US" sz="2400" i="0" u="none" strike="noStrike" cap="none" dirty="0">
+              <a:rPr lang="en-US" sz="2400" b="1" i="0" u="none" strike="noStrike" cap="none" dirty="0">
                 <a:solidFill>
                   <a:schemeClr val="lt1"/>
                 </a:solidFill>
@@ -16008,7 +15982,7 @@
               <a:t> = </a:t>
             </a:r>
             <a:r>
-              <a:rPr lang="en-US" sz="2400" i="0" u="none" strike="noStrike" cap="none" dirty="0">
+              <a:rPr lang="en-US" sz="2400" b="1" i="0" u="none" strike="noStrike" cap="none" dirty="0">
                 <a:solidFill>
                   <a:srgbClr val="00FF00"/>
                 </a:solidFill>
@@ -16020,7 +15994,7 @@
               <a:t>count</a:t>
             </a:r>
             <a:r>
-              <a:rPr lang="en-US" sz="2400" i="0" u="none" strike="noStrike" cap="none" dirty="0">
+              <a:rPr lang="en-US" sz="2400" b="1" i="0" u="none" strike="noStrike" cap="none" dirty="0">
                 <a:solidFill>
                   <a:schemeClr val="lt1"/>
                 </a:solidFill>
@@ -16040,7 +16014,7 @@
               <a:buSzPct val="25000"/>
             </a:pPr>
             <a:r>
-              <a:rPr lang="en-US" sz="2400" dirty="0">
+              <a:rPr lang="en-US" sz="2400" b="1" dirty="0">
                 <a:solidFill>
                   <a:srgbClr val="FFFF00"/>
                 </a:solidFill>
@@ -16052,7 +16026,7 @@
               <a:t>  </a:t>
             </a:r>
             <a:r>
-              <a:rPr lang="en-US" sz="2400" i="0" u="none" strike="noStrike" cap="none" dirty="0" smtClean="0">
+              <a:rPr lang="en-US" sz="2400" b="1" i="0" u="none" strike="noStrike" cap="none" dirty="0" smtClean="0">
                 <a:solidFill>
                   <a:srgbClr val="FFFF00"/>
                 </a:solidFill>
@@ -16064,7 +16038,7 @@
               <a:t>print</a:t>
             </a:r>
             <a:r>
-              <a:rPr lang="en-US" sz="2400" dirty="0">
+              <a:rPr lang="en-US" sz="2400" b="1" dirty="0">
                 <a:solidFill>
                   <a:schemeClr val="lt1"/>
                 </a:solidFill>
@@ -16076,7 +16050,7 @@
               <a:t>(</a:t>
             </a:r>
             <a:r>
-              <a:rPr lang="en-US" sz="2400" i="0" u="none" strike="noStrike" cap="none" dirty="0" smtClean="0">
+              <a:rPr lang="en-US" sz="2400" b="1" i="0" u="none" strike="noStrike" cap="none" dirty="0" smtClean="0">
                 <a:solidFill>
                   <a:schemeClr val="lt1"/>
                 </a:solidFill>
@@ -16088,7 +16062,7 @@
               <a:t>'There </a:t>
             </a:r>
             <a:r>
-              <a:rPr lang="en-US" sz="2400" i="0" u="none" strike="noStrike" cap="none" dirty="0">
+              <a:rPr lang="en-US" sz="2400" b="1" i="0" u="none" strike="noStrike" cap="none" dirty="0">
                 <a:solidFill>
                   <a:schemeClr val="lt1"/>
                 </a:solidFill>
@@ -16100,7 +16074,7 @@
               <a:t>were', </a:t>
             </a:r>
             <a:r>
-              <a:rPr lang="en-US" sz="2400" i="0" u="none" strike="noStrike" cap="none" dirty="0">
+              <a:rPr lang="en-US" sz="2400" b="1" i="0" u="none" strike="noStrike" cap="none" dirty="0">
                 <a:solidFill>
                   <a:srgbClr val="00FF00"/>
                 </a:solidFill>
@@ -16112,7 +16086,7 @@
               <a:t>count</a:t>
             </a:r>
             <a:r>
-              <a:rPr lang="en-US" sz="2400" i="0" u="none" strike="noStrike" cap="none" dirty="0">
+              <a:rPr lang="en-US" sz="2400" b="1" i="0" u="none" strike="noStrike" cap="none" dirty="0">
                 <a:solidFill>
                   <a:schemeClr val="lt1"/>
                 </a:solidFill>
@@ -16124,7 +16098,7 @@
               <a:t>, 'subject lines in', </a:t>
             </a:r>
             <a:r>
-              <a:rPr lang="en-US" sz="2400" i="0" u="none" strike="noStrike" cap="none" dirty="0" err="1" smtClean="0">
+              <a:rPr lang="en-US" sz="2400" b="1" i="0" u="none" strike="noStrike" cap="none" dirty="0" err="1" smtClean="0">
                 <a:solidFill>
                   <a:schemeClr val="lt1"/>
                 </a:solidFill>
@@ -16136,7 +16110,7 @@
               <a:t>fname</a:t>
             </a:r>
             <a:r>
-              <a:rPr lang="en-US" sz="2400" dirty="0">
+              <a:rPr lang="en-US" sz="2400" b="1" dirty="0">
                 <a:solidFill>
                   <a:schemeClr val="lt1"/>
                 </a:solidFill>
@@ -16147,7 +16121,7 @@
               </a:rPr>
               <a:t>)</a:t>
             </a:r>
-            <a:endParaRPr lang="en-US" sz="2400" i="0" u="none" strike="noStrike" cap="none" dirty="0">
+            <a:endParaRPr lang="en-US" sz="2400" b="1" i="0" u="none" strike="noStrike" cap="none" dirty="0">
               <a:solidFill>
                 <a:schemeClr val="lt1"/>
               </a:solidFill>
@@ -17387,7 +17361,7 @@
               <a:buNone/>
             </a:pPr>
             <a:r>
-              <a:rPr lang="en-US" sz="2400" i="0" u="none" strike="noStrike" cap="none" dirty="0">
+              <a:rPr lang="en-US" sz="2400" b="1" i="0" u="none" strike="noStrike" cap="none" dirty="0">
                 <a:solidFill>
                   <a:srgbClr val="FF00FF"/>
                 </a:solidFill>
@@ -17399,7 +17373,7 @@
               <a:t>From </a:t>
             </a:r>
             <a:r>
-              <a:rPr lang="en-US" sz="2400" i="0" u="none" strike="noStrike" cap="none" dirty="0" err="1">
+              <a:rPr lang="en-US" sz="2400" b="1" i="0" u="none" strike="noStrike" cap="none" dirty="0" err="1">
                 <a:solidFill>
                   <a:srgbClr val="FF00FF"/>
                 </a:solidFill>
@@ -17411,7 +17385,7 @@
               <a:t>stephen.marquard@uct.ac.za</a:t>
             </a:r>
             <a:r>
-              <a:rPr lang="en-US" sz="2400" i="0" u="none" strike="noStrike" cap="none" dirty="0">
+              <a:rPr lang="en-US" sz="2400" b="1" i="0" u="none" strike="noStrike" cap="none" dirty="0">
                 <a:solidFill>
                   <a:srgbClr val="FF00FF"/>
                 </a:solidFill>
@@ -17442,7 +17416,7 @@
               <a:buNone/>
             </a:pPr>
             <a:r>
-              <a:rPr lang="en-US" sz="2400" i="0" u="none" strike="noStrike" cap="none" dirty="0">
+              <a:rPr lang="en-US" sz="2400" b="1" i="0" u="none" strike="noStrike" cap="none" dirty="0">
                 <a:solidFill>
                   <a:srgbClr val="FF00FF"/>
                 </a:solidFill>
@@ -17454,7 +17428,7 @@
               <a:t>Return-Path: &lt;</a:t>
             </a:r>
             <a:r>
-              <a:rPr lang="en-US" sz="2400" i="0" u="none" strike="noStrike" cap="none" dirty="0" err="1">
+              <a:rPr lang="en-US" sz="2400" b="1" i="0" u="none" strike="noStrike" cap="none" dirty="0" err="1">
                 <a:solidFill>
                   <a:srgbClr val="FF00FF"/>
                 </a:solidFill>
@@ -17466,7 +17440,7 @@
               <a:t>postmaster@collab.sakaiproject.org</a:t>
             </a:r>
             <a:r>
-              <a:rPr lang="en-US" sz="2400" i="0" u="none" strike="noStrike" cap="none" dirty="0">
+              <a:rPr lang="en-US" sz="2400" b="1" i="0" u="none" strike="noStrike" cap="none" dirty="0">
                 <a:solidFill>
                   <a:srgbClr val="FF00FF"/>
                 </a:solidFill>
@@ -17497,7 +17471,7 @@
               <a:buNone/>
             </a:pPr>
             <a:r>
-              <a:rPr lang="en-US" sz="2400" i="0" u="none" strike="noStrike" cap="none" dirty="0">
+              <a:rPr lang="en-US" sz="2400" b="1" i="0" u="none" strike="noStrike" cap="none" dirty="0">
                 <a:solidFill>
                   <a:srgbClr val="FF00FF"/>
                 </a:solidFill>
@@ -17528,7 +17502,7 @@
               <a:buNone/>
             </a:pPr>
             <a:r>
-              <a:rPr lang="en-US" sz="2400" i="0" u="none" strike="noStrike" cap="none" dirty="0">
+              <a:rPr lang="en-US" sz="2400" b="1" i="0" u="none" strike="noStrike" cap="none" dirty="0">
                 <a:solidFill>
                   <a:srgbClr val="FF00FF"/>
                 </a:solidFill>
@@ -17540,7 +17514,7 @@
               <a:t>To: </a:t>
             </a:r>
             <a:r>
-              <a:rPr lang="en-US" sz="2400" i="0" u="none" strike="noStrike" cap="none" dirty="0" err="1">
+              <a:rPr lang="en-US" sz="2400" b="1" i="0" u="none" strike="noStrike" cap="none" dirty="0" err="1">
                 <a:solidFill>
                   <a:srgbClr val="FF00FF"/>
                 </a:solidFill>
@@ -17551,7 +17525,7 @@
               </a:rPr>
               <a:t>source@collab.sakaiproject.org</a:t>
             </a:r>
-            <a:endParaRPr lang="en-US" sz="2400" i="0" u="none" strike="noStrike" cap="none" dirty="0">
+            <a:endParaRPr lang="en-US" sz="2400" b="1" i="0" u="none" strike="noStrike" cap="none" dirty="0">
               <a:solidFill>
                 <a:srgbClr val="FF00FF"/>
               </a:solidFill>
@@ -17580,7 +17554,7 @@
               <a:buNone/>
             </a:pPr>
             <a:r>
-              <a:rPr lang="en-US" sz="2400" i="0" u="none" strike="noStrike" cap="none" dirty="0">
+              <a:rPr lang="en-US" sz="2400" b="1" i="0" u="none" strike="noStrike" cap="none" dirty="0">
                 <a:solidFill>
                   <a:srgbClr val="FF00FF"/>
                 </a:solidFill>
@@ -17592,7 +17566,7 @@
               <a:t>From: </a:t>
             </a:r>
             <a:r>
-              <a:rPr lang="en-US" sz="2400" i="0" u="none" strike="noStrike" cap="none" dirty="0" err="1">
+              <a:rPr lang="en-US" sz="2400" b="1" i="0" u="none" strike="noStrike" cap="none" dirty="0" err="1">
                 <a:solidFill>
                   <a:srgbClr val="FF00FF"/>
                 </a:solidFill>
@@ -17603,7 +17577,7 @@
               </a:rPr>
               <a:t>stephen.marquard@uct.ac.za</a:t>
             </a:r>
-            <a:endParaRPr lang="en-US" sz="2400" i="0" u="none" strike="noStrike" cap="none" dirty="0">
+            <a:endParaRPr lang="en-US" sz="2400" b="1" i="0" u="none" strike="noStrike" cap="none" dirty="0">
               <a:solidFill>
                 <a:srgbClr val="FF00FF"/>
               </a:solidFill>
@@ -17632,7 +17606,7 @@
               <a:buNone/>
             </a:pPr>
             <a:r>
-              <a:rPr lang="en-US" sz="2400" i="0" u="none" strike="noStrike" cap="none" dirty="0">
+              <a:rPr lang="en-US" sz="2400" b="1" i="0" u="none" strike="noStrike" cap="none" dirty="0">
                 <a:solidFill>
                   <a:srgbClr val="FF00FF"/>
                 </a:solidFill>
@@ -17644,7 +17618,7 @@
               <a:t>Subject: [</a:t>
             </a:r>
             <a:r>
-              <a:rPr lang="en-US" sz="2400" i="0" u="none" strike="noStrike" cap="none" dirty="0" err="1">
+              <a:rPr lang="en-US" sz="2400" b="1" i="0" u="none" strike="noStrike" cap="none" dirty="0" err="1">
                 <a:solidFill>
                   <a:srgbClr val="FF00FF"/>
                 </a:solidFill>
@@ -17656,7 +17630,7 @@
               <a:t>sakai</a:t>
             </a:r>
             <a:r>
-              <a:rPr lang="en-US" sz="2400" i="0" u="none" strike="noStrike" cap="none" dirty="0">
+              <a:rPr lang="en-US" sz="2400" b="1" i="0" u="none" strike="noStrike" cap="none" dirty="0">
                 <a:solidFill>
                   <a:srgbClr val="FF00FF"/>
                 </a:solidFill>
@@ -17668,7 +17642,7 @@
               <a:t>] </a:t>
             </a:r>
             <a:r>
-              <a:rPr lang="en-US" sz="2400" i="0" u="none" strike="noStrike" cap="none" dirty="0" err="1">
+              <a:rPr lang="en-US" sz="2400" b="1" i="0" u="none" strike="noStrike" cap="none" dirty="0" err="1">
                 <a:solidFill>
                   <a:srgbClr val="FF00FF"/>
                 </a:solidFill>
@@ -17680,7 +17654,7 @@
               <a:t>svn</a:t>
             </a:r>
             <a:r>
-              <a:rPr lang="en-US" sz="2400" i="0" u="none" strike="noStrike" cap="none" dirty="0">
+              <a:rPr lang="en-US" sz="2400" b="1" i="0" u="none" strike="noStrike" cap="none" dirty="0">
                 <a:solidFill>
                   <a:srgbClr val="FF00FF"/>
                 </a:solidFill>
@@ -17709,7 +17683,7 @@
               <a:buFont typeface="Cabin"/>
               <a:buNone/>
             </a:pPr>
-            <a:endParaRPr sz="2400" dirty="0">
+            <a:endParaRPr sz="2400" b="1" dirty="0">
               <a:solidFill>
                 <a:srgbClr val="FF00FF"/>
               </a:solidFill>
@@ -17738,7 +17712,7 @@
               <a:buNone/>
             </a:pPr>
             <a:r>
-              <a:rPr lang="en-US" sz="2400" i="0" u="none" strike="noStrike" cap="none" dirty="0">
+              <a:rPr lang="en-US" sz="2400" b="1" i="0" u="none" strike="noStrike" cap="none" dirty="0">
                 <a:solidFill>
                   <a:srgbClr val="FF00FF"/>
                 </a:solidFill>
@@ -17750,7 +17724,7 @@
               <a:t>Details:</a:t>
             </a:r>
             <a:r>
-              <a:rPr lang="en-US" sz="2400" dirty="0">
+              <a:rPr lang="en-US" sz="2400" b="1" dirty="0">
                 <a:solidFill>
                   <a:srgbClr val="FF00FF"/>
                 </a:solidFill>
@@ -17762,7 +17736,7 @@
               <a:t> </a:t>
             </a:r>
             <a:r>
-              <a:rPr lang="en-US" sz="2400" i="0" u="none" strike="noStrike" cap="none" dirty="0">
+              <a:rPr lang="en-US" sz="2400" b="1" i="0" u="none" strike="noStrike" cap="none" dirty="0">
                 <a:solidFill>
                   <a:srgbClr val="FF00FF"/>
                 </a:solidFill>
@@ -17774,7 +17748,7 @@
               <a:t>http://</a:t>
             </a:r>
             <a:r>
-              <a:rPr lang="en-US" sz="2400" i="0" u="none" strike="noStrike" cap="none" dirty="0" err="1">
+              <a:rPr lang="en-US" sz="2400" b="1" i="0" u="none" strike="noStrike" cap="none" dirty="0" err="1">
                 <a:solidFill>
                   <a:srgbClr val="FF00FF"/>
                 </a:solidFill>
@@ -17786,7 +17760,7 @@
               <a:t>source.sakaiproject.org</a:t>
             </a:r>
             <a:r>
-              <a:rPr lang="en-US" sz="2400" i="0" u="none" strike="noStrike" cap="none" dirty="0">
+              <a:rPr lang="en-US" sz="2400" b="1" i="0" u="none" strike="noStrike" cap="none" dirty="0">
                 <a:solidFill>
                   <a:srgbClr val="FF00FF"/>
                 </a:solidFill>
@@ -17798,7 +17772,7 @@
               <a:t>/</a:t>
             </a:r>
             <a:r>
-              <a:rPr lang="en-US" sz="2400" i="0" u="none" strike="noStrike" cap="none" dirty="0" err="1">
+              <a:rPr lang="en-US" sz="2400" b="1" i="0" u="none" strike="noStrike" cap="none" dirty="0" err="1">
                 <a:solidFill>
                   <a:srgbClr val="FF00FF"/>
                 </a:solidFill>
@@ -17810,7 +17784,7 @@
               <a:t>viewsvn</a:t>
             </a:r>
             <a:r>
-              <a:rPr lang="en-US" sz="2400" i="0" u="none" strike="noStrike" cap="none" dirty="0">
+              <a:rPr lang="en-US" sz="2400" b="1" i="0" u="none" strike="noStrike" cap="none" dirty="0">
                 <a:solidFill>
                   <a:srgbClr val="FF00FF"/>
                 </a:solidFill>
@@ -17822,7 +17796,7 @@
               <a:t>/?view=</a:t>
             </a:r>
             <a:r>
-              <a:rPr lang="en-US" sz="2400" i="0" u="none" strike="noStrike" cap="none" dirty="0" err="1">
+              <a:rPr lang="en-US" sz="2400" b="1" i="0" u="none" strike="noStrike" cap="none" dirty="0" err="1">
                 <a:solidFill>
                   <a:srgbClr val="FF00FF"/>
                 </a:solidFill>
@@ -17834,7 +17808,7 @@
               <a:t>rev&amp;rev</a:t>
             </a:r>
             <a:r>
-              <a:rPr lang="en-US" sz="2400" i="0" u="none" strike="noStrike" cap="none" dirty="0">
+              <a:rPr lang="en-US" sz="2400" b="1" i="0" u="none" strike="noStrike" cap="none" dirty="0">
                 <a:solidFill>
                   <a:srgbClr val="FF00FF"/>
                 </a:solidFill>
@@ -18910,7 +18884,7 @@
               <a:buNone/>
             </a:pPr>
             <a:r>
-              <a:rPr lang="en-US" sz="2800" i="0" u="none" strike="noStrike" cap="none" dirty="0">
+              <a:rPr lang="en-US" sz="2800" b="1" i="0" u="none" strike="noStrike" cap="none" dirty="0">
                 <a:solidFill>
                   <a:schemeClr val="lt1"/>
                 </a:solidFill>
@@ -18922,7 +18896,7 @@
               <a:t>&gt;&gt;&gt; </a:t>
             </a:r>
             <a:r>
-              <a:rPr lang="en-US" sz="2800" i="0" u="none" strike="noStrike" cap="none" dirty="0" err="1">
+              <a:rPr lang="en-US" sz="2800" b="1" i="0" u="none" strike="noStrike" cap="none" dirty="0" err="1">
                 <a:solidFill>
                   <a:srgbClr val="00FF00"/>
                 </a:solidFill>
@@ -18934,7 +18908,7 @@
               <a:t>fhand</a:t>
             </a:r>
             <a:r>
-              <a:rPr lang="en-US" sz="2800" i="0" u="none" strike="noStrike" cap="none" dirty="0">
+              <a:rPr lang="en-US" sz="2800" b="1" i="0" u="none" strike="noStrike" cap="none" dirty="0">
                 <a:solidFill>
                   <a:schemeClr val="lt1"/>
                 </a:solidFill>
@@ -18946,7 +18920,7 @@
               <a:t> = </a:t>
             </a:r>
             <a:r>
-              <a:rPr lang="en-US" sz="2800" i="0" u="none" strike="noStrike" cap="none" dirty="0">
+              <a:rPr lang="en-US" sz="2800" b="1" i="0" u="none" strike="noStrike" cap="none" dirty="0">
                 <a:solidFill>
                   <a:srgbClr val="FF7F00"/>
                 </a:solidFill>
@@ -18958,7 +18932,7 @@
               <a:t>open</a:t>
             </a:r>
             <a:r>
-              <a:rPr lang="en-US" sz="2800" i="0" u="none" strike="noStrike" cap="none" dirty="0">
+              <a:rPr lang="en-US" sz="2800" b="1" i="0" u="none" strike="noStrike" cap="none" dirty="0">
                 <a:solidFill>
                   <a:schemeClr val="lt1"/>
                 </a:solidFill>
@@ -18970,7 +18944,7 @@
               <a:t>(</a:t>
             </a:r>
             <a:r>
-              <a:rPr lang="en-US" sz="2800" i="0" u="none" strike="noStrike" cap="none" dirty="0">
+              <a:rPr lang="en-US" sz="2800" b="1" i="0" u="none" strike="noStrike" cap="none" dirty="0">
                 <a:solidFill>
                   <a:srgbClr val="FF7F00"/>
                 </a:solidFill>
@@ -18982,7 +18956,7 @@
               <a:t>'</a:t>
             </a:r>
             <a:r>
-              <a:rPr lang="en-US" sz="2800" i="0" u="none" strike="noStrike" cap="none" dirty="0" err="1">
+              <a:rPr lang="en-US" sz="2800" b="1" i="0" u="none" strike="noStrike" cap="none" dirty="0" err="1">
                 <a:solidFill>
                   <a:srgbClr val="FF7F00"/>
                 </a:solidFill>
@@ -18994,7 +18968,7 @@
               <a:t>mbox.txt</a:t>
             </a:r>
             <a:r>
-              <a:rPr lang="en-US" sz="2800" i="0" u="none" strike="noStrike" cap="none" dirty="0">
+              <a:rPr lang="en-US" sz="2800" b="1" i="0" u="none" strike="noStrike" cap="none" dirty="0">
                 <a:solidFill>
                   <a:srgbClr val="FF7F00"/>
                 </a:solidFill>
@@ -19006,7 +18980,7 @@
               <a:t>'</a:t>
             </a:r>
             <a:r>
-              <a:rPr lang="en-US" sz="2800" i="0" u="none" strike="noStrike" cap="none" dirty="0">
+              <a:rPr lang="en-US" sz="2800" b="1" i="0" u="none" strike="noStrike" cap="none" dirty="0">
                 <a:solidFill>
                   <a:schemeClr val="lt1"/>
                 </a:solidFill>
@@ -19037,7 +19011,7 @@
               <a:buNone/>
             </a:pPr>
             <a:r>
-              <a:rPr lang="en-US" sz="2800" i="0" u="none" strike="noStrike" cap="none" dirty="0">
+              <a:rPr lang="en-US" sz="2800" b="1" i="0" u="none" strike="noStrike" cap="none" dirty="0">
                 <a:solidFill>
                   <a:schemeClr val="lt1"/>
                 </a:solidFill>
@@ -19049,7 +19023,7 @@
               <a:t>&gt;&gt;&gt; </a:t>
             </a:r>
             <a:r>
-              <a:rPr lang="en-US" sz="2800" i="0" u="none" strike="noStrike" cap="none" dirty="0">
+              <a:rPr lang="en-US" sz="2800" b="1" i="0" u="none" strike="noStrike" cap="none" dirty="0">
                 <a:solidFill>
                   <a:srgbClr val="FFFF00"/>
                 </a:solidFill>
@@ -19061,7 +19035,7 @@
               <a:t>print</a:t>
             </a:r>
             <a:r>
-              <a:rPr lang="en-US" sz="2800" i="0" u="none" strike="noStrike" cap="none" dirty="0">
+              <a:rPr lang="en-US" sz="2800" b="1" i="0" u="none" strike="noStrike" cap="none" dirty="0">
                 <a:solidFill>
                   <a:schemeClr val="lt1"/>
                 </a:solidFill>
@@ -19073,7 +19047,7 @@
               <a:t> </a:t>
             </a:r>
             <a:r>
-              <a:rPr lang="en-US" sz="2800" i="0" u="none" strike="noStrike" cap="none" dirty="0" err="1">
+              <a:rPr lang="en-US" sz="2800" b="1" i="0" u="none" strike="noStrike" cap="none" dirty="0" err="1">
                 <a:solidFill>
                   <a:srgbClr val="FF00FF"/>
                 </a:solidFill>
@@ -19084,7 +19058,7 @@
               </a:rPr>
               <a:t>fhand</a:t>
             </a:r>
-            <a:endParaRPr lang="en-US" sz="2800" i="0" u="none" strike="noStrike" cap="none" dirty="0">
+            <a:endParaRPr lang="en-US" sz="2800" b="1" i="0" u="none" strike="noStrike" cap="none" dirty="0">
               <a:solidFill>
                 <a:srgbClr val="FF00FF"/>
               </a:solidFill>
@@ -19102,7 +19076,7 @@
               <a:buSzPct val="25000"/>
             </a:pPr>
             <a:r>
-              <a:rPr lang="en-US" sz="2800" dirty="0" smtClean="0">
+              <a:rPr lang="en-US" sz="2800" b="1" dirty="0" smtClean="0">
                 <a:solidFill>
                   <a:schemeClr val="lt1"/>
                 </a:solidFill>
@@ -19114,7 +19088,7 @@
               <a:t>&lt;_</a:t>
             </a:r>
             <a:r>
-              <a:rPr lang="en-US" sz="2800" dirty="0" err="1">
+              <a:rPr lang="en-US" sz="2800" b="1" dirty="0" err="1">
                 <a:solidFill>
                   <a:schemeClr val="lt1"/>
                 </a:solidFill>
@@ -19126,7 +19100,7 @@
               <a:t>io.TextIOWrapper</a:t>
             </a:r>
             <a:r>
-              <a:rPr lang="en-US" sz="2800" dirty="0">
+              <a:rPr lang="en-US" sz="2800" b="1" dirty="0">
                 <a:solidFill>
                   <a:schemeClr val="lt1"/>
                 </a:solidFill>
@@ -19138,7 +19112,7 @@
               <a:t> name=</a:t>
             </a:r>
             <a:r>
-              <a:rPr lang="en-US" sz="2800" dirty="0" smtClean="0">
+              <a:rPr lang="en-US" sz="2800" b="1" dirty="0" smtClean="0">
                 <a:solidFill>
                   <a:schemeClr val="lt1"/>
                 </a:solidFill>
@@ -19150,7 +19124,7 @@
               <a:t>'</a:t>
             </a:r>
             <a:r>
-              <a:rPr lang="en-US" sz="2800" dirty="0" err="1" smtClean="0">
+              <a:rPr lang="en-US" sz="2800" b="1" dirty="0" err="1" smtClean="0">
                 <a:solidFill>
                   <a:schemeClr val="lt1"/>
                 </a:solidFill>
@@ -19162,7 +19136,7 @@
               <a:t>mbox.txt</a:t>
             </a:r>
             <a:r>
-              <a:rPr lang="en-US" sz="2800" dirty="0" smtClean="0">
+              <a:rPr lang="en-US" sz="2800" b="1" dirty="0" smtClean="0">
                 <a:solidFill>
                   <a:schemeClr val="lt1"/>
                 </a:solidFill>
@@ -19174,7 +19148,7 @@
               <a:t>' </a:t>
             </a:r>
             <a:r>
-              <a:rPr lang="en-US" sz="2800" dirty="0">
+              <a:rPr lang="en-US" sz="2800" b="1" dirty="0">
                 <a:solidFill>
                   <a:schemeClr val="lt1"/>
                 </a:solidFill>
@@ -19185,7 +19159,7 @@
               </a:rPr>
               <a:t>mode='r' encoding='UTF-8'&gt;</a:t>
             </a:r>
-            <a:endParaRPr lang="en-US" sz="2800" i="0" u="none" strike="noStrike" cap="none" dirty="0">
+            <a:endParaRPr lang="en-US" sz="2800" b="1" i="0" u="none" strike="noStrike" cap="none" dirty="0">
               <a:solidFill>
                 <a:schemeClr val="lt1"/>
               </a:solidFill>
@@ -19349,7 +19323,7 @@
               <a:buNone/>
             </a:pPr>
             <a:r>
-              <a:rPr lang="en-US" sz="3600" i="0" u="none" strike="noStrike" cap="none" dirty="0">
+              <a:rPr lang="en-US" sz="3600" b="1" i="0" u="none" strike="noStrike" cap="none" dirty="0">
                 <a:solidFill>
                   <a:schemeClr val="lt1"/>
                 </a:solidFill>
@@ -19361,7 +19335,7 @@
               <a:t>&gt;&gt;&gt; </a:t>
             </a:r>
             <a:r>
-              <a:rPr lang="en-US" sz="3600" i="0" u="none" strike="noStrike" cap="none" dirty="0" err="1">
+              <a:rPr lang="en-US" sz="3600" b="1" i="0" u="none" strike="noStrike" cap="none" dirty="0" err="1">
                 <a:solidFill>
                   <a:srgbClr val="00FF00"/>
                 </a:solidFill>
@@ -19373,7 +19347,7 @@
               <a:t>fhand</a:t>
             </a:r>
             <a:r>
-              <a:rPr lang="en-US" sz="3600" i="0" u="none" strike="noStrike" cap="none" dirty="0">
+              <a:rPr lang="en-US" sz="3600" b="1" i="0" u="none" strike="noStrike" cap="none" dirty="0">
                 <a:solidFill>
                   <a:schemeClr val="lt1"/>
                 </a:solidFill>
@@ -19385,7 +19359,7 @@
               <a:t> = </a:t>
             </a:r>
             <a:r>
-              <a:rPr lang="en-US" sz="3600" i="0" u="none" strike="noStrike" cap="none" dirty="0">
+              <a:rPr lang="en-US" sz="3600" b="1" i="0" u="none" strike="noStrike" cap="none" dirty="0">
                 <a:solidFill>
                   <a:srgbClr val="FF00FF"/>
                 </a:solidFill>
@@ -19397,7 +19371,7 @@
               <a:t>open</a:t>
             </a:r>
             <a:r>
-              <a:rPr lang="en-US" sz="3600" i="0" u="none" strike="noStrike" cap="none" dirty="0">
+              <a:rPr lang="en-US" sz="3600" b="1" i="0" u="none" strike="noStrike" cap="none" dirty="0">
                 <a:solidFill>
                   <a:schemeClr val="lt1"/>
                 </a:solidFill>
@@ -19409,7 +19383,7 @@
               <a:t>('</a:t>
             </a:r>
             <a:r>
-              <a:rPr lang="en-US" sz="3600" i="0" u="none" strike="noStrike" cap="none" dirty="0" err="1">
+              <a:rPr lang="en-US" sz="3600" b="1" i="0" u="none" strike="noStrike" cap="none" dirty="0" err="1">
                 <a:solidFill>
                   <a:srgbClr val="FF7F00"/>
                 </a:solidFill>
@@ -19421,7 +19395,7 @@
               <a:t>stuff.txt</a:t>
             </a:r>
             <a:r>
-              <a:rPr lang="en-US" sz="3600" i="0" u="none" strike="noStrike" cap="none" dirty="0">
+              <a:rPr lang="en-US" sz="3600" b="1" i="0" u="none" strike="noStrike" cap="none" dirty="0">
                 <a:solidFill>
                   <a:srgbClr val="FF7F00"/>
                 </a:solidFill>
@@ -19433,7 +19407,7 @@
               <a:t>'</a:t>
             </a:r>
             <a:r>
-              <a:rPr lang="en-US" sz="3600" i="0" u="none" strike="noStrike" cap="none" dirty="0">
+              <a:rPr lang="en-US" sz="3600" b="1" i="0" u="none" strike="noStrike" cap="none" dirty="0">
                 <a:solidFill>
                   <a:schemeClr val="lt1"/>
                 </a:solidFill>
@@ -19464,7 +19438,7 @@
               <a:buNone/>
             </a:pPr>
             <a:r>
-              <a:rPr lang="en-US" sz="3600" i="0" u="none" strike="noStrike" cap="none" dirty="0" err="1">
+              <a:rPr lang="en-US" sz="3600" b="1" i="0" u="none" strike="noStrike" cap="none" dirty="0" err="1">
                 <a:solidFill>
                   <a:schemeClr val="lt1"/>
                 </a:solidFill>
@@ -19476,7 +19450,7 @@
               <a:t>Traceback</a:t>
             </a:r>
             <a:r>
-              <a:rPr lang="en-US" sz="3600" i="0" u="none" strike="noStrike" cap="none" dirty="0">
+              <a:rPr lang="en-US" sz="3600" b="1" i="0" u="none" strike="noStrike" cap="none" dirty="0">
                 <a:solidFill>
                   <a:schemeClr val="lt1"/>
                 </a:solidFill>
@@ -19488,7 +19462,7 @@
               <a:t> (most recent call last</a:t>
             </a:r>
             <a:r>
-              <a:rPr lang="en-US" sz="3600" i="0" u="none" strike="noStrike" cap="none" dirty="0" smtClean="0">
+              <a:rPr lang="en-US" sz="3600" b="1" i="0" u="none" strike="noStrike" cap="none" dirty="0" smtClean="0">
                 <a:solidFill>
                   <a:schemeClr val="lt1"/>
                 </a:solidFill>
@@ -19519,7 +19493,7 @@
               <a:buNone/>
             </a:pPr>
             <a:r>
-              <a:rPr lang="en-US" sz="3600" i="0" u="none" strike="noStrike" cap="none" dirty="0" smtClean="0">
+              <a:rPr lang="en-US" sz="3600" b="1" i="0" u="none" strike="noStrike" cap="none" dirty="0" smtClean="0">
                 <a:solidFill>
                   <a:schemeClr val="lt1"/>
                 </a:solidFill>
@@ -19531,7 +19505,7 @@
               <a:t>  </a:t>
             </a:r>
             <a:r>
-              <a:rPr lang="en-US" sz="3600" i="0" u="none" strike="noStrike" cap="none" dirty="0">
+              <a:rPr lang="en-US" sz="3600" b="1" i="0" u="none" strike="noStrike" cap="none" dirty="0">
                 <a:solidFill>
                   <a:schemeClr val="lt1"/>
                 </a:solidFill>
@@ -19543,7 +19517,7 @@
               <a:t>File "&lt;</a:t>
             </a:r>
             <a:r>
-              <a:rPr lang="en-US" sz="3600" i="0" u="none" strike="noStrike" cap="none" dirty="0" err="1">
+              <a:rPr lang="en-US" sz="3600" b="1" i="0" u="none" strike="noStrike" cap="none" dirty="0" err="1">
                 <a:solidFill>
                   <a:schemeClr val="lt1"/>
                 </a:solidFill>
@@ -19555,7 +19529,7 @@
               <a:t>stdin</a:t>
             </a:r>
             <a:r>
-              <a:rPr lang="en-US" sz="3600" i="0" u="none" strike="noStrike" cap="none" dirty="0">
+              <a:rPr lang="en-US" sz="3600" b="1" i="0" u="none" strike="noStrike" cap="none" dirty="0">
                 <a:solidFill>
                   <a:schemeClr val="lt1"/>
                 </a:solidFill>
@@ -19567,7 +19541,7 @@
               <a:t>&gt;", line 1, in &lt;module</a:t>
             </a:r>
             <a:r>
-              <a:rPr lang="en-US" sz="3600" i="0" u="none" strike="noStrike" cap="none" dirty="0" smtClean="0">
+              <a:rPr lang="en-US" sz="3600" b="1" i="0" u="none" strike="noStrike" cap="none" dirty="0" smtClean="0">
                 <a:solidFill>
                   <a:schemeClr val="lt1"/>
                 </a:solidFill>
@@ -19587,7 +19561,7 @@
               <a:buSzPct val="25000"/>
             </a:pPr>
             <a:r>
-              <a:rPr lang="en-US" sz="3600" dirty="0" err="1">
+              <a:rPr lang="en-US" sz="3600" b="1" dirty="0" err="1">
                 <a:solidFill>
                   <a:schemeClr val="lt1"/>
                 </a:solidFill>
@@ -19599,7 +19573,7 @@
               <a:t>FileNotFoundError</a:t>
             </a:r>
             <a:r>
-              <a:rPr lang="en-US" sz="3600" dirty="0">
+              <a:rPr lang="en-US" sz="3600" b="1" dirty="0">
                 <a:solidFill>
                   <a:schemeClr val="lt1"/>
                 </a:solidFill>
@@ -19611,7 +19585,7 @@
               <a:t>: [</a:t>
             </a:r>
             <a:r>
-              <a:rPr lang="en-US" sz="3600" dirty="0" err="1">
+              <a:rPr lang="en-US" sz="3600" b="1" dirty="0" err="1">
                 <a:solidFill>
                   <a:schemeClr val="lt1"/>
                 </a:solidFill>
@@ -19623,7 +19597,7 @@
               <a:t>Errno</a:t>
             </a:r>
             <a:r>
-              <a:rPr lang="en-US" sz="3600" dirty="0">
+              <a:rPr lang="en-US" sz="3600" b="1" dirty="0">
                 <a:solidFill>
                   <a:schemeClr val="lt1"/>
                 </a:solidFill>
@@ -19635,7 +19609,7 @@
               <a:t> </a:t>
             </a:r>
             <a:r>
-              <a:rPr lang="en-US" sz="3600" dirty="0" smtClean="0">
+              <a:rPr lang="en-US" sz="3600" b="1" dirty="0" smtClean="0">
                 <a:solidFill>
                   <a:schemeClr val="lt1"/>
                 </a:solidFill>
@@ -19647,7 +19621,7 @@
               <a:t>2]</a:t>
             </a:r>
             <a:r>
-              <a:rPr lang="en-US" sz="3600" dirty="0">
+              <a:rPr lang="en-US" sz="3600" b="1" dirty="0">
                 <a:solidFill>
                   <a:schemeClr val="lt1"/>
                 </a:solidFill>
@@ -19659,7 +19633,7 @@
               <a:t> </a:t>
             </a:r>
             <a:r>
-              <a:rPr lang="en-US" sz="3600" i="0" u="none" strike="noStrike" cap="none" dirty="0" smtClean="0">
+              <a:rPr lang="en-US" sz="3600" b="1" i="0" u="none" strike="noStrike" cap="none" dirty="0" smtClean="0">
                 <a:solidFill>
                   <a:srgbClr val="FF7F00"/>
                 </a:solidFill>
@@ -19671,7 +19645,7 @@
               <a:t>No </a:t>
             </a:r>
             <a:r>
-              <a:rPr lang="en-US" sz="3600" i="0" u="none" strike="noStrike" cap="none" dirty="0">
+              <a:rPr lang="en-US" sz="3600" b="1" i="0" u="none" strike="noStrike" cap="none" dirty="0">
                 <a:solidFill>
                   <a:srgbClr val="FF7F00"/>
                 </a:solidFill>
@@ -19683,7 +19657,7 @@
               <a:t>such file or directory: '</a:t>
             </a:r>
             <a:r>
-              <a:rPr lang="en-US" sz="3600" i="0" u="none" strike="noStrike" cap="none" dirty="0" err="1">
+              <a:rPr lang="en-US" sz="3600" b="1" i="0" u="none" strike="noStrike" cap="none" dirty="0" err="1">
                 <a:solidFill>
                   <a:srgbClr val="FF7F00"/>
                 </a:solidFill>
@@ -19695,7 +19669,7 @@
               <a:t>stuff.txt</a:t>
             </a:r>
             <a:r>
-              <a:rPr lang="en-US" sz="3600" i="0" u="none" strike="noStrike" cap="none" dirty="0">
+              <a:rPr lang="en-US" sz="3600" b="1" i="0" u="none" strike="noStrike" cap="none" dirty="0">
                 <a:solidFill>
                   <a:srgbClr val="FF7F00"/>
                 </a:solidFill>
@@ -20065,7 +20039,7 @@
               <a:buNone/>
             </a:pPr>
             <a:r>
-              <a:rPr lang="en-US" sz="3000" i="0" u="none" strike="noStrike" cap="none" dirty="0">
+              <a:rPr lang="en-US" sz="3000" b="1" i="0" u="none" strike="noStrike" cap="none" dirty="0">
                 <a:solidFill>
                   <a:schemeClr val="lt1"/>
                 </a:solidFill>
@@ -20077,7 +20051,7 @@
               <a:t>&gt;&gt;&gt; </a:t>
             </a:r>
             <a:r>
-              <a:rPr lang="en-US" sz="3000" i="0" u="none" strike="noStrike" cap="none" dirty="0">
+              <a:rPr lang="en-US" sz="3000" b="1" i="0" u="none" strike="noStrike" cap="none" dirty="0">
                 <a:solidFill>
                   <a:srgbClr val="00FF00"/>
                 </a:solidFill>
@@ -20089,7 +20063,7 @@
               <a:t>stuff</a:t>
             </a:r>
             <a:r>
-              <a:rPr lang="en-US" sz="3000" i="0" u="none" strike="noStrike" cap="none" dirty="0">
+              <a:rPr lang="en-US" sz="3000" b="1" i="0" u="none" strike="noStrike" cap="none" dirty="0">
                 <a:solidFill>
                   <a:schemeClr val="lt1"/>
                 </a:solidFill>
@@ -20101,7 +20075,7 @@
               <a:t> = 'Hello</a:t>
             </a:r>
             <a:r>
-              <a:rPr lang="en-US" sz="3000" i="0" u="none" strike="noStrike" cap="none" dirty="0">
+              <a:rPr lang="en-US" sz="3000" b="1" i="0" u="none" strike="noStrike" cap="none" dirty="0">
                 <a:solidFill>
                   <a:srgbClr val="00FFFF"/>
                 </a:solidFill>
@@ -20113,7 +20087,7 @@
               <a:t>\</a:t>
             </a:r>
             <a:r>
-              <a:rPr lang="en-US" sz="3000" i="0" u="none" strike="noStrike" cap="none" dirty="0" err="1">
+              <a:rPr lang="en-US" sz="3000" b="1" i="0" u="none" strike="noStrike" cap="none" dirty="0" err="1">
                 <a:solidFill>
                   <a:srgbClr val="00FFFF"/>
                 </a:solidFill>
@@ -20125,7 +20099,7 @@
               <a:t>n</a:t>
             </a:r>
             <a:r>
-              <a:rPr lang="en-US" sz="3000" i="0" u="none" strike="noStrike" cap="none" dirty="0" err="1">
+              <a:rPr lang="en-US" sz="3000" b="1" i="0" u="none" strike="noStrike" cap="none" dirty="0" err="1">
                 <a:solidFill>
                   <a:schemeClr val="lt1"/>
                 </a:solidFill>
@@ -20137,7 +20111,7 @@
               <a:t>World</a:t>
             </a:r>
             <a:r>
-              <a:rPr lang="en-US" sz="3000" i="0" u="none" strike="noStrike" cap="none" dirty="0">
+              <a:rPr lang="en-US" sz="3000" b="1" i="0" u="none" strike="noStrike" cap="none" dirty="0">
                 <a:solidFill>
                   <a:schemeClr val="lt1"/>
                 </a:solidFill>
@@ -20149,7 +20123,7 @@
               <a:t>!</a:t>
             </a:r>
             <a:r>
-              <a:rPr lang="en-US" sz="3000" dirty="0">
+              <a:rPr lang="en-US" sz="3000" b="1" dirty="0">
                 <a:solidFill>
                   <a:schemeClr val="lt1"/>
                 </a:solidFill>
@@ -20180,7 +20154,7 @@
               <a:buNone/>
             </a:pPr>
             <a:r>
-              <a:rPr lang="en-US" sz="3000" i="0" u="none" strike="noStrike" cap="none" dirty="0">
+              <a:rPr lang="en-US" sz="3000" b="1" i="0" u="none" strike="noStrike" cap="none" dirty="0">
                 <a:solidFill>
                   <a:schemeClr val="lt1"/>
                 </a:solidFill>
@@ -20192,7 +20166,7 @@
               <a:t>&gt;&gt;&gt; </a:t>
             </a:r>
             <a:r>
-              <a:rPr lang="en-US" sz="3000" i="0" u="none" strike="noStrike" cap="none" dirty="0">
+              <a:rPr lang="en-US" sz="3000" b="1" i="0" u="none" strike="noStrike" cap="none" dirty="0">
                 <a:solidFill>
                   <a:srgbClr val="00FF00"/>
                 </a:solidFill>
@@ -20223,7 +20197,7 @@
               <a:buNone/>
             </a:pPr>
             <a:r>
-              <a:rPr lang="en-US" sz="3000" i="0" u="none" strike="noStrike" cap="none" dirty="0">
+              <a:rPr lang="en-US" sz="3000" b="1" i="0" u="none" strike="noStrike" cap="none" dirty="0">
                 <a:solidFill>
                   <a:schemeClr val="lt1"/>
                 </a:solidFill>
@@ -20235,7 +20209,7 @@
               <a:t>'Hello</a:t>
             </a:r>
             <a:r>
-              <a:rPr lang="en-US" sz="3000" i="0" u="none" strike="noStrike" cap="none" dirty="0">
+              <a:rPr lang="en-US" sz="3000" b="1" i="0" u="none" strike="noStrike" cap="none" dirty="0">
                 <a:solidFill>
                   <a:srgbClr val="00FFFF"/>
                 </a:solidFill>
@@ -20247,7 +20221,7 @@
               <a:t>\</a:t>
             </a:r>
             <a:r>
-              <a:rPr lang="en-US" sz="3000" i="0" u="none" strike="noStrike" cap="none" dirty="0" err="1">
+              <a:rPr lang="en-US" sz="3000" b="1" i="0" u="none" strike="noStrike" cap="none" dirty="0" err="1">
                 <a:solidFill>
                   <a:srgbClr val="00FFFF"/>
                 </a:solidFill>
@@ -20259,7 +20233,7 @@
               <a:t>n</a:t>
             </a:r>
             <a:r>
-              <a:rPr lang="en-US" sz="3000" i="0" u="none" strike="noStrike" cap="none" dirty="0" err="1">
+              <a:rPr lang="en-US" sz="3000" b="1" i="0" u="none" strike="noStrike" cap="none" dirty="0" err="1">
                 <a:solidFill>
                   <a:schemeClr val="lt1"/>
                 </a:solidFill>
@@ -20271,7 +20245,7 @@
               <a:t>World</a:t>
             </a:r>
             <a:r>
-              <a:rPr lang="en-US" sz="3000" i="0" u="none" strike="noStrike" cap="none" dirty="0">
+              <a:rPr lang="en-US" sz="3000" b="1" i="0" u="none" strike="noStrike" cap="none" dirty="0">
                 <a:solidFill>
                   <a:schemeClr val="lt1"/>
                 </a:solidFill>
@@ -20283,7 +20257,7 @@
               <a:t>!</a:t>
             </a:r>
             <a:r>
-              <a:rPr lang="en-US" sz="3000" dirty="0">
+              <a:rPr lang="en-US" sz="3000" b="1" dirty="0">
                 <a:solidFill>
                   <a:schemeClr val="lt1"/>
                 </a:solidFill>
@@ -20314,7 +20288,7 @@
               <a:buNone/>
             </a:pPr>
             <a:r>
-              <a:rPr lang="en-US" sz="3000" i="0" u="none" strike="noStrike" cap="none" dirty="0">
+              <a:rPr lang="en-US" sz="3000" b="1" i="0" u="none" strike="noStrike" cap="none" dirty="0">
                 <a:solidFill>
                   <a:schemeClr val="lt1"/>
                 </a:solidFill>
@@ -20326,7 +20300,7 @@
               <a:t>&gt;&gt;&gt; </a:t>
             </a:r>
             <a:r>
-              <a:rPr lang="en-US" sz="3000" i="0" u="none" strike="noStrike" cap="none" dirty="0" smtClean="0">
+              <a:rPr lang="en-US" sz="3000" b="1" i="0" u="none" strike="noStrike" cap="none" dirty="0" smtClean="0">
                 <a:solidFill>
                   <a:srgbClr val="FFFF00"/>
                 </a:solidFill>
@@ -20338,7 +20312,7 @@
               <a:t>print</a:t>
             </a:r>
             <a:r>
-              <a:rPr lang="en-US" sz="3000" dirty="0" smtClean="0">
+              <a:rPr lang="en-US" sz="3000" b="1" dirty="0" smtClean="0">
                 <a:solidFill>
                   <a:schemeClr val="lt1"/>
                 </a:solidFill>
@@ -20350,7 +20324,7 @@
               <a:t>(</a:t>
             </a:r>
             <a:r>
-              <a:rPr lang="en-US" sz="3000" i="0" u="none" strike="noStrike" cap="none" dirty="0" smtClean="0">
+              <a:rPr lang="en-US" sz="3000" b="1" i="0" u="none" strike="noStrike" cap="none" dirty="0" smtClean="0">
                 <a:solidFill>
                   <a:srgbClr val="00FF00"/>
                 </a:solidFill>
@@ -20362,7 +20336,7 @@
               <a:t>stuff</a:t>
             </a:r>
             <a:r>
-              <a:rPr lang="en-US" sz="3000" i="0" u="none" strike="noStrike" cap="none" dirty="0" smtClean="0">
+              <a:rPr lang="en-US" sz="3000" b="1" i="0" u="none" strike="noStrike" cap="none" dirty="0" smtClean="0">
                 <a:solidFill>
                   <a:schemeClr val="bg1"/>
                 </a:solidFill>
@@ -20373,7 +20347,7 @@
               </a:rPr>
               <a:t>)</a:t>
             </a:r>
-            <a:endParaRPr lang="en-US" sz="3000" i="0" u="none" strike="noStrike" cap="none" dirty="0">
+            <a:endParaRPr lang="en-US" sz="3000" b="1" i="0" u="none" strike="noStrike" cap="none" dirty="0">
               <a:solidFill>
                 <a:schemeClr val="bg1"/>
               </a:solidFill>
@@ -20402,7 +20376,7 @@
               <a:buNone/>
             </a:pPr>
             <a:r>
-              <a:rPr lang="en-US" sz="3000" i="0" u="none" strike="noStrike" cap="none" dirty="0">
+              <a:rPr lang="en-US" sz="3000" b="1" i="0" u="none" strike="noStrike" cap="none" dirty="0">
                 <a:solidFill>
                   <a:schemeClr val="lt1"/>
                 </a:solidFill>
@@ -20433,7 +20407,7 @@
               <a:buNone/>
             </a:pPr>
             <a:r>
-              <a:rPr lang="en-US" sz="3000" i="0" u="none" strike="noStrike" cap="none" dirty="0">
+              <a:rPr lang="en-US" sz="3000" b="1" i="0" u="none" strike="noStrike" cap="none" dirty="0">
                 <a:solidFill>
                   <a:schemeClr val="lt1"/>
                 </a:solidFill>
@@ -20464,7 +20438,7 @@
               <a:buNone/>
             </a:pPr>
             <a:r>
-              <a:rPr lang="en-US" sz="3000" i="0" u="none" strike="noStrike" cap="none" dirty="0">
+              <a:rPr lang="en-US" sz="3000" b="1" i="0" u="none" strike="noStrike" cap="none" dirty="0">
                 <a:solidFill>
                   <a:schemeClr val="lt1"/>
                 </a:solidFill>
@@ -20476,7 +20450,7 @@
               <a:t>&gt;&gt;&gt; </a:t>
             </a:r>
             <a:r>
-              <a:rPr lang="en-US" sz="3000" i="0" u="none" strike="noStrike" cap="none" dirty="0">
+              <a:rPr lang="en-US" sz="3000" b="1" i="0" u="none" strike="noStrike" cap="none" dirty="0">
                 <a:solidFill>
                   <a:srgbClr val="00FF00"/>
                 </a:solidFill>
@@ -20488,7 +20462,7 @@
               <a:t>stuff</a:t>
             </a:r>
             <a:r>
-              <a:rPr lang="en-US" sz="3000" i="0" u="none" strike="noStrike" cap="none" dirty="0">
+              <a:rPr lang="en-US" sz="3000" b="1" i="0" u="none" strike="noStrike" cap="none" dirty="0">
                 <a:solidFill>
                   <a:schemeClr val="lt1"/>
                 </a:solidFill>
@@ -20500,7 +20474,7 @@
               <a:t> = 'X</a:t>
             </a:r>
             <a:r>
-              <a:rPr lang="en-US" sz="3000" i="0" u="none" strike="noStrike" cap="none" dirty="0">
+              <a:rPr lang="en-US" sz="3000" b="1" i="0" u="none" strike="noStrike" cap="none" dirty="0">
                 <a:solidFill>
                   <a:srgbClr val="00FFFF"/>
                 </a:solidFill>
@@ -20512,7 +20486,7 @@
               <a:t>\</a:t>
             </a:r>
             <a:r>
-              <a:rPr lang="en-US" sz="3000" i="0" u="none" strike="noStrike" cap="none" dirty="0" err="1">
+              <a:rPr lang="en-US" sz="3000" b="1" i="0" u="none" strike="noStrike" cap="none" dirty="0" err="1">
                 <a:solidFill>
                   <a:srgbClr val="00FFFF"/>
                 </a:solidFill>
@@ -20524,7 +20498,7 @@
               <a:t>n</a:t>
             </a:r>
             <a:r>
-              <a:rPr lang="en-US" sz="3000" i="0" u="none" strike="noStrike" cap="none" dirty="0" err="1">
+              <a:rPr lang="en-US" sz="3000" b="1" i="0" u="none" strike="noStrike" cap="none" dirty="0" err="1">
                 <a:solidFill>
                   <a:schemeClr val="lt1"/>
                 </a:solidFill>
@@ -20536,7 +20510,7 @@
               <a:t>Y</a:t>
             </a:r>
             <a:r>
-              <a:rPr lang="en-US" sz="3000" dirty="0">
+              <a:rPr lang="en-US" sz="3000" b="1" dirty="0">
                 <a:solidFill>
                   <a:schemeClr val="lt1"/>
                 </a:solidFill>
@@ -20567,7 +20541,7 @@
               <a:buNone/>
             </a:pPr>
             <a:r>
-              <a:rPr lang="en-US" sz="3000" i="0" u="none" strike="noStrike" cap="none" dirty="0">
+              <a:rPr lang="en-US" sz="3000" b="1" i="0" u="none" strike="noStrike" cap="none" dirty="0">
                 <a:solidFill>
                   <a:schemeClr val="lt1"/>
                 </a:solidFill>
@@ -20579,7 +20553,7 @@
               <a:t>&gt;&gt;&gt; </a:t>
             </a:r>
             <a:r>
-              <a:rPr lang="en-US" sz="3000" i="0" u="none" strike="noStrike" cap="none" dirty="0" smtClean="0">
+              <a:rPr lang="en-US" sz="3000" b="1" i="0" u="none" strike="noStrike" cap="none" dirty="0" smtClean="0">
                 <a:solidFill>
                   <a:srgbClr val="FFFF00"/>
                 </a:solidFill>
@@ -20591,7 +20565,7 @@
               <a:t>print</a:t>
             </a:r>
             <a:r>
-              <a:rPr lang="en-US" sz="3000" dirty="0" smtClean="0">
+              <a:rPr lang="en-US" sz="3000" b="1" dirty="0" smtClean="0">
                 <a:solidFill>
                   <a:schemeClr val="lt1"/>
                 </a:solidFill>
@@ -20603,7 +20577,7 @@
               <a:t>(</a:t>
             </a:r>
             <a:r>
-              <a:rPr lang="en-US" sz="3000" i="0" u="none" strike="noStrike" cap="none" dirty="0" smtClean="0">
+              <a:rPr lang="en-US" sz="3000" b="1" i="0" u="none" strike="noStrike" cap="none" dirty="0" smtClean="0">
                 <a:solidFill>
                   <a:srgbClr val="00FF00"/>
                 </a:solidFill>
@@ -20615,7 +20589,7 @@
               <a:t>stuff</a:t>
             </a:r>
             <a:r>
-              <a:rPr lang="en-US" sz="3000" i="0" u="none" strike="noStrike" cap="none" dirty="0" smtClean="0">
+              <a:rPr lang="en-US" sz="3000" b="1" i="0" u="none" strike="noStrike" cap="none" dirty="0" smtClean="0">
                 <a:solidFill>
                   <a:schemeClr val="bg1"/>
                 </a:solidFill>
@@ -20626,7 +20600,7 @@
               </a:rPr>
               <a:t>)</a:t>
             </a:r>
-            <a:endParaRPr lang="en-US" sz="3000" i="0" u="none" strike="noStrike" cap="none" dirty="0">
+            <a:endParaRPr lang="en-US" sz="3000" b="1" i="0" u="none" strike="noStrike" cap="none" dirty="0">
               <a:solidFill>
                 <a:schemeClr val="bg1"/>
               </a:solidFill>
@@ -20655,7 +20629,7 @@
               <a:buNone/>
             </a:pPr>
             <a:r>
-              <a:rPr lang="en-US" sz="3000" i="0" u="none" strike="noStrike" cap="none" dirty="0">
+              <a:rPr lang="en-US" sz="3000" b="1" i="0" u="none" strike="noStrike" cap="none" dirty="0">
                 <a:solidFill>
                   <a:schemeClr val="lt1"/>
                 </a:solidFill>
@@ -20686,7 +20660,7 @@
               <a:buNone/>
             </a:pPr>
             <a:r>
-              <a:rPr lang="en-US" sz="3000" i="0" u="none" strike="noStrike" cap="none" dirty="0">
+              <a:rPr lang="en-US" sz="3000" b="1" i="0" u="none" strike="noStrike" cap="none" dirty="0">
                 <a:solidFill>
                   <a:schemeClr val="lt1"/>
                 </a:solidFill>
@@ -20717,7 +20691,7 @@
               <a:buNone/>
             </a:pPr>
             <a:r>
-              <a:rPr lang="en-US" sz="3000" i="0" u="none" strike="noStrike" cap="none" dirty="0">
+              <a:rPr lang="en-US" sz="3000" b="1" i="0" u="none" strike="noStrike" cap="none" dirty="0">
                 <a:solidFill>
                   <a:schemeClr val="lt1"/>
                 </a:solidFill>
@@ -20729,7 +20703,7 @@
               <a:t>&gt;&gt;&gt; </a:t>
             </a:r>
             <a:r>
-              <a:rPr lang="en-US" sz="3000" i="0" u="none" strike="noStrike" cap="none" dirty="0" err="1">
+              <a:rPr lang="en-US" sz="3000" b="1" i="0" u="none" strike="noStrike" cap="none" dirty="0" err="1">
                 <a:solidFill>
                   <a:srgbClr val="FF00FF"/>
                 </a:solidFill>
@@ -20741,7 +20715,7 @@
               <a:t>len</a:t>
             </a:r>
             <a:r>
-              <a:rPr lang="en-US" sz="3000" i="0" u="none" strike="noStrike" cap="none" dirty="0">
+              <a:rPr lang="en-US" sz="3000" b="1" i="0" u="none" strike="noStrike" cap="none" dirty="0">
                 <a:solidFill>
                   <a:schemeClr val="lt1"/>
                 </a:solidFill>
@@ -20753,7 +20727,7 @@
               <a:t>(</a:t>
             </a:r>
             <a:r>
-              <a:rPr lang="en-US" sz="3000" i="0" u="none" strike="noStrike" cap="none" dirty="0">
+              <a:rPr lang="en-US" sz="3000" b="1" i="0" u="none" strike="noStrike" cap="none" dirty="0">
                 <a:solidFill>
                   <a:srgbClr val="00FF00"/>
                 </a:solidFill>
@@ -20765,7 +20739,7 @@
               <a:t>stuff</a:t>
             </a:r>
             <a:r>
-              <a:rPr lang="en-US" sz="3000" i="0" u="none" strike="noStrike" cap="none" dirty="0">
+              <a:rPr lang="en-US" sz="3000" b="1" i="0" u="none" strike="noStrike" cap="none" dirty="0">
                 <a:solidFill>
                   <a:schemeClr val="lt1"/>
                 </a:solidFill>
@@ -20796,7 +20770,7 @@
               <a:buNone/>
             </a:pPr>
             <a:r>
-              <a:rPr lang="en-US" sz="3000" i="0" u="none" strike="noStrike" cap="none" dirty="0">
+              <a:rPr lang="en-US" sz="3000" b="1" i="0" u="none" strike="noStrike" cap="none" dirty="0">
                 <a:solidFill>
                   <a:schemeClr val="lt1"/>
                 </a:solidFill>
@@ -20995,7 +20969,7 @@
               <a:buNone/>
             </a:pPr>
             <a:r>
-              <a:rPr lang="en-US" sz="2400" i="0" u="none" strike="noStrike" cap="none" dirty="0">
+              <a:rPr lang="en-US" sz="2400" b="1" i="0" u="none" strike="noStrike" cap="none" dirty="0">
                 <a:solidFill>
                   <a:srgbClr val="FF00FF"/>
                 </a:solidFill>
@@ -21007,7 +20981,7 @@
               <a:t>From </a:t>
             </a:r>
             <a:r>
-              <a:rPr lang="en-US" sz="2400" i="0" u="none" strike="noStrike" cap="none" dirty="0" err="1">
+              <a:rPr lang="en-US" sz="2400" b="1" i="0" u="none" strike="noStrike" cap="none" dirty="0" err="1">
                 <a:solidFill>
                   <a:srgbClr val="FF00FF"/>
                 </a:solidFill>
@@ -21019,7 +20993,7 @@
               <a:t>stephen.marquard@uct.ac.za</a:t>
             </a:r>
             <a:r>
-              <a:rPr lang="en-US" sz="2400" i="0" u="none" strike="noStrike" cap="none" dirty="0">
+              <a:rPr lang="en-US" sz="2400" b="1" i="0" u="none" strike="noStrike" cap="none" dirty="0">
                 <a:solidFill>
                   <a:srgbClr val="FF00FF"/>
                 </a:solidFill>
@@ -21050,7 +21024,7 @@
               <a:buNone/>
             </a:pPr>
             <a:r>
-              <a:rPr lang="en-US" sz="2400" i="0" u="none" strike="noStrike" cap="none" dirty="0">
+              <a:rPr lang="en-US" sz="2400" b="1" i="0" u="none" strike="noStrike" cap="none" dirty="0">
                 <a:solidFill>
                   <a:srgbClr val="FF00FF"/>
                 </a:solidFill>
@@ -21062,7 +21036,7 @@
               <a:t>Return-Path: &lt;</a:t>
             </a:r>
             <a:r>
-              <a:rPr lang="en-US" sz="2400" i="0" u="none" strike="noStrike" cap="none" dirty="0" err="1">
+              <a:rPr lang="en-US" sz="2400" b="1" i="0" u="none" strike="noStrike" cap="none" dirty="0" err="1">
                 <a:solidFill>
                   <a:srgbClr val="FF00FF"/>
                 </a:solidFill>
@@ -21074,7 +21048,7 @@
               <a:t>postmaster@collab.sakaiproject.org</a:t>
             </a:r>
             <a:r>
-              <a:rPr lang="en-US" sz="2400" i="0" u="none" strike="noStrike" cap="none" dirty="0">
+              <a:rPr lang="en-US" sz="2400" b="1" i="0" u="none" strike="noStrike" cap="none" dirty="0">
                 <a:solidFill>
                   <a:srgbClr val="FF00FF"/>
                 </a:solidFill>
@@ -21105,7 +21079,7 @@
               <a:buNone/>
             </a:pPr>
             <a:r>
-              <a:rPr lang="en-US" sz="2400" i="0" u="none" strike="noStrike" cap="none" dirty="0">
+              <a:rPr lang="en-US" sz="2400" b="1" i="0" u="none" strike="noStrike" cap="none" dirty="0">
                 <a:solidFill>
                   <a:srgbClr val="FF00FF"/>
                 </a:solidFill>
@@ -21136,7 +21110,7 @@
               <a:buNone/>
             </a:pPr>
             <a:r>
-              <a:rPr lang="en-US" sz="2400" i="0" u="none" strike="noStrike" cap="none" dirty="0">
+              <a:rPr lang="en-US" sz="2400" b="1" i="0" u="none" strike="noStrike" cap="none" dirty="0">
                 <a:solidFill>
                   <a:srgbClr val="FF00FF"/>
                 </a:solidFill>
@@ -21148,7 +21122,7 @@
               <a:t>To: </a:t>
             </a:r>
             <a:r>
-              <a:rPr lang="en-US" sz="2400" i="0" u="none" strike="noStrike" cap="none" dirty="0" err="1">
+              <a:rPr lang="en-US" sz="2400" b="1" i="0" u="none" strike="noStrike" cap="none" dirty="0" err="1">
                 <a:solidFill>
                   <a:srgbClr val="FF00FF"/>
                 </a:solidFill>
@@ -21159,7 +21133,7 @@
               </a:rPr>
               <a:t>source@collab.sakaiproject.org</a:t>
             </a:r>
-            <a:endParaRPr lang="en-US" sz="2400" i="0" u="none" strike="noStrike" cap="none" dirty="0">
+            <a:endParaRPr lang="en-US" sz="2400" b="1" i="0" u="none" strike="noStrike" cap="none" dirty="0">
               <a:solidFill>
                 <a:srgbClr val="FF00FF"/>
               </a:solidFill>
@@ -21188,7 +21162,7 @@
               <a:buNone/>
             </a:pPr>
             <a:r>
-              <a:rPr lang="en-US" sz="2400" i="0" u="none" strike="noStrike" cap="none" dirty="0">
+              <a:rPr lang="en-US" sz="2400" b="1" i="0" u="none" strike="noStrike" cap="none" dirty="0">
                 <a:solidFill>
                   <a:srgbClr val="FF00FF"/>
                 </a:solidFill>
@@ -21200,7 +21174,7 @@
               <a:t>From: </a:t>
             </a:r>
             <a:r>
-              <a:rPr lang="en-US" sz="2400" i="0" u="none" strike="noStrike" cap="none" dirty="0" err="1">
+              <a:rPr lang="en-US" sz="2400" b="1" i="0" u="none" strike="noStrike" cap="none" dirty="0" err="1">
                 <a:solidFill>
                   <a:srgbClr val="FF00FF"/>
                 </a:solidFill>
@@ -21211,7 +21185,7 @@
               </a:rPr>
               <a:t>stephen.marquard@uct.ac.za</a:t>
             </a:r>
-            <a:endParaRPr lang="en-US" sz="2400" i="0" u="none" strike="noStrike" cap="none" dirty="0">
+            <a:endParaRPr lang="en-US" sz="2400" b="1" i="0" u="none" strike="noStrike" cap="none" dirty="0">
               <a:solidFill>
                 <a:srgbClr val="FF00FF"/>
               </a:solidFill>
@@ -21240,7 +21214,7 @@
               <a:buNone/>
             </a:pPr>
             <a:r>
-              <a:rPr lang="en-US" sz="2400" i="0" u="none" strike="noStrike" cap="none" dirty="0">
+              <a:rPr lang="en-US" sz="2400" b="1" i="0" u="none" strike="noStrike" cap="none" dirty="0">
                 <a:solidFill>
                   <a:srgbClr val="FF00FF"/>
                 </a:solidFill>
@@ -21252,7 +21226,7 @@
               <a:t>Subject: [</a:t>
             </a:r>
             <a:r>
-              <a:rPr lang="en-US" sz="2400" i="0" u="none" strike="noStrike" cap="none" dirty="0" err="1">
+              <a:rPr lang="en-US" sz="2400" b="1" i="0" u="none" strike="noStrike" cap="none" dirty="0" err="1">
                 <a:solidFill>
                   <a:srgbClr val="FF00FF"/>
                 </a:solidFill>
@@ -21264,7 +21238,7 @@
               <a:t>sakai</a:t>
             </a:r>
             <a:r>
-              <a:rPr lang="en-US" sz="2400" i="0" u="none" strike="noStrike" cap="none" dirty="0">
+              <a:rPr lang="en-US" sz="2400" b="1" i="0" u="none" strike="noStrike" cap="none" dirty="0">
                 <a:solidFill>
                   <a:srgbClr val="FF00FF"/>
                 </a:solidFill>
@@ -21276,7 +21250,7 @@
               <a:t>] </a:t>
             </a:r>
             <a:r>
-              <a:rPr lang="en-US" sz="2400" i="0" u="none" strike="noStrike" cap="none" dirty="0" err="1">
+              <a:rPr lang="en-US" sz="2400" b="1" i="0" u="none" strike="noStrike" cap="none" dirty="0" err="1">
                 <a:solidFill>
                   <a:srgbClr val="FF00FF"/>
                 </a:solidFill>
@@ -21288,7 +21262,7 @@
               <a:t>svn</a:t>
             </a:r>
             <a:r>
-              <a:rPr lang="en-US" sz="2400" i="0" u="none" strike="noStrike" cap="none" dirty="0">
+              <a:rPr lang="en-US" sz="2400" b="1" i="0" u="none" strike="noStrike" cap="none" dirty="0">
                 <a:solidFill>
                   <a:srgbClr val="FF00FF"/>
                 </a:solidFill>
@@ -21317,7 +21291,7 @@
               <a:buFont typeface="Cabin"/>
               <a:buNone/>
             </a:pPr>
-            <a:endParaRPr sz="2400" dirty="0">
+            <a:endParaRPr sz="2400" b="1" dirty="0">
               <a:solidFill>
                 <a:srgbClr val="FF00FF"/>
               </a:solidFill>
@@ -21346,7 +21320,7 @@
               <a:buNone/>
             </a:pPr>
             <a:r>
-              <a:rPr lang="en-US" sz="2400" i="0" u="none" strike="noStrike" cap="none" dirty="0">
+              <a:rPr lang="en-US" sz="2400" b="1" i="0" u="none" strike="noStrike" cap="none" dirty="0">
                 <a:solidFill>
                   <a:srgbClr val="FF00FF"/>
                 </a:solidFill>
@@ -21358,7 +21332,7 @@
               <a:t>Details:</a:t>
             </a:r>
             <a:r>
-              <a:rPr lang="en-US" sz="2400" dirty="0">
+              <a:rPr lang="en-US" sz="2400" b="1" dirty="0">
                 <a:solidFill>
                   <a:srgbClr val="FF00FF"/>
                 </a:solidFill>
@@ -21370,7 +21344,7 @@
               <a:t> </a:t>
             </a:r>
             <a:r>
-              <a:rPr lang="en-US" sz="2400" i="0" u="none" strike="noStrike" cap="none" dirty="0">
+              <a:rPr lang="en-US" sz="2400" b="1" i="0" u="none" strike="noStrike" cap="none" dirty="0">
                 <a:solidFill>
                   <a:srgbClr val="FF00FF"/>
                 </a:solidFill>
@@ -21382,7 +21356,7 @@
               <a:t>http://</a:t>
             </a:r>
             <a:r>
-              <a:rPr lang="en-US" sz="2400" i="0" u="none" strike="noStrike" cap="none" dirty="0" err="1">
+              <a:rPr lang="en-US" sz="2400" b="1" i="0" u="none" strike="noStrike" cap="none" dirty="0" err="1">
                 <a:solidFill>
                   <a:srgbClr val="FF00FF"/>
                 </a:solidFill>
@@ -21394,7 +21368,7 @@
               <a:t>source.sakaiproject.org</a:t>
             </a:r>
             <a:r>
-              <a:rPr lang="en-US" sz="2400" i="0" u="none" strike="noStrike" cap="none" dirty="0">
+              <a:rPr lang="en-US" sz="2400" b="1" i="0" u="none" strike="noStrike" cap="none" dirty="0">
                 <a:solidFill>
                   <a:srgbClr val="FF00FF"/>
                 </a:solidFill>
@@ -21406,7 +21380,7 @@
               <a:t>/</a:t>
             </a:r>
             <a:r>
-              <a:rPr lang="en-US" sz="2400" i="0" u="none" strike="noStrike" cap="none" dirty="0" err="1">
+              <a:rPr lang="en-US" sz="2400" b="1" i="0" u="none" strike="noStrike" cap="none" dirty="0" err="1">
                 <a:solidFill>
                   <a:srgbClr val="FF00FF"/>
                 </a:solidFill>
@@ -21418,7 +21392,7 @@
               <a:t>viewsvn</a:t>
             </a:r>
             <a:r>
-              <a:rPr lang="en-US" sz="2400" i="0" u="none" strike="noStrike" cap="none" dirty="0">
+              <a:rPr lang="en-US" sz="2400" b="1" i="0" u="none" strike="noStrike" cap="none" dirty="0">
                 <a:solidFill>
                   <a:srgbClr val="FF00FF"/>
                 </a:solidFill>
@@ -21430,7 +21404,7 @@
               <a:t>/?view=</a:t>
             </a:r>
             <a:r>
-              <a:rPr lang="en-US" sz="2400" i="0" u="none" strike="noStrike" cap="none" dirty="0" err="1">
+              <a:rPr lang="en-US" sz="2400" b="1" i="0" u="none" strike="noStrike" cap="none" dirty="0" err="1">
                 <a:solidFill>
                   <a:srgbClr val="FF00FF"/>
                 </a:solidFill>
@@ -21442,7 +21416,7 @@
               <a:t>rev&amp;rev</a:t>
             </a:r>
             <a:r>
-              <a:rPr lang="en-US" sz="2400" i="0" u="none" strike="noStrike" cap="none" dirty="0">
+              <a:rPr lang="en-US" sz="2400" b="1" i="0" u="none" strike="noStrike" cap="none" dirty="0">
                 <a:solidFill>
                   <a:srgbClr val="FF00FF"/>
                 </a:solidFill>

--- a/lectures3/Pythonlearn-07-Files.pptx
+++ b/lectures3/Pythonlearn-07-Files.pptx
@@ -570,13 +570,34 @@
               <a:buNone/>
             </a:pPr>
             <a:r>
-              <a:rPr lang="en-US">
+              <a:rPr lang="en-US" dirty="0" smtClean="0">
                 <a:solidFill>
                   <a:schemeClr val="dk2"/>
                 </a:solidFill>
               </a:rPr>
-              <a:t>Note from Chuck.  If you are using these materials, you can remove the UM logo and replace it with your own, but please retain the CC-BY logo on the first page as well as retain the entire last page.</a:t>
-            </a:r>
+              <a:t>Note from Chuck.  </a:t>
+            </a:r>
+            <a:r>
+              <a:rPr lang="en-US" smtClean="0">
+                <a:solidFill>
+                  <a:schemeClr val="dk2"/>
+                </a:solidFill>
+              </a:rPr>
+              <a:t>If you are using these materials, you can remove the UM logo and replace it with your own, but please retain the CC-BY logo on the first page as well as retain the acknowledgement page(s)</a:t>
+            </a:r>
+            <a:r>
+              <a:rPr lang="en-US" baseline="0" smtClean="0">
+                <a:solidFill>
+                  <a:schemeClr val="dk2"/>
+                </a:solidFill>
+              </a:rPr>
+              <a:t> at the end.</a:t>
+            </a:r>
+            <a:endParaRPr lang="en-US" dirty="0">
+              <a:solidFill>
+                <a:schemeClr val="dk2"/>
+              </a:solidFill>
+            </a:endParaRPr>
           </a:p>
         </p:txBody>
       </p:sp>

--- a/lectures3/Pythonlearn-07-Files.pptx
+++ b/lectures3/Pythonlearn-07-Files.pptx
@@ -6630,7 +6630,7 @@
               <a:buChar char="•"/>
             </a:pPr>
             <a:r>
-              <a:rPr lang="en-US" sz="3400" u="none" strike="noStrike" cap="none">
+              <a:rPr lang="en-US" sz="3400" u="none" strike="noStrike" cap="none" dirty="0">
                 <a:solidFill>
                   <a:schemeClr val="lt1"/>
                 </a:solidFill>
@@ -6642,7 +6642,7 @@
               <a:t>Open a </a:t>
             </a:r>
             <a:r>
-              <a:rPr lang="en-US" sz="3400" u="none" strike="noStrike" cap="none">
+              <a:rPr lang="en-US" sz="3400" u="none" strike="noStrike" cap="none" dirty="0">
                 <a:solidFill>
                   <a:srgbClr val="00FF00"/>
                 </a:solidFill>
@@ -6654,7 +6654,7 @@
               <a:t>file</a:t>
             </a:r>
             <a:r>
-              <a:rPr lang="en-US" sz="3400" u="none" strike="noStrike" cap="none">
+              <a:rPr lang="en-US" sz="3400" u="none" strike="noStrike" cap="none" dirty="0">
                 <a:solidFill>
                   <a:schemeClr val="lt1"/>
                 </a:solidFill>
@@ -19014,22 +19014,11 @@
             </a:r>
           </a:p>
           <a:p>
-            <a:pPr marL="0" marR="0" lvl="0" indent="0" algn="l" rtl="0">
-              <a:lnSpc>
-                <a:spcPct val="100000"/>
-              </a:lnSpc>
-              <a:spcBef>
-                <a:spcPts val="0"/>
-              </a:spcBef>
-              <a:spcAft>
-                <a:spcPts val="0"/>
-              </a:spcAft>
+            <a:pPr>
               <a:buClr>
                 <a:schemeClr val="lt1"/>
               </a:buClr>
               <a:buSzPct val="25000"/>
-              <a:buFont typeface="Cabin"/>
-              <a:buNone/>
             </a:pPr>
             <a:r>
               <a:rPr lang="en-US" sz="2800" b="1" i="0" u="none" strike="noStrike" cap="none" dirty="0">
@@ -19044,7 +19033,7 @@
               <a:t>&gt;&gt;&gt; </a:t>
             </a:r>
             <a:r>
-              <a:rPr lang="en-US" sz="2800" b="1" i="0" u="none" strike="noStrike" cap="none" dirty="0">
+              <a:rPr lang="en-US" sz="2800" b="1" i="0" u="none" strike="noStrike" cap="none" dirty="0" smtClean="0">
                 <a:solidFill>
                   <a:srgbClr val="FFFF00"/>
                 </a:solidFill>
@@ -19053,22 +19042,10 @@
                 <a:cs typeface="Courier New"/>
                 <a:sym typeface="Courier New"/>
               </a:rPr>
-              <a:t>print</a:t>
-            </a:r>
-            <a:r>
-              <a:rPr lang="en-US" sz="2800" b="1" i="0" u="none" strike="noStrike" cap="none" dirty="0">
-                <a:solidFill>
-                  <a:schemeClr val="lt1"/>
-                </a:solidFill>
-                <a:latin typeface="Courier New"/>
-                <a:ea typeface="Courier New"/>
-                <a:cs typeface="Courier New"/>
-                <a:sym typeface="Courier New"/>
-              </a:rPr>
-              <a:t> </a:t>
-            </a:r>
-            <a:r>
-              <a:rPr lang="en-US" sz="2800" b="1" i="0" u="none" strike="noStrike" cap="none" dirty="0" err="1">
+              <a:t>print(</a:t>
+            </a:r>
+            <a:r>
+              <a:rPr lang="en-US" sz="2800" b="1" i="0" u="none" strike="noStrike" cap="none" dirty="0" err="1" smtClean="0">
                 <a:solidFill>
                   <a:srgbClr val="FF00FF"/>
                 </a:solidFill>
@@ -19078,6 +19055,18 @@
                 <a:sym typeface="Courier New"/>
               </a:rPr>
               <a:t>fhand</a:t>
+            </a:r>
+            <a:r>
+              <a:rPr lang="en-US" sz="2800" b="1" dirty="0" smtClean="0">
+                <a:solidFill>
+                  <a:srgbClr val="FFFF00"/>
+                </a:solidFill>
+                <a:latin typeface="Courier New"/>
+                <a:ea typeface="Courier New"/>
+                <a:cs typeface="Courier New"/>
+                <a:sym typeface="Courier New"/>
+              </a:rPr>
+              <a:t>)</a:t>
             </a:r>
             <a:endParaRPr lang="en-US" sz="2800" b="1" i="0" u="none" strike="noStrike" cap="none" dirty="0">
               <a:solidFill>

--- a/lectures3/Pythonlearn-07-Files.pptx
+++ b/lectures3/Pythonlearn-07-Files.pptx
@@ -5,7 +5,7 @@
     <p:sldMasterId id="2147483703" r:id="rId1"/>
   </p:sldMasterIdLst>
   <p:notesMasterIdLst>
-    <p:notesMasterId r:id="rId25"/>
+    <p:notesMasterId r:id="rId26"/>
   </p:notesMasterIdLst>
   <p:sldIdLst>
     <p:sldId id="256" r:id="rId2"/>
@@ -18,19 +18,20 @@
     <p:sldId id="263" r:id="rId9"/>
     <p:sldId id="264" r:id="rId10"/>
     <p:sldId id="265" r:id="rId11"/>
-    <p:sldId id="266" r:id="rId12"/>
-    <p:sldId id="267" r:id="rId13"/>
-    <p:sldId id="268" r:id="rId14"/>
-    <p:sldId id="269" r:id="rId15"/>
-    <p:sldId id="270" r:id="rId16"/>
-    <p:sldId id="271" r:id="rId17"/>
-    <p:sldId id="272" r:id="rId18"/>
-    <p:sldId id="273" r:id="rId19"/>
-    <p:sldId id="274" r:id="rId20"/>
-    <p:sldId id="275" r:id="rId21"/>
-    <p:sldId id="276" r:id="rId22"/>
-    <p:sldId id="277" r:id="rId23"/>
-    <p:sldId id="278" r:id="rId24"/>
+    <p:sldId id="279" r:id="rId12"/>
+    <p:sldId id="266" r:id="rId13"/>
+    <p:sldId id="267" r:id="rId14"/>
+    <p:sldId id="268" r:id="rId15"/>
+    <p:sldId id="269" r:id="rId16"/>
+    <p:sldId id="270" r:id="rId17"/>
+    <p:sldId id="271" r:id="rId18"/>
+    <p:sldId id="272" r:id="rId19"/>
+    <p:sldId id="273" r:id="rId20"/>
+    <p:sldId id="274" r:id="rId21"/>
+    <p:sldId id="275" r:id="rId22"/>
+    <p:sldId id="276" r:id="rId23"/>
+    <p:sldId id="277" r:id="rId24"/>
+    <p:sldId id="278" r:id="rId25"/>
   </p:sldIdLst>
   <p:sldSz cx="16256000" cy="9144000"/>
   <p:notesSz cx="6858000" cy="9144000"/>
@@ -3929,7 +3930,7 @@
             </a:lvl9pPr>
           </a:lstStyle>
           <a:p>
-            <a:endParaRPr/>
+            <a:endParaRPr dirty="0"/>
           </a:p>
         </p:txBody>
       </p:sp>
@@ -4042,7 +4043,7 @@
             </a:lvl9pPr>
           </a:lstStyle>
           <a:p>
-            <a:endParaRPr/>
+            <a:endParaRPr dirty="0"/>
           </a:p>
         </p:txBody>
       </p:sp>
@@ -4380,9 +4381,9 @@
           <a:spcPts val="0"/>
         </a:spcAft>
         <a:buNone/>
-        <a:defRPr sz="1400" b="0" i="0" u="none" strike="noStrike" cap="none">
+        <a:defRPr sz="7200" b="0" i="0" u="none" strike="noStrike" cap="none">
           <a:solidFill>
-            <a:srgbClr val="000000"/>
+            <a:srgbClr val="FFFF00"/>
           </a:solidFill>
           <a:latin typeface="Arial"/>
           <a:ea typeface="Arial"/>
@@ -4414,9 +4415,9 @@
           <a:spcPts val="0"/>
         </a:spcAft>
         <a:buNone/>
-        <a:defRPr sz="1400" b="0" i="0" u="none" strike="noStrike" cap="none">
+        <a:defRPr sz="3200" b="0" i="0" u="none" strike="noStrike" cap="none">
           <a:solidFill>
-            <a:srgbClr val="000000"/>
+            <a:schemeClr val="bg1"/>
           </a:solidFill>
           <a:latin typeface="Arial"/>
           <a:ea typeface="Arial"/>
@@ -5881,6 +5882,78 @@
   <p:cSld>
     <p:spTree>
       <p:nvGrpSpPr>
+        <p:cNvPr id="1" name=""/>
+        <p:cNvGrpSpPr/>
+        <p:nvPr/>
+      </p:nvGrpSpPr>
+      <p:grpSpPr>
+        <a:xfrm>
+          <a:off x="0" y="0"/>
+          <a:ext cx="0" cy="0"/>
+          <a:chOff x="0" y="0"/>
+          <a:chExt cx="0" cy="0"/>
+        </a:xfrm>
+      </p:grpSpPr>
+      <p:sp>
+        <p:nvSpPr>
+          <p:cNvPr id="4" name="Title 3"/>
+          <p:cNvSpPr>
+            <a:spLocks noGrp="1"/>
+          </p:cNvSpPr>
+          <p:nvPr>
+            <p:ph type="title"/>
+          </p:nvPr>
+        </p:nvSpPr>
+        <p:spPr/>
+        <p:txBody>
+          <a:bodyPr/>
+          <a:lstStyle/>
+          <a:p>
+            <a:r>
+              <a:rPr lang="en-US" dirty="0" smtClean="0"/>
+              <a:t>Reading Files in Python</a:t>
+            </a:r>
+            <a:endParaRPr lang="en-US" dirty="0"/>
+          </a:p>
+        </p:txBody>
+      </p:sp>
+      <p:sp>
+        <p:nvSpPr>
+          <p:cNvPr id="5" name="Text Placeholder 4"/>
+          <p:cNvSpPr>
+            <a:spLocks noGrp="1"/>
+          </p:cNvSpPr>
+          <p:nvPr>
+            <p:ph type="body" idx="1"/>
+          </p:nvPr>
+        </p:nvSpPr>
+        <p:spPr/>
+        <p:txBody>
+          <a:bodyPr/>
+          <a:lstStyle/>
+          <a:p>
+            <a:endParaRPr lang="en-US"/>
+          </a:p>
+        </p:txBody>
+      </p:sp>
+    </p:spTree>
+    <p:extLst>
+      <p:ext uri="{BB962C8B-B14F-4D97-AF65-F5344CB8AC3E}">
+        <p14:creationId xmlns:p14="http://schemas.microsoft.com/office/powerpoint/2010/main" val="664839996"/>
+      </p:ext>
+    </p:extLst>
+  </p:cSld>
+  <p:clrMapOvr>
+    <a:masterClrMapping/>
+  </p:clrMapOvr>
+</p:sld>
+</file>
+
+<file path=ppt/slides/slide12.xml><?xml version="1.0" encoding="utf-8"?>
+<p:sld xmlns:a="http://schemas.openxmlformats.org/drawingml/2006/main" xmlns:r="http://schemas.openxmlformats.org/officeDocument/2006/relationships" xmlns:p="http://schemas.openxmlformats.org/presentationml/2006/main">
+  <p:cSld>
+    <p:spTree>
+      <p:nvGrpSpPr>
         <p:cNvPr id="1" name="Shape 286"/>
         <p:cNvGrpSpPr/>
         <p:nvPr/>
@@ -6509,7 +6582,7 @@
 </p:sld>
 </file>
 
-<file path=ppt/slides/slide12.xml><?xml version="1.0" encoding="utf-8"?>
+<file path=ppt/slides/slide13.xml><?xml version="1.0" encoding="utf-8"?>
 <p:sld xmlns:a="http://schemas.openxmlformats.org/drawingml/2006/main" xmlns:r="http://schemas.openxmlformats.org/officeDocument/2006/relationships" xmlns:p="http://schemas.openxmlformats.org/presentationml/2006/main">
   <p:cSld>
     <p:spTree>
@@ -7369,7 +7442,7 @@
 </p:sld>
 </file>
 
-<file path=ppt/slides/slide13.xml><?xml version="1.0" encoding="utf-8"?>
+<file path=ppt/slides/slide14.xml><?xml version="1.0" encoding="utf-8"?>
 <p:sld xmlns:a="http://schemas.openxmlformats.org/drawingml/2006/main" xmlns:r="http://schemas.openxmlformats.org/officeDocument/2006/relationships" xmlns:p="http://schemas.openxmlformats.org/presentationml/2006/main">
   <p:cSld>
     <p:spTree>
@@ -8062,7 +8135,7 @@
 </p:sld>
 </file>
 
-<file path=ppt/slides/slide14.xml><?xml version="1.0" encoding="utf-8"?>
+<file path=ppt/slides/slide15.xml><?xml version="1.0" encoding="utf-8"?>
 <p:sld xmlns:a="http://schemas.openxmlformats.org/drawingml/2006/main" xmlns:r="http://schemas.openxmlformats.org/officeDocument/2006/relationships" xmlns:p="http://schemas.openxmlformats.org/presentationml/2006/main">
   <p:cSld>
     <p:spTree>
@@ -8675,7 +8748,7 @@
 </p:sld>
 </file>
 
-<file path=ppt/slides/slide15.xml><?xml version="1.0" encoding="utf-8"?>
+<file path=ppt/slides/slide16.xml><?xml version="1.0" encoding="utf-8"?>
 <p:sld xmlns:a="http://schemas.openxmlformats.org/drawingml/2006/main" xmlns:r="http://schemas.openxmlformats.org/officeDocument/2006/relationships" xmlns:p="http://schemas.openxmlformats.org/presentationml/2006/main">
   <p:cSld>
     <p:spTree>
@@ -9148,7 +9221,7 @@
 </p:sld>
 </file>
 
-<file path=ppt/slides/slide16.xml><?xml version="1.0" encoding="utf-8"?>
+<file path=ppt/slides/slide17.xml><?xml version="1.0" encoding="utf-8"?>
 <p:sld xmlns:a="http://schemas.openxmlformats.org/drawingml/2006/main" xmlns:r="http://schemas.openxmlformats.org/officeDocument/2006/relationships" xmlns:p="http://schemas.openxmlformats.org/presentationml/2006/main">
   <p:cSld>
     <p:spTree>
@@ -9863,7 +9936,7 @@
 </p:sld>
 </file>
 
-<file path=ppt/slides/slide17.xml><?xml version="1.0" encoding="utf-8"?>
+<file path=ppt/slides/slide18.xml><?xml version="1.0" encoding="utf-8"?>
 <p:sld xmlns:a="http://schemas.openxmlformats.org/drawingml/2006/main" xmlns:r="http://schemas.openxmlformats.org/officeDocument/2006/relationships" xmlns:p="http://schemas.openxmlformats.org/presentationml/2006/main">
   <p:cSld>
     <p:spTree>
@@ -10916,7 +10989,7 @@
 </p:sld>
 </file>
 
-<file path=ppt/slides/slide18.xml><?xml version="1.0" encoding="utf-8"?>
+<file path=ppt/slides/slide19.xml><?xml version="1.0" encoding="utf-8"?>
 <p:sld xmlns:a="http://schemas.openxmlformats.org/drawingml/2006/main" xmlns:r="http://schemas.openxmlformats.org/officeDocument/2006/relationships" xmlns:p="http://schemas.openxmlformats.org/presentationml/2006/main">
   <p:cSld>
     <p:spTree>
@@ -11665,1246 +11738,6 @@
           </a:p>
         </p:txBody>
       </p:sp>
-    </p:spTree>
-  </p:cSld>
-  <p:clrMapOvr>
-    <a:masterClrMapping/>
-  </p:clrMapOvr>
-</p:sld>
-</file>
-
-<file path=ppt/slides/slide19.xml><?xml version="1.0" encoding="utf-8"?>
-<p:sld xmlns:a="http://schemas.openxmlformats.org/drawingml/2006/main" xmlns:r="http://schemas.openxmlformats.org/officeDocument/2006/relationships" xmlns:p="http://schemas.openxmlformats.org/presentationml/2006/main">
-  <p:cSld>
-    <p:spTree>
-      <p:nvGrpSpPr>
-        <p:cNvPr id="1" name="Shape 345"/>
-        <p:cNvGrpSpPr/>
-        <p:nvPr/>
-      </p:nvGrpSpPr>
-      <p:grpSpPr>
-        <a:xfrm>
-          <a:off x="0" y="0"/>
-          <a:ext cx="0" cy="0"/>
-          <a:chOff x="0" y="0"/>
-          <a:chExt cx="0" cy="0"/>
-        </a:xfrm>
-      </p:grpSpPr>
-      <p:sp>
-        <p:nvSpPr>
-          <p:cNvPr id="346" name="Shape 346"/>
-          <p:cNvSpPr txBox="1">
-            <a:spLocks noGrp="1"/>
-          </p:cNvSpPr>
-          <p:nvPr>
-            <p:ph type="title"/>
-          </p:nvPr>
-        </p:nvSpPr>
-        <p:spPr>
-          <a:prstGeom prst="rect">
-            <a:avLst/>
-          </a:prstGeom>
-          <a:noFill/>
-          <a:ln>
-            <a:noFill/>
-          </a:ln>
-        </p:spPr>
-        <p:txBody>
-          <a:bodyPr lIns="38100" tIns="38100" rIns="38100" bIns="38100" anchor="ctr" anchorCtr="0">
-            <a:noAutofit/>
-          </a:bodyPr>
-          <a:lstStyle/>
-          <a:p>
-            <a:pPr marL="0" marR="0" lvl="0" indent="0" algn="ctr" rtl="0">
-              <a:lnSpc>
-                <a:spcPct val="100000"/>
-              </a:lnSpc>
-              <a:spcBef>
-                <a:spcPts val="0"/>
-              </a:spcBef>
-              <a:spcAft>
-                <a:spcPts val="0"/>
-              </a:spcAft>
-              <a:buClr>
-                <a:schemeClr val="lt1"/>
-              </a:buClr>
-              <a:buSzPct val="25000"/>
-              <a:buFont typeface="Cabin"/>
-              <a:buNone/>
-            </a:pPr>
-            <a:r>
-              <a:rPr lang="en-US" sz="7600" u="none" strike="noStrike" cap="none" dirty="0">
-                <a:solidFill>
-                  <a:schemeClr val="lt1"/>
-                </a:solidFill>
-                <a:latin typeface="Arial" charset="0"/>
-                <a:ea typeface="Arial" charset="0"/>
-                <a:cs typeface="Arial" charset="0"/>
-                <a:sym typeface="Cabin"/>
-              </a:rPr>
-              <a:t>Using </a:t>
-            </a:r>
-            <a:r>
-              <a:rPr lang="en-US" sz="7600" u="none" strike="noStrike" cap="none" dirty="0">
-                <a:solidFill>
-                  <a:srgbClr val="FFFF00"/>
-                </a:solidFill>
-                <a:latin typeface="Arial" charset="0"/>
-                <a:ea typeface="Arial" charset="0"/>
-                <a:cs typeface="Arial" charset="0"/>
-                <a:sym typeface="Cabin"/>
-              </a:rPr>
-              <a:t>in</a:t>
-            </a:r>
-            <a:r>
-              <a:rPr lang="en-US" sz="7600" u="none" strike="noStrike" cap="none" dirty="0">
-                <a:solidFill>
-                  <a:schemeClr val="lt1"/>
-                </a:solidFill>
-                <a:latin typeface="Arial" charset="0"/>
-                <a:ea typeface="Arial" charset="0"/>
-                <a:cs typeface="Arial" charset="0"/>
-                <a:sym typeface="Cabin"/>
-              </a:rPr>
-              <a:t> to select </a:t>
-            </a:r>
-            <a:r>
-              <a:rPr lang="en-US" sz="7600" u="none" strike="noStrike" cap="none" dirty="0">
-                <a:solidFill>
-                  <a:srgbClr val="00FF00"/>
-                </a:solidFill>
-                <a:latin typeface="Arial" charset="0"/>
-                <a:ea typeface="Arial" charset="0"/>
-                <a:cs typeface="Arial" charset="0"/>
-                <a:sym typeface="Cabin"/>
-              </a:rPr>
-              <a:t>lines</a:t>
-            </a:r>
-          </a:p>
-        </p:txBody>
-      </p:sp>
-      <p:sp>
-        <p:nvSpPr>
-          <p:cNvPr id="347" name="Shape 347"/>
-          <p:cNvSpPr txBox="1">
-            <a:spLocks noGrp="1"/>
-          </p:cNvSpPr>
-          <p:nvPr>
-            <p:ph type="body" idx="1"/>
-          </p:nvPr>
-        </p:nvSpPr>
-        <p:spPr>
-          <a:xfrm>
-            <a:off x="1412675" y="2820874"/>
-            <a:ext cx="5892476" cy="1839913"/>
-          </a:xfrm>
-          <a:prstGeom prst="rect">
-            <a:avLst/>
-          </a:prstGeom>
-          <a:noFill/>
-          <a:ln>
-            <a:noFill/>
-          </a:ln>
-        </p:spPr>
-        <p:txBody>
-          <a:bodyPr lIns="38100" tIns="38100" rIns="38100" bIns="38100" anchor="ctr" anchorCtr="0">
-            <a:noAutofit/>
-          </a:bodyPr>
-          <a:lstStyle/>
-          <a:p>
-            <a:pPr marL="215900" marR="0" lvl="0" indent="0" algn="l" rtl="0">
-              <a:lnSpc>
-                <a:spcPct val="100000"/>
-              </a:lnSpc>
-              <a:spcBef>
-                <a:spcPts val="0"/>
-              </a:spcBef>
-              <a:spcAft>
-                <a:spcPts val="0"/>
-              </a:spcAft>
-              <a:buClr>
-                <a:schemeClr val="lt1"/>
-              </a:buClr>
-              <a:buSzPct val="171000"/>
-              <a:buNone/>
-            </a:pPr>
-            <a:r>
-              <a:rPr lang="en-US" sz="3600" u="none" strike="noStrike" cap="none" dirty="0">
-                <a:solidFill>
-                  <a:schemeClr val="lt1"/>
-                </a:solidFill>
-                <a:latin typeface="Arial" charset="0"/>
-                <a:ea typeface="Arial" charset="0"/>
-                <a:cs typeface="Arial" charset="0"/>
-                <a:sym typeface="Cabin"/>
-              </a:rPr>
-              <a:t>We can look for a string anywhere </a:t>
-            </a:r>
-            <a:r>
-              <a:rPr lang="en-US" sz="3600" u="none" strike="noStrike" cap="none" dirty="0">
-                <a:solidFill>
-                  <a:srgbClr val="FFFF00"/>
-                </a:solidFill>
-                <a:latin typeface="Arial" charset="0"/>
-                <a:ea typeface="Arial" charset="0"/>
-                <a:cs typeface="Arial" charset="0"/>
-                <a:sym typeface="Cabin"/>
-              </a:rPr>
-              <a:t>in</a:t>
-            </a:r>
-            <a:r>
-              <a:rPr lang="en-US" sz="3600" u="none" strike="noStrike" cap="none" dirty="0">
-                <a:solidFill>
-                  <a:schemeClr val="lt1"/>
-                </a:solidFill>
-                <a:latin typeface="Arial" charset="0"/>
-                <a:ea typeface="Arial" charset="0"/>
-                <a:cs typeface="Arial" charset="0"/>
-                <a:sym typeface="Cabin"/>
-              </a:rPr>
-              <a:t> a </a:t>
-            </a:r>
-            <a:r>
-              <a:rPr lang="en-US" sz="3600" u="none" strike="noStrike" cap="none" dirty="0">
-                <a:solidFill>
-                  <a:srgbClr val="00FF00"/>
-                </a:solidFill>
-                <a:latin typeface="Arial" charset="0"/>
-                <a:ea typeface="Arial" charset="0"/>
-                <a:cs typeface="Arial" charset="0"/>
-                <a:sym typeface="Cabin"/>
-              </a:rPr>
-              <a:t>line</a:t>
-            </a:r>
-            <a:r>
-              <a:rPr lang="en-US" sz="3600" u="none" strike="noStrike" cap="none" dirty="0">
-                <a:solidFill>
-                  <a:schemeClr val="lt1"/>
-                </a:solidFill>
-                <a:latin typeface="Arial" charset="0"/>
-                <a:ea typeface="Arial" charset="0"/>
-                <a:cs typeface="Arial" charset="0"/>
-                <a:sym typeface="Cabin"/>
-              </a:rPr>
-              <a:t> as our selection criteria</a:t>
-            </a:r>
-          </a:p>
-        </p:txBody>
-      </p:sp>
-      <p:sp>
-        <p:nvSpPr>
-          <p:cNvPr id="348" name="Shape 348"/>
-          <p:cNvSpPr txBox="1"/>
-          <p:nvPr/>
-        </p:nvSpPr>
-        <p:spPr>
-          <a:xfrm>
-            <a:off x="8547100" y="2516175"/>
-            <a:ext cx="6947100" cy="2655033"/>
-          </a:xfrm>
-          <a:prstGeom prst="rect">
-            <a:avLst/>
-          </a:prstGeom>
-          <a:noFill/>
-          <a:ln>
-            <a:noFill/>
-          </a:ln>
-        </p:spPr>
-        <p:txBody>
-          <a:bodyPr lIns="0" tIns="0" rIns="0" bIns="0" anchor="ctr" anchorCtr="0">
-            <a:noAutofit/>
-          </a:bodyPr>
-          <a:lstStyle/>
-          <a:p>
-            <a:pPr marL="0" marR="0" lvl="0" indent="0" algn="l" rtl="0">
-              <a:lnSpc>
-                <a:spcPct val="100000"/>
-              </a:lnSpc>
-              <a:spcBef>
-                <a:spcPts val="0"/>
-              </a:spcBef>
-              <a:spcAft>
-                <a:spcPts val="0"/>
-              </a:spcAft>
-              <a:buClr>
-                <a:srgbClr val="00FF00"/>
-              </a:buClr>
-              <a:buSzPct val="25000"/>
-              <a:buFont typeface="Cabin"/>
-              <a:buNone/>
-            </a:pPr>
-            <a:r>
-              <a:rPr lang="en-US" sz="2400" b="1" i="0" u="none" strike="noStrike" cap="none" dirty="0" err="1">
-                <a:solidFill>
-                  <a:srgbClr val="00FF00"/>
-                </a:solidFill>
-                <a:latin typeface="Courier New"/>
-                <a:ea typeface="Courier New"/>
-                <a:cs typeface="Courier New"/>
-                <a:sym typeface="Courier New"/>
-              </a:rPr>
-              <a:t>fhand</a:t>
-            </a:r>
-            <a:r>
-              <a:rPr lang="en-US" sz="2400" b="1" i="0" u="none" strike="noStrike" cap="none" dirty="0">
-                <a:solidFill>
-                  <a:schemeClr val="lt1"/>
-                </a:solidFill>
-                <a:latin typeface="Courier New"/>
-                <a:ea typeface="Courier New"/>
-                <a:cs typeface="Courier New"/>
-                <a:sym typeface="Courier New"/>
-              </a:rPr>
-              <a:t> = </a:t>
-            </a:r>
-            <a:r>
-              <a:rPr lang="en-US" sz="2400" b="1" i="0" u="none" strike="noStrike" cap="none" dirty="0">
-                <a:solidFill>
-                  <a:srgbClr val="FF00FF"/>
-                </a:solidFill>
-                <a:latin typeface="Courier New"/>
-                <a:ea typeface="Courier New"/>
-                <a:cs typeface="Courier New"/>
-                <a:sym typeface="Courier New"/>
-              </a:rPr>
-              <a:t>open</a:t>
-            </a:r>
-            <a:r>
-              <a:rPr lang="en-US" sz="2400" b="1" i="0" u="none" strike="noStrike" cap="none" dirty="0">
-                <a:solidFill>
-                  <a:schemeClr val="lt1"/>
-                </a:solidFill>
-                <a:latin typeface="Courier New"/>
-                <a:ea typeface="Courier New"/>
-                <a:cs typeface="Courier New"/>
-                <a:sym typeface="Courier New"/>
-              </a:rPr>
-              <a:t>('</a:t>
-            </a:r>
-            <a:r>
-              <a:rPr lang="en-US" sz="2400" b="1" i="0" u="none" strike="noStrike" cap="none" dirty="0" err="1">
-                <a:solidFill>
-                  <a:schemeClr val="lt1"/>
-                </a:solidFill>
-                <a:latin typeface="Courier New"/>
-                <a:ea typeface="Courier New"/>
-                <a:cs typeface="Courier New"/>
-                <a:sym typeface="Courier New"/>
-              </a:rPr>
-              <a:t>mbox-short.txt</a:t>
-            </a:r>
-            <a:r>
-              <a:rPr lang="en-US" sz="2400" b="1" i="0" u="none" strike="noStrike" cap="none" dirty="0">
-                <a:solidFill>
-                  <a:schemeClr val="lt1"/>
-                </a:solidFill>
-                <a:latin typeface="Courier New"/>
-                <a:ea typeface="Courier New"/>
-                <a:cs typeface="Courier New"/>
-                <a:sym typeface="Courier New"/>
-              </a:rPr>
-              <a:t>')</a:t>
-            </a:r>
-          </a:p>
-          <a:p>
-            <a:pPr marL="0" marR="0" lvl="0" indent="0" algn="l" rtl="0">
-              <a:lnSpc>
-                <a:spcPct val="100000"/>
-              </a:lnSpc>
-              <a:spcBef>
-                <a:spcPts val="0"/>
-              </a:spcBef>
-              <a:spcAft>
-                <a:spcPts val="0"/>
-              </a:spcAft>
-              <a:buClr>
-                <a:srgbClr val="FFFF00"/>
-              </a:buClr>
-              <a:buSzPct val="25000"/>
-              <a:buFont typeface="Cabin"/>
-              <a:buNone/>
-            </a:pPr>
-            <a:r>
-              <a:rPr lang="en-US" sz="2400" b="1" i="0" u="none" strike="noStrike" cap="none" dirty="0">
-                <a:solidFill>
-                  <a:srgbClr val="FFFF00"/>
-                </a:solidFill>
-                <a:latin typeface="Courier New"/>
-                <a:ea typeface="Courier New"/>
-                <a:cs typeface="Courier New"/>
-                <a:sym typeface="Courier New"/>
-              </a:rPr>
-              <a:t>for</a:t>
-            </a:r>
-            <a:r>
-              <a:rPr lang="en-US" sz="2400" b="1" i="0" u="none" strike="noStrike" cap="none" dirty="0">
-                <a:solidFill>
-                  <a:schemeClr val="lt1"/>
-                </a:solidFill>
-                <a:latin typeface="Courier New"/>
-                <a:ea typeface="Courier New"/>
-                <a:cs typeface="Courier New"/>
-                <a:sym typeface="Courier New"/>
-              </a:rPr>
-              <a:t> </a:t>
-            </a:r>
-            <a:r>
-              <a:rPr lang="en-US" sz="2400" b="1" i="0" u="none" strike="noStrike" cap="none" dirty="0">
-                <a:solidFill>
-                  <a:srgbClr val="00FF00"/>
-                </a:solidFill>
-                <a:latin typeface="Courier New"/>
-                <a:ea typeface="Courier New"/>
-                <a:cs typeface="Courier New"/>
-                <a:sym typeface="Courier New"/>
-              </a:rPr>
-              <a:t>line</a:t>
-            </a:r>
-            <a:r>
-              <a:rPr lang="en-US" sz="2400" b="1" i="0" u="none" strike="noStrike" cap="none" dirty="0">
-                <a:solidFill>
-                  <a:schemeClr val="lt1"/>
-                </a:solidFill>
-                <a:latin typeface="Courier New"/>
-                <a:ea typeface="Courier New"/>
-                <a:cs typeface="Courier New"/>
-                <a:sym typeface="Courier New"/>
-              </a:rPr>
-              <a:t> </a:t>
-            </a:r>
-            <a:r>
-              <a:rPr lang="en-US" sz="2400" b="1" i="0" u="none" strike="noStrike" cap="none" dirty="0">
-                <a:solidFill>
-                  <a:srgbClr val="FFFF00"/>
-                </a:solidFill>
-                <a:latin typeface="Courier New"/>
-                <a:ea typeface="Courier New"/>
-                <a:cs typeface="Courier New"/>
-                <a:sym typeface="Courier New"/>
-              </a:rPr>
-              <a:t>in</a:t>
-            </a:r>
-            <a:r>
-              <a:rPr lang="en-US" sz="2400" b="1" i="0" u="none" strike="noStrike" cap="none" dirty="0">
-                <a:solidFill>
-                  <a:schemeClr val="lt1"/>
-                </a:solidFill>
-                <a:latin typeface="Courier New"/>
-                <a:ea typeface="Courier New"/>
-                <a:cs typeface="Courier New"/>
-                <a:sym typeface="Courier New"/>
-              </a:rPr>
-              <a:t> </a:t>
-            </a:r>
-            <a:r>
-              <a:rPr lang="en-US" sz="2400" b="1" i="0" u="none" strike="noStrike" cap="none" dirty="0" err="1">
-                <a:solidFill>
-                  <a:srgbClr val="00FF00"/>
-                </a:solidFill>
-                <a:latin typeface="Courier New"/>
-                <a:ea typeface="Courier New"/>
-                <a:cs typeface="Courier New"/>
-                <a:sym typeface="Courier New"/>
-              </a:rPr>
-              <a:t>fhand</a:t>
-            </a:r>
-            <a:r>
-              <a:rPr lang="en-US" sz="2400" b="1" i="0" u="none" strike="noStrike" cap="none" dirty="0">
-                <a:solidFill>
-                  <a:schemeClr val="lt1"/>
-                </a:solidFill>
-                <a:latin typeface="Courier New"/>
-                <a:ea typeface="Courier New"/>
-                <a:cs typeface="Courier New"/>
-                <a:sym typeface="Courier New"/>
-              </a:rPr>
-              <a:t>:</a:t>
-            </a:r>
-          </a:p>
-          <a:p>
-            <a:pPr marL="0" marR="0" lvl="0" indent="0" algn="l" rtl="0">
-              <a:lnSpc>
-                <a:spcPct val="100000"/>
-              </a:lnSpc>
-              <a:spcBef>
-                <a:spcPts val="0"/>
-              </a:spcBef>
-              <a:spcAft>
-                <a:spcPts val="0"/>
-              </a:spcAft>
-              <a:buClr>
-                <a:schemeClr val="lt1"/>
-              </a:buClr>
-              <a:buSzPct val="25000"/>
-              <a:buFont typeface="Cabin"/>
-              <a:buNone/>
-            </a:pPr>
-            <a:r>
-              <a:rPr lang="en-US" sz="2400" b="1" i="0" u="none" strike="noStrike" cap="none" dirty="0">
-                <a:solidFill>
-                  <a:schemeClr val="lt1"/>
-                </a:solidFill>
-                <a:latin typeface="Courier New"/>
-                <a:ea typeface="Courier New"/>
-                <a:cs typeface="Courier New"/>
-                <a:sym typeface="Courier New"/>
-              </a:rPr>
-              <a:t>    </a:t>
-            </a:r>
-            <a:r>
-              <a:rPr lang="en-US" sz="2400" b="1" i="0" u="none" strike="noStrike" cap="none" dirty="0">
-                <a:solidFill>
-                  <a:srgbClr val="00FF00"/>
-                </a:solidFill>
-                <a:latin typeface="Courier New"/>
-                <a:ea typeface="Courier New"/>
-                <a:cs typeface="Courier New"/>
-                <a:sym typeface="Courier New"/>
-              </a:rPr>
-              <a:t>line</a:t>
-            </a:r>
-            <a:r>
-              <a:rPr lang="en-US" sz="2400" b="1" i="0" u="none" strike="noStrike" cap="none" dirty="0">
-                <a:solidFill>
-                  <a:schemeClr val="lt1"/>
-                </a:solidFill>
-                <a:latin typeface="Courier New"/>
-                <a:ea typeface="Courier New"/>
-                <a:cs typeface="Courier New"/>
-                <a:sym typeface="Courier New"/>
-              </a:rPr>
-              <a:t> = </a:t>
-            </a:r>
-            <a:r>
-              <a:rPr lang="en-US" sz="2400" b="1" i="0" u="none" strike="noStrike" cap="none" dirty="0" err="1">
-                <a:solidFill>
-                  <a:srgbClr val="00FF00"/>
-                </a:solidFill>
-                <a:latin typeface="Courier New"/>
-                <a:ea typeface="Courier New"/>
-                <a:cs typeface="Courier New"/>
-                <a:sym typeface="Courier New"/>
-              </a:rPr>
-              <a:t>line</a:t>
-            </a:r>
-            <a:r>
-              <a:rPr lang="en-US" sz="2400" b="1" i="0" u="none" strike="noStrike" cap="none" dirty="0" err="1">
-                <a:solidFill>
-                  <a:srgbClr val="FF00FF"/>
-                </a:solidFill>
-                <a:latin typeface="Courier New"/>
-                <a:ea typeface="Courier New"/>
-                <a:cs typeface="Courier New"/>
-                <a:sym typeface="Courier New"/>
-              </a:rPr>
-              <a:t>.rstrip</a:t>
-            </a:r>
-            <a:r>
-              <a:rPr lang="en-US" sz="2400" b="1" i="0" u="none" strike="noStrike" cap="none" dirty="0">
-                <a:solidFill>
-                  <a:schemeClr val="lt1"/>
-                </a:solidFill>
-                <a:latin typeface="Courier New"/>
-                <a:ea typeface="Courier New"/>
-                <a:cs typeface="Courier New"/>
-                <a:sym typeface="Courier New"/>
-              </a:rPr>
-              <a:t>()</a:t>
-            </a:r>
-          </a:p>
-          <a:p>
-            <a:pPr marL="0" marR="0" lvl="0" indent="0" algn="l" rtl="0">
-              <a:lnSpc>
-                <a:spcPct val="100000"/>
-              </a:lnSpc>
-              <a:spcBef>
-                <a:spcPts val="0"/>
-              </a:spcBef>
-              <a:spcAft>
-                <a:spcPts val="0"/>
-              </a:spcAft>
-              <a:buClr>
-                <a:schemeClr val="lt1"/>
-              </a:buClr>
-              <a:buSzPct val="25000"/>
-              <a:buFont typeface="Cabin"/>
-              <a:buNone/>
-            </a:pPr>
-            <a:r>
-              <a:rPr lang="en-US" sz="2400" b="1" i="0" u="none" strike="noStrike" cap="none" dirty="0">
-                <a:solidFill>
-                  <a:schemeClr val="lt1"/>
-                </a:solidFill>
-                <a:latin typeface="Courier New"/>
-                <a:ea typeface="Courier New"/>
-                <a:cs typeface="Courier New"/>
-                <a:sym typeface="Courier New"/>
-              </a:rPr>
-              <a:t>    </a:t>
-            </a:r>
-            <a:r>
-              <a:rPr lang="en-US" sz="2400" b="1" i="0" u="none" strike="noStrike" cap="none" dirty="0">
-                <a:solidFill>
-                  <a:srgbClr val="FFFF00"/>
-                </a:solidFill>
-                <a:latin typeface="Courier New"/>
-                <a:ea typeface="Courier New"/>
-                <a:cs typeface="Courier New"/>
-                <a:sym typeface="Courier New"/>
-              </a:rPr>
-              <a:t>if</a:t>
-            </a:r>
-            <a:r>
-              <a:rPr lang="en-US" sz="2400" b="1" i="0" u="none" strike="noStrike" cap="none" dirty="0">
-                <a:solidFill>
-                  <a:schemeClr val="lt1"/>
-                </a:solidFill>
-                <a:latin typeface="Courier New"/>
-                <a:ea typeface="Courier New"/>
-                <a:cs typeface="Courier New"/>
-                <a:sym typeface="Courier New"/>
-              </a:rPr>
-              <a:t> </a:t>
-            </a:r>
-            <a:r>
-              <a:rPr lang="en-US" sz="2400" b="1" i="0" u="none" strike="noStrike" cap="none" dirty="0">
-                <a:solidFill>
-                  <a:srgbClr val="FFFF00"/>
-                </a:solidFill>
-                <a:latin typeface="Courier New"/>
-                <a:ea typeface="Courier New"/>
-                <a:cs typeface="Courier New"/>
-                <a:sym typeface="Courier New"/>
-              </a:rPr>
-              <a:t>not</a:t>
-            </a:r>
-            <a:r>
-              <a:rPr lang="en-US" sz="2400" b="1" i="0" u="none" strike="noStrike" cap="none" dirty="0">
-                <a:solidFill>
-                  <a:schemeClr val="lt1"/>
-                </a:solidFill>
-                <a:latin typeface="Courier New"/>
-                <a:ea typeface="Courier New"/>
-                <a:cs typeface="Courier New"/>
-                <a:sym typeface="Courier New"/>
-              </a:rPr>
-              <a:t> '</a:t>
-            </a:r>
-            <a:r>
-              <a:rPr lang="en-US" sz="2400" b="1" i="0" u="none" strike="noStrike" cap="none" dirty="0">
-                <a:solidFill>
-                  <a:srgbClr val="00FFFF"/>
-                </a:solidFill>
-                <a:latin typeface="Courier New"/>
-                <a:ea typeface="Courier New"/>
-                <a:cs typeface="Courier New"/>
-                <a:sym typeface="Courier New"/>
-              </a:rPr>
-              <a:t>@</a:t>
-            </a:r>
-            <a:r>
-              <a:rPr lang="en-US" sz="2400" b="1" i="0" u="none" strike="noStrike" cap="none" dirty="0" err="1">
-                <a:solidFill>
-                  <a:srgbClr val="00FFFF"/>
-                </a:solidFill>
-                <a:latin typeface="Courier New"/>
-                <a:ea typeface="Courier New"/>
-                <a:cs typeface="Courier New"/>
-                <a:sym typeface="Courier New"/>
-              </a:rPr>
-              <a:t>uct.ac.za</a:t>
-            </a:r>
-            <a:r>
-              <a:rPr lang="en-US" sz="2400" b="1" i="0" u="none" strike="noStrike" cap="none" dirty="0">
-                <a:solidFill>
-                  <a:schemeClr val="lt1"/>
-                </a:solidFill>
-                <a:latin typeface="Courier New"/>
-                <a:ea typeface="Courier New"/>
-                <a:cs typeface="Courier New"/>
-                <a:sym typeface="Courier New"/>
-              </a:rPr>
-              <a:t>' </a:t>
-            </a:r>
-            <a:r>
-              <a:rPr lang="en-US" sz="2400" b="1" i="0" u="none" strike="noStrike" cap="none" dirty="0">
-                <a:solidFill>
-                  <a:srgbClr val="FFFF00"/>
-                </a:solidFill>
-                <a:latin typeface="Courier New"/>
-                <a:ea typeface="Courier New"/>
-                <a:cs typeface="Courier New"/>
-                <a:sym typeface="Courier New"/>
-              </a:rPr>
-              <a:t>in</a:t>
-            </a:r>
-            <a:r>
-              <a:rPr lang="en-US" sz="2400" b="1" i="0" u="none" strike="noStrike" cap="none" dirty="0">
-                <a:solidFill>
-                  <a:schemeClr val="lt1"/>
-                </a:solidFill>
-                <a:latin typeface="Courier New"/>
-                <a:ea typeface="Courier New"/>
-                <a:cs typeface="Courier New"/>
-                <a:sym typeface="Courier New"/>
-              </a:rPr>
-              <a:t> </a:t>
-            </a:r>
-            <a:r>
-              <a:rPr lang="en-US" sz="2400" b="1" i="0" u="none" strike="noStrike" cap="none" dirty="0">
-                <a:solidFill>
-                  <a:srgbClr val="00FFFF"/>
-                </a:solidFill>
-                <a:latin typeface="Courier New"/>
-                <a:ea typeface="Courier New"/>
-                <a:cs typeface="Courier New"/>
-                <a:sym typeface="Courier New"/>
-              </a:rPr>
-              <a:t>line</a:t>
-            </a:r>
-            <a:r>
-              <a:rPr lang="en-US" sz="2400" b="1" i="0" u="none" strike="noStrike" cap="none" dirty="0">
-                <a:solidFill>
-                  <a:schemeClr val="lt1"/>
-                </a:solidFill>
-                <a:latin typeface="Courier New"/>
-                <a:ea typeface="Courier New"/>
-                <a:cs typeface="Courier New"/>
-                <a:sym typeface="Courier New"/>
-              </a:rPr>
-              <a:t> : </a:t>
-            </a:r>
-          </a:p>
-          <a:p>
-            <a:pPr marL="0" marR="0" lvl="0" indent="0" algn="l" rtl="0">
-              <a:lnSpc>
-                <a:spcPct val="100000"/>
-              </a:lnSpc>
-              <a:spcBef>
-                <a:spcPts val="0"/>
-              </a:spcBef>
-              <a:spcAft>
-                <a:spcPts val="0"/>
-              </a:spcAft>
-              <a:buClr>
-                <a:schemeClr val="lt1"/>
-              </a:buClr>
-              <a:buSzPct val="25000"/>
-              <a:buFont typeface="Cabin"/>
-              <a:buNone/>
-            </a:pPr>
-            <a:r>
-              <a:rPr lang="en-US" sz="2400" b="1" i="0" u="none" strike="noStrike" cap="none" dirty="0">
-                <a:solidFill>
-                  <a:schemeClr val="lt1"/>
-                </a:solidFill>
-                <a:latin typeface="Courier New"/>
-                <a:ea typeface="Courier New"/>
-                <a:cs typeface="Courier New"/>
-                <a:sym typeface="Courier New"/>
-              </a:rPr>
-              <a:t>        </a:t>
-            </a:r>
-            <a:r>
-              <a:rPr lang="en-US" sz="2400" b="1" i="0" u="none" strike="noStrike" cap="none" dirty="0">
-                <a:solidFill>
-                  <a:srgbClr val="FFFF00"/>
-                </a:solidFill>
-                <a:latin typeface="Courier New"/>
-                <a:ea typeface="Courier New"/>
-                <a:cs typeface="Courier New"/>
-                <a:sym typeface="Courier New"/>
-              </a:rPr>
-              <a:t>continue</a:t>
-            </a:r>
-          </a:p>
-          <a:p>
-            <a:pPr lvl="0">
-              <a:buClr>
-                <a:schemeClr val="lt1"/>
-              </a:buClr>
-              <a:buSzPct val="25000"/>
-            </a:pPr>
-            <a:r>
-              <a:rPr lang="en-US" sz="2400" b="1" i="0" u="none" strike="noStrike" cap="none" dirty="0">
-                <a:solidFill>
-                  <a:schemeClr val="lt1"/>
-                </a:solidFill>
-                <a:latin typeface="Courier New"/>
-                <a:ea typeface="Courier New"/>
-                <a:cs typeface="Courier New"/>
-                <a:sym typeface="Courier New"/>
-              </a:rPr>
-              <a:t>    </a:t>
-            </a:r>
-            <a:r>
-              <a:rPr lang="en-US" sz="2400" b="1" i="0" u="none" strike="noStrike" cap="none" dirty="0" smtClean="0">
-                <a:solidFill>
-                  <a:srgbClr val="FFFF00"/>
-                </a:solidFill>
-                <a:latin typeface="Courier New"/>
-                <a:ea typeface="Courier New"/>
-                <a:cs typeface="Courier New"/>
-                <a:sym typeface="Courier New"/>
-              </a:rPr>
-              <a:t>print</a:t>
-            </a:r>
-            <a:r>
-              <a:rPr lang="en-US" sz="2400" b="1" dirty="0">
-                <a:solidFill>
-                  <a:schemeClr val="lt1"/>
-                </a:solidFill>
-                <a:latin typeface="Courier New"/>
-                <a:ea typeface="Courier New"/>
-                <a:cs typeface="Courier New"/>
-                <a:sym typeface="Courier New"/>
-              </a:rPr>
-              <a:t>(</a:t>
-            </a:r>
-            <a:r>
-              <a:rPr lang="en-US" sz="2400" b="1" i="0" u="none" strike="noStrike" cap="none" dirty="0" smtClean="0">
-                <a:solidFill>
-                  <a:srgbClr val="00FF00"/>
-                </a:solidFill>
-                <a:latin typeface="Courier New"/>
-                <a:ea typeface="Courier New"/>
-                <a:cs typeface="Courier New"/>
-                <a:sym typeface="Courier New"/>
-              </a:rPr>
-              <a:t>line</a:t>
-            </a:r>
-            <a:r>
-              <a:rPr lang="en-US" sz="2400" b="1" dirty="0">
-                <a:solidFill>
-                  <a:schemeClr val="lt1"/>
-                </a:solidFill>
-                <a:latin typeface="Courier New"/>
-                <a:ea typeface="Courier New"/>
-                <a:cs typeface="Courier New"/>
-                <a:sym typeface="Courier New"/>
-              </a:rPr>
-              <a:t>)</a:t>
-            </a:r>
-            <a:endParaRPr lang="en-US" sz="2400" b="1" i="0" u="none" strike="noStrike" cap="none" dirty="0">
-              <a:solidFill>
-                <a:srgbClr val="00FF00"/>
-              </a:solidFill>
-              <a:latin typeface="Courier New"/>
-              <a:ea typeface="Courier New"/>
-              <a:cs typeface="Courier New"/>
-              <a:sym typeface="Courier New"/>
-            </a:endParaRPr>
-          </a:p>
-        </p:txBody>
-      </p:sp>
-      <p:sp>
-        <p:nvSpPr>
-          <p:cNvPr id="349" name="Shape 349"/>
-          <p:cNvSpPr txBox="1"/>
-          <p:nvPr/>
-        </p:nvSpPr>
-        <p:spPr>
-          <a:xfrm>
-            <a:off x="1412675" y="5606277"/>
-            <a:ext cx="13932000" cy="2414438"/>
-          </a:xfrm>
-          <a:prstGeom prst="rect">
-            <a:avLst/>
-          </a:prstGeom>
-          <a:noFill/>
-          <a:ln>
-            <a:noFill/>
-          </a:ln>
-        </p:spPr>
-        <p:txBody>
-          <a:bodyPr lIns="0" tIns="0" rIns="0" bIns="0" anchor="ctr" anchorCtr="0">
-            <a:noAutofit/>
-          </a:bodyPr>
-          <a:lstStyle/>
-          <a:p>
-            <a:pPr marL="0" marR="0" lvl="0" indent="0" algn="l" rtl="0">
-              <a:lnSpc>
-                <a:spcPct val="100000"/>
-              </a:lnSpc>
-              <a:spcBef>
-                <a:spcPts val="0"/>
-              </a:spcBef>
-              <a:spcAft>
-                <a:spcPts val="0"/>
-              </a:spcAft>
-              <a:buClr>
-                <a:srgbClr val="FF00FF"/>
-              </a:buClr>
-              <a:buSzPct val="25000"/>
-              <a:buFont typeface="Cabin"/>
-              <a:buNone/>
-            </a:pPr>
-            <a:r>
-              <a:rPr lang="en-US" sz="2400" b="1" i="0" u="none" strike="noStrike" cap="none" dirty="0">
-                <a:solidFill>
-                  <a:srgbClr val="FF00FF"/>
-                </a:solidFill>
-                <a:latin typeface="Courier New"/>
-                <a:ea typeface="Courier New"/>
-                <a:cs typeface="Courier New"/>
-                <a:sym typeface="Courier New"/>
-              </a:rPr>
-              <a:t>From </a:t>
-            </a:r>
-            <a:r>
-              <a:rPr lang="en-US" sz="2400" b="1" i="0" u="none" strike="noStrike" cap="none" dirty="0" err="1">
-                <a:solidFill>
-                  <a:srgbClr val="FF00FF"/>
-                </a:solidFill>
-                <a:latin typeface="Courier New"/>
-                <a:ea typeface="Courier New"/>
-                <a:cs typeface="Courier New"/>
-                <a:sym typeface="Courier New"/>
-              </a:rPr>
-              <a:t>stephen.marquard@</a:t>
-            </a:r>
-            <a:r>
-              <a:rPr lang="en-US" sz="2400" b="1" i="0" u="none" strike="noStrike" cap="none" dirty="0" err="1">
-                <a:solidFill>
-                  <a:srgbClr val="00FFFF"/>
-                </a:solidFill>
-                <a:latin typeface="Courier New"/>
-                <a:ea typeface="Courier New"/>
-                <a:cs typeface="Courier New"/>
-                <a:sym typeface="Courier New"/>
-              </a:rPr>
-              <a:t>uct.ac.za</a:t>
-            </a:r>
-            <a:r>
-              <a:rPr lang="en-US" sz="2400" b="1" i="0" u="none" strike="noStrike" cap="none" dirty="0">
-                <a:solidFill>
-                  <a:srgbClr val="FF00FF"/>
-                </a:solidFill>
-                <a:latin typeface="Courier New"/>
-                <a:ea typeface="Courier New"/>
-                <a:cs typeface="Courier New"/>
-                <a:sym typeface="Courier New"/>
-              </a:rPr>
-              <a:t> Sat Jan  5 09:14:16 2008</a:t>
-            </a:r>
-          </a:p>
-          <a:p>
-            <a:pPr marL="0" marR="0" lvl="0" indent="0" algn="l" rtl="0">
-              <a:lnSpc>
-                <a:spcPct val="100000"/>
-              </a:lnSpc>
-              <a:spcBef>
-                <a:spcPts val="0"/>
-              </a:spcBef>
-              <a:spcAft>
-                <a:spcPts val="0"/>
-              </a:spcAft>
-              <a:buClr>
-                <a:srgbClr val="FF00FF"/>
-              </a:buClr>
-              <a:buSzPct val="25000"/>
-              <a:buFont typeface="Cabin"/>
-              <a:buNone/>
-            </a:pPr>
-            <a:r>
-              <a:rPr lang="en-US" sz="2400" b="1" i="0" u="none" strike="noStrike" cap="none" dirty="0">
-                <a:solidFill>
-                  <a:srgbClr val="FF00FF"/>
-                </a:solidFill>
-                <a:latin typeface="Courier New"/>
-                <a:ea typeface="Courier New"/>
-                <a:cs typeface="Courier New"/>
-                <a:sym typeface="Courier New"/>
-              </a:rPr>
-              <a:t>X-Authentication-Warning: set sender to </a:t>
-            </a:r>
-            <a:r>
-              <a:rPr lang="en-US" sz="2400" b="1" i="0" u="none" strike="noStrike" cap="none" dirty="0" err="1">
-                <a:solidFill>
-                  <a:srgbClr val="FF00FF"/>
-                </a:solidFill>
-                <a:latin typeface="Courier New"/>
-                <a:ea typeface="Courier New"/>
-                <a:cs typeface="Courier New"/>
-                <a:sym typeface="Courier New"/>
-              </a:rPr>
-              <a:t>stephen.marquard@</a:t>
-            </a:r>
-            <a:r>
-              <a:rPr lang="en-US" sz="2400" b="1" i="0" u="none" strike="noStrike" cap="none" dirty="0" err="1">
-                <a:solidFill>
-                  <a:srgbClr val="00FFFF"/>
-                </a:solidFill>
-                <a:latin typeface="Courier New"/>
-                <a:ea typeface="Courier New"/>
-                <a:cs typeface="Courier New"/>
-                <a:sym typeface="Courier New"/>
-              </a:rPr>
-              <a:t>uct.ac.za</a:t>
-            </a:r>
-            <a:r>
-              <a:rPr lang="en-US" sz="2400" b="1" i="0" u="none" strike="noStrike" cap="none" dirty="0">
-                <a:solidFill>
-                  <a:srgbClr val="FF00FF"/>
-                </a:solidFill>
-                <a:latin typeface="Courier New"/>
-                <a:ea typeface="Courier New"/>
-                <a:cs typeface="Courier New"/>
-                <a:sym typeface="Courier New"/>
-              </a:rPr>
-              <a:t> using –f</a:t>
-            </a:r>
-          </a:p>
-          <a:p>
-            <a:pPr marL="0" marR="0" lvl="0" indent="0" algn="l" rtl="0">
-              <a:lnSpc>
-                <a:spcPct val="100000"/>
-              </a:lnSpc>
-              <a:spcBef>
-                <a:spcPts val="0"/>
-              </a:spcBef>
-              <a:spcAft>
-                <a:spcPts val="0"/>
-              </a:spcAft>
-              <a:buClr>
-                <a:srgbClr val="FF00FF"/>
-              </a:buClr>
-              <a:buSzPct val="25000"/>
-              <a:buFont typeface="Cabin"/>
-              <a:buNone/>
-            </a:pPr>
-            <a:r>
-              <a:rPr lang="en-US" sz="2400" b="1" i="0" u="none" strike="noStrike" cap="none" dirty="0">
-                <a:solidFill>
-                  <a:srgbClr val="FF00FF"/>
-                </a:solidFill>
-                <a:latin typeface="Courier New"/>
-                <a:ea typeface="Courier New"/>
-                <a:cs typeface="Courier New"/>
-                <a:sym typeface="Courier New"/>
-              </a:rPr>
-              <a:t>From: </a:t>
-            </a:r>
-            <a:r>
-              <a:rPr lang="en-US" sz="2400" b="1" i="0" u="sng" strike="noStrike" cap="none" dirty="0">
-                <a:solidFill>
-                  <a:schemeClr val="hlink"/>
-                </a:solidFill>
-                <a:latin typeface="Courier New"/>
-                <a:ea typeface="Courier New"/>
-                <a:cs typeface="Courier New"/>
-                <a:sym typeface="Courier New"/>
-                <a:hlinkClick r:id="rId3"/>
-              </a:rPr>
-              <a:t>stephen.marquard@uct.ac.za</a:t>
-            </a:r>
-          </a:p>
-          <a:p>
-            <a:pPr marL="0" marR="0" lvl="0" indent="0" algn="l" rtl="0">
-              <a:lnSpc>
-                <a:spcPct val="100000"/>
-              </a:lnSpc>
-              <a:spcBef>
-                <a:spcPts val="0"/>
-              </a:spcBef>
-              <a:spcAft>
-                <a:spcPts val="0"/>
-              </a:spcAft>
-              <a:buClr>
-                <a:srgbClr val="FF00FF"/>
-              </a:buClr>
-              <a:buSzPct val="25000"/>
-              <a:buFont typeface="Cabin"/>
-              <a:buNone/>
-            </a:pPr>
-            <a:r>
-              <a:rPr lang="en-US" sz="2400" b="1" i="0" u="none" strike="noStrike" cap="none" dirty="0">
-                <a:solidFill>
-                  <a:srgbClr val="FF00FF"/>
-                </a:solidFill>
-                <a:latin typeface="Courier New"/>
-                <a:ea typeface="Courier New"/>
-                <a:cs typeface="Courier New"/>
-                <a:sym typeface="Courier New"/>
-              </a:rPr>
-              <a:t>Author: </a:t>
-            </a:r>
-            <a:r>
-              <a:rPr lang="en-US" sz="2400" b="1" i="0" u="sng" strike="noStrike" cap="none" dirty="0">
-                <a:solidFill>
-                  <a:schemeClr val="hlink"/>
-                </a:solidFill>
-                <a:latin typeface="Courier New"/>
-                <a:ea typeface="Courier New"/>
-                <a:cs typeface="Courier New"/>
-                <a:sym typeface="Courier New"/>
-                <a:hlinkClick r:id="rId3"/>
-              </a:rPr>
-              <a:t>stephen.marquard@uct.ac.za</a:t>
-            </a:r>
-          </a:p>
-          <a:p>
-            <a:pPr marL="0" marR="0" lvl="0" indent="0" algn="l" rtl="0">
-              <a:lnSpc>
-                <a:spcPct val="100000"/>
-              </a:lnSpc>
-              <a:spcBef>
-                <a:spcPts val="0"/>
-              </a:spcBef>
-              <a:spcAft>
-                <a:spcPts val="0"/>
-              </a:spcAft>
-              <a:buClr>
-                <a:srgbClr val="FF00FF"/>
-              </a:buClr>
-              <a:buSzPct val="25000"/>
-              <a:buFont typeface="Cabin"/>
-              <a:buNone/>
-            </a:pPr>
-            <a:r>
-              <a:rPr lang="en-US" sz="2400" b="1" i="0" u="none" strike="noStrike" cap="none" dirty="0">
-                <a:solidFill>
-                  <a:srgbClr val="FF00FF"/>
-                </a:solidFill>
-                <a:latin typeface="Courier New"/>
-                <a:ea typeface="Courier New"/>
-                <a:cs typeface="Courier New"/>
-                <a:sym typeface="Courier New"/>
-              </a:rPr>
-              <a:t>From </a:t>
-            </a:r>
-            <a:r>
-              <a:rPr lang="en-US" sz="2400" b="1" i="0" u="none" strike="noStrike" cap="none" dirty="0" err="1">
-                <a:solidFill>
-                  <a:srgbClr val="FF00FF"/>
-                </a:solidFill>
-                <a:latin typeface="Courier New"/>
-                <a:ea typeface="Courier New"/>
-                <a:cs typeface="Courier New"/>
-                <a:sym typeface="Courier New"/>
-              </a:rPr>
-              <a:t>david.horwitz@</a:t>
-            </a:r>
-            <a:r>
-              <a:rPr lang="en-US" sz="2400" b="1" i="0" u="none" strike="noStrike" cap="none" dirty="0" err="1">
-                <a:solidFill>
-                  <a:srgbClr val="00FFFF"/>
-                </a:solidFill>
-                <a:latin typeface="Courier New"/>
-                <a:ea typeface="Courier New"/>
-                <a:cs typeface="Courier New"/>
-                <a:sym typeface="Courier New"/>
-              </a:rPr>
-              <a:t>uct.ac.za</a:t>
-            </a:r>
-            <a:r>
-              <a:rPr lang="en-US" sz="2400" b="1" i="0" u="none" strike="noStrike" cap="none" dirty="0">
-                <a:solidFill>
-                  <a:srgbClr val="FF00FF"/>
-                </a:solidFill>
-                <a:latin typeface="Courier New"/>
-                <a:ea typeface="Courier New"/>
-                <a:cs typeface="Courier New"/>
-                <a:sym typeface="Courier New"/>
-              </a:rPr>
-              <a:t> Fri Jan  4 07:02:32 2008</a:t>
-            </a:r>
-          </a:p>
-          <a:p>
-            <a:pPr marL="0" marR="0" lvl="0" indent="0" algn="l" rtl="0">
-              <a:lnSpc>
-                <a:spcPct val="100000"/>
-              </a:lnSpc>
-              <a:spcBef>
-                <a:spcPts val="0"/>
-              </a:spcBef>
-              <a:spcAft>
-                <a:spcPts val="0"/>
-              </a:spcAft>
-              <a:buClr>
-                <a:srgbClr val="FF00FF"/>
-              </a:buClr>
-              <a:buSzPct val="25000"/>
-              <a:buFont typeface="Cabin"/>
-              <a:buNone/>
-            </a:pPr>
-            <a:r>
-              <a:rPr lang="en-US" sz="2400" b="1" i="0" u="none" strike="noStrike" cap="none" dirty="0">
-                <a:solidFill>
-                  <a:srgbClr val="FF00FF"/>
-                </a:solidFill>
-                <a:latin typeface="Courier New"/>
-                <a:ea typeface="Courier New"/>
-                <a:cs typeface="Courier New"/>
-                <a:sym typeface="Courier New"/>
-              </a:rPr>
-              <a:t>X-Authentication-Warning: set sender to </a:t>
-            </a:r>
-            <a:r>
-              <a:rPr lang="en-US" sz="2400" b="1" i="0" u="none" strike="noStrike" cap="none" dirty="0" err="1">
-                <a:solidFill>
-                  <a:srgbClr val="FF00FF"/>
-                </a:solidFill>
-                <a:latin typeface="Courier New"/>
-                <a:ea typeface="Courier New"/>
-                <a:cs typeface="Courier New"/>
-                <a:sym typeface="Courier New"/>
-              </a:rPr>
-              <a:t>david.horwitz@</a:t>
-            </a:r>
-            <a:r>
-              <a:rPr lang="en-US" sz="2400" b="1" i="0" u="none" strike="noStrike" cap="none" dirty="0" err="1">
-                <a:solidFill>
-                  <a:srgbClr val="00FFFF"/>
-                </a:solidFill>
-                <a:latin typeface="Courier New"/>
-                <a:ea typeface="Courier New"/>
-                <a:cs typeface="Courier New"/>
-                <a:sym typeface="Courier New"/>
-              </a:rPr>
-              <a:t>uct.ac.za</a:t>
-            </a:r>
-            <a:r>
-              <a:rPr lang="en-US" sz="2400" b="1" i="0" u="none" strike="noStrike" cap="none" dirty="0">
-                <a:solidFill>
-                  <a:srgbClr val="FF00FF"/>
-                </a:solidFill>
-                <a:latin typeface="Courier New"/>
-                <a:ea typeface="Courier New"/>
-                <a:cs typeface="Courier New"/>
-                <a:sym typeface="Courier New"/>
-              </a:rPr>
-              <a:t> using -f...</a:t>
-            </a:r>
-          </a:p>
-        </p:txBody>
-      </p:sp>
-      <p:cxnSp>
-        <p:nvCxnSpPr>
-          <p:cNvPr id="350" name="Shape 350"/>
-          <p:cNvCxnSpPr/>
-          <p:nvPr/>
-        </p:nvCxnSpPr>
-        <p:spPr>
-          <a:xfrm>
-            <a:off x="11754661" y="4500618"/>
-            <a:ext cx="1575299" cy="889499"/>
-          </a:xfrm>
-          <a:prstGeom prst="straightConnector1">
-            <a:avLst/>
-          </a:prstGeom>
-          <a:noFill/>
-          <a:ln w="38100" cap="rnd" cmpd="sng">
-            <a:solidFill>
-              <a:srgbClr val="FFFF00"/>
-            </a:solidFill>
-            <a:prstDash val="solid"/>
-            <a:miter/>
-            <a:headEnd type="stealth" w="med" len="med"/>
-            <a:tailEnd type="none" w="med" len="med"/>
-          </a:ln>
-        </p:spPr>
-      </p:cxnSp>
     </p:spTree>
   </p:cSld>
   <p:clrMapOvr>
@@ -14045,6 +12878,1246 @@
   <p:cSld>
     <p:spTree>
       <p:nvGrpSpPr>
+        <p:cNvPr id="1" name="Shape 345"/>
+        <p:cNvGrpSpPr/>
+        <p:nvPr/>
+      </p:nvGrpSpPr>
+      <p:grpSpPr>
+        <a:xfrm>
+          <a:off x="0" y="0"/>
+          <a:ext cx="0" cy="0"/>
+          <a:chOff x="0" y="0"/>
+          <a:chExt cx="0" cy="0"/>
+        </a:xfrm>
+      </p:grpSpPr>
+      <p:sp>
+        <p:nvSpPr>
+          <p:cNvPr id="346" name="Shape 346"/>
+          <p:cNvSpPr txBox="1">
+            <a:spLocks noGrp="1"/>
+          </p:cNvSpPr>
+          <p:nvPr>
+            <p:ph type="title"/>
+          </p:nvPr>
+        </p:nvSpPr>
+        <p:spPr>
+          <a:prstGeom prst="rect">
+            <a:avLst/>
+          </a:prstGeom>
+          <a:noFill/>
+          <a:ln>
+            <a:noFill/>
+          </a:ln>
+        </p:spPr>
+        <p:txBody>
+          <a:bodyPr lIns="38100" tIns="38100" rIns="38100" bIns="38100" anchor="ctr" anchorCtr="0">
+            <a:noAutofit/>
+          </a:bodyPr>
+          <a:lstStyle/>
+          <a:p>
+            <a:pPr marL="0" marR="0" lvl="0" indent="0" algn="ctr" rtl="0">
+              <a:lnSpc>
+                <a:spcPct val="100000"/>
+              </a:lnSpc>
+              <a:spcBef>
+                <a:spcPts val="0"/>
+              </a:spcBef>
+              <a:spcAft>
+                <a:spcPts val="0"/>
+              </a:spcAft>
+              <a:buClr>
+                <a:schemeClr val="lt1"/>
+              </a:buClr>
+              <a:buSzPct val="25000"/>
+              <a:buFont typeface="Cabin"/>
+              <a:buNone/>
+            </a:pPr>
+            <a:r>
+              <a:rPr lang="en-US" sz="7600" u="none" strike="noStrike" cap="none" dirty="0">
+                <a:solidFill>
+                  <a:schemeClr val="lt1"/>
+                </a:solidFill>
+                <a:latin typeface="Arial" charset="0"/>
+                <a:ea typeface="Arial" charset="0"/>
+                <a:cs typeface="Arial" charset="0"/>
+                <a:sym typeface="Cabin"/>
+              </a:rPr>
+              <a:t>Using </a:t>
+            </a:r>
+            <a:r>
+              <a:rPr lang="en-US" sz="7600" u="none" strike="noStrike" cap="none" dirty="0">
+                <a:solidFill>
+                  <a:srgbClr val="FFFF00"/>
+                </a:solidFill>
+                <a:latin typeface="Arial" charset="0"/>
+                <a:ea typeface="Arial" charset="0"/>
+                <a:cs typeface="Arial" charset="0"/>
+                <a:sym typeface="Cabin"/>
+              </a:rPr>
+              <a:t>in</a:t>
+            </a:r>
+            <a:r>
+              <a:rPr lang="en-US" sz="7600" u="none" strike="noStrike" cap="none" dirty="0">
+                <a:solidFill>
+                  <a:schemeClr val="lt1"/>
+                </a:solidFill>
+                <a:latin typeface="Arial" charset="0"/>
+                <a:ea typeface="Arial" charset="0"/>
+                <a:cs typeface="Arial" charset="0"/>
+                <a:sym typeface="Cabin"/>
+              </a:rPr>
+              <a:t> to select </a:t>
+            </a:r>
+            <a:r>
+              <a:rPr lang="en-US" sz="7600" u="none" strike="noStrike" cap="none" dirty="0">
+                <a:solidFill>
+                  <a:srgbClr val="00FF00"/>
+                </a:solidFill>
+                <a:latin typeface="Arial" charset="0"/>
+                <a:ea typeface="Arial" charset="0"/>
+                <a:cs typeface="Arial" charset="0"/>
+                <a:sym typeface="Cabin"/>
+              </a:rPr>
+              <a:t>lines</a:t>
+            </a:r>
+          </a:p>
+        </p:txBody>
+      </p:sp>
+      <p:sp>
+        <p:nvSpPr>
+          <p:cNvPr id="347" name="Shape 347"/>
+          <p:cNvSpPr txBox="1">
+            <a:spLocks noGrp="1"/>
+          </p:cNvSpPr>
+          <p:nvPr>
+            <p:ph type="body" idx="1"/>
+          </p:nvPr>
+        </p:nvSpPr>
+        <p:spPr>
+          <a:xfrm>
+            <a:off x="1412675" y="2820874"/>
+            <a:ext cx="5892476" cy="1839913"/>
+          </a:xfrm>
+          <a:prstGeom prst="rect">
+            <a:avLst/>
+          </a:prstGeom>
+          <a:noFill/>
+          <a:ln>
+            <a:noFill/>
+          </a:ln>
+        </p:spPr>
+        <p:txBody>
+          <a:bodyPr lIns="38100" tIns="38100" rIns="38100" bIns="38100" anchor="ctr" anchorCtr="0">
+            <a:noAutofit/>
+          </a:bodyPr>
+          <a:lstStyle/>
+          <a:p>
+            <a:pPr marL="215900" marR="0" lvl="0" indent="0" algn="l" rtl="0">
+              <a:lnSpc>
+                <a:spcPct val="100000"/>
+              </a:lnSpc>
+              <a:spcBef>
+                <a:spcPts val="0"/>
+              </a:spcBef>
+              <a:spcAft>
+                <a:spcPts val="0"/>
+              </a:spcAft>
+              <a:buClr>
+                <a:schemeClr val="lt1"/>
+              </a:buClr>
+              <a:buSzPct val="171000"/>
+              <a:buNone/>
+            </a:pPr>
+            <a:r>
+              <a:rPr lang="en-US" sz="3600" u="none" strike="noStrike" cap="none" dirty="0">
+                <a:solidFill>
+                  <a:schemeClr val="lt1"/>
+                </a:solidFill>
+                <a:latin typeface="Arial" charset="0"/>
+                <a:ea typeface="Arial" charset="0"/>
+                <a:cs typeface="Arial" charset="0"/>
+                <a:sym typeface="Cabin"/>
+              </a:rPr>
+              <a:t>We can look for a string anywhere </a:t>
+            </a:r>
+            <a:r>
+              <a:rPr lang="en-US" sz="3600" u="none" strike="noStrike" cap="none" dirty="0">
+                <a:solidFill>
+                  <a:srgbClr val="FFFF00"/>
+                </a:solidFill>
+                <a:latin typeface="Arial" charset="0"/>
+                <a:ea typeface="Arial" charset="0"/>
+                <a:cs typeface="Arial" charset="0"/>
+                <a:sym typeface="Cabin"/>
+              </a:rPr>
+              <a:t>in</a:t>
+            </a:r>
+            <a:r>
+              <a:rPr lang="en-US" sz="3600" u="none" strike="noStrike" cap="none" dirty="0">
+                <a:solidFill>
+                  <a:schemeClr val="lt1"/>
+                </a:solidFill>
+                <a:latin typeface="Arial" charset="0"/>
+                <a:ea typeface="Arial" charset="0"/>
+                <a:cs typeface="Arial" charset="0"/>
+                <a:sym typeface="Cabin"/>
+              </a:rPr>
+              <a:t> a </a:t>
+            </a:r>
+            <a:r>
+              <a:rPr lang="en-US" sz="3600" u="none" strike="noStrike" cap="none" dirty="0">
+                <a:solidFill>
+                  <a:srgbClr val="00FF00"/>
+                </a:solidFill>
+                <a:latin typeface="Arial" charset="0"/>
+                <a:ea typeface="Arial" charset="0"/>
+                <a:cs typeface="Arial" charset="0"/>
+                <a:sym typeface="Cabin"/>
+              </a:rPr>
+              <a:t>line</a:t>
+            </a:r>
+            <a:r>
+              <a:rPr lang="en-US" sz="3600" u="none" strike="noStrike" cap="none" dirty="0">
+                <a:solidFill>
+                  <a:schemeClr val="lt1"/>
+                </a:solidFill>
+                <a:latin typeface="Arial" charset="0"/>
+                <a:ea typeface="Arial" charset="0"/>
+                <a:cs typeface="Arial" charset="0"/>
+                <a:sym typeface="Cabin"/>
+              </a:rPr>
+              <a:t> as our selection criteria</a:t>
+            </a:r>
+          </a:p>
+        </p:txBody>
+      </p:sp>
+      <p:sp>
+        <p:nvSpPr>
+          <p:cNvPr id="348" name="Shape 348"/>
+          <p:cNvSpPr txBox="1"/>
+          <p:nvPr/>
+        </p:nvSpPr>
+        <p:spPr>
+          <a:xfrm>
+            <a:off x="8547100" y="2516175"/>
+            <a:ext cx="6947100" cy="2655033"/>
+          </a:xfrm>
+          <a:prstGeom prst="rect">
+            <a:avLst/>
+          </a:prstGeom>
+          <a:noFill/>
+          <a:ln>
+            <a:noFill/>
+          </a:ln>
+        </p:spPr>
+        <p:txBody>
+          <a:bodyPr lIns="0" tIns="0" rIns="0" bIns="0" anchor="ctr" anchorCtr="0">
+            <a:noAutofit/>
+          </a:bodyPr>
+          <a:lstStyle/>
+          <a:p>
+            <a:pPr marL="0" marR="0" lvl="0" indent="0" algn="l" rtl="0">
+              <a:lnSpc>
+                <a:spcPct val="100000"/>
+              </a:lnSpc>
+              <a:spcBef>
+                <a:spcPts val="0"/>
+              </a:spcBef>
+              <a:spcAft>
+                <a:spcPts val="0"/>
+              </a:spcAft>
+              <a:buClr>
+                <a:srgbClr val="00FF00"/>
+              </a:buClr>
+              <a:buSzPct val="25000"/>
+              <a:buFont typeface="Cabin"/>
+              <a:buNone/>
+            </a:pPr>
+            <a:r>
+              <a:rPr lang="en-US" sz="2400" b="1" i="0" u="none" strike="noStrike" cap="none" dirty="0" err="1">
+                <a:solidFill>
+                  <a:srgbClr val="00FF00"/>
+                </a:solidFill>
+                <a:latin typeface="Courier New"/>
+                <a:ea typeface="Courier New"/>
+                <a:cs typeface="Courier New"/>
+                <a:sym typeface="Courier New"/>
+              </a:rPr>
+              <a:t>fhand</a:t>
+            </a:r>
+            <a:r>
+              <a:rPr lang="en-US" sz="2400" b="1" i="0" u="none" strike="noStrike" cap="none" dirty="0">
+                <a:solidFill>
+                  <a:schemeClr val="lt1"/>
+                </a:solidFill>
+                <a:latin typeface="Courier New"/>
+                <a:ea typeface="Courier New"/>
+                <a:cs typeface="Courier New"/>
+                <a:sym typeface="Courier New"/>
+              </a:rPr>
+              <a:t> = </a:t>
+            </a:r>
+            <a:r>
+              <a:rPr lang="en-US" sz="2400" b="1" i="0" u="none" strike="noStrike" cap="none" dirty="0">
+                <a:solidFill>
+                  <a:srgbClr val="FF00FF"/>
+                </a:solidFill>
+                <a:latin typeface="Courier New"/>
+                <a:ea typeface="Courier New"/>
+                <a:cs typeface="Courier New"/>
+                <a:sym typeface="Courier New"/>
+              </a:rPr>
+              <a:t>open</a:t>
+            </a:r>
+            <a:r>
+              <a:rPr lang="en-US" sz="2400" b="1" i="0" u="none" strike="noStrike" cap="none" dirty="0">
+                <a:solidFill>
+                  <a:schemeClr val="lt1"/>
+                </a:solidFill>
+                <a:latin typeface="Courier New"/>
+                <a:ea typeface="Courier New"/>
+                <a:cs typeface="Courier New"/>
+                <a:sym typeface="Courier New"/>
+              </a:rPr>
+              <a:t>('</a:t>
+            </a:r>
+            <a:r>
+              <a:rPr lang="en-US" sz="2400" b="1" i="0" u="none" strike="noStrike" cap="none" dirty="0" err="1">
+                <a:solidFill>
+                  <a:schemeClr val="lt1"/>
+                </a:solidFill>
+                <a:latin typeface="Courier New"/>
+                <a:ea typeface="Courier New"/>
+                <a:cs typeface="Courier New"/>
+                <a:sym typeface="Courier New"/>
+              </a:rPr>
+              <a:t>mbox-short.txt</a:t>
+            </a:r>
+            <a:r>
+              <a:rPr lang="en-US" sz="2400" b="1" i="0" u="none" strike="noStrike" cap="none" dirty="0">
+                <a:solidFill>
+                  <a:schemeClr val="lt1"/>
+                </a:solidFill>
+                <a:latin typeface="Courier New"/>
+                <a:ea typeface="Courier New"/>
+                <a:cs typeface="Courier New"/>
+                <a:sym typeface="Courier New"/>
+              </a:rPr>
+              <a:t>')</a:t>
+            </a:r>
+          </a:p>
+          <a:p>
+            <a:pPr marL="0" marR="0" lvl="0" indent="0" algn="l" rtl="0">
+              <a:lnSpc>
+                <a:spcPct val="100000"/>
+              </a:lnSpc>
+              <a:spcBef>
+                <a:spcPts val="0"/>
+              </a:spcBef>
+              <a:spcAft>
+                <a:spcPts val="0"/>
+              </a:spcAft>
+              <a:buClr>
+                <a:srgbClr val="FFFF00"/>
+              </a:buClr>
+              <a:buSzPct val="25000"/>
+              <a:buFont typeface="Cabin"/>
+              <a:buNone/>
+            </a:pPr>
+            <a:r>
+              <a:rPr lang="en-US" sz="2400" b="1" i="0" u="none" strike="noStrike" cap="none" dirty="0">
+                <a:solidFill>
+                  <a:srgbClr val="FFFF00"/>
+                </a:solidFill>
+                <a:latin typeface="Courier New"/>
+                <a:ea typeface="Courier New"/>
+                <a:cs typeface="Courier New"/>
+                <a:sym typeface="Courier New"/>
+              </a:rPr>
+              <a:t>for</a:t>
+            </a:r>
+            <a:r>
+              <a:rPr lang="en-US" sz="2400" b="1" i="0" u="none" strike="noStrike" cap="none" dirty="0">
+                <a:solidFill>
+                  <a:schemeClr val="lt1"/>
+                </a:solidFill>
+                <a:latin typeface="Courier New"/>
+                <a:ea typeface="Courier New"/>
+                <a:cs typeface="Courier New"/>
+                <a:sym typeface="Courier New"/>
+              </a:rPr>
+              <a:t> </a:t>
+            </a:r>
+            <a:r>
+              <a:rPr lang="en-US" sz="2400" b="1" i="0" u="none" strike="noStrike" cap="none" dirty="0">
+                <a:solidFill>
+                  <a:srgbClr val="00FF00"/>
+                </a:solidFill>
+                <a:latin typeface="Courier New"/>
+                <a:ea typeface="Courier New"/>
+                <a:cs typeface="Courier New"/>
+                <a:sym typeface="Courier New"/>
+              </a:rPr>
+              <a:t>line</a:t>
+            </a:r>
+            <a:r>
+              <a:rPr lang="en-US" sz="2400" b="1" i="0" u="none" strike="noStrike" cap="none" dirty="0">
+                <a:solidFill>
+                  <a:schemeClr val="lt1"/>
+                </a:solidFill>
+                <a:latin typeface="Courier New"/>
+                <a:ea typeface="Courier New"/>
+                <a:cs typeface="Courier New"/>
+                <a:sym typeface="Courier New"/>
+              </a:rPr>
+              <a:t> </a:t>
+            </a:r>
+            <a:r>
+              <a:rPr lang="en-US" sz="2400" b="1" i="0" u="none" strike="noStrike" cap="none" dirty="0">
+                <a:solidFill>
+                  <a:srgbClr val="FFFF00"/>
+                </a:solidFill>
+                <a:latin typeface="Courier New"/>
+                <a:ea typeface="Courier New"/>
+                <a:cs typeface="Courier New"/>
+                <a:sym typeface="Courier New"/>
+              </a:rPr>
+              <a:t>in</a:t>
+            </a:r>
+            <a:r>
+              <a:rPr lang="en-US" sz="2400" b="1" i="0" u="none" strike="noStrike" cap="none" dirty="0">
+                <a:solidFill>
+                  <a:schemeClr val="lt1"/>
+                </a:solidFill>
+                <a:latin typeface="Courier New"/>
+                <a:ea typeface="Courier New"/>
+                <a:cs typeface="Courier New"/>
+                <a:sym typeface="Courier New"/>
+              </a:rPr>
+              <a:t> </a:t>
+            </a:r>
+            <a:r>
+              <a:rPr lang="en-US" sz="2400" b="1" i="0" u="none" strike="noStrike" cap="none" dirty="0" err="1">
+                <a:solidFill>
+                  <a:srgbClr val="00FF00"/>
+                </a:solidFill>
+                <a:latin typeface="Courier New"/>
+                <a:ea typeface="Courier New"/>
+                <a:cs typeface="Courier New"/>
+                <a:sym typeface="Courier New"/>
+              </a:rPr>
+              <a:t>fhand</a:t>
+            </a:r>
+            <a:r>
+              <a:rPr lang="en-US" sz="2400" b="1" i="0" u="none" strike="noStrike" cap="none" dirty="0">
+                <a:solidFill>
+                  <a:schemeClr val="lt1"/>
+                </a:solidFill>
+                <a:latin typeface="Courier New"/>
+                <a:ea typeface="Courier New"/>
+                <a:cs typeface="Courier New"/>
+                <a:sym typeface="Courier New"/>
+              </a:rPr>
+              <a:t>:</a:t>
+            </a:r>
+          </a:p>
+          <a:p>
+            <a:pPr marL="0" marR="0" lvl="0" indent="0" algn="l" rtl="0">
+              <a:lnSpc>
+                <a:spcPct val="100000"/>
+              </a:lnSpc>
+              <a:spcBef>
+                <a:spcPts val="0"/>
+              </a:spcBef>
+              <a:spcAft>
+                <a:spcPts val="0"/>
+              </a:spcAft>
+              <a:buClr>
+                <a:schemeClr val="lt1"/>
+              </a:buClr>
+              <a:buSzPct val="25000"/>
+              <a:buFont typeface="Cabin"/>
+              <a:buNone/>
+            </a:pPr>
+            <a:r>
+              <a:rPr lang="en-US" sz="2400" b="1" i="0" u="none" strike="noStrike" cap="none" dirty="0">
+                <a:solidFill>
+                  <a:schemeClr val="lt1"/>
+                </a:solidFill>
+                <a:latin typeface="Courier New"/>
+                <a:ea typeface="Courier New"/>
+                <a:cs typeface="Courier New"/>
+                <a:sym typeface="Courier New"/>
+              </a:rPr>
+              <a:t>    </a:t>
+            </a:r>
+            <a:r>
+              <a:rPr lang="en-US" sz="2400" b="1" i="0" u="none" strike="noStrike" cap="none" dirty="0">
+                <a:solidFill>
+                  <a:srgbClr val="00FF00"/>
+                </a:solidFill>
+                <a:latin typeface="Courier New"/>
+                <a:ea typeface="Courier New"/>
+                <a:cs typeface="Courier New"/>
+                <a:sym typeface="Courier New"/>
+              </a:rPr>
+              <a:t>line</a:t>
+            </a:r>
+            <a:r>
+              <a:rPr lang="en-US" sz="2400" b="1" i="0" u="none" strike="noStrike" cap="none" dirty="0">
+                <a:solidFill>
+                  <a:schemeClr val="lt1"/>
+                </a:solidFill>
+                <a:latin typeface="Courier New"/>
+                <a:ea typeface="Courier New"/>
+                <a:cs typeface="Courier New"/>
+                <a:sym typeface="Courier New"/>
+              </a:rPr>
+              <a:t> = </a:t>
+            </a:r>
+            <a:r>
+              <a:rPr lang="en-US" sz="2400" b="1" i="0" u="none" strike="noStrike" cap="none" dirty="0" err="1">
+                <a:solidFill>
+                  <a:srgbClr val="00FF00"/>
+                </a:solidFill>
+                <a:latin typeface="Courier New"/>
+                <a:ea typeface="Courier New"/>
+                <a:cs typeface="Courier New"/>
+                <a:sym typeface="Courier New"/>
+              </a:rPr>
+              <a:t>line</a:t>
+            </a:r>
+            <a:r>
+              <a:rPr lang="en-US" sz="2400" b="1" i="0" u="none" strike="noStrike" cap="none" dirty="0" err="1">
+                <a:solidFill>
+                  <a:srgbClr val="FF00FF"/>
+                </a:solidFill>
+                <a:latin typeface="Courier New"/>
+                <a:ea typeface="Courier New"/>
+                <a:cs typeface="Courier New"/>
+                <a:sym typeface="Courier New"/>
+              </a:rPr>
+              <a:t>.rstrip</a:t>
+            </a:r>
+            <a:r>
+              <a:rPr lang="en-US" sz="2400" b="1" i="0" u="none" strike="noStrike" cap="none" dirty="0">
+                <a:solidFill>
+                  <a:schemeClr val="lt1"/>
+                </a:solidFill>
+                <a:latin typeface="Courier New"/>
+                <a:ea typeface="Courier New"/>
+                <a:cs typeface="Courier New"/>
+                <a:sym typeface="Courier New"/>
+              </a:rPr>
+              <a:t>()</a:t>
+            </a:r>
+          </a:p>
+          <a:p>
+            <a:pPr marL="0" marR="0" lvl="0" indent="0" algn="l" rtl="0">
+              <a:lnSpc>
+                <a:spcPct val="100000"/>
+              </a:lnSpc>
+              <a:spcBef>
+                <a:spcPts val="0"/>
+              </a:spcBef>
+              <a:spcAft>
+                <a:spcPts val="0"/>
+              </a:spcAft>
+              <a:buClr>
+                <a:schemeClr val="lt1"/>
+              </a:buClr>
+              <a:buSzPct val="25000"/>
+              <a:buFont typeface="Cabin"/>
+              <a:buNone/>
+            </a:pPr>
+            <a:r>
+              <a:rPr lang="en-US" sz="2400" b="1" i="0" u="none" strike="noStrike" cap="none" dirty="0">
+                <a:solidFill>
+                  <a:schemeClr val="lt1"/>
+                </a:solidFill>
+                <a:latin typeface="Courier New"/>
+                <a:ea typeface="Courier New"/>
+                <a:cs typeface="Courier New"/>
+                <a:sym typeface="Courier New"/>
+              </a:rPr>
+              <a:t>    </a:t>
+            </a:r>
+            <a:r>
+              <a:rPr lang="en-US" sz="2400" b="1" i="0" u="none" strike="noStrike" cap="none" dirty="0">
+                <a:solidFill>
+                  <a:srgbClr val="FFFF00"/>
+                </a:solidFill>
+                <a:latin typeface="Courier New"/>
+                <a:ea typeface="Courier New"/>
+                <a:cs typeface="Courier New"/>
+                <a:sym typeface="Courier New"/>
+              </a:rPr>
+              <a:t>if</a:t>
+            </a:r>
+            <a:r>
+              <a:rPr lang="en-US" sz="2400" b="1" i="0" u="none" strike="noStrike" cap="none" dirty="0">
+                <a:solidFill>
+                  <a:schemeClr val="lt1"/>
+                </a:solidFill>
+                <a:latin typeface="Courier New"/>
+                <a:ea typeface="Courier New"/>
+                <a:cs typeface="Courier New"/>
+                <a:sym typeface="Courier New"/>
+              </a:rPr>
+              <a:t> </a:t>
+            </a:r>
+            <a:r>
+              <a:rPr lang="en-US" sz="2400" b="1" i="0" u="none" strike="noStrike" cap="none" dirty="0">
+                <a:solidFill>
+                  <a:srgbClr val="FFFF00"/>
+                </a:solidFill>
+                <a:latin typeface="Courier New"/>
+                <a:ea typeface="Courier New"/>
+                <a:cs typeface="Courier New"/>
+                <a:sym typeface="Courier New"/>
+              </a:rPr>
+              <a:t>not</a:t>
+            </a:r>
+            <a:r>
+              <a:rPr lang="en-US" sz="2400" b="1" i="0" u="none" strike="noStrike" cap="none" dirty="0">
+                <a:solidFill>
+                  <a:schemeClr val="lt1"/>
+                </a:solidFill>
+                <a:latin typeface="Courier New"/>
+                <a:ea typeface="Courier New"/>
+                <a:cs typeface="Courier New"/>
+                <a:sym typeface="Courier New"/>
+              </a:rPr>
+              <a:t> '</a:t>
+            </a:r>
+            <a:r>
+              <a:rPr lang="en-US" sz="2400" b="1" i="0" u="none" strike="noStrike" cap="none" dirty="0">
+                <a:solidFill>
+                  <a:srgbClr val="00FFFF"/>
+                </a:solidFill>
+                <a:latin typeface="Courier New"/>
+                <a:ea typeface="Courier New"/>
+                <a:cs typeface="Courier New"/>
+                <a:sym typeface="Courier New"/>
+              </a:rPr>
+              <a:t>@</a:t>
+            </a:r>
+            <a:r>
+              <a:rPr lang="en-US" sz="2400" b="1" i="0" u="none" strike="noStrike" cap="none" dirty="0" err="1">
+                <a:solidFill>
+                  <a:srgbClr val="00FFFF"/>
+                </a:solidFill>
+                <a:latin typeface="Courier New"/>
+                <a:ea typeface="Courier New"/>
+                <a:cs typeface="Courier New"/>
+                <a:sym typeface="Courier New"/>
+              </a:rPr>
+              <a:t>uct.ac.za</a:t>
+            </a:r>
+            <a:r>
+              <a:rPr lang="en-US" sz="2400" b="1" i="0" u="none" strike="noStrike" cap="none" dirty="0">
+                <a:solidFill>
+                  <a:schemeClr val="lt1"/>
+                </a:solidFill>
+                <a:latin typeface="Courier New"/>
+                <a:ea typeface="Courier New"/>
+                <a:cs typeface="Courier New"/>
+                <a:sym typeface="Courier New"/>
+              </a:rPr>
+              <a:t>' </a:t>
+            </a:r>
+            <a:r>
+              <a:rPr lang="en-US" sz="2400" b="1" i="0" u="none" strike="noStrike" cap="none" dirty="0">
+                <a:solidFill>
+                  <a:srgbClr val="FFFF00"/>
+                </a:solidFill>
+                <a:latin typeface="Courier New"/>
+                <a:ea typeface="Courier New"/>
+                <a:cs typeface="Courier New"/>
+                <a:sym typeface="Courier New"/>
+              </a:rPr>
+              <a:t>in</a:t>
+            </a:r>
+            <a:r>
+              <a:rPr lang="en-US" sz="2400" b="1" i="0" u="none" strike="noStrike" cap="none" dirty="0">
+                <a:solidFill>
+                  <a:schemeClr val="lt1"/>
+                </a:solidFill>
+                <a:latin typeface="Courier New"/>
+                <a:ea typeface="Courier New"/>
+                <a:cs typeface="Courier New"/>
+                <a:sym typeface="Courier New"/>
+              </a:rPr>
+              <a:t> </a:t>
+            </a:r>
+            <a:r>
+              <a:rPr lang="en-US" sz="2400" b="1" i="0" u="none" strike="noStrike" cap="none" dirty="0">
+                <a:solidFill>
+                  <a:srgbClr val="00FFFF"/>
+                </a:solidFill>
+                <a:latin typeface="Courier New"/>
+                <a:ea typeface="Courier New"/>
+                <a:cs typeface="Courier New"/>
+                <a:sym typeface="Courier New"/>
+              </a:rPr>
+              <a:t>line</a:t>
+            </a:r>
+            <a:r>
+              <a:rPr lang="en-US" sz="2400" b="1" i="0" u="none" strike="noStrike" cap="none" dirty="0">
+                <a:solidFill>
+                  <a:schemeClr val="lt1"/>
+                </a:solidFill>
+                <a:latin typeface="Courier New"/>
+                <a:ea typeface="Courier New"/>
+                <a:cs typeface="Courier New"/>
+                <a:sym typeface="Courier New"/>
+              </a:rPr>
+              <a:t> : </a:t>
+            </a:r>
+          </a:p>
+          <a:p>
+            <a:pPr marL="0" marR="0" lvl="0" indent="0" algn="l" rtl="0">
+              <a:lnSpc>
+                <a:spcPct val="100000"/>
+              </a:lnSpc>
+              <a:spcBef>
+                <a:spcPts val="0"/>
+              </a:spcBef>
+              <a:spcAft>
+                <a:spcPts val="0"/>
+              </a:spcAft>
+              <a:buClr>
+                <a:schemeClr val="lt1"/>
+              </a:buClr>
+              <a:buSzPct val="25000"/>
+              <a:buFont typeface="Cabin"/>
+              <a:buNone/>
+            </a:pPr>
+            <a:r>
+              <a:rPr lang="en-US" sz="2400" b="1" i="0" u="none" strike="noStrike" cap="none" dirty="0">
+                <a:solidFill>
+                  <a:schemeClr val="lt1"/>
+                </a:solidFill>
+                <a:latin typeface="Courier New"/>
+                <a:ea typeface="Courier New"/>
+                <a:cs typeface="Courier New"/>
+                <a:sym typeface="Courier New"/>
+              </a:rPr>
+              <a:t>        </a:t>
+            </a:r>
+            <a:r>
+              <a:rPr lang="en-US" sz="2400" b="1" i="0" u="none" strike="noStrike" cap="none" dirty="0">
+                <a:solidFill>
+                  <a:srgbClr val="FFFF00"/>
+                </a:solidFill>
+                <a:latin typeface="Courier New"/>
+                <a:ea typeface="Courier New"/>
+                <a:cs typeface="Courier New"/>
+                <a:sym typeface="Courier New"/>
+              </a:rPr>
+              <a:t>continue</a:t>
+            </a:r>
+          </a:p>
+          <a:p>
+            <a:pPr lvl="0">
+              <a:buClr>
+                <a:schemeClr val="lt1"/>
+              </a:buClr>
+              <a:buSzPct val="25000"/>
+            </a:pPr>
+            <a:r>
+              <a:rPr lang="en-US" sz="2400" b="1" i="0" u="none" strike="noStrike" cap="none" dirty="0">
+                <a:solidFill>
+                  <a:schemeClr val="lt1"/>
+                </a:solidFill>
+                <a:latin typeface="Courier New"/>
+                <a:ea typeface="Courier New"/>
+                <a:cs typeface="Courier New"/>
+                <a:sym typeface="Courier New"/>
+              </a:rPr>
+              <a:t>    </a:t>
+            </a:r>
+            <a:r>
+              <a:rPr lang="en-US" sz="2400" b="1" i="0" u="none" strike="noStrike" cap="none" dirty="0" smtClean="0">
+                <a:solidFill>
+                  <a:srgbClr val="FFFF00"/>
+                </a:solidFill>
+                <a:latin typeface="Courier New"/>
+                <a:ea typeface="Courier New"/>
+                <a:cs typeface="Courier New"/>
+                <a:sym typeface="Courier New"/>
+              </a:rPr>
+              <a:t>print</a:t>
+            </a:r>
+            <a:r>
+              <a:rPr lang="en-US" sz="2400" b="1" dirty="0">
+                <a:solidFill>
+                  <a:schemeClr val="lt1"/>
+                </a:solidFill>
+                <a:latin typeface="Courier New"/>
+                <a:ea typeface="Courier New"/>
+                <a:cs typeface="Courier New"/>
+                <a:sym typeface="Courier New"/>
+              </a:rPr>
+              <a:t>(</a:t>
+            </a:r>
+            <a:r>
+              <a:rPr lang="en-US" sz="2400" b="1" i="0" u="none" strike="noStrike" cap="none" dirty="0" smtClean="0">
+                <a:solidFill>
+                  <a:srgbClr val="00FF00"/>
+                </a:solidFill>
+                <a:latin typeface="Courier New"/>
+                <a:ea typeface="Courier New"/>
+                <a:cs typeface="Courier New"/>
+                <a:sym typeface="Courier New"/>
+              </a:rPr>
+              <a:t>line</a:t>
+            </a:r>
+            <a:r>
+              <a:rPr lang="en-US" sz="2400" b="1" dirty="0">
+                <a:solidFill>
+                  <a:schemeClr val="lt1"/>
+                </a:solidFill>
+                <a:latin typeface="Courier New"/>
+                <a:ea typeface="Courier New"/>
+                <a:cs typeface="Courier New"/>
+                <a:sym typeface="Courier New"/>
+              </a:rPr>
+              <a:t>)</a:t>
+            </a:r>
+            <a:endParaRPr lang="en-US" sz="2400" b="1" i="0" u="none" strike="noStrike" cap="none" dirty="0">
+              <a:solidFill>
+                <a:srgbClr val="00FF00"/>
+              </a:solidFill>
+              <a:latin typeface="Courier New"/>
+              <a:ea typeface="Courier New"/>
+              <a:cs typeface="Courier New"/>
+              <a:sym typeface="Courier New"/>
+            </a:endParaRPr>
+          </a:p>
+        </p:txBody>
+      </p:sp>
+      <p:sp>
+        <p:nvSpPr>
+          <p:cNvPr id="349" name="Shape 349"/>
+          <p:cNvSpPr txBox="1"/>
+          <p:nvPr/>
+        </p:nvSpPr>
+        <p:spPr>
+          <a:xfrm>
+            <a:off x="1412675" y="5606277"/>
+            <a:ext cx="13932000" cy="2414438"/>
+          </a:xfrm>
+          <a:prstGeom prst="rect">
+            <a:avLst/>
+          </a:prstGeom>
+          <a:noFill/>
+          <a:ln>
+            <a:noFill/>
+          </a:ln>
+        </p:spPr>
+        <p:txBody>
+          <a:bodyPr lIns="0" tIns="0" rIns="0" bIns="0" anchor="ctr" anchorCtr="0">
+            <a:noAutofit/>
+          </a:bodyPr>
+          <a:lstStyle/>
+          <a:p>
+            <a:pPr marL="0" marR="0" lvl="0" indent="0" algn="l" rtl="0">
+              <a:lnSpc>
+                <a:spcPct val="100000"/>
+              </a:lnSpc>
+              <a:spcBef>
+                <a:spcPts val="0"/>
+              </a:spcBef>
+              <a:spcAft>
+                <a:spcPts val="0"/>
+              </a:spcAft>
+              <a:buClr>
+                <a:srgbClr val="FF00FF"/>
+              </a:buClr>
+              <a:buSzPct val="25000"/>
+              <a:buFont typeface="Cabin"/>
+              <a:buNone/>
+            </a:pPr>
+            <a:r>
+              <a:rPr lang="en-US" sz="2400" b="1" i="0" u="none" strike="noStrike" cap="none" dirty="0">
+                <a:solidFill>
+                  <a:srgbClr val="FF00FF"/>
+                </a:solidFill>
+                <a:latin typeface="Courier New"/>
+                <a:ea typeface="Courier New"/>
+                <a:cs typeface="Courier New"/>
+                <a:sym typeface="Courier New"/>
+              </a:rPr>
+              <a:t>From </a:t>
+            </a:r>
+            <a:r>
+              <a:rPr lang="en-US" sz="2400" b="1" i="0" u="none" strike="noStrike" cap="none" dirty="0" err="1">
+                <a:solidFill>
+                  <a:srgbClr val="FF00FF"/>
+                </a:solidFill>
+                <a:latin typeface="Courier New"/>
+                <a:ea typeface="Courier New"/>
+                <a:cs typeface="Courier New"/>
+                <a:sym typeface="Courier New"/>
+              </a:rPr>
+              <a:t>stephen.marquard@</a:t>
+            </a:r>
+            <a:r>
+              <a:rPr lang="en-US" sz="2400" b="1" i="0" u="none" strike="noStrike" cap="none" dirty="0" err="1">
+                <a:solidFill>
+                  <a:srgbClr val="00FFFF"/>
+                </a:solidFill>
+                <a:latin typeface="Courier New"/>
+                <a:ea typeface="Courier New"/>
+                <a:cs typeface="Courier New"/>
+                <a:sym typeface="Courier New"/>
+              </a:rPr>
+              <a:t>uct.ac.za</a:t>
+            </a:r>
+            <a:r>
+              <a:rPr lang="en-US" sz="2400" b="1" i="0" u="none" strike="noStrike" cap="none" dirty="0">
+                <a:solidFill>
+                  <a:srgbClr val="FF00FF"/>
+                </a:solidFill>
+                <a:latin typeface="Courier New"/>
+                <a:ea typeface="Courier New"/>
+                <a:cs typeface="Courier New"/>
+                <a:sym typeface="Courier New"/>
+              </a:rPr>
+              <a:t> Sat Jan  5 09:14:16 2008</a:t>
+            </a:r>
+          </a:p>
+          <a:p>
+            <a:pPr marL="0" marR="0" lvl="0" indent="0" algn="l" rtl="0">
+              <a:lnSpc>
+                <a:spcPct val="100000"/>
+              </a:lnSpc>
+              <a:spcBef>
+                <a:spcPts val="0"/>
+              </a:spcBef>
+              <a:spcAft>
+                <a:spcPts val="0"/>
+              </a:spcAft>
+              <a:buClr>
+                <a:srgbClr val="FF00FF"/>
+              </a:buClr>
+              <a:buSzPct val="25000"/>
+              <a:buFont typeface="Cabin"/>
+              <a:buNone/>
+            </a:pPr>
+            <a:r>
+              <a:rPr lang="en-US" sz="2400" b="1" i="0" u="none" strike="noStrike" cap="none" dirty="0">
+                <a:solidFill>
+                  <a:srgbClr val="FF00FF"/>
+                </a:solidFill>
+                <a:latin typeface="Courier New"/>
+                <a:ea typeface="Courier New"/>
+                <a:cs typeface="Courier New"/>
+                <a:sym typeface="Courier New"/>
+              </a:rPr>
+              <a:t>X-Authentication-Warning: set sender to </a:t>
+            </a:r>
+            <a:r>
+              <a:rPr lang="en-US" sz="2400" b="1" i="0" u="none" strike="noStrike" cap="none" dirty="0" err="1">
+                <a:solidFill>
+                  <a:srgbClr val="FF00FF"/>
+                </a:solidFill>
+                <a:latin typeface="Courier New"/>
+                <a:ea typeface="Courier New"/>
+                <a:cs typeface="Courier New"/>
+                <a:sym typeface="Courier New"/>
+              </a:rPr>
+              <a:t>stephen.marquard@</a:t>
+            </a:r>
+            <a:r>
+              <a:rPr lang="en-US" sz="2400" b="1" i="0" u="none" strike="noStrike" cap="none" dirty="0" err="1">
+                <a:solidFill>
+                  <a:srgbClr val="00FFFF"/>
+                </a:solidFill>
+                <a:latin typeface="Courier New"/>
+                <a:ea typeface="Courier New"/>
+                <a:cs typeface="Courier New"/>
+                <a:sym typeface="Courier New"/>
+              </a:rPr>
+              <a:t>uct.ac.za</a:t>
+            </a:r>
+            <a:r>
+              <a:rPr lang="en-US" sz="2400" b="1" i="0" u="none" strike="noStrike" cap="none" dirty="0">
+                <a:solidFill>
+                  <a:srgbClr val="FF00FF"/>
+                </a:solidFill>
+                <a:latin typeface="Courier New"/>
+                <a:ea typeface="Courier New"/>
+                <a:cs typeface="Courier New"/>
+                <a:sym typeface="Courier New"/>
+              </a:rPr>
+              <a:t> using –f</a:t>
+            </a:r>
+          </a:p>
+          <a:p>
+            <a:pPr marL="0" marR="0" lvl="0" indent="0" algn="l" rtl="0">
+              <a:lnSpc>
+                <a:spcPct val="100000"/>
+              </a:lnSpc>
+              <a:spcBef>
+                <a:spcPts val="0"/>
+              </a:spcBef>
+              <a:spcAft>
+                <a:spcPts val="0"/>
+              </a:spcAft>
+              <a:buClr>
+                <a:srgbClr val="FF00FF"/>
+              </a:buClr>
+              <a:buSzPct val="25000"/>
+              <a:buFont typeface="Cabin"/>
+              <a:buNone/>
+            </a:pPr>
+            <a:r>
+              <a:rPr lang="en-US" sz="2400" b="1" i="0" u="none" strike="noStrike" cap="none" dirty="0">
+                <a:solidFill>
+                  <a:srgbClr val="FF00FF"/>
+                </a:solidFill>
+                <a:latin typeface="Courier New"/>
+                <a:ea typeface="Courier New"/>
+                <a:cs typeface="Courier New"/>
+                <a:sym typeface="Courier New"/>
+              </a:rPr>
+              <a:t>From: </a:t>
+            </a:r>
+            <a:r>
+              <a:rPr lang="en-US" sz="2400" b="1" i="0" u="sng" strike="noStrike" cap="none" dirty="0">
+                <a:solidFill>
+                  <a:schemeClr val="hlink"/>
+                </a:solidFill>
+                <a:latin typeface="Courier New"/>
+                <a:ea typeface="Courier New"/>
+                <a:cs typeface="Courier New"/>
+                <a:sym typeface="Courier New"/>
+                <a:hlinkClick r:id="rId3"/>
+              </a:rPr>
+              <a:t>stephen.marquard@uct.ac.za</a:t>
+            </a:r>
+          </a:p>
+          <a:p>
+            <a:pPr marL="0" marR="0" lvl="0" indent="0" algn="l" rtl="0">
+              <a:lnSpc>
+                <a:spcPct val="100000"/>
+              </a:lnSpc>
+              <a:spcBef>
+                <a:spcPts val="0"/>
+              </a:spcBef>
+              <a:spcAft>
+                <a:spcPts val="0"/>
+              </a:spcAft>
+              <a:buClr>
+                <a:srgbClr val="FF00FF"/>
+              </a:buClr>
+              <a:buSzPct val="25000"/>
+              <a:buFont typeface="Cabin"/>
+              <a:buNone/>
+            </a:pPr>
+            <a:r>
+              <a:rPr lang="en-US" sz="2400" b="1" i="0" u="none" strike="noStrike" cap="none" dirty="0">
+                <a:solidFill>
+                  <a:srgbClr val="FF00FF"/>
+                </a:solidFill>
+                <a:latin typeface="Courier New"/>
+                <a:ea typeface="Courier New"/>
+                <a:cs typeface="Courier New"/>
+                <a:sym typeface="Courier New"/>
+              </a:rPr>
+              <a:t>Author: </a:t>
+            </a:r>
+            <a:r>
+              <a:rPr lang="en-US" sz="2400" b="1" i="0" u="sng" strike="noStrike" cap="none" dirty="0">
+                <a:solidFill>
+                  <a:schemeClr val="hlink"/>
+                </a:solidFill>
+                <a:latin typeface="Courier New"/>
+                <a:ea typeface="Courier New"/>
+                <a:cs typeface="Courier New"/>
+                <a:sym typeface="Courier New"/>
+                <a:hlinkClick r:id="rId3"/>
+              </a:rPr>
+              <a:t>stephen.marquard@uct.ac.za</a:t>
+            </a:r>
+          </a:p>
+          <a:p>
+            <a:pPr marL="0" marR="0" lvl="0" indent="0" algn="l" rtl="0">
+              <a:lnSpc>
+                <a:spcPct val="100000"/>
+              </a:lnSpc>
+              <a:spcBef>
+                <a:spcPts val="0"/>
+              </a:spcBef>
+              <a:spcAft>
+                <a:spcPts val="0"/>
+              </a:spcAft>
+              <a:buClr>
+                <a:srgbClr val="FF00FF"/>
+              </a:buClr>
+              <a:buSzPct val="25000"/>
+              <a:buFont typeface="Cabin"/>
+              <a:buNone/>
+            </a:pPr>
+            <a:r>
+              <a:rPr lang="en-US" sz="2400" b="1" i="0" u="none" strike="noStrike" cap="none" dirty="0">
+                <a:solidFill>
+                  <a:srgbClr val="FF00FF"/>
+                </a:solidFill>
+                <a:latin typeface="Courier New"/>
+                <a:ea typeface="Courier New"/>
+                <a:cs typeface="Courier New"/>
+                <a:sym typeface="Courier New"/>
+              </a:rPr>
+              <a:t>From </a:t>
+            </a:r>
+            <a:r>
+              <a:rPr lang="en-US" sz="2400" b="1" i="0" u="none" strike="noStrike" cap="none" dirty="0" err="1">
+                <a:solidFill>
+                  <a:srgbClr val="FF00FF"/>
+                </a:solidFill>
+                <a:latin typeface="Courier New"/>
+                <a:ea typeface="Courier New"/>
+                <a:cs typeface="Courier New"/>
+                <a:sym typeface="Courier New"/>
+              </a:rPr>
+              <a:t>david.horwitz@</a:t>
+            </a:r>
+            <a:r>
+              <a:rPr lang="en-US" sz="2400" b="1" i="0" u="none" strike="noStrike" cap="none" dirty="0" err="1">
+                <a:solidFill>
+                  <a:srgbClr val="00FFFF"/>
+                </a:solidFill>
+                <a:latin typeface="Courier New"/>
+                <a:ea typeface="Courier New"/>
+                <a:cs typeface="Courier New"/>
+                <a:sym typeface="Courier New"/>
+              </a:rPr>
+              <a:t>uct.ac.za</a:t>
+            </a:r>
+            <a:r>
+              <a:rPr lang="en-US" sz="2400" b="1" i="0" u="none" strike="noStrike" cap="none" dirty="0">
+                <a:solidFill>
+                  <a:srgbClr val="FF00FF"/>
+                </a:solidFill>
+                <a:latin typeface="Courier New"/>
+                <a:ea typeface="Courier New"/>
+                <a:cs typeface="Courier New"/>
+                <a:sym typeface="Courier New"/>
+              </a:rPr>
+              <a:t> Fri Jan  4 07:02:32 2008</a:t>
+            </a:r>
+          </a:p>
+          <a:p>
+            <a:pPr marL="0" marR="0" lvl="0" indent="0" algn="l" rtl="0">
+              <a:lnSpc>
+                <a:spcPct val="100000"/>
+              </a:lnSpc>
+              <a:spcBef>
+                <a:spcPts val="0"/>
+              </a:spcBef>
+              <a:spcAft>
+                <a:spcPts val="0"/>
+              </a:spcAft>
+              <a:buClr>
+                <a:srgbClr val="FF00FF"/>
+              </a:buClr>
+              <a:buSzPct val="25000"/>
+              <a:buFont typeface="Cabin"/>
+              <a:buNone/>
+            </a:pPr>
+            <a:r>
+              <a:rPr lang="en-US" sz="2400" b="1" i="0" u="none" strike="noStrike" cap="none" dirty="0">
+                <a:solidFill>
+                  <a:srgbClr val="FF00FF"/>
+                </a:solidFill>
+                <a:latin typeface="Courier New"/>
+                <a:ea typeface="Courier New"/>
+                <a:cs typeface="Courier New"/>
+                <a:sym typeface="Courier New"/>
+              </a:rPr>
+              <a:t>X-Authentication-Warning: set sender to </a:t>
+            </a:r>
+            <a:r>
+              <a:rPr lang="en-US" sz="2400" b="1" i="0" u="none" strike="noStrike" cap="none" dirty="0" err="1">
+                <a:solidFill>
+                  <a:srgbClr val="FF00FF"/>
+                </a:solidFill>
+                <a:latin typeface="Courier New"/>
+                <a:ea typeface="Courier New"/>
+                <a:cs typeface="Courier New"/>
+                <a:sym typeface="Courier New"/>
+              </a:rPr>
+              <a:t>david.horwitz@</a:t>
+            </a:r>
+            <a:r>
+              <a:rPr lang="en-US" sz="2400" b="1" i="0" u="none" strike="noStrike" cap="none" dirty="0" err="1">
+                <a:solidFill>
+                  <a:srgbClr val="00FFFF"/>
+                </a:solidFill>
+                <a:latin typeface="Courier New"/>
+                <a:ea typeface="Courier New"/>
+                <a:cs typeface="Courier New"/>
+                <a:sym typeface="Courier New"/>
+              </a:rPr>
+              <a:t>uct.ac.za</a:t>
+            </a:r>
+            <a:r>
+              <a:rPr lang="en-US" sz="2400" b="1" i="0" u="none" strike="noStrike" cap="none" dirty="0">
+                <a:solidFill>
+                  <a:srgbClr val="FF00FF"/>
+                </a:solidFill>
+                <a:latin typeface="Courier New"/>
+                <a:ea typeface="Courier New"/>
+                <a:cs typeface="Courier New"/>
+                <a:sym typeface="Courier New"/>
+              </a:rPr>
+              <a:t> using -f...</a:t>
+            </a:r>
+          </a:p>
+        </p:txBody>
+      </p:sp>
+      <p:cxnSp>
+        <p:nvCxnSpPr>
+          <p:cNvPr id="350" name="Shape 350"/>
+          <p:cNvCxnSpPr/>
+          <p:nvPr/>
+        </p:nvCxnSpPr>
+        <p:spPr>
+          <a:xfrm>
+            <a:off x="11754661" y="4500618"/>
+            <a:ext cx="1575299" cy="889499"/>
+          </a:xfrm>
+          <a:prstGeom prst="straightConnector1">
+            <a:avLst/>
+          </a:prstGeom>
+          <a:noFill/>
+          <a:ln w="38100" cap="rnd" cmpd="sng">
+            <a:solidFill>
+              <a:srgbClr val="FFFF00"/>
+            </a:solidFill>
+            <a:prstDash val="solid"/>
+            <a:miter/>
+            <a:headEnd type="stealth" w="med" len="med"/>
+            <a:tailEnd type="none" w="med" len="med"/>
+          </a:ln>
+        </p:spPr>
+      </p:cxnSp>
+    </p:spTree>
+  </p:cSld>
+  <p:clrMapOvr>
+    <a:masterClrMapping/>
+  </p:clrMapOvr>
+</p:sld>
+</file>
+
+<file path=ppt/slides/slide21.xml><?xml version="1.0" encoding="utf-8"?>
+<p:sld xmlns:a="http://schemas.openxmlformats.org/drawingml/2006/main" xmlns:r="http://schemas.openxmlformats.org/officeDocument/2006/relationships" xmlns:p="http://schemas.openxmlformats.org/presentationml/2006/main">
+  <p:cSld>
+    <p:spTree>
+      <p:nvGrpSpPr>
         <p:cNvPr id="1" name="Shape 354"/>
         <p:cNvGrpSpPr/>
         <p:nvPr/>
@@ -15083,7 +15156,7 @@
 </p:sld>
 </file>
 
-<file path=ppt/slides/slide21.xml><?xml version="1.0" encoding="utf-8"?>
+<file path=ppt/slides/slide22.xml><?xml version="1.0" encoding="utf-8"?>
 <p:sld xmlns:a="http://schemas.openxmlformats.org/drawingml/2006/main" xmlns:r="http://schemas.openxmlformats.org/officeDocument/2006/relationships" xmlns:p="http://schemas.openxmlformats.org/presentationml/2006/main">
   <p:cSld>
     <p:spTree>
@@ -16473,7 +16546,7 @@
 </p:sld>
 </file>
 
-<file path=ppt/slides/slide22.xml><?xml version="1.0" encoding="utf-8"?>
+<file path=ppt/slides/slide23.xml><?xml version="1.0" encoding="utf-8"?>
 <p:sld xmlns:a="http://schemas.openxmlformats.org/drawingml/2006/main" xmlns:r="http://schemas.openxmlformats.org/officeDocument/2006/relationships" xmlns:p="http://schemas.openxmlformats.org/presentationml/2006/main">
   <p:cSld>
     <p:spTree>
@@ -16899,7 +16972,7 @@
 </p:sld>
 </file>
 
-<file path=ppt/slides/slide23.xml><?xml version="1.0" encoding="utf-8"?>
+<file path=ppt/slides/slide24.xml><?xml version="1.0" encoding="utf-8"?>
 <p:sld xmlns:a="http://schemas.openxmlformats.org/drawingml/2006/main" xmlns:r="http://schemas.openxmlformats.org/officeDocument/2006/relationships" xmlns:p="http://schemas.openxmlformats.org/presentationml/2006/main">
   <p:cSld>
     <p:spTree>

--- a/lectures3/Pythonlearn-07-Files.pptx
+++ b/lectures3/Pythonlearn-07-Files.pptx
@@ -239,7 +239,7 @@
   </p:defaultTextStyle>
   <p:extLst>
     <p:ext uri="{EFAFB233-063F-42B5-8137-9DF3F51BA10A}">
-      <p15:sldGuideLst xmlns="" xmlns:p15="http://schemas.microsoft.com/office/powerpoint/2012/main">
+      <p15:sldGuideLst xmlns:p15="http://schemas.microsoft.com/office/powerpoint/2012/main" xmlns="">
         <p15:guide id="1" orient="horz" pos="2880">
           <p15:clr>
             <a:srgbClr val="A4A3A4"/>
@@ -4862,7 +4862,7 @@
             <a:r>
               <a:rPr lang="en-US" sz="7600" u="none" strike="noStrike" cap="none">
                 <a:solidFill>
-                  <a:srgbClr val="FFFF00"/>
+                  <a:srgbClr val="FFD966"/>
                 </a:solidFill>
                 <a:latin typeface="Arial" charset="0"/>
                 <a:ea typeface="Arial" charset="0"/>
@@ -5175,7 +5175,7 @@
             <a:r>
               <a:rPr lang="en-US" sz="7600" u="none" strike="noStrike" cap="none">
                 <a:solidFill>
-                  <a:srgbClr val="FFFF00"/>
+                  <a:srgbClr val="FFD966"/>
                 </a:solidFill>
                 <a:latin typeface="Arial" charset="0"/>
                 <a:ea typeface="Arial" charset="0"/>
@@ -5910,10 +5910,18 @@
           <a:lstStyle/>
           <a:p>
             <a:r>
-              <a:rPr lang="en-US" dirty="0" smtClean="0"/>
+              <a:rPr lang="en-US" dirty="0" smtClean="0">
+                <a:solidFill>
+                  <a:srgbClr val="FFD966"/>
+                </a:solidFill>
+              </a:rPr>
               <a:t>Reading Files in Python</a:t>
             </a:r>
-            <a:endParaRPr lang="en-US" dirty="0"/>
+            <a:endParaRPr lang="en-US" dirty="0">
+              <a:solidFill>
+                <a:srgbClr val="FFD966"/>
+              </a:solidFill>
+            </a:endParaRPr>
           </a:p>
         </p:txBody>
       </p:sp>
@@ -5992,7 +6000,7 @@
             <a:r>
               <a:rPr lang="en-US" sz="7600" u="none" strike="noStrike" cap="none">
                 <a:solidFill>
-                  <a:srgbClr val="FFFF00"/>
+                  <a:srgbClr val="FFD966"/>
                 </a:solidFill>
                 <a:latin typeface="Arial" charset="0"/>
                 <a:ea typeface="Arial" charset="0"/>
@@ -6625,7 +6633,7 @@
             <a:r>
               <a:rPr lang="en-US" sz="7600" u="none" strike="noStrike" cap="none">
                 <a:solidFill>
-                  <a:srgbClr val="FFFF00"/>
+                  <a:srgbClr val="FFD966"/>
                 </a:solidFill>
                 <a:latin typeface="Arial" charset="0"/>
                 <a:ea typeface="Arial" charset="0"/>
@@ -7485,7 +7493,7 @@
             <a:r>
               <a:rPr lang="en-US" sz="7600" u="none" strike="noStrike" cap="none">
                 <a:solidFill>
-                  <a:srgbClr val="FFFF00"/>
+                  <a:srgbClr val="FFD966"/>
                 </a:solidFill>
                 <a:latin typeface="Arial" charset="0"/>
                 <a:ea typeface="Arial" charset="0"/>
@@ -8190,7 +8198,7 @@
             <a:r>
               <a:rPr lang="en-US" sz="7600" u="none" strike="noStrike" cap="none">
                 <a:solidFill>
-                  <a:srgbClr val="FFFF00"/>
+                  <a:srgbClr val="FFD966"/>
                 </a:solidFill>
                 <a:latin typeface="Arial" charset="0"/>
                 <a:ea typeface="Arial" charset="0"/>
@@ -8769,6 +8777,10 @@
           </p:nvPr>
         </p:nvSpPr>
         <p:spPr>
+          <a:xfrm>
+            <a:off x="1155700" y="789708"/>
+            <a:ext cx="13247638" cy="1750191"/>
+          </a:xfrm>
           <a:prstGeom prst="rect">
             <a:avLst/>
           </a:prstGeom>
@@ -8803,7 +8815,7 @@
             <a:r>
               <a:rPr lang="en-US" sz="7600" u="none" strike="noStrike" cap="none">
                 <a:solidFill>
-                  <a:srgbClr val="FFFF00"/>
+                  <a:srgbClr val="FFD966"/>
                 </a:solidFill>
                 <a:latin typeface="Arial" charset="0"/>
                 <a:ea typeface="Arial" charset="0"/>
@@ -9233,63 +9245,6 @@
       </p:grpSpPr>
       <p:sp>
         <p:nvSpPr>
-          <p:cNvPr id="322" name="Shape 322"/>
-          <p:cNvSpPr txBox="1">
-            <a:spLocks noGrp="1"/>
-          </p:cNvSpPr>
-          <p:nvPr>
-            <p:ph type="title"/>
-          </p:nvPr>
-        </p:nvSpPr>
-        <p:spPr>
-          <a:prstGeom prst="rect">
-            <a:avLst/>
-          </a:prstGeom>
-          <a:noFill/>
-          <a:ln>
-            <a:noFill/>
-          </a:ln>
-        </p:spPr>
-        <p:txBody>
-          <a:bodyPr lIns="38100" tIns="38100" rIns="38100" bIns="38100" anchor="ctr" anchorCtr="0">
-            <a:noAutofit/>
-          </a:bodyPr>
-          <a:lstStyle/>
-          <a:p>
-            <a:pPr marL="0" marR="0" lvl="0" indent="0" algn="ctr" rtl="0">
-              <a:lnSpc>
-                <a:spcPct val="100000"/>
-              </a:lnSpc>
-              <a:spcBef>
-                <a:spcPts val="0"/>
-              </a:spcBef>
-              <a:spcAft>
-                <a:spcPts val="0"/>
-              </a:spcAft>
-              <a:buClr>
-                <a:schemeClr val="lt1"/>
-              </a:buClr>
-              <a:buSzPct val="25000"/>
-              <a:buFont typeface="Cabin"/>
-              <a:buNone/>
-            </a:pPr>
-            <a:r>
-              <a:rPr lang="en-US" sz="7600" u="none" strike="noStrike" cap="none">
-                <a:solidFill>
-                  <a:srgbClr val="FFFF00"/>
-                </a:solidFill>
-                <a:latin typeface="Arial" charset="0"/>
-                <a:ea typeface="Arial" charset="0"/>
-                <a:cs typeface="Arial" charset="0"/>
-                <a:sym typeface="Cabin"/>
-              </a:rPr>
-              <a:t>OOPS!</a:t>
-            </a:r>
-          </a:p>
-        </p:txBody>
-      </p:sp>
-      <p:sp>
-        <p:nvSpPr>
           <p:cNvPr id="325" name="Shape 325"/>
           <p:cNvSpPr txBox="1">
             <a:spLocks noGrp="1"/>
@@ -9917,6 +9872,67 @@
                 <a:sym typeface="Courier New"/>
               </a:rPr>
               <a:t>...</a:t>
+            </a:r>
+          </a:p>
+        </p:txBody>
+      </p:sp>
+      <p:sp>
+        <p:nvSpPr>
+          <p:cNvPr id="7" name="Shape 315"/>
+          <p:cNvSpPr txBox="1">
+            <a:spLocks noGrp="1"/>
+          </p:cNvSpPr>
+          <p:nvPr>
+            <p:ph type="title"/>
+          </p:nvPr>
+        </p:nvSpPr>
+        <p:spPr>
+          <a:xfrm>
+            <a:off x="1155700" y="789708"/>
+            <a:ext cx="13247638" cy="1750191"/>
+          </a:xfrm>
+          <a:prstGeom prst="rect">
+            <a:avLst/>
+          </a:prstGeom>
+          <a:noFill/>
+          <a:ln>
+            <a:noFill/>
+          </a:ln>
+        </p:spPr>
+        <p:txBody>
+          <a:bodyPr lIns="38100" tIns="38100" rIns="38100" bIns="38100" anchor="ctr" anchorCtr="0">
+            <a:noAutofit/>
+          </a:bodyPr>
+          <a:lstStyle/>
+          <a:p>
+            <a:pPr marL="0" marR="0" lvl="0" indent="0" algn="ctr" rtl="0">
+              <a:lnSpc>
+                <a:spcPct val="100000"/>
+              </a:lnSpc>
+              <a:spcBef>
+                <a:spcPts val="0"/>
+              </a:spcBef>
+              <a:spcAft>
+                <a:spcPts val="0"/>
+              </a:spcAft>
+              <a:buClr>
+                <a:schemeClr val="lt1"/>
+              </a:buClr>
+              <a:buSzPct val="25000"/>
+              <a:buFont typeface="Cabin"/>
+              <a:buNone/>
+            </a:pPr>
+            <a:r>
+              <a:rPr lang="en-US" sz="7600" u="none" strike="noStrike" cap="none">
+                <a:solidFill>
+                  <a:srgbClr val="FFD966"/>
+                </a:solidFill>
+                <a:latin typeface="Arial" charset="0"/>
+                <a:ea typeface="Arial" charset="0"/>
+                <a:cs typeface="Arial" charset="0"/>
+                <a:sym typeface="Cabin"/>
+              </a:rPr>
+              <a:t>OOPS!</a:t>
             </a:r>
           </a:p>
         </p:txBody>
@@ -9991,7 +10007,7 @@
             <a:r>
               <a:rPr lang="en-US" sz="7600" u="none" strike="noStrike" cap="none">
                 <a:solidFill>
-                  <a:srgbClr val="FFFF00"/>
+                  <a:srgbClr val="FFD966"/>
                 </a:solidFill>
                 <a:latin typeface="Arial" charset="0"/>
                 <a:ea typeface="Arial" charset="0"/>
@@ -11044,14 +11060,26 @@
             <a:r>
               <a:rPr lang="en-US" sz="7600" u="none" strike="noStrike" cap="none">
                 <a:solidFill>
-                  <a:srgbClr val="FFFF00"/>
+                  <a:srgbClr val="FFD966"/>
                 </a:solidFill>
                 <a:latin typeface="Arial" charset="0"/>
                 <a:ea typeface="Arial" charset="0"/>
                 <a:cs typeface="Arial" charset="0"/>
                 <a:sym typeface="Cabin"/>
               </a:rPr>
-              <a:t>Skipping with Continue</a:t>
+              <a:t>Skipping with </a:t>
+            </a:r>
+            <a:r>
+              <a:rPr lang="en-US" sz="7600" u="none" strike="noStrike" cap="none">
+                <a:solidFill>
+                  <a:srgbClr val="FFFF00"/>
+                </a:solidFill>
+                <a:latin typeface="Arial" charset="0"/>
+                <a:ea typeface="Arial" charset="0"/>
+                <a:cs typeface="Arial" charset="0"/>
+                <a:sym typeface="Cabin"/>
+              </a:rPr>
+              <a:t>continue</a:t>
             </a:r>
           </a:p>
         </p:txBody>
@@ -12928,38 +12956,62 @@
             <a:r>
               <a:rPr lang="en-US" sz="7600" u="none" strike="noStrike" cap="none" dirty="0">
                 <a:solidFill>
-                  <a:schemeClr val="lt1"/>
+                  <a:srgbClr val="FFD966"/>
                 </a:solidFill>
                 <a:latin typeface="Arial" charset="0"/>
                 <a:ea typeface="Arial" charset="0"/>
                 <a:cs typeface="Arial" charset="0"/>
                 <a:sym typeface="Cabin"/>
               </a:rPr>
-              <a:t>Using </a:t>
+              <a:t>Using</a:t>
             </a:r>
             <a:r>
               <a:rPr lang="en-US" sz="7600" u="none" strike="noStrike" cap="none" dirty="0">
                 <a:solidFill>
-                  <a:srgbClr val="FFFF00"/>
+                  <a:schemeClr val="lt1"/>
                 </a:solidFill>
                 <a:latin typeface="Arial" charset="0"/>
                 <a:ea typeface="Arial" charset="0"/>
                 <a:cs typeface="Arial" charset="0"/>
                 <a:sym typeface="Cabin"/>
               </a:rPr>
-              <a:t>in</a:t>
+              <a:t> </a:t>
             </a:r>
             <a:r>
               <a:rPr lang="en-US" sz="7600" u="none" strike="noStrike" cap="none" dirty="0">
                 <a:solidFill>
-                  <a:schemeClr val="lt1"/>
+                  <a:srgbClr val="FFFF00"/>
                 </a:solidFill>
                 <a:latin typeface="Arial" charset="0"/>
                 <a:ea typeface="Arial" charset="0"/>
                 <a:cs typeface="Arial" charset="0"/>
                 <a:sym typeface="Cabin"/>
               </a:rPr>
-              <a:t> to Select </a:t>
+              <a:t>in</a:t>
+            </a:r>
+            <a:r>
+              <a:rPr lang="en-US" sz="7600" u="none" strike="noStrike" cap="none" dirty="0">
+                <a:solidFill>
+                  <a:schemeClr val="lt1"/>
+                </a:solidFill>
+                <a:latin typeface="Arial" charset="0"/>
+                <a:ea typeface="Arial" charset="0"/>
+                <a:cs typeface="Arial" charset="0"/>
+                <a:sym typeface="Cabin"/>
+              </a:rPr>
+              <a:t> </a:t>
+            </a:r>
+            <a:r>
+              <a:rPr lang="en-US" sz="7600" u="none" strike="noStrike" cap="none" dirty="0">
+                <a:solidFill>
+                  <a:srgbClr val="FFD966"/>
+                </a:solidFill>
+                <a:latin typeface="Arial" charset="0"/>
+                <a:ea typeface="Arial" charset="0"/>
+                <a:cs typeface="Arial" charset="0"/>
+                <a:sym typeface="Cabin"/>
+              </a:rPr>
+              <a:t>to Select </a:t>
             </a:r>
             <a:r>
               <a:rPr lang="en-US" sz="7600" u="none" strike="noStrike" cap="none" dirty="0">
@@ -14172,7 +14224,7 @@
             <a:r>
               <a:rPr lang="en-US" sz="7600" u="none" strike="noStrike" cap="none">
                 <a:solidFill>
-                  <a:srgbClr val="FFFF00"/>
+                  <a:srgbClr val="FFD966"/>
                 </a:solidFill>
                 <a:latin typeface="Arial" charset="0"/>
                 <a:ea typeface="Arial" charset="0"/>
@@ -15215,7 +15267,7 @@
             <a:r>
               <a:rPr lang="en-US" sz="7600" u="none" strike="noStrike" cap="none">
                 <a:solidFill>
-                  <a:srgbClr val="FFFF00"/>
+                  <a:srgbClr val="FFD966"/>
                 </a:solidFill>
                 <a:latin typeface="Arial" charset="0"/>
                 <a:ea typeface="Arial" charset="0"/>
@@ -16567,6 +16619,10 @@
           </p:nvPr>
         </p:nvSpPr>
         <p:spPr>
+          <a:xfrm>
+            <a:off x="1155700" y="789708"/>
+            <a:ext cx="13642975" cy="1750191"/>
+          </a:xfrm>
           <a:prstGeom prst="rect">
             <a:avLst/>
           </a:prstGeom>
@@ -16601,7 +16657,7 @@
             <a:r>
               <a:rPr lang="en-US" sz="7600" u="none" strike="noStrike" cap="none">
                 <a:solidFill>
-                  <a:srgbClr val="FFFF00"/>
+                  <a:srgbClr val="FFD966"/>
                 </a:solidFill>
                 <a:latin typeface="Arial" charset="0"/>
                 <a:ea typeface="Arial" charset="0"/>
@@ -17336,7 +17392,7 @@
             <a:r>
               <a:rPr lang="en-US" sz="7600" u="none" strike="noStrike" cap="none" dirty="0">
                 <a:solidFill>
-                  <a:srgbClr val="FFFF00"/>
+                  <a:srgbClr val="FFD966"/>
                 </a:solidFill>
                 <a:latin typeface="Arial" charset="0"/>
                 <a:ea typeface="Arial" charset="0"/>
@@ -18060,7 +18116,7 @@
             <a:r>
               <a:rPr lang="en-US" sz="7600" u="none" strike="noStrike" cap="none">
                 <a:solidFill>
-                  <a:srgbClr val="FFFF00"/>
+                  <a:srgbClr val="FFD966"/>
                 </a:solidFill>
                 <a:latin typeface="Arial" charset="0"/>
                 <a:ea typeface="Arial" charset="0"/>
@@ -18436,14 +18492,26 @@
             <a:r>
               <a:rPr lang="en-US" sz="7600" u="none" strike="noStrike" cap="none">
                 <a:solidFill>
-                  <a:srgbClr val="FFFF00"/>
+                  <a:srgbClr val="FFD966"/>
                 </a:solidFill>
                 <a:latin typeface="Arial" charset="0"/>
                 <a:ea typeface="Arial" charset="0"/>
                 <a:cs typeface="Arial" charset="0"/>
                 <a:sym typeface="Cabin"/>
               </a:rPr>
-              <a:t>Using open()</a:t>
+              <a:t>Using </a:t>
+            </a:r>
+            <a:r>
+              <a:rPr lang="en-US" sz="7600" u="none" strike="noStrike" cap="none">
+                <a:solidFill>
+                  <a:srgbClr val="FF00FF"/>
+                </a:solidFill>
+                <a:latin typeface="Arial" charset="0"/>
+                <a:ea typeface="Arial" charset="0"/>
+                <a:cs typeface="Arial" charset="0"/>
+                <a:sym typeface="Cabin"/>
+              </a:rPr>
+              <a:t>open()</a:t>
             </a:r>
           </a:p>
         </p:txBody>
@@ -18916,7 +18984,7 @@
             <a:r>
               <a:rPr lang="en-US" sz="7600" u="none" strike="noStrike" cap="none" dirty="0">
                 <a:solidFill>
-                  <a:srgbClr val="FFFF00"/>
+                  <a:srgbClr val="FFD966"/>
                 </a:solidFill>
                 <a:latin typeface="Arial" charset="0"/>
                 <a:ea typeface="Arial" charset="0"/>
@@ -19344,7 +19412,7 @@
             <a:r>
               <a:rPr lang="en-US" sz="7600" u="none" strike="noStrike" cap="none">
                 <a:solidFill>
-                  <a:srgbClr val="FFFF00"/>
+                  <a:srgbClr val="FFD966"/>
                 </a:solidFill>
                 <a:latin typeface="Arial" charset="0"/>
                 <a:ea typeface="Arial" charset="0"/>
@@ -19829,31 +19897,43 @@
             <a:r>
               <a:rPr lang="en-US" sz="7600" u="none" strike="noStrike" cap="none" dirty="0">
                 <a:solidFill>
-                  <a:srgbClr val="FFFF00"/>
+                  <a:srgbClr val="FFD966"/>
                 </a:solidFill>
                 <a:latin typeface="Arial" charset="0"/>
                 <a:ea typeface="Arial" charset="0"/>
                 <a:cs typeface="Arial" charset="0"/>
                 <a:sym typeface="Cabin"/>
               </a:rPr>
-              <a:t>The newline</a:t>
-            </a:r>
-            <a:r>
-              <a:rPr lang="en-US" sz="7600" dirty="0">
-                <a:solidFill>
-                  <a:srgbClr val="FFFF00"/>
+              <a:t>The </a:t>
+            </a:r>
+            <a:r>
+              <a:rPr lang="en-US" sz="7600" u="none" strike="noStrike" cap="none" dirty="0">
+                <a:solidFill>
+                  <a:srgbClr val="00FFFF"/>
                 </a:solidFill>
                 <a:latin typeface="Arial" charset="0"/>
                 <a:ea typeface="Arial" charset="0"/>
                 <a:cs typeface="Arial" charset="0"/>
                 <a:sym typeface="Cabin"/>
               </a:rPr>
+              <a:t>newline</a:t>
+            </a:r>
+            <a:r>
+              <a:rPr lang="en-US" sz="7600" dirty="0">
+                <a:solidFill>
+                  <a:srgbClr val="FFD966"/>
+                </a:solidFill>
+                <a:latin typeface="Arial" charset="0"/>
+                <a:ea typeface="Arial" charset="0"/>
+                <a:cs typeface="Arial" charset="0"/>
+                <a:sym typeface="Cabin"/>
+              </a:rPr>
               <a:t> </a:t>
             </a:r>
             <a:r>
               <a:rPr lang="en-US" sz="7600" u="none" strike="noStrike" cap="none" dirty="0">
                 <a:solidFill>
-                  <a:srgbClr val="FFFF00"/>
+                  <a:srgbClr val="FFD966"/>
                 </a:solidFill>
                 <a:latin typeface="Arial" charset="0"/>
                 <a:ea typeface="Arial" charset="0"/>
@@ -20930,7 +21010,7 @@
             <a:r>
               <a:rPr lang="en-US" sz="7600" u="none" strike="noStrike" cap="none" dirty="0">
                 <a:solidFill>
-                  <a:srgbClr val="FFFF00"/>
+                  <a:srgbClr val="FFD966"/>
                 </a:solidFill>
                 <a:latin typeface="Arial" charset="0"/>
                 <a:ea typeface="Arial" charset="0"/>

--- a/lectures3/Pythonlearn-07-Files.pptx
+++ b/lectures3/Pythonlearn-07-Files.pptx
@@ -239,7 +239,7 @@
   </p:defaultTextStyle>
   <p:extLst>
     <p:ext uri="{EFAFB233-063F-42B5-8137-9DF3F51BA10A}">
-      <p15:sldGuideLst xmlns:p15="http://schemas.microsoft.com/office/powerpoint/2012/main" xmlns="">
+      <p15:sldGuideLst xmlns:p15="http://schemas.microsoft.com/office/powerpoint/2012/main">
         <p15:guide id="1" orient="horz" pos="2880">
           <p15:clr>
             <a:srgbClr val="A4A3A4"/>
@@ -571,7 +571,7 @@
               <a:buNone/>
             </a:pPr>
             <a:r>
-              <a:rPr lang="en-US" dirty="0" smtClean="0">
+              <a:rPr lang="en-US" dirty="0">
                 <a:solidFill>
                   <a:schemeClr val="dk2"/>
                 </a:solidFill>
@@ -579,7 +579,7 @@
               <a:t>Note from Chuck.  </a:t>
             </a:r>
             <a:r>
-              <a:rPr lang="en-US" smtClean="0">
+              <a:rPr lang="en-US">
                 <a:solidFill>
                   <a:schemeClr val="dk2"/>
                 </a:solidFill>
@@ -587,7 +587,7 @@
               <a:t>If you are using these materials, you can remove the UM logo and replace it with your own, but please retain the CC-BY logo on the first page as well as retain the acknowledgement page(s)</a:t>
             </a:r>
             <a:r>
-              <a:rPr lang="en-US" baseline="0" smtClean="0">
+              <a:rPr lang="en-US" baseline="0">
                 <a:solidFill>
                   <a:schemeClr val="dk2"/>
                 </a:solidFill>
@@ -4069,7 +4069,6 @@
           <a:ln>
             <a:noFill/>
           </a:ln>
-          <a:extLst/>
         </p:spPr>
         <p:txBody>
           <a:bodyPr/>
@@ -4193,7 +4192,7 @@
             <a:pPr eaLnBrk="1" hangingPunct="1">
               <a:defRPr/>
             </a:pPr>
-            <a:endParaRPr lang="en-US" altLang="en-US" sz="3600" smtClean="0"/>
+            <a:endParaRPr lang="en-US" altLang="en-US" sz="3600"/>
           </a:p>
         </p:txBody>
       </p:sp>
@@ -4219,7 +4218,6 @@
           <a:ln>
             <a:noFill/>
           </a:ln>
-          <a:extLst/>
         </p:spPr>
         <p:txBody>
           <a:bodyPr/>
@@ -4343,7 +4341,7 @@
             <a:pPr eaLnBrk="1" hangingPunct="1">
               <a:defRPr/>
             </a:pPr>
-            <a:endParaRPr lang="en-US" altLang="en-US" sz="3600" smtClean="0"/>
+            <a:endParaRPr lang="en-US" altLang="en-US" sz="3600"/>
           </a:p>
         </p:txBody>
       </p:sp>
@@ -4974,7 +4972,7 @@
               <a:buNone/>
             </a:pPr>
             <a:r>
-              <a:rPr lang="en-US" sz="3200" u="none" strike="noStrike" cap="none" dirty="0" smtClean="0">
+              <a:rPr lang="en-US" sz="3200" u="none" strike="noStrike" cap="none" dirty="0">
                 <a:solidFill>
                   <a:srgbClr val="FFFF00"/>
                 </a:solidFill>
@@ -4986,7 +4984,7 @@
               <a:t>Pytho</a:t>
             </a:r>
             <a:r>
-              <a:rPr lang="en-US" sz="3200" dirty="0" smtClean="0">
+              <a:rPr lang="en-US" sz="3200" dirty="0">
                 <a:solidFill>
                   <a:srgbClr val="FFFF00"/>
                 </a:solidFill>
@@ -5026,7 +5024,7 @@
               <a:buNone/>
             </a:pPr>
             <a:r>
-              <a:rPr lang="en-US" sz="3200" u="sng" strike="noStrike" cap="none" dirty="0" smtClean="0">
+              <a:rPr lang="en-US" sz="3200" u="sng" strike="noStrike" cap="none" dirty="0">
                 <a:solidFill>
                   <a:srgbClr val="FFFF00"/>
                 </a:solidFill>
@@ -5038,16 +5036,6 @@
               </a:rPr>
               <a:t>www.py4e.com</a:t>
             </a:r>
-            <a:endParaRPr lang="en-US" sz="3200" u="sng" strike="noStrike" cap="none" dirty="0">
-              <a:solidFill>
-                <a:srgbClr val="FFFF00"/>
-              </a:solidFill>
-              <a:latin typeface="Arial" charset="0"/>
-              <a:ea typeface="Arial" charset="0"/>
-              <a:cs typeface="Arial" charset="0"/>
-              <a:sym typeface="Cabin"/>
-              <a:hlinkClick r:id="rId3"/>
-            </a:endParaRPr>
           </a:p>
         </p:txBody>
       </p:sp>
@@ -5314,7 +5302,7 @@
               <a:buNone/>
             </a:pPr>
             <a:r>
-              <a:rPr lang="en-US" sz="2400" i="0" u="none" strike="noStrike" cap="none" dirty="0">
+              <a:rPr lang="en-US" sz="2400" b="1" i="0" u="none" strike="noStrike" cap="none" dirty="0">
                 <a:solidFill>
                   <a:srgbClr val="FF00FF"/>
                 </a:solidFill>
@@ -5326,7 +5314,7 @@
               <a:t>From </a:t>
             </a:r>
             <a:r>
-              <a:rPr lang="en-US" sz="2400" i="0" u="none" strike="noStrike" cap="none" dirty="0" err="1">
+              <a:rPr lang="en-US" sz="2400" b="1" i="0" u="none" strike="noStrike" cap="none" dirty="0" err="1">
                 <a:solidFill>
                   <a:srgbClr val="FF00FF"/>
                 </a:solidFill>
@@ -5338,7 +5326,7 @@
               <a:t>stephen.marquard@uct.ac.za</a:t>
             </a:r>
             <a:r>
-              <a:rPr lang="en-US" sz="2400" i="0" u="none" strike="noStrike" cap="none" dirty="0">
+              <a:rPr lang="en-US" sz="2400" b="1" i="0" u="none" strike="noStrike" cap="none" dirty="0">
                 <a:solidFill>
                   <a:srgbClr val="FF00FF"/>
                 </a:solidFill>
@@ -5350,7 +5338,7 @@
               <a:t> Sat Jan  5 09:14:16 2008</a:t>
             </a:r>
             <a:r>
-              <a:rPr lang="en-US" sz="2400" i="0" u="none" strike="noStrike" cap="none" dirty="0">
+              <a:rPr lang="en-US" sz="2400" b="1" i="0" u="none" strike="noStrike" cap="none" dirty="0">
                 <a:solidFill>
                   <a:srgbClr val="00FFFF"/>
                 </a:solidFill>
@@ -5381,7 +5369,7 @@
               <a:buNone/>
             </a:pPr>
             <a:r>
-              <a:rPr lang="en-US" sz="2400" i="0" u="none" strike="noStrike" cap="none" dirty="0">
+              <a:rPr lang="en-US" sz="2400" b="1" i="0" u="none" strike="noStrike" cap="none" dirty="0">
                 <a:solidFill>
                   <a:srgbClr val="FF00FF"/>
                 </a:solidFill>
@@ -5393,7 +5381,7 @@
               <a:t>Return-Path: &lt;</a:t>
             </a:r>
             <a:r>
-              <a:rPr lang="en-US" sz="2400" i="0" u="none" strike="noStrike" cap="none" dirty="0" err="1">
+              <a:rPr lang="en-US" sz="2400" b="1" i="0" u="none" strike="noStrike" cap="none" dirty="0" err="1">
                 <a:solidFill>
                   <a:srgbClr val="FF00FF"/>
                 </a:solidFill>
@@ -5405,7 +5393,7 @@
               <a:t>postmaster@collab.sakaiproject.org</a:t>
             </a:r>
             <a:r>
-              <a:rPr lang="en-US" sz="2400" i="0" u="none" strike="noStrike" cap="none" dirty="0">
+              <a:rPr lang="en-US" sz="2400" b="1" i="0" u="none" strike="noStrike" cap="none" dirty="0">
                 <a:solidFill>
                   <a:srgbClr val="FF00FF"/>
                 </a:solidFill>
@@ -5417,7 +5405,7 @@
               <a:t>&gt;</a:t>
             </a:r>
             <a:r>
-              <a:rPr lang="en-US" sz="2400" i="0" u="none" strike="noStrike" cap="none" dirty="0">
+              <a:rPr lang="en-US" sz="2400" b="1" i="0" u="none" strike="noStrike" cap="none" dirty="0">
                 <a:solidFill>
                   <a:srgbClr val="00FFFF"/>
                 </a:solidFill>
@@ -5448,7 +5436,7 @@
               <a:buNone/>
             </a:pPr>
             <a:r>
-              <a:rPr lang="en-US" sz="2400" i="0" u="none" strike="noStrike" cap="none" dirty="0">
+              <a:rPr lang="en-US" sz="2400" b="1" i="0" u="none" strike="noStrike" cap="none" dirty="0">
                 <a:solidFill>
                   <a:srgbClr val="FF00FF"/>
                 </a:solidFill>
@@ -5460,7 +5448,7 @@
               <a:t>Date: Sat, 5 Jan 2008 09:12:18 -0500</a:t>
             </a:r>
             <a:r>
-              <a:rPr lang="en-US" sz="2400" i="0" u="none" strike="noStrike" cap="none" dirty="0">
+              <a:rPr lang="en-US" sz="2400" b="1" i="0" u="none" strike="noStrike" cap="none" dirty="0">
                 <a:solidFill>
                   <a:srgbClr val="00FFFF"/>
                 </a:solidFill>
@@ -5491,7 +5479,7 @@
               <a:buNone/>
             </a:pPr>
             <a:r>
-              <a:rPr lang="en-US" sz="2400" i="0" u="none" strike="noStrike" cap="none" dirty="0">
+              <a:rPr lang="en-US" sz="2400" b="1" i="0" u="none" strike="noStrike" cap="none" dirty="0">
                 <a:solidFill>
                   <a:srgbClr val="FF00FF"/>
                 </a:solidFill>
@@ -5503,7 +5491,7 @@
               <a:t>To: </a:t>
             </a:r>
             <a:r>
-              <a:rPr lang="en-US" sz="2400" i="0" u="none" strike="noStrike" cap="none" dirty="0" err="1">
+              <a:rPr lang="en-US" sz="2400" b="1" i="0" u="none" strike="noStrike" cap="none" dirty="0" err="1">
                 <a:solidFill>
                   <a:srgbClr val="FF00FF"/>
                 </a:solidFill>
@@ -5515,7 +5503,7 @@
               <a:t>source@collab.sakaiproject.org</a:t>
             </a:r>
             <a:r>
-              <a:rPr lang="en-US" sz="2400" i="0" u="none" strike="noStrike" cap="none" dirty="0">
+              <a:rPr lang="en-US" sz="2400" b="1" i="0" u="none" strike="noStrike" cap="none" dirty="0">
                 <a:solidFill>
                   <a:srgbClr val="00FFFF"/>
                 </a:solidFill>
@@ -5546,7 +5534,7 @@
               <a:buNone/>
             </a:pPr>
             <a:r>
-              <a:rPr lang="en-US" sz="2400" i="0" u="none" strike="noStrike" cap="none" dirty="0">
+              <a:rPr lang="en-US" sz="2400" b="1" i="0" u="none" strike="noStrike" cap="none" dirty="0">
                 <a:solidFill>
                   <a:srgbClr val="FF00FF"/>
                 </a:solidFill>
@@ -5558,7 +5546,7 @@
               <a:t>From: </a:t>
             </a:r>
             <a:r>
-              <a:rPr lang="en-US" sz="2400" i="0" u="none" strike="noStrike" cap="none" dirty="0" err="1">
+              <a:rPr lang="en-US" sz="2400" b="1" i="0" u="none" strike="noStrike" cap="none" dirty="0" err="1">
                 <a:solidFill>
                   <a:srgbClr val="FF00FF"/>
                 </a:solidFill>
@@ -5570,7 +5558,7 @@
               <a:t>stephen.marquard@uct.ac.za</a:t>
             </a:r>
             <a:r>
-              <a:rPr lang="en-US" sz="2400" i="0" u="none" strike="noStrike" cap="none" dirty="0">
+              <a:rPr lang="en-US" sz="2400" b="1" i="0" u="none" strike="noStrike" cap="none" dirty="0">
                 <a:solidFill>
                   <a:srgbClr val="00FFFF"/>
                 </a:solidFill>
@@ -5582,7 +5570,7 @@
               <a:t>\</a:t>
             </a:r>
             <a:r>
-              <a:rPr lang="en-US" sz="2400" dirty="0">
+              <a:rPr lang="en-US" sz="2400" b="1" dirty="0">
                 <a:solidFill>
                   <a:srgbClr val="00FFFF"/>
                 </a:solidFill>
@@ -5613,7 +5601,7 @@
               <a:buNone/>
             </a:pPr>
             <a:r>
-              <a:rPr lang="en-US" sz="2400" i="0" u="none" strike="noStrike" cap="none" dirty="0">
+              <a:rPr lang="en-US" sz="2400" b="1" i="0" u="none" strike="noStrike" cap="none" dirty="0">
                 <a:solidFill>
                   <a:srgbClr val="FF00FF"/>
                 </a:solidFill>
@@ -5625,7 +5613,7 @@
               <a:t>Subject: [</a:t>
             </a:r>
             <a:r>
-              <a:rPr lang="en-US" sz="2400" i="0" u="none" strike="noStrike" cap="none" dirty="0" err="1">
+              <a:rPr lang="en-US" sz="2400" b="1" i="0" u="none" strike="noStrike" cap="none" dirty="0" err="1">
                 <a:solidFill>
                   <a:srgbClr val="FF00FF"/>
                 </a:solidFill>
@@ -5637,7 +5625,7 @@
               <a:t>sakai</a:t>
             </a:r>
             <a:r>
-              <a:rPr lang="en-US" sz="2400" i="0" u="none" strike="noStrike" cap="none" dirty="0">
+              <a:rPr lang="en-US" sz="2400" b="1" i="0" u="none" strike="noStrike" cap="none" dirty="0">
                 <a:solidFill>
                   <a:srgbClr val="FF00FF"/>
                 </a:solidFill>
@@ -5649,7 +5637,7 @@
               <a:t>] </a:t>
             </a:r>
             <a:r>
-              <a:rPr lang="en-US" sz="2400" i="0" u="none" strike="noStrike" cap="none" dirty="0" err="1">
+              <a:rPr lang="en-US" sz="2400" b="1" i="0" u="none" strike="noStrike" cap="none" dirty="0" err="1">
                 <a:solidFill>
                   <a:srgbClr val="FF00FF"/>
                 </a:solidFill>
@@ -5661,7 +5649,7 @@
               <a:t>svn</a:t>
             </a:r>
             <a:r>
-              <a:rPr lang="en-US" sz="2400" i="0" u="none" strike="noStrike" cap="none" dirty="0">
+              <a:rPr lang="en-US" sz="2400" b="1" i="0" u="none" strike="noStrike" cap="none" dirty="0">
                 <a:solidFill>
                   <a:srgbClr val="FF00FF"/>
                 </a:solidFill>
@@ -5673,7 +5661,7 @@
               <a:t> commit: r39772 - content/branches/</a:t>
             </a:r>
             <a:r>
-              <a:rPr lang="en-US" sz="2400" i="0" u="none" strike="noStrike" cap="none" dirty="0">
+              <a:rPr lang="en-US" sz="2400" b="1" i="0" u="none" strike="noStrike" cap="none" dirty="0">
                 <a:solidFill>
                   <a:srgbClr val="00FFFF"/>
                 </a:solidFill>
@@ -5704,7 +5692,7 @@
               <a:buNone/>
             </a:pPr>
             <a:r>
-              <a:rPr lang="en-US" sz="2400" dirty="0">
+              <a:rPr lang="en-US" sz="2400" b="1" dirty="0">
                 <a:solidFill>
                   <a:srgbClr val="00FFFF"/>
                 </a:solidFill>
@@ -5735,7 +5723,7 @@
               <a:buNone/>
             </a:pPr>
             <a:r>
-              <a:rPr lang="en-US" sz="2400" i="0" u="none" strike="noStrike" cap="none" dirty="0">
+              <a:rPr lang="en-US" sz="2400" b="1" i="0" u="none" strike="noStrike" cap="none" dirty="0">
                 <a:solidFill>
                   <a:srgbClr val="FF00FF"/>
                 </a:solidFill>
@@ -5747,7 +5735,7 @@
               <a:t>Details:</a:t>
             </a:r>
             <a:r>
-              <a:rPr lang="en-US" sz="2400" dirty="0">
+              <a:rPr lang="en-US" sz="2400" b="1" dirty="0">
                 <a:solidFill>
                   <a:srgbClr val="FF00FF"/>
                 </a:solidFill>
@@ -5759,7 +5747,7 @@
               <a:t> </a:t>
             </a:r>
             <a:r>
-              <a:rPr lang="en-US" sz="2400" i="0" u="none" strike="noStrike" cap="none" dirty="0">
+              <a:rPr lang="en-US" sz="2400" b="1" i="0" u="none" strike="noStrike" cap="none" dirty="0">
                 <a:solidFill>
                   <a:srgbClr val="FF00FF"/>
                 </a:solidFill>
@@ -5771,7 +5759,7 @@
               <a:t>http://</a:t>
             </a:r>
             <a:r>
-              <a:rPr lang="en-US" sz="2400" i="0" u="none" strike="noStrike" cap="none" dirty="0" err="1">
+              <a:rPr lang="en-US" sz="2400" b="1" i="0" u="none" strike="noStrike" cap="none" dirty="0" err="1">
                 <a:solidFill>
                   <a:srgbClr val="FF00FF"/>
                 </a:solidFill>
@@ -5783,7 +5771,7 @@
               <a:t>source.sakaiproject.org</a:t>
             </a:r>
             <a:r>
-              <a:rPr lang="en-US" sz="2400" i="0" u="none" strike="noStrike" cap="none" dirty="0">
+              <a:rPr lang="en-US" sz="2400" b="1" i="0" u="none" strike="noStrike" cap="none" dirty="0">
                 <a:solidFill>
                   <a:srgbClr val="FF00FF"/>
                 </a:solidFill>
@@ -5795,7 +5783,7 @@
               <a:t>/</a:t>
             </a:r>
             <a:r>
-              <a:rPr lang="en-US" sz="2400" i="0" u="none" strike="noStrike" cap="none" dirty="0" err="1">
+              <a:rPr lang="en-US" sz="2400" b="1" i="0" u="none" strike="noStrike" cap="none" dirty="0" err="1">
                 <a:solidFill>
                   <a:srgbClr val="FF00FF"/>
                 </a:solidFill>
@@ -5807,7 +5795,7 @@
               <a:t>viewsvn</a:t>
             </a:r>
             <a:r>
-              <a:rPr lang="en-US" sz="2400" i="0" u="none" strike="noStrike" cap="none" dirty="0">
+              <a:rPr lang="en-US" sz="2400" b="1" i="0" u="none" strike="noStrike" cap="none" dirty="0">
                 <a:solidFill>
                   <a:srgbClr val="FF00FF"/>
                 </a:solidFill>
@@ -5819,7 +5807,7 @@
               <a:t>/?view=</a:t>
             </a:r>
             <a:r>
-              <a:rPr lang="en-US" sz="2400" i="0" u="none" strike="noStrike" cap="none" dirty="0" err="1">
+              <a:rPr lang="en-US" sz="2400" b="1" i="0" u="none" strike="noStrike" cap="none" dirty="0" err="1">
                 <a:solidFill>
                   <a:srgbClr val="FF00FF"/>
                 </a:solidFill>
@@ -5831,7 +5819,7 @@
               <a:t>rev&amp;rev</a:t>
             </a:r>
             <a:r>
-              <a:rPr lang="en-US" sz="2400" i="0" u="none" strike="noStrike" cap="none" dirty="0">
+              <a:rPr lang="en-US" sz="2400" b="1" i="0" u="none" strike="noStrike" cap="none" dirty="0">
                 <a:solidFill>
                   <a:srgbClr val="FF00FF"/>
                 </a:solidFill>
@@ -5843,7 +5831,7 @@
               <a:t>=39772</a:t>
             </a:r>
             <a:r>
-              <a:rPr lang="en-US" sz="2400" i="0" u="none" strike="noStrike" cap="none" dirty="0">
+              <a:rPr lang="en-US" sz="2400" b="1" i="0" u="none" strike="noStrike" cap="none" dirty="0">
                 <a:solidFill>
                   <a:srgbClr val="00FFFF"/>
                 </a:solidFill>
@@ -5855,7 +5843,7 @@
               <a:t>\</a:t>
             </a:r>
             <a:r>
-              <a:rPr lang="en-US" sz="2400" dirty="0">
+              <a:rPr lang="en-US" sz="2400" b="1" dirty="0">
                 <a:solidFill>
                   <a:srgbClr val="00FFFF"/>
                 </a:solidFill>
@@ -5910,18 +5898,13 @@
           <a:lstStyle/>
           <a:p>
             <a:r>
-              <a:rPr lang="en-US" dirty="0" smtClean="0">
+              <a:rPr lang="en-US" dirty="0">
                 <a:solidFill>
                   <a:srgbClr val="FFD966"/>
                 </a:solidFill>
               </a:rPr>
               <a:t>Reading Files in Python</a:t>
             </a:r>
-            <a:endParaRPr lang="en-US" dirty="0">
-              <a:solidFill>
-                <a:srgbClr val="FFD966"/>
-              </a:solidFill>
-            </a:endParaRPr>
           </a:p>
         </p:txBody>
       </p:sp>
@@ -6298,7 +6281,7 @@
               <a:buNone/>
             </a:pPr>
             <a:r>
-              <a:rPr lang="en-US" sz="3400" i="0" u="none" strike="noStrike" cap="none" dirty="0" err="1">
+              <a:rPr lang="en-US" sz="3400" b="1" i="0" u="none" strike="noStrike" cap="none" dirty="0" err="1">
                 <a:solidFill>
                   <a:srgbClr val="FF7F00"/>
                 </a:solidFill>
@@ -6310,7 +6293,7 @@
               <a:t>xfile</a:t>
             </a:r>
             <a:r>
-              <a:rPr lang="en-US" sz="3400" i="0" u="none" strike="noStrike" cap="none" dirty="0">
+              <a:rPr lang="en-US" sz="3400" b="1" i="0" u="none" strike="noStrike" cap="none" dirty="0">
                 <a:solidFill>
                   <a:schemeClr val="lt1"/>
                 </a:solidFill>
@@ -6322,7 +6305,7 @@
               <a:t> = </a:t>
             </a:r>
             <a:r>
-              <a:rPr lang="en-US" sz="3400" i="0" u="none" strike="noStrike" cap="none" dirty="0">
+              <a:rPr lang="en-US" sz="3400" b="1" i="0" u="none" strike="noStrike" cap="none" dirty="0">
                 <a:solidFill>
                   <a:srgbClr val="FF00FF"/>
                 </a:solidFill>
@@ -6334,7 +6317,7 @@
               <a:t>open</a:t>
             </a:r>
             <a:r>
-              <a:rPr lang="en-US" sz="3400" i="0" u="none" strike="noStrike" cap="none" dirty="0">
+              <a:rPr lang="en-US" sz="3400" b="1" i="0" u="none" strike="noStrike" cap="none" dirty="0">
                 <a:solidFill>
                   <a:schemeClr val="lt1"/>
                 </a:solidFill>
@@ -6346,7 +6329,7 @@
               <a:t>('</a:t>
             </a:r>
             <a:r>
-              <a:rPr lang="en-US" sz="3400" i="0" u="none" strike="noStrike" cap="none" dirty="0" err="1">
+              <a:rPr lang="en-US" sz="3400" b="1" i="0" u="none" strike="noStrike" cap="none" dirty="0" err="1">
                 <a:solidFill>
                   <a:schemeClr val="lt1"/>
                 </a:solidFill>
@@ -6358,7 +6341,7 @@
               <a:t>mbox.txt</a:t>
             </a:r>
             <a:r>
-              <a:rPr lang="en-US" sz="3400" i="0" u="none" strike="noStrike" cap="none" dirty="0">
+              <a:rPr lang="en-US" sz="3400" b="1" i="0" u="none" strike="noStrike" cap="none" dirty="0">
                 <a:solidFill>
                   <a:schemeClr val="lt1"/>
                 </a:solidFill>
@@ -6389,7 +6372,7 @@
               <a:buNone/>
             </a:pPr>
             <a:r>
-              <a:rPr lang="en-US" sz="3400" i="0" u="none" strike="noStrike" cap="none" dirty="0">
+              <a:rPr lang="en-US" sz="3400" b="1" i="0" u="none" strike="noStrike" cap="none" dirty="0">
                 <a:solidFill>
                   <a:srgbClr val="FFFF00"/>
                 </a:solidFill>
@@ -6401,7 +6384,7 @@
               <a:t>for</a:t>
             </a:r>
             <a:r>
-              <a:rPr lang="en-US" sz="3400" i="0" u="none" strike="noStrike" cap="none" dirty="0">
+              <a:rPr lang="en-US" sz="3400" b="1" i="0" u="none" strike="noStrike" cap="none" dirty="0">
                 <a:solidFill>
                   <a:srgbClr val="00FF00"/>
                 </a:solidFill>
@@ -6413,7 +6396,7 @@
               <a:t> cheese</a:t>
             </a:r>
             <a:r>
-              <a:rPr lang="en-US" sz="3400" i="0" u="none" strike="noStrike" cap="none" dirty="0">
+              <a:rPr lang="en-US" sz="3400" b="1" i="0" u="none" strike="noStrike" cap="none" dirty="0">
                 <a:solidFill>
                   <a:schemeClr val="lt1"/>
                 </a:solidFill>
@@ -6425,7 +6408,7 @@
               <a:t> </a:t>
             </a:r>
             <a:r>
-              <a:rPr lang="en-US" sz="3400" i="0" u="none" strike="noStrike" cap="none" dirty="0">
+              <a:rPr lang="en-US" sz="3400" b="1" i="0" u="none" strike="noStrike" cap="none" dirty="0">
                 <a:solidFill>
                   <a:srgbClr val="FFFF00"/>
                 </a:solidFill>
@@ -6437,7 +6420,7 @@
               <a:t>in</a:t>
             </a:r>
             <a:r>
-              <a:rPr lang="en-US" sz="3400" i="0" u="none" strike="noStrike" cap="none" dirty="0">
+              <a:rPr lang="en-US" sz="3400" b="1" i="0" u="none" strike="noStrike" cap="none" dirty="0">
                 <a:solidFill>
                   <a:schemeClr val="lt1"/>
                 </a:solidFill>
@@ -6449,7 +6432,7 @@
               <a:t> </a:t>
             </a:r>
             <a:r>
-              <a:rPr lang="en-US" sz="3400" i="0" u="none" strike="noStrike" cap="none" dirty="0" err="1">
+              <a:rPr lang="en-US" sz="3400" b="1" i="0" u="none" strike="noStrike" cap="none" dirty="0" err="1">
                 <a:solidFill>
                   <a:srgbClr val="FF7F00"/>
                 </a:solidFill>
@@ -6461,7 +6444,7 @@
               <a:t>xfile</a:t>
             </a:r>
             <a:r>
-              <a:rPr lang="en-US" sz="3400" i="0" u="none" strike="noStrike" cap="none" dirty="0">
+              <a:rPr lang="en-US" sz="3400" b="1" i="0" u="none" strike="noStrike" cap="none" dirty="0">
                 <a:solidFill>
                   <a:schemeClr val="lt1"/>
                 </a:solidFill>
@@ -6492,7 +6475,7 @@
               <a:buNone/>
             </a:pPr>
             <a:r>
-              <a:rPr lang="en-US" sz="3400" dirty="0">
+              <a:rPr lang="en-US" sz="3400" b="1" dirty="0">
                 <a:solidFill>
                   <a:schemeClr val="lt1"/>
                 </a:solidFill>
@@ -6504,7 +6487,7 @@
               <a:t>    </a:t>
             </a:r>
             <a:r>
-              <a:rPr lang="en-US" sz="3400" i="0" u="none" strike="noStrike" cap="none" dirty="0" smtClean="0">
+              <a:rPr lang="en-US" sz="3400" b="1" i="0" u="none" strike="noStrike" cap="none" dirty="0">
                 <a:solidFill>
                   <a:srgbClr val="FFFF00"/>
                 </a:solidFill>
@@ -6516,7 +6499,7 @@
               <a:t>print</a:t>
             </a:r>
             <a:r>
-              <a:rPr lang="en-US" sz="3400" dirty="0" smtClean="0">
+              <a:rPr lang="en-US" sz="3400" b="1" dirty="0">
                 <a:solidFill>
                   <a:schemeClr val="lt1"/>
                 </a:solidFill>
@@ -6528,7 +6511,7 @@
               <a:t>(</a:t>
             </a:r>
             <a:r>
-              <a:rPr lang="en-US" sz="3400" i="0" u="none" strike="noStrike" cap="none" dirty="0" smtClean="0">
+              <a:rPr lang="en-US" sz="3400" b="1" i="0" u="none" strike="noStrike" cap="none" dirty="0">
                 <a:solidFill>
                   <a:srgbClr val="00FF00"/>
                 </a:solidFill>
@@ -6540,7 +6523,7 @@
               <a:t>cheese</a:t>
             </a:r>
             <a:r>
-              <a:rPr lang="en-US" sz="3400" i="0" u="none" strike="noStrike" cap="none" dirty="0" smtClean="0">
+              <a:rPr lang="en-US" sz="3400" b="1" i="0" u="none" strike="noStrike" cap="none" dirty="0">
                 <a:solidFill>
                   <a:schemeClr val="bg1"/>
                 </a:solidFill>
@@ -6551,15 +6534,6 @@
               </a:rPr>
               <a:t>)</a:t>
             </a:r>
-            <a:endParaRPr lang="en-US" sz="3400" i="0" u="none" strike="noStrike" cap="none" dirty="0">
-              <a:solidFill>
-                <a:schemeClr val="bg1"/>
-              </a:solidFill>
-              <a:latin typeface="Courier"/>
-              <a:ea typeface="Courier"/>
-              <a:cs typeface="Courier"/>
-              <a:sym typeface="Courier New"/>
-            </a:endParaRPr>
           </a:p>
         </p:txBody>
       </p:sp>
@@ -6871,7 +6845,7 @@
               <a:buNone/>
             </a:pPr>
             <a:r>
-              <a:rPr lang="en-US" sz="3000" i="0" u="none" strike="noStrike" cap="none" dirty="0" err="1">
+              <a:rPr lang="en-US" sz="3000" b="1" i="0" u="none" strike="noStrike" cap="none" dirty="0" err="1">
                 <a:solidFill>
                   <a:srgbClr val="00FF00"/>
                 </a:solidFill>
@@ -6883,7 +6857,7 @@
               <a:t>fhand</a:t>
             </a:r>
             <a:r>
-              <a:rPr lang="en-US" sz="3000" i="0" u="none" strike="noStrike" cap="none" dirty="0">
+              <a:rPr lang="en-US" sz="3000" b="1" i="0" u="none" strike="noStrike" cap="none" dirty="0">
                 <a:solidFill>
                   <a:schemeClr val="lt1"/>
                 </a:solidFill>
@@ -6895,7 +6869,7 @@
               <a:t> = </a:t>
             </a:r>
             <a:r>
-              <a:rPr lang="en-US" sz="3000" i="0" u="none" strike="noStrike" cap="none" dirty="0">
+              <a:rPr lang="en-US" sz="3000" b="1" i="0" u="none" strike="noStrike" cap="none" dirty="0">
                 <a:solidFill>
                   <a:srgbClr val="FF00FF"/>
                 </a:solidFill>
@@ -6907,7 +6881,7 @@
               <a:t>open</a:t>
             </a:r>
             <a:r>
-              <a:rPr lang="en-US" sz="3000" i="0" u="none" strike="noStrike" cap="none" dirty="0">
+              <a:rPr lang="en-US" sz="3000" b="1" i="0" u="none" strike="noStrike" cap="none" dirty="0">
                 <a:solidFill>
                   <a:schemeClr val="lt1"/>
                 </a:solidFill>
@@ -6919,7 +6893,7 @@
               <a:t>('</a:t>
             </a:r>
             <a:r>
-              <a:rPr lang="en-US" sz="3000" i="0" u="none" strike="noStrike" cap="none" dirty="0" err="1">
+              <a:rPr lang="en-US" sz="3000" b="1" i="0" u="none" strike="noStrike" cap="none" dirty="0" err="1">
                 <a:solidFill>
                   <a:schemeClr val="lt1"/>
                 </a:solidFill>
@@ -6931,7 +6905,7 @@
               <a:t>mbox.txt</a:t>
             </a:r>
             <a:r>
-              <a:rPr lang="en-US" sz="3000" i="0" u="none" strike="noStrike" cap="none" dirty="0">
+              <a:rPr lang="en-US" sz="3000" b="1" i="0" u="none" strike="noStrike" cap="none" dirty="0">
                 <a:solidFill>
                   <a:schemeClr val="lt1"/>
                 </a:solidFill>
@@ -6962,7 +6936,7 @@
               <a:buNone/>
             </a:pPr>
             <a:r>
-              <a:rPr lang="en-US" sz="3000" i="0" u="none" strike="noStrike" cap="none" dirty="0">
+              <a:rPr lang="en-US" sz="3000" b="1" i="0" u="none" strike="noStrike" cap="none" dirty="0">
                 <a:solidFill>
                   <a:srgbClr val="FF7F00"/>
                 </a:solidFill>
@@ -6974,7 +6948,7 @@
               <a:t>count</a:t>
             </a:r>
             <a:r>
-              <a:rPr lang="en-US" sz="3000" i="0" u="none" strike="noStrike" cap="none" dirty="0">
+              <a:rPr lang="en-US" sz="3000" b="1" i="0" u="none" strike="noStrike" cap="none" dirty="0">
                 <a:solidFill>
                   <a:schemeClr val="lt1"/>
                 </a:solidFill>
@@ -7005,7 +6979,7 @@
               <a:buNone/>
             </a:pPr>
             <a:r>
-              <a:rPr lang="en-US" sz="3000" i="0" u="none" strike="noStrike" cap="none" dirty="0">
+              <a:rPr lang="en-US" sz="3000" b="1" i="0" u="none" strike="noStrike" cap="none" dirty="0">
                 <a:solidFill>
                   <a:srgbClr val="FFFF00"/>
                 </a:solidFill>
@@ -7017,7 +6991,7 @@
               <a:t>for</a:t>
             </a:r>
             <a:r>
-              <a:rPr lang="en-US" sz="3000" i="0" u="none" strike="noStrike" cap="none" dirty="0">
+              <a:rPr lang="en-US" sz="3000" b="1" i="0" u="none" strike="noStrike" cap="none" dirty="0">
                 <a:solidFill>
                   <a:schemeClr val="lt1"/>
                 </a:solidFill>
@@ -7029,7 +7003,7 @@
               <a:t> </a:t>
             </a:r>
             <a:r>
-              <a:rPr lang="en-US" sz="3000" i="0" u="none" strike="noStrike" cap="none" dirty="0">
+              <a:rPr lang="en-US" sz="3000" b="1" i="0" u="none" strike="noStrike" cap="none" dirty="0">
                 <a:solidFill>
                   <a:srgbClr val="00FF00"/>
                 </a:solidFill>
@@ -7041,7 +7015,7 @@
               <a:t>line</a:t>
             </a:r>
             <a:r>
-              <a:rPr lang="en-US" sz="3000" i="0" u="none" strike="noStrike" cap="none" dirty="0">
+              <a:rPr lang="en-US" sz="3000" b="1" i="0" u="none" strike="noStrike" cap="none" dirty="0">
                 <a:solidFill>
                   <a:schemeClr val="lt1"/>
                 </a:solidFill>
@@ -7053,7 +7027,7 @@
               <a:t> </a:t>
             </a:r>
             <a:r>
-              <a:rPr lang="en-US" sz="3000" i="0" u="none" strike="noStrike" cap="none" dirty="0">
+              <a:rPr lang="en-US" sz="3000" b="1" i="0" u="none" strike="noStrike" cap="none" dirty="0">
                 <a:solidFill>
                   <a:srgbClr val="FFFF00"/>
                 </a:solidFill>
@@ -7065,7 +7039,7 @@
               <a:t>in</a:t>
             </a:r>
             <a:r>
-              <a:rPr lang="en-US" sz="3000" i="0" u="none" strike="noStrike" cap="none" dirty="0">
+              <a:rPr lang="en-US" sz="3000" b="1" i="0" u="none" strike="noStrike" cap="none" dirty="0">
                 <a:solidFill>
                   <a:schemeClr val="lt1"/>
                 </a:solidFill>
@@ -7077,7 +7051,7 @@
               <a:t> </a:t>
             </a:r>
             <a:r>
-              <a:rPr lang="en-US" sz="3000" i="0" u="none" strike="noStrike" cap="none" dirty="0" err="1">
+              <a:rPr lang="en-US" sz="3000" b="1" i="0" u="none" strike="noStrike" cap="none" dirty="0" err="1">
                 <a:solidFill>
                   <a:srgbClr val="00FF00"/>
                 </a:solidFill>
@@ -7089,7 +7063,7 @@
               <a:t>fhand</a:t>
             </a:r>
             <a:r>
-              <a:rPr lang="en-US" sz="3000" i="0" u="none" strike="noStrike" cap="none" dirty="0">
+              <a:rPr lang="en-US" sz="3000" b="1" i="0" u="none" strike="noStrike" cap="none" dirty="0">
                 <a:solidFill>
                   <a:schemeClr val="lt1"/>
                 </a:solidFill>
@@ -7120,7 +7094,7 @@
               <a:buNone/>
             </a:pPr>
             <a:r>
-              <a:rPr lang="en-US" sz="3000" dirty="0">
+              <a:rPr lang="en-US" sz="3000" b="1" dirty="0">
                 <a:solidFill>
                   <a:schemeClr val="lt1"/>
                 </a:solidFill>
@@ -7132,7 +7106,7 @@
               <a:t>    </a:t>
             </a:r>
             <a:r>
-              <a:rPr lang="en-US" sz="3000" i="0" u="none" strike="noStrike" cap="none" dirty="0">
+              <a:rPr lang="en-US" sz="3000" b="1" i="0" u="none" strike="noStrike" cap="none" dirty="0">
                 <a:solidFill>
                   <a:srgbClr val="FF7F00"/>
                 </a:solidFill>
@@ -7144,7 +7118,7 @@
               <a:t>count</a:t>
             </a:r>
             <a:r>
-              <a:rPr lang="en-US" sz="3000" i="0" u="none" strike="noStrike" cap="none" dirty="0">
+              <a:rPr lang="en-US" sz="3000" b="1" i="0" u="none" strike="noStrike" cap="none" dirty="0">
                 <a:solidFill>
                   <a:schemeClr val="lt1"/>
                 </a:solidFill>
@@ -7156,7 +7130,7 @@
               <a:t> = </a:t>
             </a:r>
             <a:r>
-              <a:rPr lang="en-US" sz="3000" i="0" u="none" strike="noStrike" cap="none" dirty="0">
+              <a:rPr lang="en-US" sz="3000" b="1" i="0" u="none" strike="noStrike" cap="none" dirty="0">
                 <a:solidFill>
                   <a:srgbClr val="FF7F00"/>
                 </a:solidFill>
@@ -7168,7 +7142,7 @@
               <a:t>count</a:t>
             </a:r>
             <a:r>
-              <a:rPr lang="en-US" sz="3000" i="0" u="none" strike="noStrike" cap="none" dirty="0">
+              <a:rPr lang="en-US" sz="3000" b="1" i="0" u="none" strike="noStrike" cap="none" dirty="0">
                 <a:solidFill>
                   <a:schemeClr val="lt1"/>
                 </a:solidFill>
@@ -7199,7 +7173,7 @@
               <a:buNone/>
             </a:pPr>
             <a:r>
-              <a:rPr lang="en-US" sz="3000" i="0" u="none" strike="noStrike" cap="none" dirty="0" smtClean="0">
+              <a:rPr lang="en-US" sz="3000" b="1" i="0" u="none" strike="noStrike" cap="none" dirty="0">
                 <a:solidFill>
                   <a:srgbClr val="FFFF00"/>
                 </a:solidFill>
@@ -7211,7 +7185,7 @@
               <a:t>print</a:t>
             </a:r>
             <a:r>
-              <a:rPr lang="en-US" sz="3000" dirty="0">
+              <a:rPr lang="en-US" sz="3000" b="1" dirty="0">
                 <a:solidFill>
                   <a:schemeClr val="lt1"/>
                 </a:solidFill>
@@ -7223,31 +7197,19 @@
               <a:t>(</a:t>
             </a:r>
             <a:r>
-              <a:rPr lang="en-US" sz="3000" i="0" u="none" strike="noStrike" cap="none" dirty="0" smtClean="0">
-                <a:solidFill>
-                  <a:schemeClr val="lt1"/>
-                </a:solidFill>
-                <a:latin typeface="Courier"/>
-                <a:ea typeface="Courier"/>
-                <a:cs typeface="Courier"/>
-                <a:sym typeface="Courier New"/>
-              </a:rPr>
-              <a:t>'Line </a:t>
-            </a:r>
-            <a:r>
-              <a:rPr lang="en-US" sz="3000" i="0" u="none" strike="noStrike" cap="none" dirty="0">
-                <a:solidFill>
-                  <a:schemeClr val="lt1"/>
-                </a:solidFill>
-                <a:latin typeface="Courier"/>
-                <a:ea typeface="Courier"/>
-                <a:cs typeface="Courier"/>
-                <a:sym typeface="Courier New"/>
-              </a:rPr>
-              <a:t>Count:', </a:t>
-            </a:r>
-            <a:r>
-              <a:rPr lang="en-US" sz="3000" i="0" u="none" strike="noStrike" cap="none" dirty="0" smtClean="0">
+              <a:rPr lang="en-US" sz="3000" b="1" i="0" u="none" strike="noStrike" cap="none" dirty="0">
+                <a:solidFill>
+                  <a:schemeClr val="lt1"/>
+                </a:solidFill>
+                <a:latin typeface="Courier"/>
+                <a:ea typeface="Courier"/>
+                <a:cs typeface="Courier"/>
+                <a:sym typeface="Courier New"/>
+              </a:rPr>
+              <a:t>'Line Count:', </a:t>
+            </a:r>
+            <a:r>
+              <a:rPr lang="en-US" sz="3000" b="1" i="0" u="none" strike="noStrike" cap="none" dirty="0">
                 <a:solidFill>
                   <a:srgbClr val="FF7F00"/>
                 </a:solidFill>
@@ -7259,7 +7221,7 @@
               <a:t>count</a:t>
             </a:r>
             <a:r>
-              <a:rPr lang="en-US" sz="3000" i="0" u="none" strike="noStrike" cap="none" dirty="0" smtClean="0">
+              <a:rPr lang="en-US" sz="3000" b="1" i="0" u="none" strike="noStrike" cap="none" dirty="0">
                 <a:solidFill>
                   <a:schemeClr val="bg1"/>
                 </a:solidFill>
@@ -7270,15 +7232,6 @@
               </a:rPr>
               <a:t>)</a:t>
             </a:r>
-            <a:endParaRPr lang="en-US" sz="3000" i="0" u="none" strike="noStrike" cap="none" dirty="0">
-              <a:solidFill>
-                <a:schemeClr val="bg1"/>
-              </a:solidFill>
-              <a:latin typeface="Courier"/>
-              <a:ea typeface="Courier"/>
-              <a:cs typeface="Courier"/>
-              <a:sym typeface="Courier New"/>
-            </a:endParaRPr>
           </a:p>
           <a:p>
             <a:pPr marL="0" marR="0" lvl="0" indent="0" algn="ctr" rtl="0">
@@ -7293,7 +7246,7 @@
               </a:spcAft>
               <a:buNone/>
             </a:pPr>
-            <a:endParaRPr sz="3000" i="0" u="none" strike="noStrike" cap="none" dirty="0">
+            <a:endParaRPr sz="3000" b="1" i="0" u="none" strike="noStrike" cap="none" dirty="0">
               <a:solidFill>
                 <a:srgbClr val="FF7F00"/>
               </a:solidFill>
@@ -7316,7 +7269,7 @@
               </a:spcAft>
               <a:buNone/>
             </a:pPr>
-            <a:endParaRPr sz="3000" i="0" u="none" strike="noStrike" cap="none" dirty="0">
+            <a:endParaRPr sz="3000" b="1" i="0" u="none" strike="noStrike" cap="none" dirty="0">
               <a:solidFill>
                 <a:srgbClr val="FF7F00"/>
               </a:solidFill>
@@ -7345,7 +7298,7 @@
               <a:buNone/>
             </a:pPr>
             <a:r>
-              <a:rPr lang="en-US" sz="3000" i="0" u="none" strike="noStrike" cap="none" dirty="0">
+              <a:rPr lang="en-US" sz="3000" b="1" i="0" u="none" strike="noStrike" cap="none" dirty="0">
                 <a:solidFill>
                   <a:schemeClr val="lt1"/>
                 </a:solidFill>
@@ -7357,7 +7310,7 @@
               <a:t>$</a:t>
             </a:r>
             <a:r>
-              <a:rPr lang="en-US" sz="3000" i="0" u="none" strike="noStrike" cap="none" dirty="0">
+              <a:rPr lang="en-US" sz="3000" b="1" i="0" u="none" strike="noStrike" cap="none" dirty="0">
                 <a:solidFill>
                   <a:srgbClr val="00FF00"/>
                 </a:solidFill>
@@ -7369,7 +7322,7 @@
               <a:t> python </a:t>
             </a:r>
             <a:r>
-              <a:rPr lang="en-US" sz="3000" i="0" u="none" strike="noStrike" cap="none" dirty="0" err="1">
+              <a:rPr lang="en-US" sz="3000" b="1" i="0" u="none" strike="noStrike" cap="none" dirty="0" err="1">
                 <a:solidFill>
                   <a:srgbClr val="00FF00"/>
                 </a:solidFill>
@@ -7380,7 +7333,7 @@
               </a:rPr>
               <a:t>open.py</a:t>
             </a:r>
-            <a:endParaRPr lang="en-US" sz="3000" i="0" u="none" strike="noStrike" cap="none" dirty="0">
+            <a:endParaRPr lang="en-US" sz="3000" b="1" i="0" u="none" strike="noStrike" cap="none" dirty="0">
               <a:solidFill>
                 <a:srgbClr val="00FF00"/>
               </a:solidFill>
@@ -7409,7 +7362,7 @@
               <a:buNone/>
             </a:pPr>
             <a:r>
-              <a:rPr lang="en-US" sz="3000" i="0" u="none" strike="noStrike" cap="none" dirty="0">
+              <a:rPr lang="en-US" sz="3000" b="1" i="0" u="none" strike="noStrike" cap="none" dirty="0">
                 <a:solidFill>
                   <a:schemeClr val="lt1"/>
                 </a:solidFill>
@@ -7644,18 +7597,6 @@
               <a:buNone/>
             </a:pPr>
             <a:r>
-              <a:rPr lang="en-US" sz="3000" b="1" i="0" u="none" strike="noStrike" cap="none" dirty="0">
-                <a:solidFill>
-                  <a:schemeClr val="lt1"/>
-                </a:solidFill>
-                <a:latin typeface="Courier"/>
-                <a:ea typeface="Courier"/>
-                <a:cs typeface="Courier"/>
-                <a:sym typeface="Courier New"/>
-              </a:rPr>
-              <a:t>&gt;</a:t>
-            </a:r>
-            <a:r>
               <a:rPr lang="en-US" sz="3000" i="0" u="none" strike="noStrike" cap="none" dirty="0">
                 <a:solidFill>
                   <a:schemeClr val="lt1"/>
@@ -7665,7 +7606,7 @@
                 <a:cs typeface="Courier"/>
                 <a:sym typeface="Courier New"/>
               </a:rPr>
-              <a:t>&gt;&gt; </a:t>
+              <a:t>&gt;&gt;&gt; </a:t>
             </a:r>
             <a:r>
               <a:rPr lang="en-US" sz="3000" i="0" u="none" strike="noStrike" cap="none" dirty="0" err="1">
@@ -7862,7 +7803,7 @@
               <a:t>&gt;&gt;&gt; </a:t>
             </a:r>
             <a:r>
-              <a:rPr lang="en-US" sz="3000" i="0" u="none" strike="noStrike" cap="none" dirty="0" smtClean="0">
+              <a:rPr lang="en-US" sz="3000" i="0" u="none" strike="noStrike" cap="none" dirty="0">
                 <a:solidFill>
                   <a:srgbClr val="FFFF00"/>
                 </a:solidFill>
@@ -7886,7 +7827,7 @@
               <a:t>(</a:t>
             </a:r>
             <a:r>
-              <a:rPr lang="en-US" sz="3000" i="0" u="none" strike="noStrike" cap="none" dirty="0" err="1" smtClean="0">
+              <a:rPr lang="en-US" sz="3000" i="0" u="none" strike="noStrike" cap="none" dirty="0" err="1">
                 <a:solidFill>
                   <a:srgbClr val="FF00FF"/>
                 </a:solidFill>
@@ -7898,7 +7839,7 @@
               <a:t>len</a:t>
             </a:r>
             <a:r>
-              <a:rPr lang="en-US" sz="3000" i="0" u="none" strike="noStrike" cap="none" dirty="0" smtClean="0">
+              <a:rPr lang="en-US" sz="3000" i="0" u="none" strike="noStrike" cap="none" dirty="0">
                 <a:solidFill>
                   <a:schemeClr val="lt1"/>
                 </a:solidFill>
@@ -7910,7 +7851,7 @@
               <a:t>(</a:t>
             </a:r>
             <a:r>
-              <a:rPr lang="en-US" sz="3000" i="0" u="none" strike="noStrike" cap="none" dirty="0" err="1" smtClean="0">
+              <a:rPr lang="en-US" sz="3000" i="0" u="none" strike="noStrike" cap="none" dirty="0" err="1">
                 <a:solidFill>
                   <a:srgbClr val="00FFFF"/>
                 </a:solidFill>
@@ -7922,7 +7863,7 @@
               <a:t>inp</a:t>
             </a:r>
             <a:r>
-              <a:rPr lang="en-US" sz="3000" i="0" u="none" strike="noStrike" cap="none" dirty="0" smtClean="0">
+              <a:rPr lang="en-US" sz="3000" i="0" u="none" strike="noStrike" cap="none" dirty="0">
                 <a:solidFill>
                   <a:schemeClr val="lt1"/>
                 </a:solidFill>
@@ -7933,15 +7874,6 @@
               </a:rPr>
               <a:t>))</a:t>
             </a:r>
-            <a:endParaRPr lang="en-US" sz="3000" i="0" u="none" strike="noStrike" cap="none" dirty="0">
-              <a:solidFill>
-                <a:schemeClr val="lt1"/>
-              </a:solidFill>
-              <a:latin typeface="Courier"/>
-              <a:ea typeface="Courier"/>
-              <a:cs typeface="Courier"/>
-              <a:sym typeface="Courier New"/>
-            </a:endParaRPr>
           </a:p>
           <a:p>
             <a:pPr marL="0" marR="0" lvl="0" indent="0" algn="l" rtl="0">
@@ -8005,7 +7937,7 @@
               <a:t>&gt;&gt;&gt; </a:t>
             </a:r>
             <a:r>
-              <a:rPr lang="en-US" sz="3000" i="0" u="none" strike="noStrike" cap="none" dirty="0" smtClean="0">
+              <a:rPr lang="en-US" sz="3000" i="0" u="none" strike="noStrike" cap="none" dirty="0">
                 <a:solidFill>
                   <a:srgbClr val="FFFF00"/>
                 </a:solidFill>
@@ -8029,7 +7961,7 @@
               <a:t>(</a:t>
             </a:r>
             <a:r>
-              <a:rPr lang="en-US" sz="3000" i="0" u="none" strike="noStrike" cap="none" dirty="0" err="1" smtClean="0">
+              <a:rPr lang="en-US" sz="3000" i="0" u="none" strike="noStrike" cap="none" dirty="0" err="1">
                 <a:solidFill>
                   <a:srgbClr val="00FFFF"/>
                 </a:solidFill>
@@ -8050,29 +7982,8 @@
                 <a:cs typeface="Courier"/>
                 <a:sym typeface="Courier New"/>
               </a:rPr>
-              <a:t>[:20</a:t>
-            </a:r>
-            <a:r>
-              <a:rPr lang="en-US" sz="3000" i="0" u="none" strike="noStrike" cap="none" dirty="0" smtClean="0">
-                <a:solidFill>
-                  <a:schemeClr val="lt1"/>
-                </a:solidFill>
-                <a:latin typeface="Courier"/>
-                <a:ea typeface="Courier"/>
-                <a:cs typeface="Courier"/>
-                <a:sym typeface="Courier New"/>
-              </a:rPr>
-              <a:t>])</a:t>
-            </a:r>
-            <a:endParaRPr lang="en-US" sz="3000" i="0" u="none" strike="noStrike" cap="none" dirty="0">
-              <a:solidFill>
-                <a:schemeClr val="lt1"/>
-              </a:solidFill>
-              <a:latin typeface="Courier"/>
-              <a:ea typeface="Courier"/>
-              <a:cs typeface="Courier"/>
-              <a:sym typeface="Courier New"/>
-            </a:endParaRPr>
+              <a:t>[:20])</a:t>
+            </a:r>
           </a:p>
           <a:p>
             <a:pPr marL="0" marR="0" lvl="0" indent="0" algn="l" rtl="0">
@@ -8361,7 +8272,7 @@
               <a:buNone/>
             </a:pPr>
             <a:r>
-              <a:rPr lang="en-US" sz="2800" i="0" u="none" strike="noStrike" cap="none" dirty="0" err="1">
+              <a:rPr lang="en-US" sz="2800" b="1" i="0" u="none" strike="noStrike" cap="none" dirty="0" err="1">
                 <a:solidFill>
                   <a:srgbClr val="00FF00"/>
                 </a:solidFill>
@@ -8373,7 +8284,7 @@
               <a:t>fhand</a:t>
             </a:r>
             <a:r>
-              <a:rPr lang="en-US" sz="2800" i="0" u="none" strike="noStrike" cap="none" dirty="0">
+              <a:rPr lang="en-US" sz="2800" b="1" i="0" u="none" strike="noStrike" cap="none" dirty="0">
                 <a:solidFill>
                   <a:schemeClr val="lt1"/>
                 </a:solidFill>
@@ -8385,7 +8296,7 @@
               <a:t> = </a:t>
             </a:r>
             <a:r>
-              <a:rPr lang="en-US" sz="2800" i="0" u="none" strike="noStrike" cap="none" dirty="0">
+              <a:rPr lang="en-US" sz="2800" b="1" i="0" u="none" strike="noStrike" cap="none" dirty="0">
                 <a:solidFill>
                   <a:srgbClr val="FF00FF"/>
                 </a:solidFill>
@@ -8397,7 +8308,7 @@
               <a:t>open</a:t>
             </a:r>
             <a:r>
-              <a:rPr lang="en-US" sz="2800" i="0" u="none" strike="noStrike" cap="none" dirty="0">
+              <a:rPr lang="en-US" sz="2800" b="1" i="0" u="none" strike="noStrike" cap="none" dirty="0">
                 <a:solidFill>
                   <a:schemeClr val="lt1"/>
                 </a:solidFill>
@@ -8409,7 +8320,7 @@
               <a:t>('</a:t>
             </a:r>
             <a:r>
-              <a:rPr lang="en-US" sz="2800" i="0" u="none" strike="noStrike" cap="none" dirty="0" err="1">
+              <a:rPr lang="en-US" sz="2800" b="1" i="0" u="none" strike="noStrike" cap="none" dirty="0" err="1">
                 <a:solidFill>
                   <a:schemeClr val="lt1"/>
                 </a:solidFill>
@@ -8421,7 +8332,7 @@
               <a:t>mbox-short.txt</a:t>
             </a:r>
             <a:r>
-              <a:rPr lang="en-US" sz="2800" i="0" u="none" strike="noStrike" cap="none" dirty="0">
+              <a:rPr lang="en-US" sz="2800" b="1" i="0" u="none" strike="noStrike" cap="none" dirty="0">
                 <a:solidFill>
                   <a:schemeClr val="lt1"/>
                 </a:solidFill>
@@ -8452,7 +8363,7 @@
               <a:buNone/>
             </a:pPr>
             <a:r>
-              <a:rPr lang="en-US" sz="2800" i="0" u="none" strike="noStrike" cap="none" dirty="0">
+              <a:rPr lang="en-US" sz="2800" b="1" i="0" u="none" strike="noStrike" cap="none" dirty="0">
                 <a:solidFill>
                   <a:srgbClr val="FFFF00"/>
                 </a:solidFill>
@@ -8464,7 +8375,7 @@
               <a:t>for</a:t>
             </a:r>
             <a:r>
-              <a:rPr lang="en-US" sz="2800" i="0" u="none" strike="noStrike" cap="none" dirty="0">
+              <a:rPr lang="en-US" sz="2800" b="1" i="0" u="none" strike="noStrike" cap="none" dirty="0">
                 <a:solidFill>
                   <a:schemeClr val="lt1"/>
                 </a:solidFill>
@@ -8476,7 +8387,7 @@
               <a:t> </a:t>
             </a:r>
             <a:r>
-              <a:rPr lang="en-US" sz="2800" i="0" u="none" strike="noStrike" cap="none" dirty="0">
+              <a:rPr lang="en-US" sz="2800" b="1" i="0" u="none" strike="noStrike" cap="none" dirty="0">
                 <a:solidFill>
                   <a:srgbClr val="00FF00"/>
                 </a:solidFill>
@@ -8488,7 +8399,7 @@
               <a:t>line</a:t>
             </a:r>
             <a:r>
-              <a:rPr lang="en-US" sz="2800" i="0" u="none" strike="noStrike" cap="none" dirty="0">
+              <a:rPr lang="en-US" sz="2800" b="1" i="0" u="none" strike="noStrike" cap="none" dirty="0">
                 <a:solidFill>
                   <a:schemeClr val="lt1"/>
                 </a:solidFill>
@@ -8500,7 +8411,7 @@
               <a:t> </a:t>
             </a:r>
             <a:r>
-              <a:rPr lang="en-US" sz="2800" i="0" u="none" strike="noStrike" cap="none" dirty="0">
+              <a:rPr lang="en-US" sz="2800" b="1" i="0" u="none" strike="noStrike" cap="none" dirty="0">
                 <a:solidFill>
                   <a:srgbClr val="FFFF00"/>
                 </a:solidFill>
@@ -8512,7 +8423,7 @@
               <a:t>in</a:t>
             </a:r>
             <a:r>
-              <a:rPr lang="en-US" sz="2800" i="0" u="none" strike="noStrike" cap="none" dirty="0">
+              <a:rPr lang="en-US" sz="2800" b="1" i="0" u="none" strike="noStrike" cap="none" dirty="0">
                 <a:solidFill>
                   <a:schemeClr val="lt1"/>
                 </a:solidFill>
@@ -8524,7 +8435,7 @@
               <a:t> </a:t>
             </a:r>
             <a:r>
-              <a:rPr lang="en-US" sz="2800" i="0" u="none" strike="noStrike" cap="none" dirty="0" err="1">
+              <a:rPr lang="en-US" sz="2800" b="1" i="0" u="none" strike="noStrike" cap="none" dirty="0" err="1">
                 <a:solidFill>
                   <a:srgbClr val="00FF00"/>
                 </a:solidFill>
@@ -8536,7 +8447,7 @@
               <a:t>fhand</a:t>
             </a:r>
             <a:r>
-              <a:rPr lang="en-US" sz="2800" i="0" u="none" strike="noStrike" cap="none" dirty="0">
+              <a:rPr lang="en-US" sz="2800" b="1" i="0" u="none" strike="noStrike" cap="none" dirty="0">
                 <a:solidFill>
                   <a:schemeClr val="lt1"/>
                 </a:solidFill>
@@ -8567,7 +8478,7 @@
               <a:buNone/>
             </a:pPr>
             <a:r>
-              <a:rPr lang="en-US" sz="2800" dirty="0">
+              <a:rPr lang="en-US" sz="2800" b="1" dirty="0">
                 <a:solidFill>
                   <a:schemeClr val="lt1"/>
                 </a:solidFill>
@@ -8579,7 +8490,7 @@
               <a:t>    </a:t>
             </a:r>
             <a:r>
-              <a:rPr lang="en-US" sz="2800" i="0" u="none" strike="noStrike" cap="none" dirty="0">
+              <a:rPr lang="en-US" sz="2800" b="1" i="0" u="none" strike="noStrike" cap="none" dirty="0">
                 <a:solidFill>
                   <a:srgbClr val="FFFF00"/>
                 </a:solidFill>
@@ -8591,7 +8502,7 @@
               <a:t>if</a:t>
             </a:r>
             <a:r>
-              <a:rPr lang="en-US" sz="2800" i="0" u="none" strike="noStrike" cap="none" dirty="0">
+              <a:rPr lang="en-US" sz="2800" b="1" i="0" u="none" strike="noStrike" cap="none" dirty="0">
                 <a:solidFill>
                   <a:schemeClr val="lt1"/>
                 </a:solidFill>
@@ -8603,7 +8514,7 @@
               <a:t> </a:t>
             </a:r>
             <a:r>
-              <a:rPr lang="en-US" sz="2800" i="0" u="none" strike="noStrike" cap="none" dirty="0" err="1">
+              <a:rPr lang="en-US" sz="2800" b="1" i="0" u="none" strike="noStrike" cap="none" dirty="0" err="1">
                 <a:solidFill>
                   <a:srgbClr val="00FF00"/>
                 </a:solidFill>
@@ -8615,7 +8526,7 @@
               <a:t>line</a:t>
             </a:r>
             <a:r>
-              <a:rPr lang="en-US" sz="2800" i="0" u="none" strike="noStrike" cap="none" dirty="0" err="1">
+              <a:rPr lang="en-US" sz="2800" b="1" i="0" u="none" strike="noStrike" cap="none" dirty="0" err="1">
                 <a:solidFill>
                   <a:srgbClr val="FF00FF"/>
                 </a:solidFill>
@@ -8627,7 +8538,7 @@
               <a:t>.startswith</a:t>
             </a:r>
             <a:r>
-              <a:rPr lang="en-US" sz="2800" i="0" u="none" strike="noStrike" cap="none" dirty="0">
+              <a:rPr lang="en-US" sz="2800" b="1" i="0" u="none" strike="noStrike" cap="none" dirty="0">
                 <a:solidFill>
                   <a:schemeClr val="lt1"/>
                 </a:solidFill>
@@ -8658,7 +8569,7 @@
               <a:buNone/>
             </a:pPr>
             <a:r>
-              <a:rPr lang="en-US" sz="2800" i="0" u="none" strike="noStrike" cap="none" dirty="0">
+              <a:rPr lang="en-US" sz="2800" b="1" i="0" u="none" strike="noStrike" cap="none" dirty="0">
                 <a:solidFill>
                   <a:schemeClr val="lt1"/>
                 </a:solidFill>
@@ -8670,7 +8581,7 @@
               <a:t>    </a:t>
             </a:r>
             <a:r>
-              <a:rPr lang="en-US" sz="2800" dirty="0">
+              <a:rPr lang="en-US" sz="2800" b="1" dirty="0">
                 <a:solidFill>
                   <a:schemeClr val="lt1"/>
                 </a:solidFill>
@@ -8682,7 +8593,7 @@
               <a:t>    </a:t>
             </a:r>
             <a:r>
-              <a:rPr lang="en-US" sz="2800" i="0" u="none" strike="noStrike" cap="none" dirty="0" smtClean="0">
+              <a:rPr lang="en-US" sz="2800" b="1" i="0" u="none" strike="noStrike" cap="none" dirty="0">
                 <a:solidFill>
                   <a:srgbClr val="FFFF00"/>
                 </a:solidFill>
@@ -8694,7 +8605,7 @@
               <a:t>print</a:t>
             </a:r>
             <a:r>
-              <a:rPr lang="en-US" sz="2800" dirty="0" smtClean="0">
+              <a:rPr lang="en-US" sz="2800" b="1" dirty="0">
                 <a:solidFill>
                   <a:schemeClr val="lt1"/>
                 </a:solidFill>
@@ -8706,7 +8617,7 @@
               <a:t>(</a:t>
             </a:r>
             <a:r>
-              <a:rPr lang="en-US" sz="2800" i="0" u="none" strike="noStrike" cap="none" dirty="0" smtClean="0">
+              <a:rPr lang="en-US" sz="2800" b="1" i="0" u="none" strike="noStrike" cap="none" dirty="0">
                 <a:solidFill>
                   <a:srgbClr val="00FF00"/>
                 </a:solidFill>
@@ -8718,7 +8629,7 @@
               <a:t>line</a:t>
             </a:r>
             <a:r>
-              <a:rPr lang="en-US" sz="2800" i="0" u="none" strike="noStrike" cap="none" dirty="0" smtClean="0">
+              <a:rPr lang="en-US" sz="2800" b="1" i="0" u="none" strike="noStrike" cap="none" dirty="0">
                 <a:solidFill>
                   <a:schemeClr val="bg1"/>
                 </a:solidFill>
@@ -8729,15 +8640,6 @@
               </a:rPr>
               <a:t>)</a:t>
             </a:r>
-            <a:endParaRPr lang="en-US" sz="2800" i="0" u="none" strike="noStrike" cap="none" dirty="0">
-              <a:solidFill>
-                <a:schemeClr val="bg1"/>
-              </a:solidFill>
-              <a:latin typeface="Courier"/>
-              <a:ea typeface="Courier"/>
-              <a:cs typeface="Courier"/>
-              <a:sym typeface="Courier New"/>
-            </a:endParaRPr>
           </a:p>
         </p:txBody>
       </p:sp>
@@ -8927,7 +8829,7 @@
               <a:buNone/>
             </a:pPr>
             <a:r>
-              <a:rPr lang="en-US" sz="3000" i="0" u="none" strike="noStrike" cap="none" dirty="0">
+              <a:rPr lang="en-US" sz="3000" b="1" i="0" u="none" strike="noStrike" cap="none" dirty="0">
                 <a:solidFill>
                   <a:srgbClr val="FF00FF"/>
                 </a:solidFill>
@@ -8939,7 +8841,7 @@
               <a:t>From: </a:t>
             </a:r>
             <a:r>
-              <a:rPr lang="en-US" sz="3000" i="0" u="none" strike="noStrike" cap="none" dirty="0" err="1">
+              <a:rPr lang="en-US" sz="3000" b="1" i="0" u="none" strike="noStrike" cap="none" dirty="0" err="1">
                 <a:solidFill>
                   <a:srgbClr val="FF00FF"/>
                 </a:solidFill>
@@ -8950,7 +8852,7 @@
               </a:rPr>
               <a:t>stephen.marquard@uct.ac.za</a:t>
             </a:r>
-            <a:endParaRPr lang="en-US" sz="3000" i="0" u="none" strike="noStrike" cap="none" dirty="0">
+            <a:endParaRPr lang="en-US" sz="3000" b="1" i="0" u="none" strike="noStrike" cap="none" dirty="0">
               <a:solidFill>
                 <a:srgbClr val="FF00FF"/>
               </a:solidFill>
@@ -8973,7 +8875,7 @@
               </a:spcAft>
               <a:buNone/>
             </a:pPr>
-            <a:endParaRPr sz="3000" i="0" u="none" strike="noStrike" cap="none" dirty="0">
+            <a:endParaRPr sz="3000" b="1" i="0" u="none" strike="noStrike" cap="none" dirty="0">
               <a:solidFill>
                 <a:srgbClr val="FF00FF"/>
               </a:solidFill>
@@ -9002,7 +8904,7 @@
               <a:buNone/>
             </a:pPr>
             <a:r>
-              <a:rPr lang="en-US" sz="3000" i="0" u="none" strike="noStrike" cap="none" dirty="0">
+              <a:rPr lang="en-US" sz="3000" b="1" i="0" u="none" strike="noStrike" cap="none" dirty="0">
                 <a:solidFill>
                   <a:srgbClr val="FF00FF"/>
                 </a:solidFill>
@@ -9014,7 +8916,7 @@
               <a:t>From: </a:t>
             </a:r>
             <a:r>
-              <a:rPr lang="en-US" sz="3000" i="0" u="none" strike="noStrike" cap="none" dirty="0" err="1">
+              <a:rPr lang="en-US" sz="3000" b="1" i="0" u="none" strike="noStrike" cap="none" dirty="0" err="1">
                 <a:solidFill>
                   <a:srgbClr val="FF00FF"/>
                 </a:solidFill>
@@ -9025,7 +8927,7 @@
               </a:rPr>
               <a:t>louis@media.berkeley.edu</a:t>
             </a:r>
-            <a:endParaRPr lang="en-US" sz="3000" i="0" u="none" strike="noStrike" cap="none" dirty="0">
+            <a:endParaRPr lang="en-US" sz="3000" b="1" i="0" u="none" strike="noStrike" cap="none" dirty="0">
               <a:solidFill>
                 <a:srgbClr val="FF00FF"/>
               </a:solidFill>
@@ -9048,7 +8950,7 @@
               </a:spcAft>
               <a:buNone/>
             </a:pPr>
-            <a:endParaRPr sz="3000" i="0" u="none" strike="noStrike" cap="none" dirty="0">
+            <a:endParaRPr sz="3000" b="1" i="0" u="none" strike="noStrike" cap="none" dirty="0">
               <a:solidFill>
                 <a:srgbClr val="FF00FF"/>
               </a:solidFill>
@@ -9077,7 +8979,7 @@
               <a:buNone/>
             </a:pPr>
             <a:r>
-              <a:rPr lang="en-US" sz="3000" i="0" u="none" strike="noStrike" cap="none" dirty="0">
+              <a:rPr lang="en-US" sz="3000" b="1" i="0" u="none" strike="noStrike" cap="none" dirty="0">
                 <a:solidFill>
                   <a:srgbClr val="FF00FF"/>
                 </a:solidFill>
@@ -9089,7 +8991,7 @@
               <a:t>From: </a:t>
             </a:r>
             <a:r>
-              <a:rPr lang="en-US" sz="3000" i="0" u="none" strike="noStrike" cap="none" dirty="0" err="1">
+              <a:rPr lang="en-US" sz="3000" b="1" i="0" u="none" strike="noStrike" cap="none" dirty="0" err="1">
                 <a:solidFill>
                   <a:srgbClr val="FF00FF"/>
                 </a:solidFill>
@@ -9100,7 +9002,7 @@
               </a:rPr>
               <a:t>zqian@umich.edu</a:t>
             </a:r>
-            <a:endParaRPr lang="en-US" sz="3000" i="0" u="none" strike="noStrike" cap="none" dirty="0">
+            <a:endParaRPr lang="en-US" sz="3000" b="1" i="0" u="none" strike="noStrike" cap="none" dirty="0">
               <a:solidFill>
                 <a:srgbClr val="FF00FF"/>
               </a:solidFill>
@@ -9123,7 +9025,7 @@
               </a:spcAft>
               <a:buNone/>
             </a:pPr>
-            <a:endParaRPr sz="3000" i="0" u="none" strike="noStrike" cap="none" dirty="0">
+            <a:endParaRPr sz="3000" b="1" i="0" u="none" strike="noStrike" cap="none" dirty="0">
               <a:solidFill>
                 <a:srgbClr val="FF00FF"/>
               </a:solidFill>
@@ -9152,7 +9054,7 @@
               <a:buNone/>
             </a:pPr>
             <a:r>
-              <a:rPr lang="en-US" sz="3000" i="0" u="none" strike="noStrike" cap="none" dirty="0">
+              <a:rPr lang="en-US" sz="3000" b="1" i="0" u="none" strike="noStrike" cap="none" dirty="0">
                 <a:solidFill>
                   <a:srgbClr val="FF00FF"/>
                 </a:solidFill>
@@ -9164,7 +9066,7 @@
               <a:t>From: </a:t>
             </a:r>
             <a:r>
-              <a:rPr lang="en-US" sz="3000" i="0" u="none" strike="noStrike" cap="none" dirty="0" err="1">
+              <a:rPr lang="en-US" sz="3000" b="1" i="0" u="none" strike="noStrike" cap="none" dirty="0" err="1">
                 <a:solidFill>
                   <a:srgbClr val="FF00FF"/>
                 </a:solidFill>
@@ -9175,7 +9077,7 @@
               </a:rPr>
               <a:t>rjlowe@iupui.edu</a:t>
             </a:r>
-            <a:endParaRPr lang="en-US" sz="3000" i="0" u="none" strike="noStrike" cap="none" dirty="0">
+            <a:endParaRPr lang="en-US" sz="3000" b="1" i="0" u="none" strike="noStrike" cap="none" dirty="0">
               <a:solidFill>
                 <a:srgbClr val="FF00FF"/>
               </a:solidFill>
@@ -9204,7 +9106,7 @@
               <a:buNone/>
             </a:pPr>
             <a:r>
-              <a:rPr lang="en-US" sz="3000" i="0" u="none" strike="noStrike" cap="none" dirty="0">
+              <a:rPr lang="en-US" sz="3000" b="1" i="0" u="none" strike="noStrike" cap="none" dirty="0">
                 <a:solidFill>
                   <a:srgbClr val="FF00FF"/>
                 </a:solidFill>
@@ -9518,7 +9420,7 @@
               <a:buNone/>
             </a:pPr>
             <a:r>
-              <a:rPr lang="en-US" sz="3000" i="0" u="none" strike="noStrike" cap="none" dirty="0">
+              <a:rPr lang="en-US" sz="3000" b="1" i="0" u="none" strike="noStrike" cap="none" dirty="0">
                 <a:solidFill>
                   <a:srgbClr val="FF00FF"/>
                 </a:solidFill>
@@ -9530,7 +9432,7 @@
               <a:t>From: </a:t>
             </a:r>
             <a:r>
-              <a:rPr lang="en-US" sz="3000" i="0" u="none" strike="noStrike" cap="none" dirty="0" err="1">
+              <a:rPr lang="en-US" sz="3000" b="1" i="0" u="none" strike="noStrike" cap="none" dirty="0" err="1">
                 <a:solidFill>
                   <a:srgbClr val="FF00FF"/>
                 </a:solidFill>
@@ -9542,7 +9444,7 @@
               <a:t>stephen.marquard@uct.ac.za</a:t>
             </a:r>
             <a:r>
-              <a:rPr lang="en-US" sz="3000" i="0" u="none" strike="noStrike" cap="none" dirty="0">
+              <a:rPr lang="en-US" sz="3000" b="1" i="0" u="none" strike="noStrike" cap="none" dirty="0">
                 <a:solidFill>
                   <a:srgbClr val="00FF00"/>
                 </a:solidFill>
@@ -9573,7 +9475,7 @@
               <a:buNone/>
             </a:pPr>
             <a:r>
-              <a:rPr lang="en-US" sz="3000" i="0" u="none" strike="noStrike" cap="none" dirty="0">
+              <a:rPr lang="en-US" sz="3000" b="1" i="0" u="none" strike="noStrike" cap="none" dirty="0">
                 <a:solidFill>
                   <a:srgbClr val="FFFF00"/>
                 </a:solidFill>
@@ -9604,7 +9506,7 @@
               <a:buNone/>
             </a:pPr>
             <a:r>
-              <a:rPr lang="en-US" sz="3000" i="0" u="none" strike="noStrike" cap="none" dirty="0">
+              <a:rPr lang="en-US" sz="3000" b="1" i="0" u="none" strike="noStrike" cap="none" dirty="0">
                 <a:solidFill>
                   <a:srgbClr val="FF00FF"/>
                 </a:solidFill>
@@ -9616,7 +9518,7 @@
               <a:t>From: </a:t>
             </a:r>
             <a:r>
-              <a:rPr lang="en-US" sz="3000" i="0" u="none" strike="noStrike" cap="none" dirty="0" err="1">
+              <a:rPr lang="en-US" sz="3000" b="1" i="0" u="none" strike="noStrike" cap="none" dirty="0" err="1">
                 <a:solidFill>
                   <a:srgbClr val="FF00FF"/>
                 </a:solidFill>
@@ -9628,7 +9530,7 @@
               <a:t>louis@media.berkeley.edu</a:t>
             </a:r>
             <a:r>
-              <a:rPr lang="en-US" sz="3000" i="0" u="none" strike="noStrike" cap="none" dirty="0">
+              <a:rPr lang="en-US" sz="3000" b="1" i="0" u="none" strike="noStrike" cap="none" dirty="0">
                 <a:solidFill>
                   <a:srgbClr val="00FF00"/>
                 </a:solidFill>
@@ -9659,7 +9561,7 @@
               <a:buNone/>
             </a:pPr>
             <a:r>
-              <a:rPr lang="en-US" sz="3000" i="0" u="none" strike="noStrike" cap="none" dirty="0">
+              <a:rPr lang="en-US" sz="3000" b="1" i="0" u="none" strike="noStrike" cap="none" dirty="0">
                 <a:solidFill>
                   <a:srgbClr val="FFFF00"/>
                 </a:solidFill>
@@ -9690,7 +9592,7 @@
               <a:buNone/>
             </a:pPr>
             <a:r>
-              <a:rPr lang="en-US" sz="3000" i="0" u="none" strike="noStrike" cap="none" dirty="0">
+              <a:rPr lang="en-US" sz="3000" b="1" i="0" u="none" strike="noStrike" cap="none" dirty="0">
                 <a:solidFill>
                   <a:srgbClr val="FF00FF"/>
                 </a:solidFill>
@@ -9702,7 +9604,7 @@
               <a:t>From: </a:t>
             </a:r>
             <a:r>
-              <a:rPr lang="en-US" sz="3000" i="0" u="none" strike="noStrike" cap="none" dirty="0" err="1">
+              <a:rPr lang="en-US" sz="3000" b="1" i="0" u="none" strike="noStrike" cap="none" dirty="0" err="1">
                 <a:solidFill>
                   <a:srgbClr val="FF00FF"/>
                 </a:solidFill>
@@ -9714,7 +9616,7 @@
               <a:t>zqian@umich.edu</a:t>
             </a:r>
             <a:r>
-              <a:rPr lang="en-US" sz="3000" i="0" u="none" strike="noStrike" cap="none" dirty="0">
+              <a:rPr lang="en-US" sz="3000" b="1" i="0" u="none" strike="noStrike" cap="none" dirty="0">
                 <a:solidFill>
                   <a:srgbClr val="00FF00"/>
                 </a:solidFill>
@@ -9745,7 +9647,7 @@
               <a:buNone/>
             </a:pPr>
             <a:r>
-              <a:rPr lang="en-US" sz="3000" i="0" u="none" strike="noStrike" cap="none" dirty="0">
+              <a:rPr lang="en-US" sz="3000" b="1" i="0" u="none" strike="noStrike" cap="none" dirty="0">
                 <a:solidFill>
                   <a:srgbClr val="FFFF00"/>
                 </a:solidFill>
@@ -9776,7 +9678,7 @@
               <a:buNone/>
             </a:pPr>
             <a:r>
-              <a:rPr lang="en-US" sz="3000" i="0" u="none" strike="noStrike" cap="none" dirty="0">
+              <a:rPr lang="en-US" sz="3000" b="1" i="0" u="none" strike="noStrike" cap="none" dirty="0">
                 <a:solidFill>
                   <a:srgbClr val="FF00FF"/>
                 </a:solidFill>
@@ -9788,7 +9690,7 @@
               <a:t>From: </a:t>
             </a:r>
             <a:r>
-              <a:rPr lang="en-US" sz="3000" i="0" u="none" strike="noStrike" cap="none" dirty="0" err="1">
+              <a:rPr lang="en-US" sz="3000" b="1" i="0" u="none" strike="noStrike" cap="none" dirty="0" err="1">
                 <a:solidFill>
                   <a:srgbClr val="FF00FF"/>
                 </a:solidFill>
@@ -9800,7 +9702,7 @@
               <a:t>rjlowe@iupui.edu</a:t>
             </a:r>
             <a:r>
-              <a:rPr lang="en-US" sz="3000" i="0" u="none" strike="noStrike" cap="none" dirty="0">
+              <a:rPr lang="en-US" sz="3000" b="1" i="0" u="none" strike="noStrike" cap="none" dirty="0">
                 <a:solidFill>
                   <a:srgbClr val="00FF00"/>
                 </a:solidFill>
@@ -9831,7 +9733,7 @@
               <a:buNone/>
             </a:pPr>
             <a:r>
-              <a:rPr lang="en-US" sz="3000" i="0" u="none" strike="noStrike" cap="none" dirty="0">
+              <a:rPr lang="en-US" sz="3000" b="1" i="0" u="none" strike="noStrike" cap="none" dirty="0">
                 <a:solidFill>
                   <a:srgbClr val="FFFF00"/>
                 </a:solidFill>
@@ -9862,7 +9764,7 @@
               <a:buNone/>
             </a:pPr>
             <a:r>
-              <a:rPr lang="en-US" sz="3000" i="0" u="none" strike="noStrike" cap="none" dirty="0">
+              <a:rPr lang="en-US" sz="3000" b="1" i="0" u="none" strike="noStrike" cap="none" dirty="0">
                 <a:solidFill>
                   <a:srgbClr val="FF00FF"/>
                 </a:solidFill>
@@ -10254,7 +10156,7 @@
               <a:buNone/>
             </a:pPr>
             <a:r>
-              <a:rPr lang="en-US" sz="2400" i="0" u="none" strike="noStrike" cap="none" dirty="0" err="1">
+              <a:rPr lang="en-US" sz="2400" b="1" i="0" u="none" strike="noStrike" cap="none" dirty="0" err="1">
                 <a:solidFill>
                   <a:srgbClr val="00FF00"/>
                 </a:solidFill>
@@ -10266,7 +10168,7 @@
               <a:t>fhand</a:t>
             </a:r>
             <a:r>
-              <a:rPr lang="en-US" sz="2400" i="0" u="none" strike="noStrike" cap="none" dirty="0">
+              <a:rPr lang="en-US" sz="2400" b="1" i="0" u="none" strike="noStrike" cap="none" dirty="0">
                 <a:solidFill>
                   <a:schemeClr val="lt1"/>
                 </a:solidFill>
@@ -10278,7 +10180,7 @@
               <a:t> = </a:t>
             </a:r>
             <a:r>
-              <a:rPr lang="en-US" sz="2400" i="0" u="none" strike="noStrike" cap="none" dirty="0">
+              <a:rPr lang="en-US" sz="2400" b="1" i="0" u="none" strike="noStrike" cap="none" dirty="0">
                 <a:solidFill>
                   <a:srgbClr val="FF00FF"/>
                 </a:solidFill>
@@ -10290,7 +10192,7 @@
               <a:t>open</a:t>
             </a:r>
             <a:r>
-              <a:rPr lang="en-US" sz="2400" i="0" u="none" strike="noStrike" cap="none" dirty="0">
+              <a:rPr lang="en-US" sz="2400" b="1" i="0" u="none" strike="noStrike" cap="none" dirty="0">
                 <a:solidFill>
                   <a:schemeClr val="lt1"/>
                 </a:solidFill>
@@ -10302,7 +10204,7 @@
               <a:t>('</a:t>
             </a:r>
             <a:r>
-              <a:rPr lang="en-US" sz="2400" i="0" u="none" strike="noStrike" cap="none" dirty="0" err="1">
+              <a:rPr lang="en-US" sz="2400" b="1" i="0" u="none" strike="noStrike" cap="none" dirty="0" err="1">
                 <a:solidFill>
                   <a:schemeClr val="lt1"/>
                 </a:solidFill>
@@ -10314,7 +10216,7 @@
               <a:t>mbox-short.txt</a:t>
             </a:r>
             <a:r>
-              <a:rPr lang="en-US" sz="2400" i="0" u="none" strike="noStrike" cap="none" dirty="0">
+              <a:rPr lang="en-US" sz="2400" b="1" i="0" u="none" strike="noStrike" cap="none" dirty="0">
                 <a:solidFill>
                   <a:schemeClr val="lt1"/>
                 </a:solidFill>
@@ -10345,7 +10247,7 @@
               <a:buNone/>
             </a:pPr>
             <a:r>
-              <a:rPr lang="en-US" sz="2400" i="0" u="none" strike="noStrike" cap="none" dirty="0">
+              <a:rPr lang="en-US" sz="2400" b="1" i="0" u="none" strike="noStrike" cap="none" dirty="0">
                 <a:solidFill>
                   <a:srgbClr val="FFFF00"/>
                 </a:solidFill>
@@ -10357,7 +10259,7 @@
               <a:t>for</a:t>
             </a:r>
             <a:r>
-              <a:rPr lang="en-US" sz="2400" i="0" u="none" strike="noStrike" cap="none" dirty="0">
+              <a:rPr lang="en-US" sz="2400" b="1" i="0" u="none" strike="noStrike" cap="none" dirty="0">
                 <a:solidFill>
                   <a:schemeClr val="lt1"/>
                 </a:solidFill>
@@ -10369,7 +10271,7 @@
               <a:t> </a:t>
             </a:r>
             <a:r>
-              <a:rPr lang="en-US" sz="2400" i="0" u="none" strike="noStrike" cap="none" dirty="0">
+              <a:rPr lang="en-US" sz="2400" b="1" i="0" u="none" strike="noStrike" cap="none" dirty="0">
                 <a:solidFill>
                   <a:srgbClr val="00FF00"/>
                 </a:solidFill>
@@ -10381,7 +10283,7 @@
               <a:t>line</a:t>
             </a:r>
             <a:r>
-              <a:rPr lang="en-US" sz="2400" i="0" u="none" strike="noStrike" cap="none" dirty="0">
+              <a:rPr lang="en-US" sz="2400" b="1" i="0" u="none" strike="noStrike" cap="none" dirty="0">
                 <a:solidFill>
                   <a:schemeClr val="lt1"/>
                 </a:solidFill>
@@ -10393,7 +10295,7 @@
               <a:t> </a:t>
             </a:r>
             <a:r>
-              <a:rPr lang="en-US" sz="2400" i="0" u="none" strike="noStrike" cap="none" dirty="0">
+              <a:rPr lang="en-US" sz="2400" b="1" i="0" u="none" strike="noStrike" cap="none" dirty="0">
                 <a:solidFill>
                   <a:srgbClr val="FFFF00"/>
                 </a:solidFill>
@@ -10405,7 +10307,7 @@
               <a:t>in</a:t>
             </a:r>
             <a:r>
-              <a:rPr lang="en-US" sz="2400" i="0" u="none" strike="noStrike" cap="none" dirty="0">
+              <a:rPr lang="en-US" sz="2400" b="1" i="0" u="none" strike="noStrike" cap="none" dirty="0">
                 <a:solidFill>
                   <a:schemeClr val="lt1"/>
                 </a:solidFill>
@@ -10417,7 +10319,7 @@
               <a:t> </a:t>
             </a:r>
             <a:r>
-              <a:rPr lang="en-US" sz="2400" i="0" u="none" strike="noStrike" cap="none" dirty="0" err="1">
+              <a:rPr lang="en-US" sz="2400" b="1" i="0" u="none" strike="noStrike" cap="none" dirty="0" err="1">
                 <a:solidFill>
                   <a:srgbClr val="00FF00"/>
                 </a:solidFill>
@@ -10429,7 +10331,7 @@
               <a:t>fhand</a:t>
             </a:r>
             <a:r>
-              <a:rPr lang="en-US" sz="2400" i="0" u="none" strike="noStrike" cap="none" dirty="0">
+              <a:rPr lang="en-US" sz="2400" b="1" i="0" u="none" strike="noStrike" cap="none" dirty="0">
                 <a:solidFill>
                   <a:schemeClr val="lt1"/>
                 </a:solidFill>
@@ -10460,7 +10362,7 @@
               <a:buNone/>
             </a:pPr>
             <a:r>
-              <a:rPr lang="en-US" sz="2400" dirty="0">
+              <a:rPr lang="en-US" sz="2400" b="1" dirty="0">
                 <a:solidFill>
                   <a:schemeClr val="lt1"/>
                 </a:solidFill>
@@ -10472,7 +10374,7 @@
               <a:t>    </a:t>
             </a:r>
             <a:r>
-              <a:rPr lang="en-US" sz="2400" i="0" u="none" strike="noStrike" cap="none" dirty="0">
+              <a:rPr lang="en-US" sz="2400" b="1" i="0" u="none" strike="noStrike" cap="none" dirty="0">
                 <a:solidFill>
                   <a:srgbClr val="00FF00"/>
                 </a:solidFill>
@@ -10484,7 +10386,7 @@
               <a:t>line</a:t>
             </a:r>
             <a:r>
-              <a:rPr lang="en-US" sz="2400" i="0" u="none" strike="noStrike" cap="none" dirty="0">
+              <a:rPr lang="en-US" sz="2400" b="1" i="0" u="none" strike="noStrike" cap="none" dirty="0">
                 <a:solidFill>
                   <a:schemeClr val="lt1"/>
                 </a:solidFill>
@@ -10496,7 +10398,7 @@
               <a:t> = </a:t>
             </a:r>
             <a:r>
-              <a:rPr lang="en-US" sz="2400" i="0" u="none" strike="noStrike" cap="none" dirty="0" err="1">
+              <a:rPr lang="en-US" sz="2400" b="1" i="0" u="none" strike="noStrike" cap="none" dirty="0" err="1">
                 <a:solidFill>
                   <a:srgbClr val="00FF00"/>
                 </a:solidFill>
@@ -10508,7 +10410,7 @@
               <a:t>line</a:t>
             </a:r>
             <a:r>
-              <a:rPr lang="en-US" sz="2400" i="0" u="none" strike="noStrike" cap="none" dirty="0" err="1">
+              <a:rPr lang="en-US" sz="2400" b="1" i="0" u="none" strike="noStrike" cap="none" dirty="0" err="1">
                 <a:solidFill>
                   <a:srgbClr val="FF7F00"/>
                 </a:solidFill>
@@ -10520,7 +10422,7 @@
               <a:t>.rstrip</a:t>
             </a:r>
             <a:r>
-              <a:rPr lang="en-US" sz="2400" i="0" u="none" strike="noStrike" cap="none" dirty="0">
+              <a:rPr lang="en-US" sz="2400" b="1" i="0" u="none" strike="noStrike" cap="none" dirty="0">
                 <a:solidFill>
                   <a:schemeClr val="lt1"/>
                 </a:solidFill>
@@ -10551,7 +10453,7 @@
               <a:buNone/>
             </a:pPr>
             <a:r>
-              <a:rPr lang="en-US" sz="2400" i="0" u="none" strike="noStrike" cap="none" dirty="0">
+              <a:rPr lang="en-US" sz="2400" b="1" i="0" u="none" strike="noStrike" cap="none" dirty="0">
                 <a:solidFill>
                   <a:schemeClr val="lt1"/>
                 </a:solidFill>
@@ -10563,7 +10465,7 @@
               <a:t>    </a:t>
             </a:r>
             <a:r>
-              <a:rPr lang="en-US" sz="2400" i="0" u="none" strike="noStrike" cap="none" dirty="0">
+              <a:rPr lang="en-US" sz="2400" b="1" i="0" u="none" strike="noStrike" cap="none" dirty="0">
                 <a:solidFill>
                   <a:srgbClr val="FFFF00"/>
                 </a:solidFill>
@@ -10575,7 +10477,7 @@
               <a:t>if</a:t>
             </a:r>
             <a:r>
-              <a:rPr lang="en-US" sz="2400" i="0" u="none" strike="noStrike" cap="none" dirty="0">
+              <a:rPr lang="en-US" sz="2400" b="1" i="0" u="none" strike="noStrike" cap="none" dirty="0">
                 <a:solidFill>
                   <a:schemeClr val="lt1"/>
                 </a:solidFill>
@@ -10587,7 +10489,7 @@
               <a:t> </a:t>
             </a:r>
             <a:r>
-              <a:rPr lang="en-US" sz="2400" i="0" u="none" strike="noStrike" cap="none" dirty="0" err="1">
+              <a:rPr lang="en-US" sz="2400" b="1" i="0" u="none" strike="noStrike" cap="none" dirty="0" err="1">
                 <a:solidFill>
                   <a:srgbClr val="00FF00"/>
                 </a:solidFill>
@@ -10599,7 +10501,7 @@
               <a:t>line</a:t>
             </a:r>
             <a:r>
-              <a:rPr lang="en-US" sz="2400" i="0" u="none" strike="noStrike" cap="none" dirty="0" err="1">
+              <a:rPr lang="en-US" sz="2400" b="1" i="0" u="none" strike="noStrike" cap="none" dirty="0" err="1">
                 <a:solidFill>
                   <a:srgbClr val="FF00FF"/>
                 </a:solidFill>
@@ -10611,7 +10513,7 @@
               <a:t>.startswith</a:t>
             </a:r>
             <a:r>
-              <a:rPr lang="en-US" sz="2400" i="0" u="none" strike="noStrike" cap="none" dirty="0">
+              <a:rPr lang="en-US" sz="2400" b="1" i="0" u="none" strike="noStrike" cap="none" dirty="0">
                 <a:solidFill>
                   <a:schemeClr val="lt1"/>
                 </a:solidFill>
@@ -10642,7 +10544,7 @@
               <a:buNone/>
             </a:pPr>
             <a:r>
-              <a:rPr lang="en-US" sz="2400" i="0" u="none" strike="noStrike" cap="none" dirty="0">
+              <a:rPr lang="en-US" sz="2400" b="1" i="0" u="none" strike="noStrike" cap="none" dirty="0">
                 <a:solidFill>
                   <a:schemeClr val="lt1"/>
                 </a:solidFill>
@@ -10654,7 +10556,7 @@
               <a:t>    </a:t>
             </a:r>
             <a:r>
-              <a:rPr lang="en-US" sz="2400" dirty="0">
+              <a:rPr lang="en-US" sz="2400" b="1" dirty="0">
                 <a:solidFill>
                   <a:schemeClr val="lt1"/>
                 </a:solidFill>
@@ -10666,7 +10568,7 @@
               <a:t>    </a:t>
             </a:r>
             <a:r>
-              <a:rPr lang="en-US" sz="2400" i="0" u="none" strike="noStrike" cap="none" dirty="0" smtClean="0">
+              <a:rPr lang="en-US" sz="2400" b="1" i="0" u="none" strike="noStrike" cap="none" dirty="0">
                 <a:solidFill>
                   <a:srgbClr val="FFFF00"/>
                 </a:solidFill>
@@ -10678,7 +10580,7 @@
               <a:t>print</a:t>
             </a:r>
             <a:r>
-              <a:rPr lang="en-US" sz="2400" dirty="0" smtClean="0">
+              <a:rPr lang="en-US" sz="2400" b="1" dirty="0">
                 <a:solidFill>
                   <a:schemeClr val="lt1"/>
                 </a:solidFill>
@@ -10690,7 +10592,7 @@
               <a:t>(</a:t>
             </a:r>
             <a:r>
-              <a:rPr lang="en-US" sz="2400" i="0" u="none" strike="noStrike" cap="none" dirty="0" smtClean="0">
+              <a:rPr lang="en-US" sz="2400" b="1" i="0" u="none" strike="noStrike" cap="none" dirty="0">
                 <a:solidFill>
                   <a:srgbClr val="00FF00"/>
                 </a:solidFill>
@@ -10702,7 +10604,7 @@
               <a:t>line</a:t>
             </a:r>
             <a:r>
-              <a:rPr lang="en-US" sz="2400" i="0" u="none" strike="noStrike" cap="none" dirty="0" smtClean="0">
+              <a:rPr lang="en-US" sz="2400" b="1" i="0" u="none" strike="noStrike" cap="none" dirty="0">
                 <a:solidFill>
                   <a:schemeClr val="bg1"/>
                 </a:solidFill>
@@ -10713,15 +10615,6 @@
               </a:rPr>
               <a:t>)</a:t>
             </a:r>
-            <a:endParaRPr lang="en-US" sz="2400" i="0" u="none" strike="noStrike" cap="none" dirty="0">
-              <a:solidFill>
-                <a:schemeClr val="bg1"/>
-              </a:solidFill>
-              <a:latin typeface="Courier"/>
-              <a:ea typeface="Courier"/>
-              <a:cs typeface="Courier"/>
-              <a:sym typeface="Courier New"/>
-            </a:endParaRPr>
           </a:p>
         </p:txBody>
       </p:sp>
@@ -11232,7 +11125,7 @@
               <a:buNone/>
             </a:pPr>
             <a:r>
-              <a:rPr lang="en-US" sz="3000" i="0" u="none" strike="noStrike" cap="none" dirty="0" err="1">
+              <a:rPr lang="en-US" sz="3000" b="1" i="0" u="none" strike="noStrike" cap="none" dirty="0" err="1">
                 <a:solidFill>
                   <a:srgbClr val="00FF00"/>
                 </a:solidFill>
@@ -11244,7 +11137,7 @@
               <a:t>fhand</a:t>
             </a:r>
             <a:r>
-              <a:rPr lang="en-US" sz="3000" i="0" u="none" strike="noStrike" cap="none" dirty="0">
+              <a:rPr lang="en-US" sz="3000" b="1" i="0" u="none" strike="noStrike" cap="none" dirty="0">
                 <a:solidFill>
                   <a:schemeClr val="lt1"/>
                 </a:solidFill>
@@ -11256,7 +11149,7 @@
               <a:t> = </a:t>
             </a:r>
             <a:r>
-              <a:rPr lang="en-US" sz="3000" i="0" u="none" strike="noStrike" cap="none" dirty="0">
+              <a:rPr lang="en-US" sz="3000" b="1" i="0" u="none" strike="noStrike" cap="none" dirty="0">
                 <a:solidFill>
                   <a:srgbClr val="00FF00"/>
                 </a:solidFill>
@@ -11268,7 +11161,7 @@
               <a:t>open</a:t>
             </a:r>
             <a:r>
-              <a:rPr lang="en-US" sz="3000" i="0" u="none" strike="noStrike" cap="none" dirty="0">
+              <a:rPr lang="en-US" sz="3000" b="1" i="0" u="none" strike="noStrike" cap="none" dirty="0">
                 <a:solidFill>
                   <a:schemeClr val="lt1"/>
                 </a:solidFill>
@@ -11280,7 +11173,7 @@
               <a:t>('</a:t>
             </a:r>
             <a:r>
-              <a:rPr lang="en-US" sz="3000" i="0" u="none" strike="noStrike" cap="none" dirty="0" err="1">
+              <a:rPr lang="en-US" sz="3000" b="1" i="0" u="none" strike="noStrike" cap="none" dirty="0" err="1">
                 <a:solidFill>
                   <a:schemeClr val="lt1"/>
                 </a:solidFill>
@@ -11292,7 +11185,7 @@
               <a:t>mbox-short.txt</a:t>
             </a:r>
             <a:r>
-              <a:rPr lang="en-US" sz="3000" i="0" u="none" strike="noStrike" cap="none" dirty="0">
+              <a:rPr lang="en-US" sz="3000" b="1" i="0" u="none" strike="noStrike" cap="none" dirty="0">
                 <a:solidFill>
                   <a:schemeClr val="lt1"/>
                 </a:solidFill>
@@ -11323,7 +11216,7 @@
               <a:buNone/>
             </a:pPr>
             <a:r>
-              <a:rPr lang="en-US" sz="3000" i="0" u="none" strike="noStrike" cap="none" dirty="0">
+              <a:rPr lang="en-US" sz="3000" b="1" i="0" u="none" strike="noStrike" cap="none" dirty="0">
                 <a:solidFill>
                   <a:srgbClr val="FFFF00"/>
                 </a:solidFill>
@@ -11335,7 +11228,7 @@
               <a:t>for</a:t>
             </a:r>
             <a:r>
-              <a:rPr lang="en-US" sz="3000" i="0" u="none" strike="noStrike" cap="none" dirty="0">
+              <a:rPr lang="en-US" sz="3000" b="1" i="0" u="none" strike="noStrike" cap="none" dirty="0">
                 <a:solidFill>
                   <a:schemeClr val="lt1"/>
                 </a:solidFill>
@@ -11347,7 +11240,7 @@
               <a:t> </a:t>
             </a:r>
             <a:r>
-              <a:rPr lang="en-US" sz="3000" i="0" u="none" strike="noStrike" cap="none" dirty="0">
+              <a:rPr lang="en-US" sz="3000" b="1" i="0" u="none" strike="noStrike" cap="none" dirty="0">
                 <a:solidFill>
                   <a:srgbClr val="00FF00"/>
                 </a:solidFill>
@@ -11359,7 +11252,7 @@
               <a:t>line</a:t>
             </a:r>
             <a:r>
-              <a:rPr lang="en-US" sz="3000" i="0" u="none" strike="noStrike" cap="none" dirty="0">
+              <a:rPr lang="en-US" sz="3000" b="1" i="0" u="none" strike="noStrike" cap="none" dirty="0">
                 <a:solidFill>
                   <a:schemeClr val="lt1"/>
                 </a:solidFill>
@@ -11371,7 +11264,7 @@
               <a:t> </a:t>
             </a:r>
             <a:r>
-              <a:rPr lang="en-US" sz="3000" i="0" u="none" strike="noStrike" cap="none" dirty="0">
+              <a:rPr lang="en-US" sz="3000" b="1" i="0" u="none" strike="noStrike" cap="none" dirty="0">
                 <a:solidFill>
                   <a:srgbClr val="FFFF00"/>
                 </a:solidFill>
@@ -11383,7 +11276,7 @@
               <a:t>in</a:t>
             </a:r>
             <a:r>
-              <a:rPr lang="en-US" sz="3000" i="0" u="none" strike="noStrike" cap="none" dirty="0">
+              <a:rPr lang="en-US" sz="3000" b="1" i="0" u="none" strike="noStrike" cap="none" dirty="0">
                 <a:solidFill>
                   <a:schemeClr val="lt1"/>
                 </a:solidFill>
@@ -11395,7 +11288,7 @@
               <a:t> </a:t>
             </a:r>
             <a:r>
-              <a:rPr lang="en-US" sz="3000" i="0" u="none" strike="noStrike" cap="none" dirty="0" err="1">
+              <a:rPr lang="en-US" sz="3000" b="1" i="0" u="none" strike="noStrike" cap="none" dirty="0" err="1">
                 <a:solidFill>
                   <a:srgbClr val="00FF00"/>
                 </a:solidFill>
@@ -11407,7 +11300,7 @@
               <a:t>fhand</a:t>
             </a:r>
             <a:r>
-              <a:rPr lang="en-US" sz="3000" i="0" u="none" strike="noStrike" cap="none" dirty="0">
+              <a:rPr lang="en-US" sz="3000" b="1" i="0" u="none" strike="noStrike" cap="none" dirty="0">
                 <a:solidFill>
                   <a:schemeClr val="lt1"/>
                 </a:solidFill>
@@ -11438,7 +11331,7 @@
               <a:buNone/>
             </a:pPr>
             <a:r>
-              <a:rPr lang="en-US" sz="3000" i="0" u="none" strike="noStrike" cap="none" dirty="0">
+              <a:rPr lang="en-US" sz="3000" b="1" i="0" u="none" strike="noStrike" cap="none" dirty="0">
                 <a:solidFill>
                   <a:schemeClr val="lt1"/>
                 </a:solidFill>
@@ -11450,7 +11343,7 @@
               <a:t>    </a:t>
             </a:r>
             <a:r>
-              <a:rPr lang="en-US" sz="3000" i="0" u="none" strike="noStrike" cap="none" dirty="0">
+              <a:rPr lang="en-US" sz="3000" b="1" i="0" u="none" strike="noStrike" cap="none" dirty="0">
                 <a:solidFill>
                   <a:srgbClr val="00FF00"/>
                 </a:solidFill>
@@ -11462,7 +11355,7 @@
               <a:t>line</a:t>
             </a:r>
             <a:r>
-              <a:rPr lang="en-US" sz="3000" i="0" u="none" strike="noStrike" cap="none" dirty="0">
+              <a:rPr lang="en-US" sz="3000" b="1" i="0" u="none" strike="noStrike" cap="none" dirty="0">
                 <a:solidFill>
                   <a:schemeClr val="lt1"/>
                 </a:solidFill>
@@ -11474,7 +11367,7 @@
               <a:t> = </a:t>
             </a:r>
             <a:r>
-              <a:rPr lang="en-US" sz="3000" i="0" u="none" strike="noStrike" cap="none" dirty="0" err="1">
+              <a:rPr lang="en-US" sz="3000" b="1" i="0" u="none" strike="noStrike" cap="none" dirty="0" err="1">
                 <a:solidFill>
                   <a:srgbClr val="00FF00"/>
                 </a:solidFill>
@@ -11486,7 +11379,7 @@
               <a:t>line</a:t>
             </a:r>
             <a:r>
-              <a:rPr lang="en-US" sz="3000" i="0" u="none" strike="noStrike" cap="none" dirty="0" err="1">
+              <a:rPr lang="en-US" sz="3000" b="1" i="0" u="none" strike="noStrike" cap="none" dirty="0" err="1">
                 <a:solidFill>
                   <a:srgbClr val="FF00FF"/>
                 </a:solidFill>
@@ -11498,7 +11391,7 @@
               <a:t>.rstrip</a:t>
             </a:r>
             <a:r>
-              <a:rPr lang="en-US" sz="3000" i="0" u="none" strike="noStrike" cap="none" dirty="0">
+              <a:rPr lang="en-US" sz="3000" b="1" i="0" u="none" strike="noStrike" cap="none" dirty="0">
                 <a:solidFill>
                   <a:schemeClr val="lt1"/>
                 </a:solidFill>
@@ -11529,7 +11422,7 @@
               <a:buNone/>
             </a:pPr>
             <a:r>
-              <a:rPr lang="en-US" sz="3000" i="0" u="none" strike="noStrike" cap="none" dirty="0">
+              <a:rPr lang="en-US" sz="3000" b="1" i="0" u="none" strike="noStrike" cap="none" dirty="0">
                 <a:solidFill>
                   <a:schemeClr val="lt1"/>
                 </a:solidFill>
@@ -11541,7 +11434,7 @@
               <a:t>    </a:t>
             </a:r>
             <a:r>
-              <a:rPr lang="en-US" sz="3000" i="0" u="none" strike="noStrike" cap="none" dirty="0">
+              <a:rPr lang="en-US" sz="3000" b="1" i="0" u="none" strike="noStrike" cap="none" dirty="0">
                 <a:solidFill>
                   <a:srgbClr val="FFFF00"/>
                 </a:solidFill>
@@ -11553,7 +11446,7 @@
               <a:t>if</a:t>
             </a:r>
             <a:r>
-              <a:rPr lang="en-US" sz="3000" i="0" u="none" strike="noStrike" cap="none" dirty="0">
+              <a:rPr lang="en-US" sz="3000" b="1" i="0" u="none" strike="noStrike" cap="none" dirty="0">
                 <a:solidFill>
                   <a:schemeClr val="lt1"/>
                 </a:solidFill>
@@ -11565,7 +11458,7 @@
               <a:t> </a:t>
             </a:r>
             <a:r>
-              <a:rPr lang="en-US" sz="3000" i="0" u="none" strike="noStrike" cap="none" dirty="0">
+              <a:rPr lang="en-US" sz="3000" b="1" i="0" u="none" strike="noStrike" cap="none" dirty="0">
                 <a:solidFill>
                   <a:srgbClr val="FFFF00"/>
                 </a:solidFill>
@@ -11577,7 +11470,7 @@
               <a:t>not</a:t>
             </a:r>
             <a:r>
-              <a:rPr lang="en-US" sz="3000" i="0" u="none" strike="noStrike" cap="none" dirty="0">
+              <a:rPr lang="en-US" sz="3000" b="1" i="0" u="none" strike="noStrike" cap="none" dirty="0">
                 <a:solidFill>
                   <a:schemeClr val="lt1"/>
                 </a:solidFill>
@@ -11589,7 +11482,7 @@
               <a:t> </a:t>
             </a:r>
             <a:r>
-              <a:rPr lang="en-US" sz="3000" i="0" u="none" strike="noStrike" cap="none" dirty="0" err="1">
+              <a:rPr lang="en-US" sz="3000" b="1" i="0" u="none" strike="noStrike" cap="none" dirty="0" err="1">
                 <a:solidFill>
                   <a:srgbClr val="00FF00"/>
                 </a:solidFill>
@@ -11601,7 +11494,7 @@
               <a:t>line</a:t>
             </a:r>
             <a:r>
-              <a:rPr lang="en-US" sz="3000" i="0" u="none" strike="noStrike" cap="none" dirty="0" err="1">
+              <a:rPr lang="en-US" sz="3000" b="1" i="0" u="none" strike="noStrike" cap="none" dirty="0" err="1">
                 <a:solidFill>
                   <a:srgbClr val="FF00FF"/>
                 </a:solidFill>
@@ -11613,7 +11506,7 @@
               <a:t>.startswith</a:t>
             </a:r>
             <a:r>
-              <a:rPr lang="en-US" sz="3000" i="0" u="none" strike="noStrike" cap="none" dirty="0">
+              <a:rPr lang="en-US" sz="3000" b="1" i="0" u="none" strike="noStrike" cap="none" dirty="0">
                 <a:solidFill>
                   <a:schemeClr val="lt1"/>
                 </a:solidFill>
@@ -11644,7 +11537,7 @@
               <a:buNone/>
             </a:pPr>
             <a:r>
-              <a:rPr lang="en-US" sz="3000" i="0" u="none" strike="noStrike" cap="none" dirty="0">
+              <a:rPr lang="en-US" sz="3000" b="1" i="0" u="none" strike="noStrike" cap="none" dirty="0">
                 <a:solidFill>
                   <a:schemeClr val="lt1"/>
                 </a:solidFill>
@@ -11656,7 +11549,7 @@
               <a:t>    </a:t>
             </a:r>
             <a:r>
-              <a:rPr lang="en-US" sz="3000" dirty="0">
+              <a:rPr lang="en-US" sz="3000" b="1" dirty="0">
                 <a:solidFill>
                   <a:schemeClr val="lt1"/>
                 </a:solidFill>
@@ -11668,7 +11561,7 @@
               <a:t>    </a:t>
             </a:r>
             <a:r>
-              <a:rPr lang="en-US" sz="3000" i="0" u="none" strike="noStrike" cap="none" dirty="0">
+              <a:rPr lang="en-US" sz="3000" b="1" i="0" u="none" strike="noStrike" cap="none" dirty="0">
                 <a:solidFill>
                   <a:srgbClr val="FFFF00"/>
                 </a:solidFill>
@@ -11688,7 +11581,7 @@
               <a:buSzPct val="25000"/>
             </a:pPr>
             <a:r>
-              <a:rPr lang="en-US" sz="3000" i="0" u="none" strike="noStrike" cap="none" dirty="0">
+              <a:rPr lang="en-US" sz="3000" b="1" i="0" u="none" strike="noStrike" cap="none" dirty="0">
                 <a:solidFill>
                   <a:schemeClr val="lt1"/>
                 </a:solidFill>
@@ -11700,7 +11593,7 @@
               <a:t>    </a:t>
             </a:r>
             <a:r>
-              <a:rPr lang="en-US" sz="3000" i="0" u="none" strike="noStrike" cap="none" dirty="0" smtClean="0">
+              <a:rPr lang="en-US" sz="3000" b="1" i="0" u="none" strike="noStrike" cap="none" dirty="0">
                 <a:solidFill>
                   <a:srgbClr val="FFFF00"/>
                 </a:solidFill>
@@ -11712,7 +11605,7 @@
               <a:t>print</a:t>
             </a:r>
             <a:r>
-              <a:rPr lang="en-US" sz="3000" dirty="0" smtClean="0">
+              <a:rPr lang="en-US" sz="3000" b="1" dirty="0">
                 <a:solidFill>
                   <a:schemeClr val="lt1"/>
                 </a:solidFill>
@@ -11724,7 +11617,7 @@
               <a:t>(</a:t>
             </a:r>
             <a:r>
-              <a:rPr lang="en-US" sz="3000" i="0" u="none" strike="noStrike" cap="none" dirty="0" smtClean="0">
+              <a:rPr lang="en-US" sz="3000" b="1" i="0" u="none" strike="noStrike" cap="none" dirty="0">
                 <a:solidFill>
                   <a:srgbClr val="00FF00"/>
                 </a:solidFill>
@@ -11736,7 +11629,7 @@
               <a:t>line</a:t>
             </a:r>
             <a:r>
-              <a:rPr lang="en-US" sz="3000" dirty="0" smtClean="0">
+              <a:rPr lang="en-US" sz="3000" b="1" dirty="0">
                 <a:solidFill>
                   <a:schemeClr val="lt1"/>
                 </a:solidFill>
@@ -11747,15 +11640,6 @@
               </a:rPr>
               <a:t>)</a:t>
             </a:r>
-            <a:endParaRPr lang="en-US" sz="3000" dirty="0">
-              <a:solidFill>
-                <a:schemeClr val="lt1"/>
-              </a:solidFill>
-              <a:latin typeface="Courier"/>
-              <a:ea typeface="Courier"/>
-              <a:cs typeface="Courier"/>
-              <a:sym typeface="Courier New"/>
-            </a:endParaRPr>
           </a:p>
         </p:txBody>
       </p:sp>
@@ -13179,7 +13063,7 @@
               <a:buNone/>
             </a:pPr>
             <a:r>
-              <a:rPr lang="en-US" sz="2400" i="0" u="none" strike="noStrike" cap="none" dirty="0" err="1">
+              <a:rPr lang="en-US" sz="2400" b="1" i="0" u="none" strike="noStrike" cap="none" dirty="0" err="1">
                 <a:solidFill>
                   <a:srgbClr val="00FF00"/>
                 </a:solidFill>
@@ -13191,7 +13075,7 @@
               <a:t>fhand</a:t>
             </a:r>
             <a:r>
-              <a:rPr lang="en-US" sz="2400" i="0" u="none" strike="noStrike" cap="none" dirty="0">
+              <a:rPr lang="en-US" sz="2400" b="1" i="0" u="none" strike="noStrike" cap="none" dirty="0">
                 <a:solidFill>
                   <a:schemeClr val="lt1"/>
                 </a:solidFill>
@@ -13203,7 +13087,7 @@
               <a:t> = </a:t>
             </a:r>
             <a:r>
-              <a:rPr lang="en-US" sz="2400" i="0" u="none" strike="noStrike" cap="none" dirty="0">
+              <a:rPr lang="en-US" sz="2400" b="1" i="0" u="none" strike="noStrike" cap="none" dirty="0">
                 <a:solidFill>
                   <a:srgbClr val="FF00FF"/>
                 </a:solidFill>
@@ -13215,7 +13099,7 @@
               <a:t>open</a:t>
             </a:r>
             <a:r>
-              <a:rPr lang="en-US" sz="2400" i="0" u="none" strike="noStrike" cap="none" dirty="0">
+              <a:rPr lang="en-US" sz="2400" b="1" i="0" u="none" strike="noStrike" cap="none" dirty="0">
                 <a:solidFill>
                   <a:schemeClr val="lt1"/>
                 </a:solidFill>
@@ -13227,7 +13111,7 @@
               <a:t>('</a:t>
             </a:r>
             <a:r>
-              <a:rPr lang="en-US" sz="2400" i="0" u="none" strike="noStrike" cap="none" dirty="0" err="1">
+              <a:rPr lang="en-US" sz="2400" b="1" i="0" u="none" strike="noStrike" cap="none" dirty="0" err="1">
                 <a:solidFill>
                   <a:schemeClr val="lt1"/>
                 </a:solidFill>
@@ -13239,7 +13123,7 @@
               <a:t>mbox-short.txt</a:t>
             </a:r>
             <a:r>
-              <a:rPr lang="en-US" sz="2400" i="0" u="none" strike="noStrike" cap="none" dirty="0">
+              <a:rPr lang="en-US" sz="2400" b="1" i="0" u="none" strike="noStrike" cap="none" dirty="0">
                 <a:solidFill>
                   <a:schemeClr val="lt1"/>
                 </a:solidFill>
@@ -13270,7 +13154,7 @@
               <a:buNone/>
             </a:pPr>
             <a:r>
-              <a:rPr lang="en-US" sz="2400" i="0" u="none" strike="noStrike" cap="none" dirty="0">
+              <a:rPr lang="en-US" sz="2400" b="1" i="0" u="none" strike="noStrike" cap="none" dirty="0">
                 <a:solidFill>
                   <a:srgbClr val="FFFF00"/>
                 </a:solidFill>
@@ -13282,7 +13166,7 @@
               <a:t>for</a:t>
             </a:r>
             <a:r>
-              <a:rPr lang="en-US" sz="2400" i="0" u="none" strike="noStrike" cap="none" dirty="0">
+              <a:rPr lang="en-US" sz="2400" b="1" i="0" u="none" strike="noStrike" cap="none" dirty="0">
                 <a:solidFill>
                   <a:schemeClr val="lt1"/>
                 </a:solidFill>
@@ -13294,7 +13178,7 @@
               <a:t> </a:t>
             </a:r>
             <a:r>
-              <a:rPr lang="en-US" sz="2400" i="0" u="none" strike="noStrike" cap="none" dirty="0">
+              <a:rPr lang="en-US" sz="2400" b="1" i="0" u="none" strike="noStrike" cap="none" dirty="0">
                 <a:solidFill>
                   <a:srgbClr val="00FF00"/>
                 </a:solidFill>
@@ -13306,7 +13190,7 @@
               <a:t>line</a:t>
             </a:r>
             <a:r>
-              <a:rPr lang="en-US" sz="2400" i="0" u="none" strike="noStrike" cap="none" dirty="0">
+              <a:rPr lang="en-US" sz="2400" b="1" i="0" u="none" strike="noStrike" cap="none" dirty="0">
                 <a:solidFill>
                   <a:schemeClr val="lt1"/>
                 </a:solidFill>
@@ -13318,7 +13202,7 @@
               <a:t> </a:t>
             </a:r>
             <a:r>
-              <a:rPr lang="en-US" sz="2400" i="0" u="none" strike="noStrike" cap="none" dirty="0">
+              <a:rPr lang="en-US" sz="2400" b="1" i="0" u="none" strike="noStrike" cap="none" dirty="0">
                 <a:solidFill>
                   <a:srgbClr val="FFFF00"/>
                 </a:solidFill>
@@ -13330,7 +13214,7 @@
               <a:t>in</a:t>
             </a:r>
             <a:r>
-              <a:rPr lang="en-US" sz="2400" i="0" u="none" strike="noStrike" cap="none" dirty="0">
+              <a:rPr lang="en-US" sz="2400" b="1" i="0" u="none" strike="noStrike" cap="none" dirty="0">
                 <a:solidFill>
                   <a:schemeClr val="lt1"/>
                 </a:solidFill>
@@ -13342,7 +13226,7 @@
               <a:t> </a:t>
             </a:r>
             <a:r>
-              <a:rPr lang="en-US" sz="2400" i="0" u="none" strike="noStrike" cap="none" dirty="0" err="1">
+              <a:rPr lang="en-US" sz="2400" b="1" i="0" u="none" strike="noStrike" cap="none" dirty="0" err="1">
                 <a:solidFill>
                   <a:srgbClr val="00FF00"/>
                 </a:solidFill>
@@ -13354,7 +13238,7 @@
               <a:t>fhand</a:t>
             </a:r>
             <a:r>
-              <a:rPr lang="en-US" sz="2400" i="0" u="none" strike="noStrike" cap="none" dirty="0">
+              <a:rPr lang="en-US" sz="2400" b="1" i="0" u="none" strike="noStrike" cap="none" dirty="0">
                 <a:solidFill>
                   <a:schemeClr val="lt1"/>
                 </a:solidFill>
@@ -13385,7 +13269,7 @@
               <a:buNone/>
             </a:pPr>
             <a:r>
-              <a:rPr lang="en-US" sz="2400" i="0" u="none" strike="noStrike" cap="none" dirty="0">
+              <a:rPr lang="en-US" sz="2400" b="1" i="0" u="none" strike="noStrike" cap="none" dirty="0">
                 <a:solidFill>
                   <a:schemeClr val="lt1"/>
                 </a:solidFill>
@@ -13397,7 +13281,7 @@
               <a:t>    </a:t>
             </a:r>
             <a:r>
-              <a:rPr lang="en-US" sz="2400" i="0" u="none" strike="noStrike" cap="none" dirty="0">
+              <a:rPr lang="en-US" sz="2400" b="1" i="0" u="none" strike="noStrike" cap="none" dirty="0">
                 <a:solidFill>
                   <a:srgbClr val="00FF00"/>
                 </a:solidFill>
@@ -13409,7 +13293,7 @@
               <a:t>line</a:t>
             </a:r>
             <a:r>
-              <a:rPr lang="en-US" sz="2400" i="0" u="none" strike="noStrike" cap="none" dirty="0">
+              <a:rPr lang="en-US" sz="2400" b="1" i="0" u="none" strike="noStrike" cap="none" dirty="0">
                 <a:solidFill>
                   <a:schemeClr val="lt1"/>
                 </a:solidFill>
@@ -13421,7 +13305,7 @@
               <a:t> = </a:t>
             </a:r>
             <a:r>
-              <a:rPr lang="en-US" sz="2400" i="0" u="none" strike="noStrike" cap="none" dirty="0" err="1">
+              <a:rPr lang="en-US" sz="2400" b="1" i="0" u="none" strike="noStrike" cap="none" dirty="0" err="1">
                 <a:solidFill>
                   <a:srgbClr val="00FF00"/>
                 </a:solidFill>
@@ -13433,7 +13317,7 @@
               <a:t>line</a:t>
             </a:r>
             <a:r>
-              <a:rPr lang="en-US" sz="2400" i="0" u="none" strike="noStrike" cap="none" dirty="0" err="1">
+              <a:rPr lang="en-US" sz="2400" b="1" i="0" u="none" strike="noStrike" cap="none" dirty="0" err="1">
                 <a:solidFill>
                   <a:srgbClr val="FF00FF"/>
                 </a:solidFill>
@@ -13445,7 +13329,7 @@
               <a:t>.rstrip</a:t>
             </a:r>
             <a:r>
-              <a:rPr lang="en-US" sz="2400" i="0" u="none" strike="noStrike" cap="none" dirty="0">
+              <a:rPr lang="en-US" sz="2400" b="1" i="0" u="none" strike="noStrike" cap="none" dirty="0">
                 <a:solidFill>
                   <a:schemeClr val="lt1"/>
                 </a:solidFill>
@@ -13476,7 +13360,7 @@
               <a:buNone/>
             </a:pPr>
             <a:r>
-              <a:rPr lang="en-US" sz="2400" i="0" u="none" strike="noStrike" cap="none" dirty="0">
+              <a:rPr lang="en-US" sz="2400" b="1" i="0" u="none" strike="noStrike" cap="none" dirty="0">
                 <a:solidFill>
                   <a:schemeClr val="lt1"/>
                 </a:solidFill>
@@ -13488,7 +13372,7 @@
               <a:t>    </a:t>
             </a:r>
             <a:r>
-              <a:rPr lang="en-US" sz="2400" i="0" u="none" strike="noStrike" cap="none" dirty="0">
+              <a:rPr lang="en-US" sz="2400" b="1" i="0" u="none" strike="noStrike" cap="none" dirty="0">
                 <a:solidFill>
                   <a:srgbClr val="FFFF00"/>
                 </a:solidFill>
@@ -13500,7 +13384,7 @@
               <a:t>if</a:t>
             </a:r>
             <a:r>
-              <a:rPr lang="en-US" sz="2400" i="0" u="none" strike="noStrike" cap="none" dirty="0">
+              <a:rPr lang="en-US" sz="2400" b="1" i="0" u="none" strike="noStrike" cap="none" dirty="0">
                 <a:solidFill>
                   <a:schemeClr val="lt1"/>
                 </a:solidFill>
@@ -13512,7 +13396,7 @@
               <a:t> </a:t>
             </a:r>
             <a:r>
-              <a:rPr lang="en-US" sz="2400" i="0" u="none" strike="noStrike" cap="none" dirty="0">
+              <a:rPr lang="en-US" sz="2400" b="1" i="0" u="none" strike="noStrike" cap="none" dirty="0">
                 <a:solidFill>
                   <a:srgbClr val="FFFF00"/>
                 </a:solidFill>
@@ -13524,7 +13408,7 @@
               <a:t>not</a:t>
             </a:r>
             <a:r>
-              <a:rPr lang="en-US" sz="2400" i="0" u="none" strike="noStrike" cap="none" dirty="0">
+              <a:rPr lang="en-US" sz="2400" b="1" i="0" u="none" strike="noStrike" cap="none" dirty="0">
                 <a:solidFill>
                   <a:schemeClr val="lt1"/>
                 </a:solidFill>
@@ -13536,7 +13420,7 @@
               <a:t> '</a:t>
             </a:r>
             <a:r>
-              <a:rPr lang="en-US" sz="2400" i="0" u="none" strike="noStrike" cap="none" dirty="0">
+              <a:rPr lang="en-US" sz="2400" b="1" i="0" u="none" strike="noStrike" cap="none" dirty="0">
                 <a:solidFill>
                   <a:srgbClr val="00FFFF"/>
                 </a:solidFill>
@@ -13548,7 +13432,7 @@
               <a:t>@</a:t>
             </a:r>
             <a:r>
-              <a:rPr lang="en-US" sz="2400" i="0" u="none" strike="noStrike" cap="none" dirty="0" err="1">
+              <a:rPr lang="en-US" sz="2400" b="1" i="0" u="none" strike="noStrike" cap="none" dirty="0" err="1">
                 <a:solidFill>
                   <a:srgbClr val="00FFFF"/>
                 </a:solidFill>
@@ -13560,7 +13444,7 @@
               <a:t>uct.ac.za</a:t>
             </a:r>
             <a:r>
-              <a:rPr lang="en-US" sz="2400" i="0" u="none" strike="noStrike" cap="none" dirty="0">
+              <a:rPr lang="en-US" sz="2400" b="1" i="0" u="none" strike="noStrike" cap="none" dirty="0">
                 <a:solidFill>
                   <a:schemeClr val="lt1"/>
                 </a:solidFill>
@@ -13572,7 +13456,7 @@
               <a:t>' </a:t>
             </a:r>
             <a:r>
-              <a:rPr lang="en-US" sz="2400" i="0" u="none" strike="noStrike" cap="none" dirty="0">
+              <a:rPr lang="en-US" sz="2400" b="1" i="0" u="none" strike="noStrike" cap="none" dirty="0">
                 <a:solidFill>
                   <a:srgbClr val="FFFF00"/>
                 </a:solidFill>
@@ -13584,7 +13468,7 @@
               <a:t>in</a:t>
             </a:r>
             <a:r>
-              <a:rPr lang="en-US" sz="2400" i="0" u="none" strike="noStrike" cap="none" dirty="0">
+              <a:rPr lang="en-US" sz="2400" b="1" i="0" u="none" strike="noStrike" cap="none" dirty="0">
                 <a:solidFill>
                   <a:schemeClr val="lt1"/>
                 </a:solidFill>
@@ -13596,7 +13480,7 @@
               <a:t> </a:t>
             </a:r>
             <a:r>
-              <a:rPr lang="en-US" sz="2400" i="0" u="none" strike="noStrike" cap="none" dirty="0">
+              <a:rPr lang="en-US" sz="2400" b="1" i="0" u="none" strike="noStrike" cap="none" dirty="0">
                 <a:solidFill>
                   <a:srgbClr val="00FFFF"/>
                 </a:solidFill>
@@ -13608,7 +13492,7 @@
               <a:t>line</a:t>
             </a:r>
             <a:r>
-              <a:rPr lang="en-US" sz="2400" i="0" u="none" strike="noStrike" cap="none" dirty="0">
+              <a:rPr lang="en-US" sz="2400" b="1" i="0" u="none" strike="noStrike" cap="none" dirty="0">
                 <a:solidFill>
                   <a:schemeClr val="lt1"/>
                 </a:solidFill>
@@ -13639,7 +13523,7 @@
               <a:buNone/>
             </a:pPr>
             <a:r>
-              <a:rPr lang="en-US" sz="2400" i="0" u="none" strike="noStrike" cap="none" dirty="0">
+              <a:rPr lang="en-US" sz="2400" b="1" i="0" u="none" strike="noStrike" cap="none" dirty="0">
                 <a:solidFill>
                   <a:schemeClr val="lt1"/>
                 </a:solidFill>
@@ -13651,7 +13535,7 @@
               <a:t>        </a:t>
             </a:r>
             <a:r>
-              <a:rPr lang="en-US" sz="2400" i="0" u="none" strike="noStrike" cap="none" dirty="0">
+              <a:rPr lang="en-US" sz="2400" b="1" i="0" u="none" strike="noStrike" cap="none" dirty="0">
                 <a:solidFill>
                   <a:srgbClr val="FFFF00"/>
                 </a:solidFill>
@@ -13671,7 +13555,7 @@
               <a:buSzPct val="25000"/>
             </a:pPr>
             <a:r>
-              <a:rPr lang="en-US" sz="2400" i="0" u="none" strike="noStrike" cap="none" dirty="0">
+              <a:rPr lang="en-US" sz="2400" b="1" i="0" u="none" strike="noStrike" cap="none" dirty="0">
                 <a:solidFill>
                   <a:schemeClr val="lt1"/>
                 </a:solidFill>
@@ -13683,7 +13567,7 @@
               <a:t>    </a:t>
             </a:r>
             <a:r>
-              <a:rPr lang="en-US" sz="2400" i="0" u="none" strike="noStrike" cap="none" dirty="0" smtClean="0">
+              <a:rPr lang="en-US" sz="2400" b="1" i="0" u="none" strike="noStrike" cap="none" dirty="0">
                 <a:solidFill>
                   <a:srgbClr val="FFFF00"/>
                 </a:solidFill>
@@ -13695,7 +13579,7 @@
               <a:t>print</a:t>
             </a:r>
             <a:r>
-              <a:rPr lang="en-US" sz="2400" dirty="0">
+              <a:rPr lang="en-US" sz="2400" b="1" dirty="0">
                 <a:solidFill>
                   <a:schemeClr val="lt1"/>
                 </a:solidFill>
@@ -13707,7 +13591,7 @@
               <a:t>(</a:t>
             </a:r>
             <a:r>
-              <a:rPr lang="en-US" sz="2400" i="0" u="none" strike="noStrike" cap="none" dirty="0" smtClean="0">
+              <a:rPr lang="en-US" sz="2400" b="1" i="0" u="none" strike="noStrike" cap="none" dirty="0">
                 <a:solidFill>
                   <a:srgbClr val="00FF00"/>
                 </a:solidFill>
@@ -13719,7 +13603,7 @@
               <a:t>line</a:t>
             </a:r>
             <a:r>
-              <a:rPr lang="en-US" sz="2400" dirty="0">
+              <a:rPr lang="en-US" sz="2400" b="1" dirty="0">
                 <a:solidFill>
                   <a:schemeClr val="lt1"/>
                 </a:solidFill>
@@ -13730,7 +13614,7 @@
               </a:rPr>
               <a:t>)</a:t>
             </a:r>
-            <a:endParaRPr lang="en-US" sz="2400" i="0" u="none" strike="noStrike" cap="none" dirty="0">
+            <a:endParaRPr lang="en-US" sz="2400" b="1" i="0" u="none" strike="noStrike" cap="none" dirty="0">
               <a:solidFill>
                 <a:srgbClr val="00FF00"/>
               </a:solidFill>
@@ -13785,7 +13669,7 @@
               <a:buNone/>
             </a:pPr>
             <a:r>
-              <a:rPr lang="en-US" sz="2400" i="0" u="none" strike="noStrike" cap="none" dirty="0">
+              <a:rPr lang="en-US" sz="2400" b="1" i="0" u="none" strike="noStrike" cap="none" dirty="0">
                 <a:solidFill>
                   <a:srgbClr val="FF00FF"/>
                 </a:solidFill>
@@ -13797,7 +13681,7 @@
               <a:t>From </a:t>
             </a:r>
             <a:r>
-              <a:rPr lang="en-US" sz="2400" i="0" u="none" strike="noStrike" cap="none" dirty="0" err="1">
+              <a:rPr lang="en-US" sz="2400" b="1" i="0" u="none" strike="noStrike" cap="none" dirty="0" err="1">
                 <a:solidFill>
                   <a:srgbClr val="FF00FF"/>
                 </a:solidFill>
@@ -13809,7 +13693,7 @@
               <a:t>stephen.marquard@</a:t>
             </a:r>
             <a:r>
-              <a:rPr lang="en-US" sz="2400" i="0" u="none" strike="noStrike" cap="none" dirty="0" err="1">
+              <a:rPr lang="en-US" sz="2400" b="1" i="0" u="none" strike="noStrike" cap="none" dirty="0" err="1">
                 <a:solidFill>
                   <a:srgbClr val="00FFFF"/>
                 </a:solidFill>
@@ -13821,7 +13705,7 @@
               <a:t>uct.ac.za</a:t>
             </a:r>
             <a:r>
-              <a:rPr lang="en-US" sz="2400" i="0" u="none" strike="noStrike" cap="none" dirty="0">
+              <a:rPr lang="en-US" sz="2400" b="1" i="0" u="none" strike="noStrike" cap="none" dirty="0">
                 <a:solidFill>
                   <a:srgbClr val="FF00FF"/>
                 </a:solidFill>
@@ -13852,7 +13736,7 @@
               <a:buNone/>
             </a:pPr>
             <a:r>
-              <a:rPr lang="en-US" sz="2400" i="0" u="none" strike="noStrike" cap="none" dirty="0">
+              <a:rPr lang="en-US" sz="2400" b="1" i="0" u="none" strike="noStrike" cap="none" dirty="0">
                 <a:solidFill>
                   <a:srgbClr val="FF00FF"/>
                 </a:solidFill>
@@ -13864,7 +13748,7 @@
               <a:t>X-Authentication-Warning: set sender to </a:t>
             </a:r>
             <a:r>
-              <a:rPr lang="en-US" sz="2400" i="0" u="none" strike="noStrike" cap="none" dirty="0" err="1">
+              <a:rPr lang="en-US" sz="2400" b="1" i="0" u="none" strike="noStrike" cap="none" dirty="0" err="1">
                 <a:solidFill>
                   <a:srgbClr val="FF00FF"/>
                 </a:solidFill>
@@ -13876,7 +13760,7 @@
               <a:t>stephen.marquard@</a:t>
             </a:r>
             <a:r>
-              <a:rPr lang="en-US" sz="2400" i="0" u="none" strike="noStrike" cap="none" dirty="0" err="1">
+              <a:rPr lang="en-US" sz="2400" b="1" i="0" u="none" strike="noStrike" cap="none" dirty="0" err="1">
                 <a:solidFill>
                   <a:srgbClr val="00FFFF"/>
                 </a:solidFill>
@@ -13888,7 +13772,7 @@
               <a:t>uct.ac.za</a:t>
             </a:r>
             <a:r>
-              <a:rPr lang="en-US" sz="2400" i="0" u="none" strike="noStrike" cap="none" dirty="0">
+              <a:rPr lang="en-US" sz="2400" b="1" i="0" u="none" strike="noStrike" cap="none" dirty="0">
                 <a:solidFill>
                   <a:srgbClr val="FF00FF"/>
                 </a:solidFill>
@@ -13919,7 +13803,7 @@
               <a:buNone/>
             </a:pPr>
             <a:r>
-              <a:rPr lang="en-US" sz="2400" i="0" u="none" strike="noStrike" cap="none" dirty="0">
+              <a:rPr lang="en-US" sz="2400" b="1" i="0" u="none" strike="noStrike" cap="none" dirty="0">
                 <a:solidFill>
                   <a:srgbClr val="FF00FF"/>
                 </a:solidFill>
@@ -13931,7 +13815,7 @@
               <a:t>From: </a:t>
             </a:r>
             <a:r>
-              <a:rPr lang="en-US" sz="2400" i="0" u="sng" strike="noStrike" cap="none" dirty="0">
+              <a:rPr lang="en-US" sz="2400" b="1" i="0" u="sng" strike="noStrike" cap="none" dirty="0">
                 <a:solidFill>
                   <a:schemeClr val="hlink"/>
                 </a:solidFill>
@@ -13963,7 +13847,7 @@
               <a:buNone/>
             </a:pPr>
             <a:r>
-              <a:rPr lang="en-US" sz="2400" i="0" u="none" strike="noStrike" cap="none" dirty="0">
+              <a:rPr lang="en-US" sz="2400" b="1" i="0" u="none" strike="noStrike" cap="none" dirty="0">
                 <a:solidFill>
                   <a:srgbClr val="FF00FF"/>
                 </a:solidFill>
@@ -13975,7 +13859,7 @@
               <a:t>Author: </a:t>
             </a:r>
             <a:r>
-              <a:rPr lang="en-US" sz="2400" i="0" u="sng" strike="noStrike" cap="none" dirty="0">
+              <a:rPr lang="en-US" sz="2400" b="1" i="0" u="sng" strike="noStrike" cap="none" dirty="0">
                 <a:solidFill>
                   <a:schemeClr val="hlink"/>
                 </a:solidFill>
@@ -14007,7 +13891,7 @@
               <a:buNone/>
             </a:pPr>
             <a:r>
-              <a:rPr lang="en-US" sz="2400" i="0" u="none" strike="noStrike" cap="none" dirty="0">
+              <a:rPr lang="en-US" sz="2400" b="1" i="0" u="none" strike="noStrike" cap="none" dirty="0">
                 <a:solidFill>
                   <a:srgbClr val="FF00FF"/>
                 </a:solidFill>
@@ -14019,7 +13903,7 @@
               <a:t>From </a:t>
             </a:r>
             <a:r>
-              <a:rPr lang="en-US" sz="2400" i="0" u="none" strike="noStrike" cap="none" dirty="0" err="1">
+              <a:rPr lang="en-US" sz="2400" b="1" i="0" u="none" strike="noStrike" cap="none" dirty="0" err="1">
                 <a:solidFill>
                   <a:srgbClr val="FF00FF"/>
                 </a:solidFill>
@@ -14031,7 +13915,7 @@
               <a:t>david.horwitz@</a:t>
             </a:r>
             <a:r>
-              <a:rPr lang="en-US" sz="2400" i="0" u="none" strike="noStrike" cap="none" dirty="0" err="1">
+              <a:rPr lang="en-US" sz="2400" b="1" i="0" u="none" strike="noStrike" cap="none" dirty="0" err="1">
                 <a:solidFill>
                   <a:srgbClr val="00FFFF"/>
                 </a:solidFill>
@@ -14043,7 +13927,7 @@
               <a:t>uct.ac.za</a:t>
             </a:r>
             <a:r>
-              <a:rPr lang="en-US" sz="2400" i="0" u="none" strike="noStrike" cap="none" dirty="0">
+              <a:rPr lang="en-US" sz="2400" b="1" i="0" u="none" strike="noStrike" cap="none" dirty="0">
                 <a:solidFill>
                   <a:srgbClr val="FF00FF"/>
                 </a:solidFill>
@@ -14074,7 +13958,7 @@
               <a:buNone/>
             </a:pPr>
             <a:r>
-              <a:rPr lang="en-US" sz="2400" i="0" u="none" strike="noStrike" cap="none" dirty="0">
+              <a:rPr lang="en-US" sz="2400" b="1" i="0" u="none" strike="noStrike" cap="none" dirty="0">
                 <a:solidFill>
                   <a:srgbClr val="FF00FF"/>
                 </a:solidFill>
@@ -14086,7 +13970,7 @@
               <a:t>X-Authentication-Warning: set sender to </a:t>
             </a:r>
             <a:r>
-              <a:rPr lang="en-US" sz="2400" i="0" u="none" strike="noStrike" cap="none" dirty="0" err="1">
+              <a:rPr lang="en-US" sz="2400" b="1" i="0" u="none" strike="noStrike" cap="none" dirty="0" err="1">
                 <a:solidFill>
                   <a:srgbClr val="FF00FF"/>
                 </a:solidFill>
@@ -14098,7 +13982,7 @@
               <a:t>david.horwitz@</a:t>
             </a:r>
             <a:r>
-              <a:rPr lang="en-US" sz="2400" i="0" u="none" strike="noStrike" cap="none" dirty="0" err="1">
+              <a:rPr lang="en-US" sz="2400" b="1" i="0" u="none" strike="noStrike" cap="none" dirty="0" err="1">
                 <a:solidFill>
                   <a:srgbClr val="00FFFF"/>
                 </a:solidFill>
@@ -14110,7 +13994,7 @@
               <a:t>uct.ac.za</a:t>
             </a:r>
             <a:r>
-              <a:rPr lang="en-US" sz="2400" i="0" u="none" strike="noStrike" cap="none" dirty="0">
+              <a:rPr lang="en-US" sz="2400" b="1" i="0" u="none" strike="noStrike" cap="none" dirty="0">
                 <a:solidFill>
                   <a:srgbClr val="FF00FF"/>
                 </a:solidFill>
@@ -14279,7 +14163,7 @@
               <a:buNone/>
             </a:pPr>
             <a:r>
-              <a:rPr lang="en-US" sz="2400" i="0" u="none" strike="noStrike" cap="none" dirty="0" err="1">
+              <a:rPr lang="en-US" sz="2400" b="1" i="0" u="none" strike="noStrike" cap="none" dirty="0" err="1">
                 <a:solidFill>
                   <a:srgbClr val="00FF00"/>
                 </a:solidFill>
@@ -14291,31 +14175,19 @@
               <a:t>fname</a:t>
             </a:r>
             <a:r>
-              <a:rPr lang="en-US" sz="2400" i="0" u="none" strike="noStrike" cap="none" dirty="0">
-                <a:solidFill>
-                  <a:schemeClr val="lt1"/>
-                </a:solidFill>
-                <a:latin typeface="Courier"/>
-                <a:ea typeface="Courier"/>
-                <a:cs typeface="Courier"/>
-                <a:sym typeface="Courier New"/>
-              </a:rPr>
-              <a:t> </a:t>
-            </a:r>
-            <a:r>
-              <a:rPr lang="en-US" sz="2400" i="0" u="none" strike="noStrike" cap="none" dirty="0" smtClean="0">
-                <a:solidFill>
-                  <a:schemeClr val="lt1"/>
-                </a:solidFill>
-                <a:latin typeface="Courier"/>
-                <a:ea typeface="Courier"/>
-                <a:cs typeface="Courier"/>
-                <a:sym typeface="Courier New"/>
-              </a:rPr>
-              <a:t>= </a:t>
-            </a:r>
-            <a:r>
-              <a:rPr lang="en-US" sz="2400" i="0" u="none" strike="noStrike" cap="none" dirty="0" smtClean="0">
+              <a:rPr lang="en-US" sz="2400" b="1" i="0" u="none" strike="noStrike" cap="none" dirty="0">
+                <a:solidFill>
+                  <a:schemeClr val="lt1"/>
+                </a:solidFill>
+                <a:latin typeface="Courier"/>
+                <a:ea typeface="Courier"/>
+                <a:cs typeface="Courier"/>
+                <a:sym typeface="Courier New"/>
+              </a:rPr>
+              <a:t> = </a:t>
+            </a:r>
+            <a:r>
+              <a:rPr lang="en-US" sz="2400" b="1" i="0" u="none" strike="noStrike" cap="none" dirty="0">
                 <a:solidFill>
                   <a:srgbClr val="FF00FF"/>
                 </a:solidFill>
@@ -14327,7 +14199,7 @@
               <a:t>input</a:t>
             </a:r>
             <a:r>
-              <a:rPr lang="en-US" sz="2400" i="0" u="none" strike="noStrike" cap="none" dirty="0">
+              <a:rPr lang="en-US" sz="2400" b="1" i="0" u="none" strike="noStrike" cap="none" dirty="0">
                 <a:solidFill>
                   <a:schemeClr val="lt1"/>
                 </a:solidFill>
@@ -14358,7 +14230,7 @@
               <a:buNone/>
             </a:pPr>
             <a:r>
-              <a:rPr lang="en-US" sz="2400" i="0" u="none" strike="noStrike" cap="none" dirty="0" err="1">
+              <a:rPr lang="en-US" sz="2400" b="1" i="0" u="none" strike="noStrike" cap="none" dirty="0" err="1">
                 <a:solidFill>
                   <a:srgbClr val="00FF00"/>
                 </a:solidFill>
@@ -14370,7 +14242,7 @@
               <a:t>fhand</a:t>
             </a:r>
             <a:r>
-              <a:rPr lang="en-US" sz="2400" i="0" u="none" strike="noStrike" cap="none" dirty="0">
+              <a:rPr lang="en-US" sz="2400" b="1" i="0" u="none" strike="noStrike" cap="none" dirty="0">
                 <a:solidFill>
                   <a:schemeClr val="lt1"/>
                 </a:solidFill>
@@ -14382,7 +14254,7 @@
               <a:t> = </a:t>
             </a:r>
             <a:r>
-              <a:rPr lang="en-US" sz="2400" i="0" u="none" strike="noStrike" cap="none" dirty="0">
+              <a:rPr lang="en-US" sz="2400" b="1" i="0" u="none" strike="noStrike" cap="none" dirty="0">
                 <a:solidFill>
                   <a:srgbClr val="FF00FF"/>
                 </a:solidFill>
@@ -14394,7 +14266,7 @@
               <a:t>open</a:t>
             </a:r>
             <a:r>
-              <a:rPr lang="en-US" sz="2400" i="0" u="none" strike="noStrike" cap="none" dirty="0">
+              <a:rPr lang="en-US" sz="2400" b="1" i="0" u="none" strike="noStrike" cap="none" dirty="0">
                 <a:solidFill>
                   <a:schemeClr val="lt1"/>
                 </a:solidFill>
@@ -14406,7 +14278,7 @@
               <a:t>(</a:t>
             </a:r>
             <a:r>
-              <a:rPr lang="en-US" sz="2400" i="0" u="none" strike="noStrike" cap="none" dirty="0" err="1">
+              <a:rPr lang="en-US" sz="2400" b="1" i="0" u="none" strike="noStrike" cap="none" dirty="0" err="1">
                 <a:solidFill>
                   <a:srgbClr val="00FF00"/>
                 </a:solidFill>
@@ -14418,7 +14290,7 @@
               <a:t>fname</a:t>
             </a:r>
             <a:r>
-              <a:rPr lang="en-US" sz="2400" i="0" u="none" strike="noStrike" cap="none" dirty="0">
+              <a:rPr lang="en-US" sz="2400" b="1" i="0" u="none" strike="noStrike" cap="none" dirty="0">
                 <a:solidFill>
                   <a:schemeClr val="lt1"/>
                 </a:solidFill>
@@ -14449,7 +14321,7 @@
               <a:buNone/>
             </a:pPr>
             <a:r>
-              <a:rPr lang="en-US" sz="2400" i="0" u="none" strike="noStrike" cap="none" dirty="0">
+              <a:rPr lang="en-US" sz="2400" b="1" i="0" u="none" strike="noStrike" cap="none" dirty="0">
                 <a:solidFill>
                   <a:srgbClr val="00FF00"/>
                 </a:solidFill>
@@ -14461,7 +14333,7 @@
               <a:t>count</a:t>
             </a:r>
             <a:r>
-              <a:rPr lang="en-US" sz="2400" i="0" u="none" strike="noStrike" cap="none" dirty="0">
+              <a:rPr lang="en-US" sz="2400" b="1" i="0" u="none" strike="noStrike" cap="none" dirty="0">
                 <a:solidFill>
                   <a:schemeClr val="lt1"/>
                 </a:solidFill>
@@ -14492,7 +14364,7 @@
               <a:buNone/>
             </a:pPr>
             <a:r>
-              <a:rPr lang="en-US" sz="2400" i="0" u="none" strike="noStrike" cap="none" dirty="0">
+              <a:rPr lang="en-US" sz="2400" b="1" i="0" u="none" strike="noStrike" cap="none" dirty="0">
                 <a:solidFill>
                   <a:srgbClr val="FFFF00"/>
                 </a:solidFill>
@@ -14504,7 +14376,7 @@
               <a:t>for</a:t>
             </a:r>
             <a:r>
-              <a:rPr lang="en-US" sz="2400" i="0" u="none" strike="noStrike" cap="none" dirty="0">
+              <a:rPr lang="en-US" sz="2400" b="1" i="0" u="none" strike="noStrike" cap="none" dirty="0">
                 <a:solidFill>
                   <a:schemeClr val="lt1"/>
                 </a:solidFill>
@@ -14516,7 +14388,7 @@
               <a:t> </a:t>
             </a:r>
             <a:r>
-              <a:rPr lang="en-US" sz="2400" i="0" u="none" strike="noStrike" cap="none" dirty="0">
+              <a:rPr lang="en-US" sz="2400" b="1" i="0" u="none" strike="noStrike" cap="none" dirty="0">
                 <a:solidFill>
                   <a:srgbClr val="00FF00"/>
                 </a:solidFill>
@@ -14528,7 +14400,7 @@
               <a:t>line</a:t>
             </a:r>
             <a:r>
-              <a:rPr lang="en-US" sz="2400" i="0" u="none" strike="noStrike" cap="none" dirty="0">
+              <a:rPr lang="en-US" sz="2400" b="1" i="0" u="none" strike="noStrike" cap="none" dirty="0">
                 <a:solidFill>
                   <a:schemeClr val="lt1"/>
                 </a:solidFill>
@@ -14540,7 +14412,7 @@
               <a:t> </a:t>
             </a:r>
             <a:r>
-              <a:rPr lang="en-US" sz="2400" i="0" u="none" strike="noStrike" cap="none" dirty="0">
+              <a:rPr lang="en-US" sz="2400" b="1" i="0" u="none" strike="noStrike" cap="none" dirty="0">
                 <a:solidFill>
                   <a:srgbClr val="FFFF00"/>
                 </a:solidFill>
@@ -14552,7 +14424,7 @@
               <a:t>in</a:t>
             </a:r>
             <a:r>
-              <a:rPr lang="en-US" sz="2400" i="0" u="none" strike="noStrike" cap="none" dirty="0">
+              <a:rPr lang="en-US" sz="2400" b="1" i="0" u="none" strike="noStrike" cap="none" dirty="0">
                 <a:solidFill>
                   <a:schemeClr val="lt1"/>
                 </a:solidFill>
@@ -14564,7 +14436,7 @@
               <a:t> </a:t>
             </a:r>
             <a:r>
-              <a:rPr lang="en-US" sz="2400" i="0" u="none" strike="noStrike" cap="none" dirty="0" err="1">
+              <a:rPr lang="en-US" sz="2400" b="1" i="0" u="none" strike="noStrike" cap="none" dirty="0" err="1">
                 <a:solidFill>
                   <a:srgbClr val="00FF00"/>
                 </a:solidFill>
@@ -14576,7 +14448,7 @@
               <a:t>fhand</a:t>
             </a:r>
             <a:r>
-              <a:rPr lang="en-US" sz="2400" i="0" u="none" strike="noStrike" cap="none" dirty="0">
+              <a:rPr lang="en-US" sz="2400" b="1" i="0" u="none" strike="noStrike" cap="none" dirty="0">
                 <a:solidFill>
                   <a:schemeClr val="lt1"/>
                 </a:solidFill>
@@ -14607,7 +14479,7 @@
               <a:buNone/>
             </a:pPr>
             <a:r>
-              <a:rPr lang="en-US" sz="2400" i="0" u="none" strike="noStrike" cap="none" dirty="0">
+              <a:rPr lang="en-US" sz="2400" b="1" i="0" u="none" strike="noStrike" cap="none" dirty="0">
                 <a:solidFill>
                   <a:schemeClr val="lt1"/>
                 </a:solidFill>
@@ -14619,7 +14491,7 @@
               <a:t>    </a:t>
             </a:r>
             <a:r>
-              <a:rPr lang="en-US" sz="2400" i="0" u="none" strike="noStrike" cap="none" dirty="0">
+              <a:rPr lang="en-US" sz="2400" b="1" i="0" u="none" strike="noStrike" cap="none" dirty="0">
                 <a:solidFill>
                   <a:srgbClr val="FFFF00"/>
                 </a:solidFill>
@@ -14631,7 +14503,7 @@
               <a:t>if</a:t>
             </a:r>
             <a:r>
-              <a:rPr lang="en-US" sz="2400" i="0" u="none" strike="noStrike" cap="none" dirty="0">
+              <a:rPr lang="en-US" sz="2400" b="1" i="0" u="none" strike="noStrike" cap="none" dirty="0">
                 <a:solidFill>
                   <a:schemeClr val="lt1"/>
                 </a:solidFill>
@@ -14643,7 +14515,7 @@
               <a:t> </a:t>
             </a:r>
             <a:r>
-              <a:rPr lang="en-US" sz="2400" i="0" u="none" strike="noStrike" cap="none" dirty="0" err="1">
+              <a:rPr lang="en-US" sz="2400" b="1" i="0" u="none" strike="noStrike" cap="none" dirty="0" err="1">
                 <a:solidFill>
                   <a:srgbClr val="00FF00"/>
                 </a:solidFill>
@@ -14655,7 +14527,7 @@
               <a:t>line</a:t>
             </a:r>
             <a:r>
-              <a:rPr lang="en-US" sz="2400" i="0" u="none" strike="noStrike" cap="none" dirty="0" err="1">
+              <a:rPr lang="en-US" sz="2400" b="1" i="0" u="none" strike="noStrike" cap="none" dirty="0" err="1">
                 <a:solidFill>
                   <a:srgbClr val="FF00FF"/>
                 </a:solidFill>
@@ -14667,7 +14539,7 @@
               <a:t>.startswith</a:t>
             </a:r>
             <a:r>
-              <a:rPr lang="en-US" sz="2400" i="0" u="none" strike="noStrike" cap="none" dirty="0">
+              <a:rPr lang="en-US" sz="2400" b="1" i="0" u="none" strike="noStrike" cap="none" dirty="0">
                 <a:solidFill>
                   <a:schemeClr val="lt1"/>
                 </a:solidFill>
@@ -14698,7 +14570,7 @@
               <a:buNone/>
             </a:pPr>
             <a:r>
-              <a:rPr lang="en-US" sz="2400" i="0" u="none" strike="noStrike" cap="none" dirty="0">
+              <a:rPr lang="en-US" sz="2400" b="1" i="0" u="none" strike="noStrike" cap="none" dirty="0">
                 <a:solidFill>
                   <a:schemeClr val="lt1"/>
                 </a:solidFill>
@@ -14710,7 +14582,7 @@
               <a:t>        </a:t>
             </a:r>
             <a:r>
-              <a:rPr lang="en-US" sz="2400" i="0" u="none" strike="noStrike" cap="none" dirty="0">
+              <a:rPr lang="en-US" sz="2400" b="1" i="0" u="none" strike="noStrike" cap="none" dirty="0">
                 <a:solidFill>
                   <a:srgbClr val="00FF00"/>
                 </a:solidFill>
@@ -14722,7 +14594,7 @@
               <a:t>count</a:t>
             </a:r>
             <a:r>
-              <a:rPr lang="en-US" sz="2400" i="0" u="none" strike="noStrike" cap="none" dirty="0">
+              <a:rPr lang="en-US" sz="2400" b="1" i="0" u="none" strike="noStrike" cap="none" dirty="0">
                 <a:solidFill>
                   <a:schemeClr val="lt1"/>
                 </a:solidFill>
@@ -14734,7 +14606,7 @@
               <a:t> = </a:t>
             </a:r>
             <a:r>
-              <a:rPr lang="en-US" sz="2400" i="0" u="none" strike="noStrike" cap="none" dirty="0">
+              <a:rPr lang="en-US" sz="2400" b="1" i="0" u="none" strike="noStrike" cap="none" dirty="0">
                 <a:solidFill>
                   <a:srgbClr val="00FF00"/>
                 </a:solidFill>
@@ -14746,7 +14618,7 @@
               <a:t>count</a:t>
             </a:r>
             <a:r>
-              <a:rPr lang="en-US" sz="2400" i="0" u="none" strike="noStrike" cap="none" dirty="0">
+              <a:rPr lang="en-US" sz="2400" b="1" i="0" u="none" strike="noStrike" cap="none" dirty="0">
                 <a:solidFill>
                   <a:schemeClr val="lt1"/>
                 </a:solidFill>
@@ -14777,7 +14649,7 @@
               <a:buNone/>
             </a:pPr>
             <a:r>
-              <a:rPr lang="en-US" sz="2400" i="0" u="none" strike="noStrike" cap="none" dirty="0" smtClean="0">
+              <a:rPr lang="en-US" sz="2400" b="1" i="0" u="none" strike="noStrike" cap="none" dirty="0">
                 <a:solidFill>
                   <a:srgbClr val="FFFF00"/>
                 </a:solidFill>
@@ -14789,7 +14661,7 @@
               <a:t>print</a:t>
             </a:r>
             <a:r>
-              <a:rPr lang="en-US" sz="2400" dirty="0">
+              <a:rPr lang="en-US" sz="2400" b="1" dirty="0">
                 <a:solidFill>
                   <a:schemeClr val="lt1"/>
                 </a:solidFill>
@@ -14801,31 +14673,19 @@
               <a:t>(</a:t>
             </a:r>
             <a:r>
-              <a:rPr lang="en-US" sz="2400" i="0" u="none" strike="noStrike" cap="none" dirty="0" smtClean="0">
-                <a:solidFill>
-                  <a:schemeClr val="lt1"/>
-                </a:solidFill>
-                <a:latin typeface="Courier"/>
-                <a:ea typeface="Courier"/>
-                <a:cs typeface="Courier"/>
-                <a:sym typeface="Courier New"/>
-              </a:rPr>
-              <a:t>'There </a:t>
-            </a:r>
-            <a:r>
-              <a:rPr lang="en-US" sz="2400" i="0" u="none" strike="noStrike" cap="none" dirty="0">
-                <a:solidFill>
-                  <a:schemeClr val="lt1"/>
-                </a:solidFill>
-                <a:latin typeface="Courier"/>
-                <a:ea typeface="Courier"/>
-                <a:cs typeface="Courier"/>
-                <a:sym typeface="Courier New"/>
-              </a:rPr>
-              <a:t>were', </a:t>
-            </a:r>
-            <a:r>
-              <a:rPr lang="en-US" sz="2400" i="0" u="none" strike="noStrike" cap="none" dirty="0">
+              <a:rPr lang="en-US" sz="2400" b="1" i="0" u="none" strike="noStrike" cap="none" dirty="0">
+                <a:solidFill>
+                  <a:schemeClr val="lt1"/>
+                </a:solidFill>
+                <a:latin typeface="Courier"/>
+                <a:ea typeface="Courier"/>
+                <a:cs typeface="Courier"/>
+                <a:sym typeface="Courier New"/>
+              </a:rPr>
+              <a:t>'There were', </a:t>
+            </a:r>
+            <a:r>
+              <a:rPr lang="en-US" sz="2400" b="1" i="0" u="none" strike="noStrike" cap="none" dirty="0">
                 <a:solidFill>
                   <a:srgbClr val="00FF00"/>
                 </a:solidFill>
@@ -14837,7 +14697,7 @@
               <a:t>count</a:t>
             </a:r>
             <a:r>
-              <a:rPr lang="en-US" sz="2400" i="0" u="none" strike="noStrike" cap="none" dirty="0">
+              <a:rPr lang="en-US" sz="2400" b="1" i="0" u="none" strike="noStrike" cap="none" dirty="0">
                 <a:solidFill>
                   <a:schemeClr val="lt1"/>
                 </a:solidFill>
@@ -14849,7 +14709,7 @@
               <a:t>, 'subject lines in', </a:t>
             </a:r>
             <a:r>
-              <a:rPr lang="en-US" sz="2400" i="0" u="none" strike="noStrike" cap="none" dirty="0" err="1" smtClean="0">
+              <a:rPr lang="en-US" sz="2400" b="1" i="0" u="none" strike="noStrike" cap="none" dirty="0" err="1">
                 <a:solidFill>
                   <a:schemeClr val="lt1"/>
                 </a:solidFill>
@@ -14861,7 +14721,7 @@
               <a:t>fname</a:t>
             </a:r>
             <a:r>
-              <a:rPr lang="en-US" sz="2400" i="0" u="none" strike="noStrike" cap="none" dirty="0" smtClean="0">
+              <a:rPr lang="en-US" sz="2400" b="1" i="0" u="none" strike="noStrike" cap="none" dirty="0">
                 <a:solidFill>
                   <a:schemeClr val="lt1"/>
                 </a:solidFill>
@@ -14872,15 +14732,6 @@
               </a:rPr>
               <a:t>)</a:t>
             </a:r>
-            <a:endParaRPr lang="en-US" sz="2400" i="0" u="none" strike="noStrike" cap="none" dirty="0">
-              <a:solidFill>
-                <a:schemeClr val="lt1"/>
-              </a:solidFill>
-              <a:latin typeface="Courier"/>
-              <a:ea typeface="Courier"/>
-              <a:cs typeface="Courier"/>
-              <a:sym typeface="Courier New"/>
-            </a:endParaRPr>
           </a:p>
         </p:txBody>
       </p:sp>
@@ -15328,7 +15179,7 @@
               <a:buNone/>
             </a:pPr>
             <a:r>
-              <a:rPr lang="en-US" sz="2400" dirty="0">
+              <a:rPr lang="en-US" sz="2400" b="1" dirty="0">
                 <a:solidFill>
                   <a:srgbClr val="00FF00"/>
                 </a:solidFill>
@@ -15340,7 +15191,7 @@
               <a:t>  </a:t>
             </a:r>
             <a:r>
-              <a:rPr lang="en-US" sz="2400" i="0" u="none" strike="noStrike" cap="none" dirty="0" err="1">
+              <a:rPr lang="en-US" sz="2400" b="1" i="0" u="none" strike="noStrike" cap="none" dirty="0" err="1">
                 <a:solidFill>
                   <a:srgbClr val="00FF00"/>
                 </a:solidFill>
@@ -15352,7 +15203,7 @@
               <a:t>fname</a:t>
             </a:r>
             <a:r>
-              <a:rPr lang="en-US" sz="2400" i="0" u="none" strike="noStrike" cap="none" dirty="0">
+              <a:rPr lang="en-US" sz="2400" b="1" i="0" u="none" strike="noStrike" cap="none" dirty="0">
                 <a:solidFill>
                   <a:schemeClr val="lt1"/>
                 </a:solidFill>
@@ -15364,7 +15215,7 @@
               <a:t> = </a:t>
             </a:r>
             <a:r>
-              <a:rPr lang="en-US" sz="2400" i="0" u="none" strike="noStrike" cap="none" dirty="0" smtClean="0">
+              <a:rPr lang="en-US" sz="2400" b="1" i="0" u="none" strike="noStrike" cap="none" dirty="0">
                 <a:solidFill>
                   <a:srgbClr val="FF00FF"/>
                 </a:solidFill>
@@ -15376,7 +15227,7 @@
               <a:t>input</a:t>
             </a:r>
             <a:r>
-              <a:rPr lang="en-US" sz="2400" i="0" u="none" strike="noStrike" cap="none" dirty="0">
+              <a:rPr lang="en-US" sz="2400" b="1" i="0" u="none" strike="noStrike" cap="none" dirty="0">
                 <a:solidFill>
                   <a:schemeClr val="lt1"/>
                 </a:solidFill>
@@ -15407,7 +15258,7 @@
               <a:buNone/>
             </a:pPr>
             <a:r>
-              <a:rPr lang="en-US" sz="2400" dirty="0">
+              <a:rPr lang="en-US" sz="2400" b="1" dirty="0">
                 <a:solidFill>
                   <a:srgbClr val="FFFF00"/>
                 </a:solidFill>
@@ -15419,7 +15270,7 @@
               <a:t>  </a:t>
             </a:r>
             <a:r>
-              <a:rPr lang="en-US" sz="2400" i="0" u="none" strike="noStrike" cap="none" dirty="0">
+              <a:rPr lang="en-US" sz="2400" b="1" i="0" u="none" strike="noStrike" cap="none" dirty="0">
                 <a:solidFill>
                   <a:srgbClr val="FFFF00"/>
                 </a:solidFill>
@@ -15431,7 +15282,7 @@
               <a:t>try</a:t>
             </a:r>
             <a:r>
-              <a:rPr lang="en-US" sz="2400" i="0" u="none" strike="noStrike" cap="none" dirty="0">
+              <a:rPr lang="en-US" sz="2400" b="1" i="0" u="none" strike="noStrike" cap="none" dirty="0">
                 <a:solidFill>
                   <a:schemeClr val="lt1"/>
                 </a:solidFill>
@@ -15462,7 +15313,7 @@
               <a:buNone/>
             </a:pPr>
             <a:r>
-              <a:rPr lang="en-US" sz="2400" i="0" u="none" strike="noStrike" cap="none" dirty="0">
+              <a:rPr lang="en-US" sz="2400" b="1" i="0" u="none" strike="noStrike" cap="none" dirty="0">
                 <a:solidFill>
                   <a:schemeClr val="lt1"/>
                 </a:solidFill>
@@ -15474,7 +15325,7 @@
               <a:t>      </a:t>
             </a:r>
             <a:r>
-              <a:rPr lang="en-US" sz="2400" i="0" u="none" strike="noStrike" cap="none" dirty="0" err="1">
+              <a:rPr lang="en-US" sz="2400" b="1" i="0" u="none" strike="noStrike" cap="none" dirty="0" err="1">
                 <a:solidFill>
                   <a:srgbClr val="00FF00"/>
                 </a:solidFill>
@@ -15486,7 +15337,7 @@
               <a:t>fhand</a:t>
             </a:r>
             <a:r>
-              <a:rPr lang="en-US" sz="2400" i="0" u="none" strike="noStrike" cap="none" dirty="0">
+              <a:rPr lang="en-US" sz="2400" b="1" i="0" u="none" strike="noStrike" cap="none" dirty="0">
                 <a:solidFill>
                   <a:schemeClr val="lt1"/>
                 </a:solidFill>
@@ -15498,7 +15349,7 @@
               <a:t> = </a:t>
             </a:r>
             <a:r>
-              <a:rPr lang="en-US" sz="2400" i="0" u="none" strike="noStrike" cap="none" dirty="0">
+              <a:rPr lang="en-US" sz="2400" b="1" i="0" u="none" strike="noStrike" cap="none" dirty="0">
                 <a:solidFill>
                   <a:srgbClr val="FF00FF"/>
                 </a:solidFill>
@@ -15510,7 +15361,7 @@
               <a:t>open</a:t>
             </a:r>
             <a:r>
-              <a:rPr lang="en-US" sz="2400" i="0" u="none" strike="noStrike" cap="none" dirty="0">
+              <a:rPr lang="en-US" sz="2400" b="1" i="0" u="none" strike="noStrike" cap="none" dirty="0">
                 <a:solidFill>
                   <a:schemeClr val="lt1"/>
                 </a:solidFill>
@@ -15522,7 +15373,7 @@
               <a:t>(</a:t>
             </a:r>
             <a:r>
-              <a:rPr lang="en-US" sz="2400" i="0" u="none" strike="noStrike" cap="none" dirty="0" err="1">
+              <a:rPr lang="en-US" sz="2400" b="1" i="0" u="none" strike="noStrike" cap="none" dirty="0" err="1">
                 <a:solidFill>
                   <a:srgbClr val="00FF00"/>
                 </a:solidFill>
@@ -15534,7 +15385,7 @@
               <a:t>fname</a:t>
             </a:r>
             <a:r>
-              <a:rPr lang="en-US" sz="2400" i="0" u="none" strike="noStrike" cap="none" dirty="0">
+              <a:rPr lang="en-US" sz="2400" b="1" i="0" u="none" strike="noStrike" cap="none" dirty="0">
                 <a:solidFill>
                   <a:schemeClr val="lt1"/>
                 </a:solidFill>
@@ -15565,7 +15416,7 @@
               <a:buNone/>
             </a:pPr>
             <a:r>
-              <a:rPr lang="en-US" sz="2400" dirty="0">
+              <a:rPr lang="en-US" sz="2400" b="1" dirty="0">
                 <a:solidFill>
                   <a:srgbClr val="FFFF00"/>
                 </a:solidFill>
@@ -15577,7 +15428,7 @@
               <a:t>  </a:t>
             </a:r>
             <a:r>
-              <a:rPr lang="en-US" sz="2400" i="0" u="none" strike="noStrike" cap="none" dirty="0">
+              <a:rPr lang="en-US" sz="2400" b="1" i="0" u="none" strike="noStrike" cap="none" dirty="0">
                 <a:solidFill>
                   <a:srgbClr val="FFFF00"/>
                 </a:solidFill>
@@ -15589,7 +15440,7 @@
               <a:t>except</a:t>
             </a:r>
             <a:r>
-              <a:rPr lang="en-US" sz="2400" i="0" u="none" strike="noStrike" cap="none" dirty="0">
+              <a:rPr lang="en-US" sz="2400" b="1" i="0" u="none" strike="noStrike" cap="none" dirty="0">
                 <a:solidFill>
                   <a:schemeClr val="lt1"/>
                 </a:solidFill>
@@ -15609,7 +15460,7 @@
               <a:buSzPct val="25000"/>
             </a:pPr>
             <a:r>
-              <a:rPr lang="en-US" sz="2400" i="0" u="none" strike="noStrike" cap="none" dirty="0">
+              <a:rPr lang="en-US" sz="2400" b="1" i="0" u="none" strike="noStrike" cap="none" dirty="0">
                 <a:solidFill>
                   <a:schemeClr val="lt1"/>
                 </a:solidFill>
@@ -15621,7 +15472,7 @@
               <a:t>      </a:t>
             </a:r>
             <a:r>
-              <a:rPr lang="en-US" sz="2400" i="0" u="none" strike="noStrike" cap="none" dirty="0" smtClean="0">
+              <a:rPr lang="en-US" sz="2400" b="1" i="0" u="none" strike="noStrike" cap="none" dirty="0">
                 <a:solidFill>
                   <a:srgbClr val="FFFF00"/>
                 </a:solidFill>
@@ -15633,7 +15484,7 @@
               <a:t>print</a:t>
             </a:r>
             <a:r>
-              <a:rPr lang="en-US" sz="2400" dirty="0">
+              <a:rPr lang="en-US" sz="2400" b="1" dirty="0">
                 <a:solidFill>
                   <a:schemeClr val="lt1"/>
                 </a:solidFill>
@@ -15645,31 +15496,19 @@
               <a:t>(</a:t>
             </a:r>
             <a:r>
-              <a:rPr lang="en-US" sz="2400" i="0" u="none" strike="noStrike" cap="none" dirty="0" smtClean="0">
-                <a:solidFill>
-                  <a:schemeClr val="lt1"/>
-                </a:solidFill>
-                <a:latin typeface="Courier"/>
-                <a:ea typeface="Courier"/>
-                <a:cs typeface="Courier"/>
-                <a:sym typeface="Courier New"/>
-              </a:rPr>
-              <a:t>'File </a:t>
-            </a:r>
-            <a:r>
-              <a:rPr lang="en-US" sz="2400" i="0" u="none" strike="noStrike" cap="none" dirty="0">
-                <a:solidFill>
-                  <a:schemeClr val="lt1"/>
-                </a:solidFill>
-                <a:latin typeface="Courier"/>
-                <a:ea typeface="Courier"/>
-                <a:cs typeface="Courier"/>
-                <a:sym typeface="Courier New"/>
-              </a:rPr>
-              <a:t>cannot be opened:', </a:t>
-            </a:r>
-            <a:r>
-              <a:rPr lang="en-US" sz="2400" i="0" u="none" strike="noStrike" cap="none" dirty="0" err="1" smtClean="0">
+              <a:rPr lang="en-US" sz="2400" b="1" i="0" u="none" strike="noStrike" cap="none" dirty="0">
+                <a:solidFill>
+                  <a:schemeClr val="lt1"/>
+                </a:solidFill>
+                <a:latin typeface="Courier"/>
+                <a:ea typeface="Courier"/>
+                <a:cs typeface="Courier"/>
+                <a:sym typeface="Courier New"/>
+              </a:rPr>
+              <a:t>'File cannot be opened:', </a:t>
+            </a:r>
+            <a:r>
+              <a:rPr lang="en-US" sz="2400" b="1" i="0" u="none" strike="noStrike" cap="none" dirty="0" err="1">
                 <a:solidFill>
                   <a:srgbClr val="00FF00"/>
                 </a:solidFill>
@@ -15681,7 +15520,7 @@
               <a:t>fname</a:t>
             </a:r>
             <a:r>
-              <a:rPr lang="en-US" sz="2400" dirty="0">
+              <a:rPr lang="en-US" sz="2400" b="1" dirty="0">
                 <a:solidFill>
                   <a:schemeClr val="lt1"/>
                 </a:solidFill>
@@ -15692,7 +15531,7 @@
               </a:rPr>
               <a:t>)</a:t>
             </a:r>
-            <a:endParaRPr lang="en-US" sz="2400" i="0" u="none" strike="noStrike" cap="none" dirty="0">
+            <a:endParaRPr lang="en-US" sz="2400" b="1" i="0" u="none" strike="noStrike" cap="none" dirty="0">
               <a:solidFill>
                 <a:srgbClr val="00FF00"/>
               </a:solidFill>
@@ -15721,7 +15560,7 @@
               <a:buNone/>
             </a:pPr>
             <a:r>
-              <a:rPr lang="en-US" sz="2400" i="0" u="none" strike="noStrike" cap="none" dirty="0">
+              <a:rPr lang="en-US" sz="2400" b="1" i="0" u="none" strike="noStrike" cap="none" dirty="0">
                 <a:solidFill>
                   <a:schemeClr val="lt1"/>
                 </a:solidFill>
@@ -15733,7 +15572,7 @@
               <a:t>      </a:t>
             </a:r>
             <a:r>
-              <a:rPr lang="en-US" sz="2400" i="0" u="none" strike="noStrike" cap="none" dirty="0" smtClean="0">
+              <a:rPr lang="en-US" sz="2400" b="1" i="0" u="none" strike="noStrike" cap="none" dirty="0">
                 <a:solidFill>
                   <a:srgbClr val="FF00FF"/>
                 </a:solidFill>
@@ -15745,7 +15584,7 @@
               <a:t>quit</a:t>
             </a:r>
             <a:r>
-              <a:rPr lang="en-US" sz="2400" i="0" u="none" strike="noStrike" cap="none" dirty="0" smtClean="0">
+              <a:rPr lang="en-US" sz="2400" b="1" i="0" u="none" strike="noStrike" cap="none" dirty="0">
                 <a:solidFill>
                   <a:schemeClr val="lt1"/>
                 </a:solidFill>
@@ -15756,7 +15595,25 @@
               </a:rPr>
               <a:t>()</a:t>
             </a:r>
-            <a:endParaRPr lang="en-US" sz="2400" i="0" u="none" strike="noStrike" cap="none" dirty="0">
+          </a:p>
+          <a:p>
+            <a:pPr marL="0" marR="0" lvl="0" indent="0" algn="l" rtl="0">
+              <a:lnSpc>
+                <a:spcPct val="100000"/>
+              </a:lnSpc>
+              <a:spcBef>
+                <a:spcPts val="0"/>
+              </a:spcBef>
+              <a:spcAft>
+                <a:spcPts val="0"/>
+              </a:spcAft>
+              <a:buClr>
+                <a:schemeClr val="lt1"/>
+              </a:buClr>
+              <a:buFont typeface="Cabin"/>
+              <a:buNone/>
+            </a:pPr>
+            <a:endParaRPr sz="2400" b="1" dirty="0">
               <a:solidFill>
                 <a:schemeClr val="lt1"/>
               </a:solidFill>
@@ -15778,33 +15635,6 @@
                 <a:spcPts val="0"/>
               </a:spcAft>
               <a:buClr>
-                <a:schemeClr val="lt1"/>
-              </a:buClr>
-              <a:buFont typeface="Cabin"/>
-              <a:buNone/>
-            </a:pPr>
-            <a:endParaRPr sz="2400" dirty="0">
-              <a:solidFill>
-                <a:schemeClr val="lt1"/>
-              </a:solidFill>
-              <a:latin typeface="Courier"/>
-              <a:ea typeface="Courier"/>
-              <a:cs typeface="Courier"/>
-              <a:sym typeface="Courier New"/>
-            </a:endParaRPr>
-          </a:p>
-          <a:p>
-            <a:pPr marL="0" marR="0" lvl="0" indent="0" algn="l" rtl="0">
-              <a:lnSpc>
-                <a:spcPct val="100000"/>
-              </a:lnSpc>
-              <a:spcBef>
-                <a:spcPts val="0"/>
-              </a:spcBef>
-              <a:spcAft>
-                <a:spcPts val="0"/>
-              </a:spcAft>
-              <a:buClr>
                 <a:srgbClr val="00FF00"/>
               </a:buClr>
               <a:buSzPct val="25000"/>
@@ -15812,7 +15642,7 @@
               <a:buNone/>
             </a:pPr>
             <a:r>
-              <a:rPr lang="en-US" sz="2400" dirty="0">
+              <a:rPr lang="en-US" sz="2400" b="1" dirty="0">
                 <a:solidFill>
                   <a:srgbClr val="00FF00"/>
                 </a:solidFill>
@@ -15824,7 +15654,7 @@
               <a:t>  </a:t>
             </a:r>
             <a:r>
-              <a:rPr lang="en-US" sz="2400" i="0" u="none" strike="noStrike" cap="none" dirty="0">
+              <a:rPr lang="en-US" sz="2400" b="1" i="0" u="none" strike="noStrike" cap="none" dirty="0">
                 <a:solidFill>
                   <a:srgbClr val="00FF00"/>
                 </a:solidFill>
@@ -15836,7 +15666,7 @@
               <a:t>count</a:t>
             </a:r>
             <a:r>
-              <a:rPr lang="en-US" sz="2400" i="0" u="none" strike="noStrike" cap="none" dirty="0">
+              <a:rPr lang="en-US" sz="2400" b="1" i="0" u="none" strike="noStrike" cap="none" dirty="0">
                 <a:solidFill>
                   <a:schemeClr val="lt1"/>
                 </a:solidFill>
@@ -15867,7 +15697,7 @@
               <a:buNone/>
             </a:pPr>
             <a:r>
-              <a:rPr lang="en-US" sz="2400" dirty="0">
+              <a:rPr lang="en-US" sz="2400" b="1" dirty="0">
                 <a:solidFill>
                   <a:srgbClr val="FFFF00"/>
                 </a:solidFill>
@@ -15879,7 +15709,7 @@
               <a:t>  </a:t>
             </a:r>
             <a:r>
-              <a:rPr lang="en-US" sz="2400" i="0" u="none" strike="noStrike" cap="none" dirty="0">
+              <a:rPr lang="en-US" sz="2400" b="1" i="0" u="none" strike="noStrike" cap="none" dirty="0">
                 <a:solidFill>
                   <a:srgbClr val="FFFF00"/>
                 </a:solidFill>
@@ -15891,7 +15721,7 @@
               <a:t>for</a:t>
             </a:r>
             <a:r>
-              <a:rPr lang="en-US" sz="2400" i="0" u="none" strike="noStrike" cap="none" dirty="0">
+              <a:rPr lang="en-US" sz="2400" b="1" i="0" u="none" strike="noStrike" cap="none" dirty="0">
                 <a:solidFill>
                   <a:schemeClr val="lt1"/>
                 </a:solidFill>
@@ -15903,7 +15733,7 @@
               <a:t> </a:t>
             </a:r>
             <a:r>
-              <a:rPr lang="en-US" sz="2400" i="0" u="none" strike="noStrike" cap="none" dirty="0">
+              <a:rPr lang="en-US" sz="2400" b="1" i="0" u="none" strike="noStrike" cap="none" dirty="0">
                 <a:solidFill>
                   <a:srgbClr val="00FF00"/>
                 </a:solidFill>
@@ -15915,7 +15745,7 @@
               <a:t>line</a:t>
             </a:r>
             <a:r>
-              <a:rPr lang="en-US" sz="2400" i="0" u="none" strike="noStrike" cap="none" dirty="0">
+              <a:rPr lang="en-US" sz="2400" b="1" i="0" u="none" strike="noStrike" cap="none" dirty="0">
                 <a:solidFill>
                   <a:schemeClr val="lt1"/>
                 </a:solidFill>
@@ -15927,7 +15757,7 @@
               <a:t> </a:t>
             </a:r>
             <a:r>
-              <a:rPr lang="en-US" sz="2400" i="0" u="none" strike="noStrike" cap="none" dirty="0">
+              <a:rPr lang="en-US" sz="2400" b="1" i="0" u="none" strike="noStrike" cap="none" dirty="0">
                 <a:solidFill>
                   <a:srgbClr val="FFFF00"/>
                 </a:solidFill>
@@ -15939,7 +15769,7 @@
               <a:t>in</a:t>
             </a:r>
             <a:r>
-              <a:rPr lang="en-US" sz="2400" i="0" u="none" strike="noStrike" cap="none" dirty="0">
+              <a:rPr lang="en-US" sz="2400" b="1" i="0" u="none" strike="noStrike" cap="none" dirty="0">
                 <a:solidFill>
                   <a:schemeClr val="lt1"/>
                 </a:solidFill>
@@ -15951,7 +15781,7 @@
               <a:t> </a:t>
             </a:r>
             <a:r>
-              <a:rPr lang="en-US" sz="2400" i="0" u="none" strike="noStrike" cap="none" dirty="0" err="1">
+              <a:rPr lang="en-US" sz="2400" b="1" i="0" u="none" strike="noStrike" cap="none" dirty="0" err="1">
                 <a:solidFill>
                   <a:srgbClr val="00FF00"/>
                 </a:solidFill>
@@ -15963,7 +15793,7 @@
               <a:t>fhand</a:t>
             </a:r>
             <a:r>
-              <a:rPr lang="en-US" sz="2400" i="0" u="none" strike="noStrike" cap="none" dirty="0">
+              <a:rPr lang="en-US" sz="2400" b="1" i="0" u="none" strike="noStrike" cap="none" dirty="0">
                 <a:solidFill>
                   <a:schemeClr val="lt1"/>
                 </a:solidFill>
@@ -15994,7 +15824,7 @@
               <a:buNone/>
             </a:pPr>
             <a:r>
-              <a:rPr lang="en-US" sz="2400" i="0" u="none" strike="noStrike" cap="none" dirty="0">
+              <a:rPr lang="en-US" sz="2400" b="1" i="0" u="none" strike="noStrike" cap="none" dirty="0">
                 <a:solidFill>
                   <a:schemeClr val="lt1"/>
                 </a:solidFill>
@@ -16006,7 +15836,7 @@
               <a:t>      </a:t>
             </a:r>
             <a:r>
-              <a:rPr lang="en-US" sz="2400" i="0" u="none" strike="noStrike" cap="none" dirty="0">
+              <a:rPr lang="en-US" sz="2400" b="1" i="0" u="none" strike="noStrike" cap="none" dirty="0">
                 <a:solidFill>
                   <a:srgbClr val="FFFF00"/>
                 </a:solidFill>
@@ -16018,7 +15848,7 @@
               <a:t>if</a:t>
             </a:r>
             <a:r>
-              <a:rPr lang="en-US" sz="2400" i="0" u="none" strike="noStrike" cap="none" dirty="0">
+              <a:rPr lang="en-US" sz="2400" b="1" i="0" u="none" strike="noStrike" cap="none" dirty="0">
                 <a:solidFill>
                   <a:schemeClr val="lt1"/>
                 </a:solidFill>
@@ -16030,7 +15860,7 @@
               <a:t> </a:t>
             </a:r>
             <a:r>
-              <a:rPr lang="en-US" sz="2400" i="0" u="none" strike="noStrike" cap="none" dirty="0" err="1">
+              <a:rPr lang="en-US" sz="2400" b="1" i="0" u="none" strike="noStrike" cap="none" dirty="0" err="1">
                 <a:solidFill>
                   <a:srgbClr val="00FF00"/>
                 </a:solidFill>
@@ -16042,7 +15872,7 @@
               <a:t>line</a:t>
             </a:r>
             <a:r>
-              <a:rPr lang="en-US" sz="2400" i="0" u="none" strike="noStrike" cap="none" dirty="0" err="1">
+              <a:rPr lang="en-US" sz="2400" b="1" i="0" u="none" strike="noStrike" cap="none" dirty="0" err="1">
                 <a:solidFill>
                   <a:srgbClr val="FF00FF"/>
                 </a:solidFill>
@@ -16054,7 +15884,7 @@
               <a:t>.startswith</a:t>
             </a:r>
             <a:r>
-              <a:rPr lang="en-US" sz="2400" i="0" u="none" strike="noStrike" cap="none" dirty="0">
+              <a:rPr lang="en-US" sz="2400" b="1" i="0" u="none" strike="noStrike" cap="none" dirty="0">
                 <a:solidFill>
                   <a:schemeClr val="lt1"/>
                 </a:solidFill>
@@ -16085,7 +15915,7 @@
               <a:buNone/>
             </a:pPr>
             <a:r>
-              <a:rPr lang="en-US" sz="2400" i="0" u="none" strike="noStrike" cap="none" dirty="0">
+              <a:rPr lang="en-US" sz="2400" b="1" i="0" u="none" strike="noStrike" cap="none" dirty="0">
                 <a:solidFill>
                   <a:schemeClr val="lt1"/>
                 </a:solidFill>
@@ -16097,7 +15927,7 @@
               <a:t>          </a:t>
             </a:r>
             <a:r>
-              <a:rPr lang="en-US" sz="2400" i="0" u="none" strike="noStrike" cap="none" dirty="0">
+              <a:rPr lang="en-US" sz="2400" b="1" i="0" u="none" strike="noStrike" cap="none" dirty="0">
                 <a:solidFill>
                   <a:srgbClr val="00FF00"/>
                 </a:solidFill>
@@ -16109,7 +15939,7 @@
               <a:t>count</a:t>
             </a:r>
             <a:r>
-              <a:rPr lang="en-US" sz="2400" i="0" u="none" strike="noStrike" cap="none" dirty="0">
+              <a:rPr lang="en-US" sz="2400" b="1" i="0" u="none" strike="noStrike" cap="none" dirty="0">
                 <a:solidFill>
                   <a:schemeClr val="lt1"/>
                 </a:solidFill>
@@ -16121,7 +15951,7 @@
               <a:t> = </a:t>
             </a:r>
             <a:r>
-              <a:rPr lang="en-US" sz="2400" i="0" u="none" strike="noStrike" cap="none" dirty="0">
+              <a:rPr lang="en-US" sz="2400" b="1" i="0" u="none" strike="noStrike" cap="none" dirty="0">
                 <a:solidFill>
                   <a:srgbClr val="00FF00"/>
                 </a:solidFill>
@@ -16133,7 +15963,7 @@
               <a:t>count</a:t>
             </a:r>
             <a:r>
-              <a:rPr lang="en-US" sz="2400" i="0" u="none" strike="noStrike" cap="none" dirty="0">
+              <a:rPr lang="en-US" sz="2400" b="1" i="0" u="none" strike="noStrike" cap="none" dirty="0">
                 <a:solidFill>
                   <a:schemeClr val="lt1"/>
                 </a:solidFill>
@@ -16153,7 +15983,7 @@
               <a:buSzPct val="25000"/>
             </a:pPr>
             <a:r>
-              <a:rPr lang="en-US" sz="2400" dirty="0">
+              <a:rPr lang="en-US" sz="2400" b="1" dirty="0">
                 <a:solidFill>
                   <a:srgbClr val="FFFF00"/>
                 </a:solidFill>
@@ -16165,7 +15995,7 @@
               <a:t>  </a:t>
             </a:r>
             <a:r>
-              <a:rPr lang="en-US" sz="2400" i="0" u="none" strike="noStrike" cap="none" dirty="0" smtClean="0">
+              <a:rPr lang="en-US" sz="2400" b="1" i="0" u="none" strike="noStrike" cap="none" dirty="0">
                 <a:solidFill>
                   <a:srgbClr val="FFFF00"/>
                 </a:solidFill>
@@ -16177,7 +16007,7 @@
               <a:t>print</a:t>
             </a:r>
             <a:r>
-              <a:rPr lang="en-US" sz="2400" dirty="0">
+              <a:rPr lang="en-US" sz="2400" b="1" dirty="0">
                 <a:solidFill>
                   <a:schemeClr val="lt1"/>
                 </a:solidFill>
@@ -16189,31 +16019,19 @@
               <a:t>(</a:t>
             </a:r>
             <a:r>
-              <a:rPr lang="en-US" sz="2400" i="0" u="none" strike="noStrike" cap="none" dirty="0" smtClean="0">
-                <a:solidFill>
-                  <a:schemeClr val="lt1"/>
-                </a:solidFill>
-                <a:latin typeface="Courier"/>
-                <a:ea typeface="Courier"/>
-                <a:cs typeface="Courier"/>
-                <a:sym typeface="Courier New"/>
-              </a:rPr>
-              <a:t>'There </a:t>
-            </a:r>
-            <a:r>
-              <a:rPr lang="en-US" sz="2400" i="0" u="none" strike="noStrike" cap="none" dirty="0">
-                <a:solidFill>
-                  <a:schemeClr val="lt1"/>
-                </a:solidFill>
-                <a:latin typeface="Courier"/>
-                <a:ea typeface="Courier"/>
-                <a:cs typeface="Courier"/>
-                <a:sym typeface="Courier New"/>
-              </a:rPr>
-              <a:t>were', </a:t>
-            </a:r>
-            <a:r>
-              <a:rPr lang="en-US" sz="2400" i="0" u="none" strike="noStrike" cap="none" dirty="0">
+              <a:rPr lang="en-US" sz="2400" b="1" i="0" u="none" strike="noStrike" cap="none" dirty="0">
+                <a:solidFill>
+                  <a:schemeClr val="lt1"/>
+                </a:solidFill>
+                <a:latin typeface="Courier"/>
+                <a:ea typeface="Courier"/>
+                <a:cs typeface="Courier"/>
+                <a:sym typeface="Courier New"/>
+              </a:rPr>
+              <a:t>'There were', </a:t>
+            </a:r>
+            <a:r>
+              <a:rPr lang="en-US" sz="2400" b="1" i="0" u="none" strike="noStrike" cap="none" dirty="0">
                 <a:solidFill>
                   <a:srgbClr val="00FF00"/>
                 </a:solidFill>
@@ -16225,7 +16043,7 @@
               <a:t>count</a:t>
             </a:r>
             <a:r>
-              <a:rPr lang="en-US" sz="2400" i="0" u="none" strike="noStrike" cap="none" dirty="0">
+              <a:rPr lang="en-US" sz="2400" b="1" i="0" u="none" strike="noStrike" cap="none" dirty="0">
                 <a:solidFill>
                   <a:schemeClr val="lt1"/>
                 </a:solidFill>
@@ -16237,7 +16055,7 @@
               <a:t>, 'subject lines in', </a:t>
             </a:r>
             <a:r>
-              <a:rPr lang="en-US" sz="2400" i="0" u="none" strike="noStrike" cap="none" dirty="0" err="1" smtClean="0">
+              <a:rPr lang="en-US" sz="2400" b="1" i="0" u="none" strike="noStrike" cap="none" dirty="0" err="1">
                 <a:solidFill>
                   <a:schemeClr val="lt1"/>
                 </a:solidFill>
@@ -16249,7 +16067,7 @@
               <a:t>fname</a:t>
             </a:r>
             <a:r>
-              <a:rPr lang="en-US" sz="2400" dirty="0">
+              <a:rPr lang="en-US" sz="2400" b="1" dirty="0">
                 <a:solidFill>
                   <a:schemeClr val="lt1"/>
                 </a:solidFill>
@@ -16260,7 +16078,7 @@
               </a:rPr>
               <a:t>)</a:t>
             </a:r>
-            <a:endParaRPr lang="en-US" sz="2400" i="0" u="none" strike="noStrike" cap="none" dirty="0">
+            <a:endParaRPr lang="en-US" sz="2400" b="1" i="0" u="none" strike="noStrike" cap="none" dirty="0">
               <a:solidFill>
                 <a:schemeClr val="lt1"/>
               </a:solidFill>
@@ -17113,15 +16931,7 @@
                   <a:srgbClr val="FFFFFF"/>
                 </a:solidFill>
               </a:rPr>
-              <a:t>These </a:t>
-            </a:r>
-            <a:r>
-              <a:rPr lang="en-US" sz="1800" smtClean="0">
-                <a:solidFill>
-                  <a:srgbClr val="FFFFFF"/>
-                </a:solidFill>
-              </a:rPr>
-              <a:t>slides </a:t>
+              <a:t>These slides </a:t>
             </a:r>
             <a:r>
               <a:rPr lang="en-US" sz="1800" dirty="0">
@@ -17504,7 +17314,7 @@
               <a:buNone/>
             </a:pPr>
             <a:r>
-              <a:rPr lang="en-US" sz="2400" i="0" u="none" strike="noStrike" cap="none" dirty="0">
+              <a:rPr lang="en-US" sz="2400" b="1" i="0" u="none" strike="noStrike" cap="none" dirty="0">
                 <a:solidFill>
                   <a:srgbClr val="FF00FF"/>
                 </a:solidFill>
@@ -17516,7 +17326,7 @@
               <a:t>From </a:t>
             </a:r>
             <a:r>
-              <a:rPr lang="en-US" sz="2400" i="0" u="none" strike="noStrike" cap="none" dirty="0" err="1">
+              <a:rPr lang="en-US" sz="2400" b="1" i="0" u="none" strike="noStrike" cap="none" dirty="0" err="1">
                 <a:solidFill>
                   <a:srgbClr val="FF00FF"/>
                 </a:solidFill>
@@ -17528,7 +17338,7 @@
               <a:t>stephen.marquard@uct.ac.za</a:t>
             </a:r>
             <a:r>
-              <a:rPr lang="en-US" sz="2400" i="0" u="none" strike="noStrike" cap="none" dirty="0">
+              <a:rPr lang="en-US" sz="2400" b="1" i="0" u="none" strike="noStrike" cap="none" dirty="0">
                 <a:solidFill>
                   <a:srgbClr val="FF00FF"/>
                 </a:solidFill>
@@ -17559,7 +17369,7 @@
               <a:buNone/>
             </a:pPr>
             <a:r>
-              <a:rPr lang="en-US" sz="2400" i="0" u="none" strike="noStrike" cap="none" dirty="0">
+              <a:rPr lang="en-US" sz="2400" b="1" i="0" u="none" strike="noStrike" cap="none" dirty="0">
                 <a:solidFill>
                   <a:srgbClr val="FF00FF"/>
                 </a:solidFill>
@@ -17571,7 +17381,7 @@
               <a:t>Return-Path: &lt;</a:t>
             </a:r>
             <a:r>
-              <a:rPr lang="en-US" sz="2400" i="0" u="none" strike="noStrike" cap="none" dirty="0" err="1">
+              <a:rPr lang="en-US" sz="2400" b="1" i="0" u="none" strike="noStrike" cap="none" dirty="0" err="1">
                 <a:solidFill>
                   <a:srgbClr val="FF00FF"/>
                 </a:solidFill>
@@ -17583,7 +17393,7 @@
               <a:t>postmaster@collab.sakaiproject.org</a:t>
             </a:r>
             <a:r>
-              <a:rPr lang="en-US" sz="2400" i="0" u="none" strike="noStrike" cap="none" dirty="0">
+              <a:rPr lang="en-US" sz="2400" b="1" i="0" u="none" strike="noStrike" cap="none" dirty="0">
                 <a:solidFill>
                   <a:srgbClr val="FF00FF"/>
                 </a:solidFill>
@@ -17614,7 +17424,7 @@
               <a:buNone/>
             </a:pPr>
             <a:r>
-              <a:rPr lang="en-US" sz="2400" i="0" u="none" strike="noStrike" cap="none" dirty="0">
+              <a:rPr lang="en-US" sz="2400" b="1" i="0" u="none" strike="noStrike" cap="none" dirty="0">
                 <a:solidFill>
                   <a:srgbClr val="FF00FF"/>
                 </a:solidFill>
@@ -17645,7 +17455,7 @@
               <a:buNone/>
             </a:pPr>
             <a:r>
-              <a:rPr lang="en-US" sz="2400" i="0" u="none" strike="noStrike" cap="none" dirty="0">
+              <a:rPr lang="en-US" sz="2400" b="1" i="0" u="none" strike="noStrike" cap="none" dirty="0">
                 <a:solidFill>
                   <a:srgbClr val="FF00FF"/>
                 </a:solidFill>
@@ -17657,7 +17467,7 @@
               <a:t>To: </a:t>
             </a:r>
             <a:r>
-              <a:rPr lang="en-US" sz="2400" i="0" u="none" strike="noStrike" cap="none" dirty="0" err="1">
+              <a:rPr lang="en-US" sz="2400" b="1" i="0" u="none" strike="noStrike" cap="none" dirty="0" err="1">
                 <a:solidFill>
                   <a:srgbClr val="FF00FF"/>
                 </a:solidFill>
@@ -17668,7 +17478,7 @@
               </a:rPr>
               <a:t>source@collab.sakaiproject.org</a:t>
             </a:r>
-            <a:endParaRPr lang="en-US" sz="2400" i="0" u="none" strike="noStrike" cap="none" dirty="0">
+            <a:endParaRPr lang="en-US" sz="2400" b="1" i="0" u="none" strike="noStrike" cap="none" dirty="0">
               <a:solidFill>
                 <a:srgbClr val="FF00FF"/>
               </a:solidFill>
@@ -17697,7 +17507,7 @@
               <a:buNone/>
             </a:pPr>
             <a:r>
-              <a:rPr lang="en-US" sz="2400" i="0" u="none" strike="noStrike" cap="none" dirty="0">
+              <a:rPr lang="en-US" sz="2400" b="1" i="0" u="none" strike="noStrike" cap="none" dirty="0">
                 <a:solidFill>
                   <a:srgbClr val="FF00FF"/>
                 </a:solidFill>
@@ -17709,7 +17519,7 @@
               <a:t>From: </a:t>
             </a:r>
             <a:r>
-              <a:rPr lang="en-US" sz="2400" i="0" u="none" strike="noStrike" cap="none" dirty="0" err="1">
+              <a:rPr lang="en-US" sz="2400" b="1" i="0" u="none" strike="noStrike" cap="none" dirty="0" err="1">
                 <a:solidFill>
                   <a:srgbClr val="FF00FF"/>
                 </a:solidFill>
@@ -17720,7 +17530,7 @@
               </a:rPr>
               <a:t>stephen.marquard@uct.ac.za</a:t>
             </a:r>
-            <a:endParaRPr lang="en-US" sz="2400" i="0" u="none" strike="noStrike" cap="none" dirty="0">
+            <a:endParaRPr lang="en-US" sz="2400" b="1" i="0" u="none" strike="noStrike" cap="none" dirty="0">
               <a:solidFill>
                 <a:srgbClr val="FF00FF"/>
               </a:solidFill>
@@ -17749,7 +17559,7 @@
               <a:buNone/>
             </a:pPr>
             <a:r>
-              <a:rPr lang="en-US" sz="2400" i="0" u="none" strike="noStrike" cap="none" dirty="0">
+              <a:rPr lang="en-US" sz="2400" b="1" i="0" u="none" strike="noStrike" cap="none" dirty="0">
                 <a:solidFill>
                   <a:srgbClr val="FF00FF"/>
                 </a:solidFill>
@@ -17761,7 +17571,7 @@
               <a:t>Subject: [</a:t>
             </a:r>
             <a:r>
-              <a:rPr lang="en-US" sz="2400" i="0" u="none" strike="noStrike" cap="none" dirty="0" err="1">
+              <a:rPr lang="en-US" sz="2400" b="1" i="0" u="none" strike="noStrike" cap="none" dirty="0" err="1">
                 <a:solidFill>
                   <a:srgbClr val="FF00FF"/>
                 </a:solidFill>
@@ -17773,7 +17583,7 @@
               <a:t>sakai</a:t>
             </a:r>
             <a:r>
-              <a:rPr lang="en-US" sz="2400" i="0" u="none" strike="noStrike" cap="none" dirty="0">
+              <a:rPr lang="en-US" sz="2400" b="1" i="0" u="none" strike="noStrike" cap="none" dirty="0">
                 <a:solidFill>
                   <a:srgbClr val="FF00FF"/>
                 </a:solidFill>
@@ -17785,7 +17595,7 @@
               <a:t>] </a:t>
             </a:r>
             <a:r>
-              <a:rPr lang="en-US" sz="2400" i="0" u="none" strike="noStrike" cap="none" dirty="0" err="1">
+              <a:rPr lang="en-US" sz="2400" b="1" i="0" u="none" strike="noStrike" cap="none" dirty="0" err="1">
                 <a:solidFill>
                   <a:srgbClr val="FF00FF"/>
                 </a:solidFill>
@@ -17797,7 +17607,7 @@
               <a:t>svn</a:t>
             </a:r>
             <a:r>
-              <a:rPr lang="en-US" sz="2400" i="0" u="none" strike="noStrike" cap="none" dirty="0">
+              <a:rPr lang="en-US" sz="2400" b="1" i="0" u="none" strike="noStrike" cap="none" dirty="0">
                 <a:solidFill>
                   <a:srgbClr val="FF00FF"/>
                 </a:solidFill>
@@ -17826,7 +17636,7 @@
               <a:buFont typeface="Cabin"/>
               <a:buNone/>
             </a:pPr>
-            <a:endParaRPr sz="2400" dirty="0">
+            <a:endParaRPr sz="2400" b="1" dirty="0">
               <a:solidFill>
                 <a:srgbClr val="FF00FF"/>
               </a:solidFill>
@@ -17855,7 +17665,7 @@
               <a:buNone/>
             </a:pPr>
             <a:r>
-              <a:rPr lang="en-US" sz="2400" i="0" u="none" strike="noStrike" cap="none" dirty="0">
+              <a:rPr lang="en-US" sz="2400" b="1" i="0" u="none" strike="noStrike" cap="none" dirty="0">
                 <a:solidFill>
                   <a:srgbClr val="FF00FF"/>
                 </a:solidFill>
@@ -17867,7 +17677,7 @@
               <a:t>Details:</a:t>
             </a:r>
             <a:r>
-              <a:rPr lang="en-US" sz="2400" dirty="0">
+              <a:rPr lang="en-US" sz="2400" b="1" dirty="0">
                 <a:solidFill>
                   <a:srgbClr val="FF00FF"/>
                 </a:solidFill>
@@ -17879,7 +17689,7 @@
               <a:t> </a:t>
             </a:r>
             <a:r>
-              <a:rPr lang="en-US" sz="2400" i="0" u="none" strike="noStrike" cap="none" dirty="0">
+              <a:rPr lang="en-US" sz="2400" b="1" i="0" u="none" strike="noStrike" cap="none" dirty="0">
                 <a:solidFill>
                   <a:srgbClr val="FF00FF"/>
                 </a:solidFill>
@@ -17891,7 +17701,7 @@
               <a:t>http://</a:t>
             </a:r>
             <a:r>
-              <a:rPr lang="en-US" sz="2400" i="0" u="none" strike="noStrike" cap="none" dirty="0" err="1">
+              <a:rPr lang="en-US" sz="2400" b="1" i="0" u="none" strike="noStrike" cap="none" dirty="0" err="1">
                 <a:solidFill>
                   <a:srgbClr val="FF00FF"/>
                 </a:solidFill>
@@ -17903,7 +17713,7 @@
               <a:t>source.sakaiproject.org</a:t>
             </a:r>
             <a:r>
-              <a:rPr lang="en-US" sz="2400" i="0" u="none" strike="noStrike" cap="none" dirty="0">
+              <a:rPr lang="en-US" sz="2400" b="1" i="0" u="none" strike="noStrike" cap="none" dirty="0">
                 <a:solidFill>
                   <a:srgbClr val="FF00FF"/>
                 </a:solidFill>
@@ -17915,7 +17725,7 @@
               <a:t>/</a:t>
             </a:r>
             <a:r>
-              <a:rPr lang="en-US" sz="2400" i="0" u="none" strike="noStrike" cap="none" dirty="0" err="1">
+              <a:rPr lang="en-US" sz="2400" b="1" i="0" u="none" strike="noStrike" cap="none" dirty="0" err="1">
                 <a:solidFill>
                   <a:srgbClr val="FF00FF"/>
                 </a:solidFill>
@@ -17927,7 +17737,7 @@
               <a:t>viewsvn</a:t>
             </a:r>
             <a:r>
-              <a:rPr lang="en-US" sz="2400" i="0" u="none" strike="noStrike" cap="none" dirty="0">
+              <a:rPr lang="en-US" sz="2400" b="1" i="0" u="none" strike="noStrike" cap="none" dirty="0">
                 <a:solidFill>
                   <a:srgbClr val="FF00FF"/>
                 </a:solidFill>
@@ -17939,7 +17749,7 @@
               <a:t>/?view=</a:t>
             </a:r>
             <a:r>
-              <a:rPr lang="en-US" sz="2400" i="0" u="none" strike="noStrike" cap="none" dirty="0" err="1">
+              <a:rPr lang="en-US" sz="2400" b="1" i="0" u="none" strike="noStrike" cap="none" dirty="0" err="1">
                 <a:solidFill>
                   <a:srgbClr val="FF00FF"/>
                 </a:solidFill>
@@ -17951,7 +17761,7 @@
               <a:t>rev&amp;rev</a:t>
             </a:r>
             <a:r>
-              <a:rPr lang="en-US" sz="2400" i="0" u="none" strike="noStrike" cap="none" dirty="0">
+              <a:rPr lang="en-US" sz="2400" b="1" i="0" u="none" strike="noStrike" cap="none" dirty="0">
                 <a:solidFill>
                   <a:srgbClr val="FF00FF"/>
                 </a:solidFill>
@@ -18016,33 +17826,16 @@
                 <a:ea typeface="Arial" charset="0"/>
                 <a:cs typeface="Arial" charset="0"/>
                 <a:sym typeface="Cabin"/>
-                <a:hlinkClick r:id="rId3"/>
-              </a:rPr>
-              <a:t>http://</a:t>
-            </a:r>
-            <a:r>
-              <a:rPr lang="en-US" sz="3000" u="sng" strike="noStrike" cap="none" dirty="0" smtClean="0">
-                <a:solidFill>
-                  <a:srgbClr val="FFFF00"/>
-                </a:solidFill>
-                <a:latin typeface="Arial" charset="0"/>
-                <a:ea typeface="Arial" charset="0"/>
-                <a:cs typeface="Arial" charset="0"/>
-                <a:sym typeface="Cabin"/>
-                <a:hlinkClick r:id="rId3"/>
-              </a:rPr>
-              <a:t>www.py4e.com/code/mbox-short.txt</a:t>
-            </a:r>
-            <a:endParaRPr lang="en-US" sz="3000" u="sng" strike="noStrike" cap="none" dirty="0">
-              <a:solidFill>
-                <a:srgbClr val="FFFF00"/>
-              </a:solidFill>
-              <a:latin typeface="Arial" charset="0"/>
-              <a:ea typeface="Arial" charset="0"/>
-              <a:cs typeface="Arial" charset="0"/>
-              <a:sym typeface="Cabin"/>
-              <a:hlinkClick r:id="rId3"/>
-            </a:endParaRPr>
+                <a:hlinkClick r:id="rId3">
+                  <a:extLst>
+                    <a:ext uri="{A12FA001-AC4F-418D-AE19-62706E023703}">
+                      <ahyp:hlinkClr xmlns:ahyp="http://schemas.microsoft.com/office/drawing/2018/hyperlinkcolor" val="tx"/>
+                    </a:ext>
+                  </a:extLst>
+                </a:hlinkClick>
+              </a:rPr>
+              <a:t>http://www.py4e.com/code/mbox-short.txt</a:t>
+            </a:r>
           </a:p>
         </p:txBody>
       </p:sp>
@@ -18552,7 +18345,7 @@
               <a:buSzPct val="100000"/>
             </a:pPr>
             <a:r>
-              <a:rPr lang="en-US" sz="3600" dirty="0" smtClean="0">
+              <a:rPr lang="en-US" sz="3600" dirty="0">
                 <a:solidFill>
                   <a:srgbClr val="FF7F00"/>
                 </a:solidFill>
@@ -18564,7 +18357,7 @@
               <a:t>handle</a:t>
             </a:r>
             <a:r>
-              <a:rPr lang="en-US" sz="3600" dirty="0" smtClean="0">
+              <a:rPr lang="en-US" sz="3600" dirty="0">
                 <a:solidFill>
                   <a:schemeClr val="lt1"/>
                 </a:solidFill>
@@ -18573,93 +18366,81 @@
                 <a:cs typeface="Arial" charset="0"/>
                 <a:sym typeface="Cabin"/>
               </a:rPr>
-              <a:t> </a:t>
+              <a:t> = </a:t>
             </a:r>
             <a:r>
               <a:rPr lang="en-US" sz="3600" dirty="0">
                 <a:solidFill>
-                  <a:schemeClr val="lt1"/>
+                  <a:srgbClr val="FF00FF"/>
                 </a:solidFill>
                 <a:latin typeface="Arial" charset="0"/>
                 <a:ea typeface="Arial" charset="0"/>
                 <a:cs typeface="Arial" charset="0"/>
                 <a:sym typeface="Cabin"/>
               </a:rPr>
-              <a:t>= </a:t>
+              <a:t>open</a:t>
             </a:r>
             <a:r>
               <a:rPr lang="en-US" sz="3600" dirty="0">
                 <a:solidFill>
-                  <a:srgbClr val="FF00FF"/>
+                  <a:schemeClr val="lt1"/>
                 </a:solidFill>
                 <a:latin typeface="Arial" charset="0"/>
                 <a:ea typeface="Arial" charset="0"/>
                 <a:cs typeface="Arial" charset="0"/>
                 <a:sym typeface="Cabin"/>
               </a:rPr>
-              <a:t>open</a:t>
+              <a:t>(</a:t>
             </a:r>
             <a:r>
               <a:rPr lang="en-US" sz="3600" dirty="0">
                 <a:solidFill>
-                  <a:schemeClr val="lt1"/>
+                  <a:srgbClr val="00FFFF"/>
                 </a:solidFill>
                 <a:latin typeface="Arial" charset="0"/>
                 <a:ea typeface="Arial" charset="0"/>
                 <a:cs typeface="Arial" charset="0"/>
                 <a:sym typeface="Cabin"/>
               </a:rPr>
-              <a:t>(</a:t>
+              <a:t>filename</a:t>
             </a:r>
             <a:r>
               <a:rPr lang="en-US" sz="3600" dirty="0">
                 <a:solidFill>
-                  <a:srgbClr val="00FFFF"/>
+                  <a:schemeClr val="lt1"/>
                 </a:solidFill>
                 <a:latin typeface="Arial" charset="0"/>
                 <a:ea typeface="Arial" charset="0"/>
                 <a:cs typeface="Arial" charset="0"/>
                 <a:sym typeface="Cabin"/>
               </a:rPr>
-              <a:t>filename</a:t>
+              <a:t>, </a:t>
             </a:r>
             <a:r>
               <a:rPr lang="en-US" sz="3600" dirty="0">
                 <a:solidFill>
-                  <a:schemeClr val="lt1"/>
+                  <a:srgbClr val="FFFF00"/>
                 </a:solidFill>
                 <a:latin typeface="Arial" charset="0"/>
                 <a:ea typeface="Arial" charset="0"/>
                 <a:cs typeface="Arial" charset="0"/>
                 <a:sym typeface="Cabin"/>
               </a:rPr>
-              <a:t>, </a:t>
+              <a:t>mode</a:t>
             </a:r>
             <a:r>
               <a:rPr lang="en-US" sz="3600" dirty="0">
                 <a:solidFill>
-                  <a:srgbClr val="FFFF00"/>
+                  <a:schemeClr val="lt1"/>
                 </a:solidFill>
                 <a:latin typeface="Arial" charset="0"/>
                 <a:ea typeface="Arial" charset="0"/>
                 <a:cs typeface="Arial" charset="0"/>
                 <a:sym typeface="Cabin"/>
               </a:rPr>
-              <a:t>mode</a:t>
-            </a:r>
-            <a:r>
-              <a:rPr lang="en-US" sz="3600" dirty="0" smtClean="0">
-                <a:solidFill>
-                  <a:schemeClr val="lt1"/>
-                </a:solidFill>
-                <a:latin typeface="Arial" charset="0"/>
-                <a:ea typeface="Arial" charset="0"/>
-                <a:cs typeface="Arial" charset="0"/>
-                <a:sym typeface="Cabin"/>
-              </a:rPr>
               <a:t>)</a:t>
             </a:r>
-            <a:endParaRPr lang="en-US" sz="3600" u="none" strike="noStrike" cap="none" dirty="0" smtClean="0">
+            <a:endParaRPr lang="en-US" sz="3600" u="none" strike="noStrike" cap="none" dirty="0">
               <a:solidFill>
                 <a:srgbClr val="FF7F00"/>
               </a:solidFill>
@@ -18687,7 +18468,7 @@
               <a:buFont typeface="Cabin"/>
             </a:pPr>
             <a:r>
-              <a:rPr lang="en-US" sz="3600" u="none" strike="noStrike" cap="none" dirty="0" smtClean="0">
+              <a:rPr lang="en-US" sz="3600" u="none" strike="noStrike" cap="none" dirty="0">
                 <a:solidFill>
                   <a:srgbClr val="FF7F00"/>
                 </a:solidFill>
@@ -18696,19 +18477,7 @@
                 <a:cs typeface="Arial" charset="0"/>
                 <a:sym typeface="Cabin"/>
               </a:rPr>
-              <a:t>returns </a:t>
-            </a:r>
-            <a:r>
-              <a:rPr lang="en-US" sz="3600" u="none" strike="noStrike" cap="none" dirty="0">
-                <a:solidFill>
-                  <a:srgbClr val="FF7F00"/>
-                </a:solidFill>
-                <a:latin typeface="Arial" charset="0"/>
-                <a:ea typeface="Arial" charset="0"/>
-                <a:cs typeface="Arial" charset="0"/>
-                <a:sym typeface="Cabin"/>
-              </a:rPr>
-              <a:t>a handle use to manipulate the file</a:t>
+              <a:t>returns a handle use to manipulate the file</a:t>
             </a:r>
           </a:p>
           <a:p>
@@ -19039,7 +18808,7 @@
               <a:buNone/>
             </a:pPr>
             <a:r>
-              <a:rPr lang="en-US" sz="2800" i="0" u="none" strike="noStrike" cap="none" dirty="0">
+              <a:rPr lang="en-US" sz="2800" b="1" i="0" u="none" strike="noStrike" cap="none" dirty="0">
                 <a:solidFill>
                   <a:schemeClr val="lt1"/>
                 </a:solidFill>
@@ -19051,7 +18820,7 @@
               <a:t>&gt;&gt;&gt; </a:t>
             </a:r>
             <a:r>
-              <a:rPr lang="en-US" sz="2800" i="0" u="none" strike="noStrike" cap="none" dirty="0" err="1">
+              <a:rPr lang="en-US" sz="2800" b="1" i="0" u="none" strike="noStrike" cap="none" dirty="0" err="1">
                 <a:solidFill>
                   <a:srgbClr val="00FF00"/>
                 </a:solidFill>
@@ -19063,7 +18832,7 @@
               <a:t>fhand</a:t>
             </a:r>
             <a:r>
-              <a:rPr lang="en-US" sz="2800" i="0" u="none" strike="noStrike" cap="none" dirty="0">
+              <a:rPr lang="en-US" sz="2800" b="1" i="0" u="none" strike="noStrike" cap="none" dirty="0">
                 <a:solidFill>
                   <a:schemeClr val="lt1"/>
                 </a:solidFill>
@@ -19075,7 +18844,7 @@
               <a:t> = </a:t>
             </a:r>
             <a:r>
-              <a:rPr lang="en-US" sz="2800" i="0" u="none" strike="noStrike" cap="none" dirty="0">
+              <a:rPr lang="en-US" sz="2800" b="1" i="0" u="none" strike="noStrike" cap="none" dirty="0">
                 <a:solidFill>
                   <a:srgbClr val="FF7F00"/>
                 </a:solidFill>
@@ -19087,7 +18856,7 @@
               <a:t>open</a:t>
             </a:r>
             <a:r>
-              <a:rPr lang="en-US" sz="2800" i="0" u="none" strike="noStrike" cap="none" dirty="0">
+              <a:rPr lang="en-US" sz="2800" b="1" i="0" u="none" strike="noStrike" cap="none" dirty="0">
                 <a:solidFill>
                   <a:schemeClr val="lt1"/>
                 </a:solidFill>
@@ -19099,7 +18868,7 @@
               <a:t>(</a:t>
             </a:r>
             <a:r>
-              <a:rPr lang="en-US" sz="2800" i="0" u="none" strike="noStrike" cap="none" dirty="0">
+              <a:rPr lang="en-US" sz="2800" b="1" i="0" u="none" strike="noStrike" cap="none" dirty="0">
                 <a:solidFill>
                   <a:srgbClr val="FF7F00"/>
                 </a:solidFill>
@@ -19111,7 +18880,7 @@
               <a:t>'</a:t>
             </a:r>
             <a:r>
-              <a:rPr lang="en-US" sz="2800" i="0" u="none" strike="noStrike" cap="none" dirty="0" err="1">
+              <a:rPr lang="en-US" sz="2800" b="1" i="0" u="none" strike="noStrike" cap="none" dirty="0" err="1">
                 <a:solidFill>
                   <a:srgbClr val="FF7F00"/>
                 </a:solidFill>
@@ -19123,7 +18892,7 @@
               <a:t>mbox.txt</a:t>
             </a:r>
             <a:r>
-              <a:rPr lang="en-US" sz="2800" i="0" u="none" strike="noStrike" cap="none" dirty="0">
+              <a:rPr lang="en-US" sz="2800" b="1" i="0" u="none" strike="noStrike" cap="none" dirty="0">
                 <a:solidFill>
                   <a:srgbClr val="FF7F00"/>
                 </a:solidFill>
@@ -19135,7 +18904,7 @@
               <a:t>'</a:t>
             </a:r>
             <a:r>
-              <a:rPr lang="en-US" sz="2800" i="0" u="none" strike="noStrike" cap="none" dirty="0">
+              <a:rPr lang="en-US" sz="2800" b="1" i="0" u="none" strike="noStrike" cap="none" dirty="0">
                 <a:solidFill>
                   <a:schemeClr val="lt1"/>
                 </a:solidFill>
@@ -19155,7 +18924,7 @@
               <a:buSzPct val="25000"/>
             </a:pPr>
             <a:r>
-              <a:rPr lang="en-US" sz="2800" i="0" u="none" strike="noStrike" cap="none" dirty="0">
+              <a:rPr lang="en-US" sz="2800" b="1" i="0" u="none" strike="noStrike" cap="none" dirty="0">
                 <a:solidFill>
                   <a:schemeClr val="lt1"/>
                 </a:solidFill>
@@ -19167,7 +18936,7 @@
               <a:t>&gt;&gt;&gt; </a:t>
             </a:r>
             <a:r>
-              <a:rPr lang="en-US" sz="2800" i="0" u="none" strike="noStrike" cap="none" dirty="0" smtClean="0">
+              <a:rPr lang="en-US" sz="2800" b="1" i="0" u="none" strike="noStrike" cap="none" dirty="0">
                 <a:solidFill>
                   <a:srgbClr val="FFFF00"/>
                 </a:solidFill>
@@ -19179,7 +18948,7 @@
               <a:t>print(</a:t>
             </a:r>
             <a:r>
-              <a:rPr lang="en-US" sz="2800" i="0" u="none" strike="noStrike" cap="none" dirty="0" err="1" smtClean="0">
+              <a:rPr lang="en-US" sz="2800" b="1" i="0" u="none" strike="noStrike" cap="none" dirty="0" err="1">
                 <a:solidFill>
                   <a:srgbClr val="FF00FF"/>
                 </a:solidFill>
@@ -19191,7 +18960,7 @@
               <a:t>fhand</a:t>
             </a:r>
             <a:r>
-              <a:rPr lang="en-US" sz="2800" dirty="0" smtClean="0">
+              <a:rPr lang="en-US" sz="2800" b="1" dirty="0">
                 <a:solidFill>
                   <a:srgbClr val="FFFF00"/>
                 </a:solidFill>
@@ -19202,7 +18971,7 @@
               </a:rPr>
               <a:t>)</a:t>
             </a:r>
-            <a:endParaRPr lang="en-US" sz="2800" i="0" u="none" strike="noStrike" cap="none" dirty="0">
+            <a:endParaRPr lang="en-US" sz="2800" b="1" i="0" u="none" strike="noStrike" cap="none" dirty="0">
               <a:solidFill>
                 <a:srgbClr val="FF00FF"/>
               </a:solidFill>
@@ -19220,7 +18989,7 @@
               <a:buSzPct val="25000"/>
             </a:pPr>
             <a:r>
-              <a:rPr lang="en-US" sz="2800" dirty="0" smtClean="0">
+              <a:rPr lang="en-US" sz="2800" b="1" dirty="0">
                 <a:solidFill>
                   <a:schemeClr val="lt1"/>
                 </a:solidFill>
@@ -19232,7 +19001,7 @@
               <a:t>&lt;_</a:t>
             </a:r>
             <a:r>
-              <a:rPr lang="en-US" sz="2800" dirty="0" err="1">
+              <a:rPr lang="en-US" sz="2800" b="1" dirty="0" err="1">
                 <a:solidFill>
                   <a:schemeClr val="lt1"/>
                 </a:solidFill>
@@ -19244,31 +19013,19 @@
               <a:t>io.TextIOWrapper</a:t>
             </a:r>
             <a:r>
-              <a:rPr lang="en-US" sz="2800" dirty="0">
-                <a:solidFill>
-                  <a:schemeClr val="lt1"/>
-                </a:solidFill>
-                <a:latin typeface="Courier"/>
-                <a:ea typeface="Courier"/>
-                <a:cs typeface="Courier"/>
-                <a:sym typeface="Courier New"/>
-              </a:rPr>
-              <a:t> name=</a:t>
-            </a:r>
-            <a:r>
-              <a:rPr lang="en-US" sz="2800" dirty="0" smtClean="0">
-                <a:solidFill>
-                  <a:schemeClr val="lt1"/>
-                </a:solidFill>
-                <a:latin typeface="Courier"/>
-                <a:ea typeface="Courier"/>
-                <a:cs typeface="Courier"/>
-                <a:sym typeface="Courier New"/>
-              </a:rPr>
-              <a:t>'</a:t>
-            </a:r>
-            <a:r>
-              <a:rPr lang="en-US" sz="2800" dirty="0" err="1" smtClean="0">
+              <a:rPr lang="en-US" sz="2800" b="1" dirty="0">
+                <a:solidFill>
+                  <a:schemeClr val="lt1"/>
+                </a:solidFill>
+                <a:latin typeface="Courier"/>
+                <a:ea typeface="Courier"/>
+                <a:cs typeface="Courier"/>
+                <a:sym typeface="Courier New"/>
+              </a:rPr>
+              <a:t> name='</a:t>
+            </a:r>
+            <a:r>
+              <a:rPr lang="en-US" sz="2800" b="1" dirty="0" err="1">
                 <a:solidFill>
                   <a:schemeClr val="lt1"/>
                 </a:solidFill>
@@ -19280,30 +19037,18 @@
               <a:t>mbox.txt</a:t>
             </a:r>
             <a:r>
-              <a:rPr lang="en-US" sz="2800" dirty="0" smtClean="0">
-                <a:solidFill>
-                  <a:schemeClr val="lt1"/>
-                </a:solidFill>
-                <a:latin typeface="Courier"/>
-                <a:ea typeface="Courier"/>
-                <a:cs typeface="Courier"/>
-                <a:sym typeface="Courier New"/>
-              </a:rPr>
-              <a:t>' </a:t>
-            </a:r>
-            <a:r>
-              <a:rPr lang="en-US" sz="2800" dirty="0">
-                <a:solidFill>
-                  <a:schemeClr val="lt1"/>
-                </a:solidFill>
-                <a:latin typeface="Courier"/>
-                <a:ea typeface="Courier"/>
-                <a:cs typeface="Courier"/>
-                <a:sym typeface="Courier New"/>
-              </a:rPr>
-              <a:t>mode='r' encoding='UTF-8'&gt;</a:t>
-            </a:r>
-            <a:endParaRPr lang="en-US" sz="2800" i="0" u="none" strike="noStrike" cap="none" dirty="0">
+              <a:rPr lang="en-US" sz="2800" b="1" dirty="0">
+                <a:solidFill>
+                  <a:schemeClr val="lt1"/>
+                </a:solidFill>
+                <a:latin typeface="Courier"/>
+                <a:ea typeface="Courier"/>
+                <a:cs typeface="Courier"/>
+                <a:sym typeface="Courier New"/>
+              </a:rPr>
+              <a:t>' mode='r' encoding='UTF-8'&gt;</a:t>
+            </a:r>
+            <a:endParaRPr lang="en-US" sz="2800" b="1" i="0" u="none" strike="noStrike" cap="none" dirty="0">
               <a:solidFill>
                 <a:schemeClr val="lt1"/>
               </a:solidFill>
@@ -19467,7 +19212,7 @@
               <a:buNone/>
             </a:pPr>
             <a:r>
-              <a:rPr lang="en-US" sz="3600" i="0" u="none" strike="noStrike" cap="none" dirty="0">
+              <a:rPr lang="en-US" sz="3600" b="1" i="0" u="none" strike="noStrike" cap="none" dirty="0">
                 <a:solidFill>
                   <a:schemeClr val="lt1"/>
                 </a:solidFill>
@@ -19479,7 +19224,7 @@
               <a:t>&gt;&gt;&gt; </a:t>
             </a:r>
             <a:r>
-              <a:rPr lang="en-US" sz="3600" i="0" u="none" strike="noStrike" cap="none" dirty="0" err="1">
+              <a:rPr lang="en-US" sz="3600" b="1" i="0" u="none" strike="noStrike" cap="none" dirty="0" err="1">
                 <a:solidFill>
                   <a:srgbClr val="00FF00"/>
                 </a:solidFill>
@@ -19491,7 +19236,7 @@
               <a:t>fhand</a:t>
             </a:r>
             <a:r>
-              <a:rPr lang="en-US" sz="3600" i="0" u="none" strike="noStrike" cap="none" dirty="0">
+              <a:rPr lang="en-US" sz="3600" b="1" i="0" u="none" strike="noStrike" cap="none" dirty="0">
                 <a:solidFill>
                   <a:schemeClr val="lt1"/>
                 </a:solidFill>
@@ -19503,7 +19248,7 @@
               <a:t> = </a:t>
             </a:r>
             <a:r>
-              <a:rPr lang="en-US" sz="3600" i="0" u="none" strike="noStrike" cap="none" dirty="0">
+              <a:rPr lang="en-US" sz="3600" b="1" i="0" u="none" strike="noStrike" cap="none" dirty="0">
                 <a:solidFill>
                   <a:srgbClr val="FF00FF"/>
                 </a:solidFill>
@@ -19515,7 +19260,7 @@
               <a:t>open</a:t>
             </a:r>
             <a:r>
-              <a:rPr lang="en-US" sz="3600" i="0" u="none" strike="noStrike" cap="none" dirty="0">
+              <a:rPr lang="en-US" sz="3600" b="1" i="0" u="none" strike="noStrike" cap="none" dirty="0">
                 <a:solidFill>
                   <a:schemeClr val="lt1"/>
                 </a:solidFill>
@@ -19527,7 +19272,7 @@
               <a:t>('</a:t>
             </a:r>
             <a:r>
-              <a:rPr lang="en-US" sz="3600" i="0" u="none" strike="noStrike" cap="none" dirty="0" err="1">
+              <a:rPr lang="en-US" sz="3600" b="1" i="0" u="none" strike="noStrike" cap="none" dirty="0" err="1">
                 <a:solidFill>
                   <a:srgbClr val="FF7F00"/>
                 </a:solidFill>
@@ -19539,7 +19284,7 @@
               <a:t>stuff.txt</a:t>
             </a:r>
             <a:r>
-              <a:rPr lang="en-US" sz="3600" i="0" u="none" strike="noStrike" cap="none" dirty="0">
+              <a:rPr lang="en-US" sz="3600" b="1" i="0" u="none" strike="noStrike" cap="none" dirty="0">
                 <a:solidFill>
                   <a:srgbClr val="FF7F00"/>
                 </a:solidFill>
@@ -19551,7 +19296,7 @@
               <a:t>'</a:t>
             </a:r>
             <a:r>
-              <a:rPr lang="en-US" sz="3600" i="0" u="none" strike="noStrike" cap="none" dirty="0">
+              <a:rPr lang="en-US" sz="3600" b="1" i="0" u="none" strike="noStrike" cap="none" dirty="0">
                 <a:solidFill>
                   <a:schemeClr val="lt1"/>
                 </a:solidFill>
@@ -19582,7 +19327,7 @@
               <a:buNone/>
             </a:pPr>
             <a:r>
-              <a:rPr lang="en-US" sz="3600" i="0" u="none" strike="noStrike" cap="none" dirty="0" err="1">
+              <a:rPr lang="en-US" sz="3600" b="1" i="0" u="none" strike="noStrike" cap="none" dirty="0" err="1">
                 <a:solidFill>
                   <a:schemeClr val="lt1"/>
                 </a:solidFill>
@@ -19594,28 +19339,16 @@
               <a:t>Traceback</a:t>
             </a:r>
             <a:r>
-              <a:rPr lang="en-US" sz="3600" i="0" u="none" strike="noStrike" cap="none" dirty="0">
-                <a:solidFill>
-                  <a:schemeClr val="lt1"/>
-                </a:solidFill>
-                <a:latin typeface="Courier"/>
-                <a:ea typeface="Courier"/>
-                <a:cs typeface="Courier"/>
-                <a:sym typeface="Courier New"/>
-              </a:rPr>
-              <a:t> (most recent call last</a:t>
-            </a:r>
-            <a:r>
-              <a:rPr lang="en-US" sz="3600" i="0" u="none" strike="noStrike" cap="none" dirty="0" smtClean="0">
-                <a:solidFill>
-                  <a:schemeClr val="lt1"/>
-                </a:solidFill>
-                <a:latin typeface="Courier"/>
-                <a:ea typeface="Courier"/>
-                <a:cs typeface="Courier"/>
-                <a:sym typeface="Courier New"/>
-              </a:rPr>
-              <a:t>):</a:t>
+              <a:rPr lang="en-US" sz="3600" b="1" i="0" u="none" strike="noStrike" cap="none" dirty="0">
+                <a:solidFill>
+                  <a:schemeClr val="lt1"/>
+                </a:solidFill>
+                <a:latin typeface="Courier"/>
+                <a:ea typeface="Courier"/>
+                <a:cs typeface="Courier"/>
+                <a:sym typeface="Courier New"/>
+              </a:rPr>
+              <a:t> (most recent call last):</a:t>
             </a:r>
           </a:p>
           <a:p>
@@ -19637,31 +19370,19 @@
               <a:buNone/>
             </a:pPr>
             <a:r>
-              <a:rPr lang="en-US" sz="3600" i="0" u="none" strike="noStrike" cap="none" dirty="0" smtClean="0">
-                <a:solidFill>
-                  <a:schemeClr val="lt1"/>
-                </a:solidFill>
-                <a:latin typeface="Courier"/>
-                <a:ea typeface="Courier"/>
-                <a:cs typeface="Courier"/>
-                <a:sym typeface="Courier New"/>
-              </a:rPr>
-              <a:t>  </a:t>
-            </a:r>
-            <a:r>
-              <a:rPr lang="en-US" sz="3600" i="0" u="none" strike="noStrike" cap="none" dirty="0">
-                <a:solidFill>
-                  <a:schemeClr val="lt1"/>
-                </a:solidFill>
-                <a:latin typeface="Courier"/>
-                <a:ea typeface="Courier"/>
-                <a:cs typeface="Courier"/>
-                <a:sym typeface="Courier New"/>
-              </a:rPr>
-              <a:t>File "&lt;</a:t>
-            </a:r>
-            <a:r>
-              <a:rPr lang="en-US" sz="3600" i="0" u="none" strike="noStrike" cap="none" dirty="0" err="1">
+              <a:rPr lang="en-US" sz="3600" b="1" i="0" u="none" strike="noStrike" cap="none" dirty="0">
+                <a:solidFill>
+                  <a:schemeClr val="lt1"/>
+                </a:solidFill>
+                <a:latin typeface="Courier"/>
+                <a:ea typeface="Courier"/>
+                <a:cs typeface="Courier"/>
+                <a:sym typeface="Courier New"/>
+              </a:rPr>
+              <a:t>  File "&lt;</a:t>
+            </a:r>
+            <a:r>
+              <a:rPr lang="en-US" sz="3600" b="1" i="0" u="none" strike="noStrike" cap="none" dirty="0" err="1">
                 <a:solidFill>
                   <a:schemeClr val="lt1"/>
                 </a:solidFill>
@@ -19673,28 +19394,16 @@
               <a:t>stdin</a:t>
             </a:r>
             <a:r>
-              <a:rPr lang="en-US" sz="3600" i="0" u="none" strike="noStrike" cap="none" dirty="0">
-                <a:solidFill>
-                  <a:schemeClr val="lt1"/>
-                </a:solidFill>
-                <a:latin typeface="Courier"/>
-                <a:ea typeface="Courier"/>
-                <a:cs typeface="Courier"/>
-                <a:sym typeface="Courier New"/>
-              </a:rPr>
-              <a:t>&gt;", line 1, in &lt;module</a:t>
-            </a:r>
-            <a:r>
-              <a:rPr lang="en-US" sz="3600" i="0" u="none" strike="noStrike" cap="none" dirty="0" smtClean="0">
-                <a:solidFill>
-                  <a:schemeClr val="lt1"/>
-                </a:solidFill>
-                <a:latin typeface="Courier"/>
-                <a:ea typeface="Courier"/>
-                <a:cs typeface="Courier"/>
-                <a:sym typeface="Courier New"/>
-              </a:rPr>
-              <a:t>&gt;</a:t>
+              <a:rPr lang="en-US" sz="3600" b="1" i="0" u="none" strike="noStrike" cap="none" dirty="0">
+                <a:solidFill>
+                  <a:schemeClr val="lt1"/>
+                </a:solidFill>
+                <a:latin typeface="Courier"/>
+                <a:ea typeface="Courier"/>
+                <a:cs typeface="Courier"/>
+                <a:sym typeface="Courier New"/>
+              </a:rPr>
+              <a:t>&gt;", line 1, in &lt;module&gt;</a:t>
             </a:r>
           </a:p>
           <a:p>
@@ -19705,7 +19414,7 @@
               <a:buSzPct val="25000"/>
             </a:pPr>
             <a:r>
-              <a:rPr lang="en-US" sz="3600" dirty="0" err="1">
+              <a:rPr lang="en-US" sz="3600" b="1" dirty="0" err="1">
                 <a:solidFill>
                   <a:schemeClr val="lt1"/>
                 </a:solidFill>
@@ -19717,7 +19426,7 @@
               <a:t>FileNotFoundError</a:t>
             </a:r>
             <a:r>
-              <a:rPr lang="en-US" sz="3600" dirty="0">
+              <a:rPr lang="en-US" sz="3600" b="1" dirty="0">
                 <a:solidFill>
                   <a:schemeClr val="lt1"/>
                 </a:solidFill>
@@ -19729,7 +19438,7 @@
               <a:t>: [</a:t>
             </a:r>
             <a:r>
-              <a:rPr lang="en-US" sz="3600" dirty="0" err="1">
+              <a:rPr lang="en-US" sz="3600" b="1" dirty="0" err="1">
                 <a:solidFill>
                   <a:schemeClr val="lt1"/>
                 </a:solidFill>
@@ -19741,43 +19450,19 @@
               <a:t>Errno</a:t>
             </a:r>
             <a:r>
-              <a:rPr lang="en-US" sz="3600" dirty="0">
-                <a:solidFill>
-                  <a:schemeClr val="lt1"/>
-                </a:solidFill>
-                <a:latin typeface="Courier"/>
-                <a:ea typeface="Courier"/>
-                <a:cs typeface="Courier"/>
-                <a:sym typeface="Courier New"/>
-              </a:rPr>
-              <a:t> </a:t>
-            </a:r>
-            <a:r>
-              <a:rPr lang="en-US" sz="3600" dirty="0" smtClean="0">
-                <a:solidFill>
-                  <a:schemeClr val="lt1"/>
-                </a:solidFill>
-                <a:latin typeface="Courier"/>
-                <a:ea typeface="Courier"/>
-                <a:cs typeface="Courier"/>
-                <a:sym typeface="Courier New"/>
-              </a:rPr>
-              <a:t>2]</a:t>
-            </a:r>
-            <a:r>
-              <a:rPr lang="en-US" sz="3600" dirty="0">
-                <a:solidFill>
-                  <a:schemeClr val="lt1"/>
-                </a:solidFill>
-                <a:latin typeface="Courier"/>
-                <a:ea typeface="Courier"/>
-                <a:cs typeface="Courier"/>
-                <a:sym typeface="Courier New"/>
-              </a:rPr>
-              <a:t> </a:t>
-            </a:r>
-            <a:r>
-              <a:rPr lang="en-US" sz="3600" i="0" u="none" strike="noStrike" cap="none" dirty="0" smtClean="0">
+              <a:rPr lang="en-US" sz="3600" b="1" dirty="0">
+                <a:solidFill>
+                  <a:schemeClr val="lt1"/>
+                </a:solidFill>
+                <a:latin typeface="Courier"/>
+                <a:ea typeface="Courier"/>
+                <a:cs typeface="Courier"/>
+                <a:sym typeface="Courier New"/>
+              </a:rPr>
+              <a:t> 2] </a:t>
+            </a:r>
+            <a:r>
+              <a:rPr lang="en-US" sz="3600" b="1" i="0" u="none" strike="noStrike" cap="none" dirty="0">
                 <a:solidFill>
                   <a:srgbClr val="FF7F00"/>
                 </a:solidFill>
@@ -19786,10 +19471,10 @@
                 <a:cs typeface="Courier"/>
                 <a:sym typeface="Courier New"/>
               </a:rPr>
-              <a:t>No </a:t>
-            </a:r>
-            <a:r>
-              <a:rPr lang="en-US" sz="3600" i="0" u="none" strike="noStrike" cap="none" dirty="0">
+              <a:t>No such file or directory: '</a:t>
+            </a:r>
+            <a:r>
+              <a:rPr lang="en-US" sz="3600" b="1" i="0" u="none" strike="noStrike" cap="none" dirty="0" err="1">
                 <a:solidFill>
                   <a:srgbClr val="FF7F00"/>
                 </a:solidFill>
@@ -19798,22 +19483,10 @@
                 <a:cs typeface="Courier"/>
                 <a:sym typeface="Courier New"/>
               </a:rPr>
-              <a:t>such file or directory: '</a:t>
-            </a:r>
-            <a:r>
-              <a:rPr lang="en-US" sz="3600" i="0" u="none" strike="noStrike" cap="none" dirty="0" err="1">
-                <a:solidFill>
-                  <a:srgbClr val="FF7F00"/>
-                </a:solidFill>
-                <a:latin typeface="Courier"/>
-                <a:ea typeface="Courier"/>
-                <a:cs typeface="Courier"/>
-                <a:sym typeface="Courier New"/>
-              </a:rPr>
               <a:t>stuff.txt</a:t>
             </a:r>
             <a:r>
-              <a:rPr lang="en-US" sz="3600" i="0" u="none" strike="noStrike" cap="none" dirty="0">
+              <a:rPr lang="en-US" sz="3600" b="1" i="0" u="none" strike="noStrike" cap="none" dirty="0">
                 <a:solidFill>
                   <a:srgbClr val="FF7F00"/>
                 </a:solidFill>
@@ -20195,7 +19868,7 @@
               <a:buNone/>
             </a:pPr>
             <a:r>
-              <a:rPr lang="en-US" sz="3000" i="0" u="none" strike="noStrike" cap="none" dirty="0">
+              <a:rPr lang="en-US" sz="3000" b="1" i="0" u="none" strike="noStrike" cap="none" dirty="0">
                 <a:solidFill>
                   <a:schemeClr val="lt1"/>
                 </a:solidFill>
@@ -20207,7 +19880,7 @@
               <a:t>&gt;&gt;&gt; </a:t>
             </a:r>
             <a:r>
-              <a:rPr lang="en-US" sz="3000" i="0" u="none" strike="noStrike" cap="none" dirty="0">
+              <a:rPr lang="en-US" sz="3000" b="1" i="0" u="none" strike="noStrike" cap="none" dirty="0">
                 <a:solidFill>
                   <a:srgbClr val="00FF00"/>
                 </a:solidFill>
@@ -20219,7 +19892,7 @@
               <a:t>stuff</a:t>
             </a:r>
             <a:r>
-              <a:rPr lang="en-US" sz="3000" i="0" u="none" strike="noStrike" cap="none" dirty="0">
+              <a:rPr lang="en-US" sz="3000" b="1" i="0" u="none" strike="noStrike" cap="none" dirty="0">
                 <a:solidFill>
                   <a:schemeClr val="lt1"/>
                 </a:solidFill>
@@ -20231,7 +19904,7 @@
               <a:t> = 'Hello</a:t>
             </a:r>
             <a:r>
-              <a:rPr lang="en-US" sz="3000" i="0" u="none" strike="noStrike" cap="none" dirty="0">
+              <a:rPr lang="en-US" sz="3000" b="1" i="0" u="none" strike="noStrike" cap="none" dirty="0">
                 <a:solidFill>
                   <a:srgbClr val="00FFFF"/>
                 </a:solidFill>
@@ -20243,7 +19916,7 @@
               <a:t>\</a:t>
             </a:r>
             <a:r>
-              <a:rPr lang="en-US" sz="3000" i="0" u="none" strike="noStrike" cap="none" dirty="0" err="1">
+              <a:rPr lang="en-US" sz="3000" b="1" i="0" u="none" strike="noStrike" cap="none" dirty="0" err="1">
                 <a:solidFill>
                   <a:srgbClr val="00FFFF"/>
                 </a:solidFill>
@@ -20255,7 +19928,7 @@
               <a:t>n</a:t>
             </a:r>
             <a:r>
-              <a:rPr lang="en-US" sz="3000" i="0" u="none" strike="noStrike" cap="none" dirty="0" err="1">
+              <a:rPr lang="en-US" sz="3000" b="1" i="0" u="none" strike="noStrike" cap="none" dirty="0" err="1">
                 <a:solidFill>
                   <a:schemeClr val="lt1"/>
                 </a:solidFill>
@@ -20267,7 +19940,7 @@
               <a:t>World</a:t>
             </a:r>
             <a:r>
-              <a:rPr lang="en-US" sz="3000" i="0" u="none" strike="noStrike" cap="none" dirty="0">
+              <a:rPr lang="en-US" sz="3000" b="1" i="0" u="none" strike="noStrike" cap="none" dirty="0">
                 <a:solidFill>
                   <a:schemeClr val="lt1"/>
                 </a:solidFill>
@@ -20279,7 +19952,7 @@
               <a:t>!</a:t>
             </a:r>
             <a:r>
-              <a:rPr lang="en-US" sz="3000" dirty="0">
+              <a:rPr lang="en-US" sz="3000" b="1" dirty="0">
                 <a:solidFill>
                   <a:schemeClr val="lt1"/>
                 </a:solidFill>
@@ -20310,7 +19983,7 @@
               <a:buNone/>
             </a:pPr>
             <a:r>
-              <a:rPr lang="en-US" sz="3000" i="0" u="none" strike="noStrike" cap="none" dirty="0">
+              <a:rPr lang="en-US" sz="3000" b="1" i="0" u="none" strike="noStrike" cap="none" dirty="0">
                 <a:solidFill>
                   <a:schemeClr val="lt1"/>
                 </a:solidFill>
@@ -20322,7 +19995,7 @@
               <a:t>&gt;&gt;&gt; </a:t>
             </a:r>
             <a:r>
-              <a:rPr lang="en-US" sz="3000" i="0" u="none" strike="noStrike" cap="none" dirty="0">
+              <a:rPr lang="en-US" sz="3000" b="1" i="0" u="none" strike="noStrike" cap="none" dirty="0">
                 <a:solidFill>
                   <a:srgbClr val="00FF00"/>
                 </a:solidFill>
@@ -20353,7 +20026,7 @@
               <a:buNone/>
             </a:pPr>
             <a:r>
-              <a:rPr lang="en-US" sz="3000" i="0" u="none" strike="noStrike" cap="none" dirty="0">
+              <a:rPr lang="en-US" sz="3000" b="1" i="0" u="none" strike="noStrike" cap="none" dirty="0">
                 <a:solidFill>
                   <a:schemeClr val="lt1"/>
                 </a:solidFill>
@@ -20365,7 +20038,7 @@
               <a:t>'Hello</a:t>
             </a:r>
             <a:r>
-              <a:rPr lang="en-US" sz="3000" i="0" u="none" strike="noStrike" cap="none" dirty="0">
+              <a:rPr lang="en-US" sz="3000" b="1" i="0" u="none" strike="noStrike" cap="none" dirty="0">
                 <a:solidFill>
                   <a:srgbClr val="00FFFF"/>
                 </a:solidFill>
@@ -20377,7 +20050,7 @@
               <a:t>\</a:t>
             </a:r>
             <a:r>
-              <a:rPr lang="en-US" sz="3000" i="0" u="none" strike="noStrike" cap="none" dirty="0" err="1">
+              <a:rPr lang="en-US" sz="3000" b="1" i="0" u="none" strike="noStrike" cap="none" dirty="0" err="1">
                 <a:solidFill>
                   <a:srgbClr val="00FFFF"/>
                 </a:solidFill>
@@ -20389,7 +20062,7 @@
               <a:t>n</a:t>
             </a:r>
             <a:r>
-              <a:rPr lang="en-US" sz="3000" i="0" u="none" strike="noStrike" cap="none" dirty="0" err="1">
+              <a:rPr lang="en-US" sz="3000" b="1" i="0" u="none" strike="noStrike" cap="none" dirty="0" err="1">
                 <a:solidFill>
                   <a:schemeClr val="lt1"/>
                 </a:solidFill>
@@ -20401,7 +20074,7 @@
               <a:t>World</a:t>
             </a:r>
             <a:r>
-              <a:rPr lang="en-US" sz="3000" i="0" u="none" strike="noStrike" cap="none" dirty="0">
+              <a:rPr lang="en-US" sz="3000" b="1" i="0" u="none" strike="noStrike" cap="none" dirty="0">
                 <a:solidFill>
                   <a:schemeClr val="lt1"/>
                 </a:solidFill>
@@ -20413,7 +20086,7 @@
               <a:t>!</a:t>
             </a:r>
             <a:r>
-              <a:rPr lang="en-US" sz="3000" dirty="0">
+              <a:rPr lang="en-US" sz="3000" b="1" dirty="0">
                 <a:solidFill>
                   <a:schemeClr val="lt1"/>
                 </a:solidFill>
@@ -20444,7 +20117,7 @@
               <a:buNone/>
             </a:pPr>
             <a:r>
-              <a:rPr lang="en-US" sz="3000" i="0" u="none" strike="noStrike" cap="none" dirty="0">
+              <a:rPr lang="en-US" sz="3000" b="1" i="0" u="none" strike="noStrike" cap="none" dirty="0">
                 <a:solidFill>
                   <a:schemeClr val="lt1"/>
                 </a:solidFill>
@@ -20456,7 +20129,7 @@
               <a:t>&gt;&gt;&gt; </a:t>
             </a:r>
             <a:r>
-              <a:rPr lang="en-US" sz="3000" i="0" u="none" strike="noStrike" cap="none" dirty="0" smtClean="0">
+              <a:rPr lang="en-US" sz="3000" b="1" i="0" u="none" strike="noStrike" cap="none" dirty="0">
                 <a:solidFill>
                   <a:srgbClr val="FFFF00"/>
                 </a:solidFill>
@@ -20468,7 +20141,7 @@
               <a:t>print</a:t>
             </a:r>
             <a:r>
-              <a:rPr lang="en-US" sz="3000" dirty="0" smtClean="0">
+              <a:rPr lang="en-US" sz="3000" b="1" dirty="0">
                 <a:solidFill>
                   <a:schemeClr val="lt1"/>
                 </a:solidFill>
@@ -20480,7 +20153,7 @@
               <a:t>(</a:t>
             </a:r>
             <a:r>
-              <a:rPr lang="en-US" sz="3000" i="0" u="none" strike="noStrike" cap="none" dirty="0" smtClean="0">
+              <a:rPr lang="en-US" sz="3000" b="1" i="0" u="none" strike="noStrike" cap="none" dirty="0">
                 <a:solidFill>
                   <a:srgbClr val="00FF00"/>
                 </a:solidFill>
@@ -20492,7 +20165,7 @@
               <a:t>stuff</a:t>
             </a:r>
             <a:r>
-              <a:rPr lang="en-US" sz="3000" i="0" u="none" strike="noStrike" cap="none" dirty="0" smtClean="0">
+              <a:rPr lang="en-US" sz="3000" b="1" i="0" u="none" strike="noStrike" cap="none" dirty="0">
                 <a:solidFill>
                   <a:schemeClr val="bg1"/>
                 </a:solidFill>
@@ -20503,15 +20176,6 @@
               </a:rPr>
               <a:t>)</a:t>
             </a:r>
-            <a:endParaRPr lang="en-US" sz="3000" i="0" u="none" strike="noStrike" cap="none" dirty="0">
-              <a:solidFill>
-                <a:schemeClr val="bg1"/>
-              </a:solidFill>
-              <a:latin typeface="Courier"/>
-              <a:ea typeface="Courier"/>
-              <a:cs typeface="Courier"/>
-              <a:sym typeface="Courier New"/>
-            </a:endParaRPr>
           </a:p>
           <a:p>
             <a:pPr marL="0" marR="0" lvl="0" indent="0" algn="l" rtl="0">
@@ -20532,7 +20196,7 @@
               <a:buNone/>
             </a:pPr>
             <a:r>
-              <a:rPr lang="en-US" sz="3000" i="0" u="none" strike="noStrike" cap="none" dirty="0">
+              <a:rPr lang="en-US" sz="3000" b="1" i="0" u="none" strike="noStrike" cap="none" dirty="0">
                 <a:solidFill>
                   <a:schemeClr val="lt1"/>
                 </a:solidFill>
@@ -20563,7 +20227,7 @@
               <a:buNone/>
             </a:pPr>
             <a:r>
-              <a:rPr lang="en-US" sz="3000" i="0" u="none" strike="noStrike" cap="none" dirty="0">
+              <a:rPr lang="en-US" sz="3000" b="1" i="0" u="none" strike="noStrike" cap="none" dirty="0">
                 <a:solidFill>
                   <a:schemeClr val="lt1"/>
                 </a:solidFill>
@@ -20594,7 +20258,7 @@
               <a:buNone/>
             </a:pPr>
             <a:r>
-              <a:rPr lang="en-US" sz="3000" i="0" u="none" strike="noStrike" cap="none" dirty="0">
+              <a:rPr lang="en-US" sz="3000" b="1" i="0" u="none" strike="noStrike" cap="none" dirty="0">
                 <a:solidFill>
                   <a:schemeClr val="lt1"/>
                 </a:solidFill>
@@ -20606,7 +20270,7 @@
               <a:t>&gt;&gt;&gt; </a:t>
             </a:r>
             <a:r>
-              <a:rPr lang="en-US" sz="3000" i="0" u="none" strike="noStrike" cap="none" dirty="0">
+              <a:rPr lang="en-US" sz="3000" b="1" i="0" u="none" strike="noStrike" cap="none" dirty="0">
                 <a:solidFill>
                   <a:srgbClr val="00FF00"/>
                 </a:solidFill>
@@ -20618,7 +20282,7 @@
               <a:t>stuff</a:t>
             </a:r>
             <a:r>
-              <a:rPr lang="en-US" sz="3000" i="0" u="none" strike="noStrike" cap="none" dirty="0">
+              <a:rPr lang="en-US" sz="3000" b="1" i="0" u="none" strike="noStrike" cap="none" dirty="0">
                 <a:solidFill>
                   <a:schemeClr val="lt1"/>
                 </a:solidFill>
@@ -20630,7 +20294,7 @@
               <a:t> = 'X</a:t>
             </a:r>
             <a:r>
-              <a:rPr lang="en-US" sz="3000" i="0" u="none" strike="noStrike" cap="none" dirty="0">
+              <a:rPr lang="en-US" sz="3000" b="1" i="0" u="none" strike="noStrike" cap="none" dirty="0">
                 <a:solidFill>
                   <a:srgbClr val="00FFFF"/>
                 </a:solidFill>
@@ -20642,7 +20306,7 @@
               <a:t>\</a:t>
             </a:r>
             <a:r>
-              <a:rPr lang="en-US" sz="3000" i="0" u="none" strike="noStrike" cap="none" dirty="0" err="1">
+              <a:rPr lang="en-US" sz="3000" b="1" i="0" u="none" strike="noStrike" cap="none" dirty="0" err="1">
                 <a:solidFill>
                   <a:srgbClr val="00FFFF"/>
                 </a:solidFill>
@@ -20654,7 +20318,7 @@
               <a:t>n</a:t>
             </a:r>
             <a:r>
-              <a:rPr lang="en-US" sz="3000" i="0" u="none" strike="noStrike" cap="none" dirty="0" err="1">
+              <a:rPr lang="en-US" sz="3000" b="1" i="0" u="none" strike="noStrike" cap="none" dirty="0" err="1">
                 <a:solidFill>
                   <a:schemeClr val="lt1"/>
                 </a:solidFill>
@@ -20666,7 +20330,7 @@
               <a:t>Y</a:t>
             </a:r>
             <a:r>
-              <a:rPr lang="en-US" sz="3000" dirty="0">
+              <a:rPr lang="en-US" sz="3000" b="1" dirty="0">
                 <a:solidFill>
                   <a:schemeClr val="lt1"/>
                 </a:solidFill>
@@ -20697,7 +20361,7 @@
               <a:buNone/>
             </a:pPr>
             <a:r>
-              <a:rPr lang="en-US" sz="3000" i="0" u="none" strike="noStrike" cap="none" dirty="0">
+              <a:rPr lang="en-US" sz="3000" b="1" i="0" u="none" strike="noStrike" cap="none" dirty="0">
                 <a:solidFill>
                   <a:schemeClr val="lt1"/>
                 </a:solidFill>
@@ -20709,7 +20373,7 @@
               <a:t>&gt;&gt;&gt; </a:t>
             </a:r>
             <a:r>
-              <a:rPr lang="en-US" sz="3000" i="0" u="none" strike="noStrike" cap="none" dirty="0" smtClean="0">
+              <a:rPr lang="en-US" sz="3000" b="1" i="0" u="none" strike="noStrike" cap="none" dirty="0">
                 <a:solidFill>
                   <a:srgbClr val="FFFF00"/>
                 </a:solidFill>
@@ -20721,7 +20385,7 @@
               <a:t>print</a:t>
             </a:r>
             <a:r>
-              <a:rPr lang="en-US" sz="3000" dirty="0" smtClean="0">
+              <a:rPr lang="en-US" sz="3000" b="1" dirty="0">
                 <a:solidFill>
                   <a:schemeClr val="lt1"/>
                 </a:solidFill>
@@ -20733,7 +20397,7 @@
               <a:t>(</a:t>
             </a:r>
             <a:r>
-              <a:rPr lang="en-US" sz="3000" i="0" u="none" strike="noStrike" cap="none" dirty="0" smtClean="0">
+              <a:rPr lang="en-US" sz="3000" b="1" i="0" u="none" strike="noStrike" cap="none" dirty="0">
                 <a:solidFill>
                   <a:srgbClr val="00FF00"/>
                 </a:solidFill>
@@ -20745,7 +20409,7 @@
               <a:t>stuff</a:t>
             </a:r>
             <a:r>
-              <a:rPr lang="en-US" sz="3000" i="0" u="none" strike="noStrike" cap="none" dirty="0" smtClean="0">
+              <a:rPr lang="en-US" sz="3000" b="1" i="0" u="none" strike="noStrike" cap="none" dirty="0">
                 <a:solidFill>
                   <a:schemeClr val="bg1"/>
                 </a:solidFill>
@@ -20756,15 +20420,6 @@
               </a:rPr>
               <a:t>)</a:t>
             </a:r>
-            <a:endParaRPr lang="en-US" sz="3000" i="0" u="none" strike="noStrike" cap="none" dirty="0">
-              <a:solidFill>
-                <a:schemeClr val="bg1"/>
-              </a:solidFill>
-              <a:latin typeface="Courier"/>
-              <a:ea typeface="Courier"/>
-              <a:cs typeface="Courier"/>
-              <a:sym typeface="Courier New"/>
-            </a:endParaRPr>
           </a:p>
           <a:p>
             <a:pPr marL="0" marR="0" lvl="0" indent="0" algn="l" rtl="0">
@@ -20785,7 +20440,7 @@
               <a:buNone/>
             </a:pPr>
             <a:r>
-              <a:rPr lang="en-US" sz="3000" i="0" u="none" strike="noStrike" cap="none" dirty="0">
+              <a:rPr lang="en-US" sz="3000" b="1" i="0" u="none" strike="noStrike" cap="none" dirty="0">
                 <a:solidFill>
                   <a:schemeClr val="lt1"/>
                 </a:solidFill>
@@ -20816,7 +20471,7 @@
               <a:buNone/>
             </a:pPr>
             <a:r>
-              <a:rPr lang="en-US" sz="3000" i="0" u="none" strike="noStrike" cap="none" dirty="0">
+              <a:rPr lang="en-US" sz="3000" b="1" i="0" u="none" strike="noStrike" cap="none" dirty="0">
                 <a:solidFill>
                   <a:schemeClr val="lt1"/>
                 </a:solidFill>
@@ -20847,7 +20502,7 @@
               <a:buNone/>
             </a:pPr>
             <a:r>
-              <a:rPr lang="en-US" sz="3000" i="0" u="none" strike="noStrike" cap="none" dirty="0">
+              <a:rPr lang="en-US" sz="3000" b="1" i="0" u="none" strike="noStrike" cap="none" dirty="0">
                 <a:solidFill>
                   <a:schemeClr val="lt1"/>
                 </a:solidFill>
@@ -20859,7 +20514,7 @@
               <a:t>&gt;&gt;&gt; </a:t>
             </a:r>
             <a:r>
-              <a:rPr lang="en-US" sz="3000" i="0" u="none" strike="noStrike" cap="none" dirty="0" err="1">
+              <a:rPr lang="en-US" sz="3000" b="1" i="0" u="none" strike="noStrike" cap="none" dirty="0" err="1">
                 <a:solidFill>
                   <a:srgbClr val="FF00FF"/>
                 </a:solidFill>
@@ -20871,7 +20526,7 @@
               <a:t>len</a:t>
             </a:r>
             <a:r>
-              <a:rPr lang="en-US" sz="3000" i="0" u="none" strike="noStrike" cap="none" dirty="0">
+              <a:rPr lang="en-US" sz="3000" b="1" i="0" u="none" strike="noStrike" cap="none" dirty="0">
                 <a:solidFill>
                   <a:schemeClr val="lt1"/>
                 </a:solidFill>
@@ -20883,7 +20538,7 @@
               <a:t>(</a:t>
             </a:r>
             <a:r>
-              <a:rPr lang="en-US" sz="3000" i="0" u="none" strike="noStrike" cap="none" dirty="0">
+              <a:rPr lang="en-US" sz="3000" b="1" i="0" u="none" strike="noStrike" cap="none" dirty="0">
                 <a:solidFill>
                   <a:srgbClr val="00FF00"/>
                 </a:solidFill>
@@ -20895,7 +20550,7 @@
               <a:t>stuff</a:t>
             </a:r>
             <a:r>
-              <a:rPr lang="en-US" sz="3000" i="0" u="none" strike="noStrike" cap="none" dirty="0">
+              <a:rPr lang="en-US" sz="3000" b="1" i="0" u="none" strike="noStrike" cap="none" dirty="0">
                 <a:solidFill>
                   <a:schemeClr val="lt1"/>
                 </a:solidFill>
@@ -20926,7 +20581,7 @@
               <a:buNone/>
             </a:pPr>
             <a:r>
-              <a:rPr lang="en-US" sz="3000" i="0" u="none" strike="noStrike" cap="none" dirty="0">
+              <a:rPr lang="en-US" sz="3000" b="1" i="0" u="none" strike="noStrike" cap="none" dirty="0">
                 <a:solidFill>
                   <a:schemeClr val="lt1"/>
                 </a:solidFill>
@@ -21125,7 +20780,7 @@
               <a:buNone/>
             </a:pPr>
             <a:r>
-              <a:rPr lang="en-US" sz="2400" i="0" u="none" strike="noStrike" cap="none" dirty="0">
+              <a:rPr lang="en-US" sz="2400" b="1" i="0" u="none" strike="noStrike" cap="none" dirty="0">
                 <a:solidFill>
                   <a:srgbClr val="FF00FF"/>
                 </a:solidFill>
@@ -21137,7 +20792,7 @@
               <a:t>From </a:t>
             </a:r>
             <a:r>
-              <a:rPr lang="en-US" sz="2400" i="0" u="none" strike="noStrike" cap="none" dirty="0" err="1">
+              <a:rPr lang="en-US" sz="2400" b="1" i="0" u="none" strike="noStrike" cap="none" dirty="0" err="1">
                 <a:solidFill>
                   <a:srgbClr val="FF00FF"/>
                 </a:solidFill>
@@ -21149,7 +20804,7 @@
               <a:t>stephen.marquard@uct.ac.za</a:t>
             </a:r>
             <a:r>
-              <a:rPr lang="en-US" sz="2400" i="0" u="none" strike="noStrike" cap="none" dirty="0">
+              <a:rPr lang="en-US" sz="2400" b="1" i="0" u="none" strike="noStrike" cap="none" dirty="0">
                 <a:solidFill>
                   <a:srgbClr val="FF00FF"/>
                 </a:solidFill>
@@ -21180,7 +20835,7 @@
               <a:buNone/>
             </a:pPr>
             <a:r>
-              <a:rPr lang="en-US" sz="2400" i="0" u="none" strike="noStrike" cap="none" dirty="0">
+              <a:rPr lang="en-US" sz="2400" b="1" i="0" u="none" strike="noStrike" cap="none" dirty="0">
                 <a:solidFill>
                   <a:srgbClr val="FF00FF"/>
                 </a:solidFill>
@@ -21192,7 +20847,7 @@
               <a:t>Return-Path: &lt;</a:t>
             </a:r>
             <a:r>
-              <a:rPr lang="en-US" sz="2400" i="0" u="none" strike="noStrike" cap="none" dirty="0" err="1">
+              <a:rPr lang="en-US" sz="2400" b="1" i="0" u="none" strike="noStrike" cap="none" dirty="0" err="1">
                 <a:solidFill>
                   <a:srgbClr val="FF00FF"/>
                 </a:solidFill>
@@ -21204,7 +20859,7 @@
               <a:t>postmaster@collab.sakaiproject.org</a:t>
             </a:r>
             <a:r>
-              <a:rPr lang="en-US" sz="2400" i="0" u="none" strike="noStrike" cap="none" dirty="0">
+              <a:rPr lang="en-US" sz="2400" b="1" i="0" u="none" strike="noStrike" cap="none" dirty="0">
                 <a:solidFill>
                   <a:srgbClr val="FF00FF"/>
                 </a:solidFill>
@@ -21235,7 +20890,7 @@
               <a:buNone/>
             </a:pPr>
             <a:r>
-              <a:rPr lang="en-US" sz="2400" i="0" u="none" strike="noStrike" cap="none" dirty="0">
+              <a:rPr lang="en-US" sz="2400" b="1" i="0" u="none" strike="noStrike" cap="none" dirty="0">
                 <a:solidFill>
                   <a:srgbClr val="FF00FF"/>
                 </a:solidFill>
@@ -21266,7 +20921,7 @@
               <a:buNone/>
             </a:pPr>
             <a:r>
-              <a:rPr lang="en-US" sz="2400" i="0" u="none" strike="noStrike" cap="none" dirty="0">
+              <a:rPr lang="en-US" sz="2400" b="1" i="0" u="none" strike="noStrike" cap="none" dirty="0">
                 <a:solidFill>
                   <a:srgbClr val="FF00FF"/>
                 </a:solidFill>
@@ -21278,7 +20933,7 @@
               <a:t>To: </a:t>
             </a:r>
             <a:r>
-              <a:rPr lang="en-US" sz="2400" i="0" u="none" strike="noStrike" cap="none" dirty="0" err="1">
+              <a:rPr lang="en-US" sz="2400" b="1" i="0" u="none" strike="noStrike" cap="none" dirty="0" err="1">
                 <a:solidFill>
                   <a:srgbClr val="FF00FF"/>
                 </a:solidFill>
@@ -21289,7 +20944,7 @@
               </a:rPr>
               <a:t>source@collab.sakaiproject.org</a:t>
             </a:r>
-            <a:endParaRPr lang="en-US" sz="2400" i="0" u="none" strike="noStrike" cap="none" dirty="0">
+            <a:endParaRPr lang="en-US" sz="2400" b="1" i="0" u="none" strike="noStrike" cap="none" dirty="0">
               <a:solidFill>
                 <a:srgbClr val="FF00FF"/>
               </a:solidFill>
@@ -21318,7 +20973,7 @@
               <a:buNone/>
             </a:pPr>
             <a:r>
-              <a:rPr lang="en-US" sz="2400" i="0" u="none" strike="noStrike" cap="none" dirty="0">
+              <a:rPr lang="en-US" sz="2400" b="1" i="0" u="none" strike="noStrike" cap="none" dirty="0">
                 <a:solidFill>
                   <a:srgbClr val="FF00FF"/>
                 </a:solidFill>
@@ -21330,7 +20985,7 @@
               <a:t>From: </a:t>
             </a:r>
             <a:r>
-              <a:rPr lang="en-US" sz="2400" i="0" u="none" strike="noStrike" cap="none" dirty="0" err="1">
+              <a:rPr lang="en-US" sz="2400" b="1" i="0" u="none" strike="noStrike" cap="none" dirty="0" err="1">
                 <a:solidFill>
                   <a:srgbClr val="FF00FF"/>
                 </a:solidFill>
@@ -21341,7 +20996,7 @@
               </a:rPr>
               <a:t>stephen.marquard@uct.ac.za</a:t>
             </a:r>
-            <a:endParaRPr lang="en-US" sz="2400" i="0" u="none" strike="noStrike" cap="none" dirty="0">
+            <a:endParaRPr lang="en-US" sz="2400" b="1" i="0" u="none" strike="noStrike" cap="none" dirty="0">
               <a:solidFill>
                 <a:srgbClr val="FF00FF"/>
               </a:solidFill>
@@ -21370,7 +21025,7 @@
               <a:buNone/>
             </a:pPr>
             <a:r>
-              <a:rPr lang="en-US" sz="2400" i="0" u="none" strike="noStrike" cap="none" dirty="0">
+              <a:rPr lang="en-US" sz="2400" b="1" i="0" u="none" strike="noStrike" cap="none" dirty="0">
                 <a:solidFill>
                   <a:srgbClr val="FF00FF"/>
                 </a:solidFill>
@@ -21382,7 +21037,7 @@
               <a:t>Subject: [</a:t>
             </a:r>
             <a:r>
-              <a:rPr lang="en-US" sz="2400" i="0" u="none" strike="noStrike" cap="none" dirty="0" err="1">
+              <a:rPr lang="en-US" sz="2400" b="1" i="0" u="none" strike="noStrike" cap="none" dirty="0" err="1">
                 <a:solidFill>
                   <a:srgbClr val="FF00FF"/>
                 </a:solidFill>
@@ -21394,7 +21049,7 @@
               <a:t>sakai</a:t>
             </a:r>
             <a:r>
-              <a:rPr lang="en-US" sz="2400" i="0" u="none" strike="noStrike" cap="none" dirty="0">
+              <a:rPr lang="en-US" sz="2400" b="1" i="0" u="none" strike="noStrike" cap="none" dirty="0">
                 <a:solidFill>
                   <a:srgbClr val="FF00FF"/>
                 </a:solidFill>
@@ -21406,7 +21061,7 @@
               <a:t>] </a:t>
             </a:r>
             <a:r>
-              <a:rPr lang="en-US" sz="2400" i="0" u="none" strike="noStrike" cap="none" dirty="0" err="1">
+              <a:rPr lang="en-US" sz="2400" b="1" i="0" u="none" strike="noStrike" cap="none" dirty="0" err="1">
                 <a:solidFill>
                   <a:srgbClr val="FF00FF"/>
                 </a:solidFill>
@@ -21418,7 +21073,7 @@
               <a:t>svn</a:t>
             </a:r>
             <a:r>
-              <a:rPr lang="en-US" sz="2400" i="0" u="none" strike="noStrike" cap="none" dirty="0">
+              <a:rPr lang="en-US" sz="2400" b="1" i="0" u="none" strike="noStrike" cap="none" dirty="0">
                 <a:solidFill>
                   <a:srgbClr val="FF00FF"/>
                 </a:solidFill>
@@ -21447,7 +21102,7 @@
               <a:buFont typeface="Cabin"/>
               <a:buNone/>
             </a:pPr>
-            <a:endParaRPr sz="2400" dirty="0">
+            <a:endParaRPr sz="2400" b="1" dirty="0">
               <a:solidFill>
                 <a:srgbClr val="FF00FF"/>
               </a:solidFill>
@@ -21476,7 +21131,7 @@
               <a:buNone/>
             </a:pPr>
             <a:r>
-              <a:rPr lang="en-US" sz="2400" i="0" u="none" strike="noStrike" cap="none" dirty="0">
+              <a:rPr lang="en-US" sz="2400" b="1" i="0" u="none" strike="noStrike" cap="none" dirty="0">
                 <a:solidFill>
                   <a:srgbClr val="FF00FF"/>
                 </a:solidFill>
@@ -21488,7 +21143,7 @@
               <a:t>Details:</a:t>
             </a:r>
             <a:r>
-              <a:rPr lang="en-US" sz="2400" dirty="0">
+              <a:rPr lang="en-US" sz="2400" b="1" dirty="0">
                 <a:solidFill>
                   <a:srgbClr val="FF00FF"/>
                 </a:solidFill>
@@ -21500,7 +21155,7 @@
               <a:t> </a:t>
             </a:r>
             <a:r>
-              <a:rPr lang="en-US" sz="2400" i="0" u="none" strike="noStrike" cap="none" dirty="0">
+              <a:rPr lang="en-US" sz="2400" b="1" i="0" u="none" strike="noStrike" cap="none" dirty="0">
                 <a:solidFill>
                   <a:srgbClr val="FF00FF"/>
                 </a:solidFill>
@@ -21512,7 +21167,7 @@
               <a:t>http://</a:t>
             </a:r>
             <a:r>
-              <a:rPr lang="en-US" sz="2400" i="0" u="none" strike="noStrike" cap="none" dirty="0" err="1">
+              <a:rPr lang="en-US" sz="2400" b="1" i="0" u="none" strike="noStrike" cap="none" dirty="0" err="1">
                 <a:solidFill>
                   <a:srgbClr val="FF00FF"/>
                 </a:solidFill>
@@ -21524,7 +21179,7 @@
               <a:t>source.sakaiproject.org</a:t>
             </a:r>
             <a:r>
-              <a:rPr lang="en-US" sz="2400" i="0" u="none" strike="noStrike" cap="none" dirty="0">
+              <a:rPr lang="en-US" sz="2400" b="1" i="0" u="none" strike="noStrike" cap="none" dirty="0">
                 <a:solidFill>
                   <a:srgbClr val="FF00FF"/>
                 </a:solidFill>
@@ -21536,7 +21191,7 @@
               <a:t>/</a:t>
             </a:r>
             <a:r>
-              <a:rPr lang="en-US" sz="2400" i="0" u="none" strike="noStrike" cap="none" dirty="0" err="1">
+              <a:rPr lang="en-US" sz="2400" b="1" i="0" u="none" strike="noStrike" cap="none" dirty="0" err="1">
                 <a:solidFill>
                   <a:srgbClr val="FF00FF"/>
                 </a:solidFill>
@@ -21548,7 +21203,7 @@
               <a:t>viewsvn</a:t>
             </a:r>
             <a:r>
-              <a:rPr lang="en-US" sz="2400" i="0" u="none" strike="noStrike" cap="none" dirty="0">
+              <a:rPr lang="en-US" sz="2400" b="1" i="0" u="none" strike="noStrike" cap="none" dirty="0">
                 <a:solidFill>
                   <a:srgbClr val="FF00FF"/>
                 </a:solidFill>
@@ -21560,7 +21215,7 @@
               <a:t>/?view=</a:t>
             </a:r>
             <a:r>
-              <a:rPr lang="en-US" sz="2400" i="0" u="none" strike="noStrike" cap="none" dirty="0" err="1">
+              <a:rPr lang="en-US" sz="2400" b="1" i="0" u="none" strike="noStrike" cap="none" dirty="0" err="1">
                 <a:solidFill>
                   <a:srgbClr val="FF00FF"/>
                 </a:solidFill>
@@ -21572,7 +21227,7 @@
               <a:t>rev&amp;rev</a:t>
             </a:r>
             <a:r>
-              <a:rPr lang="en-US" sz="2400" i="0" u="none" strike="noStrike" cap="none" dirty="0">
+              <a:rPr lang="en-US" sz="2400" b="1" i="0" u="none" strike="noStrike" cap="none" dirty="0">
                 <a:solidFill>
                   <a:srgbClr val="FF00FF"/>
                 </a:solidFill>
